--- a/The Next præsentation.pptx
+++ b/The Next præsentation.pptx
@@ -2,7 +2,7 @@
 <file path=ppt/presentation.xml><?xml version="1.0" encoding="utf-8"?>
 <p:presentation xmlns:a="http://schemas.openxmlformats.org/drawingml/2006/main" xmlns:r="http://schemas.openxmlformats.org/officeDocument/2006/relationships" xmlns:p="http://schemas.openxmlformats.org/presentationml/2006/main" saveSubsetFonts="1">
   <p:sldMasterIdLst>
-    <p:sldMasterId id="2147483672" r:id="rId1"/>
+    <p:sldMasterId id="2147483684" r:id="rId1"/>
   </p:sldMasterIdLst>
   <p:notesMasterIdLst>
     <p:notesMasterId r:id="rId8"/>
@@ -112,6 +112,11 @@
       </a:defRPr>
     </a:lvl9pPr>
   </p:defaultTextStyle>
+  <p:extLst>
+    <p:ext uri="{EFAFB233-063F-42B5-8137-9DF3F51BA10A}">
+      <p15:sldGuideLst xmlns:p15="http://schemas.microsoft.com/office/powerpoint/2012/main"/>
+    </p:ext>
+  </p:extLst>
 </p:presentation>
 </file>
 
@@ -197,7 +202,7 @@
           <a:p>
             <a:fld id="{E61A9C3B-90A7-4284-A63B-100477C064F8}" type="datetimeFigureOut">
               <a:rPr lang="da-DK" smtClean="0"/>
-              <a:t>12-01-2019</a:t>
+              <a:t>12/01/2019</a:t>
             </a:fld>
             <a:endParaRPr lang="da-DK"/>
           </a:p>
@@ -569,19 +574,9 @@
 </p:notes>
 </file>
 
-<file path=ppt/slideLayouts/slideLayout1.xml><?xml version="1.0" encoding="utf-8"?>
-<p:sldLayout xmlns:a="http://schemas.openxmlformats.org/drawingml/2006/main" xmlns:r="http://schemas.openxmlformats.org/officeDocument/2006/relationships" xmlns:p="http://schemas.openxmlformats.org/presentationml/2006/main" showMasterSp="0" type="title" preserve="1">
-  <p:cSld name="Titelslide">
-    <p:bg>
-      <p:bgPr>
-        <a:solidFill>
-          <a:schemeClr val="bg2">
-            <a:lumMod val="75000"/>
-          </a:schemeClr>
-        </a:solidFill>
-        <a:effectLst/>
-      </p:bgPr>
-    </p:bg>
+<file path=ppt/notesSlides/notesSlide2.xml><?xml version="1.0" encoding="utf-8"?>
+<p:notes xmlns:a="http://schemas.openxmlformats.org/drawingml/2006/main" xmlns:r="http://schemas.openxmlformats.org/officeDocument/2006/relationships" xmlns:p="http://schemas.openxmlformats.org/presentationml/2006/main">
+  <p:cSld>
     <p:spTree>
       <p:nvGrpSpPr>
         <p:cNvPr id="1" name=""/>
@@ -598,6 +593,679 @@
       </p:grpSpPr>
       <p:sp>
         <p:nvSpPr>
+          <p:cNvPr id="2" name="Pladsholder til slidebillede 1"/>
+          <p:cNvSpPr>
+            <a:spLocks noGrp="1" noRot="1" noChangeAspect="1"/>
+          </p:cNvSpPr>
+          <p:nvPr>
+            <p:ph type="sldImg"/>
+          </p:nvPr>
+        </p:nvSpPr>
+        <p:spPr/>
+      </p:sp>
+      <p:sp>
+        <p:nvSpPr>
+          <p:cNvPr id="3" name="Pladsholder til noter 2"/>
+          <p:cNvSpPr>
+            <a:spLocks noGrp="1"/>
+          </p:cNvSpPr>
+          <p:nvPr>
+            <p:ph type="body" idx="1"/>
+          </p:nvPr>
+        </p:nvSpPr>
+        <p:spPr/>
+        <p:txBody>
+          <a:bodyPr/>
+          <a:lstStyle/>
+          <a:p>
+            <a:r>
+              <a:rPr lang="da-DK" sz="1200" b="0" i="0" kern="1200" dirty="0">
+                <a:solidFill>
+                  <a:schemeClr val="tx1"/>
+                </a:solidFill>
+                <a:effectLst/>
+                <a:latin typeface="+mn-lt"/>
+                <a:ea typeface="+mn-ea"/>
+                <a:cs typeface="+mn-cs"/>
+              </a:rPr>
+              <a:t>Formål: Klar arbejdsfordeling, ved hvem man skal konsultere i tilfælde af problemer -Øget effektivitet ift. Beslutningstagen. Ingen 'bredeste skuldre'. Bedre kvalitet på </a:t>
+            </a:r>
+            <a:r>
+              <a:rPr lang="da-DK" sz="1200" b="0" i="0" kern="1200" dirty="0" err="1">
+                <a:solidFill>
+                  <a:schemeClr val="tx1"/>
+                </a:solidFill>
+                <a:effectLst/>
+                <a:latin typeface="+mn-lt"/>
+                <a:ea typeface="+mn-ea"/>
+                <a:cs typeface="+mn-cs"/>
+              </a:rPr>
+              <a:t>reviews</a:t>
+            </a:r>
+            <a:r>
+              <a:rPr lang="da-DK" sz="1200" b="0" i="0" kern="1200" dirty="0">
+                <a:solidFill>
+                  <a:schemeClr val="tx1"/>
+                </a:solidFill>
+                <a:effectLst/>
+                <a:latin typeface="+mn-lt"/>
+                <a:ea typeface="+mn-ea"/>
+                <a:cs typeface="+mn-cs"/>
+              </a:rPr>
+              <a:t>. </a:t>
+            </a:r>
+            <a:br>
+              <a:rPr lang="da-DK" sz="1200" b="0" i="0" kern="1200" dirty="0">
+                <a:solidFill>
+                  <a:schemeClr val="tx1"/>
+                </a:solidFill>
+                <a:effectLst/>
+                <a:latin typeface="+mn-lt"/>
+                <a:ea typeface="+mn-ea"/>
+                <a:cs typeface="+mn-cs"/>
+              </a:rPr>
+            </a:br>
+            <a:r>
+              <a:rPr lang="da-DK" sz="1200" b="0" i="0" kern="1200" dirty="0">
+                <a:solidFill>
+                  <a:schemeClr val="tx1"/>
+                </a:solidFill>
+                <a:effectLst/>
+                <a:latin typeface="+mn-lt"/>
+                <a:ea typeface="+mn-ea"/>
+                <a:cs typeface="+mn-cs"/>
+              </a:rPr>
+              <a:t>Udnytte forcer. Bedre overblik, Stand-up meeting. </a:t>
+            </a:r>
+            <a:endParaRPr lang="da-DK" dirty="0"/>
+          </a:p>
+        </p:txBody>
+      </p:sp>
+      <p:sp>
+        <p:nvSpPr>
+          <p:cNvPr id="4" name="Pladsholder til slidenummer 3"/>
+          <p:cNvSpPr>
+            <a:spLocks noGrp="1"/>
+          </p:cNvSpPr>
+          <p:nvPr>
+            <p:ph type="sldNum" sz="quarter" idx="5"/>
+          </p:nvPr>
+        </p:nvSpPr>
+        <p:spPr/>
+        <p:txBody>
+          <a:bodyPr/>
+          <a:lstStyle/>
+          <a:p>
+            <a:fld id="{D06CF7F7-D955-46FE-9A6A-0E516E6F2893}" type="slidenum">
+              <a:rPr lang="da-DK" smtClean="0"/>
+              <a:t>3</a:t>
+            </a:fld>
+            <a:endParaRPr lang="da-DK"/>
+          </a:p>
+        </p:txBody>
+      </p:sp>
+    </p:spTree>
+    <p:extLst>
+      <p:ext uri="{BB962C8B-B14F-4D97-AF65-F5344CB8AC3E}">
+        <p14:creationId xmlns:p14="http://schemas.microsoft.com/office/powerpoint/2010/main" val="3709999001"/>
+      </p:ext>
+    </p:extLst>
+  </p:cSld>
+  <p:clrMapOvr>
+    <a:masterClrMapping/>
+  </p:clrMapOvr>
+</p:notes>
+</file>
+
+<file path=ppt/slideLayouts/slideLayout1.xml><?xml version="1.0" encoding="utf-8"?>
+<p:sldLayout xmlns:a="http://schemas.openxmlformats.org/drawingml/2006/main" xmlns:r="http://schemas.openxmlformats.org/officeDocument/2006/relationships" xmlns:p="http://schemas.openxmlformats.org/presentationml/2006/main" showMasterSp="0" type="title" preserve="1">
+  <p:cSld name="Titelslide">
+    <p:spTree>
+      <p:nvGrpSpPr>
+        <p:cNvPr id="1" name=""/>
+        <p:cNvGrpSpPr/>
+        <p:nvPr/>
+      </p:nvGrpSpPr>
+      <p:grpSpPr>
+        <a:xfrm>
+          <a:off x="0" y="0"/>
+          <a:ext cx="0" cy="0"/>
+          <a:chOff x="0" y="0"/>
+          <a:chExt cx="0" cy="0"/>
+        </a:xfrm>
+      </p:grpSpPr>
+      <p:grpSp>
+        <p:nvGrpSpPr>
+          <p:cNvPr id="7" name="Group 6"/>
+          <p:cNvGrpSpPr/>
+          <p:nvPr/>
+        </p:nvGrpSpPr>
+        <p:grpSpPr>
+          <a:xfrm>
+            <a:off x="0" y="-8467"/>
+            <a:ext cx="12192000" cy="6866467"/>
+            <a:chOff x="0" y="-8467"/>
+            <a:chExt cx="12192000" cy="6866467"/>
+          </a:xfrm>
+        </p:grpSpPr>
+        <p:cxnSp>
+          <p:nvCxnSpPr>
+            <p:cNvPr id="32" name="Straight Connector 31"/>
+            <p:cNvCxnSpPr/>
+            <p:nvPr/>
+          </p:nvCxnSpPr>
+          <p:spPr>
+            <a:xfrm>
+              <a:off x="9371012" y="0"/>
+              <a:ext cx="1219200" cy="6858000"/>
+            </a:xfrm>
+            <a:prstGeom prst="line">
+              <a:avLst/>
+            </a:prstGeom>
+            <a:ln w="9525">
+              <a:solidFill>
+                <a:schemeClr val="bg1">
+                  <a:lumMod val="75000"/>
+                </a:schemeClr>
+              </a:solidFill>
+            </a:ln>
+          </p:spPr>
+          <p:style>
+            <a:lnRef idx="2">
+              <a:schemeClr val="accent1"/>
+            </a:lnRef>
+            <a:fillRef idx="0">
+              <a:schemeClr val="accent1"/>
+            </a:fillRef>
+            <a:effectRef idx="1">
+              <a:schemeClr val="accent1"/>
+            </a:effectRef>
+            <a:fontRef idx="minor">
+              <a:schemeClr val="tx1"/>
+            </a:fontRef>
+          </p:style>
+        </p:cxnSp>
+        <p:cxnSp>
+          <p:nvCxnSpPr>
+            <p:cNvPr id="21" name="Straight Connector 20"/>
+            <p:cNvCxnSpPr/>
+            <p:nvPr/>
+          </p:nvCxnSpPr>
+          <p:spPr>
+            <a:xfrm flipH="1">
+              <a:off x="7425267" y="3681413"/>
+              <a:ext cx="4763558" cy="3176587"/>
+            </a:xfrm>
+            <a:prstGeom prst="line">
+              <a:avLst/>
+            </a:prstGeom>
+            <a:ln w="9525">
+              <a:solidFill>
+                <a:schemeClr val="bg1">
+                  <a:lumMod val="85000"/>
+                </a:schemeClr>
+              </a:solidFill>
+            </a:ln>
+          </p:spPr>
+          <p:style>
+            <a:lnRef idx="2">
+              <a:schemeClr val="accent1"/>
+            </a:lnRef>
+            <a:fillRef idx="0">
+              <a:schemeClr val="accent1"/>
+            </a:fillRef>
+            <a:effectRef idx="1">
+              <a:schemeClr val="accent1"/>
+            </a:effectRef>
+            <a:fontRef idx="minor">
+              <a:schemeClr val="tx1"/>
+            </a:fontRef>
+          </p:style>
+        </p:cxnSp>
+        <p:sp>
+          <p:nvSpPr>
+            <p:cNvPr id="24" name="Rectangle 23"/>
+            <p:cNvSpPr/>
+            <p:nvPr/>
+          </p:nvSpPr>
+          <p:spPr>
+            <a:xfrm>
+              <a:off x="9181476" y="-8467"/>
+              <a:ext cx="3007349" cy="6866467"/>
+            </a:xfrm>
+            <a:custGeom>
+              <a:avLst/>
+              <a:gdLst/>
+              <a:ahLst/>
+              <a:cxnLst/>
+              <a:rect l="l" t="t" r="r" b="b"/>
+              <a:pathLst>
+                <a:path w="3007349" h="6866467">
+                  <a:moveTo>
+                    <a:pt x="2045532" y="0"/>
+                  </a:moveTo>
+                  <a:lnTo>
+                    <a:pt x="3007349" y="0"/>
+                  </a:lnTo>
+                  <a:lnTo>
+                    <a:pt x="3007349" y="6866467"/>
+                  </a:lnTo>
+                  <a:lnTo>
+                    <a:pt x="0" y="6866467"/>
+                  </a:lnTo>
+                  <a:lnTo>
+                    <a:pt x="2045532" y="0"/>
+                  </a:lnTo>
+                  <a:close/>
+                </a:path>
+              </a:pathLst>
+            </a:custGeom>
+            <a:solidFill>
+              <a:schemeClr val="accent1">
+                <a:alpha val="30000"/>
+              </a:schemeClr>
+            </a:solidFill>
+            <a:ln>
+              <a:noFill/>
+            </a:ln>
+            <a:effectLst/>
+          </p:spPr>
+          <p:style>
+            <a:lnRef idx="1">
+              <a:schemeClr val="accent1"/>
+            </a:lnRef>
+            <a:fillRef idx="3">
+              <a:schemeClr val="accent1"/>
+            </a:fillRef>
+            <a:effectRef idx="2">
+              <a:schemeClr val="accent1"/>
+            </a:effectRef>
+            <a:fontRef idx="minor">
+              <a:schemeClr val="lt1"/>
+            </a:fontRef>
+          </p:style>
+        </p:sp>
+        <p:sp>
+          <p:nvSpPr>
+            <p:cNvPr id="26" name="Rectangle 25"/>
+            <p:cNvSpPr/>
+            <p:nvPr/>
+          </p:nvSpPr>
+          <p:spPr>
+            <a:xfrm>
+              <a:off x="9603442" y="-8467"/>
+              <a:ext cx="2588558" cy="6866467"/>
+            </a:xfrm>
+            <a:custGeom>
+              <a:avLst/>
+              <a:gdLst/>
+              <a:ahLst/>
+              <a:cxnLst/>
+              <a:rect l="l" t="t" r="r" b="b"/>
+              <a:pathLst>
+                <a:path w="2573311" h="6866467">
+                  <a:moveTo>
+                    <a:pt x="0" y="0"/>
+                  </a:moveTo>
+                  <a:lnTo>
+                    <a:pt x="2573311" y="0"/>
+                  </a:lnTo>
+                  <a:lnTo>
+                    <a:pt x="2573311" y="6866467"/>
+                  </a:lnTo>
+                  <a:lnTo>
+                    <a:pt x="1202336" y="6866467"/>
+                  </a:lnTo>
+                  <a:lnTo>
+                    <a:pt x="0" y="0"/>
+                  </a:lnTo>
+                  <a:close/>
+                </a:path>
+              </a:pathLst>
+            </a:custGeom>
+            <a:solidFill>
+              <a:schemeClr val="accent1">
+                <a:alpha val="20000"/>
+              </a:schemeClr>
+            </a:solidFill>
+            <a:ln>
+              <a:noFill/>
+            </a:ln>
+            <a:effectLst/>
+          </p:spPr>
+          <p:style>
+            <a:lnRef idx="1">
+              <a:schemeClr val="accent1"/>
+            </a:lnRef>
+            <a:fillRef idx="3">
+              <a:schemeClr val="accent1"/>
+            </a:fillRef>
+            <a:effectRef idx="2">
+              <a:schemeClr val="accent1"/>
+            </a:effectRef>
+            <a:fontRef idx="minor">
+              <a:schemeClr val="lt1"/>
+            </a:fontRef>
+          </p:style>
+        </p:sp>
+        <p:sp>
+          <p:nvSpPr>
+            <p:cNvPr id="27" name="Isosceles Triangle 26"/>
+            <p:cNvSpPr/>
+            <p:nvPr/>
+          </p:nvSpPr>
+          <p:spPr>
+            <a:xfrm>
+              <a:off x="8932333" y="3048000"/>
+              <a:ext cx="3259667" cy="3810000"/>
+            </a:xfrm>
+            <a:prstGeom prst="triangle">
+              <a:avLst>
+                <a:gd name="adj" fmla="val 100000"/>
+              </a:avLst>
+            </a:prstGeom>
+            <a:solidFill>
+              <a:schemeClr val="accent2">
+                <a:alpha val="72000"/>
+              </a:schemeClr>
+            </a:solidFill>
+            <a:ln>
+              <a:noFill/>
+            </a:ln>
+            <a:effectLst/>
+          </p:spPr>
+          <p:style>
+            <a:lnRef idx="1">
+              <a:schemeClr val="accent1"/>
+            </a:lnRef>
+            <a:fillRef idx="3">
+              <a:schemeClr val="accent1"/>
+            </a:fillRef>
+            <a:effectRef idx="2">
+              <a:schemeClr val="accent1"/>
+            </a:effectRef>
+            <a:fontRef idx="minor">
+              <a:schemeClr val="lt1"/>
+            </a:fontRef>
+          </p:style>
+        </p:sp>
+        <p:sp>
+          <p:nvSpPr>
+            <p:cNvPr id="28" name="Rectangle 27"/>
+            <p:cNvSpPr/>
+            <p:nvPr/>
+          </p:nvSpPr>
+          <p:spPr>
+            <a:xfrm>
+              <a:off x="9334500" y="-8467"/>
+              <a:ext cx="2854326" cy="6866467"/>
+            </a:xfrm>
+            <a:custGeom>
+              <a:avLst/>
+              <a:gdLst/>
+              <a:ahLst/>
+              <a:cxnLst/>
+              <a:rect l="l" t="t" r="r" b="b"/>
+              <a:pathLst>
+                <a:path w="2858013" h="6866467">
+                  <a:moveTo>
+                    <a:pt x="0" y="0"/>
+                  </a:moveTo>
+                  <a:lnTo>
+                    <a:pt x="2858013" y="0"/>
+                  </a:lnTo>
+                  <a:lnTo>
+                    <a:pt x="2858013" y="6866467"/>
+                  </a:lnTo>
+                  <a:lnTo>
+                    <a:pt x="2473942" y="6866467"/>
+                  </a:lnTo>
+                  <a:lnTo>
+                    <a:pt x="0" y="0"/>
+                  </a:lnTo>
+                  <a:close/>
+                </a:path>
+              </a:pathLst>
+            </a:custGeom>
+            <a:solidFill>
+              <a:schemeClr val="accent2">
+                <a:lumMod val="75000"/>
+                <a:alpha val="70000"/>
+              </a:schemeClr>
+            </a:solidFill>
+            <a:ln>
+              <a:noFill/>
+            </a:ln>
+            <a:effectLst/>
+          </p:spPr>
+          <p:style>
+            <a:lnRef idx="1">
+              <a:schemeClr val="accent1"/>
+            </a:lnRef>
+            <a:fillRef idx="3">
+              <a:schemeClr val="accent1"/>
+            </a:fillRef>
+            <a:effectRef idx="2">
+              <a:schemeClr val="accent1"/>
+            </a:effectRef>
+            <a:fontRef idx="minor">
+              <a:schemeClr val="lt1"/>
+            </a:fontRef>
+          </p:style>
+        </p:sp>
+        <p:sp>
+          <p:nvSpPr>
+            <p:cNvPr id="29" name="Rectangle 28"/>
+            <p:cNvSpPr/>
+            <p:nvPr/>
+          </p:nvSpPr>
+          <p:spPr>
+            <a:xfrm>
+              <a:off x="10898730" y="-8467"/>
+              <a:ext cx="1290094" cy="6866467"/>
+            </a:xfrm>
+            <a:custGeom>
+              <a:avLst/>
+              <a:gdLst/>
+              <a:ahLst/>
+              <a:cxnLst/>
+              <a:rect l="l" t="t" r="r" b="b"/>
+              <a:pathLst>
+                <a:path w="1290094" h="6858000">
+                  <a:moveTo>
+                    <a:pt x="1019735" y="0"/>
+                  </a:moveTo>
+                  <a:lnTo>
+                    <a:pt x="1290094" y="0"/>
+                  </a:lnTo>
+                  <a:lnTo>
+                    <a:pt x="1290094" y="6858000"/>
+                  </a:lnTo>
+                  <a:lnTo>
+                    <a:pt x="0" y="6858000"/>
+                  </a:lnTo>
+                  <a:lnTo>
+                    <a:pt x="1019735" y="0"/>
+                  </a:lnTo>
+                  <a:close/>
+                </a:path>
+              </a:pathLst>
+            </a:custGeom>
+            <a:solidFill>
+              <a:schemeClr val="accent1">
+                <a:lumMod val="60000"/>
+                <a:lumOff val="40000"/>
+                <a:alpha val="70000"/>
+              </a:schemeClr>
+            </a:solidFill>
+            <a:ln>
+              <a:noFill/>
+            </a:ln>
+            <a:effectLst/>
+          </p:spPr>
+          <p:style>
+            <a:lnRef idx="1">
+              <a:schemeClr val="accent1"/>
+            </a:lnRef>
+            <a:fillRef idx="3">
+              <a:schemeClr val="accent1"/>
+            </a:fillRef>
+            <a:effectRef idx="2">
+              <a:schemeClr val="accent1"/>
+            </a:effectRef>
+            <a:fontRef idx="minor">
+              <a:schemeClr val="lt1"/>
+            </a:fontRef>
+          </p:style>
+        </p:sp>
+        <p:sp>
+          <p:nvSpPr>
+            <p:cNvPr id="30" name="Rectangle 29"/>
+            <p:cNvSpPr/>
+            <p:nvPr/>
+          </p:nvSpPr>
+          <p:spPr>
+            <a:xfrm>
+              <a:off x="10938999" y="-8467"/>
+              <a:ext cx="1249825" cy="6866467"/>
+            </a:xfrm>
+            <a:custGeom>
+              <a:avLst/>
+              <a:gdLst/>
+              <a:ahLst/>
+              <a:cxnLst/>
+              <a:rect l="l" t="t" r="r" b="b"/>
+              <a:pathLst>
+                <a:path w="1249825" h="6858000">
+                  <a:moveTo>
+                    <a:pt x="0" y="0"/>
+                  </a:moveTo>
+                  <a:lnTo>
+                    <a:pt x="1249825" y="0"/>
+                  </a:lnTo>
+                  <a:lnTo>
+                    <a:pt x="1249825" y="6858000"/>
+                  </a:lnTo>
+                  <a:lnTo>
+                    <a:pt x="1109382" y="6858000"/>
+                  </a:lnTo>
+                  <a:lnTo>
+                    <a:pt x="0" y="0"/>
+                  </a:lnTo>
+                  <a:close/>
+                </a:path>
+              </a:pathLst>
+            </a:custGeom>
+            <a:solidFill>
+              <a:schemeClr val="accent1">
+                <a:alpha val="65000"/>
+              </a:schemeClr>
+            </a:solidFill>
+            <a:ln>
+              <a:noFill/>
+            </a:ln>
+            <a:effectLst/>
+          </p:spPr>
+          <p:style>
+            <a:lnRef idx="1">
+              <a:schemeClr val="accent1"/>
+            </a:lnRef>
+            <a:fillRef idx="3">
+              <a:schemeClr val="accent1"/>
+            </a:fillRef>
+            <a:effectRef idx="2">
+              <a:schemeClr val="accent1"/>
+            </a:effectRef>
+            <a:fontRef idx="minor">
+              <a:schemeClr val="lt1"/>
+            </a:fontRef>
+          </p:style>
+        </p:sp>
+        <p:sp>
+          <p:nvSpPr>
+            <p:cNvPr id="31" name="Isosceles Triangle 30"/>
+            <p:cNvSpPr/>
+            <p:nvPr/>
+          </p:nvSpPr>
+          <p:spPr>
+            <a:xfrm>
+              <a:off x="10371666" y="3589867"/>
+              <a:ext cx="1817159" cy="3268133"/>
+            </a:xfrm>
+            <a:prstGeom prst="triangle">
+              <a:avLst>
+                <a:gd name="adj" fmla="val 100000"/>
+              </a:avLst>
+            </a:prstGeom>
+            <a:solidFill>
+              <a:schemeClr val="accent1">
+                <a:alpha val="80000"/>
+              </a:schemeClr>
+            </a:solidFill>
+            <a:ln>
+              <a:noFill/>
+            </a:ln>
+            <a:effectLst/>
+          </p:spPr>
+          <p:style>
+            <a:lnRef idx="1">
+              <a:schemeClr val="accent1"/>
+            </a:lnRef>
+            <a:fillRef idx="3">
+              <a:schemeClr val="accent1"/>
+            </a:fillRef>
+            <a:effectRef idx="2">
+              <a:schemeClr val="accent1"/>
+            </a:effectRef>
+            <a:fontRef idx="minor">
+              <a:schemeClr val="lt1"/>
+            </a:fontRef>
+          </p:style>
+        </p:sp>
+        <p:sp>
+          <p:nvSpPr>
+            <p:cNvPr id="19" name="Isosceles Triangle 18"/>
+            <p:cNvSpPr/>
+            <p:nvPr/>
+          </p:nvSpPr>
+          <p:spPr>
+            <a:xfrm rot="10800000">
+              <a:off x="0" y="0"/>
+              <a:ext cx="842596" cy="5666154"/>
+            </a:xfrm>
+            <a:prstGeom prst="triangle">
+              <a:avLst>
+                <a:gd name="adj" fmla="val 100000"/>
+              </a:avLst>
+            </a:prstGeom>
+            <a:solidFill>
+              <a:schemeClr val="accent1">
+                <a:alpha val="85000"/>
+              </a:schemeClr>
+            </a:solidFill>
+            <a:ln>
+              <a:noFill/>
+            </a:ln>
+            <a:effectLst/>
+          </p:spPr>
+          <p:style>
+            <a:lnRef idx="1">
+              <a:schemeClr val="accent1"/>
+            </a:lnRef>
+            <a:fillRef idx="3">
+              <a:schemeClr val="accent1"/>
+            </a:fillRef>
+            <a:effectRef idx="2">
+              <a:schemeClr val="accent1"/>
+            </a:effectRef>
+            <a:fontRef idx="minor">
+              <a:schemeClr val="lt1"/>
+            </a:fontRef>
+          </p:style>
+        </p:sp>
+      </p:grpSp>
+      <p:sp>
+        <p:nvSpPr>
           <p:cNvPr id="2" name="Title 1"/>
           <p:cNvSpPr>
             <a:spLocks noGrp="1"/>
@@ -608,8 +1276,931 @@
         </p:nvSpPr>
         <p:spPr>
           <a:xfrm>
-            <a:off x="1261872" y="758952"/>
-            <a:ext cx="9418320" cy="4041648"/>
+            <a:off x="1507067" y="2404534"/>
+            <a:ext cx="7766936" cy="1646302"/>
+          </a:xfrm>
+        </p:spPr>
+        <p:txBody>
+          <a:bodyPr anchor="b">
+            <a:noAutofit/>
+          </a:bodyPr>
+          <a:lstStyle>
+            <a:lvl1pPr algn="r">
+              <a:defRPr sz="5400">
+                <a:solidFill>
+                  <a:schemeClr val="accent1"/>
+                </a:solidFill>
+              </a:defRPr>
+            </a:lvl1pPr>
+          </a:lstStyle>
+          <a:p>
+            <a:r>
+              <a:rPr lang="da-DK"/>
+              <a:t>Klik for at redigere titeltypografien i masteren</a:t>
+            </a:r>
+            <a:endParaRPr lang="en-US" dirty="0"/>
+          </a:p>
+        </p:txBody>
+      </p:sp>
+      <p:sp>
+        <p:nvSpPr>
+          <p:cNvPr id="3" name="Subtitle 2"/>
+          <p:cNvSpPr>
+            <a:spLocks noGrp="1"/>
+          </p:cNvSpPr>
+          <p:nvPr>
+            <p:ph type="subTitle" idx="1"/>
+          </p:nvPr>
+        </p:nvSpPr>
+        <p:spPr>
+          <a:xfrm>
+            <a:off x="1507067" y="4050833"/>
+            <a:ext cx="7766936" cy="1096899"/>
+          </a:xfrm>
+        </p:spPr>
+        <p:txBody>
+          <a:bodyPr anchor="t"/>
+          <a:lstStyle>
+            <a:lvl1pPr marL="0" indent="0" algn="r">
+              <a:buNone/>
+              <a:defRPr>
+                <a:solidFill>
+                  <a:schemeClr val="tx1">
+                    <a:lumMod val="50000"/>
+                    <a:lumOff val="50000"/>
+                  </a:schemeClr>
+                </a:solidFill>
+              </a:defRPr>
+            </a:lvl1pPr>
+            <a:lvl2pPr marL="457200" indent="0" algn="ctr">
+              <a:buNone/>
+              <a:defRPr>
+                <a:solidFill>
+                  <a:schemeClr val="tx1">
+                    <a:tint val="75000"/>
+                  </a:schemeClr>
+                </a:solidFill>
+              </a:defRPr>
+            </a:lvl2pPr>
+            <a:lvl3pPr marL="914400" indent="0" algn="ctr">
+              <a:buNone/>
+              <a:defRPr>
+                <a:solidFill>
+                  <a:schemeClr val="tx1">
+                    <a:tint val="75000"/>
+                  </a:schemeClr>
+                </a:solidFill>
+              </a:defRPr>
+            </a:lvl3pPr>
+            <a:lvl4pPr marL="1371600" indent="0" algn="ctr">
+              <a:buNone/>
+              <a:defRPr>
+                <a:solidFill>
+                  <a:schemeClr val="tx1">
+                    <a:tint val="75000"/>
+                  </a:schemeClr>
+                </a:solidFill>
+              </a:defRPr>
+            </a:lvl4pPr>
+            <a:lvl5pPr marL="1828800" indent="0" algn="ctr">
+              <a:buNone/>
+              <a:defRPr>
+                <a:solidFill>
+                  <a:schemeClr val="tx1">
+                    <a:tint val="75000"/>
+                  </a:schemeClr>
+                </a:solidFill>
+              </a:defRPr>
+            </a:lvl5pPr>
+            <a:lvl6pPr marL="2286000" indent="0" algn="ctr">
+              <a:buNone/>
+              <a:defRPr>
+                <a:solidFill>
+                  <a:schemeClr val="tx1">
+                    <a:tint val="75000"/>
+                  </a:schemeClr>
+                </a:solidFill>
+              </a:defRPr>
+            </a:lvl6pPr>
+            <a:lvl7pPr marL="2743200" indent="0" algn="ctr">
+              <a:buNone/>
+              <a:defRPr>
+                <a:solidFill>
+                  <a:schemeClr val="tx1">
+                    <a:tint val="75000"/>
+                  </a:schemeClr>
+                </a:solidFill>
+              </a:defRPr>
+            </a:lvl7pPr>
+            <a:lvl8pPr marL="3200400" indent="0" algn="ctr">
+              <a:buNone/>
+              <a:defRPr>
+                <a:solidFill>
+                  <a:schemeClr val="tx1">
+                    <a:tint val="75000"/>
+                  </a:schemeClr>
+                </a:solidFill>
+              </a:defRPr>
+            </a:lvl8pPr>
+            <a:lvl9pPr marL="3657600" indent="0" algn="ctr">
+              <a:buNone/>
+              <a:defRPr>
+                <a:solidFill>
+                  <a:schemeClr val="tx1">
+                    <a:tint val="75000"/>
+                  </a:schemeClr>
+                </a:solidFill>
+              </a:defRPr>
+            </a:lvl9pPr>
+          </a:lstStyle>
+          <a:p>
+            <a:r>
+              <a:rPr lang="da-DK"/>
+              <a:t>Klik for at redigere undertiteltypografien i masteren</a:t>
+            </a:r>
+            <a:endParaRPr lang="en-US" dirty="0"/>
+          </a:p>
+        </p:txBody>
+      </p:sp>
+      <p:sp>
+        <p:nvSpPr>
+          <p:cNvPr id="4" name="Date Placeholder 3"/>
+          <p:cNvSpPr>
+            <a:spLocks noGrp="1"/>
+          </p:cNvSpPr>
+          <p:nvPr>
+            <p:ph type="dt" sz="half" idx="10"/>
+          </p:nvPr>
+        </p:nvSpPr>
+        <p:spPr/>
+        <p:txBody>
+          <a:bodyPr/>
+          <a:lstStyle/>
+          <a:p>
+            <a:fld id="{4C52EC6D-AFBA-4F6F-A64F-BA455C0AB0BC}" type="datetimeFigureOut">
+              <a:rPr lang="da-DK" smtClean="0"/>
+              <a:t>12/01/2019</a:t>
+            </a:fld>
+            <a:endParaRPr lang="da-DK"/>
+          </a:p>
+        </p:txBody>
+      </p:sp>
+      <p:sp>
+        <p:nvSpPr>
+          <p:cNvPr id="5" name="Footer Placeholder 4"/>
+          <p:cNvSpPr>
+            <a:spLocks noGrp="1"/>
+          </p:cNvSpPr>
+          <p:nvPr>
+            <p:ph type="ftr" sz="quarter" idx="11"/>
+          </p:nvPr>
+        </p:nvSpPr>
+        <p:spPr/>
+        <p:txBody>
+          <a:bodyPr/>
+          <a:lstStyle/>
+          <a:p>
+            <a:endParaRPr lang="da-DK"/>
+          </a:p>
+        </p:txBody>
+      </p:sp>
+      <p:sp>
+        <p:nvSpPr>
+          <p:cNvPr id="6" name="Slide Number Placeholder 5"/>
+          <p:cNvSpPr>
+            <a:spLocks noGrp="1"/>
+          </p:cNvSpPr>
+          <p:nvPr>
+            <p:ph type="sldNum" sz="quarter" idx="12"/>
+          </p:nvPr>
+        </p:nvSpPr>
+        <p:spPr/>
+        <p:txBody>
+          <a:bodyPr/>
+          <a:lstStyle/>
+          <a:p>
+            <a:fld id="{2E8327EC-32D6-48CC-AD7E-02BA4A0C4B80}" type="slidenum">
+              <a:rPr lang="da-DK" smtClean="0"/>
+              <a:t>‹nr.›</a:t>
+            </a:fld>
+            <a:endParaRPr lang="da-DK"/>
+          </a:p>
+        </p:txBody>
+      </p:sp>
+    </p:spTree>
+    <p:extLst>
+      <p:ext uri="{BB962C8B-B14F-4D97-AF65-F5344CB8AC3E}">
+        <p14:creationId xmlns:p14="http://schemas.microsoft.com/office/powerpoint/2010/main" val="814795691"/>
+      </p:ext>
+    </p:extLst>
+  </p:cSld>
+  <p:clrMapOvr>
+    <a:masterClrMapping/>
+  </p:clrMapOvr>
+</p:sldLayout>
+</file>
+
+<file path=ppt/slideLayouts/slideLayout10.xml><?xml version="1.0" encoding="utf-8"?>
+<p:sldLayout xmlns:a="http://schemas.openxmlformats.org/drawingml/2006/main" xmlns:r="http://schemas.openxmlformats.org/officeDocument/2006/relationships" xmlns:p="http://schemas.openxmlformats.org/presentationml/2006/main" preserve="1">
+  <p:cSld name="Titel og billedtekst">
+    <p:spTree>
+      <p:nvGrpSpPr>
+        <p:cNvPr id="1" name=""/>
+        <p:cNvGrpSpPr/>
+        <p:nvPr/>
+      </p:nvGrpSpPr>
+      <p:grpSpPr>
+        <a:xfrm>
+          <a:off x="0" y="0"/>
+          <a:ext cx="0" cy="0"/>
+          <a:chOff x="0" y="0"/>
+          <a:chExt cx="0" cy="0"/>
+        </a:xfrm>
+      </p:grpSpPr>
+      <p:sp>
+        <p:nvSpPr>
+          <p:cNvPr id="2" name="Title 1"/>
+          <p:cNvSpPr>
+            <a:spLocks noGrp="1"/>
+          </p:cNvSpPr>
+          <p:nvPr>
+            <p:ph type="title"/>
+          </p:nvPr>
+        </p:nvSpPr>
+        <p:spPr>
+          <a:xfrm>
+            <a:off x="677335" y="609600"/>
+            <a:ext cx="8596668" cy="3403600"/>
+          </a:xfrm>
+        </p:spPr>
+        <p:txBody>
+          <a:bodyPr anchor="ctr">
+            <a:normAutofit/>
+          </a:bodyPr>
+          <a:lstStyle>
+            <a:lvl1pPr algn="l">
+              <a:defRPr sz="4400" b="0" cap="none"/>
+            </a:lvl1pPr>
+          </a:lstStyle>
+          <a:p>
+            <a:r>
+              <a:rPr lang="da-DK"/>
+              <a:t>Klik for at redigere titeltypografien i masteren</a:t>
+            </a:r>
+            <a:endParaRPr lang="en-US" dirty="0"/>
+          </a:p>
+        </p:txBody>
+      </p:sp>
+      <p:sp>
+        <p:nvSpPr>
+          <p:cNvPr id="3" name="Text Placeholder 2"/>
+          <p:cNvSpPr>
+            <a:spLocks noGrp="1"/>
+          </p:cNvSpPr>
+          <p:nvPr>
+            <p:ph type="body" idx="1"/>
+          </p:nvPr>
+        </p:nvSpPr>
+        <p:spPr>
+          <a:xfrm>
+            <a:off x="677335" y="4470400"/>
+            <a:ext cx="8596668" cy="1570962"/>
+          </a:xfrm>
+        </p:spPr>
+        <p:txBody>
+          <a:bodyPr anchor="ctr">
+            <a:normAutofit/>
+          </a:bodyPr>
+          <a:lstStyle>
+            <a:lvl1pPr marL="0" indent="0" algn="l">
+              <a:buNone/>
+              <a:defRPr sz="1800">
+                <a:solidFill>
+                  <a:schemeClr val="tx1">
+                    <a:lumMod val="75000"/>
+                    <a:lumOff val="25000"/>
+                  </a:schemeClr>
+                </a:solidFill>
+              </a:defRPr>
+            </a:lvl1pPr>
+            <a:lvl2pPr marL="457200" indent="0">
+              <a:buNone/>
+              <a:defRPr sz="1800">
+                <a:solidFill>
+                  <a:schemeClr val="tx1">
+                    <a:tint val="75000"/>
+                  </a:schemeClr>
+                </a:solidFill>
+              </a:defRPr>
+            </a:lvl2pPr>
+            <a:lvl3pPr marL="914400" indent="0">
+              <a:buNone/>
+              <a:defRPr sz="1600">
+                <a:solidFill>
+                  <a:schemeClr val="tx1">
+                    <a:tint val="75000"/>
+                  </a:schemeClr>
+                </a:solidFill>
+              </a:defRPr>
+            </a:lvl3pPr>
+            <a:lvl4pPr marL="1371600" indent="0">
+              <a:buNone/>
+              <a:defRPr sz="1400">
+                <a:solidFill>
+                  <a:schemeClr val="tx1">
+                    <a:tint val="75000"/>
+                  </a:schemeClr>
+                </a:solidFill>
+              </a:defRPr>
+            </a:lvl4pPr>
+            <a:lvl5pPr marL="1828800" indent="0">
+              <a:buNone/>
+              <a:defRPr sz="1400">
+                <a:solidFill>
+                  <a:schemeClr val="tx1">
+                    <a:tint val="75000"/>
+                  </a:schemeClr>
+                </a:solidFill>
+              </a:defRPr>
+            </a:lvl5pPr>
+            <a:lvl6pPr marL="2286000" indent="0">
+              <a:buNone/>
+              <a:defRPr sz="1400">
+                <a:solidFill>
+                  <a:schemeClr val="tx1">
+                    <a:tint val="75000"/>
+                  </a:schemeClr>
+                </a:solidFill>
+              </a:defRPr>
+            </a:lvl6pPr>
+            <a:lvl7pPr marL="2743200" indent="0">
+              <a:buNone/>
+              <a:defRPr sz="1400">
+                <a:solidFill>
+                  <a:schemeClr val="tx1">
+                    <a:tint val="75000"/>
+                  </a:schemeClr>
+                </a:solidFill>
+              </a:defRPr>
+            </a:lvl7pPr>
+            <a:lvl8pPr marL="3200400" indent="0">
+              <a:buNone/>
+              <a:defRPr sz="1400">
+                <a:solidFill>
+                  <a:schemeClr val="tx1">
+                    <a:tint val="75000"/>
+                  </a:schemeClr>
+                </a:solidFill>
+              </a:defRPr>
+            </a:lvl8pPr>
+            <a:lvl9pPr marL="3657600" indent="0">
+              <a:buNone/>
+              <a:defRPr sz="1400">
+                <a:solidFill>
+                  <a:schemeClr val="tx1">
+                    <a:tint val="75000"/>
+                  </a:schemeClr>
+                </a:solidFill>
+              </a:defRPr>
+            </a:lvl9pPr>
+          </a:lstStyle>
+          <a:p>
+            <a:pPr lvl="0"/>
+            <a:r>
+              <a:rPr lang="da-DK"/>
+              <a:t>Rediger teksttypografien i masteren
+Andet niveau
+Tredje niveau
+Fjerde niveau
+Femte niveau</a:t>
+            </a:r>
+            <a:endParaRPr lang="en-US" dirty="0"/>
+          </a:p>
+        </p:txBody>
+      </p:sp>
+      <p:sp>
+        <p:nvSpPr>
+          <p:cNvPr id="4" name="Date Placeholder 3"/>
+          <p:cNvSpPr>
+            <a:spLocks noGrp="1"/>
+          </p:cNvSpPr>
+          <p:nvPr>
+            <p:ph type="dt" sz="half" idx="10"/>
+          </p:nvPr>
+        </p:nvSpPr>
+        <p:spPr/>
+        <p:txBody>
+          <a:bodyPr/>
+          <a:lstStyle/>
+          <a:p>
+            <a:fld id="{4C52EC6D-AFBA-4F6F-A64F-BA455C0AB0BC}" type="datetimeFigureOut">
+              <a:rPr lang="da-DK" smtClean="0"/>
+              <a:t>12/01/2019</a:t>
+            </a:fld>
+            <a:endParaRPr lang="da-DK"/>
+          </a:p>
+        </p:txBody>
+      </p:sp>
+      <p:sp>
+        <p:nvSpPr>
+          <p:cNvPr id="5" name="Footer Placeholder 4"/>
+          <p:cNvSpPr>
+            <a:spLocks noGrp="1"/>
+          </p:cNvSpPr>
+          <p:nvPr>
+            <p:ph type="ftr" sz="quarter" idx="11"/>
+          </p:nvPr>
+        </p:nvSpPr>
+        <p:spPr/>
+        <p:txBody>
+          <a:bodyPr/>
+          <a:lstStyle/>
+          <a:p>
+            <a:endParaRPr lang="da-DK"/>
+          </a:p>
+        </p:txBody>
+      </p:sp>
+      <p:sp>
+        <p:nvSpPr>
+          <p:cNvPr id="6" name="Slide Number Placeholder 5"/>
+          <p:cNvSpPr>
+            <a:spLocks noGrp="1"/>
+          </p:cNvSpPr>
+          <p:nvPr>
+            <p:ph type="sldNum" sz="quarter" idx="12"/>
+          </p:nvPr>
+        </p:nvSpPr>
+        <p:spPr/>
+        <p:txBody>
+          <a:bodyPr/>
+          <a:lstStyle/>
+          <a:p>
+            <a:fld id="{2E8327EC-32D6-48CC-AD7E-02BA4A0C4B80}" type="slidenum">
+              <a:rPr lang="da-DK" smtClean="0"/>
+              <a:t>‹nr.›</a:t>
+            </a:fld>
+            <a:endParaRPr lang="da-DK"/>
+          </a:p>
+        </p:txBody>
+      </p:sp>
+    </p:spTree>
+    <p:extLst>
+      <p:ext uri="{BB962C8B-B14F-4D97-AF65-F5344CB8AC3E}">
+        <p14:creationId xmlns:p14="http://schemas.microsoft.com/office/powerpoint/2010/main" val="1026077834"/>
+      </p:ext>
+    </p:extLst>
+  </p:cSld>
+  <p:clrMapOvr>
+    <a:masterClrMapping/>
+  </p:clrMapOvr>
+</p:sldLayout>
+</file>
+
+<file path=ppt/slideLayouts/slideLayout11.xml><?xml version="1.0" encoding="utf-8"?>
+<p:sldLayout xmlns:a="http://schemas.openxmlformats.org/drawingml/2006/main" xmlns:r="http://schemas.openxmlformats.org/officeDocument/2006/relationships" xmlns:p="http://schemas.openxmlformats.org/presentationml/2006/main" preserve="1">
+  <p:cSld name="Citat med billedtekst">
+    <p:spTree>
+      <p:nvGrpSpPr>
+        <p:cNvPr id="1" name=""/>
+        <p:cNvGrpSpPr/>
+        <p:nvPr/>
+      </p:nvGrpSpPr>
+      <p:grpSpPr>
+        <a:xfrm>
+          <a:off x="0" y="0"/>
+          <a:ext cx="0" cy="0"/>
+          <a:chOff x="0" y="0"/>
+          <a:chExt cx="0" cy="0"/>
+        </a:xfrm>
+      </p:grpSpPr>
+      <p:sp>
+        <p:nvSpPr>
+          <p:cNvPr id="2" name="Title 1"/>
+          <p:cNvSpPr>
+            <a:spLocks noGrp="1"/>
+          </p:cNvSpPr>
+          <p:nvPr>
+            <p:ph type="title"/>
+          </p:nvPr>
+        </p:nvSpPr>
+        <p:spPr>
+          <a:xfrm>
+            <a:off x="931334" y="609600"/>
+            <a:ext cx="8094134" cy="3022600"/>
+          </a:xfrm>
+        </p:spPr>
+        <p:txBody>
+          <a:bodyPr anchor="ctr">
+            <a:normAutofit/>
+          </a:bodyPr>
+          <a:lstStyle>
+            <a:lvl1pPr algn="l">
+              <a:defRPr sz="4400" b="0" cap="none"/>
+            </a:lvl1pPr>
+          </a:lstStyle>
+          <a:p>
+            <a:r>
+              <a:rPr lang="da-DK"/>
+              <a:t>Klik for at redigere titeltypografien i masteren</a:t>
+            </a:r>
+            <a:endParaRPr lang="en-US" dirty="0"/>
+          </a:p>
+        </p:txBody>
+      </p:sp>
+      <p:sp>
+        <p:nvSpPr>
+          <p:cNvPr id="23" name="Text Placeholder 9"/>
+          <p:cNvSpPr>
+            <a:spLocks noGrp="1"/>
+          </p:cNvSpPr>
+          <p:nvPr>
+            <p:ph type="body" sz="quarter" idx="13"/>
+          </p:nvPr>
+        </p:nvSpPr>
+        <p:spPr>
+          <a:xfrm>
+            <a:off x="1366139" y="3632200"/>
+            <a:ext cx="7224524" cy="381000"/>
+          </a:xfrm>
+        </p:spPr>
+        <p:txBody>
+          <a:bodyPr anchor="ctr">
+            <a:noAutofit/>
+          </a:bodyPr>
+          <a:lstStyle>
+            <a:lvl1pPr marL="0" indent="0">
+              <a:buFontTx/>
+              <a:buNone/>
+              <a:defRPr sz="1600">
+                <a:solidFill>
+                  <a:schemeClr val="tx1">
+                    <a:lumMod val="50000"/>
+                    <a:lumOff val="50000"/>
+                  </a:schemeClr>
+                </a:solidFill>
+              </a:defRPr>
+            </a:lvl1pPr>
+            <a:lvl2pPr marL="457200" indent="0">
+              <a:buFontTx/>
+              <a:buNone/>
+              <a:defRPr/>
+            </a:lvl2pPr>
+            <a:lvl3pPr marL="914400" indent="0">
+              <a:buFontTx/>
+              <a:buNone/>
+              <a:defRPr/>
+            </a:lvl3pPr>
+            <a:lvl4pPr marL="1371600" indent="0">
+              <a:buFontTx/>
+              <a:buNone/>
+              <a:defRPr/>
+            </a:lvl4pPr>
+            <a:lvl5pPr marL="1828800" indent="0">
+              <a:buFontTx/>
+              <a:buNone/>
+              <a:defRPr/>
+            </a:lvl5pPr>
+          </a:lstStyle>
+          <a:p>
+            <a:pPr lvl="0"/>
+            <a:r>
+              <a:rPr lang="da-DK"/>
+              <a:t>Rediger teksttypografien i masteren
+Andet niveau
+Tredje niveau
+Fjerde niveau
+Femte niveau</a:t>
+            </a:r>
+            <a:endParaRPr lang="en-US" dirty="0"/>
+          </a:p>
+        </p:txBody>
+      </p:sp>
+      <p:sp>
+        <p:nvSpPr>
+          <p:cNvPr id="3" name="Text Placeholder 2"/>
+          <p:cNvSpPr>
+            <a:spLocks noGrp="1"/>
+          </p:cNvSpPr>
+          <p:nvPr>
+            <p:ph type="body" idx="1"/>
+          </p:nvPr>
+        </p:nvSpPr>
+        <p:spPr>
+          <a:xfrm>
+            <a:off x="677335" y="4470400"/>
+            <a:ext cx="8596668" cy="1570962"/>
+          </a:xfrm>
+        </p:spPr>
+        <p:txBody>
+          <a:bodyPr anchor="ctr">
+            <a:normAutofit/>
+          </a:bodyPr>
+          <a:lstStyle>
+            <a:lvl1pPr marL="0" indent="0" algn="l">
+              <a:buNone/>
+              <a:defRPr sz="1800">
+                <a:solidFill>
+                  <a:schemeClr val="tx1">
+                    <a:lumMod val="75000"/>
+                    <a:lumOff val="25000"/>
+                  </a:schemeClr>
+                </a:solidFill>
+              </a:defRPr>
+            </a:lvl1pPr>
+            <a:lvl2pPr marL="457200" indent="0">
+              <a:buNone/>
+              <a:defRPr sz="1800">
+                <a:solidFill>
+                  <a:schemeClr val="tx1">
+                    <a:tint val="75000"/>
+                  </a:schemeClr>
+                </a:solidFill>
+              </a:defRPr>
+            </a:lvl2pPr>
+            <a:lvl3pPr marL="914400" indent="0">
+              <a:buNone/>
+              <a:defRPr sz="1600">
+                <a:solidFill>
+                  <a:schemeClr val="tx1">
+                    <a:tint val="75000"/>
+                  </a:schemeClr>
+                </a:solidFill>
+              </a:defRPr>
+            </a:lvl3pPr>
+            <a:lvl4pPr marL="1371600" indent="0">
+              <a:buNone/>
+              <a:defRPr sz="1400">
+                <a:solidFill>
+                  <a:schemeClr val="tx1">
+                    <a:tint val="75000"/>
+                  </a:schemeClr>
+                </a:solidFill>
+              </a:defRPr>
+            </a:lvl4pPr>
+            <a:lvl5pPr marL="1828800" indent="0">
+              <a:buNone/>
+              <a:defRPr sz="1400">
+                <a:solidFill>
+                  <a:schemeClr val="tx1">
+                    <a:tint val="75000"/>
+                  </a:schemeClr>
+                </a:solidFill>
+              </a:defRPr>
+            </a:lvl5pPr>
+            <a:lvl6pPr marL="2286000" indent="0">
+              <a:buNone/>
+              <a:defRPr sz="1400">
+                <a:solidFill>
+                  <a:schemeClr val="tx1">
+                    <a:tint val="75000"/>
+                  </a:schemeClr>
+                </a:solidFill>
+              </a:defRPr>
+            </a:lvl6pPr>
+            <a:lvl7pPr marL="2743200" indent="0">
+              <a:buNone/>
+              <a:defRPr sz="1400">
+                <a:solidFill>
+                  <a:schemeClr val="tx1">
+                    <a:tint val="75000"/>
+                  </a:schemeClr>
+                </a:solidFill>
+              </a:defRPr>
+            </a:lvl7pPr>
+            <a:lvl8pPr marL="3200400" indent="0">
+              <a:buNone/>
+              <a:defRPr sz="1400">
+                <a:solidFill>
+                  <a:schemeClr val="tx1">
+                    <a:tint val="75000"/>
+                  </a:schemeClr>
+                </a:solidFill>
+              </a:defRPr>
+            </a:lvl8pPr>
+            <a:lvl9pPr marL="3657600" indent="0">
+              <a:buNone/>
+              <a:defRPr sz="1400">
+                <a:solidFill>
+                  <a:schemeClr val="tx1">
+                    <a:tint val="75000"/>
+                  </a:schemeClr>
+                </a:solidFill>
+              </a:defRPr>
+            </a:lvl9pPr>
+          </a:lstStyle>
+          <a:p>
+            <a:pPr lvl="0"/>
+            <a:r>
+              <a:rPr lang="da-DK"/>
+              <a:t>Rediger teksttypografien i masteren
+Andet niveau
+Tredje niveau
+Fjerde niveau
+Femte niveau</a:t>
+            </a:r>
+            <a:endParaRPr lang="en-US" dirty="0"/>
+          </a:p>
+        </p:txBody>
+      </p:sp>
+      <p:sp>
+        <p:nvSpPr>
+          <p:cNvPr id="4" name="Date Placeholder 3"/>
+          <p:cNvSpPr>
+            <a:spLocks noGrp="1"/>
+          </p:cNvSpPr>
+          <p:nvPr>
+            <p:ph type="dt" sz="half" idx="10"/>
+          </p:nvPr>
+        </p:nvSpPr>
+        <p:spPr/>
+        <p:txBody>
+          <a:bodyPr/>
+          <a:lstStyle/>
+          <a:p>
+            <a:fld id="{4C52EC6D-AFBA-4F6F-A64F-BA455C0AB0BC}" type="datetimeFigureOut">
+              <a:rPr lang="da-DK" smtClean="0"/>
+              <a:t>12/01/2019</a:t>
+            </a:fld>
+            <a:endParaRPr lang="da-DK"/>
+          </a:p>
+        </p:txBody>
+      </p:sp>
+      <p:sp>
+        <p:nvSpPr>
+          <p:cNvPr id="5" name="Footer Placeholder 4"/>
+          <p:cNvSpPr>
+            <a:spLocks noGrp="1"/>
+          </p:cNvSpPr>
+          <p:nvPr>
+            <p:ph type="ftr" sz="quarter" idx="11"/>
+          </p:nvPr>
+        </p:nvSpPr>
+        <p:spPr/>
+        <p:txBody>
+          <a:bodyPr/>
+          <a:lstStyle/>
+          <a:p>
+            <a:endParaRPr lang="da-DK"/>
+          </a:p>
+        </p:txBody>
+      </p:sp>
+      <p:sp>
+        <p:nvSpPr>
+          <p:cNvPr id="6" name="Slide Number Placeholder 5"/>
+          <p:cNvSpPr>
+            <a:spLocks noGrp="1"/>
+          </p:cNvSpPr>
+          <p:nvPr>
+            <p:ph type="sldNum" sz="quarter" idx="12"/>
+          </p:nvPr>
+        </p:nvSpPr>
+        <p:spPr/>
+        <p:txBody>
+          <a:bodyPr/>
+          <a:lstStyle/>
+          <a:p>
+            <a:fld id="{2E8327EC-32D6-48CC-AD7E-02BA4A0C4B80}" type="slidenum">
+              <a:rPr lang="da-DK" smtClean="0"/>
+              <a:t>‹nr.›</a:t>
+            </a:fld>
+            <a:endParaRPr lang="da-DK"/>
+          </a:p>
+        </p:txBody>
+      </p:sp>
+      <p:sp>
+        <p:nvSpPr>
+          <p:cNvPr id="20" name="TextBox 19"/>
+          <p:cNvSpPr txBox="1"/>
+          <p:nvPr/>
+        </p:nvSpPr>
+        <p:spPr>
+          <a:xfrm>
+            <a:off x="541870" y="790378"/>
+            <a:ext cx="609600" cy="584776"/>
+          </a:xfrm>
+          <a:prstGeom prst="rect">
+            <a:avLst/>
+          </a:prstGeom>
+        </p:spPr>
+        <p:txBody>
+          <a:bodyPr vert="horz" lIns="91440" tIns="45720" rIns="91440" bIns="45720" rtlCol="0" anchor="ctr">
+            <a:noAutofit/>
+          </a:bodyPr>
+          <a:lstStyle/>
+          <a:p>
+            <a:pPr lvl="0"/>
+            <a:r>
+              <a:rPr lang="en-US" sz="8000" baseline="0" dirty="0">
+                <a:ln w="3175" cmpd="sng">
+                  <a:noFill/>
+                </a:ln>
+                <a:solidFill>
+                  <a:schemeClr val="accent1">
+                    <a:lumMod val="60000"/>
+                    <a:lumOff val="40000"/>
+                  </a:schemeClr>
+                </a:solidFill>
+                <a:effectLst/>
+                <a:latin typeface="Arial"/>
+              </a:rPr>
+              <a:t>“</a:t>
+            </a:r>
+          </a:p>
+        </p:txBody>
+      </p:sp>
+      <p:sp>
+        <p:nvSpPr>
+          <p:cNvPr id="22" name="TextBox 21"/>
+          <p:cNvSpPr txBox="1"/>
+          <p:nvPr/>
+        </p:nvSpPr>
+        <p:spPr>
+          <a:xfrm>
+            <a:off x="8893011" y="2886556"/>
+            <a:ext cx="609600" cy="584776"/>
+          </a:xfrm>
+          <a:prstGeom prst="rect">
+            <a:avLst/>
+          </a:prstGeom>
+        </p:spPr>
+        <p:txBody>
+          <a:bodyPr vert="horz" lIns="91440" tIns="45720" rIns="91440" bIns="45720" rtlCol="0" anchor="ctr">
+            <a:noAutofit/>
+          </a:bodyPr>
+          <a:lstStyle/>
+          <a:p>
+            <a:pPr lvl="0"/>
+            <a:r>
+              <a:rPr lang="en-US" sz="8000" baseline="0" dirty="0">
+                <a:ln w="3175" cmpd="sng">
+                  <a:noFill/>
+                </a:ln>
+                <a:solidFill>
+                  <a:schemeClr val="accent1">
+                    <a:lumMod val="60000"/>
+                    <a:lumOff val="40000"/>
+                  </a:schemeClr>
+                </a:solidFill>
+                <a:latin typeface="Arial"/>
+              </a:rPr>
+              <a:t>”</a:t>
+            </a:r>
+            <a:endParaRPr lang="en-US" dirty="0">
+              <a:solidFill>
+                <a:schemeClr val="accent1">
+                  <a:lumMod val="60000"/>
+                  <a:lumOff val="40000"/>
+                </a:schemeClr>
+              </a:solidFill>
+              <a:latin typeface="Arial"/>
+            </a:endParaRPr>
+          </a:p>
+        </p:txBody>
+      </p:sp>
+    </p:spTree>
+    <p:extLst>
+      <p:ext uri="{BB962C8B-B14F-4D97-AF65-F5344CB8AC3E}">
+        <p14:creationId xmlns:p14="http://schemas.microsoft.com/office/powerpoint/2010/main" val="3536170224"/>
+      </p:ext>
+    </p:extLst>
+  </p:cSld>
+  <p:clrMapOvr>
+    <a:masterClrMapping/>
+  </p:clrMapOvr>
+</p:sldLayout>
+</file>
+
+<file path=ppt/slideLayouts/slideLayout12.xml><?xml version="1.0" encoding="utf-8"?>
+<p:sldLayout xmlns:a="http://schemas.openxmlformats.org/drawingml/2006/main" xmlns:r="http://schemas.openxmlformats.org/officeDocument/2006/relationships" xmlns:p="http://schemas.openxmlformats.org/presentationml/2006/main" preserve="1">
+  <p:cSld name="Navnekort">
+    <p:spTree>
+      <p:nvGrpSpPr>
+        <p:cNvPr id="1" name=""/>
+        <p:cNvGrpSpPr/>
+        <p:nvPr/>
+      </p:nvGrpSpPr>
+      <p:grpSpPr>
+        <a:xfrm>
+          <a:off x="0" y="0"/>
+          <a:ext cx="0" cy="0"/>
+          <a:chOff x="0" y="0"/>
+          <a:chExt cx="0" cy="0"/>
+        </a:xfrm>
+      </p:grpSpPr>
+      <p:sp>
+        <p:nvSpPr>
+          <p:cNvPr id="2" name="Title 1"/>
+          <p:cNvSpPr>
+            <a:spLocks noGrp="1"/>
+          </p:cNvSpPr>
+          <p:nvPr>
+            <p:ph type="title"/>
+          </p:nvPr>
+        </p:nvSpPr>
+        <p:spPr>
+          <a:xfrm>
+            <a:off x="677335" y="1931988"/>
+            <a:ext cx="8596668" cy="2595460"/>
           </a:xfrm>
         </p:spPr>
         <p:txBody>
@@ -618,14 +2209,7 @@
           </a:bodyPr>
           <a:lstStyle>
             <a:lvl1pPr algn="l">
-              <a:lnSpc>
-                <a:spcPct val="85000"/>
-              </a:lnSpc>
-              <a:defRPr sz="7200" baseline="0">
-                <a:solidFill>
-                  <a:schemeClr val="tx1"/>
-                </a:solidFill>
-              </a:defRPr>
+              <a:defRPr sz="4400" b="0" cap="none"/>
             </a:lvl1pPr>
           </a:lstStyle>
           <a:p>
@@ -639,72 +2223,126 @@
       </p:sp>
       <p:sp>
         <p:nvSpPr>
-          <p:cNvPr id="3" name="Subtitle 2"/>
-          <p:cNvSpPr>
-            <a:spLocks noGrp="1"/>
-          </p:cNvSpPr>
-          <p:nvPr>
-            <p:ph type="subTitle" idx="1"/>
+          <p:cNvPr id="3" name="Text Placeholder 2"/>
+          <p:cNvSpPr>
+            <a:spLocks noGrp="1"/>
+          </p:cNvSpPr>
+          <p:nvPr>
+            <p:ph type="body" idx="1"/>
           </p:nvPr>
         </p:nvSpPr>
         <p:spPr>
           <a:xfrm>
-            <a:off x="1261872" y="4800600"/>
-            <a:ext cx="9418320" cy="1691640"/>
+            <a:off x="677335" y="4527448"/>
+            <a:ext cx="8596668" cy="1513914"/>
           </a:xfrm>
         </p:spPr>
         <p:txBody>
-          <a:bodyPr>
+          <a:bodyPr anchor="t">
             <a:normAutofit/>
           </a:bodyPr>
           <a:lstStyle>
             <a:lvl1pPr marL="0" indent="0" algn="l">
               <a:buNone/>
-              <a:defRPr sz="2200" baseline="0">
+              <a:defRPr sz="1800">
                 <a:solidFill>
                   <a:schemeClr val="tx1">
                     <a:lumMod val="75000"/>
+                    <a:lumOff val="25000"/>
                   </a:schemeClr>
                 </a:solidFill>
               </a:defRPr>
             </a:lvl1pPr>
-            <a:lvl2pPr marL="457200" indent="0" algn="ctr">
-              <a:buNone/>
-              <a:defRPr sz="2200"/>
+            <a:lvl2pPr marL="457200" indent="0">
+              <a:buNone/>
+              <a:defRPr sz="1800">
+                <a:solidFill>
+                  <a:schemeClr val="tx1">
+                    <a:tint val="75000"/>
+                  </a:schemeClr>
+                </a:solidFill>
+              </a:defRPr>
             </a:lvl2pPr>
-            <a:lvl3pPr marL="914400" indent="0" algn="ctr">
-              <a:buNone/>
-              <a:defRPr sz="2200"/>
+            <a:lvl3pPr marL="914400" indent="0">
+              <a:buNone/>
+              <a:defRPr sz="1600">
+                <a:solidFill>
+                  <a:schemeClr val="tx1">
+                    <a:tint val="75000"/>
+                  </a:schemeClr>
+                </a:solidFill>
+              </a:defRPr>
             </a:lvl3pPr>
-            <a:lvl4pPr marL="1371600" indent="0" algn="ctr">
-              <a:buNone/>
-              <a:defRPr sz="2000"/>
+            <a:lvl4pPr marL="1371600" indent="0">
+              <a:buNone/>
+              <a:defRPr sz="1400">
+                <a:solidFill>
+                  <a:schemeClr val="tx1">
+                    <a:tint val="75000"/>
+                  </a:schemeClr>
+                </a:solidFill>
+              </a:defRPr>
             </a:lvl4pPr>
-            <a:lvl5pPr marL="1828800" indent="0" algn="ctr">
-              <a:buNone/>
-              <a:defRPr sz="2000"/>
+            <a:lvl5pPr marL="1828800" indent="0">
+              <a:buNone/>
+              <a:defRPr sz="1400">
+                <a:solidFill>
+                  <a:schemeClr val="tx1">
+                    <a:tint val="75000"/>
+                  </a:schemeClr>
+                </a:solidFill>
+              </a:defRPr>
             </a:lvl5pPr>
-            <a:lvl6pPr marL="2286000" indent="0" algn="ctr">
-              <a:buNone/>
-              <a:defRPr sz="2000"/>
+            <a:lvl6pPr marL="2286000" indent="0">
+              <a:buNone/>
+              <a:defRPr sz="1400">
+                <a:solidFill>
+                  <a:schemeClr val="tx1">
+                    <a:tint val="75000"/>
+                  </a:schemeClr>
+                </a:solidFill>
+              </a:defRPr>
             </a:lvl6pPr>
-            <a:lvl7pPr marL="2743200" indent="0" algn="ctr">
-              <a:buNone/>
-              <a:defRPr sz="2000"/>
+            <a:lvl7pPr marL="2743200" indent="0">
+              <a:buNone/>
+              <a:defRPr sz="1400">
+                <a:solidFill>
+                  <a:schemeClr val="tx1">
+                    <a:tint val="75000"/>
+                  </a:schemeClr>
+                </a:solidFill>
+              </a:defRPr>
             </a:lvl7pPr>
-            <a:lvl8pPr marL="3200400" indent="0" algn="ctr">
-              <a:buNone/>
-              <a:defRPr sz="2000"/>
+            <a:lvl8pPr marL="3200400" indent="0">
+              <a:buNone/>
+              <a:defRPr sz="1400">
+                <a:solidFill>
+                  <a:schemeClr val="tx1">
+                    <a:tint val="75000"/>
+                  </a:schemeClr>
+                </a:solidFill>
+              </a:defRPr>
             </a:lvl8pPr>
-            <a:lvl9pPr marL="3657600" indent="0" algn="ctr">
-              <a:buNone/>
-              <a:defRPr sz="2000"/>
+            <a:lvl9pPr marL="3657600" indent="0">
+              <a:buNone/>
+              <a:defRPr sz="1400">
+                <a:solidFill>
+                  <a:schemeClr val="tx1">
+                    <a:tint val="75000"/>
+                  </a:schemeClr>
+                </a:solidFill>
+              </a:defRPr>
             </a:lvl9pPr>
           </a:lstStyle>
           <a:p>
+            <a:pPr lvl="0"/>
             <a:r>
               <a:rPr lang="da-DK"/>
-              <a:t>Klik for at redigere undertiteltypografien i masteren</a:t>
+              <a:t>Rediger teksttypografien i masteren
+Andet niveau
+Tredje niveau
+Fjerde niveau
+Femte niveau</a:t>
             </a:r>
             <a:endParaRPr lang="en-US" dirty="0"/>
           </a:p>
@@ -723,21 +2361,11 @@
         <p:spPr/>
         <p:txBody>
           <a:bodyPr/>
-          <a:lstStyle>
-            <a:lvl1pPr>
-              <a:defRPr>
-                <a:solidFill>
-                  <a:schemeClr val="tx1">
-                    <a:lumMod val="50000"/>
-                  </a:schemeClr>
-                </a:solidFill>
-              </a:defRPr>
-            </a:lvl1pPr>
-          </a:lstStyle>
+          <a:lstStyle/>
           <a:p>
             <a:fld id="{4C52EC6D-AFBA-4F6F-A64F-BA455C0AB0BC}" type="datetimeFigureOut">
               <a:rPr lang="da-DK" smtClean="0"/>
-              <a:t>12-01-2019</a:t>
+              <a:t>12/01/2019</a:t>
             </a:fld>
             <a:endParaRPr lang="da-DK"/>
           </a:p>
@@ -756,17 +2384,7 @@
         <p:spPr/>
         <p:txBody>
           <a:bodyPr/>
-          <a:lstStyle>
-            <a:lvl1pPr>
-              <a:defRPr>
-                <a:solidFill>
-                  <a:schemeClr val="tx1">
-                    <a:lumMod val="65000"/>
-                  </a:schemeClr>
-                </a:solidFill>
-              </a:defRPr>
-            </a:lvl1pPr>
-          </a:lstStyle>
+          <a:lstStyle/>
           <a:p>
             <a:endParaRPr lang="da-DK"/>
           </a:p>
@@ -785,17 +2403,7 @@
         <p:spPr/>
         <p:txBody>
           <a:bodyPr/>
-          <a:lstStyle>
-            <a:lvl1pPr>
-              <a:defRPr>
-                <a:solidFill>
-                  <a:schemeClr val="tx1">
-                    <a:lumMod val="65000"/>
-                  </a:schemeClr>
-                </a:solidFill>
-              </a:defRPr>
-            </a:lvl1pPr>
-          </a:lstStyle>
+          <a:lstStyle/>
           <a:p>
             <a:fld id="{2E8327EC-32D6-48CC-AD7E-02BA4A0C4B80}" type="slidenum">
               <a:rPr lang="da-DK" smtClean="0"/>
@@ -805,58 +2413,747 @@
           </a:p>
         </p:txBody>
       </p:sp>
-      <p:sp>
-        <p:nvSpPr>
-          <p:cNvPr id="7" name="Rectangle 6"/>
-          <p:cNvSpPr/>
-          <p:nvPr/>
+    </p:spTree>
+    <p:extLst>
+      <p:ext uri="{BB962C8B-B14F-4D97-AF65-F5344CB8AC3E}">
+        <p14:creationId xmlns:p14="http://schemas.microsoft.com/office/powerpoint/2010/main" val="1419974729"/>
+      </p:ext>
+    </p:extLst>
+  </p:cSld>
+  <p:clrMapOvr>
+    <a:masterClrMapping/>
+  </p:clrMapOvr>
+</p:sldLayout>
+</file>
+
+<file path=ppt/slideLayouts/slideLayout13.xml><?xml version="1.0" encoding="utf-8"?>
+<p:sldLayout xmlns:a="http://schemas.openxmlformats.org/drawingml/2006/main" xmlns:r="http://schemas.openxmlformats.org/officeDocument/2006/relationships" xmlns:p="http://schemas.openxmlformats.org/presentationml/2006/main" preserve="1">
+  <p:cSld name="Kort med citat og navn">
+    <p:spTree>
+      <p:nvGrpSpPr>
+        <p:cNvPr id="1" name=""/>
+        <p:cNvGrpSpPr/>
+        <p:nvPr/>
+      </p:nvGrpSpPr>
+      <p:grpSpPr>
+        <a:xfrm>
+          <a:off x="0" y="0"/>
+          <a:ext cx="0" cy="0"/>
+          <a:chOff x="0" y="0"/>
+          <a:chExt cx="0" cy="0"/>
+        </a:xfrm>
+      </p:grpSpPr>
+      <p:sp>
+        <p:nvSpPr>
+          <p:cNvPr id="2" name="Title 1"/>
+          <p:cNvSpPr>
+            <a:spLocks noGrp="1"/>
+          </p:cNvSpPr>
+          <p:nvPr>
+            <p:ph type="title"/>
+          </p:nvPr>
         </p:nvSpPr>
         <p:spPr>
           <a:xfrm>
-            <a:off x="0" y="0"/>
-            <a:ext cx="457200" cy="6858000"/>
+            <a:off x="931334" y="609600"/>
+            <a:ext cx="8094134" cy="3022600"/>
+          </a:xfrm>
+        </p:spPr>
+        <p:txBody>
+          <a:bodyPr anchor="ctr">
+            <a:normAutofit/>
+          </a:bodyPr>
+          <a:lstStyle>
+            <a:lvl1pPr algn="l">
+              <a:defRPr sz="4400" b="0" cap="none"/>
+            </a:lvl1pPr>
+          </a:lstStyle>
+          <a:p>
+            <a:r>
+              <a:rPr lang="da-DK"/>
+              <a:t>Klik for at redigere titeltypografien i masteren</a:t>
+            </a:r>
+            <a:endParaRPr lang="en-US" dirty="0"/>
+          </a:p>
+        </p:txBody>
+      </p:sp>
+      <p:sp>
+        <p:nvSpPr>
+          <p:cNvPr id="23" name="Text Placeholder 9"/>
+          <p:cNvSpPr>
+            <a:spLocks noGrp="1"/>
+          </p:cNvSpPr>
+          <p:nvPr>
+            <p:ph type="body" sz="quarter" idx="13"/>
+          </p:nvPr>
+        </p:nvSpPr>
+        <p:spPr>
+          <a:xfrm>
+            <a:off x="677332" y="4013200"/>
+            <a:ext cx="8596669" cy="514248"/>
+          </a:xfrm>
+        </p:spPr>
+        <p:txBody>
+          <a:bodyPr anchor="b">
+            <a:noAutofit/>
+          </a:bodyPr>
+          <a:lstStyle>
+            <a:lvl1pPr marL="0" indent="0">
+              <a:buFontTx/>
+              <a:buNone/>
+              <a:defRPr sz="2400">
+                <a:solidFill>
+                  <a:schemeClr val="tx1">
+                    <a:lumMod val="75000"/>
+                    <a:lumOff val="25000"/>
+                  </a:schemeClr>
+                </a:solidFill>
+              </a:defRPr>
+            </a:lvl1pPr>
+            <a:lvl2pPr marL="457200" indent="0">
+              <a:buFontTx/>
+              <a:buNone/>
+              <a:defRPr/>
+            </a:lvl2pPr>
+            <a:lvl3pPr marL="914400" indent="0">
+              <a:buFontTx/>
+              <a:buNone/>
+              <a:defRPr/>
+            </a:lvl3pPr>
+            <a:lvl4pPr marL="1371600" indent="0">
+              <a:buFontTx/>
+              <a:buNone/>
+              <a:defRPr/>
+            </a:lvl4pPr>
+            <a:lvl5pPr marL="1828800" indent="0">
+              <a:buFontTx/>
+              <a:buNone/>
+              <a:defRPr/>
+            </a:lvl5pPr>
+          </a:lstStyle>
+          <a:p>
+            <a:pPr lvl="0"/>
+            <a:r>
+              <a:rPr lang="da-DK"/>
+              <a:t>Rediger teksttypografien i masteren
+Andet niveau
+Tredje niveau
+Fjerde niveau
+Femte niveau</a:t>
+            </a:r>
+            <a:endParaRPr lang="en-US" dirty="0"/>
+          </a:p>
+        </p:txBody>
+      </p:sp>
+      <p:sp>
+        <p:nvSpPr>
+          <p:cNvPr id="3" name="Text Placeholder 2"/>
+          <p:cNvSpPr>
+            <a:spLocks noGrp="1"/>
+          </p:cNvSpPr>
+          <p:nvPr>
+            <p:ph type="body" idx="1"/>
+          </p:nvPr>
+        </p:nvSpPr>
+        <p:spPr>
+          <a:xfrm>
+            <a:off x="677335" y="4527448"/>
+            <a:ext cx="8596668" cy="1513914"/>
+          </a:xfrm>
+        </p:spPr>
+        <p:txBody>
+          <a:bodyPr anchor="t">
+            <a:normAutofit/>
+          </a:bodyPr>
+          <a:lstStyle>
+            <a:lvl1pPr marL="0" indent="0" algn="l">
+              <a:buNone/>
+              <a:defRPr sz="1800">
+                <a:solidFill>
+                  <a:schemeClr val="tx1">
+                    <a:lumMod val="50000"/>
+                    <a:lumOff val="50000"/>
+                  </a:schemeClr>
+                </a:solidFill>
+              </a:defRPr>
+            </a:lvl1pPr>
+            <a:lvl2pPr marL="457200" indent="0">
+              <a:buNone/>
+              <a:defRPr sz="1800">
+                <a:solidFill>
+                  <a:schemeClr val="tx1">
+                    <a:tint val="75000"/>
+                  </a:schemeClr>
+                </a:solidFill>
+              </a:defRPr>
+            </a:lvl2pPr>
+            <a:lvl3pPr marL="914400" indent="0">
+              <a:buNone/>
+              <a:defRPr sz="1600">
+                <a:solidFill>
+                  <a:schemeClr val="tx1">
+                    <a:tint val="75000"/>
+                  </a:schemeClr>
+                </a:solidFill>
+              </a:defRPr>
+            </a:lvl3pPr>
+            <a:lvl4pPr marL="1371600" indent="0">
+              <a:buNone/>
+              <a:defRPr sz="1400">
+                <a:solidFill>
+                  <a:schemeClr val="tx1">
+                    <a:tint val="75000"/>
+                  </a:schemeClr>
+                </a:solidFill>
+              </a:defRPr>
+            </a:lvl4pPr>
+            <a:lvl5pPr marL="1828800" indent="0">
+              <a:buNone/>
+              <a:defRPr sz="1400">
+                <a:solidFill>
+                  <a:schemeClr val="tx1">
+                    <a:tint val="75000"/>
+                  </a:schemeClr>
+                </a:solidFill>
+              </a:defRPr>
+            </a:lvl5pPr>
+            <a:lvl6pPr marL="2286000" indent="0">
+              <a:buNone/>
+              <a:defRPr sz="1400">
+                <a:solidFill>
+                  <a:schemeClr val="tx1">
+                    <a:tint val="75000"/>
+                  </a:schemeClr>
+                </a:solidFill>
+              </a:defRPr>
+            </a:lvl6pPr>
+            <a:lvl7pPr marL="2743200" indent="0">
+              <a:buNone/>
+              <a:defRPr sz="1400">
+                <a:solidFill>
+                  <a:schemeClr val="tx1">
+                    <a:tint val="75000"/>
+                  </a:schemeClr>
+                </a:solidFill>
+              </a:defRPr>
+            </a:lvl7pPr>
+            <a:lvl8pPr marL="3200400" indent="0">
+              <a:buNone/>
+              <a:defRPr sz="1400">
+                <a:solidFill>
+                  <a:schemeClr val="tx1">
+                    <a:tint val="75000"/>
+                  </a:schemeClr>
+                </a:solidFill>
+              </a:defRPr>
+            </a:lvl8pPr>
+            <a:lvl9pPr marL="3657600" indent="0">
+              <a:buNone/>
+              <a:defRPr sz="1400">
+                <a:solidFill>
+                  <a:schemeClr val="tx1">
+                    <a:tint val="75000"/>
+                  </a:schemeClr>
+                </a:solidFill>
+              </a:defRPr>
+            </a:lvl9pPr>
+          </a:lstStyle>
+          <a:p>
+            <a:pPr lvl="0"/>
+            <a:r>
+              <a:rPr lang="da-DK"/>
+              <a:t>Rediger teksttypografien i masteren
+Andet niveau
+Tredje niveau
+Fjerde niveau
+Femte niveau</a:t>
+            </a:r>
+            <a:endParaRPr lang="en-US" dirty="0"/>
+          </a:p>
+        </p:txBody>
+      </p:sp>
+      <p:sp>
+        <p:nvSpPr>
+          <p:cNvPr id="4" name="Date Placeholder 3"/>
+          <p:cNvSpPr>
+            <a:spLocks noGrp="1"/>
+          </p:cNvSpPr>
+          <p:nvPr>
+            <p:ph type="dt" sz="half" idx="10"/>
+          </p:nvPr>
+        </p:nvSpPr>
+        <p:spPr/>
+        <p:txBody>
+          <a:bodyPr/>
+          <a:lstStyle/>
+          <a:p>
+            <a:fld id="{4C52EC6D-AFBA-4F6F-A64F-BA455C0AB0BC}" type="datetimeFigureOut">
+              <a:rPr lang="da-DK" smtClean="0"/>
+              <a:t>12/01/2019</a:t>
+            </a:fld>
+            <a:endParaRPr lang="da-DK"/>
+          </a:p>
+        </p:txBody>
+      </p:sp>
+      <p:sp>
+        <p:nvSpPr>
+          <p:cNvPr id="5" name="Footer Placeholder 4"/>
+          <p:cNvSpPr>
+            <a:spLocks noGrp="1"/>
+          </p:cNvSpPr>
+          <p:nvPr>
+            <p:ph type="ftr" sz="quarter" idx="11"/>
+          </p:nvPr>
+        </p:nvSpPr>
+        <p:spPr/>
+        <p:txBody>
+          <a:bodyPr/>
+          <a:lstStyle/>
+          <a:p>
+            <a:endParaRPr lang="da-DK"/>
+          </a:p>
+        </p:txBody>
+      </p:sp>
+      <p:sp>
+        <p:nvSpPr>
+          <p:cNvPr id="6" name="Slide Number Placeholder 5"/>
+          <p:cNvSpPr>
+            <a:spLocks noGrp="1"/>
+          </p:cNvSpPr>
+          <p:nvPr>
+            <p:ph type="sldNum" sz="quarter" idx="12"/>
+          </p:nvPr>
+        </p:nvSpPr>
+        <p:spPr/>
+        <p:txBody>
+          <a:bodyPr/>
+          <a:lstStyle/>
+          <a:p>
+            <a:fld id="{2E8327EC-32D6-48CC-AD7E-02BA4A0C4B80}" type="slidenum">
+              <a:rPr lang="da-DK" smtClean="0"/>
+              <a:t>‹nr.›</a:t>
+            </a:fld>
+            <a:endParaRPr lang="da-DK"/>
+          </a:p>
+        </p:txBody>
+      </p:sp>
+      <p:sp>
+        <p:nvSpPr>
+          <p:cNvPr id="24" name="TextBox 23"/>
+          <p:cNvSpPr txBox="1"/>
+          <p:nvPr/>
+        </p:nvSpPr>
+        <p:spPr>
+          <a:xfrm>
+            <a:off x="541870" y="790378"/>
+            <a:ext cx="609600" cy="584776"/>
           </a:xfrm>
           <a:prstGeom prst="rect">
             <a:avLst/>
           </a:prstGeom>
-          <a:solidFill>
-            <a:schemeClr val="accent1"/>
-          </a:solidFill>
-          <a:ln>
-            <a:noFill/>
-          </a:ln>
         </p:spPr>
-        <p:style>
-          <a:lnRef idx="2">
-            <a:schemeClr val="accent1">
-              <a:shade val="50000"/>
-            </a:schemeClr>
-          </a:lnRef>
-          <a:fillRef idx="1">
-            <a:schemeClr val="accent1"/>
-          </a:fillRef>
-          <a:effectRef idx="0">
-            <a:schemeClr val="accent1"/>
-          </a:effectRef>
-          <a:fontRef idx="minor">
-            <a:schemeClr val="lt1"/>
-          </a:fontRef>
-        </p:style>
+        <p:txBody>
+          <a:bodyPr vert="horz" lIns="91440" tIns="45720" rIns="91440" bIns="45720" rtlCol="0" anchor="ctr">
+            <a:noAutofit/>
+          </a:bodyPr>
+          <a:lstStyle/>
+          <a:p>
+            <a:pPr lvl="0"/>
+            <a:r>
+              <a:rPr lang="en-US" sz="8000" baseline="0" dirty="0">
+                <a:ln w="3175" cmpd="sng">
+                  <a:noFill/>
+                </a:ln>
+                <a:solidFill>
+                  <a:schemeClr val="accent1">
+                    <a:lumMod val="60000"/>
+                    <a:lumOff val="40000"/>
+                  </a:schemeClr>
+                </a:solidFill>
+                <a:effectLst/>
+                <a:latin typeface="Arial"/>
+              </a:rPr>
+              <a:t>“</a:t>
+            </a:r>
+          </a:p>
+        </p:txBody>
+      </p:sp>
+      <p:sp>
+        <p:nvSpPr>
+          <p:cNvPr id="25" name="TextBox 24"/>
+          <p:cNvSpPr txBox="1"/>
+          <p:nvPr/>
+        </p:nvSpPr>
+        <p:spPr>
+          <a:xfrm>
+            <a:off x="8893011" y="2886556"/>
+            <a:ext cx="609600" cy="584776"/>
+          </a:xfrm>
+          <a:prstGeom prst="rect">
+            <a:avLst/>
+          </a:prstGeom>
+        </p:spPr>
+        <p:txBody>
+          <a:bodyPr vert="horz" lIns="91440" tIns="45720" rIns="91440" bIns="45720" rtlCol="0" anchor="ctr">
+            <a:noAutofit/>
+          </a:bodyPr>
+          <a:lstStyle/>
+          <a:p>
+            <a:pPr lvl="0"/>
+            <a:r>
+              <a:rPr lang="en-US" sz="8000" baseline="0" dirty="0">
+                <a:ln w="3175" cmpd="sng">
+                  <a:noFill/>
+                </a:ln>
+                <a:solidFill>
+                  <a:schemeClr val="accent1">
+                    <a:lumMod val="60000"/>
+                    <a:lumOff val="40000"/>
+                  </a:schemeClr>
+                </a:solidFill>
+                <a:effectLst/>
+                <a:latin typeface="Arial"/>
+              </a:rPr>
+              <a:t>”</a:t>
+            </a:r>
+          </a:p>
+        </p:txBody>
       </p:sp>
     </p:spTree>
     <p:extLst>
       <p:ext uri="{BB962C8B-B14F-4D97-AF65-F5344CB8AC3E}">
-        <p14:creationId xmlns:p14="http://schemas.microsoft.com/office/powerpoint/2010/main" val="75373304"/>
+        <p14:creationId xmlns:p14="http://schemas.microsoft.com/office/powerpoint/2010/main" val="2222949036"/>
       </p:ext>
     </p:extLst>
   </p:cSld>
   <p:clrMapOvr>
-    <a:overrideClrMapping bg1="dk1" tx1="lt1" bg2="dk2" tx2="lt2" accent1="accent1" accent2="accent2" accent3="accent3" accent4="accent4" accent5="accent5" accent6="accent6" hlink="hlink" folHlink="folHlink"/>
+    <a:masterClrMapping/>
   </p:clrMapOvr>
 </p:sldLayout>
 </file>
 
-<file path=ppt/slideLayouts/slideLayout10.xml><?xml version="1.0" encoding="utf-8"?>
+<file path=ppt/slideLayouts/slideLayout14.xml><?xml version="1.0" encoding="utf-8"?>
+<p:sldLayout xmlns:a="http://schemas.openxmlformats.org/drawingml/2006/main" xmlns:r="http://schemas.openxmlformats.org/officeDocument/2006/relationships" xmlns:p="http://schemas.openxmlformats.org/presentationml/2006/main" preserve="1">
+  <p:cSld name="Sandt eller falsk">
+    <p:spTree>
+      <p:nvGrpSpPr>
+        <p:cNvPr id="1" name=""/>
+        <p:cNvGrpSpPr/>
+        <p:nvPr/>
+      </p:nvGrpSpPr>
+      <p:grpSpPr>
+        <a:xfrm>
+          <a:off x="0" y="0"/>
+          <a:ext cx="0" cy="0"/>
+          <a:chOff x="0" y="0"/>
+          <a:chExt cx="0" cy="0"/>
+        </a:xfrm>
+      </p:grpSpPr>
+      <p:sp>
+        <p:nvSpPr>
+          <p:cNvPr id="2" name="Title 1"/>
+          <p:cNvSpPr>
+            <a:spLocks noGrp="1"/>
+          </p:cNvSpPr>
+          <p:nvPr>
+            <p:ph type="title"/>
+          </p:nvPr>
+        </p:nvSpPr>
+        <p:spPr>
+          <a:xfrm>
+            <a:off x="685799" y="609600"/>
+            <a:ext cx="8588203" cy="3022600"/>
+          </a:xfrm>
+        </p:spPr>
+        <p:txBody>
+          <a:bodyPr anchor="ctr">
+            <a:normAutofit/>
+          </a:bodyPr>
+          <a:lstStyle>
+            <a:lvl1pPr algn="l">
+              <a:defRPr sz="4400" b="0" cap="none"/>
+            </a:lvl1pPr>
+          </a:lstStyle>
+          <a:p>
+            <a:r>
+              <a:rPr lang="da-DK"/>
+              <a:t>Klik for at redigere titeltypografien i masteren</a:t>
+            </a:r>
+            <a:endParaRPr lang="en-US" dirty="0"/>
+          </a:p>
+        </p:txBody>
+      </p:sp>
+      <p:sp>
+        <p:nvSpPr>
+          <p:cNvPr id="23" name="Text Placeholder 9"/>
+          <p:cNvSpPr>
+            <a:spLocks noGrp="1"/>
+          </p:cNvSpPr>
+          <p:nvPr>
+            <p:ph type="body" sz="quarter" idx="13"/>
+          </p:nvPr>
+        </p:nvSpPr>
+        <p:spPr>
+          <a:xfrm>
+            <a:off x="677332" y="4013200"/>
+            <a:ext cx="8596669" cy="514248"/>
+          </a:xfrm>
+        </p:spPr>
+        <p:txBody>
+          <a:bodyPr anchor="b">
+            <a:noAutofit/>
+          </a:bodyPr>
+          <a:lstStyle>
+            <a:lvl1pPr marL="0" indent="0">
+              <a:buFontTx/>
+              <a:buNone/>
+              <a:defRPr sz="2400">
+                <a:solidFill>
+                  <a:schemeClr val="accent1"/>
+                </a:solidFill>
+              </a:defRPr>
+            </a:lvl1pPr>
+            <a:lvl2pPr marL="457200" indent="0">
+              <a:buFontTx/>
+              <a:buNone/>
+              <a:defRPr/>
+            </a:lvl2pPr>
+            <a:lvl3pPr marL="914400" indent="0">
+              <a:buFontTx/>
+              <a:buNone/>
+              <a:defRPr/>
+            </a:lvl3pPr>
+            <a:lvl4pPr marL="1371600" indent="0">
+              <a:buFontTx/>
+              <a:buNone/>
+              <a:defRPr/>
+            </a:lvl4pPr>
+            <a:lvl5pPr marL="1828800" indent="0">
+              <a:buFontTx/>
+              <a:buNone/>
+              <a:defRPr/>
+            </a:lvl5pPr>
+          </a:lstStyle>
+          <a:p>
+            <a:pPr lvl="0"/>
+            <a:r>
+              <a:rPr lang="da-DK"/>
+              <a:t>Rediger teksttypografien i masteren
+Andet niveau
+Tredje niveau
+Fjerde niveau
+Femte niveau</a:t>
+            </a:r>
+            <a:endParaRPr lang="en-US" dirty="0"/>
+          </a:p>
+        </p:txBody>
+      </p:sp>
+      <p:sp>
+        <p:nvSpPr>
+          <p:cNvPr id="3" name="Text Placeholder 2"/>
+          <p:cNvSpPr>
+            <a:spLocks noGrp="1"/>
+          </p:cNvSpPr>
+          <p:nvPr>
+            <p:ph type="body" idx="1"/>
+          </p:nvPr>
+        </p:nvSpPr>
+        <p:spPr>
+          <a:xfrm>
+            <a:off x="677335" y="4527448"/>
+            <a:ext cx="8596668" cy="1513914"/>
+          </a:xfrm>
+        </p:spPr>
+        <p:txBody>
+          <a:bodyPr anchor="t">
+            <a:normAutofit/>
+          </a:bodyPr>
+          <a:lstStyle>
+            <a:lvl1pPr marL="0" indent="0" algn="l">
+              <a:buNone/>
+              <a:defRPr sz="1800">
+                <a:solidFill>
+                  <a:schemeClr val="tx1">
+                    <a:lumMod val="50000"/>
+                    <a:lumOff val="50000"/>
+                  </a:schemeClr>
+                </a:solidFill>
+              </a:defRPr>
+            </a:lvl1pPr>
+            <a:lvl2pPr marL="457200" indent="0">
+              <a:buNone/>
+              <a:defRPr sz="1800">
+                <a:solidFill>
+                  <a:schemeClr val="tx1">
+                    <a:tint val="75000"/>
+                  </a:schemeClr>
+                </a:solidFill>
+              </a:defRPr>
+            </a:lvl2pPr>
+            <a:lvl3pPr marL="914400" indent="0">
+              <a:buNone/>
+              <a:defRPr sz="1600">
+                <a:solidFill>
+                  <a:schemeClr val="tx1">
+                    <a:tint val="75000"/>
+                  </a:schemeClr>
+                </a:solidFill>
+              </a:defRPr>
+            </a:lvl3pPr>
+            <a:lvl4pPr marL="1371600" indent="0">
+              <a:buNone/>
+              <a:defRPr sz="1400">
+                <a:solidFill>
+                  <a:schemeClr val="tx1">
+                    <a:tint val="75000"/>
+                  </a:schemeClr>
+                </a:solidFill>
+              </a:defRPr>
+            </a:lvl4pPr>
+            <a:lvl5pPr marL="1828800" indent="0">
+              <a:buNone/>
+              <a:defRPr sz="1400">
+                <a:solidFill>
+                  <a:schemeClr val="tx1">
+                    <a:tint val="75000"/>
+                  </a:schemeClr>
+                </a:solidFill>
+              </a:defRPr>
+            </a:lvl5pPr>
+            <a:lvl6pPr marL="2286000" indent="0">
+              <a:buNone/>
+              <a:defRPr sz="1400">
+                <a:solidFill>
+                  <a:schemeClr val="tx1">
+                    <a:tint val="75000"/>
+                  </a:schemeClr>
+                </a:solidFill>
+              </a:defRPr>
+            </a:lvl6pPr>
+            <a:lvl7pPr marL="2743200" indent="0">
+              <a:buNone/>
+              <a:defRPr sz="1400">
+                <a:solidFill>
+                  <a:schemeClr val="tx1">
+                    <a:tint val="75000"/>
+                  </a:schemeClr>
+                </a:solidFill>
+              </a:defRPr>
+            </a:lvl7pPr>
+            <a:lvl8pPr marL="3200400" indent="0">
+              <a:buNone/>
+              <a:defRPr sz="1400">
+                <a:solidFill>
+                  <a:schemeClr val="tx1">
+                    <a:tint val="75000"/>
+                  </a:schemeClr>
+                </a:solidFill>
+              </a:defRPr>
+            </a:lvl8pPr>
+            <a:lvl9pPr marL="3657600" indent="0">
+              <a:buNone/>
+              <a:defRPr sz="1400">
+                <a:solidFill>
+                  <a:schemeClr val="tx1">
+                    <a:tint val="75000"/>
+                  </a:schemeClr>
+                </a:solidFill>
+              </a:defRPr>
+            </a:lvl9pPr>
+          </a:lstStyle>
+          <a:p>
+            <a:pPr lvl="0"/>
+            <a:r>
+              <a:rPr lang="da-DK"/>
+              <a:t>Rediger teksttypografien i masteren
+Andet niveau
+Tredje niveau
+Fjerde niveau
+Femte niveau</a:t>
+            </a:r>
+            <a:endParaRPr lang="en-US" dirty="0"/>
+          </a:p>
+        </p:txBody>
+      </p:sp>
+      <p:sp>
+        <p:nvSpPr>
+          <p:cNvPr id="4" name="Date Placeholder 3"/>
+          <p:cNvSpPr>
+            <a:spLocks noGrp="1"/>
+          </p:cNvSpPr>
+          <p:nvPr>
+            <p:ph type="dt" sz="half" idx="10"/>
+          </p:nvPr>
+        </p:nvSpPr>
+        <p:spPr/>
+        <p:txBody>
+          <a:bodyPr/>
+          <a:lstStyle/>
+          <a:p>
+            <a:fld id="{4C52EC6D-AFBA-4F6F-A64F-BA455C0AB0BC}" type="datetimeFigureOut">
+              <a:rPr lang="da-DK" smtClean="0"/>
+              <a:t>12/01/2019</a:t>
+            </a:fld>
+            <a:endParaRPr lang="da-DK"/>
+          </a:p>
+        </p:txBody>
+      </p:sp>
+      <p:sp>
+        <p:nvSpPr>
+          <p:cNvPr id="5" name="Footer Placeholder 4"/>
+          <p:cNvSpPr>
+            <a:spLocks noGrp="1"/>
+          </p:cNvSpPr>
+          <p:nvPr>
+            <p:ph type="ftr" sz="quarter" idx="11"/>
+          </p:nvPr>
+        </p:nvSpPr>
+        <p:spPr/>
+        <p:txBody>
+          <a:bodyPr/>
+          <a:lstStyle/>
+          <a:p>
+            <a:endParaRPr lang="da-DK"/>
+          </a:p>
+        </p:txBody>
+      </p:sp>
+      <p:sp>
+        <p:nvSpPr>
+          <p:cNvPr id="6" name="Slide Number Placeholder 5"/>
+          <p:cNvSpPr>
+            <a:spLocks noGrp="1"/>
+          </p:cNvSpPr>
+          <p:nvPr>
+            <p:ph type="sldNum" sz="quarter" idx="12"/>
+          </p:nvPr>
+        </p:nvSpPr>
+        <p:spPr/>
+        <p:txBody>
+          <a:bodyPr/>
+          <a:lstStyle/>
+          <a:p>
+            <a:fld id="{2E8327EC-32D6-48CC-AD7E-02BA4A0C4B80}" type="slidenum">
+              <a:rPr lang="da-DK" smtClean="0"/>
+              <a:t>‹nr.›</a:t>
+            </a:fld>
+            <a:endParaRPr lang="da-DK"/>
+          </a:p>
+        </p:txBody>
+      </p:sp>
+    </p:spTree>
+    <p:extLst>
+      <p:ext uri="{BB962C8B-B14F-4D97-AF65-F5344CB8AC3E}">
+        <p14:creationId xmlns:p14="http://schemas.microsoft.com/office/powerpoint/2010/main" val="498003898"/>
+      </p:ext>
+    </p:extLst>
+  </p:cSld>
+  <p:clrMapOvr>
+    <a:masterClrMapping/>
+  </p:clrMapOvr>
+</p:sldLayout>
+</file>
+
+<file path=ppt/slideLayouts/slideLayout15.xml><?xml version="1.0" encoding="utf-8"?>
 <p:sldLayout xmlns:a="http://schemas.openxmlformats.org/drawingml/2006/main" xmlns:r="http://schemas.openxmlformats.org/officeDocument/2006/relationships" xmlns:p="http://schemas.openxmlformats.org/presentationml/2006/main" type="vertTx" preserve="1">
   <p:cSld name="Titel og lodret tekst">
     <p:spTree>
@@ -914,35 +3211,11 @@
             <a:pPr lvl="0"/>
             <a:r>
               <a:rPr lang="da-DK"/>
-              <a:t>Rediger teksttypografien i masteren</a:t>
-            </a:r>
-          </a:p>
-          <a:p>
-            <a:pPr lvl="1"/>
-            <a:r>
-              <a:rPr lang="da-DK"/>
-              <a:t>Andet niveau</a:t>
-            </a:r>
-          </a:p>
-          <a:p>
-            <a:pPr lvl="2"/>
-            <a:r>
-              <a:rPr lang="da-DK"/>
-              <a:t>Tredje niveau</a:t>
-            </a:r>
-          </a:p>
-          <a:p>
-            <a:pPr lvl="3"/>
-            <a:r>
-              <a:rPr lang="da-DK"/>
-              <a:t>Fjerde niveau</a:t>
-            </a:r>
-          </a:p>
-          <a:p>
-            <a:pPr lvl="4"/>
-            <a:r>
-              <a:rPr lang="da-DK"/>
-              <a:t>Femte niveau</a:t>
+              <a:t>Rediger teksttypografien i masteren
+Andet niveau
+Tredje niveau
+Fjerde niveau
+Femte niveau</a:t>
             </a:r>
             <a:endParaRPr lang="en-US" dirty="0"/>
           </a:p>
@@ -965,7 +3238,7 @@
           <a:p>
             <a:fld id="{4C52EC6D-AFBA-4F6F-A64F-BA455C0AB0BC}" type="datetimeFigureOut">
               <a:rPr lang="da-DK" smtClean="0"/>
-              <a:t>12-01-2019</a:t>
+              <a:t>12/01/2019</a:t>
             </a:fld>
             <a:endParaRPr lang="da-DK"/>
           </a:p>
@@ -1016,7 +3289,7 @@
     </p:spTree>
     <p:extLst>
       <p:ext uri="{BB962C8B-B14F-4D97-AF65-F5344CB8AC3E}">
-        <p14:creationId xmlns:p14="http://schemas.microsoft.com/office/powerpoint/2010/main" val="4165207431"/>
+        <p14:creationId xmlns:p14="http://schemas.microsoft.com/office/powerpoint/2010/main" val="3780396722"/>
       </p:ext>
     </p:extLst>
   </p:cSld>
@@ -1026,7 +3299,7 @@
 </p:sldLayout>
 </file>
 
-<file path=ppt/slideLayouts/slideLayout11.xml><?xml version="1.0" encoding="utf-8"?>
+<file path=ppt/slideLayouts/slideLayout16.xml><?xml version="1.0" encoding="utf-8"?>
 <p:sldLayout xmlns:a="http://schemas.openxmlformats.org/drawingml/2006/main" xmlns:r="http://schemas.openxmlformats.org/officeDocument/2006/relationships" xmlns:p="http://schemas.openxmlformats.org/presentationml/2006/main" type="vertTitleAndTx" preserve="1">
   <p:cSld name="Lodret titel og tekst">
     <p:spTree>
@@ -1055,12 +3328,12 @@
         </p:nvSpPr>
         <p:spPr>
           <a:xfrm>
-            <a:off x="8648700" y="381000"/>
-            <a:ext cx="2476500" cy="5897562"/>
+            <a:off x="7967673" y="609599"/>
+            <a:ext cx="1304743" cy="5251451"/>
           </a:xfrm>
         </p:spPr>
         <p:txBody>
-          <a:bodyPr vert="eaVert"/>
+          <a:bodyPr vert="eaVert" anchor="ctr"/>
           <a:lstStyle/>
           <a:p>
             <a:r>
@@ -1083,8 +3356,8 @@
         </p:nvSpPr>
         <p:spPr>
           <a:xfrm>
-            <a:off x="762000" y="381000"/>
-            <a:ext cx="7734300" cy="5897562"/>
+            <a:off x="677335" y="609600"/>
+            <a:ext cx="7060150" cy="5251450"/>
           </a:xfrm>
         </p:spPr>
         <p:txBody>
@@ -1094,35 +3367,11 @@
             <a:pPr lvl="0"/>
             <a:r>
               <a:rPr lang="da-DK"/>
-              <a:t>Rediger teksttypografien i masteren</a:t>
-            </a:r>
-          </a:p>
-          <a:p>
-            <a:pPr lvl="1"/>
-            <a:r>
-              <a:rPr lang="da-DK"/>
-              <a:t>Andet niveau</a:t>
-            </a:r>
-          </a:p>
-          <a:p>
-            <a:pPr lvl="2"/>
-            <a:r>
-              <a:rPr lang="da-DK"/>
-              <a:t>Tredje niveau</a:t>
-            </a:r>
-          </a:p>
-          <a:p>
-            <a:pPr lvl="3"/>
-            <a:r>
-              <a:rPr lang="da-DK"/>
-              <a:t>Fjerde niveau</a:t>
-            </a:r>
-          </a:p>
-          <a:p>
-            <a:pPr lvl="4"/>
-            <a:r>
-              <a:rPr lang="da-DK"/>
-              <a:t>Femte niveau</a:t>
+              <a:t>Rediger teksttypografien i masteren
+Andet niveau
+Tredje niveau
+Fjerde niveau
+Femte niveau</a:t>
             </a:r>
             <a:endParaRPr lang="en-US" dirty="0"/>
           </a:p>
@@ -1145,7 +3394,7 @@
           <a:p>
             <a:fld id="{4C52EC6D-AFBA-4F6F-A64F-BA455C0AB0BC}" type="datetimeFigureOut">
               <a:rPr lang="da-DK" smtClean="0"/>
-              <a:t>12-01-2019</a:t>
+              <a:t>12/01/2019</a:t>
             </a:fld>
             <a:endParaRPr lang="da-DK"/>
           </a:p>
@@ -1196,7 +3445,7 @@
     </p:spTree>
     <p:extLst>
       <p:ext uri="{BB962C8B-B14F-4D97-AF65-F5344CB8AC3E}">
-        <p14:creationId xmlns:p14="http://schemas.microsoft.com/office/powerpoint/2010/main" val="144500783"/>
+        <p14:creationId xmlns:p14="http://schemas.microsoft.com/office/powerpoint/2010/main" val="1223451540"/>
       </p:ext>
     </p:extLst>
   </p:cSld>
@@ -1235,8 +3484,14 @@
         </p:nvSpPr>
         <p:spPr/>
         <p:txBody>
-          <a:bodyPr/>
-          <a:lstStyle/>
+          <a:bodyPr>
+            <a:normAutofit/>
+          </a:bodyPr>
+          <a:lstStyle>
+            <a:lvl1pPr>
+              <a:defRPr sz="3600"/>
+            </a:lvl1pPr>
+          </a:lstStyle>
           <a:p>
             <a:r>
               <a:rPr lang="da-DK"/>
@@ -1264,35 +3519,11 @@
             <a:pPr lvl="0"/>
             <a:r>
               <a:rPr lang="da-DK"/>
-              <a:t>Rediger teksttypografien i masteren</a:t>
-            </a:r>
-          </a:p>
-          <a:p>
-            <a:pPr lvl="1"/>
-            <a:r>
-              <a:rPr lang="da-DK"/>
-              <a:t>Andet niveau</a:t>
-            </a:r>
-          </a:p>
-          <a:p>
-            <a:pPr lvl="2"/>
-            <a:r>
-              <a:rPr lang="da-DK"/>
-              <a:t>Tredje niveau</a:t>
-            </a:r>
-          </a:p>
-          <a:p>
-            <a:pPr lvl="3"/>
-            <a:r>
-              <a:rPr lang="da-DK"/>
-              <a:t>Fjerde niveau</a:t>
-            </a:r>
-          </a:p>
-          <a:p>
-            <a:pPr lvl="4"/>
-            <a:r>
-              <a:rPr lang="da-DK"/>
-              <a:t>Femte niveau</a:t>
+              <a:t>Rediger teksttypografien i masteren
+Andet niveau
+Tredje niveau
+Fjerde niveau
+Femte niveau</a:t>
             </a:r>
             <a:endParaRPr lang="en-US" dirty="0"/>
           </a:p>
@@ -1315,7 +3546,7 @@
           <a:p>
             <a:fld id="{4C52EC6D-AFBA-4F6F-A64F-BA455C0AB0BC}" type="datetimeFigureOut">
               <a:rPr lang="da-DK" smtClean="0"/>
-              <a:t>12-01-2019</a:t>
+              <a:t>12/01/2019</a:t>
             </a:fld>
             <a:endParaRPr lang="da-DK"/>
           </a:p>
@@ -1366,7 +3597,7 @@
     </p:spTree>
     <p:extLst>
       <p:ext uri="{BB962C8B-B14F-4D97-AF65-F5344CB8AC3E}">
-        <p14:creationId xmlns:p14="http://schemas.microsoft.com/office/powerpoint/2010/main" val="375477626"/>
+        <p14:creationId xmlns:p14="http://schemas.microsoft.com/office/powerpoint/2010/main" val="1972431137"/>
       </p:ext>
     </p:extLst>
   </p:cSld>
@@ -1405,20 +3636,15 @@
         </p:nvSpPr>
         <p:spPr>
           <a:xfrm>
-            <a:off x="1261872" y="758952"/>
-            <a:ext cx="9418320" cy="4041648"/>
+            <a:off x="677335" y="2700867"/>
+            <a:ext cx="8596668" cy="1826581"/>
           </a:xfrm>
         </p:spPr>
         <p:txBody>
-          <a:bodyPr anchor="b">
-            <a:normAutofit/>
-          </a:bodyPr>
+          <a:bodyPr anchor="b"/>
           <a:lstStyle>
-            <a:lvl1pPr>
-              <a:lnSpc>
-                <a:spcPct val="85000"/>
-              </a:lnSpc>
-              <a:defRPr sz="7200" b="0"/>
+            <a:lvl1pPr algn="l">
+              <a:defRPr sz="4000" b="0" cap="none"/>
             </a:lvl1pPr>
           </a:lstStyle>
           <a:p>
@@ -1442,22 +3668,20 @@
         </p:nvSpPr>
         <p:spPr>
           <a:xfrm>
-            <a:off x="1261872" y="4800600"/>
-            <a:ext cx="9418320" cy="1691640"/>
+            <a:off x="677335" y="4527448"/>
+            <a:ext cx="8596668" cy="860400"/>
           </a:xfrm>
         </p:spPr>
         <p:txBody>
-          <a:bodyPr anchor="t">
-            <a:normAutofit/>
-          </a:bodyPr>
+          <a:bodyPr anchor="t"/>
           <a:lstStyle>
-            <a:lvl1pPr marL="0" indent="0">
-              <a:buNone/>
-              <a:defRPr sz="2200">
+            <a:lvl1pPr marL="0" indent="0" algn="l">
+              <a:buNone/>
+              <a:defRPr sz="2000">
                 <a:solidFill>
                   <a:schemeClr val="tx1">
-                    <a:lumMod val="65000"/>
-                    <a:lumOff val="35000"/>
+                    <a:lumMod val="50000"/>
+                    <a:lumOff val="50000"/>
                   </a:schemeClr>
                 </a:solidFill>
               </a:defRPr>
@@ -1547,8 +3771,13 @@
             <a:pPr lvl="0"/>
             <a:r>
               <a:rPr lang="da-DK"/>
-              <a:t>Rediger teksttypografien i masteren</a:t>
-            </a:r>
+              <a:t>Rediger teksttypografien i masteren
+Andet niveau
+Tredje niveau
+Fjerde niveau
+Femte niveau</a:t>
+            </a:r>
+            <a:endParaRPr lang="en-US" dirty="0"/>
           </a:p>
         </p:txBody>
       </p:sp>
@@ -1569,7 +3798,7 @@
           <a:p>
             <a:fld id="{4C52EC6D-AFBA-4F6F-A64F-BA455C0AB0BC}" type="datetimeFigureOut">
               <a:rPr lang="da-DK" smtClean="0"/>
-              <a:t>12-01-2019</a:t>
+              <a:t>12/01/2019</a:t>
             </a:fld>
             <a:endParaRPr lang="da-DK"/>
           </a:p>
@@ -1617,48 +3846,10 @@
           </a:p>
         </p:txBody>
       </p:sp>
-      <p:sp>
-        <p:nvSpPr>
-          <p:cNvPr id="7" name="Rectangle 6"/>
-          <p:cNvSpPr/>
-          <p:nvPr/>
-        </p:nvSpPr>
-        <p:spPr>
-          <a:xfrm>
-            <a:off x="0" y="0"/>
-            <a:ext cx="457200" cy="6858000"/>
-          </a:xfrm>
-          <a:prstGeom prst="rect">
-            <a:avLst/>
-          </a:prstGeom>
-          <a:solidFill>
-            <a:schemeClr val="accent1"/>
-          </a:solidFill>
-          <a:ln>
-            <a:noFill/>
-          </a:ln>
-        </p:spPr>
-        <p:style>
-          <a:lnRef idx="2">
-            <a:schemeClr val="accent1">
-              <a:shade val="50000"/>
-            </a:schemeClr>
-          </a:lnRef>
-          <a:fillRef idx="1">
-            <a:schemeClr val="accent1"/>
-          </a:fillRef>
-          <a:effectRef idx="0">
-            <a:schemeClr val="accent1"/>
-          </a:effectRef>
-          <a:fontRef idx="minor">
-            <a:schemeClr val="lt1"/>
-          </a:fontRef>
-        </p:style>
-      </p:sp>
     </p:spTree>
     <p:extLst>
       <p:ext uri="{BB962C8B-B14F-4D97-AF65-F5344CB8AC3E}">
-        <p14:creationId xmlns:p14="http://schemas.microsoft.com/office/powerpoint/2010/main" val="2786054857"/>
+        <p14:creationId xmlns:p14="http://schemas.microsoft.com/office/powerpoint/2010/main" val="172703077"/>
       </p:ext>
     </p:extLst>
   </p:cSld>
@@ -1720,74 +3911,22 @@
         </p:nvSpPr>
         <p:spPr>
           <a:xfrm>
-            <a:off x="1261872" y="1828800"/>
-            <a:ext cx="4480560" cy="4351337"/>
+            <a:off x="677334" y="2160589"/>
+            <a:ext cx="4184035" cy="3880772"/>
           </a:xfrm>
         </p:spPr>
         <p:txBody>
           <a:bodyPr/>
-          <a:lstStyle>
-            <a:lvl1pPr>
-              <a:defRPr sz="1800"/>
-            </a:lvl1pPr>
-            <a:lvl2pPr>
-              <a:defRPr sz="1600"/>
-            </a:lvl2pPr>
-            <a:lvl3pPr>
-              <a:defRPr sz="1400"/>
-            </a:lvl3pPr>
-            <a:lvl4pPr>
-              <a:defRPr sz="1400"/>
-            </a:lvl4pPr>
-            <a:lvl5pPr>
-              <a:defRPr sz="1400"/>
-            </a:lvl5pPr>
-            <a:lvl6pPr>
-              <a:defRPr sz="1400"/>
-            </a:lvl6pPr>
-            <a:lvl7pPr>
-              <a:defRPr sz="1400"/>
-            </a:lvl7pPr>
-            <a:lvl8pPr>
-              <a:defRPr sz="1400"/>
-            </a:lvl8pPr>
-            <a:lvl9pPr>
-              <a:defRPr sz="1400"/>
-            </a:lvl9pPr>
-          </a:lstStyle>
+          <a:lstStyle/>
           <a:p>
             <a:pPr lvl="0"/>
             <a:r>
               <a:rPr lang="da-DK"/>
-              <a:t>Rediger teksttypografien i masteren</a:t>
-            </a:r>
-          </a:p>
-          <a:p>
-            <a:pPr lvl="1"/>
-            <a:r>
-              <a:rPr lang="da-DK"/>
-              <a:t>Andet niveau</a:t>
-            </a:r>
-          </a:p>
-          <a:p>
-            <a:pPr lvl="2"/>
-            <a:r>
-              <a:rPr lang="da-DK"/>
-              <a:t>Tredje niveau</a:t>
-            </a:r>
-          </a:p>
-          <a:p>
-            <a:pPr lvl="3"/>
-            <a:r>
-              <a:rPr lang="da-DK"/>
-              <a:t>Fjerde niveau</a:t>
-            </a:r>
-          </a:p>
-          <a:p>
-            <a:pPr lvl="4"/>
-            <a:r>
-              <a:rPr lang="da-DK"/>
-              <a:t>Femte niveau</a:t>
+              <a:t>Rediger teksttypografien i masteren
+Andet niveau
+Tredje niveau
+Fjerde niveau
+Femte niveau</a:t>
             </a:r>
             <a:endParaRPr lang="en-US" dirty="0"/>
           </a:p>
@@ -1805,74 +3944,22 @@
         </p:nvSpPr>
         <p:spPr>
           <a:xfrm>
-            <a:off x="6126480" y="1828800"/>
-            <a:ext cx="4480560" cy="4351337"/>
+            <a:off x="5089970" y="2160589"/>
+            <a:ext cx="4184034" cy="3880773"/>
           </a:xfrm>
         </p:spPr>
         <p:txBody>
           <a:bodyPr/>
-          <a:lstStyle>
-            <a:lvl1pPr>
-              <a:defRPr sz="1800"/>
-            </a:lvl1pPr>
-            <a:lvl2pPr>
-              <a:defRPr sz="1600"/>
-            </a:lvl2pPr>
-            <a:lvl3pPr>
-              <a:defRPr sz="1400"/>
-            </a:lvl3pPr>
-            <a:lvl4pPr>
-              <a:defRPr sz="1400"/>
-            </a:lvl4pPr>
-            <a:lvl5pPr>
-              <a:defRPr sz="1400"/>
-            </a:lvl5pPr>
-            <a:lvl6pPr>
-              <a:defRPr sz="1400"/>
-            </a:lvl6pPr>
-            <a:lvl7pPr>
-              <a:defRPr sz="1400"/>
-            </a:lvl7pPr>
-            <a:lvl8pPr>
-              <a:defRPr sz="1400"/>
-            </a:lvl8pPr>
-            <a:lvl9pPr>
-              <a:defRPr sz="1400"/>
-            </a:lvl9pPr>
-          </a:lstStyle>
+          <a:lstStyle/>
           <a:p>
             <a:pPr lvl="0"/>
             <a:r>
               <a:rPr lang="da-DK"/>
-              <a:t>Rediger teksttypografien i masteren</a:t>
-            </a:r>
-          </a:p>
-          <a:p>
-            <a:pPr lvl="1"/>
-            <a:r>
-              <a:rPr lang="da-DK"/>
-              <a:t>Andet niveau</a:t>
-            </a:r>
-          </a:p>
-          <a:p>
-            <a:pPr lvl="2"/>
-            <a:r>
-              <a:rPr lang="da-DK"/>
-              <a:t>Tredje niveau</a:t>
-            </a:r>
-          </a:p>
-          <a:p>
-            <a:pPr lvl="3"/>
-            <a:r>
-              <a:rPr lang="da-DK"/>
-              <a:t>Fjerde niveau</a:t>
-            </a:r>
-          </a:p>
-          <a:p>
-            <a:pPr lvl="4"/>
-            <a:r>
-              <a:rPr lang="da-DK"/>
-              <a:t>Femte niveau</a:t>
+              <a:t>Rediger teksttypografien i masteren
+Andet niveau
+Tredje niveau
+Fjerde niveau
+Femte niveau</a:t>
             </a:r>
             <a:endParaRPr lang="en-US" dirty="0"/>
           </a:p>
@@ -1895,7 +3982,7 @@
           <a:p>
             <a:fld id="{4C52EC6D-AFBA-4F6F-A64F-BA455C0AB0BC}" type="datetimeFigureOut">
               <a:rPr lang="da-DK" smtClean="0"/>
-              <a:t>12-01-2019</a:t>
+              <a:t>12/01/2019</a:t>
             </a:fld>
             <a:endParaRPr lang="da-DK"/>
           </a:p>
@@ -1946,7 +4033,7 @@
     </p:spTree>
     <p:extLst>
       <p:ext uri="{BB962C8B-B14F-4D97-AF65-F5344CB8AC3E}">
-        <p14:creationId xmlns:p14="http://schemas.microsoft.com/office/powerpoint/2010/main" val="2417767236"/>
+        <p14:creationId xmlns:p14="http://schemas.microsoft.com/office/powerpoint/2010/main" val="3769699686"/>
       </p:ext>
     </p:extLst>
   </p:cSld>
@@ -1975,7 +4062,7 @@
       </p:grpSpPr>
       <p:sp>
         <p:nvSpPr>
-          <p:cNvPr id="10" name="Title 9"/>
+          <p:cNvPr id="2" name="Title 1"/>
           <p:cNvSpPr>
             <a:spLocks noGrp="1"/>
           </p:cNvSpPr>
@@ -1986,7 +4073,11 @@
         <p:spPr/>
         <p:txBody>
           <a:bodyPr/>
-          <a:lstStyle/>
+          <a:lstStyle>
+            <a:lvl1pPr>
+              <a:defRPr/>
+            </a:lvl1pPr>
+          </a:lstStyle>
           <a:p>
             <a:r>
               <a:rPr lang="da-DK"/>
@@ -2008,25 +4099,18 @@
         </p:nvSpPr>
         <p:spPr>
           <a:xfrm>
-            <a:off x="1261872" y="1713655"/>
-            <a:ext cx="4480560" cy="731520"/>
+            <a:off x="675745" y="2160983"/>
+            <a:ext cx="4185623" cy="576262"/>
           </a:xfrm>
         </p:spPr>
         <p:txBody>
           <a:bodyPr anchor="b">
-            <a:normAutofit/>
+            <a:noAutofit/>
           </a:bodyPr>
           <a:lstStyle>
             <a:lvl1pPr marL="0" indent="0">
-              <a:spcBef>
-                <a:spcPts val="0"/>
-              </a:spcBef>
-              <a:buNone/>
-              <a:defRPr sz="2000" b="0">
-                <a:solidFill>
-                  <a:schemeClr val="tx2"/>
-                </a:solidFill>
-              </a:defRPr>
+              <a:buNone/>
+              <a:defRPr sz="2400" b="0"/>
             </a:lvl1pPr>
             <a:lvl2pPr marL="457200" indent="0">
               <a:buNone/>
@@ -2065,8 +4149,13 @@
             <a:pPr lvl="0"/>
             <a:r>
               <a:rPr lang="da-DK"/>
-              <a:t>Rediger teksttypografien i masteren</a:t>
-            </a:r>
+              <a:t>Rediger teksttypografien i masteren
+Andet niveau
+Tredje niveau
+Fjerde niveau
+Femte niveau</a:t>
+            </a:r>
+            <a:endParaRPr lang="en-US" dirty="0"/>
           </a:p>
         </p:txBody>
       </p:sp>
@@ -2082,74 +4171,24 @@
         </p:nvSpPr>
         <p:spPr>
           <a:xfrm>
-            <a:off x="1261872" y="2507550"/>
-            <a:ext cx="4480560" cy="3664650"/>
+            <a:off x="675745" y="2737245"/>
+            <a:ext cx="4185623" cy="3304117"/>
           </a:xfrm>
         </p:spPr>
         <p:txBody>
-          <a:bodyPr/>
-          <a:lstStyle>
-            <a:lvl1pPr>
-              <a:defRPr sz="1800"/>
-            </a:lvl1pPr>
-            <a:lvl2pPr>
-              <a:defRPr sz="1600"/>
-            </a:lvl2pPr>
-            <a:lvl3pPr>
-              <a:defRPr sz="1400"/>
-            </a:lvl3pPr>
-            <a:lvl4pPr>
-              <a:defRPr sz="1400"/>
-            </a:lvl4pPr>
-            <a:lvl5pPr>
-              <a:defRPr sz="1400"/>
-            </a:lvl5pPr>
-            <a:lvl6pPr>
-              <a:defRPr sz="1400"/>
-            </a:lvl6pPr>
-            <a:lvl7pPr>
-              <a:defRPr sz="1400"/>
-            </a:lvl7pPr>
-            <a:lvl8pPr>
-              <a:defRPr sz="1400"/>
-            </a:lvl8pPr>
-            <a:lvl9pPr>
-              <a:defRPr sz="1400"/>
-            </a:lvl9pPr>
-          </a:lstStyle>
+          <a:bodyPr>
+            <a:normAutofit/>
+          </a:bodyPr>
+          <a:lstStyle/>
           <a:p>
             <a:pPr lvl="0"/>
             <a:r>
               <a:rPr lang="da-DK"/>
-              <a:t>Rediger teksttypografien i masteren</a:t>
-            </a:r>
-          </a:p>
-          <a:p>
-            <a:pPr lvl="1"/>
-            <a:r>
-              <a:rPr lang="da-DK"/>
-              <a:t>Andet niveau</a:t>
-            </a:r>
-          </a:p>
-          <a:p>
-            <a:pPr lvl="2"/>
-            <a:r>
-              <a:rPr lang="da-DK"/>
-              <a:t>Tredje niveau</a:t>
-            </a:r>
-          </a:p>
-          <a:p>
-            <a:pPr lvl="3"/>
-            <a:r>
-              <a:rPr lang="da-DK"/>
-              <a:t>Fjerde niveau</a:t>
-            </a:r>
-          </a:p>
-          <a:p>
-            <a:pPr lvl="4"/>
-            <a:r>
-              <a:rPr lang="da-DK"/>
-              <a:t>Femte niveau</a:t>
+              <a:t>Rediger teksttypografien i masteren
+Andet niveau
+Tredje niveau
+Fjerde niveau
+Femte niveau</a:t>
             </a:r>
             <a:endParaRPr lang="en-US" dirty="0"/>
           </a:p>
@@ -2167,31 +4206,18 @@
         </p:nvSpPr>
         <p:spPr>
           <a:xfrm>
-            <a:off x="6126480" y="1713655"/>
-            <a:ext cx="4480560" cy="731520"/>
+            <a:off x="5088383" y="2160983"/>
+            <a:ext cx="4185618" cy="576262"/>
           </a:xfrm>
         </p:spPr>
         <p:txBody>
           <a:bodyPr anchor="b">
-            <a:normAutofit/>
+            <a:noAutofit/>
           </a:bodyPr>
           <a:lstStyle>
             <a:lvl1pPr marL="0" indent="0">
-              <a:lnSpc>
-                <a:spcPct val="95000"/>
-              </a:lnSpc>
-              <a:spcBef>
-                <a:spcPts val="0"/>
-              </a:spcBef>
-              <a:buNone/>
-              <a:defRPr lang="en-US" sz="2000" b="0" kern="1200" dirty="0">
-                <a:solidFill>
-                  <a:schemeClr val="tx2"/>
-                </a:solidFill>
-                <a:latin typeface="+mn-lt"/>
-                <a:ea typeface="+mn-ea"/>
-                <a:cs typeface="+mn-cs"/>
-              </a:defRPr>
+              <a:buNone/>
+              <a:defRPr sz="2400" b="0"/>
             </a:lvl1pPr>
             <a:lvl2pPr marL="457200" indent="0">
               <a:buNone/>
@@ -2227,20 +4253,16 @@
             </a:lvl9pPr>
           </a:lstStyle>
           <a:p>
-            <a:pPr marL="0" lvl="0" indent="0" algn="l" defTabSz="914400" rtl="0" eaLnBrk="1" latinLnBrk="0" hangingPunct="1">
-              <a:lnSpc>
-                <a:spcPct val="90000"/>
-              </a:lnSpc>
-              <a:spcBef>
-                <a:spcPts val="2000"/>
-              </a:spcBef>
-              <a:buFontTx/>
-              <a:buNone/>
-            </a:pPr>
+            <a:pPr lvl="0"/>
             <a:r>
               <a:rPr lang="da-DK"/>
-              <a:t>Rediger teksttypografien i masteren</a:t>
-            </a:r>
+              <a:t>Rediger teksttypografien i masteren
+Andet niveau
+Tredje niveau
+Fjerde niveau
+Femte niveau</a:t>
+            </a:r>
+            <a:endParaRPr lang="en-US" dirty="0"/>
           </a:p>
         </p:txBody>
       </p:sp>
@@ -2256,74 +4278,24 @@
         </p:nvSpPr>
         <p:spPr>
           <a:xfrm>
-            <a:off x="6126480" y="2507550"/>
-            <a:ext cx="4480560" cy="3664650"/>
+            <a:off x="5088384" y="2737245"/>
+            <a:ext cx="4185617" cy="3304117"/>
           </a:xfrm>
         </p:spPr>
         <p:txBody>
-          <a:bodyPr/>
-          <a:lstStyle>
-            <a:lvl1pPr>
-              <a:defRPr sz="1800"/>
-            </a:lvl1pPr>
-            <a:lvl2pPr>
-              <a:defRPr sz="1600"/>
-            </a:lvl2pPr>
-            <a:lvl3pPr>
-              <a:defRPr sz="1400"/>
-            </a:lvl3pPr>
-            <a:lvl4pPr>
-              <a:defRPr sz="1400"/>
-            </a:lvl4pPr>
-            <a:lvl5pPr>
-              <a:defRPr sz="1400"/>
-            </a:lvl5pPr>
-            <a:lvl6pPr>
-              <a:defRPr sz="1400"/>
-            </a:lvl6pPr>
-            <a:lvl7pPr>
-              <a:defRPr sz="1400"/>
-            </a:lvl7pPr>
-            <a:lvl8pPr>
-              <a:defRPr sz="1400"/>
-            </a:lvl8pPr>
-            <a:lvl9pPr>
-              <a:defRPr sz="1400"/>
-            </a:lvl9pPr>
-          </a:lstStyle>
+          <a:bodyPr>
+            <a:normAutofit/>
+          </a:bodyPr>
+          <a:lstStyle/>
           <a:p>
             <a:pPr lvl="0"/>
             <a:r>
               <a:rPr lang="da-DK"/>
-              <a:t>Rediger teksttypografien i masteren</a:t>
-            </a:r>
-          </a:p>
-          <a:p>
-            <a:pPr lvl="1"/>
-            <a:r>
-              <a:rPr lang="da-DK"/>
-              <a:t>Andet niveau</a:t>
-            </a:r>
-          </a:p>
-          <a:p>
-            <a:pPr lvl="2"/>
-            <a:r>
-              <a:rPr lang="da-DK"/>
-              <a:t>Tredje niveau</a:t>
-            </a:r>
-          </a:p>
-          <a:p>
-            <a:pPr lvl="3"/>
-            <a:r>
-              <a:rPr lang="da-DK"/>
-              <a:t>Fjerde niveau</a:t>
-            </a:r>
-          </a:p>
-          <a:p>
-            <a:pPr lvl="4"/>
-            <a:r>
-              <a:rPr lang="da-DK"/>
-              <a:t>Femte niveau</a:t>
+              <a:t>Rediger teksttypografien i masteren
+Andet niveau
+Tredje niveau
+Fjerde niveau
+Femte niveau</a:t>
             </a:r>
             <a:endParaRPr lang="en-US" dirty="0"/>
           </a:p>
@@ -2346,7 +4318,7 @@
           <a:p>
             <a:fld id="{4C52EC6D-AFBA-4F6F-A64F-BA455C0AB0BC}" type="datetimeFigureOut">
               <a:rPr lang="da-DK" smtClean="0"/>
-              <a:t>12-01-2019</a:t>
+              <a:t>12/01/2019</a:t>
             </a:fld>
             <a:endParaRPr lang="da-DK"/>
           </a:p>
@@ -2397,7 +4369,7 @@
     </p:spTree>
     <p:extLst>
       <p:ext uri="{BB962C8B-B14F-4D97-AF65-F5344CB8AC3E}">
-        <p14:creationId xmlns:p14="http://schemas.microsoft.com/office/powerpoint/2010/main" val="3972362775"/>
+        <p14:creationId xmlns:p14="http://schemas.microsoft.com/office/powerpoint/2010/main" val="4062796769"/>
       </p:ext>
     </p:extLst>
   </p:cSld>
@@ -2426,7 +4398,7 @@
       </p:grpSpPr>
       <p:sp>
         <p:nvSpPr>
-          <p:cNvPr id="6" name="Title 5"/>
+          <p:cNvPr id="2" name="Title 1"/>
           <p:cNvSpPr>
             <a:spLocks noGrp="1"/>
           </p:cNvSpPr>
@@ -2434,7 +4406,12 @@
             <p:ph type="title"/>
           </p:nvPr>
         </p:nvSpPr>
-        <p:spPr/>
+        <p:spPr>
+          <a:xfrm>
+            <a:off x="677334" y="609600"/>
+            <a:ext cx="8596668" cy="1320800"/>
+          </a:xfrm>
+        </p:spPr>
         <p:txBody>
           <a:bodyPr/>
           <a:lstStyle/>
@@ -2464,7 +4441,7 @@
           <a:p>
             <a:fld id="{4C52EC6D-AFBA-4F6F-A64F-BA455C0AB0BC}" type="datetimeFigureOut">
               <a:rPr lang="da-DK" smtClean="0"/>
-              <a:t>12-01-2019</a:t>
+              <a:t>12/01/2019</a:t>
             </a:fld>
             <a:endParaRPr lang="da-DK"/>
           </a:p>
@@ -2515,7 +4492,7 @@
     </p:spTree>
     <p:extLst>
       <p:ext uri="{BB962C8B-B14F-4D97-AF65-F5344CB8AC3E}">
-        <p14:creationId xmlns:p14="http://schemas.microsoft.com/office/powerpoint/2010/main" val="2961984708"/>
+        <p14:creationId xmlns:p14="http://schemas.microsoft.com/office/powerpoint/2010/main" val="3471380676"/>
       </p:ext>
     </p:extLst>
   </p:cSld>
@@ -2559,7 +4536,7 @@
           <a:p>
             <a:fld id="{4C52EC6D-AFBA-4F6F-A64F-BA455C0AB0BC}" type="datetimeFigureOut">
               <a:rPr lang="da-DK" smtClean="0"/>
-              <a:t>12-01-2019</a:t>
+              <a:t>12/01/2019</a:t>
             </a:fld>
             <a:endParaRPr lang="da-DK"/>
           </a:p>
@@ -2610,7 +4587,7 @@
     </p:spTree>
     <p:extLst>
       <p:ext uri="{BB962C8B-B14F-4D97-AF65-F5344CB8AC3E}">
-        <p14:creationId xmlns:p14="http://schemas.microsoft.com/office/powerpoint/2010/main" val="1894504859"/>
+        <p14:creationId xmlns:p14="http://schemas.microsoft.com/office/powerpoint/2010/main" val="1825876227"/>
       </p:ext>
     </p:extLst>
   </p:cSld>
@@ -2649,8 +4626,8 @@
         </p:nvSpPr>
         <p:spPr>
           <a:xfrm>
-            <a:off x="841248" y="457200"/>
-            <a:ext cx="3200400" cy="1600197"/>
+            <a:off x="677334" y="1498604"/>
+            <a:ext cx="3854528" cy="1278466"/>
           </a:xfrm>
         </p:spPr>
         <p:txBody>
@@ -2659,7 +4636,7 @@
           </a:bodyPr>
           <a:lstStyle>
             <a:lvl1pPr>
-              <a:defRPr sz="3200" b="0" baseline="0"/>
+              <a:defRPr sz="2000"/>
             </a:lvl1pPr>
           </a:lstStyle>
           <a:p>
@@ -2683,74 +4660,24 @@
         </p:nvSpPr>
         <p:spPr>
           <a:xfrm>
-            <a:off x="4504267" y="685800"/>
-            <a:ext cx="6079066" cy="5486400"/>
+            <a:off x="4760461" y="514924"/>
+            <a:ext cx="4513541" cy="5526437"/>
           </a:xfrm>
         </p:spPr>
         <p:txBody>
-          <a:bodyPr/>
-          <a:lstStyle>
-            <a:lvl1pPr>
-              <a:defRPr sz="2000"/>
-            </a:lvl1pPr>
-            <a:lvl2pPr>
-              <a:defRPr sz="1800"/>
-            </a:lvl2pPr>
-            <a:lvl3pPr>
-              <a:defRPr sz="1600"/>
-            </a:lvl3pPr>
-            <a:lvl4pPr>
-              <a:defRPr sz="1400"/>
-            </a:lvl4pPr>
-            <a:lvl5pPr>
-              <a:defRPr sz="1400"/>
-            </a:lvl5pPr>
-            <a:lvl6pPr>
-              <a:defRPr sz="1400"/>
-            </a:lvl6pPr>
-            <a:lvl7pPr>
-              <a:defRPr sz="1400"/>
-            </a:lvl7pPr>
-            <a:lvl8pPr>
-              <a:defRPr sz="1400"/>
-            </a:lvl8pPr>
-            <a:lvl9pPr>
-              <a:defRPr sz="1400"/>
-            </a:lvl9pPr>
-          </a:lstStyle>
+          <a:bodyPr>
+            <a:normAutofit/>
+          </a:bodyPr>
+          <a:lstStyle/>
           <a:p>
             <a:pPr lvl="0"/>
             <a:r>
               <a:rPr lang="da-DK"/>
-              <a:t>Rediger teksttypografien i masteren</a:t>
-            </a:r>
-          </a:p>
-          <a:p>
-            <a:pPr lvl="1"/>
-            <a:r>
-              <a:rPr lang="da-DK"/>
-              <a:t>Andet niveau</a:t>
-            </a:r>
-          </a:p>
-          <a:p>
-            <a:pPr lvl="2"/>
-            <a:r>
-              <a:rPr lang="da-DK"/>
-              <a:t>Tredje niveau</a:t>
-            </a:r>
-          </a:p>
-          <a:p>
-            <a:pPr lvl="3"/>
-            <a:r>
-              <a:rPr lang="da-DK"/>
-              <a:t>Fjerde niveau</a:t>
-            </a:r>
-          </a:p>
-          <a:p>
-            <a:pPr lvl="4"/>
-            <a:r>
-              <a:rPr lang="da-DK"/>
-              <a:t>Femte niveau</a:t>
+              <a:t>Rediger teksttypografien i masteren
+Andet niveau
+Tredje niveau
+Fjerde niveau
+Femte niveau</a:t>
             </a:r>
             <a:endParaRPr lang="en-US" dirty="0"/>
           </a:p>
@@ -2768,8 +4695,8 @@
         </p:nvSpPr>
         <p:spPr>
           <a:xfrm>
-            <a:off x="841248" y="2099734"/>
-            <a:ext cx="3200400" cy="3810001"/>
+            <a:off x="677334" y="2777069"/>
+            <a:ext cx="3854528" cy="2584449"/>
           </a:xfrm>
         </p:spPr>
         <p:txBody>
@@ -2778,54 +4705,53 @@
           </a:bodyPr>
           <a:lstStyle>
             <a:lvl1pPr marL="0" indent="0">
-              <a:lnSpc>
-                <a:spcPct val="114000"/>
-              </a:lnSpc>
-              <a:spcBef>
-                <a:spcPts val="800"/>
-              </a:spcBef>
-              <a:buNone/>
-              <a:defRPr sz="1300"/>
+              <a:buNone/>
+              <a:defRPr sz="1400"/>
             </a:lvl1pPr>
-            <a:lvl2pPr marL="457200" indent="0">
+            <a:lvl2pPr marL="457063" indent="0">
+              <a:buNone/>
+              <a:defRPr sz="1400"/>
+            </a:lvl2pPr>
+            <a:lvl3pPr marL="914126" indent="0">
               <a:buNone/>
               <a:defRPr sz="1200"/>
-            </a:lvl2pPr>
-            <a:lvl3pPr marL="914400" indent="0">
+            </a:lvl3pPr>
+            <a:lvl4pPr marL="1371189" indent="0">
               <a:buNone/>
               <a:defRPr sz="1000"/>
-            </a:lvl3pPr>
-            <a:lvl4pPr marL="1371600" indent="0">
-              <a:buNone/>
-              <a:defRPr sz="900"/>
             </a:lvl4pPr>
-            <a:lvl5pPr marL="1828800" indent="0">
-              <a:buNone/>
-              <a:defRPr sz="900"/>
+            <a:lvl5pPr marL="1828251" indent="0">
+              <a:buNone/>
+              <a:defRPr sz="1000"/>
             </a:lvl5pPr>
-            <a:lvl6pPr marL="2286000" indent="0">
-              <a:buNone/>
-              <a:defRPr sz="900"/>
+            <a:lvl6pPr marL="2285314" indent="0">
+              <a:buNone/>
+              <a:defRPr sz="1000"/>
             </a:lvl6pPr>
-            <a:lvl7pPr marL="2743200" indent="0">
-              <a:buNone/>
-              <a:defRPr sz="900"/>
+            <a:lvl7pPr marL="2742377" indent="0">
+              <a:buNone/>
+              <a:defRPr sz="1000"/>
             </a:lvl7pPr>
-            <a:lvl8pPr marL="3200400" indent="0">
-              <a:buNone/>
-              <a:defRPr sz="900"/>
+            <a:lvl8pPr marL="3199440" indent="0">
+              <a:buNone/>
+              <a:defRPr sz="1000"/>
             </a:lvl8pPr>
-            <a:lvl9pPr marL="3657600" indent="0">
-              <a:buNone/>
-              <a:defRPr sz="900"/>
+            <a:lvl9pPr marL="3656503" indent="0">
+              <a:buNone/>
+              <a:defRPr sz="1000"/>
             </a:lvl9pPr>
           </a:lstStyle>
           <a:p>
             <a:pPr lvl="0"/>
             <a:r>
               <a:rPr lang="da-DK"/>
-              <a:t>Rediger teksttypografien i masteren</a:t>
-            </a:r>
+              <a:t>Rediger teksttypografien i masteren
+Andet niveau
+Tredje niveau
+Fjerde niveau
+Femte niveau</a:t>
+            </a:r>
+            <a:endParaRPr lang="en-US" dirty="0"/>
           </a:p>
         </p:txBody>
       </p:sp>
@@ -2846,7 +4772,7 @@
           <a:p>
             <a:fld id="{4C52EC6D-AFBA-4F6F-A64F-BA455C0AB0BC}" type="datetimeFigureOut">
               <a:rPr lang="da-DK" smtClean="0"/>
-              <a:t>12-01-2019</a:t>
+              <a:t>12/01/2019</a:t>
             </a:fld>
             <a:endParaRPr lang="da-DK"/>
           </a:p>
@@ -2897,7 +4823,7 @@
     </p:spTree>
     <p:extLst>
       <p:ext uri="{BB962C8B-B14F-4D97-AF65-F5344CB8AC3E}">
-        <p14:creationId xmlns:p14="http://schemas.microsoft.com/office/powerpoint/2010/main" val="1784937156"/>
+        <p14:creationId xmlns:p14="http://schemas.microsoft.com/office/powerpoint/2010/main" val="1220546484"/>
       </p:ext>
     </p:extLst>
   </p:cSld>
@@ -2926,56 +4852,18 @@
       </p:grpSpPr>
       <p:sp>
         <p:nvSpPr>
-          <p:cNvPr id="8" name="Rectangle 7"/>
-          <p:cNvSpPr/>
-          <p:nvPr/>
+          <p:cNvPr id="2" name="Title 1"/>
+          <p:cNvSpPr>
+            <a:spLocks noGrp="1"/>
+          </p:cNvSpPr>
+          <p:nvPr>
+            <p:ph type="title"/>
+          </p:nvPr>
         </p:nvSpPr>
         <p:spPr>
           <a:xfrm>
-            <a:off x="0" y="5105400"/>
-            <a:ext cx="11292840" cy="1752600"/>
-          </a:xfrm>
-          <a:prstGeom prst="rect">
-            <a:avLst/>
-          </a:prstGeom>
-          <a:solidFill>
-            <a:srgbClr val="000000"/>
-          </a:solidFill>
-          <a:ln>
-            <a:noFill/>
-          </a:ln>
-        </p:spPr>
-        <p:style>
-          <a:lnRef idx="2">
-            <a:schemeClr val="accent1">
-              <a:shade val="50000"/>
-            </a:schemeClr>
-          </a:lnRef>
-          <a:fillRef idx="1">
-            <a:schemeClr val="accent1"/>
-          </a:fillRef>
-          <a:effectRef idx="0">
-            <a:schemeClr val="accent1"/>
-          </a:effectRef>
-          <a:fontRef idx="minor">
-            <a:schemeClr val="lt1"/>
-          </a:fontRef>
-        </p:style>
-      </p:sp>
-      <p:sp>
-        <p:nvSpPr>
-          <p:cNvPr id="2" name="Title 1"/>
-          <p:cNvSpPr>
-            <a:spLocks noGrp="1"/>
-          </p:cNvSpPr>
-          <p:nvPr>
-            <p:ph type="title"/>
-          </p:nvPr>
-        </p:nvSpPr>
-        <p:spPr>
-          <a:xfrm>
-            <a:off x="914400" y="5257800"/>
-            <a:ext cx="9982200" cy="914400"/>
+            <a:off x="677334" y="4800600"/>
+            <a:ext cx="8596667" cy="566738"/>
           </a:xfrm>
         </p:spPr>
         <p:txBody>
@@ -2983,12 +4871,8 @@
             <a:normAutofit/>
           </a:bodyPr>
           <a:lstStyle>
-            <a:lvl1pPr>
-              <a:defRPr sz="2800" b="0">
-                <a:solidFill>
-                  <a:schemeClr val="bg1"/>
-                </a:solidFill>
-              </a:defRPr>
+            <a:lvl1pPr algn="l">
+              <a:defRPr sz="2400" b="0"/>
             </a:lvl1pPr>
           </a:lstStyle>
           <a:p>
@@ -3012,58 +4896,50 @@
         </p:nvSpPr>
         <p:spPr>
           <a:xfrm>
-            <a:off x="0" y="0"/>
-            <a:ext cx="11292840" cy="5128923"/>
+            <a:off x="677334" y="609600"/>
+            <a:ext cx="8596668" cy="3845718"/>
           </a:xfrm>
-          <a:blipFill>
-            <a:blip r:embed="rId2"/>
-            <a:stretch>
-              <a:fillRect/>
-            </a:stretch>
-          </a:blipFill>
         </p:spPr>
         <p:txBody>
-          <a:bodyPr anchor="t"/>
+          <a:bodyPr anchor="t">
+            <a:normAutofit/>
+          </a:bodyPr>
           <a:lstStyle>
-            <a:lvl1pPr marL="0" indent="0">
-              <a:buNone/>
-              <a:defRPr sz="3200">
-                <a:solidFill>
-                  <a:schemeClr val="bg1"/>
-                </a:solidFill>
-              </a:defRPr>
+            <a:lvl1pPr marL="0" indent="0" algn="ctr">
+              <a:buNone/>
+              <a:defRPr sz="1600"/>
             </a:lvl1pPr>
             <a:lvl2pPr marL="457200" indent="0">
               <a:buNone/>
-              <a:defRPr sz="2800"/>
+              <a:defRPr sz="1600"/>
             </a:lvl2pPr>
             <a:lvl3pPr marL="914400" indent="0">
               <a:buNone/>
-              <a:defRPr sz="2400"/>
+              <a:defRPr sz="1600"/>
             </a:lvl3pPr>
             <a:lvl4pPr marL="1371600" indent="0">
               <a:buNone/>
-              <a:defRPr sz="2000"/>
+              <a:defRPr sz="1600"/>
             </a:lvl4pPr>
             <a:lvl5pPr marL="1828800" indent="0">
               <a:buNone/>
-              <a:defRPr sz="2000"/>
+              <a:defRPr sz="1600"/>
             </a:lvl5pPr>
             <a:lvl6pPr marL="2286000" indent="0">
               <a:buNone/>
-              <a:defRPr sz="2000"/>
+              <a:defRPr sz="1600"/>
             </a:lvl6pPr>
             <a:lvl7pPr marL="2743200" indent="0">
               <a:buNone/>
-              <a:defRPr sz="2000"/>
+              <a:defRPr sz="1600"/>
             </a:lvl7pPr>
             <a:lvl8pPr marL="3200400" indent="0">
               <a:buNone/>
-              <a:defRPr sz="2000"/>
+              <a:defRPr sz="1600"/>
             </a:lvl8pPr>
             <a:lvl9pPr marL="3657600" indent="0">
               <a:buNone/>
-              <a:defRPr sz="2000"/>
+              <a:defRPr sz="1600"/>
             </a:lvl9pPr>
           </a:lstStyle>
           <a:p>
@@ -3087,8 +4963,8 @@
         </p:nvSpPr>
         <p:spPr>
           <a:xfrm>
-            <a:off x="914400" y="6108589"/>
-            <a:ext cx="9982200" cy="597011"/>
+            <a:off x="677334" y="5367338"/>
+            <a:ext cx="8596667" cy="674024"/>
           </a:xfrm>
         </p:spPr>
         <p:txBody>
@@ -3097,20 +4973,8 @@
           </a:bodyPr>
           <a:lstStyle>
             <a:lvl1pPr marL="0" indent="0">
-              <a:lnSpc>
-                <a:spcPct val="100000"/>
-              </a:lnSpc>
-              <a:spcBef>
-                <a:spcPts val="800"/>
-              </a:spcBef>
-              <a:buNone/>
-              <a:defRPr sz="1300">
-                <a:solidFill>
-                  <a:schemeClr val="bg1">
-                    <a:lumMod val="85000"/>
-                  </a:schemeClr>
-                </a:solidFill>
-              </a:defRPr>
+              <a:buNone/>
+              <a:defRPr sz="1200"/>
             </a:lvl1pPr>
             <a:lvl2pPr marL="457200" indent="0">
               <a:buNone/>
@@ -3149,8 +5013,13 @@
             <a:pPr lvl="0"/>
             <a:r>
               <a:rPr lang="da-DK"/>
-              <a:t>Rediger teksttypografien i masteren</a:t>
-            </a:r>
+              <a:t>Rediger teksttypografien i masteren
+Andet niveau
+Tredje niveau
+Fjerde niveau
+Femte niveau</a:t>
+            </a:r>
+            <a:endParaRPr lang="en-US" dirty="0"/>
           </a:p>
         </p:txBody>
       </p:sp>
@@ -3171,7 +5040,7 @@
           <a:p>
             <a:fld id="{4C52EC6D-AFBA-4F6F-A64F-BA455C0AB0BC}" type="datetimeFigureOut">
               <a:rPr lang="da-DK" smtClean="0"/>
-              <a:t>12-01-2019</a:t>
+              <a:t>12/01/2019</a:t>
             </a:fld>
             <a:endParaRPr lang="da-DK"/>
           </a:p>
@@ -3222,7 +5091,7 @@
     </p:spTree>
     <p:extLst>
       <p:ext uri="{BB962C8B-B14F-4D97-AF65-F5344CB8AC3E}">
-        <p14:creationId xmlns:p14="http://schemas.microsoft.com/office/powerpoint/2010/main" val="3023166828"/>
+        <p14:creationId xmlns:p14="http://schemas.microsoft.com/office/powerpoint/2010/main" val="504027057"/>
       </p:ext>
     </p:extLst>
   </p:cSld>
@@ -3254,67 +5123,557 @@
           <a:chExt cx="0" cy="0"/>
         </a:xfrm>
       </p:grpSpPr>
-      <p:sp>
-        <p:nvSpPr>
-          <p:cNvPr id="7" name="Rectangle 6"/>
-          <p:cNvSpPr/>
+      <p:grpSp>
+        <p:nvGrpSpPr>
+          <p:cNvPr id="7" name="Group 6"/>
+          <p:cNvGrpSpPr/>
           <p:nvPr/>
+        </p:nvGrpSpPr>
+        <p:grpSpPr>
+          <a:xfrm>
+            <a:off x="0" y="-8467"/>
+            <a:ext cx="12192000" cy="6866467"/>
+            <a:chOff x="0" y="-8467"/>
+            <a:chExt cx="12192000" cy="6866467"/>
+          </a:xfrm>
+        </p:grpSpPr>
+        <p:cxnSp>
+          <p:nvCxnSpPr>
+            <p:cNvPr id="20" name="Straight Connector 19"/>
+            <p:cNvCxnSpPr/>
+            <p:nvPr/>
+          </p:nvCxnSpPr>
+          <p:spPr>
+            <a:xfrm>
+              <a:off x="9371012" y="0"/>
+              <a:ext cx="1219200" cy="6858000"/>
+            </a:xfrm>
+            <a:prstGeom prst="line">
+              <a:avLst/>
+            </a:prstGeom>
+            <a:ln w="9525">
+              <a:solidFill>
+                <a:schemeClr val="bg1">
+                  <a:lumMod val="75000"/>
+                </a:schemeClr>
+              </a:solidFill>
+            </a:ln>
+          </p:spPr>
+          <p:style>
+            <a:lnRef idx="2">
+              <a:schemeClr val="accent1"/>
+            </a:lnRef>
+            <a:fillRef idx="0">
+              <a:schemeClr val="accent1"/>
+            </a:fillRef>
+            <a:effectRef idx="1">
+              <a:schemeClr val="accent1"/>
+            </a:effectRef>
+            <a:fontRef idx="minor">
+              <a:schemeClr val="tx1"/>
+            </a:fontRef>
+          </p:style>
+        </p:cxnSp>
+        <p:cxnSp>
+          <p:nvCxnSpPr>
+            <p:cNvPr id="21" name="Straight Connector 20"/>
+            <p:cNvCxnSpPr/>
+            <p:nvPr/>
+          </p:nvCxnSpPr>
+          <p:spPr>
+            <a:xfrm flipH="1">
+              <a:off x="7425267" y="3681413"/>
+              <a:ext cx="4763558" cy="3176587"/>
+            </a:xfrm>
+            <a:prstGeom prst="line">
+              <a:avLst/>
+            </a:prstGeom>
+            <a:ln w="9525">
+              <a:solidFill>
+                <a:schemeClr val="bg1">
+                  <a:lumMod val="85000"/>
+                </a:schemeClr>
+              </a:solidFill>
+            </a:ln>
+          </p:spPr>
+          <p:style>
+            <a:lnRef idx="2">
+              <a:schemeClr val="accent1"/>
+            </a:lnRef>
+            <a:fillRef idx="0">
+              <a:schemeClr val="accent1"/>
+            </a:fillRef>
+            <a:effectRef idx="1">
+              <a:schemeClr val="accent1"/>
+            </a:effectRef>
+            <a:fontRef idx="minor">
+              <a:schemeClr val="tx1"/>
+            </a:fontRef>
+          </p:style>
+        </p:cxnSp>
+        <p:sp>
+          <p:nvSpPr>
+            <p:cNvPr id="22" name="Rectangle 23"/>
+            <p:cNvSpPr/>
+            <p:nvPr/>
+          </p:nvSpPr>
+          <p:spPr>
+            <a:xfrm>
+              <a:off x="9181476" y="-8467"/>
+              <a:ext cx="3007349" cy="6866467"/>
+            </a:xfrm>
+            <a:custGeom>
+              <a:avLst/>
+              <a:gdLst/>
+              <a:ahLst/>
+              <a:cxnLst/>
+              <a:rect l="l" t="t" r="r" b="b"/>
+              <a:pathLst>
+                <a:path w="3007349" h="6866467">
+                  <a:moveTo>
+                    <a:pt x="2045532" y="0"/>
+                  </a:moveTo>
+                  <a:lnTo>
+                    <a:pt x="3007349" y="0"/>
+                  </a:lnTo>
+                  <a:lnTo>
+                    <a:pt x="3007349" y="6866467"/>
+                  </a:lnTo>
+                  <a:lnTo>
+                    <a:pt x="0" y="6866467"/>
+                  </a:lnTo>
+                  <a:lnTo>
+                    <a:pt x="2045532" y="0"/>
+                  </a:lnTo>
+                  <a:close/>
+                </a:path>
+              </a:pathLst>
+            </a:custGeom>
+            <a:solidFill>
+              <a:schemeClr val="accent1">
+                <a:alpha val="30000"/>
+              </a:schemeClr>
+            </a:solidFill>
+            <a:ln>
+              <a:noFill/>
+            </a:ln>
+            <a:effectLst/>
+          </p:spPr>
+          <p:style>
+            <a:lnRef idx="1">
+              <a:schemeClr val="accent1"/>
+            </a:lnRef>
+            <a:fillRef idx="3">
+              <a:schemeClr val="accent1"/>
+            </a:fillRef>
+            <a:effectRef idx="2">
+              <a:schemeClr val="accent1"/>
+            </a:effectRef>
+            <a:fontRef idx="minor">
+              <a:schemeClr val="lt1"/>
+            </a:fontRef>
+          </p:style>
+        </p:sp>
+        <p:sp>
+          <p:nvSpPr>
+            <p:cNvPr id="23" name="Rectangle 25"/>
+            <p:cNvSpPr/>
+            <p:nvPr/>
+          </p:nvSpPr>
+          <p:spPr>
+            <a:xfrm>
+              <a:off x="9603442" y="-8467"/>
+              <a:ext cx="2588558" cy="6866467"/>
+            </a:xfrm>
+            <a:custGeom>
+              <a:avLst/>
+              <a:gdLst/>
+              <a:ahLst/>
+              <a:cxnLst/>
+              <a:rect l="l" t="t" r="r" b="b"/>
+              <a:pathLst>
+                <a:path w="2573311" h="6866467">
+                  <a:moveTo>
+                    <a:pt x="0" y="0"/>
+                  </a:moveTo>
+                  <a:lnTo>
+                    <a:pt x="2573311" y="0"/>
+                  </a:lnTo>
+                  <a:lnTo>
+                    <a:pt x="2573311" y="6866467"/>
+                  </a:lnTo>
+                  <a:lnTo>
+                    <a:pt x="1202336" y="6866467"/>
+                  </a:lnTo>
+                  <a:lnTo>
+                    <a:pt x="0" y="0"/>
+                  </a:lnTo>
+                  <a:close/>
+                </a:path>
+              </a:pathLst>
+            </a:custGeom>
+            <a:solidFill>
+              <a:schemeClr val="accent1">
+                <a:alpha val="20000"/>
+              </a:schemeClr>
+            </a:solidFill>
+            <a:ln>
+              <a:noFill/>
+            </a:ln>
+            <a:effectLst/>
+          </p:spPr>
+          <p:style>
+            <a:lnRef idx="1">
+              <a:schemeClr val="accent1"/>
+            </a:lnRef>
+            <a:fillRef idx="3">
+              <a:schemeClr val="accent1"/>
+            </a:fillRef>
+            <a:effectRef idx="2">
+              <a:schemeClr val="accent1"/>
+            </a:effectRef>
+            <a:fontRef idx="minor">
+              <a:schemeClr val="lt1"/>
+            </a:fontRef>
+          </p:style>
+        </p:sp>
+        <p:sp>
+          <p:nvSpPr>
+            <p:cNvPr id="24" name="Isosceles Triangle 23"/>
+            <p:cNvSpPr/>
+            <p:nvPr/>
+          </p:nvSpPr>
+          <p:spPr>
+            <a:xfrm>
+              <a:off x="8932333" y="3048000"/>
+              <a:ext cx="3259667" cy="3810000"/>
+            </a:xfrm>
+            <a:prstGeom prst="triangle">
+              <a:avLst>
+                <a:gd name="adj" fmla="val 100000"/>
+              </a:avLst>
+            </a:prstGeom>
+            <a:solidFill>
+              <a:schemeClr val="accent2">
+                <a:alpha val="72000"/>
+              </a:schemeClr>
+            </a:solidFill>
+            <a:ln>
+              <a:noFill/>
+            </a:ln>
+            <a:effectLst/>
+          </p:spPr>
+          <p:style>
+            <a:lnRef idx="1">
+              <a:schemeClr val="accent1"/>
+            </a:lnRef>
+            <a:fillRef idx="3">
+              <a:schemeClr val="accent1"/>
+            </a:fillRef>
+            <a:effectRef idx="2">
+              <a:schemeClr val="accent1"/>
+            </a:effectRef>
+            <a:fontRef idx="minor">
+              <a:schemeClr val="lt1"/>
+            </a:fontRef>
+          </p:style>
+        </p:sp>
+        <p:sp>
+          <p:nvSpPr>
+            <p:cNvPr id="25" name="Rectangle 27"/>
+            <p:cNvSpPr/>
+            <p:nvPr/>
+          </p:nvSpPr>
+          <p:spPr>
+            <a:xfrm>
+              <a:off x="9334500" y="-8467"/>
+              <a:ext cx="2854326" cy="6866467"/>
+            </a:xfrm>
+            <a:custGeom>
+              <a:avLst/>
+              <a:gdLst/>
+              <a:ahLst/>
+              <a:cxnLst/>
+              <a:rect l="l" t="t" r="r" b="b"/>
+              <a:pathLst>
+                <a:path w="2858013" h="6866467">
+                  <a:moveTo>
+                    <a:pt x="0" y="0"/>
+                  </a:moveTo>
+                  <a:lnTo>
+                    <a:pt x="2858013" y="0"/>
+                  </a:lnTo>
+                  <a:lnTo>
+                    <a:pt x="2858013" y="6866467"/>
+                  </a:lnTo>
+                  <a:lnTo>
+                    <a:pt x="2473942" y="6866467"/>
+                  </a:lnTo>
+                  <a:lnTo>
+                    <a:pt x="0" y="0"/>
+                  </a:lnTo>
+                  <a:close/>
+                </a:path>
+              </a:pathLst>
+            </a:custGeom>
+            <a:solidFill>
+              <a:schemeClr val="accent2">
+                <a:lumMod val="75000"/>
+                <a:alpha val="70000"/>
+              </a:schemeClr>
+            </a:solidFill>
+            <a:ln>
+              <a:noFill/>
+            </a:ln>
+            <a:effectLst/>
+          </p:spPr>
+          <p:style>
+            <a:lnRef idx="1">
+              <a:schemeClr val="accent1"/>
+            </a:lnRef>
+            <a:fillRef idx="3">
+              <a:schemeClr val="accent1"/>
+            </a:fillRef>
+            <a:effectRef idx="2">
+              <a:schemeClr val="accent1"/>
+            </a:effectRef>
+            <a:fontRef idx="minor">
+              <a:schemeClr val="lt1"/>
+            </a:fontRef>
+          </p:style>
+        </p:sp>
+        <p:sp>
+          <p:nvSpPr>
+            <p:cNvPr id="26" name="Rectangle 28"/>
+            <p:cNvSpPr/>
+            <p:nvPr/>
+          </p:nvSpPr>
+          <p:spPr>
+            <a:xfrm>
+              <a:off x="10898730" y="-8467"/>
+              <a:ext cx="1290094" cy="6866467"/>
+            </a:xfrm>
+            <a:custGeom>
+              <a:avLst/>
+              <a:gdLst/>
+              <a:ahLst/>
+              <a:cxnLst/>
+              <a:rect l="l" t="t" r="r" b="b"/>
+              <a:pathLst>
+                <a:path w="1290094" h="6858000">
+                  <a:moveTo>
+                    <a:pt x="1019735" y="0"/>
+                  </a:moveTo>
+                  <a:lnTo>
+                    <a:pt x="1290094" y="0"/>
+                  </a:lnTo>
+                  <a:lnTo>
+                    <a:pt x="1290094" y="6858000"/>
+                  </a:lnTo>
+                  <a:lnTo>
+                    <a:pt x="0" y="6858000"/>
+                  </a:lnTo>
+                  <a:lnTo>
+                    <a:pt x="1019735" y="0"/>
+                  </a:lnTo>
+                  <a:close/>
+                </a:path>
+              </a:pathLst>
+            </a:custGeom>
+            <a:solidFill>
+              <a:schemeClr val="accent1">
+                <a:lumMod val="60000"/>
+                <a:lumOff val="40000"/>
+                <a:alpha val="70000"/>
+              </a:schemeClr>
+            </a:solidFill>
+            <a:ln>
+              <a:noFill/>
+            </a:ln>
+            <a:effectLst/>
+          </p:spPr>
+          <p:style>
+            <a:lnRef idx="1">
+              <a:schemeClr val="accent1"/>
+            </a:lnRef>
+            <a:fillRef idx="3">
+              <a:schemeClr val="accent1"/>
+            </a:fillRef>
+            <a:effectRef idx="2">
+              <a:schemeClr val="accent1"/>
+            </a:effectRef>
+            <a:fontRef idx="minor">
+              <a:schemeClr val="lt1"/>
+            </a:fontRef>
+          </p:style>
+        </p:sp>
+        <p:sp>
+          <p:nvSpPr>
+            <p:cNvPr id="27" name="Rectangle 29"/>
+            <p:cNvSpPr/>
+            <p:nvPr/>
+          </p:nvSpPr>
+          <p:spPr>
+            <a:xfrm>
+              <a:off x="10938999" y="-8467"/>
+              <a:ext cx="1249825" cy="6866467"/>
+            </a:xfrm>
+            <a:custGeom>
+              <a:avLst/>
+              <a:gdLst/>
+              <a:ahLst/>
+              <a:cxnLst/>
+              <a:rect l="l" t="t" r="r" b="b"/>
+              <a:pathLst>
+                <a:path w="1249825" h="6858000">
+                  <a:moveTo>
+                    <a:pt x="0" y="0"/>
+                  </a:moveTo>
+                  <a:lnTo>
+                    <a:pt x="1249825" y="0"/>
+                  </a:lnTo>
+                  <a:lnTo>
+                    <a:pt x="1249825" y="6858000"/>
+                  </a:lnTo>
+                  <a:lnTo>
+                    <a:pt x="1109382" y="6858000"/>
+                  </a:lnTo>
+                  <a:lnTo>
+                    <a:pt x="0" y="0"/>
+                  </a:lnTo>
+                  <a:close/>
+                </a:path>
+              </a:pathLst>
+            </a:custGeom>
+            <a:solidFill>
+              <a:schemeClr val="accent1">
+                <a:alpha val="65000"/>
+              </a:schemeClr>
+            </a:solidFill>
+            <a:ln>
+              <a:noFill/>
+            </a:ln>
+            <a:effectLst/>
+          </p:spPr>
+          <p:style>
+            <a:lnRef idx="1">
+              <a:schemeClr val="accent1"/>
+            </a:lnRef>
+            <a:fillRef idx="3">
+              <a:schemeClr val="accent1"/>
+            </a:fillRef>
+            <a:effectRef idx="2">
+              <a:schemeClr val="accent1"/>
+            </a:effectRef>
+            <a:fontRef idx="minor">
+              <a:schemeClr val="lt1"/>
+            </a:fontRef>
+          </p:style>
+        </p:sp>
+        <p:sp>
+          <p:nvSpPr>
+            <p:cNvPr id="28" name="Isosceles Triangle 27"/>
+            <p:cNvSpPr/>
+            <p:nvPr/>
+          </p:nvSpPr>
+          <p:spPr>
+            <a:xfrm>
+              <a:off x="10371666" y="3589867"/>
+              <a:ext cx="1817159" cy="3268133"/>
+            </a:xfrm>
+            <a:prstGeom prst="triangle">
+              <a:avLst>
+                <a:gd name="adj" fmla="val 100000"/>
+              </a:avLst>
+            </a:prstGeom>
+            <a:solidFill>
+              <a:schemeClr val="accent1">
+                <a:alpha val="80000"/>
+              </a:schemeClr>
+            </a:solidFill>
+            <a:ln>
+              <a:noFill/>
+            </a:ln>
+            <a:effectLst/>
+          </p:spPr>
+          <p:style>
+            <a:lnRef idx="1">
+              <a:schemeClr val="accent1"/>
+            </a:lnRef>
+            <a:fillRef idx="3">
+              <a:schemeClr val="accent1"/>
+            </a:fillRef>
+            <a:effectRef idx="2">
+              <a:schemeClr val="accent1"/>
+            </a:effectRef>
+            <a:fontRef idx="minor">
+              <a:schemeClr val="lt1"/>
+            </a:fontRef>
+          </p:style>
+        </p:sp>
+        <p:sp>
+          <p:nvSpPr>
+            <p:cNvPr id="29" name="Isosceles Triangle 28"/>
+            <p:cNvSpPr/>
+            <p:nvPr/>
+          </p:nvSpPr>
+          <p:spPr>
+            <a:xfrm>
+              <a:off x="0" y="4013200"/>
+              <a:ext cx="448733" cy="2844800"/>
+            </a:xfrm>
+            <a:prstGeom prst="triangle">
+              <a:avLst>
+                <a:gd name="adj" fmla="val 0"/>
+              </a:avLst>
+            </a:prstGeom>
+            <a:solidFill>
+              <a:schemeClr val="accent1">
+                <a:alpha val="85000"/>
+              </a:schemeClr>
+            </a:solidFill>
+            <a:ln>
+              <a:noFill/>
+            </a:ln>
+            <a:effectLst/>
+          </p:spPr>
+          <p:style>
+            <a:lnRef idx="1">
+              <a:schemeClr val="accent1"/>
+            </a:lnRef>
+            <a:fillRef idx="3">
+              <a:schemeClr val="accent1"/>
+            </a:fillRef>
+            <a:effectRef idx="2">
+              <a:schemeClr val="accent1"/>
+            </a:effectRef>
+            <a:fontRef idx="minor">
+              <a:schemeClr val="lt1"/>
+            </a:fontRef>
+          </p:style>
+        </p:sp>
+      </p:grpSp>
+      <p:sp>
+        <p:nvSpPr>
+          <p:cNvPr id="2" name="Title Placeholder 1"/>
+          <p:cNvSpPr>
+            <a:spLocks noGrp="1"/>
+          </p:cNvSpPr>
+          <p:nvPr>
+            <p:ph type="title"/>
+          </p:nvPr>
         </p:nvSpPr>
         <p:spPr>
           <a:xfrm>
-            <a:off x="11292840" y="0"/>
-            <a:ext cx="914400" cy="6858000"/>
-          </a:xfrm>
-          <a:prstGeom prst="rect">
-            <a:avLst/>
-          </a:prstGeom>
-          <a:solidFill>
-            <a:schemeClr val="tx2">
-              <a:lumMod val="75000"/>
-            </a:schemeClr>
-          </a:solidFill>
-          <a:ln>
-            <a:noFill/>
-          </a:ln>
-        </p:spPr>
-        <p:style>
-          <a:lnRef idx="2">
-            <a:schemeClr val="accent1">
-              <a:shade val="50000"/>
-            </a:schemeClr>
-          </a:lnRef>
-          <a:fillRef idx="1">
-            <a:schemeClr val="accent1"/>
-          </a:fillRef>
-          <a:effectRef idx="0">
-            <a:schemeClr val="accent1"/>
-          </a:effectRef>
-          <a:fontRef idx="minor">
-            <a:schemeClr val="lt1"/>
-          </a:fontRef>
-        </p:style>
-      </p:sp>
-      <p:sp>
-        <p:nvSpPr>
-          <p:cNvPr id="2" name="Title Placeholder 1"/>
-          <p:cNvSpPr>
-            <a:spLocks noGrp="1"/>
-          </p:cNvSpPr>
-          <p:nvPr>
-            <p:ph type="title"/>
-          </p:nvPr>
-        </p:nvSpPr>
-        <p:spPr>
-          <a:xfrm>
-            <a:off x="1261872" y="365760"/>
-            <a:ext cx="9692640" cy="1325562"/>
+            <a:off x="677334" y="609600"/>
+            <a:ext cx="8596668" cy="1320800"/>
           </a:xfrm>
           <a:prstGeom prst="rect">
             <a:avLst/>
           </a:prstGeom>
         </p:spPr>
         <p:txBody>
-          <a:bodyPr vert="horz" lIns="91440" tIns="45720" rIns="91440" bIns="45720" rtlCol="0" anchor="b">
+          <a:bodyPr vert="horz" lIns="91440" tIns="45720" rIns="91440" bIns="45720" rtlCol="0" anchor="t">
             <a:normAutofit/>
           </a:bodyPr>
           <a:lstStyle/>
@@ -3339,8 +5698,8 @@
         </p:nvSpPr>
         <p:spPr>
           <a:xfrm>
-            <a:off x="1261872" y="1828800"/>
-            <a:ext cx="8595360" cy="4351337"/>
+            <a:off x="677334" y="2160589"/>
+            <a:ext cx="8596668" cy="3880773"/>
           </a:xfrm>
           <a:prstGeom prst="rect">
             <a:avLst/>
@@ -3355,35 +5714,11 @@
             <a:pPr lvl="0"/>
             <a:r>
               <a:rPr lang="da-DK"/>
-              <a:t>Rediger teksttypografien i masteren</a:t>
-            </a:r>
-          </a:p>
-          <a:p>
-            <a:pPr lvl="1"/>
-            <a:r>
-              <a:rPr lang="da-DK"/>
-              <a:t>Andet niveau</a:t>
-            </a:r>
-          </a:p>
-          <a:p>
-            <a:pPr lvl="2"/>
-            <a:r>
-              <a:rPr lang="da-DK"/>
-              <a:t>Tredje niveau</a:t>
-            </a:r>
-          </a:p>
-          <a:p>
-            <a:pPr lvl="3"/>
-            <a:r>
-              <a:rPr lang="da-DK"/>
-              <a:t>Fjerde niveau</a:t>
-            </a:r>
-          </a:p>
-          <a:p>
-            <a:pPr lvl="4"/>
-            <a:r>
-              <a:rPr lang="da-DK"/>
-              <a:t>Femte niveau</a:t>
+              <a:t>Rediger teksttypografien i masteren
+Andet niveau
+Tredje niveau
+Fjerde niveau
+Femte niveau</a:t>
             </a:r>
             <a:endParaRPr lang="en-US" dirty="0"/>
           </a:p>
@@ -3400,9 +5735,9 @@
           </p:nvPr>
         </p:nvSpPr>
         <p:spPr>
-          <a:xfrm rot="16200000">
-            <a:off x="10797542" y="998537"/>
-            <a:ext cx="1904999" cy="365125"/>
+          <a:xfrm>
+            <a:off x="7205133" y="6041362"/>
+            <a:ext cx="911939" cy="365125"/>
           </a:xfrm>
           <a:prstGeom prst="rect">
             <a:avLst/>
@@ -3412,11 +5747,10 @@
           <a:bodyPr vert="horz" lIns="91440" tIns="45720" rIns="91440" bIns="45720" rtlCol="0" anchor="ctr"/>
           <a:lstStyle>
             <a:lvl1pPr algn="r">
-              <a:defRPr sz="1050" b="0">
-                <a:solidFill>
-                  <a:schemeClr val="tx2">
-                    <a:lumMod val="20000"/>
-                    <a:lumOff val="80000"/>
+              <a:defRPr sz="900">
+                <a:solidFill>
+                  <a:schemeClr val="tx1">
+                    <a:tint val="75000"/>
                   </a:schemeClr>
                 </a:solidFill>
               </a:defRPr>
@@ -3425,7 +5759,7 @@
           <a:p>
             <a:fld id="{4C52EC6D-AFBA-4F6F-A64F-BA455C0AB0BC}" type="datetimeFigureOut">
               <a:rPr lang="da-DK" smtClean="0"/>
-              <a:t>12-01-2019</a:t>
+              <a:t>12/01/2019</a:t>
             </a:fld>
             <a:endParaRPr lang="da-DK"/>
           </a:p>
@@ -3442,9 +5776,9 @@
           </p:nvPr>
         </p:nvSpPr>
         <p:spPr>
-          <a:xfrm rot="16200000">
-            <a:off x="9959341" y="4046537"/>
-            <a:ext cx="3581400" cy="365125"/>
+          <a:xfrm>
+            <a:off x="677334" y="6041362"/>
+            <a:ext cx="6297612" cy="365125"/>
           </a:xfrm>
           <a:prstGeom prst="rect">
             <a:avLst/>
@@ -3454,11 +5788,10 @@
           <a:bodyPr vert="horz" lIns="91440" tIns="45720" rIns="91440" bIns="45720" rtlCol="0" anchor="ctr"/>
           <a:lstStyle>
             <a:lvl1pPr algn="l">
-              <a:defRPr sz="1050">
-                <a:solidFill>
-                  <a:schemeClr val="tx2">
-                    <a:lumMod val="20000"/>
-                    <a:lumOff val="80000"/>
+              <a:defRPr sz="900">
+                <a:solidFill>
+                  <a:schemeClr val="tx1">
+                    <a:tint val="75000"/>
                   </a:schemeClr>
                 </a:solidFill>
               </a:defRPr>
@@ -3481,25 +5814,20 @@
         </p:nvSpPr>
         <p:spPr>
           <a:xfrm>
-            <a:off x="11292840" y="6172200"/>
-            <a:ext cx="914400" cy="593725"/>
+            <a:off x="8590663" y="6041362"/>
+            <a:ext cx="683339" cy="365125"/>
           </a:xfrm>
           <a:prstGeom prst="rect">
             <a:avLst/>
           </a:prstGeom>
         </p:spPr>
         <p:txBody>
-          <a:bodyPr vert="horz" lIns="45720" tIns="45720" rIns="45720" bIns="45720" rtlCol="0" anchor="ctr">
-            <a:normAutofit/>
-          </a:bodyPr>
+          <a:bodyPr vert="horz" lIns="91440" tIns="45720" rIns="91440" bIns="45720" rtlCol="0" anchor="ctr"/>
           <a:lstStyle>
-            <a:lvl1pPr algn="ctr">
-              <a:defRPr sz="3600">
-                <a:solidFill>
-                  <a:schemeClr val="tx2">
-                    <a:lumMod val="60000"/>
-                    <a:lumOff val="40000"/>
-                  </a:schemeClr>
+            <a:lvl1pPr algn="r">
+              <a:defRPr sz="900">
+                <a:solidFill>
+                  <a:schemeClr val="accent1"/>
                 </a:solidFill>
               </a:defRPr>
             </a:lvl1pPr>
@@ -3516,90 +5844,146 @@
     </p:spTree>
     <p:extLst>
       <p:ext uri="{BB962C8B-B14F-4D97-AF65-F5344CB8AC3E}">
-        <p14:creationId xmlns:p14="http://schemas.microsoft.com/office/powerpoint/2010/main" val="2468121472"/>
+        <p14:creationId xmlns:p14="http://schemas.microsoft.com/office/powerpoint/2010/main" val="3065929457"/>
       </p:ext>
     </p:extLst>
   </p:cSld>
   <p:clrMap bg1="lt1" tx1="dk1" bg2="lt2" tx2="dk2" accent1="accent1" accent2="accent2" accent3="accent3" accent4="accent4" accent5="accent5" accent6="accent6" hlink="hlink" folHlink="folHlink"/>
   <p:sldLayoutIdLst>
-    <p:sldLayoutId id="2147483673" r:id="rId1"/>
-    <p:sldLayoutId id="2147483674" r:id="rId2"/>
-    <p:sldLayoutId id="2147483675" r:id="rId3"/>
-    <p:sldLayoutId id="2147483676" r:id="rId4"/>
-    <p:sldLayoutId id="2147483677" r:id="rId5"/>
-    <p:sldLayoutId id="2147483678" r:id="rId6"/>
-    <p:sldLayoutId id="2147483679" r:id="rId7"/>
-    <p:sldLayoutId id="2147483680" r:id="rId8"/>
-    <p:sldLayoutId id="2147483681" r:id="rId9"/>
-    <p:sldLayoutId id="2147483682" r:id="rId10"/>
-    <p:sldLayoutId id="2147483683" r:id="rId11"/>
+    <p:sldLayoutId id="2147483685" r:id="rId1"/>
+    <p:sldLayoutId id="2147483686" r:id="rId2"/>
+    <p:sldLayoutId id="2147483687" r:id="rId3"/>
+    <p:sldLayoutId id="2147483688" r:id="rId4"/>
+    <p:sldLayoutId id="2147483689" r:id="rId5"/>
+    <p:sldLayoutId id="2147483690" r:id="rId6"/>
+    <p:sldLayoutId id="2147483691" r:id="rId7"/>
+    <p:sldLayoutId id="2147483692" r:id="rId8"/>
+    <p:sldLayoutId id="2147483693" r:id="rId9"/>
+    <p:sldLayoutId id="2147483694" r:id="rId10"/>
+    <p:sldLayoutId id="2147483695" r:id="rId11"/>
+    <p:sldLayoutId id="2147483696" r:id="rId12"/>
+    <p:sldLayoutId id="2147483697" r:id="rId13"/>
+    <p:sldLayoutId id="2147483698" r:id="rId14"/>
+    <p:sldLayoutId id="2147483699" r:id="rId15"/>
+    <p:sldLayoutId id="2147483700" r:id="rId16"/>
   </p:sldLayoutIdLst>
   <p:txStyles>
     <p:titleStyle>
-      <a:lvl1pPr algn="l" defTabSz="914400" rtl="0" eaLnBrk="1" latinLnBrk="0" hangingPunct="1">
-        <a:lnSpc>
-          <a:spcPct val="90000"/>
-        </a:lnSpc>
+      <a:lvl1pPr algn="l" defTabSz="457200" rtl="0" eaLnBrk="1" latinLnBrk="0" hangingPunct="1">
         <a:spcBef>
           <a:spcPct val="0"/>
         </a:spcBef>
         <a:buNone/>
-        <a:defRPr sz="4400" kern="1200" spc="-50" baseline="0">
+        <a:defRPr sz="3600" kern="1200">
           <a:solidFill>
-            <a:schemeClr val="tx1"/>
+            <a:schemeClr val="accent1"/>
           </a:solidFill>
           <a:latin typeface="+mj-lt"/>
           <a:ea typeface="+mj-ea"/>
           <a:cs typeface="+mj-cs"/>
         </a:defRPr>
       </a:lvl1pPr>
+      <a:lvl2pPr eaLnBrk="1" hangingPunct="1">
+        <a:defRPr>
+          <a:solidFill>
+            <a:schemeClr val="tx2"/>
+          </a:solidFill>
+        </a:defRPr>
+      </a:lvl2pPr>
+      <a:lvl3pPr eaLnBrk="1" hangingPunct="1">
+        <a:defRPr>
+          <a:solidFill>
+            <a:schemeClr val="tx2"/>
+          </a:solidFill>
+        </a:defRPr>
+      </a:lvl3pPr>
+      <a:lvl4pPr eaLnBrk="1" hangingPunct="1">
+        <a:defRPr>
+          <a:solidFill>
+            <a:schemeClr val="tx2"/>
+          </a:solidFill>
+        </a:defRPr>
+      </a:lvl4pPr>
+      <a:lvl5pPr eaLnBrk="1" hangingPunct="1">
+        <a:defRPr>
+          <a:solidFill>
+            <a:schemeClr val="tx2"/>
+          </a:solidFill>
+        </a:defRPr>
+      </a:lvl5pPr>
+      <a:lvl6pPr eaLnBrk="1" hangingPunct="1">
+        <a:defRPr>
+          <a:solidFill>
+            <a:schemeClr val="tx2"/>
+          </a:solidFill>
+        </a:defRPr>
+      </a:lvl6pPr>
+      <a:lvl7pPr eaLnBrk="1" hangingPunct="1">
+        <a:defRPr>
+          <a:solidFill>
+            <a:schemeClr val="tx2"/>
+          </a:solidFill>
+        </a:defRPr>
+      </a:lvl7pPr>
+      <a:lvl8pPr eaLnBrk="1" hangingPunct="1">
+        <a:defRPr>
+          <a:solidFill>
+            <a:schemeClr val="tx2"/>
+          </a:solidFill>
+        </a:defRPr>
+      </a:lvl8pPr>
+      <a:lvl9pPr eaLnBrk="1" hangingPunct="1">
+        <a:defRPr>
+          <a:solidFill>
+            <a:schemeClr val="tx2"/>
+          </a:solidFill>
+        </a:defRPr>
+      </a:lvl9pPr>
     </p:titleStyle>
     <p:bodyStyle>
-      <a:lvl1pPr marL="182880" indent="-182880" algn="l" defTabSz="914400" rtl="0" eaLnBrk="1" latinLnBrk="0" hangingPunct="1">
-        <a:lnSpc>
-          <a:spcPct val="95000"/>
-        </a:lnSpc>
+      <a:lvl1pPr marL="342900" indent="-342900" algn="l" defTabSz="457200" rtl="0" eaLnBrk="1" latinLnBrk="0" hangingPunct="1">
         <a:spcBef>
-          <a:spcPts val="1400"/>
+          <a:spcPts val="1000"/>
         </a:spcBef>
         <a:spcAft>
-          <a:spcPts val="200"/>
+          <a:spcPts val="0"/>
         </a:spcAft>
         <a:buClr>
           <a:schemeClr val="accent1"/>
         </a:buClr>
         <a:buSzPct val="80000"/>
-        <a:buFont typeface="Arial" pitchFamily="34" charset="0"/>
-        <a:buChar char="•"/>
-        <a:defRPr sz="1800" kern="1200" spc="10" baseline="0">
+        <a:buFont typeface="Wingdings 3" charset="2"/>
+        <a:buChar char=""/>
+        <a:defRPr sz="1800" kern="1200">
           <a:solidFill>
-            <a:schemeClr val="tx1"/>
+            <a:schemeClr val="tx1">
+              <a:lumMod val="75000"/>
+              <a:lumOff val="25000"/>
+            </a:schemeClr>
           </a:solidFill>
           <a:latin typeface="+mn-lt"/>
           <a:ea typeface="+mn-ea"/>
           <a:cs typeface="+mn-cs"/>
         </a:defRPr>
       </a:lvl1pPr>
-      <a:lvl2pPr marL="457200" indent="-182880" algn="l" defTabSz="914400" rtl="0" eaLnBrk="1" latinLnBrk="0" hangingPunct="1">
-        <a:lnSpc>
-          <a:spcPct val="90000"/>
-        </a:lnSpc>
+      <a:lvl2pPr marL="742950" indent="-285750" algn="l" defTabSz="457200" rtl="0" eaLnBrk="1" latinLnBrk="0" hangingPunct="1">
         <a:spcBef>
-          <a:spcPts val="300"/>
+          <a:spcPts val="1000"/>
         </a:spcBef>
         <a:spcAft>
-          <a:spcPts val="300"/>
+          <a:spcPts val="0"/>
         </a:spcAft>
         <a:buClr>
           <a:schemeClr val="accent1"/>
         </a:buClr>
-        <a:buFont typeface="Wingdings 2" pitchFamily="18" charset="2"/>
-        <a:buChar char=""/>
+        <a:buSzPct val="80000"/>
+        <a:buFont typeface="Wingdings 3" charset="2"/>
+        <a:buChar char=""/>
         <a:defRPr sz="1600" kern="1200">
           <a:solidFill>
             <a:schemeClr val="tx1">
-              <a:lumMod val="85000"/>
-              <a:lumOff val="15000"/>
+              <a:lumMod val="75000"/>
+              <a:lumOff val="25000"/>
             </a:schemeClr>
           </a:solidFill>
           <a:latin typeface="+mn-lt"/>
@@ -3607,26 +5991,24 @@
           <a:cs typeface="+mn-cs"/>
         </a:defRPr>
       </a:lvl2pPr>
-      <a:lvl3pPr marL="731520" indent="-182880" algn="l" defTabSz="914400" rtl="0" eaLnBrk="1" latinLnBrk="0" hangingPunct="1">
-        <a:lnSpc>
-          <a:spcPct val="90000"/>
-        </a:lnSpc>
+      <a:lvl3pPr marL="1143000" indent="-228600" algn="l" defTabSz="457200" rtl="0" eaLnBrk="1" latinLnBrk="0" hangingPunct="1">
         <a:spcBef>
-          <a:spcPts val="300"/>
+          <a:spcPts val="1000"/>
         </a:spcBef>
         <a:spcAft>
-          <a:spcPts val="300"/>
+          <a:spcPts val="0"/>
         </a:spcAft>
         <a:buClr>
           <a:schemeClr val="accent1"/>
         </a:buClr>
-        <a:buFont typeface="Wingdings 2" pitchFamily="18" charset="2"/>
-        <a:buChar char=""/>
+        <a:buSzPct val="80000"/>
+        <a:buFont typeface="Wingdings 3" charset="2"/>
+        <a:buChar char=""/>
         <a:defRPr sz="1400" kern="1200">
           <a:solidFill>
             <a:schemeClr val="tx1">
-              <a:lumMod val="85000"/>
-              <a:lumOff val="15000"/>
+              <a:lumMod val="75000"/>
+              <a:lumOff val="25000"/>
             </a:schemeClr>
           </a:solidFill>
           <a:latin typeface="+mn-lt"/>
@@ -3634,26 +6016,24 @@
           <a:cs typeface="+mn-cs"/>
         </a:defRPr>
       </a:lvl3pPr>
-      <a:lvl4pPr marL="1005840" indent="-182880" algn="l" defTabSz="914400" rtl="0" eaLnBrk="1" latinLnBrk="0" hangingPunct="1">
-        <a:lnSpc>
-          <a:spcPct val="90000"/>
-        </a:lnSpc>
+      <a:lvl4pPr marL="1600200" indent="-228600" algn="l" defTabSz="457200" rtl="0" eaLnBrk="1" latinLnBrk="0" hangingPunct="1">
         <a:spcBef>
-          <a:spcPts val="300"/>
+          <a:spcPts val="1000"/>
         </a:spcBef>
         <a:spcAft>
-          <a:spcPts val="300"/>
+          <a:spcPts val="0"/>
         </a:spcAft>
         <a:buClr>
           <a:schemeClr val="accent1"/>
         </a:buClr>
-        <a:buFont typeface="Wingdings 2" pitchFamily="18" charset="2"/>
-        <a:buChar char=""/>
-        <a:defRPr sz="1400" kern="1200">
+        <a:buSzPct val="80000"/>
+        <a:buFont typeface="Wingdings 3" charset="2"/>
+        <a:buChar char=""/>
+        <a:defRPr sz="1200" kern="1200">
           <a:solidFill>
             <a:schemeClr val="tx1">
-              <a:lumMod val="85000"/>
-              <a:lumOff val="15000"/>
+              <a:lumMod val="75000"/>
+              <a:lumOff val="25000"/>
             </a:schemeClr>
           </a:solidFill>
           <a:latin typeface="+mn-lt"/>
@@ -3661,26 +6041,24 @@
           <a:cs typeface="+mn-cs"/>
         </a:defRPr>
       </a:lvl4pPr>
-      <a:lvl5pPr marL="1280160" indent="-182880" algn="l" defTabSz="914400" rtl="0" eaLnBrk="1" latinLnBrk="0" hangingPunct="1">
-        <a:lnSpc>
-          <a:spcPct val="90000"/>
-        </a:lnSpc>
+      <a:lvl5pPr marL="2057400" indent="-228600" algn="l" defTabSz="457200" rtl="0" eaLnBrk="1" latinLnBrk="0" hangingPunct="1">
         <a:spcBef>
-          <a:spcPts val="300"/>
+          <a:spcPts val="1000"/>
         </a:spcBef>
         <a:spcAft>
-          <a:spcPts val="300"/>
+          <a:spcPts val="0"/>
         </a:spcAft>
         <a:buClr>
           <a:schemeClr val="accent1"/>
         </a:buClr>
-        <a:buFont typeface="Wingdings 2" pitchFamily="18" charset="2"/>
-        <a:buChar char=""/>
-        <a:defRPr sz="1400" kern="1200">
+        <a:buSzPct val="80000"/>
+        <a:buFont typeface="Wingdings 3" charset="2"/>
+        <a:buChar char=""/>
+        <a:defRPr sz="1200" kern="1200">
           <a:solidFill>
             <a:schemeClr val="tx1">
-              <a:lumMod val="85000"/>
-              <a:lumOff val="15000"/>
+              <a:lumMod val="75000"/>
+              <a:lumOff val="25000"/>
             </a:schemeClr>
           </a:solidFill>
           <a:latin typeface="+mn-lt"/>
@@ -3688,26 +6066,24 @@
           <a:cs typeface="+mn-cs"/>
         </a:defRPr>
       </a:lvl5pPr>
-      <a:lvl6pPr marL="1600000" indent="-228600" algn="l" defTabSz="914400" rtl="0" eaLnBrk="1" latinLnBrk="0" hangingPunct="1">
-        <a:lnSpc>
-          <a:spcPct val="90000"/>
-        </a:lnSpc>
+      <a:lvl6pPr marL="2514600" indent="-228600" algn="l" defTabSz="457200" rtl="0" eaLnBrk="1" latinLnBrk="0" hangingPunct="1">
         <a:spcBef>
-          <a:spcPts val="300"/>
+          <a:spcPts val="1000"/>
         </a:spcBef>
         <a:spcAft>
-          <a:spcPts val="300"/>
+          <a:spcPts val="0"/>
         </a:spcAft>
         <a:buClr>
           <a:schemeClr val="accent1"/>
         </a:buClr>
-        <a:buFont typeface="Wingdings 2" pitchFamily="18" charset="2"/>
-        <a:buChar char=""/>
-        <a:defRPr sz="1400" kern="1200">
+        <a:buSzPct val="80000"/>
+        <a:buFont typeface="Wingdings 3" charset="2"/>
+        <a:buChar char=""/>
+        <a:defRPr sz="1200" kern="1200">
           <a:solidFill>
             <a:schemeClr val="tx1">
-              <a:lumMod val="85000"/>
-              <a:lumOff val="15000"/>
+              <a:lumMod val="75000"/>
+              <a:lumOff val="25000"/>
             </a:schemeClr>
           </a:solidFill>
           <a:latin typeface="+mn-lt"/>
@@ -3715,26 +6091,24 @@
           <a:cs typeface="+mn-cs"/>
         </a:defRPr>
       </a:lvl6pPr>
-      <a:lvl7pPr marL="1900000" indent="-228600" algn="l" defTabSz="914400" rtl="0" eaLnBrk="1" latinLnBrk="0" hangingPunct="1">
-        <a:lnSpc>
-          <a:spcPct val="90000"/>
-        </a:lnSpc>
+      <a:lvl7pPr marL="2971800" indent="-228600" algn="l" defTabSz="457200" rtl="0" eaLnBrk="1" latinLnBrk="0" hangingPunct="1">
         <a:spcBef>
-          <a:spcPts val="300"/>
+          <a:spcPts val="1000"/>
         </a:spcBef>
         <a:spcAft>
-          <a:spcPts val="300"/>
+          <a:spcPts val="0"/>
         </a:spcAft>
         <a:buClr>
           <a:schemeClr val="accent1"/>
         </a:buClr>
-        <a:buFont typeface="Wingdings 2" pitchFamily="18" charset="2"/>
-        <a:buChar char=""/>
-        <a:defRPr sz="1400" kern="1200">
+        <a:buSzPct val="80000"/>
+        <a:buFont typeface="Wingdings 3" charset="2"/>
+        <a:buChar char=""/>
+        <a:defRPr sz="1200" kern="1200">
           <a:solidFill>
             <a:schemeClr val="tx1">
-              <a:lumMod val="85000"/>
-              <a:lumOff val="15000"/>
+              <a:lumMod val="75000"/>
+              <a:lumOff val="25000"/>
             </a:schemeClr>
           </a:solidFill>
           <a:latin typeface="+mn-lt"/>
@@ -3742,26 +6116,24 @@
           <a:cs typeface="+mn-cs"/>
         </a:defRPr>
       </a:lvl7pPr>
-      <a:lvl8pPr marL="2200000" indent="-228600" algn="l" defTabSz="914400" rtl="0" eaLnBrk="1" latinLnBrk="0" hangingPunct="1">
-        <a:lnSpc>
-          <a:spcPct val="90000"/>
-        </a:lnSpc>
+      <a:lvl8pPr marL="3429000" indent="-228600" algn="l" defTabSz="457200" rtl="0" eaLnBrk="1" latinLnBrk="0" hangingPunct="1">
         <a:spcBef>
-          <a:spcPts val="300"/>
+          <a:spcPts val="1000"/>
         </a:spcBef>
         <a:spcAft>
-          <a:spcPts val="300"/>
+          <a:spcPts val="0"/>
         </a:spcAft>
         <a:buClr>
           <a:schemeClr val="accent1"/>
         </a:buClr>
-        <a:buFont typeface="Wingdings 2" pitchFamily="18" charset="2"/>
-        <a:buChar char=""/>
-        <a:defRPr sz="1400" kern="1200">
+        <a:buSzPct val="80000"/>
+        <a:buFont typeface="Wingdings 3" charset="2"/>
+        <a:buChar char=""/>
+        <a:defRPr sz="1200" kern="1200">
           <a:solidFill>
             <a:schemeClr val="tx1">
-              <a:lumMod val="85000"/>
-              <a:lumOff val="15000"/>
+              <a:lumMod val="75000"/>
+              <a:lumOff val="25000"/>
             </a:schemeClr>
           </a:solidFill>
           <a:latin typeface="+mn-lt"/>
@@ -3769,26 +6141,24 @@
           <a:cs typeface="+mn-cs"/>
         </a:defRPr>
       </a:lvl8pPr>
-      <a:lvl9pPr marL="2500000" indent="-228600" algn="l" defTabSz="914400" rtl="0" eaLnBrk="1" latinLnBrk="0" hangingPunct="1">
-        <a:lnSpc>
-          <a:spcPct val="90000"/>
-        </a:lnSpc>
+      <a:lvl9pPr marL="3886200" indent="-228600" algn="l" defTabSz="457200" rtl="0" eaLnBrk="1" latinLnBrk="0" hangingPunct="1">
         <a:spcBef>
-          <a:spcPts val="300"/>
+          <a:spcPts val="1000"/>
         </a:spcBef>
         <a:spcAft>
-          <a:spcPts val="300"/>
+          <a:spcPts val="0"/>
         </a:spcAft>
         <a:buClr>
           <a:schemeClr val="accent1"/>
         </a:buClr>
-        <a:buFont typeface="Wingdings 2" pitchFamily="18" charset="2"/>
-        <a:buChar char=""/>
-        <a:defRPr sz="1400" kern="1200">
+        <a:buSzPct val="80000"/>
+        <a:buFont typeface="Wingdings 3" charset="2"/>
+        <a:buChar char=""/>
+        <a:defRPr sz="1200" kern="1200">
           <a:solidFill>
             <a:schemeClr val="tx1">
-              <a:lumMod val="85000"/>
-              <a:lumOff val="15000"/>
+              <a:lumMod val="75000"/>
+              <a:lumOff val="25000"/>
             </a:schemeClr>
           </a:solidFill>
           <a:latin typeface="+mn-lt"/>
@@ -3801,7 +6171,7 @@
       <a:defPPr>
         <a:defRPr lang="en-US"/>
       </a:defPPr>
-      <a:lvl1pPr marL="0" algn="l" defTabSz="914400" rtl="0" eaLnBrk="1" latinLnBrk="0" hangingPunct="1">
+      <a:lvl1pPr marL="0" algn="l" defTabSz="457200" rtl="0" eaLnBrk="1" latinLnBrk="0" hangingPunct="1">
         <a:defRPr sz="1800" kern="1200">
           <a:solidFill>
             <a:schemeClr val="tx1"/>
@@ -3811,7 +6181,7 @@
           <a:cs typeface="+mn-cs"/>
         </a:defRPr>
       </a:lvl1pPr>
-      <a:lvl2pPr marL="457200" algn="l" defTabSz="914400" rtl="0" eaLnBrk="1" latinLnBrk="0" hangingPunct="1">
+      <a:lvl2pPr marL="457200" algn="l" defTabSz="457200" rtl="0" eaLnBrk="1" latinLnBrk="0" hangingPunct="1">
         <a:defRPr sz="1800" kern="1200">
           <a:solidFill>
             <a:schemeClr val="tx1"/>
@@ -3821,7 +6191,7 @@
           <a:cs typeface="+mn-cs"/>
         </a:defRPr>
       </a:lvl2pPr>
-      <a:lvl3pPr marL="914400" algn="l" defTabSz="914400" rtl="0" eaLnBrk="1" latinLnBrk="0" hangingPunct="1">
+      <a:lvl3pPr marL="914400" algn="l" defTabSz="457200" rtl="0" eaLnBrk="1" latinLnBrk="0" hangingPunct="1">
         <a:defRPr sz="1800" kern="1200">
           <a:solidFill>
             <a:schemeClr val="tx1"/>
@@ -3831,7 +6201,7 @@
           <a:cs typeface="+mn-cs"/>
         </a:defRPr>
       </a:lvl3pPr>
-      <a:lvl4pPr marL="1371600" algn="l" defTabSz="914400" rtl="0" eaLnBrk="1" latinLnBrk="0" hangingPunct="1">
+      <a:lvl4pPr marL="1371600" algn="l" defTabSz="457200" rtl="0" eaLnBrk="1" latinLnBrk="0" hangingPunct="1">
         <a:defRPr sz="1800" kern="1200">
           <a:solidFill>
             <a:schemeClr val="tx1"/>
@@ -3841,7 +6211,7 @@
           <a:cs typeface="+mn-cs"/>
         </a:defRPr>
       </a:lvl4pPr>
-      <a:lvl5pPr marL="1828800" algn="l" defTabSz="914400" rtl="0" eaLnBrk="1" latinLnBrk="0" hangingPunct="1">
+      <a:lvl5pPr marL="1828800" algn="l" defTabSz="457200" rtl="0" eaLnBrk="1" latinLnBrk="0" hangingPunct="1">
         <a:defRPr sz="1800" kern="1200">
           <a:solidFill>
             <a:schemeClr val="tx1"/>
@@ -3851,7 +6221,7 @@
           <a:cs typeface="+mn-cs"/>
         </a:defRPr>
       </a:lvl5pPr>
-      <a:lvl6pPr marL="2286000" algn="l" defTabSz="914400" rtl="0" eaLnBrk="1" latinLnBrk="0" hangingPunct="1">
+      <a:lvl6pPr marL="2286000" algn="l" defTabSz="457200" rtl="0" eaLnBrk="1" latinLnBrk="0" hangingPunct="1">
         <a:defRPr sz="1800" kern="1200">
           <a:solidFill>
             <a:schemeClr val="tx1"/>
@@ -3861,7 +6231,7 @@
           <a:cs typeface="+mn-cs"/>
         </a:defRPr>
       </a:lvl6pPr>
-      <a:lvl7pPr marL="2743200" algn="l" defTabSz="914400" rtl="0" eaLnBrk="1" latinLnBrk="0" hangingPunct="1">
+      <a:lvl7pPr marL="2743200" algn="l" defTabSz="457200" rtl="0" eaLnBrk="1" latinLnBrk="0" hangingPunct="1">
         <a:defRPr sz="1800" kern="1200">
           <a:solidFill>
             <a:schemeClr val="tx1"/>
@@ -3871,7 +6241,7 @@
           <a:cs typeface="+mn-cs"/>
         </a:defRPr>
       </a:lvl7pPr>
-      <a:lvl8pPr marL="3200400" algn="l" defTabSz="914400" rtl="0" eaLnBrk="1" latinLnBrk="0" hangingPunct="1">
+      <a:lvl8pPr marL="3200400" algn="l" defTabSz="457200" rtl="0" eaLnBrk="1" latinLnBrk="0" hangingPunct="1">
         <a:defRPr sz="1800" kern="1200">
           <a:solidFill>
             <a:schemeClr val="tx1"/>
@@ -3881,7 +6251,7 @@
           <a:cs typeface="+mn-cs"/>
         </a:defRPr>
       </a:lvl8pPr>
-      <a:lvl9pPr marL="3657600" algn="l" defTabSz="914400" rtl="0" eaLnBrk="1" latinLnBrk="0" hangingPunct="1">
+      <a:lvl9pPr marL="3657600" algn="l" defTabSz="457200" rtl="0" eaLnBrk="1" latinLnBrk="0" hangingPunct="1">
         <a:defRPr sz="1800" kern="1200">
           <a:solidFill>
             <a:schemeClr val="tx1"/>
@@ -3930,134 +6300,6 @@
       </p:grpSpPr>
       <p:sp>
         <p:nvSpPr>
-          <p:cNvPr id="8" name="Rectangle 7">
-            <a:extLst>
-              <a:ext uri="{FF2B5EF4-FFF2-40B4-BE49-F238E27FC236}">
-                <a16:creationId xmlns:a16="http://schemas.microsoft.com/office/drawing/2014/main" id="{78E1DCC1-CECF-49BB-97F0-2233B406D8E6}"/>
-              </a:ext>
-              <a:ext uri="{C183D7F6-B498-43B3-948B-1728B52AA6E4}">
-                <adec:decorative xmlns:adec="http://schemas.microsoft.com/office/drawing/2017/decorative" val="1"/>
-              </a:ext>
-            </a:extLst>
-          </p:cNvPr>
-          <p:cNvSpPr>
-            <a:spLocks noGrp="1" noRot="1" noChangeAspect="1" noMove="1" noResize="1" noEditPoints="1" noAdjustHandles="1" noChangeArrowheads="1" noChangeShapeType="1" noTextEdit="1"/>
-          </p:cNvSpPr>
-          <p:nvPr>
-            <p:extLst>
-              <p:ext uri="{386F3935-93C4-4BCD-93E2-E3B085C9AB24}">
-                <p16:designElem xmlns:p16="http://schemas.microsoft.com/office/powerpoint/2015/main" val="1"/>
-              </p:ext>
-            </p:extLst>
-          </p:nvPr>
-        </p:nvSpPr>
-        <p:spPr>
-          <a:xfrm>
-            <a:off x="0" y="0"/>
-            <a:ext cx="11292840" cy="6858000"/>
-          </a:xfrm>
-          <a:prstGeom prst="rect">
-            <a:avLst/>
-          </a:prstGeom>
-          <a:solidFill>
-            <a:srgbClr val="FFFFFF"/>
-          </a:solidFill>
-          <a:ln>
-            <a:noFill/>
-          </a:ln>
-        </p:spPr>
-        <p:style>
-          <a:lnRef idx="2">
-            <a:schemeClr val="accent1">
-              <a:shade val="50000"/>
-            </a:schemeClr>
-          </a:lnRef>
-          <a:fillRef idx="1">
-            <a:schemeClr val="accent1"/>
-          </a:fillRef>
-          <a:effectRef idx="0">
-            <a:schemeClr val="accent1"/>
-          </a:effectRef>
-          <a:fontRef idx="minor">
-            <a:schemeClr val="lt1"/>
-          </a:fontRef>
-        </p:style>
-        <p:txBody>
-          <a:bodyPr rtlCol="0" anchor="ctr"/>
-          <a:lstStyle/>
-          <a:p>
-            <a:pPr algn="ctr"/>
-            <a:endParaRPr lang="en-US"/>
-          </a:p>
-        </p:txBody>
-      </p:sp>
-      <p:sp>
-        <p:nvSpPr>
-          <p:cNvPr id="10" name="Rectangle 9">
-            <a:extLst>
-              <a:ext uri="{FF2B5EF4-FFF2-40B4-BE49-F238E27FC236}">
-                <a16:creationId xmlns:a16="http://schemas.microsoft.com/office/drawing/2014/main" id="{3C7ABF58-EC6B-4932-8671-4BAEBDDF5053}"/>
-              </a:ext>
-              <a:ext uri="{C183D7F6-B498-43B3-948B-1728B52AA6E4}">
-                <adec:decorative xmlns:adec="http://schemas.microsoft.com/office/drawing/2017/decorative" val="1"/>
-              </a:ext>
-            </a:extLst>
-          </p:cNvPr>
-          <p:cNvSpPr>
-            <a:spLocks noGrp="1" noRot="1" noChangeAspect="1" noMove="1" noResize="1" noEditPoints="1" noAdjustHandles="1" noChangeArrowheads="1" noChangeShapeType="1" noTextEdit="1"/>
-          </p:cNvSpPr>
-          <p:nvPr>
-            <p:extLst>
-              <p:ext uri="{386F3935-93C4-4BCD-93E2-E3B085C9AB24}">
-                <p16:designElem xmlns:p16="http://schemas.microsoft.com/office/powerpoint/2015/main" val="1"/>
-              </p:ext>
-            </p:extLst>
-          </p:nvPr>
-        </p:nvSpPr>
-        <p:spPr>
-          <a:xfrm>
-            <a:off x="-2" y="-2811"/>
-            <a:ext cx="11292842" cy="5108211"/>
-          </a:xfrm>
-          <a:prstGeom prst="rect">
-            <a:avLst/>
-          </a:prstGeom>
-          <a:solidFill>
-            <a:schemeClr val="accent2">
-              <a:lumMod val="75000"/>
-            </a:schemeClr>
-          </a:solidFill>
-          <a:ln>
-            <a:noFill/>
-          </a:ln>
-        </p:spPr>
-        <p:style>
-          <a:lnRef idx="2">
-            <a:schemeClr val="accent1">
-              <a:shade val="50000"/>
-            </a:schemeClr>
-          </a:lnRef>
-          <a:fillRef idx="1">
-            <a:schemeClr val="accent1"/>
-          </a:fillRef>
-          <a:effectRef idx="0">
-            <a:schemeClr val="accent1"/>
-          </a:effectRef>
-          <a:fontRef idx="minor">
-            <a:schemeClr val="lt1"/>
-          </a:fontRef>
-        </p:style>
-        <p:txBody>
-          <a:bodyPr rtlCol="0" anchor="ctr"/>
-          <a:lstStyle/>
-          <a:p>
-            <a:pPr algn="ctr"/>
-            <a:endParaRPr lang="en-US"/>
-          </a:p>
-        </p:txBody>
-      </p:sp>
-      <p:sp>
-        <p:nvSpPr>
           <p:cNvPr id="2" name="Titel 1">
             <a:extLst>
               <a:ext uri="{FF2B5EF4-FFF2-40B4-BE49-F238E27FC236}">
@@ -4095,61 +6337,6 @@
             </a:r>
           </a:p>
         </p:txBody>
-      </p:sp>
-      <p:sp>
-        <p:nvSpPr>
-          <p:cNvPr id="12" name="Rectangle 11">
-            <a:extLst>
-              <a:ext uri="{FF2B5EF4-FFF2-40B4-BE49-F238E27FC236}">
-                <a16:creationId xmlns:a16="http://schemas.microsoft.com/office/drawing/2014/main" id="{EB868EAF-CD67-49A7-8A32-BBC0EA412C4C}"/>
-              </a:ext>
-              <a:ext uri="{C183D7F6-B498-43B3-948B-1728B52AA6E4}">
-                <adec:decorative xmlns:adec="http://schemas.microsoft.com/office/drawing/2017/decorative" val="1"/>
-              </a:ext>
-            </a:extLst>
-          </p:cNvPr>
-          <p:cNvSpPr>
-            <a:spLocks noGrp="1" noRot="1" noChangeAspect="1" noMove="1" noResize="1" noEditPoints="1" noAdjustHandles="1" noChangeArrowheads="1" noChangeShapeType="1" noTextEdit="1"/>
-          </p:cNvSpPr>
-          <p:nvPr>
-            <p:extLst>
-              <p:ext uri="{386F3935-93C4-4BCD-93E2-E3B085C9AB24}">
-                <p16:designElem xmlns:p16="http://schemas.microsoft.com/office/powerpoint/2015/main" val="1"/>
-              </p:ext>
-            </p:extLst>
-          </p:nvPr>
-        </p:nvSpPr>
-        <p:spPr>
-          <a:xfrm>
-            <a:off x="0" y="5105400"/>
-            <a:ext cx="11292840" cy="1752600"/>
-          </a:xfrm>
-          <a:prstGeom prst="rect">
-            <a:avLst/>
-          </a:prstGeom>
-          <a:solidFill>
-            <a:schemeClr val="bg2"/>
-          </a:solidFill>
-          <a:ln>
-            <a:noFill/>
-          </a:ln>
-        </p:spPr>
-        <p:style>
-          <a:lnRef idx="2">
-            <a:schemeClr val="accent1">
-              <a:shade val="50000"/>
-            </a:schemeClr>
-          </a:lnRef>
-          <a:fillRef idx="1">
-            <a:schemeClr val="accent1"/>
-          </a:fillRef>
-          <a:effectRef idx="0">
-            <a:schemeClr val="accent1"/>
-          </a:effectRef>
-          <a:fontRef idx="minor">
-            <a:schemeClr val="lt1"/>
-          </a:fontRef>
-        </p:style>
       </p:sp>
       <p:sp>
         <p:nvSpPr>
@@ -4225,115 +6412,6 @@
           <a:chExt cx="0" cy="0"/>
         </a:xfrm>
       </p:grpSpPr>
-      <p:sp useBgFill="1">
-        <p:nvSpPr>
-          <p:cNvPr id="39" name="Rectangle 38">
-            <a:extLst>
-              <a:ext uri="{FF2B5EF4-FFF2-40B4-BE49-F238E27FC236}">
-                <a16:creationId xmlns:a16="http://schemas.microsoft.com/office/drawing/2014/main" id="{0AE80D91-18AA-438F-BFF4-E6BABFDFBABE}"/>
-              </a:ext>
-              <a:ext uri="{C183D7F6-B498-43B3-948B-1728B52AA6E4}">
-                <adec:decorative xmlns:adec="http://schemas.microsoft.com/office/drawing/2017/decorative" val="1"/>
-              </a:ext>
-            </a:extLst>
-          </p:cNvPr>
-          <p:cNvSpPr>
-            <a:spLocks noGrp="1" noRot="1" noChangeAspect="1" noMove="1" noResize="1" noEditPoints="1" noAdjustHandles="1" noChangeArrowheads="1" noChangeShapeType="1" noTextEdit="1"/>
-          </p:cNvSpPr>
-          <p:nvPr>
-            <p:extLst>
-              <p:ext uri="{386F3935-93C4-4BCD-93E2-E3B085C9AB24}">
-                <p16:designElem xmlns:p16="http://schemas.microsoft.com/office/powerpoint/2015/main" val="1"/>
-              </p:ext>
-            </p:extLst>
-          </p:nvPr>
-        </p:nvSpPr>
-        <p:spPr>
-          <a:xfrm>
-            <a:off x="0" y="0"/>
-            <a:ext cx="11292841" cy="6858000"/>
-          </a:xfrm>
-          <a:prstGeom prst="rect">
-            <a:avLst/>
-          </a:prstGeom>
-          <a:ln>
-            <a:noFill/>
-          </a:ln>
-        </p:spPr>
-        <p:style>
-          <a:lnRef idx="2">
-            <a:schemeClr val="accent1">
-              <a:shade val="50000"/>
-            </a:schemeClr>
-          </a:lnRef>
-          <a:fillRef idx="1">
-            <a:schemeClr val="accent1"/>
-          </a:fillRef>
-          <a:effectRef idx="0">
-            <a:schemeClr val="accent1"/>
-          </a:effectRef>
-          <a:fontRef idx="minor">
-            <a:schemeClr val="lt1"/>
-          </a:fontRef>
-        </p:style>
-      </p:sp>
-      <p:sp>
-        <p:nvSpPr>
-          <p:cNvPr id="41" name="Rectangle 40">
-            <a:extLst>
-              <a:ext uri="{FF2B5EF4-FFF2-40B4-BE49-F238E27FC236}">
-                <a16:creationId xmlns:a16="http://schemas.microsoft.com/office/drawing/2014/main" id="{EF05C5AB-8A34-4DF3-AB54-AD74AA4324E8}"/>
-              </a:ext>
-              <a:ext uri="{C183D7F6-B498-43B3-948B-1728B52AA6E4}">
-                <adec:decorative xmlns:adec="http://schemas.microsoft.com/office/drawing/2017/decorative" val="1"/>
-              </a:ext>
-            </a:extLst>
-          </p:cNvPr>
-          <p:cNvSpPr>
-            <a:spLocks noGrp="1" noRot="1" noChangeAspect="1" noMove="1" noResize="1" noEditPoints="1" noAdjustHandles="1" noChangeArrowheads="1" noChangeShapeType="1" noTextEdit="1"/>
-          </p:cNvSpPr>
-          <p:nvPr>
-            <p:extLst>
-              <p:ext uri="{386F3935-93C4-4BCD-93E2-E3B085C9AB24}">
-                <p16:designElem xmlns:p16="http://schemas.microsoft.com/office/powerpoint/2015/main" val="1"/>
-              </p:ext>
-            </p:extLst>
-          </p:nvPr>
-        </p:nvSpPr>
-        <p:spPr>
-          <a:xfrm>
-            <a:off x="6104698" y="0"/>
-            <a:ext cx="5188141" cy="6865461"/>
-          </a:xfrm>
-          <a:prstGeom prst="rect">
-            <a:avLst/>
-          </a:prstGeom>
-          <a:solidFill>
-            <a:schemeClr val="accent1">
-              <a:lumMod val="75000"/>
-            </a:schemeClr>
-          </a:solidFill>
-          <a:ln>
-            <a:noFill/>
-          </a:ln>
-        </p:spPr>
-        <p:style>
-          <a:lnRef idx="2">
-            <a:schemeClr val="accent1">
-              <a:shade val="50000"/>
-            </a:schemeClr>
-          </a:lnRef>
-          <a:fillRef idx="1">
-            <a:schemeClr val="accent1"/>
-          </a:fillRef>
-          <a:effectRef idx="0">
-            <a:schemeClr val="accent1"/>
-          </a:effectRef>
-          <a:fontRef idx="minor">
-            <a:schemeClr val="lt1"/>
-          </a:fontRef>
-        </p:style>
-      </p:sp>
       <p:sp>
         <p:nvSpPr>
           <p:cNvPr id="2" name="Titel 1">
@@ -4490,63 +6568,6 @@
             </a:r>
           </a:p>
         </p:txBody>
-      </p:sp>
-      <p:sp>
-        <p:nvSpPr>
-          <p:cNvPr id="43" name="Rectangle 42">
-            <a:extLst>
-              <a:ext uri="{FF2B5EF4-FFF2-40B4-BE49-F238E27FC236}">
-                <a16:creationId xmlns:a16="http://schemas.microsoft.com/office/drawing/2014/main" id="{AA3B856C-9196-4702-BED7-5733C7EAA667}"/>
-              </a:ext>
-              <a:ext uri="{C183D7F6-B498-43B3-948B-1728B52AA6E4}">
-                <adec:decorative xmlns:adec="http://schemas.microsoft.com/office/drawing/2017/decorative" val="1"/>
-              </a:ext>
-            </a:extLst>
-          </p:cNvPr>
-          <p:cNvSpPr>
-            <a:spLocks noGrp="1" noRot="1" noChangeAspect="1" noMove="1" noResize="1" noEditPoints="1" noAdjustHandles="1" noChangeArrowheads="1" noChangeShapeType="1" noTextEdit="1"/>
-          </p:cNvSpPr>
-          <p:nvPr>
-            <p:extLst>
-              <p:ext uri="{386F3935-93C4-4BCD-93E2-E3B085C9AB24}">
-                <p16:designElem xmlns:p16="http://schemas.microsoft.com/office/powerpoint/2015/main" val="1"/>
-              </p:ext>
-            </p:extLst>
-          </p:nvPr>
-        </p:nvSpPr>
-        <p:spPr>
-          <a:xfrm>
-            <a:off x="11277600" y="0"/>
-            <a:ext cx="914400" cy="6858000"/>
-          </a:xfrm>
-          <a:prstGeom prst="rect">
-            <a:avLst/>
-          </a:prstGeom>
-          <a:solidFill>
-            <a:schemeClr val="tx2">
-              <a:lumMod val="75000"/>
-            </a:schemeClr>
-          </a:solidFill>
-          <a:ln>
-            <a:noFill/>
-          </a:ln>
-        </p:spPr>
-        <p:style>
-          <a:lnRef idx="2">
-            <a:schemeClr val="accent1">
-              <a:shade val="50000"/>
-            </a:schemeClr>
-          </a:lnRef>
-          <a:fillRef idx="1">
-            <a:schemeClr val="accent1"/>
-          </a:fillRef>
-          <a:effectRef idx="0">
-            <a:schemeClr val="accent1"/>
-          </a:effectRef>
-          <a:fontRef idx="minor">
-            <a:schemeClr val="lt1"/>
-          </a:fontRef>
-        </p:style>
       </p:sp>
     </p:spTree>
     <p:extLst>
@@ -4622,12 +6643,182 @@
             <p:ph idx="1"/>
           </p:nvPr>
         </p:nvSpPr>
-        <p:spPr/>
-        <p:txBody>
-          <a:bodyPr/>
-          <a:lstStyle/>
-          <a:p>
-            <a:endParaRPr lang="da-DK"/>
+        <p:spPr>
+          <a:xfrm>
+            <a:off x="1203767" y="1354238"/>
+            <a:ext cx="9479665" cy="5243332"/>
+          </a:xfrm>
+        </p:spPr>
+        <p:txBody>
+          <a:bodyPr>
+            <a:normAutofit fontScale="85000" lnSpcReduction="20000"/>
+          </a:bodyPr>
+          <a:lstStyle/>
+          <a:p>
+            <a:r>
+              <a:rPr lang="da-DK" dirty="0"/>
+              <a:t>Rollefordeling</a:t>
+            </a:r>
+          </a:p>
+          <a:p>
+            <a:pPr lvl="1"/>
+            <a:r>
+              <a:rPr lang="da-DK" dirty="0"/>
+              <a:t>Patrick: Product </a:t>
+            </a:r>
+            <a:r>
+              <a:rPr lang="da-DK" dirty="0" err="1"/>
+              <a:t>Owner</a:t>
+            </a:r>
+            <a:endParaRPr lang="da-DK" dirty="0"/>
+          </a:p>
+          <a:p>
+            <a:pPr lvl="2"/>
+            <a:r>
+              <a:rPr lang="da-DK" dirty="0"/>
+              <a:t>User </a:t>
+            </a:r>
+            <a:r>
+              <a:rPr lang="da-DK" dirty="0" err="1"/>
+              <a:t>stories</a:t>
+            </a:r>
+            <a:endParaRPr lang="da-DK" dirty="0"/>
+          </a:p>
+          <a:p>
+            <a:pPr lvl="2"/>
+            <a:r>
+              <a:rPr lang="da-DK" dirty="0"/>
+              <a:t>Product </a:t>
+            </a:r>
+            <a:r>
+              <a:rPr lang="da-DK" dirty="0" err="1"/>
+              <a:t>Backlog</a:t>
+            </a:r>
+            <a:endParaRPr lang="da-DK" dirty="0"/>
+          </a:p>
+          <a:p>
+            <a:pPr lvl="1"/>
+            <a:r>
+              <a:rPr lang="da-DK" dirty="0"/>
+              <a:t>Casper: Rapport-ansvarlig</a:t>
+            </a:r>
+          </a:p>
+          <a:p>
+            <a:pPr lvl="2"/>
+            <a:r>
+              <a:rPr lang="da-DK" dirty="0"/>
+              <a:t>Layout</a:t>
+            </a:r>
+          </a:p>
+          <a:p>
+            <a:pPr lvl="2"/>
+            <a:r>
+              <a:rPr lang="da-DK" dirty="0"/>
+              <a:t>Rød tråd</a:t>
+            </a:r>
+          </a:p>
+          <a:p>
+            <a:pPr lvl="1"/>
+            <a:r>
+              <a:rPr lang="da-DK" dirty="0"/>
+              <a:t>Matthias: Kode- og </a:t>
+            </a:r>
+            <a:r>
+              <a:rPr lang="da-DK" dirty="0" err="1"/>
+              <a:t>task</a:t>
+            </a:r>
+            <a:r>
+              <a:rPr lang="da-DK" dirty="0"/>
+              <a:t> ansvarlig</a:t>
+            </a:r>
+          </a:p>
+          <a:p>
+            <a:pPr lvl="2"/>
+            <a:r>
+              <a:rPr lang="da-DK" dirty="0" err="1"/>
+              <a:t>Task</a:t>
+            </a:r>
+            <a:r>
+              <a:rPr lang="da-DK" dirty="0"/>
+              <a:t> prioritering</a:t>
+            </a:r>
+          </a:p>
+          <a:p>
+            <a:pPr lvl="2"/>
+            <a:r>
+              <a:rPr lang="da-DK" dirty="0"/>
+              <a:t>End tests &amp; </a:t>
+            </a:r>
+            <a:r>
+              <a:rPr lang="da-DK" dirty="0" err="1"/>
+              <a:t>Reviews</a:t>
+            </a:r>
+            <a:endParaRPr lang="da-DK" dirty="0"/>
+          </a:p>
+          <a:p>
+            <a:pPr lvl="1"/>
+            <a:r>
+              <a:rPr lang="da-DK" dirty="0"/>
+              <a:t>Christian: SCRUM-Master &amp; Project Manager</a:t>
+            </a:r>
+          </a:p>
+          <a:p>
+            <a:pPr lvl="2"/>
+            <a:r>
+              <a:rPr lang="da-DK" dirty="0"/>
+              <a:t>SCRUM</a:t>
+            </a:r>
+          </a:p>
+          <a:p>
+            <a:pPr lvl="2"/>
+            <a:r>
+              <a:rPr lang="da-DK" dirty="0"/>
+              <a:t>Arbejdsmiljø</a:t>
+            </a:r>
+          </a:p>
+          <a:p>
+            <a:pPr lvl="1"/>
+            <a:r>
+              <a:rPr lang="da-DK" dirty="0"/>
+              <a:t>Formål?</a:t>
+            </a:r>
+          </a:p>
+          <a:p>
+            <a:pPr lvl="2"/>
+            <a:r>
+              <a:rPr lang="da-DK" dirty="0"/>
+              <a:t>Arbejdsfordeling</a:t>
+            </a:r>
+          </a:p>
+          <a:p>
+            <a:pPr lvl="2"/>
+            <a:r>
+              <a:rPr lang="da-DK" dirty="0" err="1"/>
+              <a:t>Effiktivitet</a:t>
+            </a:r>
+            <a:r>
+              <a:rPr lang="da-DK" dirty="0"/>
+              <a:t> &amp; forcer</a:t>
+            </a:r>
+          </a:p>
+          <a:p>
+            <a:pPr lvl="2"/>
+            <a:r>
+              <a:rPr lang="da-DK" dirty="0"/>
+              <a:t>Beslutningstagen</a:t>
+            </a:r>
+          </a:p>
+          <a:p>
+            <a:pPr lvl="2"/>
+            <a:r>
+              <a:rPr lang="da-DK" dirty="0" err="1"/>
+              <a:t>Reviews</a:t>
+            </a:r>
+            <a:endParaRPr lang="da-DK" dirty="0"/>
+          </a:p>
+          <a:p>
+            <a:pPr lvl="1"/>
+            <a:endParaRPr lang="da-DK" dirty="0"/>
           </a:p>
         </p:txBody>
       </p:sp>
@@ -4710,7 +6901,46 @@
           <a:bodyPr/>
           <a:lstStyle/>
           <a:p>
-            <a:endParaRPr lang="da-DK"/>
+            <a:r>
+              <a:rPr lang="da-DK" dirty="0" err="1"/>
+              <a:t>YourLocal</a:t>
+            </a:r>
+            <a:r>
+              <a:rPr lang="da-DK" dirty="0"/>
+              <a:t> API</a:t>
+            </a:r>
+          </a:p>
+          <a:p>
+            <a:endParaRPr lang="da-DK" dirty="0"/>
+          </a:p>
+          <a:p>
+            <a:r>
+              <a:rPr lang="da-DK" dirty="0" err="1"/>
+              <a:t>TheNext</a:t>
+            </a:r>
+            <a:r>
+              <a:rPr lang="da-DK" dirty="0"/>
+              <a:t> API</a:t>
+            </a:r>
+          </a:p>
+          <a:p>
+            <a:endParaRPr lang="da-DK" dirty="0"/>
+          </a:p>
+          <a:p>
+            <a:r>
+              <a:rPr lang="da-DK" dirty="0" err="1"/>
+              <a:t>Geolokation</a:t>
+            </a:r>
+            <a:endParaRPr lang="da-DK" dirty="0"/>
+          </a:p>
+          <a:p>
+            <a:endParaRPr lang="da-DK" dirty="0"/>
+          </a:p>
+          <a:p>
+            <a:r>
+              <a:rPr lang="da-DK" dirty="0"/>
+              <a:t>Misforståelse</a:t>
+            </a:r>
           </a:p>
         </p:txBody>
       </p:sp>
@@ -4772,51 +7002,21 @@
           </a:p>
         </p:txBody>
       </p:sp>
-      <p:sp>
-        <p:nvSpPr>
-          <p:cNvPr id="6" name="Tekstfelt 5">
+      <p:pic>
+        <p:nvPicPr>
+          <p:cNvPr id="1029" name="Picture 5" descr="The Agile - Scrum Framework &#10;Inputs from Executives, &#10;Team, Stakeholders, &#10;Customers, Users &#10;Product Owner &#10;Ranked &#10;is &#10;Product &#10;Backlog &#10;tiiå &#10;The Team &#10;starting at top &#10;as much as it &#10;to by &#10;end of Smirn &#10;Sprint &#10;Planning &#10;Meeting &#10;Breakout &#10;Sprint &#10;Ba Cklog &#10;Burndown/up &#10;Charts &#10;Scrum &#10;Em•y &#10;24 &#10;Week &#10;Sprint &#10;Sprint end date and &#10;team &#10;do cha &#10;Daily Scrum &#10;Meeting &#10;Sprint Review &#10;Finished work &#10;Sprint ">
             <a:extLst>
               <a:ext uri="{FF2B5EF4-FFF2-40B4-BE49-F238E27FC236}">
-                <a16:creationId xmlns:a16="http://schemas.microsoft.com/office/drawing/2014/main" id="{C8B5FA07-05CD-4177-905F-2E8447DA4FA6}"/>
-              </a:ext>
-            </a:extLst>
-          </p:cNvPr>
-          <p:cNvSpPr txBox="1"/>
-          <p:nvPr/>
-        </p:nvSpPr>
-        <p:spPr>
-          <a:xfrm>
-            <a:off x="1488332" y="2081718"/>
-            <a:ext cx="3306372" cy="3745149"/>
-          </a:xfrm>
-          <a:prstGeom prst="rect">
-            <a:avLst/>
-          </a:prstGeom>
-          <a:noFill/>
-        </p:spPr>
-        <p:txBody>
-          <a:bodyPr wrap="square" rtlCol="0">
-            <a:spAutoFit/>
-          </a:bodyPr>
-          <a:lstStyle/>
-          <a:p>
-            <a:endParaRPr lang="da-DK" dirty="0"/>
-          </a:p>
-        </p:txBody>
-      </p:sp>
-      <p:pic>
-        <p:nvPicPr>
-          <p:cNvPr id="1025" name="Picture 1" descr="uog.nusuo. &#10;Sue. &#10;łuscuen•J! en,vgos &#10;u ogda.uł &#10;pagțt:n atu ">
-            <a:extLst>
-              <a:ext uri="{FF2B5EF4-FFF2-40B4-BE49-F238E27FC236}">
-                <a16:creationId xmlns:a16="http://schemas.microsoft.com/office/drawing/2014/main" id="{32BB15B5-D43D-4583-B597-0EA8A099EA1E}"/>
+                <a16:creationId xmlns:a16="http://schemas.microsoft.com/office/drawing/2014/main" id="{C9C69D0B-0DBA-4CBB-98A9-BEDC4A422FC7}"/>
               </a:ext>
             </a:extLst>
           </p:cNvPr>
           <p:cNvPicPr>
-            <a:picLocks noChangeAspect="1" noChangeArrowheads="1"/>
+            <a:picLocks noGrp="1" noChangeAspect="1" noChangeArrowheads="1"/>
           </p:cNvPicPr>
-          <p:nvPr/>
+          <p:nvPr>
+            <p:ph idx="1"/>
+          </p:nvPr>
         </p:nvPicPr>
         <p:blipFill>
           <a:blip r:embed="rId2">
@@ -4833,8 +7033,8 @@
         </p:blipFill>
         <p:spPr bwMode="auto">
           <a:xfrm>
-            <a:off x="0" y="1691322"/>
-            <a:ext cx="5013948" cy="2431915"/>
+            <a:off x="6736911" y="1462722"/>
+            <a:ext cx="4217601" cy="2752593"/>
           </a:xfrm>
           <a:prstGeom prst="rect">
             <a:avLst/>
@@ -4851,21 +7051,51 @@
           </a:extLst>
         </p:spPr>
       </p:pic>
+      <p:sp>
+        <p:nvSpPr>
+          <p:cNvPr id="6" name="Tekstfelt 5">
+            <a:extLst>
+              <a:ext uri="{FF2B5EF4-FFF2-40B4-BE49-F238E27FC236}">
+                <a16:creationId xmlns:a16="http://schemas.microsoft.com/office/drawing/2014/main" id="{C8B5FA07-05CD-4177-905F-2E8447DA4FA6}"/>
+              </a:ext>
+            </a:extLst>
+          </p:cNvPr>
+          <p:cNvSpPr txBox="1"/>
+          <p:nvPr/>
+        </p:nvSpPr>
+        <p:spPr>
+          <a:xfrm>
+            <a:off x="1488332" y="2081718"/>
+            <a:ext cx="3306372" cy="3745149"/>
+          </a:xfrm>
+          <a:prstGeom prst="rect">
+            <a:avLst/>
+          </a:prstGeom>
+          <a:noFill/>
+        </p:spPr>
+        <p:txBody>
+          <a:bodyPr wrap="square" rtlCol="0">
+            <a:spAutoFit/>
+          </a:bodyPr>
+          <a:lstStyle/>
+          <a:p>
+            <a:endParaRPr lang="da-DK" dirty="0"/>
+          </a:p>
+        </p:txBody>
+      </p:sp>
       <p:pic>
         <p:nvPicPr>
-          <p:cNvPr id="1029" name="Picture 5" descr="The Agile - Scrum Framework &#10;Inputs from Executives, &#10;Team, Stakeholders, &#10;Customers, Users &#10;Product Owner &#10;Ranked &#10;is &#10;Product &#10;Backlog &#10;tiiå &#10;The Team &#10;starting at top &#10;as much as it &#10;to by &#10;end of Smirn &#10;Sprint &#10;Planning &#10;Meeting &#10;Breakout &#10;Sprint &#10;Ba Cklog &#10;Burndown/up &#10;Charts &#10;Scrum &#10;Em•y &#10;24 &#10;Week &#10;Sprint &#10;Sprint end date and &#10;team &#10;do cha &#10;Daily Scrum &#10;Meeting &#10;Sprint Review &#10;Finished work &#10;Sprint ">
+          <p:cNvPr id="1025" name="Picture 1" descr="uog.nusuo. &#10;Sue. &#10;łuscuen•J! en,vgos &#10;u ogda.uł &#10;pagțt:n atu ">
             <a:extLst>
               <a:ext uri="{FF2B5EF4-FFF2-40B4-BE49-F238E27FC236}">
-                <a16:creationId xmlns:a16="http://schemas.microsoft.com/office/drawing/2014/main" id="{C9C69D0B-0DBA-4CBB-98A9-BEDC4A422FC7}"/>
+                <a16:creationId xmlns:a16="http://schemas.microsoft.com/office/drawing/2014/main" id="{32BB15B5-D43D-4583-B597-0EA8A099EA1E}"/>
               </a:ext>
             </a:extLst>
           </p:cNvPr>
           <p:cNvPicPr>
-            <a:picLocks noGrp="1" noChangeAspect="1" noChangeArrowheads="1"/>
+            <a:picLocks noChangeAspect="1" noChangeArrowheads="1"/>
           </p:cNvPicPr>
-          <p:nvPr>
-            <p:ph idx="1"/>
-          </p:nvPr>
+          <p:nvPr/>
         </p:nvPicPr>
         <p:blipFill>
           <a:blip r:embed="rId3">
@@ -4882,8 +7112,8 @@
         </p:blipFill>
         <p:spPr bwMode="auto">
           <a:xfrm>
-            <a:off x="6736911" y="1462722"/>
-            <a:ext cx="4217601" cy="2752593"/>
+            <a:off x="0" y="1691322"/>
+            <a:ext cx="5013948" cy="2431915"/>
           </a:xfrm>
           <a:prstGeom prst="rect">
             <a:avLst/>
@@ -5133,9 +7363,9 @@
 </file>
 
 <file path=ppt/theme/theme1.xml><?xml version="1.0" encoding="utf-8"?>
-<a:theme xmlns:a="http://schemas.openxmlformats.org/drawingml/2006/main" name="Visning">
+<a:theme xmlns:a="http://schemas.openxmlformats.org/drawingml/2006/main" name="Facet">
   <a:themeElements>
-    <a:clrScheme name="Grøn-gul">
+    <a:clrScheme name="Facet">
       <a:dk1>
         <a:sysClr val="windowText" lastClr="000000"/>
       </a:dk1>
@@ -5143,48 +7373,48 @@
         <a:sysClr val="window" lastClr="FFFFFF"/>
       </a:lt1>
       <a:dk2>
-        <a:srgbClr val="455F51"/>
+        <a:srgbClr val="2C3C43"/>
       </a:dk2>
       <a:lt2>
-        <a:srgbClr val="E2DFCC"/>
+        <a:srgbClr val="EBEBEB"/>
       </a:lt2>
       <a:accent1>
-        <a:srgbClr val="99CB38"/>
+        <a:srgbClr val="90C226"/>
       </a:accent1>
       <a:accent2>
-        <a:srgbClr val="63A537"/>
+        <a:srgbClr val="54A021"/>
       </a:accent2>
       <a:accent3>
-        <a:srgbClr val="37A76F"/>
+        <a:srgbClr val="E6B91E"/>
       </a:accent3>
       <a:accent4>
-        <a:srgbClr val="44C1A3"/>
+        <a:srgbClr val="E76618"/>
       </a:accent4>
       <a:accent5>
-        <a:srgbClr val="4EB3CF"/>
+        <a:srgbClr val="C42F1A"/>
       </a:accent5>
       <a:accent6>
-        <a:srgbClr val="51C3F9"/>
+        <a:srgbClr val="918655"/>
       </a:accent6>
       <a:hlink>
-        <a:srgbClr val="EE7B08"/>
+        <a:srgbClr val="99CA3C"/>
       </a:hlink>
       <a:folHlink>
-        <a:srgbClr val="977B2D"/>
+        <a:srgbClr val="B9D181"/>
       </a:folHlink>
     </a:clrScheme>
-    <a:fontScheme name="Visning">
+    <a:fontScheme name="Facet">
       <a:majorFont>
-        <a:latin typeface="Century Schoolbook" panose="02040604050505020304"/>
+        <a:latin typeface="Trebuchet MS" panose="020B0603020202020204"/>
         <a:ea typeface=""/>
         <a:cs typeface=""/>
-        <a:font script="Jpan" typeface="ＭＳ ゴシック"/>
+        <a:font script="Jpan" typeface="メイリオ"/>
         <a:font script="Hang" typeface="맑은 고딕"/>
-        <a:font script="Hans" typeface="宋体"/>
-        <a:font script="Hant" typeface="新細明體"/>
+        <a:font script="Hans" typeface="方正姚体"/>
+        <a:font script="Hant" typeface="微軟正黑體"/>
         <a:font script="Arab" typeface="Tahoma"/>
-        <a:font script="Hebr" typeface="Gisha"/>
-        <a:font script="Thai" typeface="DilleniaUPC"/>
+        <a:font script="Hebr" typeface="Arial"/>
+        <a:font script="Thai" typeface="Cordia New"/>
         <a:font script="Ethi" typeface="Nyala"/>
         <a:font script="Beng" typeface="Vrinda"/>
         <a:font script="Gujr" typeface="Shruti"/>
@@ -5210,16 +7440,16 @@
         <a:font script="Geor" typeface="Sylfaen"/>
       </a:majorFont>
       <a:minorFont>
-        <a:latin typeface="Century Schoolbook" panose="02040604050505020304"/>
+        <a:latin typeface="Trebuchet MS" panose="020B0603020202020204"/>
         <a:ea typeface=""/>
         <a:cs typeface=""/>
-        <a:font script="Jpan" typeface="ＭＳ ゴシック"/>
-        <a:font script="Hang" typeface="맑은 고딕"/>
-        <a:font script="Hans" typeface="宋体"/>
-        <a:font script="Hant" typeface="新細明體"/>
+        <a:font script="Jpan" typeface="メイリオ"/>
+        <a:font script="Hang" typeface="HY그래픽M"/>
+        <a:font script="Hans" typeface="华文新魏"/>
+        <a:font script="Hant" typeface="微軟正黑體"/>
         <a:font script="Arab" typeface="Tahoma"/>
         <a:font script="Hebr" typeface="Gisha"/>
-        <a:font script="Thai" typeface="DilleniaUPC"/>
+        <a:font script="Thai" typeface="IrisUPC"/>
         <a:font script="Ethi" typeface="Nyala"/>
         <a:font script="Beng" typeface="Vrinda"/>
         <a:font script="Gujr" typeface="Shruti"/>
@@ -5240,49 +7470,66 @@
         <a:font script="Laoo" typeface="DokChampa"/>
         <a:font script="Sinh" typeface="Iskoola Pota"/>
         <a:font script="Mong" typeface="Mongolian Baiti"/>
-        <a:font script="Viet" typeface="Verdana"/>
+        <a:font script="Viet" typeface="Arial"/>
         <a:font script="Uigh" typeface="Microsoft Uighur"/>
         <a:font script="Geor" typeface="Sylfaen"/>
       </a:minorFont>
     </a:fontScheme>
-    <a:fmtScheme name="Visning">
+    <a:fmtScheme name="Facet">
       <a:fillStyleLst>
         <a:solidFill>
           <a:schemeClr val="phClr"/>
         </a:solidFill>
-        <a:solidFill>
-          <a:schemeClr val="phClr">
-            <a:tint val="60000"/>
-            <a:satMod val="120000"/>
-          </a:schemeClr>
-        </a:solidFill>
-        <a:solidFill>
-          <a:schemeClr val="phClr">
-            <a:shade val="75000"/>
-            <a:satMod val="160000"/>
-          </a:schemeClr>
-        </a:solidFill>
+        <a:gradFill rotWithShape="1">
+          <a:gsLst>
+            <a:gs pos="0">
+              <a:schemeClr val="phClr">
+                <a:tint val="65000"/>
+                <a:lumMod val="110000"/>
+              </a:schemeClr>
+            </a:gs>
+            <a:gs pos="88000">
+              <a:schemeClr val="phClr">
+                <a:tint val="90000"/>
+              </a:schemeClr>
+            </a:gs>
+          </a:gsLst>
+          <a:lin ang="5400000" scaled="0"/>
+        </a:gradFill>
+        <a:gradFill rotWithShape="1">
+          <a:gsLst>
+            <a:gs pos="0">
+              <a:schemeClr val="phClr">
+                <a:tint val="96000"/>
+                <a:lumMod val="100000"/>
+              </a:schemeClr>
+            </a:gs>
+            <a:gs pos="78000">
+              <a:schemeClr val="phClr">
+                <a:shade val="94000"/>
+                <a:lumMod val="94000"/>
+              </a:schemeClr>
+            </a:gs>
+          </a:gsLst>
+          <a:lin ang="5400000" scaled="0"/>
+        </a:gradFill>
       </a:fillStyleLst>
       <a:lnStyleLst>
-        <a:ln w="9525" cap="flat" cmpd="sng" algn="ctr">
+        <a:ln w="12700" cap="rnd" cmpd="sng" algn="ctr">
           <a:solidFill>
             <a:schemeClr val="phClr"/>
           </a:solidFill>
           <a:prstDash val="solid"/>
         </a:ln>
-        <a:ln w="13970" cap="flat" cmpd="sng" algn="ctr">
+        <a:ln w="19050" cap="rnd" cmpd="sng" algn="ctr">
           <a:solidFill>
             <a:schemeClr val="phClr"/>
           </a:solidFill>
           <a:prstDash val="solid"/>
         </a:ln>
-        <a:ln w="17145" cap="flat" cmpd="sng" algn="ctr">
+        <a:ln w="25400" cap="rnd" cmpd="sng" algn="ctr">
           <a:solidFill>
-            <a:schemeClr val="phClr">
-              <a:shade val="95000"/>
-              <a:alpha val="95000"/>
-              <a:satMod val="150000"/>
-            </a:schemeClr>
+            <a:schemeClr val="phClr"/>
           </a:solidFill>
           <a:prstDash val="solid"/>
         </a:ln>
@@ -5293,9 +7540,18 @@
         </a:effectStyle>
         <a:effectStyle>
           <a:effectLst>
-            <a:outerShdw blurRad="50800" dist="15240" dir="5400000" algn="tl" rotWithShape="0">
+            <a:outerShdw blurRad="38100" dist="25400" dir="5400000" rotWithShape="0">
               <a:srgbClr val="000000">
-                <a:alpha val="75000"/>
+                <a:alpha val="35000"/>
+              </a:srgbClr>
+            </a:outerShdw>
+          </a:effectLst>
+        </a:effectStyle>
+        <a:effectStyle>
+          <a:effectLst>
+            <a:outerShdw blurRad="50800" dist="38100" dir="5400000" rotWithShape="0">
+              <a:srgbClr val="000000">
+                <a:alpha val="35000"/>
               </a:srgbClr>
             </a:outerShdw>
           </a:effectLst>
@@ -5303,40 +7559,10 @@
             <a:camera prst="orthographicFront">
               <a:rot lat="0" lon="0" rev="0"/>
             </a:camera>
-            <a:lightRig rig="brightRoom" dir="tl"/>
+            <a:lightRig rig="threePt" dir="tl"/>
           </a:scene3d>
-          <a:sp3d contourW="9525" prstMaterial="flat">
-            <a:bevelT w="0" h="0" prst="coolSlant"/>
-            <a:contourClr>
-              <a:schemeClr val="phClr">
-                <a:shade val="35000"/>
-                <a:satMod val="130000"/>
-              </a:schemeClr>
-            </a:contourClr>
-          </a:sp3d>
-        </a:effectStyle>
-        <a:effectStyle>
-          <a:effectLst>
-            <a:outerShdw blurRad="76200" dist="25400" dir="5400000" algn="tl" rotWithShape="0">
-              <a:srgbClr val="000000">
-                <a:alpha val="55000"/>
-              </a:srgbClr>
-            </a:outerShdw>
-          </a:effectLst>
-          <a:scene3d>
-            <a:camera prst="orthographicFront">
-              <a:rot lat="0" lon="0" rev="0"/>
-            </a:camera>
-            <a:lightRig rig="brightRoom" dir="tl"/>
-          </a:scene3d>
-          <a:sp3d contourW="19050" prstMaterial="flat">
-            <a:bevelT w="0" h="0" prst="coolSlant"/>
-            <a:contourClr>
-              <a:schemeClr val="phClr">
-                <a:shade val="25000"/>
-                <a:satMod val="140000"/>
-              </a:schemeClr>
-            </a:contourClr>
+          <a:sp3d prstMaterial="plastic">
+            <a:bevelT w="0" h="0"/>
           </a:sp3d>
         </a:effectStyle>
       </a:effectStyleLst>
@@ -5344,32 +7570,40 @@
         <a:solidFill>
           <a:schemeClr val="phClr"/>
         </a:solidFill>
-        <a:solidFill>
-          <a:schemeClr val="phClr">
-            <a:tint val="95000"/>
-            <a:satMod val="170000"/>
-          </a:schemeClr>
-        </a:solidFill>
         <a:gradFill rotWithShape="1">
           <a:gsLst>
             <a:gs pos="0">
               <a:schemeClr val="phClr">
-                <a:tint val="94000"/>
-                <a:shade val="98000"/>
-                <a:satMod val="130000"/>
-                <a:lumMod val="102000"/>
+                <a:tint val="90000"/>
+                <a:lumMod val="104000"/>
+              </a:schemeClr>
+            </a:gs>
+            <a:gs pos="94000">
+              <a:schemeClr val="phClr">
+                <a:shade val="96000"/>
+                <a:lumMod val="82000"/>
+              </a:schemeClr>
+            </a:gs>
+          </a:gsLst>
+          <a:lin ang="5400000" scaled="0"/>
+        </a:gradFill>
+        <a:gradFill rotWithShape="1">
+          <a:gsLst>
+            <a:gs pos="0">
+              <a:schemeClr val="phClr">
+                <a:tint val="90000"/>
+                <a:lumMod val="110000"/>
               </a:schemeClr>
             </a:gs>
             <a:gs pos="100000">
               <a:schemeClr val="phClr">
-                <a:tint val="98000"/>
-                <a:shade val="78000"/>
-                <a:satMod val="140000"/>
+                <a:shade val="94000"/>
+                <a:lumMod val="96000"/>
               </a:schemeClr>
             </a:gs>
           </a:gsLst>
           <a:path path="circle">
-            <a:fillToRect l="100000" t="100000" r="100000" b="100000"/>
+            <a:fillToRect l="50000" t="50000" r="100000" b="100000"/>
           </a:path>
         </a:gradFill>
       </a:bgFillStyleLst>
@@ -5379,7 +7613,7 @@
   <a:extraClrSchemeLst/>
   <a:extLst>
     <a:ext uri="{05A4C25C-085E-4340-85A3-A5531E510DB2}">
-      <thm15:themeFamily xmlns:thm15="http://schemas.microsoft.com/office/thememl/2012/main" name="View" id="{BA0EB5A6-F2D4-4F82-977B-64ADEE4A2A69}" vid="{3969A8A2-35DB-4E3B-8885-16FD20568674}"/>
+      <thm15:themeFamily xmlns:thm15="http://schemas.microsoft.com/office/thememl/2012/main" name="Facet" id="{C0C680CD-088A-49FC-A102-D699147F32B2}" vid="{CFBC31BA-B70F-4F30-BCAA-4F3011E16C4D}"/>
     </a:ext>
   </a:extLst>
 </a:theme>

--- a/The Next præsentation.pptx
+++ b/The Next præsentation.pptx
@@ -2,7 +2,7 @@
 <file path=ppt/presentation.xml><?xml version="1.0" encoding="utf-8"?>
 <p:presentation xmlns:a="http://schemas.openxmlformats.org/drawingml/2006/main" xmlns:r="http://schemas.openxmlformats.org/officeDocument/2006/relationships" xmlns:p="http://schemas.openxmlformats.org/presentationml/2006/main" saveSubsetFonts="1">
   <p:sldMasterIdLst>
-    <p:sldMasterId id="2147483684" r:id="rId1"/>
+    <p:sldMasterId id="2147483701" r:id="rId1"/>
   </p:sldMasterIdLst>
   <p:notesMasterIdLst>
     <p:notesMasterId r:id="rId8"/>
@@ -202,7 +202,7 @@
           <a:p>
             <a:fld id="{E61A9C3B-90A7-4284-A63B-100477C064F8}" type="datetimeFigureOut">
               <a:rPr lang="da-DK" smtClean="0"/>
-              <a:t>12/01/2019</a:t>
+              <a:t>13-01-2019</a:t>
             </a:fld>
             <a:endParaRPr lang="da-DK"/>
           </a:p>
@@ -718,7 +718,7 @@
 </file>
 
 <file path=ppt/slideLayouts/slideLayout1.xml><?xml version="1.0" encoding="utf-8"?>
-<p:sldLayout xmlns:a="http://schemas.openxmlformats.org/drawingml/2006/main" xmlns:r="http://schemas.openxmlformats.org/officeDocument/2006/relationships" xmlns:p="http://schemas.openxmlformats.org/presentationml/2006/main" showMasterSp="0" type="title" preserve="1">
+<p:sldLayout xmlns:a="http://schemas.openxmlformats.org/drawingml/2006/main" xmlns:r="http://schemas.openxmlformats.org/officeDocument/2006/relationships" xmlns:p="http://schemas.openxmlformats.org/presentationml/2006/main" type="title" preserve="1">
   <p:cSld name="Titelslide">
     <p:spTree>
       <p:nvGrpSpPr>
@@ -734,561 +734,76 @@
           <a:chExt cx="0" cy="0"/>
         </a:xfrm>
       </p:grpSpPr>
-      <p:grpSp>
-        <p:nvGrpSpPr>
-          <p:cNvPr id="7" name="Group 6"/>
-          <p:cNvGrpSpPr/>
+      <p:sp>
+        <p:nvSpPr>
+          <p:cNvPr id="7" name="Rectangle 6"/>
+          <p:cNvSpPr>
+            <a:spLocks noChangeAspect="1"/>
+          </p:cNvSpPr>
           <p:nvPr/>
-        </p:nvGrpSpPr>
-        <p:grpSpPr>
-          <a:xfrm>
-            <a:off x="0" y="-8467"/>
-            <a:ext cx="12192000" cy="6866467"/>
-            <a:chOff x="0" y="-8467"/>
-            <a:chExt cx="12192000" cy="6866467"/>
-          </a:xfrm>
-        </p:grpSpPr>
-        <p:cxnSp>
-          <p:nvCxnSpPr>
-            <p:cNvPr id="32" name="Straight Connector 31"/>
-            <p:cNvCxnSpPr/>
-            <p:nvPr/>
-          </p:nvCxnSpPr>
-          <p:spPr>
-            <a:xfrm>
-              <a:off x="9371012" y="0"/>
-              <a:ext cx="1219200" cy="6858000"/>
-            </a:xfrm>
-            <a:prstGeom prst="line">
-              <a:avLst/>
-            </a:prstGeom>
-            <a:ln w="9525">
-              <a:solidFill>
-                <a:schemeClr val="bg1">
-                  <a:lumMod val="75000"/>
-                </a:schemeClr>
-              </a:solidFill>
-            </a:ln>
-          </p:spPr>
-          <p:style>
-            <a:lnRef idx="2">
-              <a:schemeClr val="accent1"/>
-            </a:lnRef>
-            <a:fillRef idx="0">
-              <a:schemeClr val="accent1"/>
-            </a:fillRef>
-            <a:effectRef idx="1">
-              <a:schemeClr val="accent1"/>
-            </a:effectRef>
-            <a:fontRef idx="minor">
-              <a:schemeClr val="tx1"/>
-            </a:fontRef>
-          </p:style>
-        </p:cxnSp>
-        <p:cxnSp>
-          <p:nvCxnSpPr>
-            <p:cNvPr id="21" name="Straight Connector 20"/>
-            <p:cNvCxnSpPr/>
-            <p:nvPr/>
-          </p:nvCxnSpPr>
-          <p:spPr>
-            <a:xfrm flipH="1">
-              <a:off x="7425267" y="3681413"/>
-              <a:ext cx="4763558" cy="3176587"/>
-            </a:xfrm>
-            <a:prstGeom prst="line">
-              <a:avLst/>
-            </a:prstGeom>
-            <a:ln w="9525">
-              <a:solidFill>
-                <a:schemeClr val="bg1">
-                  <a:lumMod val="85000"/>
-                </a:schemeClr>
-              </a:solidFill>
-            </a:ln>
-          </p:spPr>
-          <p:style>
-            <a:lnRef idx="2">
-              <a:schemeClr val="accent1"/>
-            </a:lnRef>
-            <a:fillRef idx="0">
-              <a:schemeClr val="accent1"/>
-            </a:fillRef>
-            <a:effectRef idx="1">
-              <a:schemeClr val="accent1"/>
-            </a:effectRef>
-            <a:fontRef idx="minor">
-              <a:schemeClr val="tx1"/>
-            </a:fontRef>
-          </p:style>
-        </p:cxnSp>
-        <p:sp>
-          <p:nvSpPr>
-            <p:cNvPr id="24" name="Rectangle 23"/>
-            <p:cNvSpPr/>
-            <p:nvPr/>
-          </p:nvSpPr>
-          <p:spPr>
-            <a:xfrm>
-              <a:off x="9181476" y="-8467"/>
-              <a:ext cx="3007349" cy="6866467"/>
-            </a:xfrm>
-            <a:custGeom>
-              <a:avLst/>
-              <a:gdLst/>
-              <a:ahLst/>
-              <a:cxnLst/>
-              <a:rect l="l" t="t" r="r" b="b"/>
-              <a:pathLst>
-                <a:path w="3007349" h="6866467">
-                  <a:moveTo>
-                    <a:pt x="2045532" y="0"/>
-                  </a:moveTo>
-                  <a:lnTo>
-                    <a:pt x="3007349" y="0"/>
-                  </a:lnTo>
-                  <a:lnTo>
-                    <a:pt x="3007349" y="6866467"/>
-                  </a:lnTo>
-                  <a:lnTo>
-                    <a:pt x="0" y="6866467"/>
-                  </a:lnTo>
-                  <a:lnTo>
-                    <a:pt x="2045532" y="0"/>
-                  </a:lnTo>
-                  <a:close/>
-                </a:path>
-              </a:pathLst>
-            </a:custGeom>
-            <a:solidFill>
-              <a:schemeClr val="accent1">
-                <a:alpha val="30000"/>
-              </a:schemeClr>
-            </a:solidFill>
-            <a:ln>
-              <a:noFill/>
-            </a:ln>
-            <a:effectLst/>
-          </p:spPr>
-          <p:style>
-            <a:lnRef idx="1">
-              <a:schemeClr val="accent1"/>
-            </a:lnRef>
-            <a:fillRef idx="3">
-              <a:schemeClr val="accent1"/>
-            </a:fillRef>
-            <a:effectRef idx="2">
-              <a:schemeClr val="accent1"/>
-            </a:effectRef>
-            <a:fontRef idx="minor">
-              <a:schemeClr val="lt1"/>
-            </a:fontRef>
-          </p:style>
-        </p:sp>
-        <p:sp>
-          <p:nvSpPr>
-            <p:cNvPr id="26" name="Rectangle 25"/>
-            <p:cNvSpPr/>
-            <p:nvPr/>
-          </p:nvSpPr>
-          <p:spPr>
-            <a:xfrm>
-              <a:off x="9603442" y="-8467"/>
-              <a:ext cx="2588558" cy="6866467"/>
-            </a:xfrm>
-            <a:custGeom>
-              <a:avLst/>
-              <a:gdLst/>
-              <a:ahLst/>
-              <a:cxnLst/>
-              <a:rect l="l" t="t" r="r" b="b"/>
-              <a:pathLst>
-                <a:path w="2573311" h="6866467">
-                  <a:moveTo>
-                    <a:pt x="0" y="0"/>
-                  </a:moveTo>
-                  <a:lnTo>
-                    <a:pt x="2573311" y="0"/>
-                  </a:lnTo>
-                  <a:lnTo>
-                    <a:pt x="2573311" y="6866467"/>
-                  </a:lnTo>
-                  <a:lnTo>
-                    <a:pt x="1202336" y="6866467"/>
-                  </a:lnTo>
-                  <a:lnTo>
-                    <a:pt x="0" y="0"/>
-                  </a:lnTo>
-                  <a:close/>
-                </a:path>
-              </a:pathLst>
-            </a:custGeom>
-            <a:solidFill>
-              <a:schemeClr val="accent1">
-                <a:alpha val="20000"/>
-              </a:schemeClr>
-            </a:solidFill>
-            <a:ln>
-              <a:noFill/>
-            </a:ln>
-            <a:effectLst/>
-          </p:spPr>
-          <p:style>
-            <a:lnRef idx="1">
-              <a:schemeClr val="accent1"/>
-            </a:lnRef>
-            <a:fillRef idx="3">
-              <a:schemeClr val="accent1"/>
-            </a:fillRef>
-            <a:effectRef idx="2">
-              <a:schemeClr val="accent1"/>
-            </a:effectRef>
-            <a:fontRef idx="minor">
-              <a:schemeClr val="lt1"/>
-            </a:fontRef>
-          </p:style>
-        </p:sp>
-        <p:sp>
-          <p:nvSpPr>
-            <p:cNvPr id="27" name="Isosceles Triangle 26"/>
-            <p:cNvSpPr/>
-            <p:nvPr/>
-          </p:nvSpPr>
-          <p:spPr>
-            <a:xfrm>
-              <a:off x="8932333" y="3048000"/>
-              <a:ext cx="3259667" cy="3810000"/>
-            </a:xfrm>
-            <a:prstGeom prst="triangle">
-              <a:avLst>
-                <a:gd name="adj" fmla="val 100000"/>
-              </a:avLst>
-            </a:prstGeom>
-            <a:solidFill>
-              <a:schemeClr val="accent2">
-                <a:alpha val="72000"/>
-              </a:schemeClr>
-            </a:solidFill>
-            <a:ln>
-              <a:noFill/>
-            </a:ln>
-            <a:effectLst/>
-          </p:spPr>
-          <p:style>
-            <a:lnRef idx="1">
-              <a:schemeClr val="accent1"/>
-            </a:lnRef>
-            <a:fillRef idx="3">
-              <a:schemeClr val="accent1"/>
-            </a:fillRef>
-            <a:effectRef idx="2">
-              <a:schemeClr val="accent1"/>
-            </a:effectRef>
-            <a:fontRef idx="minor">
-              <a:schemeClr val="lt1"/>
-            </a:fontRef>
-          </p:style>
-        </p:sp>
-        <p:sp>
-          <p:nvSpPr>
-            <p:cNvPr id="28" name="Rectangle 27"/>
-            <p:cNvSpPr/>
-            <p:nvPr/>
-          </p:nvSpPr>
-          <p:spPr>
-            <a:xfrm>
-              <a:off x="9334500" y="-8467"/>
-              <a:ext cx="2854326" cy="6866467"/>
-            </a:xfrm>
-            <a:custGeom>
-              <a:avLst/>
-              <a:gdLst/>
-              <a:ahLst/>
-              <a:cxnLst/>
-              <a:rect l="l" t="t" r="r" b="b"/>
-              <a:pathLst>
-                <a:path w="2858013" h="6866467">
-                  <a:moveTo>
-                    <a:pt x="0" y="0"/>
-                  </a:moveTo>
-                  <a:lnTo>
-                    <a:pt x="2858013" y="0"/>
-                  </a:lnTo>
-                  <a:lnTo>
-                    <a:pt x="2858013" y="6866467"/>
-                  </a:lnTo>
-                  <a:lnTo>
-                    <a:pt x="2473942" y="6866467"/>
-                  </a:lnTo>
-                  <a:lnTo>
-                    <a:pt x="0" y="0"/>
-                  </a:lnTo>
-                  <a:close/>
-                </a:path>
-              </a:pathLst>
-            </a:custGeom>
-            <a:solidFill>
-              <a:schemeClr val="accent2">
-                <a:lumMod val="75000"/>
-                <a:alpha val="70000"/>
-              </a:schemeClr>
-            </a:solidFill>
-            <a:ln>
-              <a:noFill/>
-            </a:ln>
-            <a:effectLst/>
-          </p:spPr>
-          <p:style>
-            <a:lnRef idx="1">
-              <a:schemeClr val="accent1"/>
-            </a:lnRef>
-            <a:fillRef idx="3">
-              <a:schemeClr val="accent1"/>
-            </a:fillRef>
-            <a:effectRef idx="2">
-              <a:schemeClr val="accent1"/>
-            </a:effectRef>
-            <a:fontRef idx="minor">
-              <a:schemeClr val="lt1"/>
-            </a:fontRef>
-          </p:style>
-        </p:sp>
-        <p:sp>
-          <p:nvSpPr>
-            <p:cNvPr id="29" name="Rectangle 28"/>
-            <p:cNvSpPr/>
-            <p:nvPr/>
-          </p:nvSpPr>
-          <p:spPr>
-            <a:xfrm>
-              <a:off x="10898730" y="-8467"/>
-              <a:ext cx="1290094" cy="6866467"/>
-            </a:xfrm>
-            <a:custGeom>
-              <a:avLst/>
-              <a:gdLst/>
-              <a:ahLst/>
-              <a:cxnLst/>
-              <a:rect l="l" t="t" r="r" b="b"/>
-              <a:pathLst>
-                <a:path w="1290094" h="6858000">
-                  <a:moveTo>
-                    <a:pt x="1019735" y="0"/>
-                  </a:moveTo>
-                  <a:lnTo>
-                    <a:pt x="1290094" y="0"/>
-                  </a:lnTo>
-                  <a:lnTo>
-                    <a:pt x="1290094" y="6858000"/>
-                  </a:lnTo>
-                  <a:lnTo>
-                    <a:pt x="0" y="6858000"/>
-                  </a:lnTo>
-                  <a:lnTo>
-                    <a:pt x="1019735" y="0"/>
-                  </a:lnTo>
-                  <a:close/>
-                </a:path>
-              </a:pathLst>
-            </a:custGeom>
-            <a:solidFill>
-              <a:schemeClr val="accent1">
-                <a:lumMod val="60000"/>
-                <a:lumOff val="40000"/>
-                <a:alpha val="70000"/>
-              </a:schemeClr>
-            </a:solidFill>
-            <a:ln>
-              <a:noFill/>
-            </a:ln>
-            <a:effectLst/>
-          </p:spPr>
-          <p:style>
-            <a:lnRef idx="1">
-              <a:schemeClr val="accent1"/>
-            </a:lnRef>
-            <a:fillRef idx="3">
-              <a:schemeClr val="accent1"/>
-            </a:fillRef>
-            <a:effectRef idx="2">
-              <a:schemeClr val="accent1"/>
-            </a:effectRef>
-            <a:fontRef idx="minor">
-              <a:schemeClr val="lt1"/>
-            </a:fontRef>
-          </p:style>
-        </p:sp>
-        <p:sp>
-          <p:nvSpPr>
-            <p:cNvPr id="30" name="Rectangle 29"/>
-            <p:cNvSpPr/>
-            <p:nvPr/>
-          </p:nvSpPr>
-          <p:spPr>
-            <a:xfrm>
-              <a:off x="10938999" y="-8467"/>
-              <a:ext cx="1249825" cy="6866467"/>
-            </a:xfrm>
-            <a:custGeom>
-              <a:avLst/>
-              <a:gdLst/>
-              <a:ahLst/>
-              <a:cxnLst/>
-              <a:rect l="l" t="t" r="r" b="b"/>
-              <a:pathLst>
-                <a:path w="1249825" h="6858000">
-                  <a:moveTo>
-                    <a:pt x="0" y="0"/>
-                  </a:moveTo>
-                  <a:lnTo>
-                    <a:pt x="1249825" y="0"/>
-                  </a:lnTo>
-                  <a:lnTo>
-                    <a:pt x="1249825" y="6858000"/>
-                  </a:lnTo>
-                  <a:lnTo>
-                    <a:pt x="1109382" y="6858000"/>
-                  </a:lnTo>
-                  <a:lnTo>
-                    <a:pt x="0" y="0"/>
-                  </a:lnTo>
-                  <a:close/>
-                </a:path>
-              </a:pathLst>
-            </a:custGeom>
-            <a:solidFill>
-              <a:schemeClr val="accent1">
-                <a:alpha val="65000"/>
-              </a:schemeClr>
-            </a:solidFill>
-            <a:ln>
-              <a:noFill/>
-            </a:ln>
-            <a:effectLst/>
-          </p:spPr>
-          <p:style>
-            <a:lnRef idx="1">
-              <a:schemeClr val="accent1"/>
-            </a:lnRef>
-            <a:fillRef idx="3">
-              <a:schemeClr val="accent1"/>
-            </a:fillRef>
-            <a:effectRef idx="2">
-              <a:schemeClr val="accent1"/>
-            </a:effectRef>
-            <a:fontRef idx="minor">
-              <a:schemeClr val="lt1"/>
-            </a:fontRef>
-          </p:style>
-        </p:sp>
-        <p:sp>
-          <p:nvSpPr>
-            <p:cNvPr id="31" name="Isosceles Triangle 30"/>
-            <p:cNvSpPr/>
-            <p:nvPr/>
-          </p:nvSpPr>
-          <p:spPr>
-            <a:xfrm>
-              <a:off x="10371666" y="3589867"/>
-              <a:ext cx="1817159" cy="3268133"/>
-            </a:xfrm>
-            <a:prstGeom prst="triangle">
-              <a:avLst>
-                <a:gd name="adj" fmla="val 100000"/>
-              </a:avLst>
-            </a:prstGeom>
-            <a:solidFill>
-              <a:schemeClr val="accent1">
-                <a:alpha val="80000"/>
-              </a:schemeClr>
-            </a:solidFill>
-            <a:ln>
-              <a:noFill/>
-            </a:ln>
-            <a:effectLst/>
-          </p:spPr>
-          <p:style>
-            <a:lnRef idx="1">
-              <a:schemeClr val="accent1"/>
-            </a:lnRef>
-            <a:fillRef idx="3">
-              <a:schemeClr val="accent1"/>
-            </a:fillRef>
-            <a:effectRef idx="2">
-              <a:schemeClr val="accent1"/>
-            </a:effectRef>
-            <a:fontRef idx="minor">
-              <a:schemeClr val="lt1"/>
-            </a:fontRef>
-          </p:style>
-        </p:sp>
-        <p:sp>
-          <p:nvSpPr>
-            <p:cNvPr id="19" name="Isosceles Triangle 18"/>
-            <p:cNvSpPr/>
-            <p:nvPr/>
-          </p:nvSpPr>
-          <p:spPr>
-            <a:xfrm rot="10800000">
-              <a:off x="0" y="0"/>
-              <a:ext cx="842596" cy="5666154"/>
-            </a:xfrm>
-            <a:prstGeom prst="triangle">
-              <a:avLst>
-                <a:gd name="adj" fmla="val 100000"/>
-              </a:avLst>
-            </a:prstGeom>
-            <a:solidFill>
-              <a:schemeClr val="accent1">
-                <a:alpha val="85000"/>
-              </a:schemeClr>
-            </a:solidFill>
-            <a:ln>
-              <a:noFill/>
-            </a:ln>
-            <a:effectLst/>
-          </p:spPr>
-          <p:style>
-            <a:lnRef idx="1">
-              <a:schemeClr val="accent1"/>
-            </a:lnRef>
-            <a:fillRef idx="3">
-              <a:schemeClr val="accent1"/>
-            </a:fillRef>
-            <a:effectRef idx="2">
-              <a:schemeClr val="accent1"/>
-            </a:effectRef>
-            <a:fontRef idx="minor">
-              <a:schemeClr val="lt1"/>
-            </a:fontRef>
-          </p:style>
-        </p:sp>
-      </p:grpSp>
-      <p:sp>
-        <p:nvSpPr>
-          <p:cNvPr id="2" name="Title 1"/>
-          <p:cNvSpPr>
-            <a:spLocks noGrp="1"/>
-          </p:cNvSpPr>
-          <p:nvPr>
-            <p:ph type="ctrTitle"/>
-          </p:nvPr>
         </p:nvSpPr>
         <p:spPr>
           <a:xfrm>
-            <a:off x="1507067" y="2404534"/>
-            <a:ext cx="7766936" cy="1646302"/>
+            <a:off x="231140" y="243840"/>
+            <a:ext cx="11724640" cy="6377939"/>
+          </a:xfrm>
+          <a:prstGeom prst="rect">
+            <a:avLst/>
+          </a:prstGeom>
+          <a:solidFill>
+            <a:schemeClr val="accent1"/>
+          </a:solidFill>
+          <a:ln w="12700">
+            <a:solidFill>
+              <a:srgbClr val="FFFFFF"/>
+            </a:solidFill>
+          </a:ln>
+        </p:spPr>
+        <p:style>
+          <a:lnRef idx="2">
+            <a:schemeClr val="accent1">
+              <a:shade val="50000"/>
+            </a:schemeClr>
+          </a:lnRef>
+          <a:fillRef idx="1">
+            <a:schemeClr val="accent1"/>
+          </a:fillRef>
+          <a:effectRef idx="0">
+            <a:schemeClr val="accent1"/>
+          </a:effectRef>
+          <a:fontRef idx="minor">
+            <a:schemeClr val="lt1"/>
+          </a:fontRef>
+        </p:style>
+      </p:sp>
+      <p:sp>
+        <p:nvSpPr>
+          <p:cNvPr id="2" name="Title 1"/>
+          <p:cNvSpPr>
+            <a:spLocks noGrp="1"/>
+          </p:cNvSpPr>
+          <p:nvPr>
+            <p:ph type="ctrTitle"/>
+          </p:nvPr>
+        </p:nvSpPr>
+        <p:spPr>
+          <a:xfrm>
+            <a:off x="1109980" y="882376"/>
+            <a:ext cx="9966960" cy="2926080"/>
           </a:xfrm>
         </p:spPr>
         <p:txBody>
           <a:bodyPr anchor="b">
-            <a:noAutofit/>
+            <a:normAutofit/>
           </a:bodyPr>
           <a:lstStyle>
-            <a:lvl1pPr algn="r">
-              <a:defRPr sz="5400">
+            <a:lvl1pPr algn="ctr">
+              <a:lnSpc>
+                <a:spcPct val="85000"/>
+              </a:lnSpc>
+              <a:defRPr sz="7200" b="1" cap="all" baseline="0">
                 <a:solidFill>
-                  <a:schemeClr val="accent1"/>
+                  <a:srgbClr val="FFFFFF"/>
                 </a:solidFill>
               </a:defRPr>
             </a:lvl1pPr>
@@ -1314,170 +829,145 @@
         </p:nvSpPr>
         <p:spPr>
           <a:xfrm>
-            <a:off x="1507067" y="4050833"/>
-            <a:ext cx="7766936" cy="1096899"/>
+            <a:off x="1709530" y="3869634"/>
+            <a:ext cx="8767860" cy="1388165"/>
           </a:xfrm>
         </p:spPr>
         <p:txBody>
-          <a:bodyPr anchor="t"/>
+          <a:bodyPr>
+            <a:normAutofit/>
+          </a:bodyPr>
           <a:lstStyle>
-            <a:lvl1pPr marL="0" indent="0" algn="r">
-              <a:buNone/>
-              <a:defRPr>
+            <a:lvl1pPr marL="0" indent="0" algn="ctr">
+              <a:buNone/>
+              <a:defRPr sz="2200">
                 <a:solidFill>
-                  <a:schemeClr val="tx1">
-                    <a:lumMod val="50000"/>
-                    <a:lumOff val="50000"/>
-                  </a:schemeClr>
+                  <a:srgbClr val="FFFFFF"/>
                 </a:solidFill>
               </a:defRPr>
             </a:lvl1pPr>
             <a:lvl2pPr marL="457200" indent="0" algn="ctr">
               <a:buNone/>
+              <a:defRPr sz="2200"/>
+            </a:lvl2pPr>
+            <a:lvl3pPr marL="914400" indent="0" algn="ctr">
+              <a:buNone/>
+              <a:defRPr sz="2200"/>
+            </a:lvl3pPr>
+            <a:lvl4pPr marL="1371600" indent="0" algn="ctr">
+              <a:buNone/>
+              <a:defRPr sz="2000"/>
+            </a:lvl4pPr>
+            <a:lvl5pPr marL="1828800" indent="0" algn="ctr">
+              <a:buNone/>
+              <a:defRPr sz="2000"/>
+            </a:lvl5pPr>
+            <a:lvl6pPr marL="2286000" indent="0" algn="ctr">
+              <a:buNone/>
+              <a:defRPr sz="2000"/>
+            </a:lvl6pPr>
+            <a:lvl7pPr marL="2743200" indent="0" algn="ctr">
+              <a:buNone/>
+              <a:defRPr sz="2000"/>
+            </a:lvl7pPr>
+            <a:lvl8pPr marL="3200400" indent="0" algn="ctr">
+              <a:buNone/>
+              <a:defRPr sz="2000"/>
+            </a:lvl8pPr>
+            <a:lvl9pPr marL="3657600" indent="0" algn="ctr">
+              <a:buNone/>
+              <a:defRPr sz="2000"/>
+            </a:lvl9pPr>
+          </a:lstStyle>
+          <a:p>
+            <a:r>
+              <a:rPr lang="da-DK"/>
+              <a:t>Klik for at redigere undertiteltypografien i masteren</a:t>
+            </a:r>
+            <a:endParaRPr lang="en-US" dirty="0"/>
+          </a:p>
+        </p:txBody>
+      </p:sp>
+      <p:sp>
+        <p:nvSpPr>
+          <p:cNvPr id="4" name="Date Placeholder 3"/>
+          <p:cNvSpPr>
+            <a:spLocks noGrp="1"/>
+          </p:cNvSpPr>
+          <p:nvPr>
+            <p:ph type="dt" sz="half" idx="10"/>
+          </p:nvPr>
+        </p:nvSpPr>
+        <p:spPr/>
+        <p:txBody>
+          <a:bodyPr/>
+          <a:lstStyle>
+            <a:lvl1pPr>
               <a:defRPr>
                 <a:solidFill>
-                  <a:schemeClr val="tx1">
-                    <a:tint val="75000"/>
-                  </a:schemeClr>
+                  <a:srgbClr val="FFFFFF"/>
                 </a:solidFill>
               </a:defRPr>
-            </a:lvl2pPr>
-            <a:lvl3pPr marL="914400" indent="0" algn="ctr">
-              <a:buNone/>
+            </a:lvl1pPr>
+          </a:lstStyle>
+          <a:p>
+            <a:fld id="{4C52EC6D-AFBA-4F6F-A64F-BA455C0AB0BC}" type="datetimeFigureOut">
+              <a:rPr lang="da-DK" smtClean="0"/>
+              <a:t>13-01-2019</a:t>
+            </a:fld>
+            <a:endParaRPr lang="da-DK"/>
+          </a:p>
+        </p:txBody>
+      </p:sp>
+      <p:sp>
+        <p:nvSpPr>
+          <p:cNvPr id="5" name="Footer Placeholder 4"/>
+          <p:cNvSpPr>
+            <a:spLocks noGrp="1"/>
+          </p:cNvSpPr>
+          <p:nvPr>
+            <p:ph type="ftr" sz="quarter" idx="11"/>
+          </p:nvPr>
+        </p:nvSpPr>
+        <p:spPr/>
+        <p:txBody>
+          <a:bodyPr/>
+          <a:lstStyle>
+            <a:lvl1pPr>
               <a:defRPr>
                 <a:solidFill>
-                  <a:schemeClr val="tx1">
-                    <a:tint val="75000"/>
-                  </a:schemeClr>
+                  <a:srgbClr val="FFFFFF"/>
                 </a:solidFill>
               </a:defRPr>
-            </a:lvl3pPr>
-            <a:lvl4pPr marL="1371600" indent="0" algn="ctr">
-              <a:buNone/>
+            </a:lvl1pPr>
+          </a:lstStyle>
+          <a:p>
+            <a:endParaRPr lang="da-DK"/>
+          </a:p>
+        </p:txBody>
+      </p:sp>
+      <p:sp>
+        <p:nvSpPr>
+          <p:cNvPr id="6" name="Slide Number Placeholder 5"/>
+          <p:cNvSpPr>
+            <a:spLocks noGrp="1"/>
+          </p:cNvSpPr>
+          <p:nvPr>
+            <p:ph type="sldNum" sz="quarter" idx="12"/>
+          </p:nvPr>
+        </p:nvSpPr>
+        <p:spPr/>
+        <p:txBody>
+          <a:bodyPr/>
+          <a:lstStyle>
+            <a:lvl1pPr>
               <a:defRPr>
                 <a:solidFill>
-                  <a:schemeClr val="tx1">
-                    <a:tint val="75000"/>
-                  </a:schemeClr>
+                  <a:srgbClr val="FFFFFF"/>
                 </a:solidFill>
               </a:defRPr>
-            </a:lvl4pPr>
-            <a:lvl5pPr marL="1828800" indent="0" algn="ctr">
-              <a:buNone/>
-              <a:defRPr>
-                <a:solidFill>
-                  <a:schemeClr val="tx1">
-                    <a:tint val="75000"/>
-                  </a:schemeClr>
-                </a:solidFill>
-              </a:defRPr>
-            </a:lvl5pPr>
-            <a:lvl6pPr marL="2286000" indent="0" algn="ctr">
-              <a:buNone/>
-              <a:defRPr>
-                <a:solidFill>
-                  <a:schemeClr val="tx1">
-                    <a:tint val="75000"/>
-                  </a:schemeClr>
-                </a:solidFill>
-              </a:defRPr>
-            </a:lvl6pPr>
-            <a:lvl7pPr marL="2743200" indent="0" algn="ctr">
-              <a:buNone/>
-              <a:defRPr>
-                <a:solidFill>
-                  <a:schemeClr val="tx1">
-                    <a:tint val="75000"/>
-                  </a:schemeClr>
-                </a:solidFill>
-              </a:defRPr>
-            </a:lvl7pPr>
-            <a:lvl8pPr marL="3200400" indent="0" algn="ctr">
-              <a:buNone/>
-              <a:defRPr>
-                <a:solidFill>
-                  <a:schemeClr val="tx1">
-                    <a:tint val="75000"/>
-                  </a:schemeClr>
-                </a:solidFill>
-              </a:defRPr>
-            </a:lvl8pPr>
-            <a:lvl9pPr marL="3657600" indent="0" algn="ctr">
-              <a:buNone/>
-              <a:defRPr>
-                <a:solidFill>
-                  <a:schemeClr val="tx1">
-                    <a:tint val="75000"/>
-                  </a:schemeClr>
-                </a:solidFill>
-              </a:defRPr>
-            </a:lvl9pPr>
+            </a:lvl1pPr>
           </a:lstStyle>
-          <a:p>
-            <a:r>
-              <a:rPr lang="da-DK"/>
-              <a:t>Klik for at redigere undertiteltypografien i masteren</a:t>
-            </a:r>
-            <a:endParaRPr lang="en-US" dirty="0"/>
-          </a:p>
-        </p:txBody>
-      </p:sp>
-      <p:sp>
-        <p:nvSpPr>
-          <p:cNvPr id="4" name="Date Placeholder 3"/>
-          <p:cNvSpPr>
-            <a:spLocks noGrp="1"/>
-          </p:cNvSpPr>
-          <p:nvPr>
-            <p:ph type="dt" sz="half" idx="10"/>
-          </p:nvPr>
-        </p:nvSpPr>
-        <p:spPr/>
-        <p:txBody>
-          <a:bodyPr/>
-          <a:lstStyle/>
-          <a:p>
-            <a:fld id="{4C52EC6D-AFBA-4F6F-A64F-BA455C0AB0BC}" type="datetimeFigureOut">
-              <a:rPr lang="da-DK" smtClean="0"/>
-              <a:t>12/01/2019</a:t>
-            </a:fld>
-            <a:endParaRPr lang="da-DK"/>
-          </a:p>
-        </p:txBody>
-      </p:sp>
-      <p:sp>
-        <p:nvSpPr>
-          <p:cNvPr id="5" name="Footer Placeholder 4"/>
-          <p:cNvSpPr>
-            <a:spLocks noGrp="1"/>
-          </p:cNvSpPr>
-          <p:nvPr>
-            <p:ph type="ftr" sz="quarter" idx="11"/>
-          </p:nvPr>
-        </p:nvSpPr>
-        <p:spPr/>
-        <p:txBody>
-          <a:bodyPr/>
-          <a:lstStyle/>
-          <a:p>
-            <a:endParaRPr lang="da-DK"/>
-          </a:p>
-        </p:txBody>
-      </p:sp>
-      <p:sp>
-        <p:nvSpPr>
-          <p:cNvPr id="6" name="Slide Number Placeholder 5"/>
-          <p:cNvSpPr>
-            <a:spLocks noGrp="1"/>
-          </p:cNvSpPr>
-          <p:nvPr>
-            <p:ph type="sldNum" sz="quarter" idx="12"/>
-          </p:nvPr>
-        </p:nvSpPr>
-        <p:spPr/>
-        <p:txBody>
-          <a:bodyPr/>
-          <a:lstStyle/>
           <a:p>
             <a:fld id="{2E8327EC-32D6-48CC-AD7E-02BA4A0C4B80}" type="slidenum">
               <a:rPr lang="da-DK" smtClean="0"/>
@@ -1487,10 +977,45 @@
           </a:p>
         </p:txBody>
       </p:sp>
+      <p:cxnSp>
+        <p:nvCxnSpPr>
+          <p:cNvPr id="8" name="Straight Connector 7"/>
+          <p:cNvCxnSpPr/>
+          <p:nvPr/>
+        </p:nvCxnSpPr>
+        <p:spPr>
+          <a:xfrm>
+            <a:off x="1978660" y="3733800"/>
+            <a:ext cx="8229601" cy="0"/>
+          </a:xfrm>
+          <a:prstGeom prst="line">
+            <a:avLst/>
+          </a:prstGeom>
+          <a:ln>
+            <a:solidFill>
+              <a:srgbClr val="FFFFFF"/>
+            </a:solidFill>
+          </a:ln>
+        </p:spPr>
+        <p:style>
+          <a:lnRef idx="1">
+            <a:schemeClr val="accent1"/>
+          </a:lnRef>
+          <a:fillRef idx="0">
+            <a:schemeClr val="accent1"/>
+          </a:fillRef>
+          <a:effectRef idx="0">
+            <a:schemeClr val="accent1"/>
+          </a:effectRef>
+          <a:fontRef idx="minor">
+            <a:schemeClr val="tx1"/>
+          </a:fontRef>
+        </p:style>
+      </p:cxnSp>
     </p:spTree>
     <p:extLst>
       <p:ext uri="{BB962C8B-B14F-4D97-AF65-F5344CB8AC3E}">
-        <p14:creationId xmlns:p14="http://schemas.microsoft.com/office/powerpoint/2010/main" val="814795691"/>
+        <p14:creationId xmlns:p14="http://schemas.microsoft.com/office/powerpoint/2010/main" val="3808436395"/>
       </p:ext>
     </p:extLst>
   </p:cSld>
@@ -1501,1659 +1026,6 @@
 </file>
 
 <file path=ppt/slideLayouts/slideLayout10.xml><?xml version="1.0" encoding="utf-8"?>
-<p:sldLayout xmlns:a="http://schemas.openxmlformats.org/drawingml/2006/main" xmlns:r="http://schemas.openxmlformats.org/officeDocument/2006/relationships" xmlns:p="http://schemas.openxmlformats.org/presentationml/2006/main" preserve="1">
-  <p:cSld name="Titel og billedtekst">
-    <p:spTree>
-      <p:nvGrpSpPr>
-        <p:cNvPr id="1" name=""/>
-        <p:cNvGrpSpPr/>
-        <p:nvPr/>
-      </p:nvGrpSpPr>
-      <p:grpSpPr>
-        <a:xfrm>
-          <a:off x="0" y="0"/>
-          <a:ext cx="0" cy="0"/>
-          <a:chOff x="0" y="0"/>
-          <a:chExt cx="0" cy="0"/>
-        </a:xfrm>
-      </p:grpSpPr>
-      <p:sp>
-        <p:nvSpPr>
-          <p:cNvPr id="2" name="Title 1"/>
-          <p:cNvSpPr>
-            <a:spLocks noGrp="1"/>
-          </p:cNvSpPr>
-          <p:nvPr>
-            <p:ph type="title"/>
-          </p:nvPr>
-        </p:nvSpPr>
-        <p:spPr>
-          <a:xfrm>
-            <a:off x="677335" y="609600"/>
-            <a:ext cx="8596668" cy="3403600"/>
-          </a:xfrm>
-        </p:spPr>
-        <p:txBody>
-          <a:bodyPr anchor="ctr">
-            <a:normAutofit/>
-          </a:bodyPr>
-          <a:lstStyle>
-            <a:lvl1pPr algn="l">
-              <a:defRPr sz="4400" b="0" cap="none"/>
-            </a:lvl1pPr>
-          </a:lstStyle>
-          <a:p>
-            <a:r>
-              <a:rPr lang="da-DK"/>
-              <a:t>Klik for at redigere titeltypografien i masteren</a:t>
-            </a:r>
-            <a:endParaRPr lang="en-US" dirty="0"/>
-          </a:p>
-        </p:txBody>
-      </p:sp>
-      <p:sp>
-        <p:nvSpPr>
-          <p:cNvPr id="3" name="Text Placeholder 2"/>
-          <p:cNvSpPr>
-            <a:spLocks noGrp="1"/>
-          </p:cNvSpPr>
-          <p:nvPr>
-            <p:ph type="body" idx="1"/>
-          </p:nvPr>
-        </p:nvSpPr>
-        <p:spPr>
-          <a:xfrm>
-            <a:off x="677335" y="4470400"/>
-            <a:ext cx="8596668" cy="1570962"/>
-          </a:xfrm>
-        </p:spPr>
-        <p:txBody>
-          <a:bodyPr anchor="ctr">
-            <a:normAutofit/>
-          </a:bodyPr>
-          <a:lstStyle>
-            <a:lvl1pPr marL="0" indent="0" algn="l">
-              <a:buNone/>
-              <a:defRPr sz="1800">
-                <a:solidFill>
-                  <a:schemeClr val="tx1">
-                    <a:lumMod val="75000"/>
-                    <a:lumOff val="25000"/>
-                  </a:schemeClr>
-                </a:solidFill>
-              </a:defRPr>
-            </a:lvl1pPr>
-            <a:lvl2pPr marL="457200" indent="0">
-              <a:buNone/>
-              <a:defRPr sz="1800">
-                <a:solidFill>
-                  <a:schemeClr val="tx1">
-                    <a:tint val="75000"/>
-                  </a:schemeClr>
-                </a:solidFill>
-              </a:defRPr>
-            </a:lvl2pPr>
-            <a:lvl3pPr marL="914400" indent="0">
-              <a:buNone/>
-              <a:defRPr sz="1600">
-                <a:solidFill>
-                  <a:schemeClr val="tx1">
-                    <a:tint val="75000"/>
-                  </a:schemeClr>
-                </a:solidFill>
-              </a:defRPr>
-            </a:lvl3pPr>
-            <a:lvl4pPr marL="1371600" indent="0">
-              <a:buNone/>
-              <a:defRPr sz="1400">
-                <a:solidFill>
-                  <a:schemeClr val="tx1">
-                    <a:tint val="75000"/>
-                  </a:schemeClr>
-                </a:solidFill>
-              </a:defRPr>
-            </a:lvl4pPr>
-            <a:lvl5pPr marL="1828800" indent="0">
-              <a:buNone/>
-              <a:defRPr sz="1400">
-                <a:solidFill>
-                  <a:schemeClr val="tx1">
-                    <a:tint val="75000"/>
-                  </a:schemeClr>
-                </a:solidFill>
-              </a:defRPr>
-            </a:lvl5pPr>
-            <a:lvl6pPr marL="2286000" indent="0">
-              <a:buNone/>
-              <a:defRPr sz="1400">
-                <a:solidFill>
-                  <a:schemeClr val="tx1">
-                    <a:tint val="75000"/>
-                  </a:schemeClr>
-                </a:solidFill>
-              </a:defRPr>
-            </a:lvl6pPr>
-            <a:lvl7pPr marL="2743200" indent="0">
-              <a:buNone/>
-              <a:defRPr sz="1400">
-                <a:solidFill>
-                  <a:schemeClr val="tx1">
-                    <a:tint val="75000"/>
-                  </a:schemeClr>
-                </a:solidFill>
-              </a:defRPr>
-            </a:lvl7pPr>
-            <a:lvl8pPr marL="3200400" indent="0">
-              <a:buNone/>
-              <a:defRPr sz="1400">
-                <a:solidFill>
-                  <a:schemeClr val="tx1">
-                    <a:tint val="75000"/>
-                  </a:schemeClr>
-                </a:solidFill>
-              </a:defRPr>
-            </a:lvl8pPr>
-            <a:lvl9pPr marL="3657600" indent="0">
-              <a:buNone/>
-              <a:defRPr sz="1400">
-                <a:solidFill>
-                  <a:schemeClr val="tx1">
-                    <a:tint val="75000"/>
-                  </a:schemeClr>
-                </a:solidFill>
-              </a:defRPr>
-            </a:lvl9pPr>
-          </a:lstStyle>
-          <a:p>
-            <a:pPr lvl="0"/>
-            <a:r>
-              <a:rPr lang="da-DK"/>
-              <a:t>Rediger teksttypografien i masteren
-Andet niveau
-Tredje niveau
-Fjerde niveau
-Femte niveau</a:t>
-            </a:r>
-            <a:endParaRPr lang="en-US" dirty="0"/>
-          </a:p>
-        </p:txBody>
-      </p:sp>
-      <p:sp>
-        <p:nvSpPr>
-          <p:cNvPr id="4" name="Date Placeholder 3"/>
-          <p:cNvSpPr>
-            <a:spLocks noGrp="1"/>
-          </p:cNvSpPr>
-          <p:nvPr>
-            <p:ph type="dt" sz="half" idx="10"/>
-          </p:nvPr>
-        </p:nvSpPr>
-        <p:spPr/>
-        <p:txBody>
-          <a:bodyPr/>
-          <a:lstStyle/>
-          <a:p>
-            <a:fld id="{4C52EC6D-AFBA-4F6F-A64F-BA455C0AB0BC}" type="datetimeFigureOut">
-              <a:rPr lang="da-DK" smtClean="0"/>
-              <a:t>12/01/2019</a:t>
-            </a:fld>
-            <a:endParaRPr lang="da-DK"/>
-          </a:p>
-        </p:txBody>
-      </p:sp>
-      <p:sp>
-        <p:nvSpPr>
-          <p:cNvPr id="5" name="Footer Placeholder 4"/>
-          <p:cNvSpPr>
-            <a:spLocks noGrp="1"/>
-          </p:cNvSpPr>
-          <p:nvPr>
-            <p:ph type="ftr" sz="quarter" idx="11"/>
-          </p:nvPr>
-        </p:nvSpPr>
-        <p:spPr/>
-        <p:txBody>
-          <a:bodyPr/>
-          <a:lstStyle/>
-          <a:p>
-            <a:endParaRPr lang="da-DK"/>
-          </a:p>
-        </p:txBody>
-      </p:sp>
-      <p:sp>
-        <p:nvSpPr>
-          <p:cNvPr id="6" name="Slide Number Placeholder 5"/>
-          <p:cNvSpPr>
-            <a:spLocks noGrp="1"/>
-          </p:cNvSpPr>
-          <p:nvPr>
-            <p:ph type="sldNum" sz="quarter" idx="12"/>
-          </p:nvPr>
-        </p:nvSpPr>
-        <p:spPr/>
-        <p:txBody>
-          <a:bodyPr/>
-          <a:lstStyle/>
-          <a:p>
-            <a:fld id="{2E8327EC-32D6-48CC-AD7E-02BA4A0C4B80}" type="slidenum">
-              <a:rPr lang="da-DK" smtClean="0"/>
-              <a:t>‹nr.›</a:t>
-            </a:fld>
-            <a:endParaRPr lang="da-DK"/>
-          </a:p>
-        </p:txBody>
-      </p:sp>
-    </p:spTree>
-    <p:extLst>
-      <p:ext uri="{BB962C8B-B14F-4D97-AF65-F5344CB8AC3E}">
-        <p14:creationId xmlns:p14="http://schemas.microsoft.com/office/powerpoint/2010/main" val="1026077834"/>
-      </p:ext>
-    </p:extLst>
-  </p:cSld>
-  <p:clrMapOvr>
-    <a:masterClrMapping/>
-  </p:clrMapOvr>
-</p:sldLayout>
-</file>
-
-<file path=ppt/slideLayouts/slideLayout11.xml><?xml version="1.0" encoding="utf-8"?>
-<p:sldLayout xmlns:a="http://schemas.openxmlformats.org/drawingml/2006/main" xmlns:r="http://schemas.openxmlformats.org/officeDocument/2006/relationships" xmlns:p="http://schemas.openxmlformats.org/presentationml/2006/main" preserve="1">
-  <p:cSld name="Citat med billedtekst">
-    <p:spTree>
-      <p:nvGrpSpPr>
-        <p:cNvPr id="1" name=""/>
-        <p:cNvGrpSpPr/>
-        <p:nvPr/>
-      </p:nvGrpSpPr>
-      <p:grpSpPr>
-        <a:xfrm>
-          <a:off x="0" y="0"/>
-          <a:ext cx="0" cy="0"/>
-          <a:chOff x="0" y="0"/>
-          <a:chExt cx="0" cy="0"/>
-        </a:xfrm>
-      </p:grpSpPr>
-      <p:sp>
-        <p:nvSpPr>
-          <p:cNvPr id="2" name="Title 1"/>
-          <p:cNvSpPr>
-            <a:spLocks noGrp="1"/>
-          </p:cNvSpPr>
-          <p:nvPr>
-            <p:ph type="title"/>
-          </p:nvPr>
-        </p:nvSpPr>
-        <p:spPr>
-          <a:xfrm>
-            <a:off x="931334" y="609600"/>
-            <a:ext cx="8094134" cy="3022600"/>
-          </a:xfrm>
-        </p:spPr>
-        <p:txBody>
-          <a:bodyPr anchor="ctr">
-            <a:normAutofit/>
-          </a:bodyPr>
-          <a:lstStyle>
-            <a:lvl1pPr algn="l">
-              <a:defRPr sz="4400" b="0" cap="none"/>
-            </a:lvl1pPr>
-          </a:lstStyle>
-          <a:p>
-            <a:r>
-              <a:rPr lang="da-DK"/>
-              <a:t>Klik for at redigere titeltypografien i masteren</a:t>
-            </a:r>
-            <a:endParaRPr lang="en-US" dirty="0"/>
-          </a:p>
-        </p:txBody>
-      </p:sp>
-      <p:sp>
-        <p:nvSpPr>
-          <p:cNvPr id="23" name="Text Placeholder 9"/>
-          <p:cNvSpPr>
-            <a:spLocks noGrp="1"/>
-          </p:cNvSpPr>
-          <p:nvPr>
-            <p:ph type="body" sz="quarter" idx="13"/>
-          </p:nvPr>
-        </p:nvSpPr>
-        <p:spPr>
-          <a:xfrm>
-            <a:off x="1366139" y="3632200"/>
-            <a:ext cx="7224524" cy="381000"/>
-          </a:xfrm>
-        </p:spPr>
-        <p:txBody>
-          <a:bodyPr anchor="ctr">
-            <a:noAutofit/>
-          </a:bodyPr>
-          <a:lstStyle>
-            <a:lvl1pPr marL="0" indent="0">
-              <a:buFontTx/>
-              <a:buNone/>
-              <a:defRPr sz="1600">
-                <a:solidFill>
-                  <a:schemeClr val="tx1">
-                    <a:lumMod val="50000"/>
-                    <a:lumOff val="50000"/>
-                  </a:schemeClr>
-                </a:solidFill>
-              </a:defRPr>
-            </a:lvl1pPr>
-            <a:lvl2pPr marL="457200" indent="0">
-              <a:buFontTx/>
-              <a:buNone/>
-              <a:defRPr/>
-            </a:lvl2pPr>
-            <a:lvl3pPr marL="914400" indent="0">
-              <a:buFontTx/>
-              <a:buNone/>
-              <a:defRPr/>
-            </a:lvl3pPr>
-            <a:lvl4pPr marL="1371600" indent="0">
-              <a:buFontTx/>
-              <a:buNone/>
-              <a:defRPr/>
-            </a:lvl4pPr>
-            <a:lvl5pPr marL="1828800" indent="0">
-              <a:buFontTx/>
-              <a:buNone/>
-              <a:defRPr/>
-            </a:lvl5pPr>
-          </a:lstStyle>
-          <a:p>
-            <a:pPr lvl="0"/>
-            <a:r>
-              <a:rPr lang="da-DK"/>
-              <a:t>Rediger teksttypografien i masteren
-Andet niveau
-Tredje niveau
-Fjerde niveau
-Femte niveau</a:t>
-            </a:r>
-            <a:endParaRPr lang="en-US" dirty="0"/>
-          </a:p>
-        </p:txBody>
-      </p:sp>
-      <p:sp>
-        <p:nvSpPr>
-          <p:cNvPr id="3" name="Text Placeholder 2"/>
-          <p:cNvSpPr>
-            <a:spLocks noGrp="1"/>
-          </p:cNvSpPr>
-          <p:nvPr>
-            <p:ph type="body" idx="1"/>
-          </p:nvPr>
-        </p:nvSpPr>
-        <p:spPr>
-          <a:xfrm>
-            <a:off x="677335" y="4470400"/>
-            <a:ext cx="8596668" cy="1570962"/>
-          </a:xfrm>
-        </p:spPr>
-        <p:txBody>
-          <a:bodyPr anchor="ctr">
-            <a:normAutofit/>
-          </a:bodyPr>
-          <a:lstStyle>
-            <a:lvl1pPr marL="0" indent="0" algn="l">
-              <a:buNone/>
-              <a:defRPr sz="1800">
-                <a:solidFill>
-                  <a:schemeClr val="tx1">
-                    <a:lumMod val="75000"/>
-                    <a:lumOff val="25000"/>
-                  </a:schemeClr>
-                </a:solidFill>
-              </a:defRPr>
-            </a:lvl1pPr>
-            <a:lvl2pPr marL="457200" indent="0">
-              <a:buNone/>
-              <a:defRPr sz="1800">
-                <a:solidFill>
-                  <a:schemeClr val="tx1">
-                    <a:tint val="75000"/>
-                  </a:schemeClr>
-                </a:solidFill>
-              </a:defRPr>
-            </a:lvl2pPr>
-            <a:lvl3pPr marL="914400" indent="0">
-              <a:buNone/>
-              <a:defRPr sz="1600">
-                <a:solidFill>
-                  <a:schemeClr val="tx1">
-                    <a:tint val="75000"/>
-                  </a:schemeClr>
-                </a:solidFill>
-              </a:defRPr>
-            </a:lvl3pPr>
-            <a:lvl4pPr marL="1371600" indent="0">
-              <a:buNone/>
-              <a:defRPr sz="1400">
-                <a:solidFill>
-                  <a:schemeClr val="tx1">
-                    <a:tint val="75000"/>
-                  </a:schemeClr>
-                </a:solidFill>
-              </a:defRPr>
-            </a:lvl4pPr>
-            <a:lvl5pPr marL="1828800" indent="0">
-              <a:buNone/>
-              <a:defRPr sz="1400">
-                <a:solidFill>
-                  <a:schemeClr val="tx1">
-                    <a:tint val="75000"/>
-                  </a:schemeClr>
-                </a:solidFill>
-              </a:defRPr>
-            </a:lvl5pPr>
-            <a:lvl6pPr marL="2286000" indent="0">
-              <a:buNone/>
-              <a:defRPr sz="1400">
-                <a:solidFill>
-                  <a:schemeClr val="tx1">
-                    <a:tint val="75000"/>
-                  </a:schemeClr>
-                </a:solidFill>
-              </a:defRPr>
-            </a:lvl6pPr>
-            <a:lvl7pPr marL="2743200" indent="0">
-              <a:buNone/>
-              <a:defRPr sz="1400">
-                <a:solidFill>
-                  <a:schemeClr val="tx1">
-                    <a:tint val="75000"/>
-                  </a:schemeClr>
-                </a:solidFill>
-              </a:defRPr>
-            </a:lvl7pPr>
-            <a:lvl8pPr marL="3200400" indent="0">
-              <a:buNone/>
-              <a:defRPr sz="1400">
-                <a:solidFill>
-                  <a:schemeClr val="tx1">
-                    <a:tint val="75000"/>
-                  </a:schemeClr>
-                </a:solidFill>
-              </a:defRPr>
-            </a:lvl8pPr>
-            <a:lvl9pPr marL="3657600" indent="0">
-              <a:buNone/>
-              <a:defRPr sz="1400">
-                <a:solidFill>
-                  <a:schemeClr val="tx1">
-                    <a:tint val="75000"/>
-                  </a:schemeClr>
-                </a:solidFill>
-              </a:defRPr>
-            </a:lvl9pPr>
-          </a:lstStyle>
-          <a:p>
-            <a:pPr lvl="0"/>
-            <a:r>
-              <a:rPr lang="da-DK"/>
-              <a:t>Rediger teksttypografien i masteren
-Andet niveau
-Tredje niveau
-Fjerde niveau
-Femte niveau</a:t>
-            </a:r>
-            <a:endParaRPr lang="en-US" dirty="0"/>
-          </a:p>
-        </p:txBody>
-      </p:sp>
-      <p:sp>
-        <p:nvSpPr>
-          <p:cNvPr id="4" name="Date Placeholder 3"/>
-          <p:cNvSpPr>
-            <a:spLocks noGrp="1"/>
-          </p:cNvSpPr>
-          <p:nvPr>
-            <p:ph type="dt" sz="half" idx="10"/>
-          </p:nvPr>
-        </p:nvSpPr>
-        <p:spPr/>
-        <p:txBody>
-          <a:bodyPr/>
-          <a:lstStyle/>
-          <a:p>
-            <a:fld id="{4C52EC6D-AFBA-4F6F-A64F-BA455C0AB0BC}" type="datetimeFigureOut">
-              <a:rPr lang="da-DK" smtClean="0"/>
-              <a:t>12/01/2019</a:t>
-            </a:fld>
-            <a:endParaRPr lang="da-DK"/>
-          </a:p>
-        </p:txBody>
-      </p:sp>
-      <p:sp>
-        <p:nvSpPr>
-          <p:cNvPr id="5" name="Footer Placeholder 4"/>
-          <p:cNvSpPr>
-            <a:spLocks noGrp="1"/>
-          </p:cNvSpPr>
-          <p:nvPr>
-            <p:ph type="ftr" sz="quarter" idx="11"/>
-          </p:nvPr>
-        </p:nvSpPr>
-        <p:spPr/>
-        <p:txBody>
-          <a:bodyPr/>
-          <a:lstStyle/>
-          <a:p>
-            <a:endParaRPr lang="da-DK"/>
-          </a:p>
-        </p:txBody>
-      </p:sp>
-      <p:sp>
-        <p:nvSpPr>
-          <p:cNvPr id="6" name="Slide Number Placeholder 5"/>
-          <p:cNvSpPr>
-            <a:spLocks noGrp="1"/>
-          </p:cNvSpPr>
-          <p:nvPr>
-            <p:ph type="sldNum" sz="quarter" idx="12"/>
-          </p:nvPr>
-        </p:nvSpPr>
-        <p:spPr/>
-        <p:txBody>
-          <a:bodyPr/>
-          <a:lstStyle/>
-          <a:p>
-            <a:fld id="{2E8327EC-32D6-48CC-AD7E-02BA4A0C4B80}" type="slidenum">
-              <a:rPr lang="da-DK" smtClean="0"/>
-              <a:t>‹nr.›</a:t>
-            </a:fld>
-            <a:endParaRPr lang="da-DK"/>
-          </a:p>
-        </p:txBody>
-      </p:sp>
-      <p:sp>
-        <p:nvSpPr>
-          <p:cNvPr id="20" name="TextBox 19"/>
-          <p:cNvSpPr txBox="1"/>
-          <p:nvPr/>
-        </p:nvSpPr>
-        <p:spPr>
-          <a:xfrm>
-            <a:off x="541870" y="790378"/>
-            <a:ext cx="609600" cy="584776"/>
-          </a:xfrm>
-          <a:prstGeom prst="rect">
-            <a:avLst/>
-          </a:prstGeom>
-        </p:spPr>
-        <p:txBody>
-          <a:bodyPr vert="horz" lIns="91440" tIns="45720" rIns="91440" bIns="45720" rtlCol="0" anchor="ctr">
-            <a:noAutofit/>
-          </a:bodyPr>
-          <a:lstStyle/>
-          <a:p>
-            <a:pPr lvl="0"/>
-            <a:r>
-              <a:rPr lang="en-US" sz="8000" baseline="0" dirty="0">
-                <a:ln w="3175" cmpd="sng">
-                  <a:noFill/>
-                </a:ln>
-                <a:solidFill>
-                  <a:schemeClr val="accent1">
-                    <a:lumMod val="60000"/>
-                    <a:lumOff val="40000"/>
-                  </a:schemeClr>
-                </a:solidFill>
-                <a:effectLst/>
-                <a:latin typeface="Arial"/>
-              </a:rPr>
-              <a:t>“</a:t>
-            </a:r>
-          </a:p>
-        </p:txBody>
-      </p:sp>
-      <p:sp>
-        <p:nvSpPr>
-          <p:cNvPr id="22" name="TextBox 21"/>
-          <p:cNvSpPr txBox="1"/>
-          <p:nvPr/>
-        </p:nvSpPr>
-        <p:spPr>
-          <a:xfrm>
-            <a:off x="8893011" y="2886556"/>
-            <a:ext cx="609600" cy="584776"/>
-          </a:xfrm>
-          <a:prstGeom prst="rect">
-            <a:avLst/>
-          </a:prstGeom>
-        </p:spPr>
-        <p:txBody>
-          <a:bodyPr vert="horz" lIns="91440" tIns="45720" rIns="91440" bIns="45720" rtlCol="0" anchor="ctr">
-            <a:noAutofit/>
-          </a:bodyPr>
-          <a:lstStyle/>
-          <a:p>
-            <a:pPr lvl="0"/>
-            <a:r>
-              <a:rPr lang="en-US" sz="8000" baseline="0" dirty="0">
-                <a:ln w="3175" cmpd="sng">
-                  <a:noFill/>
-                </a:ln>
-                <a:solidFill>
-                  <a:schemeClr val="accent1">
-                    <a:lumMod val="60000"/>
-                    <a:lumOff val="40000"/>
-                  </a:schemeClr>
-                </a:solidFill>
-                <a:latin typeface="Arial"/>
-              </a:rPr>
-              <a:t>”</a:t>
-            </a:r>
-            <a:endParaRPr lang="en-US" dirty="0">
-              <a:solidFill>
-                <a:schemeClr val="accent1">
-                  <a:lumMod val="60000"/>
-                  <a:lumOff val="40000"/>
-                </a:schemeClr>
-              </a:solidFill>
-              <a:latin typeface="Arial"/>
-            </a:endParaRPr>
-          </a:p>
-        </p:txBody>
-      </p:sp>
-    </p:spTree>
-    <p:extLst>
-      <p:ext uri="{BB962C8B-B14F-4D97-AF65-F5344CB8AC3E}">
-        <p14:creationId xmlns:p14="http://schemas.microsoft.com/office/powerpoint/2010/main" val="3536170224"/>
-      </p:ext>
-    </p:extLst>
-  </p:cSld>
-  <p:clrMapOvr>
-    <a:masterClrMapping/>
-  </p:clrMapOvr>
-</p:sldLayout>
-</file>
-
-<file path=ppt/slideLayouts/slideLayout12.xml><?xml version="1.0" encoding="utf-8"?>
-<p:sldLayout xmlns:a="http://schemas.openxmlformats.org/drawingml/2006/main" xmlns:r="http://schemas.openxmlformats.org/officeDocument/2006/relationships" xmlns:p="http://schemas.openxmlformats.org/presentationml/2006/main" preserve="1">
-  <p:cSld name="Navnekort">
-    <p:spTree>
-      <p:nvGrpSpPr>
-        <p:cNvPr id="1" name=""/>
-        <p:cNvGrpSpPr/>
-        <p:nvPr/>
-      </p:nvGrpSpPr>
-      <p:grpSpPr>
-        <a:xfrm>
-          <a:off x="0" y="0"/>
-          <a:ext cx="0" cy="0"/>
-          <a:chOff x="0" y="0"/>
-          <a:chExt cx="0" cy="0"/>
-        </a:xfrm>
-      </p:grpSpPr>
-      <p:sp>
-        <p:nvSpPr>
-          <p:cNvPr id="2" name="Title 1"/>
-          <p:cNvSpPr>
-            <a:spLocks noGrp="1"/>
-          </p:cNvSpPr>
-          <p:nvPr>
-            <p:ph type="title"/>
-          </p:nvPr>
-        </p:nvSpPr>
-        <p:spPr>
-          <a:xfrm>
-            <a:off x="677335" y="1931988"/>
-            <a:ext cx="8596668" cy="2595460"/>
-          </a:xfrm>
-        </p:spPr>
-        <p:txBody>
-          <a:bodyPr anchor="b">
-            <a:normAutofit/>
-          </a:bodyPr>
-          <a:lstStyle>
-            <a:lvl1pPr algn="l">
-              <a:defRPr sz="4400" b="0" cap="none"/>
-            </a:lvl1pPr>
-          </a:lstStyle>
-          <a:p>
-            <a:r>
-              <a:rPr lang="da-DK"/>
-              <a:t>Klik for at redigere titeltypografien i masteren</a:t>
-            </a:r>
-            <a:endParaRPr lang="en-US" dirty="0"/>
-          </a:p>
-        </p:txBody>
-      </p:sp>
-      <p:sp>
-        <p:nvSpPr>
-          <p:cNvPr id="3" name="Text Placeholder 2"/>
-          <p:cNvSpPr>
-            <a:spLocks noGrp="1"/>
-          </p:cNvSpPr>
-          <p:nvPr>
-            <p:ph type="body" idx="1"/>
-          </p:nvPr>
-        </p:nvSpPr>
-        <p:spPr>
-          <a:xfrm>
-            <a:off x="677335" y="4527448"/>
-            <a:ext cx="8596668" cy="1513914"/>
-          </a:xfrm>
-        </p:spPr>
-        <p:txBody>
-          <a:bodyPr anchor="t">
-            <a:normAutofit/>
-          </a:bodyPr>
-          <a:lstStyle>
-            <a:lvl1pPr marL="0" indent="0" algn="l">
-              <a:buNone/>
-              <a:defRPr sz="1800">
-                <a:solidFill>
-                  <a:schemeClr val="tx1">
-                    <a:lumMod val="75000"/>
-                    <a:lumOff val="25000"/>
-                  </a:schemeClr>
-                </a:solidFill>
-              </a:defRPr>
-            </a:lvl1pPr>
-            <a:lvl2pPr marL="457200" indent="0">
-              <a:buNone/>
-              <a:defRPr sz="1800">
-                <a:solidFill>
-                  <a:schemeClr val="tx1">
-                    <a:tint val="75000"/>
-                  </a:schemeClr>
-                </a:solidFill>
-              </a:defRPr>
-            </a:lvl2pPr>
-            <a:lvl3pPr marL="914400" indent="0">
-              <a:buNone/>
-              <a:defRPr sz="1600">
-                <a:solidFill>
-                  <a:schemeClr val="tx1">
-                    <a:tint val="75000"/>
-                  </a:schemeClr>
-                </a:solidFill>
-              </a:defRPr>
-            </a:lvl3pPr>
-            <a:lvl4pPr marL="1371600" indent="0">
-              <a:buNone/>
-              <a:defRPr sz="1400">
-                <a:solidFill>
-                  <a:schemeClr val="tx1">
-                    <a:tint val="75000"/>
-                  </a:schemeClr>
-                </a:solidFill>
-              </a:defRPr>
-            </a:lvl4pPr>
-            <a:lvl5pPr marL="1828800" indent="0">
-              <a:buNone/>
-              <a:defRPr sz="1400">
-                <a:solidFill>
-                  <a:schemeClr val="tx1">
-                    <a:tint val="75000"/>
-                  </a:schemeClr>
-                </a:solidFill>
-              </a:defRPr>
-            </a:lvl5pPr>
-            <a:lvl6pPr marL="2286000" indent="0">
-              <a:buNone/>
-              <a:defRPr sz="1400">
-                <a:solidFill>
-                  <a:schemeClr val="tx1">
-                    <a:tint val="75000"/>
-                  </a:schemeClr>
-                </a:solidFill>
-              </a:defRPr>
-            </a:lvl6pPr>
-            <a:lvl7pPr marL="2743200" indent="0">
-              <a:buNone/>
-              <a:defRPr sz="1400">
-                <a:solidFill>
-                  <a:schemeClr val="tx1">
-                    <a:tint val="75000"/>
-                  </a:schemeClr>
-                </a:solidFill>
-              </a:defRPr>
-            </a:lvl7pPr>
-            <a:lvl8pPr marL="3200400" indent="0">
-              <a:buNone/>
-              <a:defRPr sz="1400">
-                <a:solidFill>
-                  <a:schemeClr val="tx1">
-                    <a:tint val="75000"/>
-                  </a:schemeClr>
-                </a:solidFill>
-              </a:defRPr>
-            </a:lvl8pPr>
-            <a:lvl9pPr marL="3657600" indent="0">
-              <a:buNone/>
-              <a:defRPr sz="1400">
-                <a:solidFill>
-                  <a:schemeClr val="tx1">
-                    <a:tint val="75000"/>
-                  </a:schemeClr>
-                </a:solidFill>
-              </a:defRPr>
-            </a:lvl9pPr>
-          </a:lstStyle>
-          <a:p>
-            <a:pPr lvl="0"/>
-            <a:r>
-              <a:rPr lang="da-DK"/>
-              <a:t>Rediger teksttypografien i masteren
-Andet niveau
-Tredje niveau
-Fjerde niveau
-Femte niveau</a:t>
-            </a:r>
-            <a:endParaRPr lang="en-US" dirty="0"/>
-          </a:p>
-        </p:txBody>
-      </p:sp>
-      <p:sp>
-        <p:nvSpPr>
-          <p:cNvPr id="4" name="Date Placeholder 3"/>
-          <p:cNvSpPr>
-            <a:spLocks noGrp="1"/>
-          </p:cNvSpPr>
-          <p:nvPr>
-            <p:ph type="dt" sz="half" idx="10"/>
-          </p:nvPr>
-        </p:nvSpPr>
-        <p:spPr/>
-        <p:txBody>
-          <a:bodyPr/>
-          <a:lstStyle/>
-          <a:p>
-            <a:fld id="{4C52EC6D-AFBA-4F6F-A64F-BA455C0AB0BC}" type="datetimeFigureOut">
-              <a:rPr lang="da-DK" smtClean="0"/>
-              <a:t>12/01/2019</a:t>
-            </a:fld>
-            <a:endParaRPr lang="da-DK"/>
-          </a:p>
-        </p:txBody>
-      </p:sp>
-      <p:sp>
-        <p:nvSpPr>
-          <p:cNvPr id="5" name="Footer Placeholder 4"/>
-          <p:cNvSpPr>
-            <a:spLocks noGrp="1"/>
-          </p:cNvSpPr>
-          <p:nvPr>
-            <p:ph type="ftr" sz="quarter" idx="11"/>
-          </p:nvPr>
-        </p:nvSpPr>
-        <p:spPr/>
-        <p:txBody>
-          <a:bodyPr/>
-          <a:lstStyle/>
-          <a:p>
-            <a:endParaRPr lang="da-DK"/>
-          </a:p>
-        </p:txBody>
-      </p:sp>
-      <p:sp>
-        <p:nvSpPr>
-          <p:cNvPr id="6" name="Slide Number Placeholder 5"/>
-          <p:cNvSpPr>
-            <a:spLocks noGrp="1"/>
-          </p:cNvSpPr>
-          <p:nvPr>
-            <p:ph type="sldNum" sz="quarter" idx="12"/>
-          </p:nvPr>
-        </p:nvSpPr>
-        <p:spPr/>
-        <p:txBody>
-          <a:bodyPr/>
-          <a:lstStyle/>
-          <a:p>
-            <a:fld id="{2E8327EC-32D6-48CC-AD7E-02BA4A0C4B80}" type="slidenum">
-              <a:rPr lang="da-DK" smtClean="0"/>
-              <a:t>‹nr.›</a:t>
-            </a:fld>
-            <a:endParaRPr lang="da-DK"/>
-          </a:p>
-        </p:txBody>
-      </p:sp>
-    </p:spTree>
-    <p:extLst>
-      <p:ext uri="{BB962C8B-B14F-4D97-AF65-F5344CB8AC3E}">
-        <p14:creationId xmlns:p14="http://schemas.microsoft.com/office/powerpoint/2010/main" val="1419974729"/>
-      </p:ext>
-    </p:extLst>
-  </p:cSld>
-  <p:clrMapOvr>
-    <a:masterClrMapping/>
-  </p:clrMapOvr>
-</p:sldLayout>
-</file>
-
-<file path=ppt/slideLayouts/slideLayout13.xml><?xml version="1.0" encoding="utf-8"?>
-<p:sldLayout xmlns:a="http://schemas.openxmlformats.org/drawingml/2006/main" xmlns:r="http://schemas.openxmlformats.org/officeDocument/2006/relationships" xmlns:p="http://schemas.openxmlformats.org/presentationml/2006/main" preserve="1">
-  <p:cSld name="Kort med citat og navn">
-    <p:spTree>
-      <p:nvGrpSpPr>
-        <p:cNvPr id="1" name=""/>
-        <p:cNvGrpSpPr/>
-        <p:nvPr/>
-      </p:nvGrpSpPr>
-      <p:grpSpPr>
-        <a:xfrm>
-          <a:off x="0" y="0"/>
-          <a:ext cx="0" cy="0"/>
-          <a:chOff x="0" y="0"/>
-          <a:chExt cx="0" cy="0"/>
-        </a:xfrm>
-      </p:grpSpPr>
-      <p:sp>
-        <p:nvSpPr>
-          <p:cNvPr id="2" name="Title 1"/>
-          <p:cNvSpPr>
-            <a:spLocks noGrp="1"/>
-          </p:cNvSpPr>
-          <p:nvPr>
-            <p:ph type="title"/>
-          </p:nvPr>
-        </p:nvSpPr>
-        <p:spPr>
-          <a:xfrm>
-            <a:off x="931334" y="609600"/>
-            <a:ext cx="8094134" cy="3022600"/>
-          </a:xfrm>
-        </p:spPr>
-        <p:txBody>
-          <a:bodyPr anchor="ctr">
-            <a:normAutofit/>
-          </a:bodyPr>
-          <a:lstStyle>
-            <a:lvl1pPr algn="l">
-              <a:defRPr sz="4400" b="0" cap="none"/>
-            </a:lvl1pPr>
-          </a:lstStyle>
-          <a:p>
-            <a:r>
-              <a:rPr lang="da-DK"/>
-              <a:t>Klik for at redigere titeltypografien i masteren</a:t>
-            </a:r>
-            <a:endParaRPr lang="en-US" dirty="0"/>
-          </a:p>
-        </p:txBody>
-      </p:sp>
-      <p:sp>
-        <p:nvSpPr>
-          <p:cNvPr id="23" name="Text Placeholder 9"/>
-          <p:cNvSpPr>
-            <a:spLocks noGrp="1"/>
-          </p:cNvSpPr>
-          <p:nvPr>
-            <p:ph type="body" sz="quarter" idx="13"/>
-          </p:nvPr>
-        </p:nvSpPr>
-        <p:spPr>
-          <a:xfrm>
-            <a:off x="677332" y="4013200"/>
-            <a:ext cx="8596669" cy="514248"/>
-          </a:xfrm>
-        </p:spPr>
-        <p:txBody>
-          <a:bodyPr anchor="b">
-            <a:noAutofit/>
-          </a:bodyPr>
-          <a:lstStyle>
-            <a:lvl1pPr marL="0" indent="0">
-              <a:buFontTx/>
-              <a:buNone/>
-              <a:defRPr sz="2400">
-                <a:solidFill>
-                  <a:schemeClr val="tx1">
-                    <a:lumMod val="75000"/>
-                    <a:lumOff val="25000"/>
-                  </a:schemeClr>
-                </a:solidFill>
-              </a:defRPr>
-            </a:lvl1pPr>
-            <a:lvl2pPr marL="457200" indent="0">
-              <a:buFontTx/>
-              <a:buNone/>
-              <a:defRPr/>
-            </a:lvl2pPr>
-            <a:lvl3pPr marL="914400" indent="0">
-              <a:buFontTx/>
-              <a:buNone/>
-              <a:defRPr/>
-            </a:lvl3pPr>
-            <a:lvl4pPr marL="1371600" indent="0">
-              <a:buFontTx/>
-              <a:buNone/>
-              <a:defRPr/>
-            </a:lvl4pPr>
-            <a:lvl5pPr marL="1828800" indent="0">
-              <a:buFontTx/>
-              <a:buNone/>
-              <a:defRPr/>
-            </a:lvl5pPr>
-          </a:lstStyle>
-          <a:p>
-            <a:pPr lvl="0"/>
-            <a:r>
-              <a:rPr lang="da-DK"/>
-              <a:t>Rediger teksttypografien i masteren
-Andet niveau
-Tredje niveau
-Fjerde niveau
-Femte niveau</a:t>
-            </a:r>
-            <a:endParaRPr lang="en-US" dirty="0"/>
-          </a:p>
-        </p:txBody>
-      </p:sp>
-      <p:sp>
-        <p:nvSpPr>
-          <p:cNvPr id="3" name="Text Placeholder 2"/>
-          <p:cNvSpPr>
-            <a:spLocks noGrp="1"/>
-          </p:cNvSpPr>
-          <p:nvPr>
-            <p:ph type="body" idx="1"/>
-          </p:nvPr>
-        </p:nvSpPr>
-        <p:spPr>
-          <a:xfrm>
-            <a:off x="677335" y="4527448"/>
-            <a:ext cx="8596668" cy="1513914"/>
-          </a:xfrm>
-        </p:spPr>
-        <p:txBody>
-          <a:bodyPr anchor="t">
-            <a:normAutofit/>
-          </a:bodyPr>
-          <a:lstStyle>
-            <a:lvl1pPr marL="0" indent="0" algn="l">
-              <a:buNone/>
-              <a:defRPr sz="1800">
-                <a:solidFill>
-                  <a:schemeClr val="tx1">
-                    <a:lumMod val="50000"/>
-                    <a:lumOff val="50000"/>
-                  </a:schemeClr>
-                </a:solidFill>
-              </a:defRPr>
-            </a:lvl1pPr>
-            <a:lvl2pPr marL="457200" indent="0">
-              <a:buNone/>
-              <a:defRPr sz="1800">
-                <a:solidFill>
-                  <a:schemeClr val="tx1">
-                    <a:tint val="75000"/>
-                  </a:schemeClr>
-                </a:solidFill>
-              </a:defRPr>
-            </a:lvl2pPr>
-            <a:lvl3pPr marL="914400" indent="0">
-              <a:buNone/>
-              <a:defRPr sz="1600">
-                <a:solidFill>
-                  <a:schemeClr val="tx1">
-                    <a:tint val="75000"/>
-                  </a:schemeClr>
-                </a:solidFill>
-              </a:defRPr>
-            </a:lvl3pPr>
-            <a:lvl4pPr marL="1371600" indent="0">
-              <a:buNone/>
-              <a:defRPr sz="1400">
-                <a:solidFill>
-                  <a:schemeClr val="tx1">
-                    <a:tint val="75000"/>
-                  </a:schemeClr>
-                </a:solidFill>
-              </a:defRPr>
-            </a:lvl4pPr>
-            <a:lvl5pPr marL="1828800" indent="0">
-              <a:buNone/>
-              <a:defRPr sz="1400">
-                <a:solidFill>
-                  <a:schemeClr val="tx1">
-                    <a:tint val="75000"/>
-                  </a:schemeClr>
-                </a:solidFill>
-              </a:defRPr>
-            </a:lvl5pPr>
-            <a:lvl6pPr marL="2286000" indent="0">
-              <a:buNone/>
-              <a:defRPr sz="1400">
-                <a:solidFill>
-                  <a:schemeClr val="tx1">
-                    <a:tint val="75000"/>
-                  </a:schemeClr>
-                </a:solidFill>
-              </a:defRPr>
-            </a:lvl6pPr>
-            <a:lvl7pPr marL="2743200" indent="0">
-              <a:buNone/>
-              <a:defRPr sz="1400">
-                <a:solidFill>
-                  <a:schemeClr val="tx1">
-                    <a:tint val="75000"/>
-                  </a:schemeClr>
-                </a:solidFill>
-              </a:defRPr>
-            </a:lvl7pPr>
-            <a:lvl8pPr marL="3200400" indent="0">
-              <a:buNone/>
-              <a:defRPr sz="1400">
-                <a:solidFill>
-                  <a:schemeClr val="tx1">
-                    <a:tint val="75000"/>
-                  </a:schemeClr>
-                </a:solidFill>
-              </a:defRPr>
-            </a:lvl8pPr>
-            <a:lvl9pPr marL="3657600" indent="0">
-              <a:buNone/>
-              <a:defRPr sz="1400">
-                <a:solidFill>
-                  <a:schemeClr val="tx1">
-                    <a:tint val="75000"/>
-                  </a:schemeClr>
-                </a:solidFill>
-              </a:defRPr>
-            </a:lvl9pPr>
-          </a:lstStyle>
-          <a:p>
-            <a:pPr lvl="0"/>
-            <a:r>
-              <a:rPr lang="da-DK"/>
-              <a:t>Rediger teksttypografien i masteren
-Andet niveau
-Tredje niveau
-Fjerde niveau
-Femte niveau</a:t>
-            </a:r>
-            <a:endParaRPr lang="en-US" dirty="0"/>
-          </a:p>
-        </p:txBody>
-      </p:sp>
-      <p:sp>
-        <p:nvSpPr>
-          <p:cNvPr id="4" name="Date Placeholder 3"/>
-          <p:cNvSpPr>
-            <a:spLocks noGrp="1"/>
-          </p:cNvSpPr>
-          <p:nvPr>
-            <p:ph type="dt" sz="half" idx="10"/>
-          </p:nvPr>
-        </p:nvSpPr>
-        <p:spPr/>
-        <p:txBody>
-          <a:bodyPr/>
-          <a:lstStyle/>
-          <a:p>
-            <a:fld id="{4C52EC6D-AFBA-4F6F-A64F-BA455C0AB0BC}" type="datetimeFigureOut">
-              <a:rPr lang="da-DK" smtClean="0"/>
-              <a:t>12/01/2019</a:t>
-            </a:fld>
-            <a:endParaRPr lang="da-DK"/>
-          </a:p>
-        </p:txBody>
-      </p:sp>
-      <p:sp>
-        <p:nvSpPr>
-          <p:cNvPr id="5" name="Footer Placeholder 4"/>
-          <p:cNvSpPr>
-            <a:spLocks noGrp="1"/>
-          </p:cNvSpPr>
-          <p:nvPr>
-            <p:ph type="ftr" sz="quarter" idx="11"/>
-          </p:nvPr>
-        </p:nvSpPr>
-        <p:spPr/>
-        <p:txBody>
-          <a:bodyPr/>
-          <a:lstStyle/>
-          <a:p>
-            <a:endParaRPr lang="da-DK"/>
-          </a:p>
-        </p:txBody>
-      </p:sp>
-      <p:sp>
-        <p:nvSpPr>
-          <p:cNvPr id="6" name="Slide Number Placeholder 5"/>
-          <p:cNvSpPr>
-            <a:spLocks noGrp="1"/>
-          </p:cNvSpPr>
-          <p:nvPr>
-            <p:ph type="sldNum" sz="quarter" idx="12"/>
-          </p:nvPr>
-        </p:nvSpPr>
-        <p:spPr/>
-        <p:txBody>
-          <a:bodyPr/>
-          <a:lstStyle/>
-          <a:p>
-            <a:fld id="{2E8327EC-32D6-48CC-AD7E-02BA4A0C4B80}" type="slidenum">
-              <a:rPr lang="da-DK" smtClean="0"/>
-              <a:t>‹nr.›</a:t>
-            </a:fld>
-            <a:endParaRPr lang="da-DK"/>
-          </a:p>
-        </p:txBody>
-      </p:sp>
-      <p:sp>
-        <p:nvSpPr>
-          <p:cNvPr id="24" name="TextBox 23"/>
-          <p:cNvSpPr txBox="1"/>
-          <p:nvPr/>
-        </p:nvSpPr>
-        <p:spPr>
-          <a:xfrm>
-            <a:off x="541870" y="790378"/>
-            <a:ext cx="609600" cy="584776"/>
-          </a:xfrm>
-          <a:prstGeom prst="rect">
-            <a:avLst/>
-          </a:prstGeom>
-        </p:spPr>
-        <p:txBody>
-          <a:bodyPr vert="horz" lIns="91440" tIns="45720" rIns="91440" bIns="45720" rtlCol="0" anchor="ctr">
-            <a:noAutofit/>
-          </a:bodyPr>
-          <a:lstStyle/>
-          <a:p>
-            <a:pPr lvl="0"/>
-            <a:r>
-              <a:rPr lang="en-US" sz="8000" baseline="0" dirty="0">
-                <a:ln w="3175" cmpd="sng">
-                  <a:noFill/>
-                </a:ln>
-                <a:solidFill>
-                  <a:schemeClr val="accent1">
-                    <a:lumMod val="60000"/>
-                    <a:lumOff val="40000"/>
-                  </a:schemeClr>
-                </a:solidFill>
-                <a:effectLst/>
-                <a:latin typeface="Arial"/>
-              </a:rPr>
-              <a:t>“</a:t>
-            </a:r>
-          </a:p>
-        </p:txBody>
-      </p:sp>
-      <p:sp>
-        <p:nvSpPr>
-          <p:cNvPr id="25" name="TextBox 24"/>
-          <p:cNvSpPr txBox="1"/>
-          <p:nvPr/>
-        </p:nvSpPr>
-        <p:spPr>
-          <a:xfrm>
-            <a:off x="8893011" y="2886556"/>
-            <a:ext cx="609600" cy="584776"/>
-          </a:xfrm>
-          <a:prstGeom prst="rect">
-            <a:avLst/>
-          </a:prstGeom>
-        </p:spPr>
-        <p:txBody>
-          <a:bodyPr vert="horz" lIns="91440" tIns="45720" rIns="91440" bIns="45720" rtlCol="0" anchor="ctr">
-            <a:noAutofit/>
-          </a:bodyPr>
-          <a:lstStyle/>
-          <a:p>
-            <a:pPr lvl="0"/>
-            <a:r>
-              <a:rPr lang="en-US" sz="8000" baseline="0" dirty="0">
-                <a:ln w="3175" cmpd="sng">
-                  <a:noFill/>
-                </a:ln>
-                <a:solidFill>
-                  <a:schemeClr val="accent1">
-                    <a:lumMod val="60000"/>
-                    <a:lumOff val="40000"/>
-                  </a:schemeClr>
-                </a:solidFill>
-                <a:effectLst/>
-                <a:latin typeface="Arial"/>
-              </a:rPr>
-              <a:t>”</a:t>
-            </a:r>
-          </a:p>
-        </p:txBody>
-      </p:sp>
-    </p:spTree>
-    <p:extLst>
-      <p:ext uri="{BB962C8B-B14F-4D97-AF65-F5344CB8AC3E}">
-        <p14:creationId xmlns:p14="http://schemas.microsoft.com/office/powerpoint/2010/main" val="2222949036"/>
-      </p:ext>
-    </p:extLst>
-  </p:cSld>
-  <p:clrMapOvr>
-    <a:masterClrMapping/>
-  </p:clrMapOvr>
-</p:sldLayout>
-</file>
-
-<file path=ppt/slideLayouts/slideLayout14.xml><?xml version="1.0" encoding="utf-8"?>
-<p:sldLayout xmlns:a="http://schemas.openxmlformats.org/drawingml/2006/main" xmlns:r="http://schemas.openxmlformats.org/officeDocument/2006/relationships" xmlns:p="http://schemas.openxmlformats.org/presentationml/2006/main" preserve="1">
-  <p:cSld name="Sandt eller falsk">
-    <p:spTree>
-      <p:nvGrpSpPr>
-        <p:cNvPr id="1" name=""/>
-        <p:cNvGrpSpPr/>
-        <p:nvPr/>
-      </p:nvGrpSpPr>
-      <p:grpSpPr>
-        <a:xfrm>
-          <a:off x="0" y="0"/>
-          <a:ext cx="0" cy="0"/>
-          <a:chOff x="0" y="0"/>
-          <a:chExt cx="0" cy="0"/>
-        </a:xfrm>
-      </p:grpSpPr>
-      <p:sp>
-        <p:nvSpPr>
-          <p:cNvPr id="2" name="Title 1"/>
-          <p:cNvSpPr>
-            <a:spLocks noGrp="1"/>
-          </p:cNvSpPr>
-          <p:nvPr>
-            <p:ph type="title"/>
-          </p:nvPr>
-        </p:nvSpPr>
-        <p:spPr>
-          <a:xfrm>
-            <a:off x="685799" y="609600"/>
-            <a:ext cx="8588203" cy="3022600"/>
-          </a:xfrm>
-        </p:spPr>
-        <p:txBody>
-          <a:bodyPr anchor="ctr">
-            <a:normAutofit/>
-          </a:bodyPr>
-          <a:lstStyle>
-            <a:lvl1pPr algn="l">
-              <a:defRPr sz="4400" b="0" cap="none"/>
-            </a:lvl1pPr>
-          </a:lstStyle>
-          <a:p>
-            <a:r>
-              <a:rPr lang="da-DK"/>
-              <a:t>Klik for at redigere titeltypografien i masteren</a:t>
-            </a:r>
-            <a:endParaRPr lang="en-US" dirty="0"/>
-          </a:p>
-        </p:txBody>
-      </p:sp>
-      <p:sp>
-        <p:nvSpPr>
-          <p:cNvPr id="23" name="Text Placeholder 9"/>
-          <p:cNvSpPr>
-            <a:spLocks noGrp="1"/>
-          </p:cNvSpPr>
-          <p:nvPr>
-            <p:ph type="body" sz="quarter" idx="13"/>
-          </p:nvPr>
-        </p:nvSpPr>
-        <p:spPr>
-          <a:xfrm>
-            <a:off x="677332" y="4013200"/>
-            <a:ext cx="8596669" cy="514248"/>
-          </a:xfrm>
-        </p:spPr>
-        <p:txBody>
-          <a:bodyPr anchor="b">
-            <a:noAutofit/>
-          </a:bodyPr>
-          <a:lstStyle>
-            <a:lvl1pPr marL="0" indent="0">
-              <a:buFontTx/>
-              <a:buNone/>
-              <a:defRPr sz="2400">
-                <a:solidFill>
-                  <a:schemeClr val="accent1"/>
-                </a:solidFill>
-              </a:defRPr>
-            </a:lvl1pPr>
-            <a:lvl2pPr marL="457200" indent="0">
-              <a:buFontTx/>
-              <a:buNone/>
-              <a:defRPr/>
-            </a:lvl2pPr>
-            <a:lvl3pPr marL="914400" indent="0">
-              <a:buFontTx/>
-              <a:buNone/>
-              <a:defRPr/>
-            </a:lvl3pPr>
-            <a:lvl4pPr marL="1371600" indent="0">
-              <a:buFontTx/>
-              <a:buNone/>
-              <a:defRPr/>
-            </a:lvl4pPr>
-            <a:lvl5pPr marL="1828800" indent="0">
-              <a:buFontTx/>
-              <a:buNone/>
-              <a:defRPr/>
-            </a:lvl5pPr>
-          </a:lstStyle>
-          <a:p>
-            <a:pPr lvl="0"/>
-            <a:r>
-              <a:rPr lang="da-DK"/>
-              <a:t>Rediger teksttypografien i masteren
-Andet niveau
-Tredje niveau
-Fjerde niveau
-Femte niveau</a:t>
-            </a:r>
-            <a:endParaRPr lang="en-US" dirty="0"/>
-          </a:p>
-        </p:txBody>
-      </p:sp>
-      <p:sp>
-        <p:nvSpPr>
-          <p:cNvPr id="3" name="Text Placeholder 2"/>
-          <p:cNvSpPr>
-            <a:spLocks noGrp="1"/>
-          </p:cNvSpPr>
-          <p:nvPr>
-            <p:ph type="body" idx="1"/>
-          </p:nvPr>
-        </p:nvSpPr>
-        <p:spPr>
-          <a:xfrm>
-            <a:off x="677335" y="4527448"/>
-            <a:ext cx="8596668" cy="1513914"/>
-          </a:xfrm>
-        </p:spPr>
-        <p:txBody>
-          <a:bodyPr anchor="t">
-            <a:normAutofit/>
-          </a:bodyPr>
-          <a:lstStyle>
-            <a:lvl1pPr marL="0" indent="0" algn="l">
-              <a:buNone/>
-              <a:defRPr sz="1800">
-                <a:solidFill>
-                  <a:schemeClr val="tx1">
-                    <a:lumMod val="50000"/>
-                    <a:lumOff val="50000"/>
-                  </a:schemeClr>
-                </a:solidFill>
-              </a:defRPr>
-            </a:lvl1pPr>
-            <a:lvl2pPr marL="457200" indent="0">
-              <a:buNone/>
-              <a:defRPr sz="1800">
-                <a:solidFill>
-                  <a:schemeClr val="tx1">
-                    <a:tint val="75000"/>
-                  </a:schemeClr>
-                </a:solidFill>
-              </a:defRPr>
-            </a:lvl2pPr>
-            <a:lvl3pPr marL="914400" indent="0">
-              <a:buNone/>
-              <a:defRPr sz="1600">
-                <a:solidFill>
-                  <a:schemeClr val="tx1">
-                    <a:tint val="75000"/>
-                  </a:schemeClr>
-                </a:solidFill>
-              </a:defRPr>
-            </a:lvl3pPr>
-            <a:lvl4pPr marL="1371600" indent="0">
-              <a:buNone/>
-              <a:defRPr sz="1400">
-                <a:solidFill>
-                  <a:schemeClr val="tx1">
-                    <a:tint val="75000"/>
-                  </a:schemeClr>
-                </a:solidFill>
-              </a:defRPr>
-            </a:lvl4pPr>
-            <a:lvl5pPr marL="1828800" indent="0">
-              <a:buNone/>
-              <a:defRPr sz="1400">
-                <a:solidFill>
-                  <a:schemeClr val="tx1">
-                    <a:tint val="75000"/>
-                  </a:schemeClr>
-                </a:solidFill>
-              </a:defRPr>
-            </a:lvl5pPr>
-            <a:lvl6pPr marL="2286000" indent="0">
-              <a:buNone/>
-              <a:defRPr sz="1400">
-                <a:solidFill>
-                  <a:schemeClr val="tx1">
-                    <a:tint val="75000"/>
-                  </a:schemeClr>
-                </a:solidFill>
-              </a:defRPr>
-            </a:lvl6pPr>
-            <a:lvl7pPr marL="2743200" indent="0">
-              <a:buNone/>
-              <a:defRPr sz="1400">
-                <a:solidFill>
-                  <a:schemeClr val="tx1">
-                    <a:tint val="75000"/>
-                  </a:schemeClr>
-                </a:solidFill>
-              </a:defRPr>
-            </a:lvl7pPr>
-            <a:lvl8pPr marL="3200400" indent="0">
-              <a:buNone/>
-              <a:defRPr sz="1400">
-                <a:solidFill>
-                  <a:schemeClr val="tx1">
-                    <a:tint val="75000"/>
-                  </a:schemeClr>
-                </a:solidFill>
-              </a:defRPr>
-            </a:lvl8pPr>
-            <a:lvl9pPr marL="3657600" indent="0">
-              <a:buNone/>
-              <a:defRPr sz="1400">
-                <a:solidFill>
-                  <a:schemeClr val="tx1">
-                    <a:tint val="75000"/>
-                  </a:schemeClr>
-                </a:solidFill>
-              </a:defRPr>
-            </a:lvl9pPr>
-          </a:lstStyle>
-          <a:p>
-            <a:pPr lvl="0"/>
-            <a:r>
-              <a:rPr lang="da-DK"/>
-              <a:t>Rediger teksttypografien i masteren
-Andet niveau
-Tredje niveau
-Fjerde niveau
-Femte niveau</a:t>
-            </a:r>
-            <a:endParaRPr lang="en-US" dirty="0"/>
-          </a:p>
-        </p:txBody>
-      </p:sp>
-      <p:sp>
-        <p:nvSpPr>
-          <p:cNvPr id="4" name="Date Placeholder 3"/>
-          <p:cNvSpPr>
-            <a:spLocks noGrp="1"/>
-          </p:cNvSpPr>
-          <p:nvPr>
-            <p:ph type="dt" sz="half" idx="10"/>
-          </p:nvPr>
-        </p:nvSpPr>
-        <p:spPr/>
-        <p:txBody>
-          <a:bodyPr/>
-          <a:lstStyle/>
-          <a:p>
-            <a:fld id="{4C52EC6D-AFBA-4F6F-A64F-BA455C0AB0BC}" type="datetimeFigureOut">
-              <a:rPr lang="da-DK" smtClean="0"/>
-              <a:t>12/01/2019</a:t>
-            </a:fld>
-            <a:endParaRPr lang="da-DK"/>
-          </a:p>
-        </p:txBody>
-      </p:sp>
-      <p:sp>
-        <p:nvSpPr>
-          <p:cNvPr id="5" name="Footer Placeholder 4"/>
-          <p:cNvSpPr>
-            <a:spLocks noGrp="1"/>
-          </p:cNvSpPr>
-          <p:nvPr>
-            <p:ph type="ftr" sz="quarter" idx="11"/>
-          </p:nvPr>
-        </p:nvSpPr>
-        <p:spPr/>
-        <p:txBody>
-          <a:bodyPr/>
-          <a:lstStyle/>
-          <a:p>
-            <a:endParaRPr lang="da-DK"/>
-          </a:p>
-        </p:txBody>
-      </p:sp>
-      <p:sp>
-        <p:nvSpPr>
-          <p:cNvPr id="6" name="Slide Number Placeholder 5"/>
-          <p:cNvSpPr>
-            <a:spLocks noGrp="1"/>
-          </p:cNvSpPr>
-          <p:nvPr>
-            <p:ph type="sldNum" sz="quarter" idx="12"/>
-          </p:nvPr>
-        </p:nvSpPr>
-        <p:spPr/>
-        <p:txBody>
-          <a:bodyPr/>
-          <a:lstStyle/>
-          <a:p>
-            <a:fld id="{2E8327EC-32D6-48CC-AD7E-02BA4A0C4B80}" type="slidenum">
-              <a:rPr lang="da-DK" smtClean="0"/>
-              <a:t>‹nr.›</a:t>
-            </a:fld>
-            <a:endParaRPr lang="da-DK"/>
-          </a:p>
-        </p:txBody>
-      </p:sp>
-    </p:spTree>
-    <p:extLst>
-      <p:ext uri="{BB962C8B-B14F-4D97-AF65-F5344CB8AC3E}">
-        <p14:creationId xmlns:p14="http://schemas.microsoft.com/office/powerpoint/2010/main" val="498003898"/>
-      </p:ext>
-    </p:extLst>
-  </p:cSld>
-  <p:clrMapOvr>
-    <a:masterClrMapping/>
-  </p:clrMapOvr>
-</p:sldLayout>
-</file>
-
-<file path=ppt/slideLayouts/slideLayout15.xml><?xml version="1.0" encoding="utf-8"?>
 <p:sldLayout xmlns:a="http://schemas.openxmlformats.org/drawingml/2006/main" xmlns:r="http://schemas.openxmlformats.org/officeDocument/2006/relationships" xmlns:p="http://schemas.openxmlformats.org/presentationml/2006/main" type="vertTx" preserve="1">
   <p:cSld name="Titel og lodret tekst">
     <p:spTree>
@@ -3211,11 +1083,35 @@
             <a:pPr lvl="0"/>
             <a:r>
               <a:rPr lang="da-DK"/>
-              <a:t>Rediger teksttypografien i masteren
-Andet niveau
-Tredje niveau
-Fjerde niveau
-Femte niveau</a:t>
+              <a:t>Rediger teksttypografien i masteren</a:t>
+            </a:r>
+          </a:p>
+          <a:p>
+            <a:pPr lvl="1"/>
+            <a:r>
+              <a:rPr lang="da-DK"/>
+              <a:t>Andet niveau</a:t>
+            </a:r>
+          </a:p>
+          <a:p>
+            <a:pPr lvl="2"/>
+            <a:r>
+              <a:rPr lang="da-DK"/>
+              <a:t>Tredje niveau</a:t>
+            </a:r>
+          </a:p>
+          <a:p>
+            <a:pPr lvl="3"/>
+            <a:r>
+              <a:rPr lang="da-DK"/>
+              <a:t>Fjerde niveau</a:t>
+            </a:r>
+          </a:p>
+          <a:p>
+            <a:pPr lvl="4"/>
+            <a:r>
+              <a:rPr lang="da-DK"/>
+              <a:t>Femte niveau</a:t>
             </a:r>
             <a:endParaRPr lang="en-US" dirty="0"/>
           </a:p>
@@ -3238,7 +1134,7 @@
           <a:p>
             <a:fld id="{4C52EC6D-AFBA-4F6F-A64F-BA455C0AB0BC}" type="datetimeFigureOut">
               <a:rPr lang="da-DK" smtClean="0"/>
-              <a:t>12/01/2019</a:t>
+              <a:t>13-01-2019</a:t>
             </a:fld>
             <a:endParaRPr lang="da-DK"/>
           </a:p>
@@ -3289,7 +1185,7 @@
     </p:spTree>
     <p:extLst>
       <p:ext uri="{BB962C8B-B14F-4D97-AF65-F5344CB8AC3E}">
-        <p14:creationId xmlns:p14="http://schemas.microsoft.com/office/powerpoint/2010/main" val="3780396722"/>
+        <p14:creationId xmlns:p14="http://schemas.microsoft.com/office/powerpoint/2010/main" val="905021278"/>
       </p:ext>
     </p:extLst>
   </p:cSld>
@@ -3299,7 +1195,7 @@
 </p:sldLayout>
 </file>
 
-<file path=ppt/slideLayouts/slideLayout16.xml><?xml version="1.0" encoding="utf-8"?>
+<file path=ppt/slideLayouts/slideLayout11.xml><?xml version="1.0" encoding="utf-8"?>
 <p:sldLayout xmlns:a="http://schemas.openxmlformats.org/drawingml/2006/main" xmlns:r="http://schemas.openxmlformats.org/officeDocument/2006/relationships" xmlns:p="http://schemas.openxmlformats.org/presentationml/2006/main" type="vertTitleAndTx" preserve="1">
   <p:cSld name="Lodret titel og tekst">
     <p:spTree>
@@ -3328,12 +1224,12 @@
         </p:nvSpPr>
         <p:spPr>
           <a:xfrm>
-            <a:off x="7967673" y="609599"/>
-            <a:ext cx="1304743" cy="5251451"/>
+            <a:off x="8724900" y="762000"/>
+            <a:ext cx="2324100" cy="5410200"/>
           </a:xfrm>
         </p:spPr>
         <p:txBody>
-          <a:bodyPr vert="eaVert" anchor="ctr"/>
+          <a:bodyPr vert="eaVert"/>
           <a:lstStyle/>
           <a:p>
             <a:r>
@@ -3356,8 +1252,8 @@
         </p:nvSpPr>
         <p:spPr>
           <a:xfrm>
-            <a:off x="677335" y="609600"/>
-            <a:ext cx="7060150" cy="5251450"/>
+            <a:off x="1143000" y="762000"/>
+            <a:ext cx="7429500" cy="5410200"/>
           </a:xfrm>
         </p:spPr>
         <p:txBody>
@@ -3367,11 +1263,35 @@
             <a:pPr lvl="0"/>
             <a:r>
               <a:rPr lang="da-DK"/>
-              <a:t>Rediger teksttypografien i masteren
-Andet niveau
-Tredje niveau
-Fjerde niveau
-Femte niveau</a:t>
+              <a:t>Rediger teksttypografien i masteren</a:t>
+            </a:r>
+          </a:p>
+          <a:p>
+            <a:pPr lvl="1"/>
+            <a:r>
+              <a:rPr lang="da-DK"/>
+              <a:t>Andet niveau</a:t>
+            </a:r>
+          </a:p>
+          <a:p>
+            <a:pPr lvl="2"/>
+            <a:r>
+              <a:rPr lang="da-DK"/>
+              <a:t>Tredje niveau</a:t>
+            </a:r>
+          </a:p>
+          <a:p>
+            <a:pPr lvl="3"/>
+            <a:r>
+              <a:rPr lang="da-DK"/>
+              <a:t>Fjerde niveau</a:t>
+            </a:r>
+          </a:p>
+          <a:p>
+            <a:pPr lvl="4"/>
+            <a:r>
+              <a:rPr lang="da-DK"/>
+              <a:t>Femte niveau</a:t>
             </a:r>
             <a:endParaRPr lang="en-US" dirty="0"/>
           </a:p>
@@ -3394,7 +1314,7 @@
           <a:p>
             <a:fld id="{4C52EC6D-AFBA-4F6F-A64F-BA455C0AB0BC}" type="datetimeFigureOut">
               <a:rPr lang="da-DK" smtClean="0"/>
-              <a:t>12/01/2019</a:t>
+              <a:t>13-01-2019</a:t>
             </a:fld>
             <a:endParaRPr lang="da-DK"/>
           </a:p>
@@ -3445,7 +1365,7 @@
     </p:spTree>
     <p:extLst>
       <p:ext uri="{BB962C8B-B14F-4D97-AF65-F5344CB8AC3E}">
-        <p14:creationId xmlns:p14="http://schemas.microsoft.com/office/powerpoint/2010/main" val="1223451540"/>
+        <p14:creationId xmlns:p14="http://schemas.microsoft.com/office/powerpoint/2010/main" val="570037503"/>
       </p:ext>
     </p:extLst>
   </p:cSld>
@@ -3484,14 +1404,8 @@
         </p:nvSpPr>
         <p:spPr/>
         <p:txBody>
-          <a:bodyPr>
-            <a:normAutofit/>
-          </a:bodyPr>
-          <a:lstStyle>
-            <a:lvl1pPr>
-              <a:defRPr sz="3600"/>
-            </a:lvl1pPr>
-          </a:lstStyle>
+          <a:bodyPr/>
+          <a:lstStyle/>
           <a:p>
             <a:r>
               <a:rPr lang="da-DK"/>
@@ -3519,11 +1433,35 @@
             <a:pPr lvl="0"/>
             <a:r>
               <a:rPr lang="da-DK"/>
-              <a:t>Rediger teksttypografien i masteren
-Andet niveau
-Tredje niveau
-Fjerde niveau
-Femte niveau</a:t>
+              <a:t>Rediger teksttypografien i masteren</a:t>
+            </a:r>
+          </a:p>
+          <a:p>
+            <a:pPr lvl="1"/>
+            <a:r>
+              <a:rPr lang="da-DK"/>
+              <a:t>Andet niveau</a:t>
+            </a:r>
+          </a:p>
+          <a:p>
+            <a:pPr lvl="2"/>
+            <a:r>
+              <a:rPr lang="da-DK"/>
+              <a:t>Tredje niveau</a:t>
+            </a:r>
+          </a:p>
+          <a:p>
+            <a:pPr lvl="3"/>
+            <a:r>
+              <a:rPr lang="da-DK"/>
+              <a:t>Fjerde niveau</a:t>
+            </a:r>
+          </a:p>
+          <a:p>
+            <a:pPr lvl="4"/>
+            <a:r>
+              <a:rPr lang="da-DK"/>
+              <a:t>Femte niveau</a:t>
             </a:r>
             <a:endParaRPr lang="en-US" dirty="0"/>
           </a:p>
@@ -3546,7 +1484,7 @@
           <a:p>
             <a:fld id="{4C52EC6D-AFBA-4F6F-A64F-BA455C0AB0BC}" type="datetimeFigureOut">
               <a:rPr lang="da-DK" smtClean="0"/>
-              <a:t>12/01/2019</a:t>
+              <a:t>13-01-2019</a:t>
             </a:fld>
             <a:endParaRPr lang="da-DK"/>
           </a:p>
@@ -3597,7 +1535,7 @@
     </p:spTree>
     <p:extLst>
       <p:ext uri="{BB962C8B-B14F-4D97-AF65-F5344CB8AC3E}">
-        <p14:creationId xmlns:p14="http://schemas.microsoft.com/office/powerpoint/2010/main" val="1972431137"/>
+        <p14:creationId xmlns:p14="http://schemas.microsoft.com/office/powerpoint/2010/main" val="2515715322"/>
       </p:ext>
     </p:extLst>
   </p:cSld>
@@ -3636,15 +1574,20 @@
         </p:nvSpPr>
         <p:spPr>
           <a:xfrm>
-            <a:off x="677335" y="2700867"/>
-            <a:ext cx="8596668" cy="1826581"/>
+            <a:off x="1106424" y="1173575"/>
+            <a:ext cx="9966960" cy="2926080"/>
           </a:xfrm>
         </p:spPr>
         <p:txBody>
-          <a:bodyPr anchor="b"/>
+          <a:bodyPr anchor="b">
+            <a:noAutofit/>
+          </a:bodyPr>
           <a:lstStyle>
-            <a:lvl1pPr algn="l">
-              <a:defRPr sz="4000" b="0" cap="none"/>
+            <a:lvl1pPr algn="ctr">
+              <a:lnSpc>
+                <a:spcPct val="85000"/>
+              </a:lnSpc>
+              <a:defRPr sz="7200" b="0" cap="all" baseline="0"/>
             </a:lvl1pPr>
           </a:lstStyle>
           <a:p>
@@ -3668,21 +1611,20 @@
         </p:nvSpPr>
         <p:spPr>
           <a:xfrm>
-            <a:off x="677335" y="4527448"/>
-            <a:ext cx="8596668" cy="860400"/>
+            <a:off x="1709928" y="4154520"/>
+            <a:ext cx="8769096" cy="1363806"/>
           </a:xfrm>
         </p:spPr>
         <p:txBody>
-          <a:bodyPr anchor="t"/>
+          <a:bodyPr anchor="t">
+            <a:normAutofit/>
+          </a:bodyPr>
           <a:lstStyle>
-            <a:lvl1pPr marL="0" indent="0" algn="l">
-              <a:buNone/>
-              <a:defRPr sz="2000">
+            <a:lvl1pPr marL="0" indent="0" algn="ctr">
+              <a:buNone/>
+              <a:defRPr sz="2200">
                 <a:solidFill>
-                  <a:schemeClr val="tx1">
-                    <a:lumMod val="50000"/>
-                    <a:lumOff val="50000"/>
-                  </a:schemeClr>
+                  <a:schemeClr val="accent1"/>
                 </a:solidFill>
               </a:defRPr>
             </a:lvl1pPr>
@@ -3771,13 +1713,8 @@
             <a:pPr lvl="0"/>
             <a:r>
               <a:rPr lang="da-DK"/>
-              <a:t>Rediger teksttypografien i masteren
-Andet niveau
-Tredje niveau
-Fjerde niveau
-Femte niveau</a:t>
-            </a:r>
-            <a:endParaRPr lang="en-US" dirty="0"/>
+              <a:t>Rediger teksttypografien i masteren</a:t>
+            </a:r>
           </a:p>
         </p:txBody>
       </p:sp>
@@ -3798,7 +1735,7 @@
           <a:p>
             <a:fld id="{4C52EC6D-AFBA-4F6F-A64F-BA455C0AB0BC}" type="datetimeFigureOut">
               <a:rPr lang="da-DK" smtClean="0"/>
-              <a:t>12/01/2019</a:t>
+              <a:t>13-01-2019</a:t>
             </a:fld>
             <a:endParaRPr lang="da-DK"/>
           </a:p>
@@ -3846,10 +1783,45 @@
           </a:p>
         </p:txBody>
       </p:sp>
+      <p:cxnSp>
+        <p:nvCxnSpPr>
+          <p:cNvPr id="7" name="Straight Connector 6"/>
+          <p:cNvCxnSpPr/>
+          <p:nvPr/>
+        </p:nvCxnSpPr>
+        <p:spPr>
+          <a:xfrm>
+            <a:off x="1981200" y="4020408"/>
+            <a:ext cx="8229601" cy="0"/>
+          </a:xfrm>
+          <a:prstGeom prst="line">
+            <a:avLst/>
+          </a:prstGeom>
+          <a:ln>
+            <a:solidFill>
+              <a:schemeClr val="accent1"/>
+            </a:solidFill>
+          </a:ln>
+        </p:spPr>
+        <p:style>
+          <a:lnRef idx="1">
+            <a:schemeClr val="accent1"/>
+          </a:lnRef>
+          <a:fillRef idx="0">
+            <a:schemeClr val="accent1"/>
+          </a:fillRef>
+          <a:effectRef idx="0">
+            <a:schemeClr val="accent1"/>
+          </a:effectRef>
+          <a:fontRef idx="minor">
+            <a:schemeClr val="tx1"/>
+          </a:fontRef>
+        </p:style>
+      </p:cxnSp>
     </p:spTree>
     <p:extLst>
       <p:ext uri="{BB962C8B-B14F-4D97-AF65-F5344CB8AC3E}">
-        <p14:creationId xmlns:p14="http://schemas.microsoft.com/office/powerpoint/2010/main" val="172703077"/>
+        <p14:creationId xmlns:p14="http://schemas.microsoft.com/office/powerpoint/2010/main" val="2711000396"/>
       </p:ext>
     </p:extLst>
   </p:cSld>
@@ -3878,7 +1850,7 @@
       </p:grpSpPr>
       <p:sp>
         <p:nvSpPr>
-          <p:cNvPr id="2" name="Title 1"/>
+          <p:cNvPr id="8" name="Title 7"/>
           <p:cNvSpPr>
             <a:spLocks noGrp="1"/>
           </p:cNvSpPr>
@@ -3911,22 +1883,74 @@
         </p:nvSpPr>
         <p:spPr>
           <a:xfrm>
-            <a:off x="677334" y="2160589"/>
-            <a:ext cx="4184035" cy="3880772"/>
+            <a:off x="1143000" y="2057399"/>
+            <a:ext cx="4754880" cy="4023360"/>
           </a:xfrm>
         </p:spPr>
         <p:txBody>
           <a:bodyPr/>
-          <a:lstStyle/>
+          <a:lstStyle>
+            <a:lvl1pPr>
+              <a:defRPr sz="2200"/>
+            </a:lvl1pPr>
+            <a:lvl2pPr>
+              <a:defRPr sz="2000"/>
+            </a:lvl2pPr>
+            <a:lvl3pPr>
+              <a:defRPr sz="1800"/>
+            </a:lvl3pPr>
+            <a:lvl4pPr>
+              <a:defRPr sz="1600"/>
+            </a:lvl4pPr>
+            <a:lvl5pPr>
+              <a:defRPr sz="1600"/>
+            </a:lvl5pPr>
+            <a:lvl6pPr>
+              <a:defRPr sz="1600"/>
+            </a:lvl6pPr>
+            <a:lvl7pPr>
+              <a:defRPr sz="1600"/>
+            </a:lvl7pPr>
+            <a:lvl8pPr>
+              <a:defRPr sz="1600"/>
+            </a:lvl8pPr>
+            <a:lvl9pPr>
+              <a:defRPr sz="1600"/>
+            </a:lvl9pPr>
+          </a:lstStyle>
           <a:p>
             <a:pPr lvl="0"/>
             <a:r>
               <a:rPr lang="da-DK"/>
-              <a:t>Rediger teksttypografien i masteren
-Andet niveau
-Tredje niveau
-Fjerde niveau
-Femte niveau</a:t>
+              <a:t>Rediger teksttypografien i masteren</a:t>
+            </a:r>
+          </a:p>
+          <a:p>
+            <a:pPr lvl="1"/>
+            <a:r>
+              <a:rPr lang="da-DK"/>
+              <a:t>Andet niveau</a:t>
+            </a:r>
+          </a:p>
+          <a:p>
+            <a:pPr lvl="2"/>
+            <a:r>
+              <a:rPr lang="da-DK"/>
+              <a:t>Tredje niveau</a:t>
+            </a:r>
+          </a:p>
+          <a:p>
+            <a:pPr lvl="3"/>
+            <a:r>
+              <a:rPr lang="da-DK"/>
+              <a:t>Fjerde niveau</a:t>
+            </a:r>
+          </a:p>
+          <a:p>
+            <a:pPr lvl="4"/>
+            <a:r>
+              <a:rPr lang="da-DK"/>
+              <a:t>Femte niveau</a:t>
             </a:r>
             <a:endParaRPr lang="en-US" dirty="0"/>
           </a:p>
@@ -3944,22 +1968,74 @@
         </p:nvSpPr>
         <p:spPr>
           <a:xfrm>
-            <a:off x="5089970" y="2160589"/>
-            <a:ext cx="4184034" cy="3880773"/>
+            <a:off x="6267612" y="2057400"/>
+            <a:ext cx="4754880" cy="4023360"/>
           </a:xfrm>
         </p:spPr>
         <p:txBody>
           <a:bodyPr/>
-          <a:lstStyle/>
+          <a:lstStyle>
+            <a:lvl1pPr>
+              <a:defRPr sz="2200"/>
+            </a:lvl1pPr>
+            <a:lvl2pPr>
+              <a:defRPr sz="2000"/>
+            </a:lvl2pPr>
+            <a:lvl3pPr>
+              <a:defRPr sz="1800"/>
+            </a:lvl3pPr>
+            <a:lvl4pPr>
+              <a:defRPr sz="1600"/>
+            </a:lvl4pPr>
+            <a:lvl5pPr>
+              <a:defRPr sz="1600"/>
+            </a:lvl5pPr>
+            <a:lvl6pPr>
+              <a:defRPr sz="1600"/>
+            </a:lvl6pPr>
+            <a:lvl7pPr>
+              <a:defRPr sz="1600"/>
+            </a:lvl7pPr>
+            <a:lvl8pPr>
+              <a:defRPr sz="1600"/>
+            </a:lvl8pPr>
+            <a:lvl9pPr>
+              <a:defRPr sz="1600"/>
+            </a:lvl9pPr>
+          </a:lstStyle>
           <a:p>
             <a:pPr lvl="0"/>
             <a:r>
               <a:rPr lang="da-DK"/>
-              <a:t>Rediger teksttypografien i masteren
-Andet niveau
-Tredje niveau
-Fjerde niveau
-Femte niveau</a:t>
+              <a:t>Rediger teksttypografien i masteren</a:t>
+            </a:r>
+          </a:p>
+          <a:p>
+            <a:pPr lvl="1"/>
+            <a:r>
+              <a:rPr lang="da-DK"/>
+              <a:t>Andet niveau</a:t>
+            </a:r>
+          </a:p>
+          <a:p>
+            <a:pPr lvl="2"/>
+            <a:r>
+              <a:rPr lang="da-DK"/>
+              <a:t>Tredje niveau</a:t>
+            </a:r>
+          </a:p>
+          <a:p>
+            <a:pPr lvl="3"/>
+            <a:r>
+              <a:rPr lang="da-DK"/>
+              <a:t>Fjerde niveau</a:t>
+            </a:r>
+          </a:p>
+          <a:p>
+            <a:pPr lvl="4"/>
+            <a:r>
+              <a:rPr lang="da-DK"/>
+              <a:t>Femte niveau</a:t>
             </a:r>
             <a:endParaRPr lang="en-US" dirty="0"/>
           </a:p>
@@ -3982,7 +2058,7 @@
           <a:p>
             <a:fld id="{4C52EC6D-AFBA-4F6F-A64F-BA455C0AB0BC}" type="datetimeFigureOut">
               <a:rPr lang="da-DK" smtClean="0"/>
-              <a:t>12/01/2019</a:t>
+              <a:t>13-01-2019</a:t>
             </a:fld>
             <a:endParaRPr lang="da-DK"/>
           </a:p>
@@ -4033,7 +2109,7 @@
     </p:spTree>
     <p:extLst>
       <p:ext uri="{BB962C8B-B14F-4D97-AF65-F5344CB8AC3E}">
-        <p14:creationId xmlns:p14="http://schemas.microsoft.com/office/powerpoint/2010/main" val="3769699686"/>
+        <p14:creationId xmlns:p14="http://schemas.microsoft.com/office/powerpoint/2010/main" val="4064473351"/>
       </p:ext>
     </p:extLst>
   </p:cSld>
@@ -4062,7 +2138,7 @@
       </p:grpSpPr>
       <p:sp>
         <p:nvSpPr>
-          <p:cNvPr id="2" name="Title 1"/>
+          <p:cNvPr id="10" name="Title 9"/>
           <p:cNvSpPr>
             <a:spLocks noGrp="1"/>
           </p:cNvSpPr>
@@ -4071,17 +2147,166 @@
           </p:nvPr>
         </p:nvSpPr>
         <p:spPr/>
+        <p:txBody>
+          <a:bodyPr/>
+          <a:lstStyle/>
+          <a:p>
+            <a:r>
+              <a:rPr lang="da-DK"/>
+              <a:t>Klik for at redigere titeltypografien i masteren</a:t>
+            </a:r>
+            <a:endParaRPr lang="en-US" dirty="0"/>
+          </a:p>
+        </p:txBody>
+      </p:sp>
+      <p:sp>
+        <p:nvSpPr>
+          <p:cNvPr id="3" name="Text Placeholder 2"/>
+          <p:cNvSpPr>
+            <a:spLocks noGrp="1"/>
+          </p:cNvSpPr>
+          <p:nvPr>
+            <p:ph type="body" idx="1"/>
+          </p:nvPr>
+        </p:nvSpPr>
+        <p:spPr>
+          <a:xfrm>
+            <a:off x="1143000" y="2001511"/>
+            <a:ext cx="4754880" cy="777240"/>
+          </a:xfrm>
+        </p:spPr>
+        <p:txBody>
+          <a:bodyPr anchor="ctr"/>
+          <a:lstStyle>
+            <a:lvl1pPr marL="0" indent="0">
+              <a:spcBef>
+                <a:spcPts val="0"/>
+              </a:spcBef>
+              <a:buNone/>
+              <a:defRPr sz="2400" b="1"/>
+            </a:lvl1pPr>
+            <a:lvl2pPr marL="457200" indent="0">
+              <a:buNone/>
+              <a:defRPr sz="2000" b="1"/>
+            </a:lvl2pPr>
+            <a:lvl3pPr marL="914400" indent="0">
+              <a:buNone/>
+              <a:defRPr sz="1800" b="1"/>
+            </a:lvl3pPr>
+            <a:lvl4pPr marL="1371600" indent="0">
+              <a:buNone/>
+              <a:defRPr sz="1600" b="1"/>
+            </a:lvl4pPr>
+            <a:lvl5pPr marL="1828800" indent="0">
+              <a:buNone/>
+              <a:defRPr sz="1600" b="1"/>
+            </a:lvl5pPr>
+            <a:lvl6pPr marL="2286000" indent="0">
+              <a:buNone/>
+              <a:defRPr sz="1600" b="1"/>
+            </a:lvl6pPr>
+            <a:lvl7pPr marL="2743200" indent="0">
+              <a:buNone/>
+              <a:defRPr sz="1600" b="1"/>
+            </a:lvl7pPr>
+            <a:lvl8pPr marL="3200400" indent="0">
+              <a:buNone/>
+              <a:defRPr sz="1600" b="1"/>
+            </a:lvl8pPr>
+            <a:lvl9pPr marL="3657600" indent="0">
+              <a:buNone/>
+              <a:defRPr sz="1600" b="1"/>
+            </a:lvl9pPr>
+          </a:lstStyle>
+          <a:p>
+            <a:pPr lvl="0"/>
+            <a:r>
+              <a:rPr lang="da-DK"/>
+              <a:t>Rediger teksttypografien i masteren</a:t>
+            </a:r>
+          </a:p>
+        </p:txBody>
+      </p:sp>
+      <p:sp>
+        <p:nvSpPr>
+          <p:cNvPr id="4" name="Content Placeholder 3"/>
+          <p:cNvSpPr>
+            <a:spLocks noGrp="1"/>
+          </p:cNvSpPr>
+          <p:nvPr>
+            <p:ph sz="half" idx="2"/>
+          </p:nvPr>
+        </p:nvSpPr>
+        <p:spPr>
+          <a:xfrm>
+            <a:off x="1143000" y="2721483"/>
+            <a:ext cx="4754880" cy="3383280"/>
+          </a:xfrm>
+        </p:spPr>
         <p:txBody>
           <a:bodyPr/>
           <a:lstStyle>
             <a:lvl1pPr>
-              <a:defRPr/>
+              <a:defRPr sz="2200"/>
             </a:lvl1pPr>
+            <a:lvl2pPr>
+              <a:defRPr sz="2000"/>
+            </a:lvl2pPr>
+            <a:lvl3pPr>
+              <a:defRPr sz="1800"/>
+            </a:lvl3pPr>
+            <a:lvl4pPr>
+              <a:defRPr sz="1600"/>
+            </a:lvl4pPr>
+            <a:lvl5pPr>
+              <a:defRPr sz="1600"/>
+            </a:lvl5pPr>
+            <a:lvl6pPr>
+              <a:defRPr sz="1600"/>
+            </a:lvl6pPr>
+            <a:lvl7pPr>
+              <a:defRPr sz="1600"/>
+            </a:lvl7pPr>
+            <a:lvl8pPr>
+              <a:defRPr sz="1600"/>
+            </a:lvl8pPr>
+            <a:lvl9pPr>
+              <a:defRPr sz="1600"/>
+            </a:lvl9pPr>
           </a:lstStyle>
           <a:p>
-            <a:r>
-              <a:rPr lang="da-DK"/>
-              <a:t>Klik for at redigere titeltypografien i masteren</a:t>
+            <a:pPr lvl="0"/>
+            <a:r>
+              <a:rPr lang="da-DK"/>
+              <a:t>Rediger teksttypografien i masteren</a:t>
+            </a:r>
+          </a:p>
+          <a:p>
+            <a:pPr lvl="1"/>
+            <a:r>
+              <a:rPr lang="da-DK"/>
+              <a:t>Andet niveau</a:t>
+            </a:r>
+          </a:p>
+          <a:p>
+            <a:pPr lvl="2"/>
+            <a:r>
+              <a:rPr lang="da-DK"/>
+              <a:t>Tredje niveau</a:t>
+            </a:r>
+          </a:p>
+          <a:p>
+            <a:pPr lvl="3"/>
+            <a:r>
+              <a:rPr lang="da-DK"/>
+              <a:t>Fjerde niveau</a:t>
+            </a:r>
+          </a:p>
+          <a:p>
+            <a:pPr lvl="4"/>
+            <a:r>
+              <a:rPr lang="da-DK"/>
+              <a:t>Femte niveau</a:t>
             </a:r>
             <a:endParaRPr lang="en-US" dirty="0"/>
           </a:p>
@@ -4089,28 +2314,29 @@
       </p:sp>
       <p:sp>
         <p:nvSpPr>
-          <p:cNvPr id="3" name="Text Placeholder 2"/>
-          <p:cNvSpPr>
-            <a:spLocks noGrp="1"/>
-          </p:cNvSpPr>
-          <p:nvPr>
-            <p:ph type="body" idx="1"/>
+          <p:cNvPr id="5" name="Text Placeholder 4"/>
+          <p:cNvSpPr>
+            <a:spLocks noGrp="1"/>
+          </p:cNvSpPr>
+          <p:nvPr>
+            <p:ph type="body" sz="quarter" idx="3"/>
           </p:nvPr>
         </p:nvSpPr>
         <p:spPr>
           <a:xfrm>
-            <a:off x="675745" y="2160983"/>
-            <a:ext cx="4185623" cy="576262"/>
+            <a:off x="6269173" y="1999032"/>
+            <a:ext cx="4754880" cy="777240"/>
           </a:xfrm>
         </p:spPr>
         <p:txBody>
-          <a:bodyPr anchor="b">
-            <a:noAutofit/>
-          </a:bodyPr>
+          <a:bodyPr anchor="ctr"/>
           <a:lstStyle>
             <a:lvl1pPr marL="0" indent="0">
-              <a:buNone/>
-              <a:defRPr sz="2400" b="0"/>
+              <a:spcBef>
+                <a:spcPts val="0"/>
+              </a:spcBef>
+              <a:buNone/>
+              <a:defRPr sz="2400" b="1"/>
             </a:lvl1pPr>
             <a:lvl2pPr marL="457200" indent="0">
               <a:buNone/>
@@ -4149,153 +2375,91 @@
             <a:pPr lvl="0"/>
             <a:r>
               <a:rPr lang="da-DK"/>
-              <a:t>Rediger teksttypografien i masteren
-Andet niveau
-Tredje niveau
-Fjerde niveau
-Femte niveau</a:t>
-            </a:r>
-            <a:endParaRPr lang="en-US" dirty="0"/>
-          </a:p>
-        </p:txBody>
-      </p:sp>
-      <p:sp>
-        <p:nvSpPr>
-          <p:cNvPr id="4" name="Content Placeholder 3"/>
-          <p:cNvSpPr>
-            <a:spLocks noGrp="1"/>
-          </p:cNvSpPr>
-          <p:nvPr>
-            <p:ph sz="half" idx="2"/>
+              <a:t>Rediger teksttypografien i masteren</a:t>
+            </a:r>
+          </a:p>
+        </p:txBody>
+      </p:sp>
+      <p:sp>
+        <p:nvSpPr>
+          <p:cNvPr id="6" name="Content Placeholder 5"/>
+          <p:cNvSpPr>
+            <a:spLocks noGrp="1"/>
+          </p:cNvSpPr>
+          <p:nvPr>
+            <p:ph sz="quarter" idx="4"/>
           </p:nvPr>
         </p:nvSpPr>
         <p:spPr>
           <a:xfrm>
-            <a:off x="675745" y="2737245"/>
-            <a:ext cx="4185623" cy="3304117"/>
+            <a:off x="6269173" y="2719322"/>
+            <a:ext cx="4754880" cy="3383280"/>
           </a:xfrm>
         </p:spPr>
         <p:txBody>
-          <a:bodyPr>
-            <a:normAutofit/>
-          </a:bodyPr>
-          <a:lstStyle/>
-          <a:p>
-            <a:pPr lvl="0"/>
-            <a:r>
-              <a:rPr lang="da-DK"/>
-              <a:t>Rediger teksttypografien i masteren
-Andet niveau
-Tredje niveau
-Fjerde niveau
-Femte niveau</a:t>
-            </a:r>
-            <a:endParaRPr lang="en-US" dirty="0"/>
-          </a:p>
-        </p:txBody>
-      </p:sp>
-      <p:sp>
-        <p:nvSpPr>
-          <p:cNvPr id="5" name="Text Placeholder 4"/>
-          <p:cNvSpPr>
-            <a:spLocks noGrp="1"/>
-          </p:cNvSpPr>
-          <p:nvPr>
-            <p:ph type="body" sz="quarter" idx="3"/>
-          </p:nvPr>
-        </p:nvSpPr>
-        <p:spPr>
-          <a:xfrm>
-            <a:off x="5088383" y="2160983"/>
-            <a:ext cx="4185618" cy="576262"/>
-          </a:xfrm>
-        </p:spPr>
-        <p:txBody>
-          <a:bodyPr anchor="b">
-            <a:noAutofit/>
-          </a:bodyPr>
+          <a:bodyPr/>
           <a:lstStyle>
-            <a:lvl1pPr marL="0" indent="0">
-              <a:buNone/>
-              <a:defRPr sz="2400" b="0"/>
+            <a:lvl1pPr>
+              <a:defRPr sz="2200"/>
             </a:lvl1pPr>
-            <a:lvl2pPr marL="457200" indent="0">
-              <a:buNone/>
-              <a:defRPr sz="2000" b="1"/>
+            <a:lvl2pPr>
+              <a:defRPr sz="2000"/>
             </a:lvl2pPr>
-            <a:lvl3pPr marL="914400" indent="0">
-              <a:buNone/>
-              <a:defRPr sz="1800" b="1"/>
+            <a:lvl3pPr>
+              <a:defRPr sz="1800"/>
             </a:lvl3pPr>
-            <a:lvl4pPr marL="1371600" indent="0">
-              <a:buNone/>
-              <a:defRPr sz="1600" b="1"/>
+            <a:lvl4pPr>
+              <a:defRPr sz="1600"/>
             </a:lvl4pPr>
-            <a:lvl5pPr marL="1828800" indent="0">
-              <a:buNone/>
-              <a:defRPr sz="1600" b="1"/>
+            <a:lvl5pPr>
+              <a:defRPr sz="1600"/>
             </a:lvl5pPr>
-            <a:lvl6pPr marL="2286000" indent="0">
-              <a:buNone/>
-              <a:defRPr sz="1600" b="1"/>
+            <a:lvl6pPr>
+              <a:defRPr sz="1600"/>
             </a:lvl6pPr>
-            <a:lvl7pPr marL="2743200" indent="0">
-              <a:buNone/>
-              <a:defRPr sz="1600" b="1"/>
+            <a:lvl7pPr>
+              <a:defRPr sz="1600"/>
             </a:lvl7pPr>
-            <a:lvl8pPr marL="3200400" indent="0">
-              <a:buNone/>
-              <a:defRPr sz="1600" b="1"/>
+            <a:lvl8pPr>
+              <a:defRPr sz="1600"/>
             </a:lvl8pPr>
-            <a:lvl9pPr marL="3657600" indent="0">
-              <a:buNone/>
-              <a:defRPr sz="1600" b="1"/>
+            <a:lvl9pPr>
+              <a:defRPr sz="1600"/>
             </a:lvl9pPr>
           </a:lstStyle>
           <a:p>
             <a:pPr lvl="0"/>
             <a:r>
               <a:rPr lang="da-DK"/>
-              <a:t>Rediger teksttypografien i masteren
-Andet niveau
-Tredje niveau
-Fjerde niveau
-Femte niveau</a:t>
-            </a:r>
-            <a:endParaRPr lang="en-US" dirty="0"/>
-          </a:p>
-        </p:txBody>
-      </p:sp>
-      <p:sp>
-        <p:nvSpPr>
-          <p:cNvPr id="6" name="Content Placeholder 5"/>
-          <p:cNvSpPr>
-            <a:spLocks noGrp="1"/>
-          </p:cNvSpPr>
-          <p:nvPr>
-            <p:ph sz="quarter" idx="4"/>
-          </p:nvPr>
-        </p:nvSpPr>
-        <p:spPr>
-          <a:xfrm>
-            <a:off x="5088384" y="2737245"/>
-            <a:ext cx="4185617" cy="3304117"/>
-          </a:xfrm>
-        </p:spPr>
-        <p:txBody>
-          <a:bodyPr>
-            <a:normAutofit/>
-          </a:bodyPr>
-          <a:lstStyle/>
-          <a:p>
-            <a:pPr lvl="0"/>
-            <a:r>
-              <a:rPr lang="da-DK"/>
-              <a:t>Rediger teksttypografien i masteren
-Andet niveau
-Tredje niveau
-Fjerde niveau
-Femte niveau</a:t>
+              <a:t>Rediger teksttypografien i masteren</a:t>
+            </a:r>
+          </a:p>
+          <a:p>
+            <a:pPr lvl="1"/>
+            <a:r>
+              <a:rPr lang="da-DK"/>
+              <a:t>Andet niveau</a:t>
+            </a:r>
+          </a:p>
+          <a:p>
+            <a:pPr lvl="2"/>
+            <a:r>
+              <a:rPr lang="da-DK"/>
+              <a:t>Tredje niveau</a:t>
+            </a:r>
+          </a:p>
+          <a:p>
+            <a:pPr lvl="3"/>
+            <a:r>
+              <a:rPr lang="da-DK"/>
+              <a:t>Fjerde niveau</a:t>
+            </a:r>
+          </a:p>
+          <a:p>
+            <a:pPr lvl="4"/>
+            <a:r>
+              <a:rPr lang="da-DK"/>
+              <a:t>Femte niveau</a:t>
             </a:r>
             <a:endParaRPr lang="en-US" dirty="0"/>
           </a:p>
@@ -4318,7 +2482,7 @@
           <a:p>
             <a:fld id="{4C52EC6D-AFBA-4F6F-A64F-BA455C0AB0BC}" type="datetimeFigureOut">
               <a:rPr lang="da-DK" smtClean="0"/>
-              <a:t>12/01/2019</a:t>
+              <a:t>13-01-2019</a:t>
             </a:fld>
             <a:endParaRPr lang="da-DK"/>
           </a:p>
@@ -4369,7 +2533,7 @@
     </p:spTree>
     <p:extLst>
       <p:ext uri="{BB962C8B-B14F-4D97-AF65-F5344CB8AC3E}">
-        <p14:creationId xmlns:p14="http://schemas.microsoft.com/office/powerpoint/2010/main" val="4062796769"/>
+        <p14:creationId xmlns:p14="http://schemas.microsoft.com/office/powerpoint/2010/main" val="3859052557"/>
       </p:ext>
     </p:extLst>
   </p:cSld>
@@ -4406,12 +2570,7 @@
             <p:ph type="title"/>
           </p:nvPr>
         </p:nvSpPr>
-        <p:spPr>
-          <a:xfrm>
-            <a:off x="677334" y="609600"/>
-            <a:ext cx="8596668" cy="1320800"/>
-          </a:xfrm>
-        </p:spPr>
+        <p:spPr/>
         <p:txBody>
           <a:bodyPr/>
           <a:lstStyle/>
@@ -4441,7 +2600,7 @@
           <a:p>
             <a:fld id="{4C52EC6D-AFBA-4F6F-A64F-BA455C0AB0BC}" type="datetimeFigureOut">
               <a:rPr lang="da-DK" smtClean="0"/>
-              <a:t>12/01/2019</a:t>
+              <a:t>13-01-2019</a:t>
             </a:fld>
             <a:endParaRPr lang="da-DK"/>
           </a:p>
@@ -4492,7 +2651,7 @@
     </p:spTree>
     <p:extLst>
       <p:ext uri="{BB962C8B-B14F-4D97-AF65-F5344CB8AC3E}">
-        <p14:creationId xmlns:p14="http://schemas.microsoft.com/office/powerpoint/2010/main" val="3471380676"/>
+        <p14:creationId xmlns:p14="http://schemas.microsoft.com/office/powerpoint/2010/main" val="4070909965"/>
       </p:ext>
     </p:extLst>
   </p:cSld>
@@ -4536,7 +2695,7 @@
           <a:p>
             <a:fld id="{4C52EC6D-AFBA-4F6F-A64F-BA455C0AB0BC}" type="datetimeFigureOut">
               <a:rPr lang="da-DK" smtClean="0"/>
-              <a:t>12/01/2019</a:t>
+              <a:t>13-01-2019</a:t>
             </a:fld>
             <a:endParaRPr lang="da-DK"/>
           </a:p>
@@ -4587,7 +2746,7 @@
     </p:spTree>
     <p:extLst>
       <p:ext uri="{BB962C8B-B14F-4D97-AF65-F5344CB8AC3E}">
-        <p14:creationId xmlns:p14="http://schemas.microsoft.com/office/powerpoint/2010/main" val="1825876227"/>
+        <p14:creationId xmlns:p14="http://schemas.microsoft.com/office/powerpoint/2010/main" val="3877063400"/>
       </p:ext>
     </p:extLst>
   </p:cSld>
@@ -4626,17 +2785,20 @@
         </p:nvSpPr>
         <p:spPr>
           <a:xfrm>
-            <a:off x="677334" y="1498604"/>
-            <a:ext cx="3854528" cy="1278466"/>
+            <a:off x="1143000" y="1097280"/>
+            <a:ext cx="3931920" cy="1737360"/>
           </a:xfrm>
         </p:spPr>
         <p:txBody>
           <a:bodyPr anchor="b">
-            <a:normAutofit/>
+            <a:noAutofit/>
           </a:bodyPr>
           <a:lstStyle>
             <a:lvl1pPr>
-              <a:defRPr sz="2000"/>
+              <a:lnSpc>
+                <a:spcPct val="90000"/>
+              </a:lnSpc>
+              <a:defRPr sz="4000" b="0"/>
             </a:lvl1pPr>
           </a:lstStyle>
           <a:p>
@@ -4660,24 +2822,74 @@
         </p:nvSpPr>
         <p:spPr>
           <a:xfrm>
-            <a:off x="4760461" y="514924"/>
-            <a:ext cx="4513541" cy="5526437"/>
+            <a:off x="5852159" y="1097280"/>
+            <a:ext cx="5212080" cy="4663440"/>
           </a:xfrm>
         </p:spPr>
         <p:txBody>
-          <a:bodyPr>
-            <a:normAutofit/>
-          </a:bodyPr>
-          <a:lstStyle/>
+          <a:bodyPr/>
+          <a:lstStyle>
+            <a:lvl1pPr>
+              <a:defRPr sz="3200"/>
+            </a:lvl1pPr>
+            <a:lvl2pPr>
+              <a:defRPr sz="2800"/>
+            </a:lvl2pPr>
+            <a:lvl3pPr>
+              <a:defRPr sz="2400"/>
+            </a:lvl3pPr>
+            <a:lvl4pPr>
+              <a:defRPr sz="2000"/>
+            </a:lvl4pPr>
+            <a:lvl5pPr>
+              <a:defRPr sz="2000"/>
+            </a:lvl5pPr>
+            <a:lvl6pPr>
+              <a:defRPr sz="2000"/>
+            </a:lvl6pPr>
+            <a:lvl7pPr>
+              <a:defRPr sz="2000"/>
+            </a:lvl7pPr>
+            <a:lvl8pPr>
+              <a:defRPr sz="2000"/>
+            </a:lvl8pPr>
+            <a:lvl9pPr>
+              <a:defRPr sz="2000"/>
+            </a:lvl9pPr>
+          </a:lstStyle>
           <a:p>
             <a:pPr lvl="0"/>
             <a:r>
               <a:rPr lang="da-DK"/>
-              <a:t>Rediger teksttypografien i masteren
-Andet niveau
-Tredje niveau
-Fjerde niveau
-Femte niveau</a:t>
+              <a:t>Rediger teksttypografien i masteren</a:t>
+            </a:r>
+          </a:p>
+          <a:p>
+            <a:pPr lvl="1"/>
+            <a:r>
+              <a:rPr lang="da-DK"/>
+              <a:t>Andet niveau</a:t>
+            </a:r>
+          </a:p>
+          <a:p>
+            <a:pPr lvl="2"/>
+            <a:r>
+              <a:rPr lang="da-DK"/>
+              <a:t>Tredje niveau</a:t>
+            </a:r>
+          </a:p>
+          <a:p>
+            <a:pPr lvl="3"/>
+            <a:r>
+              <a:rPr lang="da-DK"/>
+              <a:t>Fjerde niveau</a:t>
+            </a:r>
+          </a:p>
+          <a:p>
+            <a:pPr lvl="4"/>
+            <a:r>
+              <a:rPr lang="da-DK"/>
+              <a:t>Femte niveau</a:t>
             </a:r>
             <a:endParaRPr lang="en-US" dirty="0"/>
           </a:p>
@@ -4695,8 +2907,8 @@
         </p:nvSpPr>
         <p:spPr>
           <a:xfrm>
-            <a:off x="677334" y="2777069"/>
-            <a:ext cx="3854528" cy="2584449"/>
+            <a:off x="1143000" y="2834640"/>
+            <a:ext cx="3931920" cy="3017520"/>
           </a:xfrm>
         </p:spPr>
         <p:txBody>
@@ -4705,53 +2917,54 @@
           </a:bodyPr>
           <a:lstStyle>
             <a:lvl1pPr marL="0" indent="0">
-              <a:buNone/>
-              <a:defRPr sz="1400"/>
+              <a:lnSpc>
+                <a:spcPct val="100000"/>
+              </a:lnSpc>
+              <a:spcBef>
+                <a:spcPts val="1000"/>
+              </a:spcBef>
+              <a:buNone/>
+              <a:defRPr sz="1700"/>
             </a:lvl1pPr>
-            <a:lvl2pPr marL="457063" indent="0">
-              <a:buNone/>
-              <a:defRPr sz="1400"/>
+            <a:lvl2pPr marL="457200" indent="0">
+              <a:buNone/>
+              <a:defRPr sz="1200"/>
             </a:lvl2pPr>
-            <a:lvl3pPr marL="914126" indent="0">
-              <a:buNone/>
-              <a:defRPr sz="1200"/>
+            <a:lvl3pPr marL="914400" indent="0">
+              <a:buNone/>
+              <a:defRPr sz="1000"/>
             </a:lvl3pPr>
-            <a:lvl4pPr marL="1371189" indent="0">
-              <a:buNone/>
-              <a:defRPr sz="1000"/>
+            <a:lvl4pPr marL="1371600" indent="0">
+              <a:buNone/>
+              <a:defRPr sz="900"/>
             </a:lvl4pPr>
-            <a:lvl5pPr marL="1828251" indent="0">
-              <a:buNone/>
-              <a:defRPr sz="1000"/>
+            <a:lvl5pPr marL="1828800" indent="0">
+              <a:buNone/>
+              <a:defRPr sz="900"/>
             </a:lvl5pPr>
-            <a:lvl6pPr marL="2285314" indent="0">
-              <a:buNone/>
-              <a:defRPr sz="1000"/>
+            <a:lvl6pPr marL="2286000" indent="0">
+              <a:buNone/>
+              <a:defRPr sz="900"/>
             </a:lvl6pPr>
-            <a:lvl7pPr marL="2742377" indent="0">
-              <a:buNone/>
-              <a:defRPr sz="1000"/>
+            <a:lvl7pPr marL="2743200" indent="0">
+              <a:buNone/>
+              <a:defRPr sz="900"/>
             </a:lvl7pPr>
-            <a:lvl8pPr marL="3199440" indent="0">
-              <a:buNone/>
-              <a:defRPr sz="1000"/>
+            <a:lvl8pPr marL="3200400" indent="0">
+              <a:buNone/>
+              <a:defRPr sz="900"/>
             </a:lvl8pPr>
-            <a:lvl9pPr marL="3656503" indent="0">
-              <a:buNone/>
-              <a:defRPr sz="1000"/>
+            <a:lvl9pPr marL="3657600" indent="0">
+              <a:buNone/>
+              <a:defRPr sz="900"/>
             </a:lvl9pPr>
           </a:lstStyle>
           <a:p>
             <a:pPr lvl="0"/>
             <a:r>
               <a:rPr lang="da-DK"/>
-              <a:t>Rediger teksttypografien i masteren
-Andet niveau
-Tredje niveau
-Fjerde niveau
-Femte niveau</a:t>
-            </a:r>
-            <a:endParaRPr lang="en-US" dirty="0"/>
+              <a:t>Rediger teksttypografien i masteren</a:t>
+            </a:r>
           </a:p>
         </p:txBody>
       </p:sp>
@@ -4772,7 +2985,7 @@
           <a:p>
             <a:fld id="{4C52EC6D-AFBA-4F6F-A64F-BA455C0AB0BC}" type="datetimeFigureOut">
               <a:rPr lang="da-DK" smtClean="0"/>
-              <a:t>12/01/2019</a:t>
+              <a:t>13-01-2019</a:t>
             </a:fld>
             <a:endParaRPr lang="da-DK"/>
           </a:p>
@@ -4823,7 +3036,7 @@
     </p:spTree>
     <p:extLst>
       <p:ext uri="{BB962C8B-B14F-4D97-AF65-F5344CB8AC3E}">
-        <p14:creationId xmlns:p14="http://schemas.microsoft.com/office/powerpoint/2010/main" val="1220546484"/>
+        <p14:creationId xmlns:p14="http://schemas.microsoft.com/office/powerpoint/2010/main" val="3277196268"/>
       </p:ext>
     </p:extLst>
   </p:cSld>
@@ -4862,23 +3075,93 @@
         </p:nvSpPr>
         <p:spPr>
           <a:xfrm>
-            <a:off x="677334" y="4800600"/>
-            <a:ext cx="8596667" cy="566738"/>
+            <a:off x="1143000" y="1097280"/>
+            <a:ext cx="3931920" cy="1737360"/>
           </a:xfrm>
         </p:spPr>
         <p:txBody>
           <a:bodyPr anchor="b">
+            <a:noAutofit/>
+          </a:bodyPr>
+          <a:lstStyle>
+            <a:lvl1pPr>
+              <a:lnSpc>
+                <a:spcPct val="90000"/>
+              </a:lnSpc>
+              <a:defRPr sz="4000" b="0"/>
+            </a:lvl1pPr>
+          </a:lstStyle>
+          <a:p>
+            <a:r>
+              <a:rPr lang="da-DK"/>
+              <a:t>Klik for at redigere titeltypografien i masteren</a:t>
+            </a:r>
+            <a:endParaRPr lang="en-US" dirty="0"/>
+          </a:p>
+        </p:txBody>
+      </p:sp>
+      <p:sp>
+        <p:nvSpPr>
+          <p:cNvPr id="3" name="Picture Placeholder 2"/>
+          <p:cNvSpPr>
+            <a:spLocks noGrp="1" noChangeAspect="1"/>
+          </p:cNvSpPr>
+          <p:nvPr>
+            <p:ph type="pic" idx="1"/>
+          </p:nvPr>
+        </p:nvSpPr>
+        <p:spPr>
+          <a:xfrm>
+            <a:off x="5413248" y="1069847"/>
+            <a:ext cx="6099048" cy="4800600"/>
+          </a:xfrm>
+        </p:spPr>
+        <p:txBody>
+          <a:bodyPr lIns="274320" tIns="182880" anchor="t">
             <a:normAutofit/>
           </a:bodyPr>
           <a:lstStyle>
-            <a:lvl1pPr algn="l">
-              <a:defRPr sz="2400" b="0"/>
+            <a:lvl1pPr marL="0" indent="0">
+              <a:buNone/>
+              <a:defRPr sz="2800"/>
             </a:lvl1pPr>
+            <a:lvl2pPr marL="457200" indent="0">
+              <a:buNone/>
+              <a:defRPr sz="2800"/>
+            </a:lvl2pPr>
+            <a:lvl3pPr marL="914400" indent="0">
+              <a:buNone/>
+              <a:defRPr sz="2400"/>
+            </a:lvl3pPr>
+            <a:lvl4pPr marL="1371600" indent="0">
+              <a:buNone/>
+              <a:defRPr sz="2000"/>
+            </a:lvl4pPr>
+            <a:lvl5pPr marL="1828800" indent="0">
+              <a:buNone/>
+              <a:defRPr sz="2000"/>
+            </a:lvl5pPr>
+            <a:lvl6pPr marL="2286000" indent="0">
+              <a:buNone/>
+              <a:defRPr sz="2000"/>
+            </a:lvl6pPr>
+            <a:lvl7pPr marL="2743200" indent="0">
+              <a:buNone/>
+              <a:defRPr sz="2000"/>
+            </a:lvl7pPr>
+            <a:lvl8pPr marL="3200400" indent="0">
+              <a:buNone/>
+              <a:defRPr sz="2000"/>
+            </a:lvl8pPr>
+            <a:lvl9pPr marL="3657600" indent="0">
+              <a:buNone/>
+              <a:defRPr sz="2000"/>
+            </a:lvl9pPr>
           </a:lstStyle>
           <a:p>
             <a:r>
               <a:rPr lang="da-DK"/>
-              <a:t>Klik for at redigere titeltypografien i masteren</a:t>
+              <a:t>Klik på ikonet for at tilføje et billede</a:t>
             </a:r>
             <a:endParaRPr lang="en-US" dirty="0"/>
           </a:p>
@@ -4886,85 +3169,18 @@
       </p:sp>
       <p:sp>
         <p:nvSpPr>
-          <p:cNvPr id="3" name="Picture Placeholder 2"/>
-          <p:cNvSpPr>
-            <a:spLocks noGrp="1" noChangeAspect="1"/>
-          </p:cNvSpPr>
-          <p:nvPr>
-            <p:ph type="pic" idx="1"/>
+          <p:cNvPr id="4" name="Text Placeholder 3"/>
+          <p:cNvSpPr>
+            <a:spLocks noGrp="1"/>
+          </p:cNvSpPr>
+          <p:nvPr>
+            <p:ph type="body" sz="half" idx="2"/>
           </p:nvPr>
         </p:nvSpPr>
         <p:spPr>
           <a:xfrm>
-            <a:off x="677334" y="609600"/>
-            <a:ext cx="8596668" cy="3845718"/>
-          </a:xfrm>
-        </p:spPr>
-        <p:txBody>
-          <a:bodyPr anchor="t">
-            <a:normAutofit/>
-          </a:bodyPr>
-          <a:lstStyle>
-            <a:lvl1pPr marL="0" indent="0" algn="ctr">
-              <a:buNone/>
-              <a:defRPr sz="1600"/>
-            </a:lvl1pPr>
-            <a:lvl2pPr marL="457200" indent="0">
-              <a:buNone/>
-              <a:defRPr sz="1600"/>
-            </a:lvl2pPr>
-            <a:lvl3pPr marL="914400" indent="0">
-              <a:buNone/>
-              <a:defRPr sz="1600"/>
-            </a:lvl3pPr>
-            <a:lvl4pPr marL="1371600" indent="0">
-              <a:buNone/>
-              <a:defRPr sz="1600"/>
-            </a:lvl4pPr>
-            <a:lvl5pPr marL="1828800" indent="0">
-              <a:buNone/>
-              <a:defRPr sz="1600"/>
-            </a:lvl5pPr>
-            <a:lvl6pPr marL="2286000" indent="0">
-              <a:buNone/>
-              <a:defRPr sz="1600"/>
-            </a:lvl6pPr>
-            <a:lvl7pPr marL="2743200" indent="0">
-              <a:buNone/>
-              <a:defRPr sz="1600"/>
-            </a:lvl7pPr>
-            <a:lvl8pPr marL="3200400" indent="0">
-              <a:buNone/>
-              <a:defRPr sz="1600"/>
-            </a:lvl8pPr>
-            <a:lvl9pPr marL="3657600" indent="0">
-              <a:buNone/>
-              <a:defRPr sz="1600"/>
-            </a:lvl9pPr>
-          </a:lstStyle>
-          <a:p>
-            <a:r>
-              <a:rPr lang="da-DK"/>
-              <a:t>Klik på ikonet for at tilføje et billede</a:t>
-            </a:r>
-            <a:endParaRPr lang="en-US" dirty="0"/>
-          </a:p>
-        </p:txBody>
-      </p:sp>
-      <p:sp>
-        <p:nvSpPr>
-          <p:cNvPr id="4" name="Text Placeholder 3"/>
-          <p:cNvSpPr>
-            <a:spLocks noGrp="1"/>
-          </p:cNvSpPr>
-          <p:nvPr>
-            <p:ph type="body" sz="half" idx="2"/>
-          </p:nvPr>
-        </p:nvSpPr>
-        <p:spPr>
-          <a:xfrm>
-            <a:off x="677334" y="5367338"/>
-            <a:ext cx="8596667" cy="674024"/>
+            <a:off x="1143000" y="2834640"/>
+            <a:ext cx="3931920" cy="2880360"/>
           </a:xfrm>
         </p:spPr>
         <p:txBody>
@@ -4973,8 +3189,14 @@
           </a:bodyPr>
           <a:lstStyle>
             <a:lvl1pPr marL="0" indent="0">
-              <a:buNone/>
-              <a:defRPr sz="1200"/>
+              <a:lnSpc>
+                <a:spcPct val="100000"/>
+              </a:lnSpc>
+              <a:spcBef>
+                <a:spcPts val="1000"/>
+              </a:spcBef>
+              <a:buNone/>
+              <a:defRPr sz="1700"/>
             </a:lvl1pPr>
             <a:lvl2pPr marL="457200" indent="0">
               <a:buNone/>
@@ -5013,13 +3235,8 @@
             <a:pPr lvl="0"/>
             <a:r>
               <a:rPr lang="da-DK"/>
-              <a:t>Rediger teksttypografien i masteren
-Andet niveau
-Tredje niveau
-Fjerde niveau
-Femte niveau</a:t>
-            </a:r>
-            <a:endParaRPr lang="en-US" dirty="0"/>
+              <a:t>Rediger teksttypografien i masteren</a:t>
+            </a:r>
           </a:p>
         </p:txBody>
       </p:sp>
@@ -5040,7 +3257,7 @@
           <a:p>
             <a:fld id="{4C52EC6D-AFBA-4F6F-A64F-BA455C0AB0BC}" type="datetimeFigureOut">
               <a:rPr lang="da-DK" smtClean="0"/>
-              <a:t>12/01/2019</a:t>
+              <a:t>13-01-2019</a:t>
             </a:fld>
             <a:endParaRPr lang="da-DK"/>
           </a:p>
@@ -5091,7 +3308,7 @@
     </p:spTree>
     <p:extLst>
       <p:ext uri="{BB962C8B-B14F-4D97-AF65-F5344CB8AC3E}">
-        <p14:creationId xmlns:p14="http://schemas.microsoft.com/office/powerpoint/2010/main" val="504027057"/>
+        <p14:creationId xmlns:p14="http://schemas.microsoft.com/office/powerpoint/2010/main" val="2847805813"/>
       </p:ext>
     </p:extLst>
   </p:cSld>
@@ -5105,9 +3322,12 @@
 <p:sldMaster xmlns:a="http://schemas.openxmlformats.org/drawingml/2006/main" xmlns:r="http://schemas.openxmlformats.org/officeDocument/2006/relationships" xmlns:p="http://schemas.openxmlformats.org/presentationml/2006/main">
   <p:cSld>
     <p:bg>
-      <p:bgRef idx="1001">
-        <a:schemeClr val="bg1"/>
-      </p:bgRef>
+      <p:bgPr>
+        <a:solidFill>
+          <a:schemeClr val="accent1"/>
+        </a:solidFill>
+        <a:effectLst/>
+      </p:bgPr>
     </p:bg>
     <p:spTree>
       <p:nvGrpSpPr>
@@ -5123,557 +3343,67 @@
           <a:chExt cx="0" cy="0"/>
         </a:xfrm>
       </p:grpSpPr>
-      <p:grpSp>
-        <p:nvGrpSpPr>
-          <p:cNvPr id="7" name="Group 6"/>
-          <p:cNvGrpSpPr/>
+      <p:sp>
+        <p:nvSpPr>
+          <p:cNvPr id="7" name="Rectangle 6"/>
+          <p:cNvSpPr>
+            <a:spLocks noChangeAspect="1"/>
+          </p:cNvSpPr>
           <p:nvPr/>
-        </p:nvGrpSpPr>
-        <p:grpSpPr>
-          <a:xfrm>
-            <a:off x="0" y="-8467"/>
-            <a:ext cx="12192000" cy="6866467"/>
-            <a:chOff x="0" y="-8467"/>
-            <a:chExt cx="12192000" cy="6866467"/>
-          </a:xfrm>
-        </p:grpSpPr>
-        <p:cxnSp>
-          <p:nvCxnSpPr>
-            <p:cNvPr id="20" name="Straight Connector 19"/>
-            <p:cNvCxnSpPr/>
-            <p:nvPr/>
-          </p:nvCxnSpPr>
-          <p:spPr>
-            <a:xfrm>
-              <a:off x="9371012" y="0"/>
-              <a:ext cx="1219200" cy="6858000"/>
-            </a:xfrm>
-            <a:prstGeom prst="line">
-              <a:avLst/>
-            </a:prstGeom>
-            <a:ln w="9525">
-              <a:solidFill>
-                <a:schemeClr val="bg1">
-                  <a:lumMod val="75000"/>
-                </a:schemeClr>
-              </a:solidFill>
-            </a:ln>
-          </p:spPr>
-          <p:style>
-            <a:lnRef idx="2">
-              <a:schemeClr val="accent1"/>
-            </a:lnRef>
-            <a:fillRef idx="0">
-              <a:schemeClr val="accent1"/>
-            </a:fillRef>
-            <a:effectRef idx="1">
-              <a:schemeClr val="accent1"/>
-            </a:effectRef>
-            <a:fontRef idx="minor">
-              <a:schemeClr val="tx1"/>
-            </a:fontRef>
-          </p:style>
-        </p:cxnSp>
-        <p:cxnSp>
-          <p:nvCxnSpPr>
-            <p:cNvPr id="21" name="Straight Connector 20"/>
-            <p:cNvCxnSpPr/>
-            <p:nvPr/>
-          </p:nvCxnSpPr>
-          <p:spPr>
-            <a:xfrm flipH="1">
-              <a:off x="7425267" y="3681413"/>
-              <a:ext cx="4763558" cy="3176587"/>
-            </a:xfrm>
-            <a:prstGeom prst="line">
-              <a:avLst/>
-            </a:prstGeom>
-            <a:ln w="9525">
-              <a:solidFill>
-                <a:schemeClr val="bg1">
-                  <a:lumMod val="85000"/>
-                </a:schemeClr>
-              </a:solidFill>
-            </a:ln>
-          </p:spPr>
-          <p:style>
-            <a:lnRef idx="2">
-              <a:schemeClr val="accent1"/>
-            </a:lnRef>
-            <a:fillRef idx="0">
-              <a:schemeClr val="accent1"/>
-            </a:fillRef>
-            <a:effectRef idx="1">
-              <a:schemeClr val="accent1"/>
-            </a:effectRef>
-            <a:fontRef idx="minor">
-              <a:schemeClr val="tx1"/>
-            </a:fontRef>
-          </p:style>
-        </p:cxnSp>
-        <p:sp>
-          <p:nvSpPr>
-            <p:cNvPr id="22" name="Rectangle 23"/>
-            <p:cNvSpPr/>
-            <p:nvPr/>
-          </p:nvSpPr>
-          <p:spPr>
-            <a:xfrm>
-              <a:off x="9181476" y="-8467"/>
-              <a:ext cx="3007349" cy="6866467"/>
-            </a:xfrm>
-            <a:custGeom>
-              <a:avLst/>
-              <a:gdLst/>
-              <a:ahLst/>
-              <a:cxnLst/>
-              <a:rect l="l" t="t" r="r" b="b"/>
-              <a:pathLst>
-                <a:path w="3007349" h="6866467">
-                  <a:moveTo>
-                    <a:pt x="2045532" y="0"/>
-                  </a:moveTo>
-                  <a:lnTo>
-                    <a:pt x="3007349" y="0"/>
-                  </a:lnTo>
-                  <a:lnTo>
-                    <a:pt x="3007349" y="6866467"/>
-                  </a:lnTo>
-                  <a:lnTo>
-                    <a:pt x="0" y="6866467"/>
-                  </a:lnTo>
-                  <a:lnTo>
-                    <a:pt x="2045532" y="0"/>
-                  </a:lnTo>
-                  <a:close/>
-                </a:path>
-              </a:pathLst>
-            </a:custGeom>
-            <a:solidFill>
-              <a:schemeClr val="accent1">
-                <a:alpha val="30000"/>
-              </a:schemeClr>
-            </a:solidFill>
-            <a:ln>
-              <a:noFill/>
-            </a:ln>
-            <a:effectLst/>
-          </p:spPr>
-          <p:style>
-            <a:lnRef idx="1">
-              <a:schemeClr val="accent1"/>
-            </a:lnRef>
-            <a:fillRef idx="3">
-              <a:schemeClr val="accent1"/>
-            </a:fillRef>
-            <a:effectRef idx="2">
-              <a:schemeClr val="accent1"/>
-            </a:effectRef>
-            <a:fontRef idx="minor">
-              <a:schemeClr val="lt1"/>
-            </a:fontRef>
-          </p:style>
-        </p:sp>
-        <p:sp>
-          <p:nvSpPr>
-            <p:cNvPr id="23" name="Rectangle 25"/>
-            <p:cNvSpPr/>
-            <p:nvPr/>
-          </p:nvSpPr>
-          <p:spPr>
-            <a:xfrm>
-              <a:off x="9603442" y="-8467"/>
-              <a:ext cx="2588558" cy="6866467"/>
-            </a:xfrm>
-            <a:custGeom>
-              <a:avLst/>
-              <a:gdLst/>
-              <a:ahLst/>
-              <a:cxnLst/>
-              <a:rect l="l" t="t" r="r" b="b"/>
-              <a:pathLst>
-                <a:path w="2573311" h="6866467">
-                  <a:moveTo>
-                    <a:pt x="0" y="0"/>
-                  </a:moveTo>
-                  <a:lnTo>
-                    <a:pt x="2573311" y="0"/>
-                  </a:lnTo>
-                  <a:lnTo>
-                    <a:pt x="2573311" y="6866467"/>
-                  </a:lnTo>
-                  <a:lnTo>
-                    <a:pt x="1202336" y="6866467"/>
-                  </a:lnTo>
-                  <a:lnTo>
-                    <a:pt x="0" y="0"/>
-                  </a:lnTo>
-                  <a:close/>
-                </a:path>
-              </a:pathLst>
-            </a:custGeom>
-            <a:solidFill>
-              <a:schemeClr val="accent1">
-                <a:alpha val="20000"/>
-              </a:schemeClr>
-            </a:solidFill>
-            <a:ln>
-              <a:noFill/>
-            </a:ln>
-            <a:effectLst/>
-          </p:spPr>
-          <p:style>
-            <a:lnRef idx="1">
-              <a:schemeClr val="accent1"/>
-            </a:lnRef>
-            <a:fillRef idx="3">
-              <a:schemeClr val="accent1"/>
-            </a:fillRef>
-            <a:effectRef idx="2">
-              <a:schemeClr val="accent1"/>
-            </a:effectRef>
-            <a:fontRef idx="minor">
-              <a:schemeClr val="lt1"/>
-            </a:fontRef>
-          </p:style>
-        </p:sp>
-        <p:sp>
-          <p:nvSpPr>
-            <p:cNvPr id="24" name="Isosceles Triangle 23"/>
-            <p:cNvSpPr/>
-            <p:nvPr/>
-          </p:nvSpPr>
-          <p:spPr>
-            <a:xfrm>
-              <a:off x="8932333" y="3048000"/>
-              <a:ext cx="3259667" cy="3810000"/>
-            </a:xfrm>
-            <a:prstGeom prst="triangle">
-              <a:avLst>
-                <a:gd name="adj" fmla="val 100000"/>
-              </a:avLst>
-            </a:prstGeom>
-            <a:solidFill>
-              <a:schemeClr val="accent2">
-                <a:alpha val="72000"/>
-              </a:schemeClr>
-            </a:solidFill>
-            <a:ln>
-              <a:noFill/>
-            </a:ln>
-            <a:effectLst/>
-          </p:spPr>
-          <p:style>
-            <a:lnRef idx="1">
-              <a:schemeClr val="accent1"/>
-            </a:lnRef>
-            <a:fillRef idx="3">
-              <a:schemeClr val="accent1"/>
-            </a:fillRef>
-            <a:effectRef idx="2">
-              <a:schemeClr val="accent1"/>
-            </a:effectRef>
-            <a:fontRef idx="minor">
-              <a:schemeClr val="lt1"/>
-            </a:fontRef>
-          </p:style>
-        </p:sp>
-        <p:sp>
-          <p:nvSpPr>
-            <p:cNvPr id="25" name="Rectangle 27"/>
-            <p:cNvSpPr/>
-            <p:nvPr/>
-          </p:nvSpPr>
-          <p:spPr>
-            <a:xfrm>
-              <a:off x="9334500" y="-8467"/>
-              <a:ext cx="2854326" cy="6866467"/>
-            </a:xfrm>
-            <a:custGeom>
-              <a:avLst/>
-              <a:gdLst/>
-              <a:ahLst/>
-              <a:cxnLst/>
-              <a:rect l="l" t="t" r="r" b="b"/>
-              <a:pathLst>
-                <a:path w="2858013" h="6866467">
-                  <a:moveTo>
-                    <a:pt x="0" y="0"/>
-                  </a:moveTo>
-                  <a:lnTo>
-                    <a:pt x="2858013" y="0"/>
-                  </a:lnTo>
-                  <a:lnTo>
-                    <a:pt x="2858013" y="6866467"/>
-                  </a:lnTo>
-                  <a:lnTo>
-                    <a:pt x="2473942" y="6866467"/>
-                  </a:lnTo>
-                  <a:lnTo>
-                    <a:pt x="0" y="0"/>
-                  </a:lnTo>
-                  <a:close/>
-                </a:path>
-              </a:pathLst>
-            </a:custGeom>
-            <a:solidFill>
-              <a:schemeClr val="accent2">
-                <a:lumMod val="75000"/>
-                <a:alpha val="70000"/>
-              </a:schemeClr>
-            </a:solidFill>
-            <a:ln>
-              <a:noFill/>
-            </a:ln>
-            <a:effectLst/>
-          </p:spPr>
-          <p:style>
-            <a:lnRef idx="1">
-              <a:schemeClr val="accent1"/>
-            </a:lnRef>
-            <a:fillRef idx="3">
-              <a:schemeClr val="accent1"/>
-            </a:fillRef>
-            <a:effectRef idx="2">
-              <a:schemeClr val="accent1"/>
-            </a:effectRef>
-            <a:fontRef idx="minor">
-              <a:schemeClr val="lt1"/>
-            </a:fontRef>
-          </p:style>
-        </p:sp>
-        <p:sp>
-          <p:nvSpPr>
-            <p:cNvPr id="26" name="Rectangle 28"/>
-            <p:cNvSpPr/>
-            <p:nvPr/>
-          </p:nvSpPr>
-          <p:spPr>
-            <a:xfrm>
-              <a:off x="10898730" y="-8467"/>
-              <a:ext cx="1290094" cy="6866467"/>
-            </a:xfrm>
-            <a:custGeom>
-              <a:avLst/>
-              <a:gdLst/>
-              <a:ahLst/>
-              <a:cxnLst/>
-              <a:rect l="l" t="t" r="r" b="b"/>
-              <a:pathLst>
-                <a:path w="1290094" h="6858000">
-                  <a:moveTo>
-                    <a:pt x="1019735" y="0"/>
-                  </a:moveTo>
-                  <a:lnTo>
-                    <a:pt x="1290094" y="0"/>
-                  </a:lnTo>
-                  <a:lnTo>
-                    <a:pt x="1290094" y="6858000"/>
-                  </a:lnTo>
-                  <a:lnTo>
-                    <a:pt x="0" y="6858000"/>
-                  </a:lnTo>
-                  <a:lnTo>
-                    <a:pt x="1019735" y="0"/>
-                  </a:lnTo>
-                  <a:close/>
-                </a:path>
-              </a:pathLst>
-            </a:custGeom>
-            <a:solidFill>
-              <a:schemeClr val="accent1">
-                <a:lumMod val="60000"/>
-                <a:lumOff val="40000"/>
-                <a:alpha val="70000"/>
-              </a:schemeClr>
-            </a:solidFill>
-            <a:ln>
-              <a:noFill/>
-            </a:ln>
-            <a:effectLst/>
-          </p:spPr>
-          <p:style>
-            <a:lnRef idx="1">
-              <a:schemeClr val="accent1"/>
-            </a:lnRef>
-            <a:fillRef idx="3">
-              <a:schemeClr val="accent1"/>
-            </a:fillRef>
-            <a:effectRef idx="2">
-              <a:schemeClr val="accent1"/>
-            </a:effectRef>
-            <a:fontRef idx="minor">
-              <a:schemeClr val="lt1"/>
-            </a:fontRef>
-          </p:style>
-        </p:sp>
-        <p:sp>
-          <p:nvSpPr>
-            <p:cNvPr id="27" name="Rectangle 29"/>
-            <p:cNvSpPr/>
-            <p:nvPr/>
-          </p:nvSpPr>
-          <p:spPr>
-            <a:xfrm>
-              <a:off x="10938999" y="-8467"/>
-              <a:ext cx="1249825" cy="6866467"/>
-            </a:xfrm>
-            <a:custGeom>
-              <a:avLst/>
-              <a:gdLst/>
-              <a:ahLst/>
-              <a:cxnLst/>
-              <a:rect l="l" t="t" r="r" b="b"/>
-              <a:pathLst>
-                <a:path w="1249825" h="6858000">
-                  <a:moveTo>
-                    <a:pt x="0" y="0"/>
-                  </a:moveTo>
-                  <a:lnTo>
-                    <a:pt x="1249825" y="0"/>
-                  </a:lnTo>
-                  <a:lnTo>
-                    <a:pt x="1249825" y="6858000"/>
-                  </a:lnTo>
-                  <a:lnTo>
-                    <a:pt x="1109382" y="6858000"/>
-                  </a:lnTo>
-                  <a:lnTo>
-                    <a:pt x="0" y="0"/>
-                  </a:lnTo>
-                  <a:close/>
-                </a:path>
-              </a:pathLst>
-            </a:custGeom>
-            <a:solidFill>
-              <a:schemeClr val="accent1">
-                <a:alpha val="65000"/>
-              </a:schemeClr>
-            </a:solidFill>
-            <a:ln>
-              <a:noFill/>
-            </a:ln>
-            <a:effectLst/>
-          </p:spPr>
-          <p:style>
-            <a:lnRef idx="1">
-              <a:schemeClr val="accent1"/>
-            </a:lnRef>
-            <a:fillRef idx="3">
-              <a:schemeClr val="accent1"/>
-            </a:fillRef>
-            <a:effectRef idx="2">
-              <a:schemeClr val="accent1"/>
-            </a:effectRef>
-            <a:fontRef idx="minor">
-              <a:schemeClr val="lt1"/>
-            </a:fontRef>
-          </p:style>
-        </p:sp>
-        <p:sp>
-          <p:nvSpPr>
-            <p:cNvPr id="28" name="Isosceles Triangle 27"/>
-            <p:cNvSpPr/>
-            <p:nvPr/>
-          </p:nvSpPr>
-          <p:spPr>
-            <a:xfrm>
-              <a:off x="10371666" y="3589867"/>
-              <a:ext cx="1817159" cy="3268133"/>
-            </a:xfrm>
-            <a:prstGeom prst="triangle">
-              <a:avLst>
-                <a:gd name="adj" fmla="val 100000"/>
-              </a:avLst>
-            </a:prstGeom>
-            <a:solidFill>
-              <a:schemeClr val="accent1">
-                <a:alpha val="80000"/>
-              </a:schemeClr>
-            </a:solidFill>
-            <a:ln>
-              <a:noFill/>
-            </a:ln>
-            <a:effectLst/>
-          </p:spPr>
-          <p:style>
-            <a:lnRef idx="1">
-              <a:schemeClr val="accent1"/>
-            </a:lnRef>
-            <a:fillRef idx="3">
-              <a:schemeClr val="accent1"/>
-            </a:fillRef>
-            <a:effectRef idx="2">
-              <a:schemeClr val="accent1"/>
-            </a:effectRef>
-            <a:fontRef idx="minor">
-              <a:schemeClr val="lt1"/>
-            </a:fontRef>
-          </p:style>
-        </p:sp>
-        <p:sp>
-          <p:nvSpPr>
-            <p:cNvPr id="29" name="Isosceles Triangle 28"/>
-            <p:cNvSpPr/>
-            <p:nvPr/>
-          </p:nvSpPr>
-          <p:spPr>
-            <a:xfrm>
-              <a:off x="0" y="4013200"/>
-              <a:ext cx="448733" cy="2844800"/>
-            </a:xfrm>
-            <a:prstGeom prst="triangle">
-              <a:avLst>
-                <a:gd name="adj" fmla="val 0"/>
-              </a:avLst>
-            </a:prstGeom>
-            <a:solidFill>
-              <a:schemeClr val="accent1">
-                <a:alpha val="85000"/>
-              </a:schemeClr>
-            </a:solidFill>
-            <a:ln>
-              <a:noFill/>
-            </a:ln>
-            <a:effectLst/>
-          </p:spPr>
-          <p:style>
-            <a:lnRef idx="1">
-              <a:schemeClr val="accent1"/>
-            </a:lnRef>
-            <a:fillRef idx="3">
-              <a:schemeClr val="accent1"/>
-            </a:fillRef>
-            <a:effectRef idx="2">
-              <a:schemeClr val="accent1"/>
-            </a:effectRef>
-            <a:fontRef idx="minor">
-              <a:schemeClr val="lt1"/>
-            </a:fontRef>
-          </p:style>
-        </p:sp>
-      </p:grpSp>
-      <p:sp>
-        <p:nvSpPr>
-          <p:cNvPr id="2" name="Title Placeholder 1"/>
-          <p:cNvSpPr>
-            <a:spLocks noGrp="1"/>
-          </p:cNvSpPr>
-          <p:nvPr>
-            <p:ph type="title"/>
-          </p:nvPr>
         </p:nvSpPr>
         <p:spPr>
           <a:xfrm>
-            <a:off x="677334" y="609600"/>
-            <a:ext cx="8596668" cy="1320800"/>
+            <a:off x="231140" y="243840"/>
+            <a:ext cx="11724640" cy="6377939"/>
+          </a:xfrm>
+          <a:prstGeom prst="rect">
+            <a:avLst/>
+          </a:prstGeom>
+          <a:solidFill>
+            <a:schemeClr val="bg1"/>
+          </a:solidFill>
+          <a:ln w="12700">
+            <a:noFill/>
+          </a:ln>
+        </p:spPr>
+        <p:style>
+          <a:lnRef idx="2">
+            <a:schemeClr val="accent1">
+              <a:shade val="50000"/>
+            </a:schemeClr>
+          </a:lnRef>
+          <a:fillRef idx="1">
+            <a:schemeClr val="accent1"/>
+          </a:fillRef>
+          <a:effectRef idx="0">
+            <a:schemeClr val="accent1"/>
+          </a:effectRef>
+          <a:fontRef idx="minor">
+            <a:schemeClr val="lt1"/>
+          </a:fontRef>
+        </p:style>
+      </p:sp>
+      <p:sp>
+        <p:nvSpPr>
+          <p:cNvPr id="2" name="Title Placeholder 1"/>
+          <p:cNvSpPr>
+            <a:spLocks noGrp="1"/>
+          </p:cNvSpPr>
+          <p:nvPr>
+            <p:ph type="title"/>
+          </p:nvPr>
+        </p:nvSpPr>
+        <p:spPr>
+          <a:xfrm>
+            <a:off x="1143000" y="609600"/>
+            <a:ext cx="9875520" cy="1356360"/>
           </a:xfrm>
           <a:prstGeom prst="rect">
             <a:avLst/>
           </a:prstGeom>
         </p:spPr>
         <p:txBody>
-          <a:bodyPr vert="horz" lIns="91440" tIns="45720" rIns="91440" bIns="45720" rtlCol="0" anchor="t">
+          <a:bodyPr vert="horz" lIns="91440" tIns="45720" rIns="91440" bIns="45720" rtlCol="0" anchor="ctr">
             <a:normAutofit/>
           </a:bodyPr>
           <a:lstStyle/>
@@ -5698,8 +3428,8 @@
         </p:nvSpPr>
         <p:spPr>
           <a:xfrm>
-            <a:off x="677334" y="2160589"/>
-            <a:ext cx="8596668" cy="3880773"/>
+            <a:off x="1143000" y="2057400"/>
+            <a:ext cx="9872871" cy="4038600"/>
           </a:xfrm>
           <a:prstGeom prst="rect">
             <a:avLst/>
@@ -5714,11 +3444,35 @@
             <a:pPr lvl="0"/>
             <a:r>
               <a:rPr lang="da-DK"/>
-              <a:t>Rediger teksttypografien i masteren
-Andet niveau
-Tredje niveau
-Fjerde niveau
-Femte niveau</a:t>
+              <a:t>Rediger teksttypografien i masteren</a:t>
+            </a:r>
+          </a:p>
+          <a:p>
+            <a:pPr lvl="1"/>
+            <a:r>
+              <a:rPr lang="da-DK"/>
+              <a:t>Andet niveau</a:t>
+            </a:r>
+          </a:p>
+          <a:p>
+            <a:pPr lvl="2"/>
+            <a:r>
+              <a:rPr lang="da-DK"/>
+              <a:t>Tredje niveau</a:t>
+            </a:r>
+          </a:p>
+          <a:p>
+            <a:pPr lvl="3"/>
+            <a:r>
+              <a:rPr lang="da-DK"/>
+              <a:t>Fjerde niveau</a:t>
+            </a:r>
+          </a:p>
+          <a:p>
+            <a:pPr lvl="4"/>
+            <a:r>
+              <a:rPr lang="da-DK"/>
+              <a:t>Femte niveau</a:t>
             </a:r>
             <a:endParaRPr lang="en-US" dirty="0"/>
           </a:p>
@@ -5736,8 +3490,8 @@
         </p:nvSpPr>
         <p:spPr>
           <a:xfrm>
-            <a:off x="7205133" y="6041362"/>
-            <a:ext cx="911939" cy="365125"/>
+            <a:off x="1142996" y="6223828"/>
+            <a:ext cx="2329074" cy="365125"/>
           </a:xfrm>
           <a:prstGeom prst="rect">
             <a:avLst/>
@@ -5746,86 +3500,8 @@
         <p:txBody>
           <a:bodyPr vert="horz" lIns="91440" tIns="45720" rIns="91440" bIns="45720" rtlCol="0" anchor="ctr"/>
           <a:lstStyle>
-            <a:lvl1pPr algn="r">
-              <a:defRPr sz="900">
-                <a:solidFill>
-                  <a:schemeClr val="tx1">
-                    <a:tint val="75000"/>
-                  </a:schemeClr>
-                </a:solidFill>
-              </a:defRPr>
-            </a:lvl1pPr>
-          </a:lstStyle>
-          <a:p>
-            <a:fld id="{4C52EC6D-AFBA-4F6F-A64F-BA455C0AB0BC}" type="datetimeFigureOut">
-              <a:rPr lang="da-DK" smtClean="0"/>
-              <a:t>12/01/2019</a:t>
-            </a:fld>
-            <a:endParaRPr lang="da-DK"/>
-          </a:p>
-        </p:txBody>
-      </p:sp>
-      <p:sp>
-        <p:nvSpPr>
-          <p:cNvPr id="5" name="Footer Placeholder 4"/>
-          <p:cNvSpPr>
-            <a:spLocks noGrp="1"/>
-          </p:cNvSpPr>
-          <p:nvPr>
-            <p:ph type="ftr" sz="quarter" idx="3"/>
-          </p:nvPr>
-        </p:nvSpPr>
-        <p:spPr>
-          <a:xfrm>
-            <a:off x="677334" y="6041362"/>
-            <a:ext cx="6297612" cy="365125"/>
-          </a:xfrm>
-          <a:prstGeom prst="rect">
-            <a:avLst/>
-          </a:prstGeom>
-        </p:spPr>
-        <p:txBody>
-          <a:bodyPr vert="horz" lIns="91440" tIns="45720" rIns="91440" bIns="45720" rtlCol="0" anchor="ctr"/>
-          <a:lstStyle>
             <a:lvl1pPr algn="l">
-              <a:defRPr sz="900">
-                <a:solidFill>
-                  <a:schemeClr val="tx1">
-                    <a:tint val="75000"/>
-                  </a:schemeClr>
-                </a:solidFill>
-              </a:defRPr>
-            </a:lvl1pPr>
-          </a:lstStyle>
-          <a:p>
-            <a:endParaRPr lang="da-DK"/>
-          </a:p>
-        </p:txBody>
-      </p:sp>
-      <p:sp>
-        <p:nvSpPr>
-          <p:cNvPr id="6" name="Slide Number Placeholder 5"/>
-          <p:cNvSpPr>
-            <a:spLocks noGrp="1"/>
-          </p:cNvSpPr>
-          <p:nvPr>
-            <p:ph type="sldNum" sz="quarter" idx="4"/>
-          </p:nvPr>
-        </p:nvSpPr>
-        <p:spPr>
-          <a:xfrm>
-            <a:off x="8590663" y="6041362"/>
-            <a:ext cx="683339" cy="365125"/>
-          </a:xfrm>
-          <a:prstGeom prst="rect">
-            <a:avLst/>
-          </a:prstGeom>
-        </p:spPr>
-        <p:txBody>
-          <a:bodyPr vert="horz" lIns="91440" tIns="45720" rIns="91440" bIns="45720" rtlCol="0" anchor="ctr"/>
-          <a:lstStyle>
-            <a:lvl1pPr algn="r">
-              <a:defRPr sz="900">
+              <a:defRPr sz="1200">
                 <a:solidFill>
                   <a:schemeClr val="accent1"/>
                 </a:solidFill>
@@ -5833,6 +3509,80 @@
             </a:lvl1pPr>
           </a:lstStyle>
           <a:p>
+            <a:fld id="{4C52EC6D-AFBA-4F6F-A64F-BA455C0AB0BC}" type="datetimeFigureOut">
+              <a:rPr lang="da-DK" smtClean="0"/>
+              <a:t>13-01-2019</a:t>
+            </a:fld>
+            <a:endParaRPr lang="da-DK"/>
+          </a:p>
+        </p:txBody>
+      </p:sp>
+      <p:sp>
+        <p:nvSpPr>
+          <p:cNvPr id="5" name="Footer Placeholder 4"/>
+          <p:cNvSpPr>
+            <a:spLocks noGrp="1"/>
+          </p:cNvSpPr>
+          <p:nvPr>
+            <p:ph type="ftr" sz="quarter" idx="3"/>
+          </p:nvPr>
+        </p:nvSpPr>
+        <p:spPr>
+          <a:xfrm>
+            <a:off x="3949148" y="6223828"/>
+            <a:ext cx="4717774" cy="365125"/>
+          </a:xfrm>
+          <a:prstGeom prst="rect">
+            <a:avLst/>
+          </a:prstGeom>
+        </p:spPr>
+        <p:txBody>
+          <a:bodyPr vert="horz" lIns="91440" tIns="45720" rIns="91440" bIns="45720" rtlCol="0" anchor="ctr"/>
+          <a:lstStyle>
+            <a:lvl1pPr algn="ctr">
+              <a:defRPr sz="1200">
+                <a:solidFill>
+                  <a:schemeClr val="accent1"/>
+                </a:solidFill>
+              </a:defRPr>
+            </a:lvl1pPr>
+          </a:lstStyle>
+          <a:p>
+            <a:endParaRPr lang="da-DK"/>
+          </a:p>
+        </p:txBody>
+      </p:sp>
+      <p:sp>
+        <p:nvSpPr>
+          <p:cNvPr id="6" name="Slide Number Placeholder 5"/>
+          <p:cNvSpPr>
+            <a:spLocks noGrp="1"/>
+          </p:cNvSpPr>
+          <p:nvPr>
+            <p:ph type="sldNum" sz="quarter" idx="4"/>
+          </p:nvPr>
+        </p:nvSpPr>
+        <p:spPr>
+          <a:xfrm>
+            <a:off x="9329530" y="6223828"/>
+            <a:ext cx="1706217" cy="365125"/>
+          </a:xfrm>
+          <a:prstGeom prst="rect">
+            <a:avLst/>
+          </a:prstGeom>
+        </p:spPr>
+        <p:txBody>
+          <a:bodyPr vert="horz" lIns="91440" tIns="45720" rIns="91440" bIns="45720" rtlCol="0" anchor="ctr"/>
+          <a:lstStyle>
+            <a:lvl1pPr algn="r">
+              <a:defRPr sz="1200">
+                <a:solidFill>
+                  <a:schemeClr val="accent1"/>
+                </a:solidFill>
+              </a:defRPr>
+            </a:lvl1pPr>
+          </a:lstStyle>
+          <a:p>
             <a:fld id="{2E8327EC-32D6-48CC-AD7E-02BA4A0C4B80}" type="slidenum">
               <a:rPr lang="da-DK" smtClean="0"/>
               <a:t>‹nr.›</a:t>
@@ -5844,37 +3594,35 @@
     </p:spTree>
     <p:extLst>
       <p:ext uri="{BB962C8B-B14F-4D97-AF65-F5344CB8AC3E}">
-        <p14:creationId xmlns:p14="http://schemas.microsoft.com/office/powerpoint/2010/main" val="3065929457"/>
+        <p14:creationId xmlns:p14="http://schemas.microsoft.com/office/powerpoint/2010/main" val="708798346"/>
       </p:ext>
     </p:extLst>
   </p:cSld>
   <p:clrMap bg1="lt1" tx1="dk1" bg2="lt2" tx2="dk2" accent1="accent1" accent2="accent2" accent3="accent3" accent4="accent4" accent5="accent5" accent6="accent6" hlink="hlink" folHlink="folHlink"/>
   <p:sldLayoutIdLst>
-    <p:sldLayoutId id="2147483685" r:id="rId1"/>
-    <p:sldLayoutId id="2147483686" r:id="rId2"/>
-    <p:sldLayoutId id="2147483687" r:id="rId3"/>
-    <p:sldLayoutId id="2147483688" r:id="rId4"/>
-    <p:sldLayoutId id="2147483689" r:id="rId5"/>
-    <p:sldLayoutId id="2147483690" r:id="rId6"/>
-    <p:sldLayoutId id="2147483691" r:id="rId7"/>
-    <p:sldLayoutId id="2147483692" r:id="rId8"/>
-    <p:sldLayoutId id="2147483693" r:id="rId9"/>
-    <p:sldLayoutId id="2147483694" r:id="rId10"/>
-    <p:sldLayoutId id="2147483695" r:id="rId11"/>
-    <p:sldLayoutId id="2147483696" r:id="rId12"/>
-    <p:sldLayoutId id="2147483697" r:id="rId13"/>
-    <p:sldLayoutId id="2147483698" r:id="rId14"/>
-    <p:sldLayoutId id="2147483699" r:id="rId15"/>
-    <p:sldLayoutId id="2147483700" r:id="rId16"/>
+    <p:sldLayoutId id="2147483702" r:id="rId1"/>
+    <p:sldLayoutId id="2147483703" r:id="rId2"/>
+    <p:sldLayoutId id="2147483704" r:id="rId3"/>
+    <p:sldLayoutId id="2147483705" r:id="rId4"/>
+    <p:sldLayoutId id="2147483706" r:id="rId5"/>
+    <p:sldLayoutId id="2147483707" r:id="rId6"/>
+    <p:sldLayoutId id="2147483708" r:id="rId7"/>
+    <p:sldLayoutId id="2147483709" r:id="rId8"/>
+    <p:sldLayoutId id="2147483710" r:id="rId9"/>
+    <p:sldLayoutId id="2147483711" r:id="rId10"/>
+    <p:sldLayoutId id="2147483712" r:id="rId11"/>
   </p:sldLayoutIdLst>
   <p:txStyles>
     <p:titleStyle>
-      <a:lvl1pPr algn="l" defTabSz="457200" rtl="0" eaLnBrk="1" latinLnBrk="0" hangingPunct="1">
+      <a:lvl1pPr algn="l" defTabSz="914400" rtl="0" eaLnBrk="1" latinLnBrk="0" hangingPunct="1">
+        <a:lnSpc>
+          <a:spcPct val="90000"/>
+        </a:lnSpc>
         <a:spcBef>
           <a:spcPct val="0"/>
         </a:spcBef>
         <a:buNone/>
-        <a:defRPr sz="3600" kern="1200">
+        <a:defRPr sz="4400" kern="1200">
           <a:solidFill>
             <a:schemeClr val="accent1"/>
           </a:solidFill>
@@ -5883,283 +3631,224 @@
           <a:cs typeface="+mj-cs"/>
         </a:defRPr>
       </a:lvl1pPr>
-      <a:lvl2pPr eaLnBrk="1" hangingPunct="1">
-        <a:defRPr>
-          <a:solidFill>
-            <a:schemeClr val="tx2"/>
-          </a:solidFill>
-        </a:defRPr>
-      </a:lvl2pPr>
-      <a:lvl3pPr eaLnBrk="1" hangingPunct="1">
-        <a:defRPr>
-          <a:solidFill>
-            <a:schemeClr val="tx2"/>
-          </a:solidFill>
-        </a:defRPr>
-      </a:lvl3pPr>
-      <a:lvl4pPr eaLnBrk="1" hangingPunct="1">
-        <a:defRPr>
-          <a:solidFill>
-            <a:schemeClr val="tx2"/>
-          </a:solidFill>
-        </a:defRPr>
-      </a:lvl4pPr>
-      <a:lvl5pPr eaLnBrk="1" hangingPunct="1">
-        <a:defRPr>
-          <a:solidFill>
-            <a:schemeClr val="tx2"/>
-          </a:solidFill>
-        </a:defRPr>
-      </a:lvl5pPr>
-      <a:lvl6pPr eaLnBrk="1" hangingPunct="1">
-        <a:defRPr>
-          <a:solidFill>
-            <a:schemeClr val="tx2"/>
-          </a:solidFill>
-        </a:defRPr>
-      </a:lvl6pPr>
-      <a:lvl7pPr eaLnBrk="1" hangingPunct="1">
-        <a:defRPr>
-          <a:solidFill>
-            <a:schemeClr val="tx2"/>
-          </a:solidFill>
-        </a:defRPr>
-      </a:lvl7pPr>
-      <a:lvl8pPr eaLnBrk="1" hangingPunct="1">
-        <a:defRPr>
-          <a:solidFill>
-            <a:schemeClr val="tx2"/>
-          </a:solidFill>
-        </a:defRPr>
-      </a:lvl8pPr>
-      <a:lvl9pPr eaLnBrk="1" hangingPunct="1">
-        <a:defRPr>
-          <a:solidFill>
-            <a:schemeClr val="tx2"/>
-          </a:solidFill>
-        </a:defRPr>
-      </a:lvl9pPr>
     </p:titleStyle>
     <p:bodyStyle>
-      <a:lvl1pPr marL="342900" indent="-342900" algn="l" defTabSz="457200" rtl="0" eaLnBrk="1" latinLnBrk="0" hangingPunct="1">
+      <a:lvl1pPr marL="228600" indent="-182880" algn="l" defTabSz="914400" rtl="0" eaLnBrk="1" latinLnBrk="0" hangingPunct="1">
+        <a:lnSpc>
+          <a:spcPct val="90000"/>
+        </a:lnSpc>
         <a:spcBef>
-          <a:spcPts val="1000"/>
+          <a:spcPts val="1400"/>
         </a:spcBef>
-        <a:spcAft>
-          <a:spcPts val="0"/>
-        </a:spcAft>
         <a:buClr>
           <a:schemeClr val="accent1"/>
         </a:buClr>
         <a:buSzPct val="80000"/>
-        <a:buFont typeface="Wingdings 3" charset="2"/>
-        <a:buChar char=""/>
-        <a:defRPr sz="1800" kern="1200">
+        <a:buFont typeface="Corbel" pitchFamily="34" charset="0"/>
+        <a:buChar char="•"/>
+        <a:defRPr sz="2200" kern="1200">
           <a:solidFill>
-            <a:schemeClr val="tx1">
-              <a:lumMod val="75000"/>
-              <a:lumOff val="25000"/>
-            </a:schemeClr>
+            <a:schemeClr val="accent1"/>
           </a:solidFill>
           <a:latin typeface="+mn-lt"/>
           <a:ea typeface="+mn-ea"/>
           <a:cs typeface="+mn-cs"/>
         </a:defRPr>
       </a:lvl1pPr>
-      <a:lvl2pPr marL="742950" indent="-285750" algn="l" defTabSz="457200" rtl="0" eaLnBrk="1" latinLnBrk="0" hangingPunct="1">
+      <a:lvl2pPr marL="457200" indent="-182880" algn="l" defTabSz="914400" rtl="0" eaLnBrk="1" latinLnBrk="0" hangingPunct="1">
+        <a:lnSpc>
+          <a:spcPct val="90000"/>
+        </a:lnSpc>
         <a:spcBef>
-          <a:spcPts val="1000"/>
+          <a:spcPts val="200"/>
         </a:spcBef>
         <a:spcAft>
-          <a:spcPts val="0"/>
+          <a:spcPts val="400"/>
         </a:spcAft>
         <a:buClr>
           <a:schemeClr val="accent1"/>
         </a:buClr>
         <a:buSzPct val="80000"/>
-        <a:buFont typeface="Wingdings 3" charset="2"/>
-        <a:buChar char=""/>
-        <a:defRPr sz="1600" kern="1200">
+        <a:buFont typeface="Corbel" pitchFamily="34" charset="0"/>
+        <a:buChar char="•"/>
+        <a:defRPr sz="2000" kern="1200">
           <a:solidFill>
-            <a:schemeClr val="tx1">
-              <a:lumMod val="75000"/>
-              <a:lumOff val="25000"/>
-            </a:schemeClr>
+            <a:schemeClr val="accent1"/>
           </a:solidFill>
           <a:latin typeface="+mn-lt"/>
           <a:ea typeface="+mn-ea"/>
           <a:cs typeface="+mn-cs"/>
         </a:defRPr>
       </a:lvl2pPr>
-      <a:lvl3pPr marL="1143000" indent="-228600" algn="l" defTabSz="457200" rtl="0" eaLnBrk="1" latinLnBrk="0" hangingPunct="1">
+      <a:lvl3pPr marL="731520" indent="-182880" algn="l" defTabSz="914400" rtl="0" eaLnBrk="1" latinLnBrk="0" hangingPunct="1">
+        <a:lnSpc>
+          <a:spcPct val="90000"/>
+        </a:lnSpc>
         <a:spcBef>
-          <a:spcPts val="1000"/>
+          <a:spcPts val="200"/>
         </a:spcBef>
         <a:spcAft>
-          <a:spcPts val="0"/>
+          <a:spcPts val="400"/>
         </a:spcAft>
         <a:buClr>
           <a:schemeClr val="accent1"/>
         </a:buClr>
         <a:buSzPct val="80000"/>
-        <a:buFont typeface="Wingdings 3" charset="2"/>
-        <a:buChar char=""/>
-        <a:defRPr sz="1400" kern="1200">
+        <a:buFont typeface="Corbel" pitchFamily="34" charset="0"/>
+        <a:buChar char="•"/>
+        <a:defRPr sz="1800" kern="1200">
           <a:solidFill>
-            <a:schemeClr val="tx1">
-              <a:lumMod val="75000"/>
-              <a:lumOff val="25000"/>
-            </a:schemeClr>
+            <a:schemeClr val="accent1"/>
           </a:solidFill>
           <a:latin typeface="+mn-lt"/>
           <a:ea typeface="+mn-ea"/>
           <a:cs typeface="+mn-cs"/>
         </a:defRPr>
       </a:lvl3pPr>
-      <a:lvl4pPr marL="1600200" indent="-228600" algn="l" defTabSz="457200" rtl="0" eaLnBrk="1" latinLnBrk="0" hangingPunct="1">
+      <a:lvl4pPr marL="1005840" indent="-182880" algn="l" defTabSz="914400" rtl="0" eaLnBrk="1" latinLnBrk="0" hangingPunct="1">
+        <a:lnSpc>
+          <a:spcPct val="90000"/>
+        </a:lnSpc>
         <a:spcBef>
-          <a:spcPts val="1000"/>
+          <a:spcPts val="200"/>
         </a:spcBef>
         <a:spcAft>
-          <a:spcPts val="0"/>
+          <a:spcPts val="400"/>
         </a:spcAft>
         <a:buClr>
           <a:schemeClr val="accent1"/>
         </a:buClr>
         <a:buSzPct val="80000"/>
-        <a:buFont typeface="Wingdings 3" charset="2"/>
-        <a:buChar char=""/>
-        <a:defRPr sz="1200" kern="1200">
+        <a:buFont typeface="Corbel" pitchFamily="34" charset="0"/>
+        <a:buChar char="•"/>
+        <a:defRPr sz="1600" kern="1200">
           <a:solidFill>
-            <a:schemeClr val="tx1">
-              <a:lumMod val="75000"/>
-              <a:lumOff val="25000"/>
-            </a:schemeClr>
+            <a:schemeClr val="accent1"/>
           </a:solidFill>
           <a:latin typeface="+mn-lt"/>
           <a:ea typeface="+mn-ea"/>
           <a:cs typeface="+mn-cs"/>
         </a:defRPr>
       </a:lvl4pPr>
-      <a:lvl5pPr marL="2057400" indent="-228600" algn="l" defTabSz="457200" rtl="0" eaLnBrk="1" latinLnBrk="0" hangingPunct="1">
+      <a:lvl5pPr marL="1280160" indent="-182880" algn="l" defTabSz="914400" rtl="0" eaLnBrk="1" latinLnBrk="0" hangingPunct="1">
+        <a:lnSpc>
+          <a:spcPct val="90000"/>
+        </a:lnSpc>
         <a:spcBef>
-          <a:spcPts val="1000"/>
+          <a:spcPts val="200"/>
         </a:spcBef>
         <a:spcAft>
-          <a:spcPts val="0"/>
+          <a:spcPts val="400"/>
         </a:spcAft>
         <a:buClr>
           <a:schemeClr val="accent1"/>
         </a:buClr>
         <a:buSzPct val="80000"/>
-        <a:buFont typeface="Wingdings 3" charset="2"/>
-        <a:buChar char=""/>
-        <a:defRPr sz="1200" kern="1200">
+        <a:buFont typeface="Corbel" pitchFamily="34" charset="0"/>
+        <a:buChar char="•"/>
+        <a:defRPr sz="1600" kern="1200">
           <a:solidFill>
-            <a:schemeClr val="tx1">
-              <a:lumMod val="75000"/>
-              <a:lumOff val="25000"/>
-            </a:schemeClr>
+            <a:schemeClr val="accent1"/>
           </a:solidFill>
           <a:latin typeface="+mn-lt"/>
           <a:ea typeface="+mn-ea"/>
           <a:cs typeface="+mn-cs"/>
         </a:defRPr>
       </a:lvl5pPr>
-      <a:lvl6pPr marL="2514600" indent="-228600" algn="l" defTabSz="457200" rtl="0" eaLnBrk="1" latinLnBrk="0" hangingPunct="1">
+      <a:lvl6pPr marL="1600000" indent="-228600" algn="l" defTabSz="914400" rtl="0" eaLnBrk="1" latinLnBrk="0" hangingPunct="1">
+        <a:lnSpc>
+          <a:spcPct val="90000"/>
+        </a:lnSpc>
         <a:spcBef>
-          <a:spcPts val="1000"/>
+          <a:spcPts val="200"/>
         </a:spcBef>
         <a:spcAft>
-          <a:spcPts val="0"/>
+          <a:spcPts val="400"/>
         </a:spcAft>
         <a:buClr>
           <a:schemeClr val="accent1"/>
         </a:buClr>
         <a:buSzPct val="80000"/>
-        <a:buFont typeface="Wingdings 3" charset="2"/>
-        <a:buChar char=""/>
-        <a:defRPr sz="1200" kern="1200">
+        <a:buFont typeface="Corbel" pitchFamily="34" charset="0"/>
+        <a:buChar char="•"/>
+        <a:defRPr sz="1600" kern="1200">
           <a:solidFill>
-            <a:schemeClr val="tx1">
-              <a:lumMod val="75000"/>
-              <a:lumOff val="25000"/>
-            </a:schemeClr>
+            <a:schemeClr val="accent1"/>
           </a:solidFill>
           <a:latin typeface="+mn-lt"/>
           <a:ea typeface="+mn-ea"/>
           <a:cs typeface="+mn-cs"/>
         </a:defRPr>
       </a:lvl6pPr>
-      <a:lvl7pPr marL="2971800" indent="-228600" algn="l" defTabSz="457200" rtl="0" eaLnBrk="1" latinLnBrk="0" hangingPunct="1">
+      <a:lvl7pPr marL="1900000" indent="-228600" algn="l" defTabSz="914400" rtl="0" eaLnBrk="1" latinLnBrk="0" hangingPunct="1">
+        <a:lnSpc>
+          <a:spcPct val="90000"/>
+        </a:lnSpc>
         <a:spcBef>
-          <a:spcPts val="1000"/>
+          <a:spcPts val="200"/>
         </a:spcBef>
         <a:spcAft>
-          <a:spcPts val="0"/>
+          <a:spcPts val="400"/>
         </a:spcAft>
         <a:buClr>
           <a:schemeClr val="accent1"/>
         </a:buClr>
         <a:buSzPct val="80000"/>
-        <a:buFont typeface="Wingdings 3" charset="2"/>
-        <a:buChar char=""/>
-        <a:defRPr sz="1200" kern="1200">
+        <a:buFont typeface="Corbel" pitchFamily="34" charset="0"/>
+        <a:buChar char="•"/>
+        <a:defRPr sz="1600" kern="1200">
           <a:solidFill>
-            <a:schemeClr val="tx1">
-              <a:lumMod val="75000"/>
-              <a:lumOff val="25000"/>
-            </a:schemeClr>
+            <a:schemeClr val="accent1"/>
           </a:solidFill>
           <a:latin typeface="+mn-lt"/>
           <a:ea typeface="+mn-ea"/>
           <a:cs typeface="+mn-cs"/>
         </a:defRPr>
       </a:lvl7pPr>
-      <a:lvl8pPr marL="3429000" indent="-228600" algn="l" defTabSz="457200" rtl="0" eaLnBrk="1" latinLnBrk="0" hangingPunct="1">
+      <a:lvl8pPr marL="2200000" indent="-228600" algn="l" defTabSz="914400" rtl="0" eaLnBrk="1" latinLnBrk="0" hangingPunct="1">
+        <a:lnSpc>
+          <a:spcPct val="90000"/>
+        </a:lnSpc>
         <a:spcBef>
-          <a:spcPts val="1000"/>
+          <a:spcPts val="200"/>
         </a:spcBef>
         <a:spcAft>
-          <a:spcPts val="0"/>
+          <a:spcPts val="400"/>
         </a:spcAft>
         <a:buClr>
           <a:schemeClr val="accent1"/>
         </a:buClr>
         <a:buSzPct val="80000"/>
-        <a:buFont typeface="Wingdings 3" charset="2"/>
-        <a:buChar char=""/>
-        <a:defRPr sz="1200" kern="1200">
+        <a:buFont typeface="Corbel" pitchFamily="34" charset="0"/>
+        <a:buChar char="•"/>
+        <a:defRPr sz="1600" kern="1200">
           <a:solidFill>
-            <a:schemeClr val="tx1">
-              <a:lumMod val="75000"/>
-              <a:lumOff val="25000"/>
-            </a:schemeClr>
+            <a:schemeClr val="accent1"/>
           </a:solidFill>
           <a:latin typeface="+mn-lt"/>
           <a:ea typeface="+mn-ea"/>
           <a:cs typeface="+mn-cs"/>
         </a:defRPr>
       </a:lvl8pPr>
-      <a:lvl9pPr marL="3886200" indent="-228600" algn="l" defTabSz="457200" rtl="0" eaLnBrk="1" latinLnBrk="0" hangingPunct="1">
+      <a:lvl9pPr marL="2500000" indent="-228600" algn="l" defTabSz="914400" rtl="0" eaLnBrk="1" latinLnBrk="0" hangingPunct="1">
+        <a:lnSpc>
+          <a:spcPct val="90000"/>
+        </a:lnSpc>
         <a:spcBef>
-          <a:spcPts val="1000"/>
+          <a:spcPts val="200"/>
         </a:spcBef>
         <a:spcAft>
-          <a:spcPts val="0"/>
+          <a:spcPts val="400"/>
         </a:spcAft>
         <a:buClr>
           <a:schemeClr val="accent1"/>
         </a:buClr>
         <a:buSzPct val="80000"/>
-        <a:buFont typeface="Wingdings 3" charset="2"/>
-        <a:buChar char=""/>
-        <a:defRPr sz="1200" kern="1200">
+        <a:buFont typeface="Corbel" pitchFamily="34" charset="0"/>
+        <a:buChar char="•"/>
+        <a:defRPr sz="1600" kern="1200">
           <a:solidFill>
-            <a:schemeClr val="tx1">
-              <a:lumMod val="75000"/>
-              <a:lumOff val="25000"/>
-            </a:schemeClr>
+            <a:schemeClr val="accent1"/>
           </a:solidFill>
           <a:latin typeface="+mn-lt"/>
           <a:ea typeface="+mn-ea"/>
@@ -6171,7 +3860,7 @@
       <a:defPPr>
         <a:defRPr lang="en-US"/>
       </a:defPPr>
-      <a:lvl1pPr marL="0" algn="l" defTabSz="457200" rtl="0" eaLnBrk="1" latinLnBrk="0" hangingPunct="1">
+      <a:lvl1pPr marL="0" algn="l" defTabSz="914400" rtl="0" eaLnBrk="1" latinLnBrk="0" hangingPunct="1">
         <a:defRPr sz="1800" kern="1200">
           <a:solidFill>
             <a:schemeClr val="tx1"/>
@@ -6181,7 +3870,7 @@
           <a:cs typeface="+mn-cs"/>
         </a:defRPr>
       </a:lvl1pPr>
-      <a:lvl2pPr marL="457200" algn="l" defTabSz="457200" rtl="0" eaLnBrk="1" latinLnBrk="0" hangingPunct="1">
+      <a:lvl2pPr marL="457200" algn="l" defTabSz="914400" rtl="0" eaLnBrk="1" latinLnBrk="0" hangingPunct="1">
         <a:defRPr sz="1800" kern="1200">
           <a:solidFill>
             <a:schemeClr val="tx1"/>
@@ -6191,7 +3880,7 @@
           <a:cs typeface="+mn-cs"/>
         </a:defRPr>
       </a:lvl2pPr>
-      <a:lvl3pPr marL="914400" algn="l" defTabSz="457200" rtl="0" eaLnBrk="1" latinLnBrk="0" hangingPunct="1">
+      <a:lvl3pPr marL="914400" algn="l" defTabSz="914400" rtl="0" eaLnBrk="1" latinLnBrk="0" hangingPunct="1">
         <a:defRPr sz="1800" kern="1200">
           <a:solidFill>
             <a:schemeClr val="tx1"/>
@@ -6201,7 +3890,7 @@
           <a:cs typeface="+mn-cs"/>
         </a:defRPr>
       </a:lvl3pPr>
-      <a:lvl4pPr marL="1371600" algn="l" defTabSz="457200" rtl="0" eaLnBrk="1" latinLnBrk="0" hangingPunct="1">
+      <a:lvl4pPr marL="1371600" algn="l" defTabSz="914400" rtl="0" eaLnBrk="1" latinLnBrk="0" hangingPunct="1">
         <a:defRPr sz="1800" kern="1200">
           <a:solidFill>
             <a:schemeClr val="tx1"/>
@@ -6211,7 +3900,7 @@
           <a:cs typeface="+mn-cs"/>
         </a:defRPr>
       </a:lvl4pPr>
-      <a:lvl5pPr marL="1828800" algn="l" defTabSz="457200" rtl="0" eaLnBrk="1" latinLnBrk="0" hangingPunct="1">
+      <a:lvl5pPr marL="1828800" algn="l" defTabSz="914400" rtl="0" eaLnBrk="1" latinLnBrk="0" hangingPunct="1">
         <a:defRPr sz="1800" kern="1200">
           <a:solidFill>
             <a:schemeClr val="tx1"/>
@@ -6221,7 +3910,7 @@
           <a:cs typeface="+mn-cs"/>
         </a:defRPr>
       </a:lvl5pPr>
-      <a:lvl6pPr marL="2286000" algn="l" defTabSz="457200" rtl="0" eaLnBrk="1" latinLnBrk="0" hangingPunct="1">
+      <a:lvl6pPr marL="2286000" algn="l" defTabSz="914400" rtl="0" eaLnBrk="1" latinLnBrk="0" hangingPunct="1">
         <a:defRPr sz="1800" kern="1200">
           <a:solidFill>
             <a:schemeClr val="tx1"/>
@@ -6231,7 +3920,7 @@
           <a:cs typeface="+mn-cs"/>
         </a:defRPr>
       </a:lvl6pPr>
-      <a:lvl7pPr marL="2743200" algn="l" defTabSz="457200" rtl="0" eaLnBrk="1" latinLnBrk="0" hangingPunct="1">
+      <a:lvl7pPr marL="2743200" algn="l" defTabSz="914400" rtl="0" eaLnBrk="1" latinLnBrk="0" hangingPunct="1">
         <a:defRPr sz="1800" kern="1200">
           <a:solidFill>
             <a:schemeClr val="tx1"/>
@@ -6241,7 +3930,7 @@
           <a:cs typeface="+mn-cs"/>
         </a:defRPr>
       </a:lvl7pPr>
-      <a:lvl8pPr marL="3200400" algn="l" defTabSz="457200" rtl="0" eaLnBrk="1" latinLnBrk="0" hangingPunct="1">
+      <a:lvl8pPr marL="3200400" algn="l" defTabSz="914400" rtl="0" eaLnBrk="1" latinLnBrk="0" hangingPunct="1">
         <a:defRPr sz="1800" kern="1200">
           <a:solidFill>
             <a:schemeClr val="tx1"/>
@@ -6251,7 +3940,7 @@
           <a:cs typeface="+mn-cs"/>
         </a:defRPr>
       </a:lvl8pPr>
-      <a:lvl9pPr marL="3657600" algn="l" defTabSz="457200" rtl="0" eaLnBrk="1" latinLnBrk="0" hangingPunct="1">
+      <a:lvl9pPr marL="3657600" algn="l" defTabSz="914400" rtl="0" eaLnBrk="1" latinLnBrk="0" hangingPunct="1">
         <a:defRPr sz="1800" kern="1200">
           <a:solidFill>
             <a:schemeClr val="tx1"/>
@@ -6316,7 +4005,7 @@
         </p:nvSpPr>
         <p:spPr>
           <a:xfrm>
-            <a:off x="1261872" y="368300"/>
+            <a:off x="1839468" y="331724"/>
             <a:ext cx="8263128" cy="4470399"/>
           </a:xfrm>
           <a:noFill/>
@@ -6366,11 +4055,14 @@
           </a:bodyPr>
           <a:lstStyle/>
           <a:p>
-            <a:endParaRPr lang="da-DK" sz="2800" dirty="0">
-              <a:solidFill>
-                <a:schemeClr val="tx1"/>
-              </a:solidFill>
-            </a:endParaRPr>
+            <a:r>
+              <a:rPr lang="da-DK" sz="2800" dirty="0">
+                <a:solidFill>
+                  <a:schemeClr val="tx1"/>
+                </a:solidFill>
+              </a:rPr>
+              <a:t>Af Patrick, Matthias, Christian og Casper</a:t>
+            </a:r>
           </a:p>
         </p:txBody>
       </p:sp>
@@ -6651,7 +4343,7 @@
         </p:spPr>
         <p:txBody>
           <a:bodyPr>
-            <a:normAutofit fontScale="85000" lnSpcReduction="20000"/>
+            <a:normAutofit fontScale="92500" lnSpcReduction="20000"/>
           </a:bodyPr>
           <a:lstStyle/>
           <a:p>
@@ -7083,53 +4775,6 @@
           </a:p>
         </p:txBody>
       </p:sp>
-      <p:pic>
-        <p:nvPicPr>
-          <p:cNvPr id="1025" name="Picture 1" descr="uog.nusuo. &#10;Sue. &#10;łuscuen•J! en,vgos &#10;u ogda.uł &#10;pagțt:n atu ">
-            <a:extLst>
-              <a:ext uri="{FF2B5EF4-FFF2-40B4-BE49-F238E27FC236}">
-                <a16:creationId xmlns:a16="http://schemas.microsoft.com/office/drawing/2014/main" id="{32BB15B5-D43D-4583-B597-0EA8A099EA1E}"/>
-              </a:ext>
-            </a:extLst>
-          </p:cNvPr>
-          <p:cNvPicPr>
-            <a:picLocks noChangeAspect="1" noChangeArrowheads="1"/>
-          </p:cNvPicPr>
-          <p:nvPr/>
-        </p:nvPicPr>
-        <p:blipFill>
-          <a:blip r:embed="rId3">
-            <a:extLst>
-              <a:ext uri="{28A0092B-C50C-407E-A947-70E740481C1C}">
-                <a14:useLocalDpi xmlns:a14="http://schemas.microsoft.com/office/drawing/2010/main" val="0"/>
-              </a:ext>
-            </a:extLst>
-          </a:blip>
-          <a:srcRect/>
-          <a:stretch>
-            <a:fillRect/>
-          </a:stretch>
-        </p:blipFill>
-        <p:spPr bwMode="auto">
-          <a:xfrm>
-            <a:off x="0" y="1691322"/>
-            <a:ext cx="5013948" cy="2431915"/>
-          </a:xfrm>
-          <a:prstGeom prst="rect">
-            <a:avLst/>
-          </a:prstGeom>
-          <a:noFill/>
-          <a:extLst>
-            <a:ext uri="{909E8E84-426E-40DD-AFC4-6F175D3DCCD1}">
-              <a14:hiddenFill xmlns:a14="http://schemas.microsoft.com/office/drawing/2010/main">
-                <a:solidFill>
-                  <a:srgbClr val="FFFFFF"/>
-                </a:solidFill>
-              </a14:hiddenFill>
-            </a:ext>
-          </a:extLst>
-        </p:spPr>
-      </p:pic>
       <p:sp>
         <p:nvSpPr>
           <p:cNvPr id="13" name="Rektangel 12">
@@ -7193,7 +4838,7 @@
         <p:spPr>
           <a:xfrm>
             <a:off x="448056" y="4503897"/>
-            <a:ext cx="3127248" cy="923330"/>
+            <a:ext cx="3127248" cy="1200329"/>
           </a:xfrm>
           <a:prstGeom prst="rect">
             <a:avLst/>
@@ -7206,18 +4851,43 @@
           </a:bodyPr>
           <a:lstStyle/>
           <a:p>
+            <a:pPr marL="285750" indent="-285750">
+              <a:buFont typeface="Arial" panose="020B0604020202020204" pitchFamily="34" charset="0"/>
+              <a:buChar char="•"/>
+            </a:pPr>
             <a:r>
               <a:rPr lang="da-DK" dirty="0"/>
-              <a:t>Fordele:</a:t>
-            </a:r>
-          </a:p>
-          <a:p>
-            <a:endParaRPr lang="da-DK" dirty="0"/>
-          </a:p>
-          <a:p>
+              <a:t>Use case driven</a:t>
+            </a:r>
+          </a:p>
+          <a:p>
+            <a:pPr marL="285750" indent="-285750">
+              <a:buFont typeface="Arial" panose="020B0604020202020204" pitchFamily="34" charset="0"/>
+              <a:buChar char="•"/>
+            </a:pPr>
             <a:r>
               <a:rPr lang="da-DK" dirty="0"/>
-              <a:t>Ulemper:</a:t>
+              <a:t>Lineær tilgang</a:t>
+            </a:r>
+          </a:p>
+          <a:p>
+            <a:pPr marL="285750" indent="-285750">
+              <a:buFont typeface="Arial" panose="020B0604020202020204" pitchFamily="34" charset="0"/>
+              <a:buChar char="•"/>
+            </a:pPr>
+            <a:r>
+              <a:rPr lang="da-DK" dirty="0"/>
+              <a:t>Transition deployment</a:t>
+            </a:r>
+          </a:p>
+          <a:p>
+            <a:pPr marL="285750" indent="-285750">
+              <a:buFont typeface="Arial" panose="020B0604020202020204" pitchFamily="34" charset="0"/>
+              <a:buChar char="•"/>
+            </a:pPr>
+            <a:r>
+              <a:rPr lang="da-DK" dirty="0"/>
+              <a:t>Mange artefakter</a:t>
             </a:r>
           </a:p>
         </p:txBody>
@@ -7237,7 +4907,7 @@
         <p:spPr>
           <a:xfrm>
             <a:off x="6736911" y="4503897"/>
-            <a:ext cx="3127248" cy="923330"/>
+            <a:ext cx="3127248" cy="1754326"/>
           </a:xfrm>
           <a:prstGeom prst="rect">
             <a:avLst/>
@@ -7250,22 +4920,84 @@
           </a:bodyPr>
           <a:lstStyle/>
           <a:p>
+            <a:pPr marL="285750" indent="-285750">
+              <a:buFont typeface="Arial" panose="020B0604020202020204" pitchFamily="34" charset="0"/>
+              <a:buChar char="•"/>
+            </a:pPr>
             <a:r>
               <a:rPr lang="da-DK" dirty="0"/>
-              <a:t>Fordele:</a:t>
-            </a:r>
-          </a:p>
-          <a:p>
+              <a:t>Task driven</a:t>
+            </a:r>
+          </a:p>
+          <a:p>
+            <a:pPr marL="285750" indent="-285750">
+              <a:buFont typeface="Arial" panose="020B0604020202020204" pitchFamily="34" charset="0"/>
+              <a:buChar char="•"/>
+            </a:pPr>
+            <a:r>
+              <a:rPr lang="da-DK" dirty="0"/>
+              <a:t>Løbende feedback fra kunden</a:t>
+            </a:r>
+          </a:p>
+          <a:p>
+            <a:pPr marL="285750" indent="-285750">
+              <a:buFont typeface="Arial" panose="020B0604020202020204" pitchFamily="34" charset="0"/>
+              <a:buChar char="•"/>
+            </a:pPr>
+            <a:r>
+              <a:rPr lang="da-DK" dirty="0"/>
+              <a:t>Løbende deployment</a:t>
+            </a:r>
+          </a:p>
+          <a:p>
+            <a:pPr marL="285750" indent="-285750">
+              <a:buFont typeface="Arial" panose="020B0604020202020204" pitchFamily="34" charset="0"/>
+              <a:buChar char="•"/>
+            </a:pPr>
+            <a:r>
+              <a:rPr lang="da-DK" dirty="0"/>
+              <a:t>Få artefakter</a:t>
+            </a:r>
+          </a:p>
+          <a:p>
+            <a:pPr marL="285750" indent="-285750">
+              <a:buFont typeface="Arial" panose="020B0604020202020204" pitchFamily="34" charset="0"/>
+              <a:buChar char="•"/>
+            </a:pPr>
             <a:endParaRPr lang="da-DK" dirty="0"/>
           </a:p>
-          <a:p>
-            <a:r>
-              <a:rPr lang="da-DK" dirty="0"/>
-              <a:t>Ulemper:</a:t>
-            </a:r>
-          </a:p>
-        </p:txBody>
-      </p:sp>
+        </p:txBody>
+      </p:sp>
+      <p:pic>
+        <p:nvPicPr>
+          <p:cNvPr id="3" name="Billede 2">
+            <a:extLst>
+              <a:ext uri="{FF2B5EF4-FFF2-40B4-BE49-F238E27FC236}">
+                <a16:creationId xmlns:a16="http://schemas.microsoft.com/office/drawing/2014/main" id="{5896ED1E-9DDA-4138-A964-B9AA2070F60F}"/>
+              </a:ext>
+            </a:extLst>
+          </p:cNvPr>
+          <p:cNvPicPr>
+            <a:picLocks noChangeAspect="1"/>
+          </p:cNvPicPr>
+          <p:nvPr/>
+        </p:nvPicPr>
+        <p:blipFill>
+          <a:blip r:embed="rId3"/>
+          <a:stretch>
+            <a:fillRect/>
+          </a:stretch>
+        </p:blipFill>
+        <p:spPr>
+          <a:xfrm>
+            <a:off x="370101" y="1452860"/>
+            <a:ext cx="4686300" cy="3028950"/>
+          </a:xfrm>
+          <a:prstGeom prst="rect">
+            <a:avLst/>
+          </a:prstGeom>
+        </p:spPr>
+      </p:pic>
     </p:spTree>
     <p:extLst>
       <p:ext uri="{BB962C8B-B14F-4D97-AF65-F5344CB8AC3E}">
@@ -7363,9 +5095,9 @@
 </file>
 
 <file path=ppt/theme/theme1.xml><?xml version="1.0" encoding="utf-8"?>
-<a:theme xmlns:a="http://schemas.openxmlformats.org/drawingml/2006/main" name="Facet">
+<a:theme xmlns:a="http://schemas.openxmlformats.org/drawingml/2006/main" name="Grundlæggende">
   <a:themeElements>
-    <a:clrScheme name="Facet">
+    <a:clrScheme name="Grøn">
       <a:dk1>
         <a:sysClr val="windowText" lastClr="000000"/>
       </a:dk1>
@@ -7373,48 +5105,48 @@
         <a:sysClr val="window" lastClr="FFFFFF"/>
       </a:lt1>
       <a:dk2>
-        <a:srgbClr val="2C3C43"/>
+        <a:srgbClr val="455F51"/>
       </a:dk2>
       <a:lt2>
-        <a:srgbClr val="EBEBEB"/>
+        <a:srgbClr val="E3DED1"/>
       </a:lt2>
       <a:accent1>
-        <a:srgbClr val="90C226"/>
+        <a:srgbClr val="549E39"/>
       </a:accent1>
       <a:accent2>
-        <a:srgbClr val="54A021"/>
+        <a:srgbClr val="8AB833"/>
       </a:accent2>
       <a:accent3>
-        <a:srgbClr val="E6B91E"/>
+        <a:srgbClr val="C0CF3A"/>
       </a:accent3>
       <a:accent4>
-        <a:srgbClr val="E76618"/>
+        <a:srgbClr val="029676"/>
       </a:accent4>
       <a:accent5>
-        <a:srgbClr val="C42F1A"/>
+        <a:srgbClr val="4AB5C4"/>
       </a:accent5>
       <a:accent6>
-        <a:srgbClr val="918655"/>
+        <a:srgbClr val="0989B1"/>
       </a:accent6>
       <a:hlink>
-        <a:srgbClr val="99CA3C"/>
+        <a:srgbClr val="6B9F25"/>
       </a:hlink>
       <a:folHlink>
-        <a:srgbClr val="B9D181"/>
+        <a:srgbClr val="BA6906"/>
       </a:folHlink>
     </a:clrScheme>
-    <a:fontScheme name="Facet">
+    <a:fontScheme name="Grundlæggende">
       <a:majorFont>
-        <a:latin typeface="Trebuchet MS" panose="020B0603020202020204"/>
+        <a:latin typeface="Corbel" panose="020B0503020204020204"/>
         <a:ea typeface=""/>
         <a:cs typeface=""/>
-        <a:font script="Jpan" typeface="メイリオ"/>
+        <a:font script="Jpan" typeface="ＭＳ ゴシック"/>
         <a:font script="Hang" typeface="맑은 고딕"/>
-        <a:font script="Hans" typeface="方正姚体"/>
-        <a:font script="Hant" typeface="微軟正黑體"/>
+        <a:font script="Hans" typeface="宋体"/>
+        <a:font script="Hant" typeface="新細明體"/>
         <a:font script="Arab" typeface="Tahoma"/>
-        <a:font script="Hebr" typeface="Arial"/>
-        <a:font script="Thai" typeface="Cordia New"/>
+        <a:font script="Hebr" typeface="Gisha"/>
+        <a:font script="Thai" typeface="DilleniaUPC"/>
         <a:font script="Ethi" typeface="Nyala"/>
         <a:font script="Beng" typeface="Vrinda"/>
         <a:font script="Gujr" typeface="Shruti"/>
@@ -7440,16 +5172,16 @@
         <a:font script="Geor" typeface="Sylfaen"/>
       </a:majorFont>
       <a:minorFont>
-        <a:latin typeface="Trebuchet MS" panose="020B0603020202020204"/>
+        <a:latin typeface="Corbel" panose="020B0503020204020204"/>
         <a:ea typeface=""/>
         <a:cs typeface=""/>
-        <a:font script="Jpan" typeface="メイリオ"/>
-        <a:font script="Hang" typeface="HY그래픽M"/>
-        <a:font script="Hans" typeface="华文新魏"/>
-        <a:font script="Hant" typeface="微軟正黑體"/>
+        <a:font script="Jpan" typeface="ＭＳ ゴシック"/>
+        <a:font script="Hang" typeface="맑은 고딕"/>
+        <a:font script="Hans" typeface="宋体"/>
+        <a:font script="Hant" typeface="新細明體"/>
         <a:font script="Arab" typeface="Tahoma"/>
         <a:font script="Hebr" typeface="Gisha"/>
-        <a:font script="Thai" typeface="IrisUPC"/>
+        <a:font script="Thai" typeface="DilleniaUPC"/>
         <a:font script="Ethi" typeface="Nyala"/>
         <a:font script="Beng" typeface="Vrinda"/>
         <a:font script="Gujr" typeface="Shruti"/>
@@ -7470,64 +5202,59 @@
         <a:font script="Laoo" typeface="DokChampa"/>
         <a:font script="Sinh" typeface="Iskoola Pota"/>
         <a:font script="Mong" typeface="Mongolian Baiti"/>
-        <a:font script="Viet" typeface="Arial"/>
+        <a:font script="Viet" typeface="Verdana"/>
         <a:font script="Uigh" typeface="Microsoft Uighur"/>
         <a:font script="Geor" typeface="Sylfaen"/>
       </a:minorFont>
     </a:fontScheme>
-    <a:fmtScheme name="Facet">
+    <a:fmtScheme name="Grundlæggende">
       <a:fillStyleLst>
         <a:solidFill>
           <a:schemeClr val="phClr"/>
         </a:solidFill>
+        <a:solidFill>
+          <a:schemeClr val="phClr">
+            <a:tint val="55000"/>
+            <a:satMod val="130000"/>
+          </a:schemeClr>
+        </a:solidFill>
         <a:gradFill rotWithShape="1">
           <a:gsLst>
             <a:gs pos="0">
+              <a:schemeClr val="phClr"/>
+            </a:gs>
+            <a:gs pos="90000">
               <a:schemeClr val="phClr">
-                <a:tint val="65000"/>
-                <a:lumMod val="110000"/>
+                <a:shade val="100000"/>
+                <a:satMod val="105000"/>
               </a:schemeClr>
             </a:gs>
-            <a:gs pos="88000">
+            <a:gs pos="100000">
               <a:schemeClr val="phClr">
-                <a:tint val="90000"/>
+                <a:shade val="80000"/>
+                <a:satMod val="120000"/>
               </a:schemeClr>
             </a:gs>
           </a:gsLst>
-          <a:lin ang="5400000" scaled="0"/>
-        </a:gradFill>
-        <a:gradFill rotWithShape="1">
-          <a:gsLst>
-            <a:gs pos="0">
-              <a:schemeClr val="phClr">
-                <a:tint val="96000"/>
-                <a:lumMod val="100000"/>
-              </a:schemeClr>
-            </a:gs>
-            <a:gs pos="78000">
-              <a:schemeClr val="phClr">
-                <a:shade val="94000"/>
-                <a:lumMod val="94000"/>
-              </a:schemeClr>
-            </a:gs>
-          </a:gsLst>
-          <a:lin ang="5400000" scaled="0"/>
+          <a:path path="circle">
+            <a:fillToRect l="100000" t="100000" r="100000" b="100000"/>
+          </a:path>
         </a:gradFill>
       </a:fillStyleLst>
       <a:lnStyleLst>
-        <a:ln w="12700" cap="rnd" cmpd="sng" algn="ctr">
+        <a:ln w="10000" cap="flat" cmpd="sng" algn="ctr">
           <a:solidFill>
             <a:schemeClr val="phClr"/>
           </a:solidFill>
           <a:prstDash val="solid"/>
         </a:ln>
-        <a:ln w="19050" cap="rnd" cmpd="sng" algn="ctr">
+        <a:ln w="19050" cap="flat" cmpd="sng" algn="ctr">
           <a:solidFill>
             <a:schemeClr val="phClr"/>
           </a:solidFill>
           <a:prstDash val="solid"/>
         </a:ln>
-        <a:ln w="25400" cap="rnd" cmpd="sng" algn="ctr">
+        <a:ln w="53975" cap="flat" cmpd="dbl" algn="ctr">
           <a:solidFill>
             <a:schemeClr val="phClr"/>
           </a:solidFill>
@@ -7542,16 +5269,16 @@
           <a:effectLst>
             <a:outerShdw blurRad="38100" dist="25400" dir="5400000" rotWithShape="0">
               <a:srgbClr val="000000">
-                <a:alpha val="35000"/>
+                <a:alpha val="45000"/>
               </a:srgbClr>
             </a:outerShdw>
           </a:effectLst>
         </a:effectStyle>
         <a:effectStyle>
           <a:effectLst>
-            <a:outerShdw blurRad="50800" dist="38100" dir="5400000" rotWithShape="0">
+            <a:outerShdw blurRad="38100" dist="25400" dir="5400000" rotWithShape="0">
               <a:srgbClr val="000000">
-                <a:alpha val="35000"/>
+                <a:alpha val="45000"/>
               </a:srgbClr>
             </a:outerShdw>
           </a:effectLst>
@@ -7559,10 +5286,16 @@
             <a:camera prst="orthographicFront">
               <a:rot lat="0" lon="0" rev="0"/>
             </a:camera>
-            <a:lightRig rig="threePt" dir="tl"/>
+            <a:lightRig rig="brightRoom" dir="t"/>
           </a:scene3d>
-          <a:sp3d prstMaterial="plastic">
-            <a:bevelT w="0" h="0"/>
+          <a:sp3d extrusionH="12700" contourW="25400" prstMaterial="flat">
+            <a:bevelT w="63500" h="152400" prst="angle"/>
+            <a:contourClr>
+              <a:schemeClr val="phClr">
+                <a:shade val="27000"/>
+                <a:satMod val="120000"/>
+              </a:schemeClr>
+            </a:contourClr>
           </a:sp3d>
         </a:effectStyle>
       </a:effectStyleLst>
@@ -7570,42 +5303,21 @@
         <a:solidFill>
           <a:schemeClr val="phClr"/>
         </a:solidFill>
-        <a:gradFill rotWithShape="1">
-          <a:gsLst>
-            <a:gs pos="0">
-              <a:schemeClr val="phClr">
-                <a:tint val="90000"/>
-                <a:lumMod val="104000"/>
-              </a:schemeClr>
-            </a:gs>
-            <a:gs pos="94000">
-              <a:schemeClr val="phClr">
-                <a:shade val="96000"/>
-                <a:lumMod val="82000"/>
-              </a:schemeClr>
-            </a:gs>
-          </a:gsLst>
-          <a:lin ang="5400000" scaled="0"/>
-        </a:gradFill>
-        <a:gradFill rotWithShape="1">
-          <a:gsLst>
-            <a:gs pos="0">
-              <a:schemeClr val="phClr">
-                <a:tint val="90000"/>
-                <a:lumMod val="110000"/>
-              </a:schemeClr>
-            </a:gs>
-            <a:gs pos="100000">
-              <a:schemeClr val="phClr">
-                <a:shade val="94000"/>
-                <a:lumMod val="96000"/>
-              </a:schemeClr>
-            </a:gs>
-          </a:gsLst>
-          <a:path path="circle">
-            <a:fillToRect l="50000" t="50000" r="100000" b="100000"/>
-          </a:path>
-        </a:gradFill>
+        <a:solidFill>
+          <a:schemeClr val="phClr">
+            <a:tint val="95000"/>
+            <a:shade val="95000"/>
+            <a:satMod val="140000"/>
+          </a:schemeClr>
+        </a:solidFill>
+        <a:solidFill>
+          <a:schemeClr val="phClr">
+            <a:tint val="90000"/>
+            <a:shade val="85000"/>
+            <a:satMod val="160000"/>
+            <a:lumMod val="110000"/>
+          </a:schemeClr>
+        </a:solidFill>
       </a:bgFillStyleLst>
     </a:fmtScheme>
   </a:themeElements>
@@ -7613,7 +5325,7 @@
   <a:extraClrSchemeLst/>
   <a:extLst>
     <a:ext uri="{05A4C25C-085E-4340-85A3-A5531E510DB2}">
-      <thm15:themeFamily xmlns:thm15="http://schemas.microsoft.com/office/thememl/2012/main" name="Facet" id="{C0C680CD-088A-49FC-A102-D699147F32B2}" vid="{CFBC31BA-B70F-4F30-BCAA-4F3011E16C4D}"/>
+      <thm15:themeFamily xmlns:thm15="http://schemas.microsoft.com/office/thememl/2012/main" name="Basis" id="{5665723A-49BA-4B57-8411-A56F8F207965}" vid="{90E45F77-AEFC-46EF-A7C1-5B338C297B02}"/>
     </a:ext>
   </a:extLst>
 </a:theme>

--- a/The Next præsentation.pptx
+++ b/The Next præsentation.pptx
@@ -2,7 +2,7 @@
 <file path=ppt/presentation.xml><?xml version="1.0" encoding="utf-8"?>
 <p:presentation xmlns:a="http://schemas.openxmlformats.org/drawingml/2006/main" xmlns:r="http://schemas.openxmlformats.org/officeDocument/2006/relationships" xmlns:p="http://schemas.openxmlformats.org/presentationml/2006/main" saveSubsetFonts="1">
   <p:sldMasterIdLst>
-    <p:sldMasterId id="2147483701" r:id="rId1"/>
+    <p:sldMasterId id="2147483713" r:id="rId1"/>
   </p:sldMasterIdLst>
   <p:notesMasterIdLst>
     <p:notesMasterId r:id="rId8"/>
@@ -737,15 +737,13 @@
       <p:sp>
         <p:nvSpPr>
           <p:cNvPr id="7" name="Rectangle 6"/>
-          <p:cNvSpPr>
-            <a:spLocks noChangeAspect="1"/>
-          </p:cNvSpPr>
+          <p:cNvSpPr/>
           <p:nvPr/>
         </p:nvSpPr>
         <p:spPr>
           <a:xfrm>
-            <a:off x="231140" y="243840"/>
-            <a:ext cx="11724640" cy="6377939"/>
+            <a:off x="446534" y="3085765"/>
+            <a:ext cx="11262866" cy="3304800"/>
           </a:xfrm>
           <a:prstGeom prst="rect">
             <a:avLst/>
@@ -753,22 +751,19 @@
           <a:solidFill>
             <a:schemeClr val="accent1"/>
           </a:solidFill>
-          <a:ln w="12700">
-            <a:solidFill>
-              <a:srgbClr val="FFFFFF"/>
-            </a:solidFill>
+          <a:ln>
+            <a:noFill/>
           </a:ln>
+          <a:effectLst/>
         </p:spPr>
         <p:style>
-          <a:lnRef idx="2">
-            <a:schemeClr val="accent1">
-              <a:shade val="50000"/>
-            </a:schemeClr>
+          <a:lnRef idx="1">
+            <a:schemeClr val="accent1"/>
           </a:lnRef>
-          <a:fillRef idx="1">
+          <a:fillRef idx="3">
             <a:schemeClr val="accent1"/>
           </a:fillRef>
-          <a:effectRef idx="0">
+          <a:effectRef idx="2">
             <a:schemeClr val="accent1"/>
           </a:effectRef>
           <a:fontRef idx="minor">
@@ -788,22 +783,20 @@
         </p:nvSpPr>
         <p:spPr>
           <a:xfrm>
-            <a:off x="1109980" y="882376"/>
-            <a:ext cx="9966960" cy="2926080"/>
-          </a:xfrm>
+            <a:off x="581191" y="1020431"/>
+            <a:ext cx="10993549" cy="1475013"/>
+          </a:xfrm>
+          <a:effectLst/>
         </p:spPr>
         <p:txBody>
           <a:bodyPr anchor="b">
             <a:normAutofit/>
           </a:bodyPr>
           <a:lstStyle>
-            <a:lvl1pPr algn="ctr">
-              <a:lnSpc>
-                <a:spcPct val="85000"/>
-              </a:lnSpc>
-              <a:defRPr sz="7200" b="1" cap="all" baseline="0">
+            <a:lvl1pPr>
+              <a:defRPr sz="3600">
                 <a:solidFill>
-                  <a:srgbClr val="FFFFFF"/>
+                  <a:schemeClr val="accent1"/>
                 </a:solidFill>
               </a:defRPr>
             </a:lvl1pPr>
@@ -829,54 +822,102 @@
         </p:nvSpPr>
         <p:spPr>
           <a:xfrm>
-            <a:off x="1709530" y="3869634"/>
-            <a:ext cx="8767860" cy="1388165"/>
-          </a:xfrm>
-        </p:spPr>
-        <p:txBody>
-          <a:bodyPr>
+            <a:off x="581194" y="2495445"/>
+            <a:ext cx="10993546" cy="590321"/>
+          </a:xfrm>
+        </p:spPr>
+        <p:txBody>
+          <a:bodyPr anchor="t">
             <a:normAutofit/>
           </a:bodyPr>
           <a:lstStyle>
-            <a:lvl1pPr marL="0" indent="0" algn="ctr">
-              <a:buNone/>
-              <a:defRPr sz="2200">
+            <a:lvl1pPr marL="0" indent="0" algn="l">
+              <a:buNone/>
+              <a:defRPr sz="1600" cap="all">
                 <a:solidFill>
-                  <a:srgbClr val="FFFFFF"/>
+                  <a:schemeClr val="accent2"/>
                 </a:solidFill>
               </a:defRPr>
             </a:lvl1pPr>
             <a:lvl2pPr marL="457200" indent="0" algn="ctr">
               <a:buNone/>
-              <a:defRPr sz="2200"/>
+              <a:defRPr>
+                <a:solidFill>
+                  <a:schemeClr val="tx1">
+                    <a:tint val="75000"/>
+                  </a:schemeClr>
+                </a:solidFill>
+              </a:defRPr>
             </a:lvl2pPr>
             <a:lvl3pPr marL="914400" indent="0" algn="ctr">
               <a:buNone/>
-              <a:defRPr sz="2200"/>
+              <a:defRPr>
+                <a:solidFill>
+                  <a:schemeClr val="tx1">
+                    <a:tint val="75000"/>
+                  </a:schemeClr>
+                </a:solidFill>
+              </a:defRPr>
             </a:lvl3pPr>
             <a:lvl4pPr marL="1371600" indent="0" algn="ctr">
               <a:buNone/>
-              <a:defRPr sz="2000"/>
+              <a:defRPr>
+                <a:solidFill>
+                  <a:schemeClr val="tx1">
+                    <a:tint val="75000"/>
+                  </a:schemeClr>
+                </a:solidFill>
+              </a:defRPr>
             </a:lvl4pPr>
             <a:lvl5pPr marL="1828800" indent="0" algn="ctr">
               <a:buNone/>
-              <a:defRPr sz="2000"/>
+              <a:defRPr>
+                <a:solidFill>
+                  <a:schemeClr val="tx1">
+                    <a:tint val="75000"/>
+                  </a:schemeClr>
+                </a:solidFill>
+              </a:defRPr>
             </a:lvl5pPr>
             <a:lvl6pPr marL="2286000" indent="0" algn="ctr">
               <a:buNone/>
-              <a:defRPr sz="2000"/>
+              <a:defRPr>
+                <a:solidFill>
+                  <a:schemeClr val="tx1">
+                    <a:tint val="75000"/>
+                  </a:schemeClr>
+                </a:solidFill>
+              </a:defRPr>
             </a:lvl6pPr>
             <a:lvl7pPr marL="2743200" indent="0" algn="ctr">
               <a:buNone/>
-              <a:defRPr sz="2000"/>
+              <a:defRPr>
+                <a:solidFill>
+                  <a:schemeClr val="tx1">
+                    <a:tint val="75000"/>
+                  </a:schemeClr>
+                </a:solidFill>
+              </a:defRPr>
             </a:lvl7pPr>
             <a:lvl8pPr marL="3200400" indent="0" algn="ctr">
               <a:buNone/>
-              <a:defRPr sz="2000"/>
+              <a:defRPr>
+                <a:solidFill>
+                  <a:schemeClr val="tx1">
+                    <a:tint val="75000"/>
+                  </a:schemeClr>
+                </a:solidFill>
+              </a:defRPr>
             </a:lvl8pPr>
             <a:lvl9pPr marL="3657600" indent="0" algn="ctr">
               <a:buNone/>
-              <a:defRPr sz="2000"/>
+              <a:defRPr>
+                <a:solidFill>
+                  <a:schemeClr val="tx1">
+                    <a:tint val="75000"/>
+                  </a:schemeClr>
+                </a:solidFill>
+              </a:defRPr>
             </a:lvl9pPr>
           </a:lstStyle>
           <a:p>
@@ -898,14 +939,22 @@
             <p:ph type="dt" sz="half" idx="10"/>
           </p:nvPr>
         </p:nvSpPr>
-        <p:spPr/>
+        <p:spPr>
+          <a:xfrm>
+            <a:off x="7605951" y="5956137"/>
+            <a:ext cx="2844800" cy="365125"/>
+          </a:xfrm>
+        </p:spPr>
         <p:txBody>
           <a:bodyPr/>
           <a:lstStyle>
             <a:lvl1pPr>
               <a:defRPr>
                 <a:solidFill>
-                  <a:srgbClr val="FFFFFF"/>
+                  <a:schemeClr val="accent1">
+                    <a:lumMod val="75000"/>
+                    <a:lumOff val="25000"/>
+                  </a:schemeClr>
                 </a:solidFill>
               </a:defRPr>
             </a:lvl1pPr>
@@ -929,14 +978,22 @@
             <p:ph type="ftr" sz="quarter" idx="11"/>
           </p:nvPr>
         </p:nvSpPr>
-        <p:spPr/>
+        <p:spPr>
+          <a:xfrm>
+            <a:off x="581192" y="5951811"/>
+            <a:ext cx="6917210" cy="365125"/>
+          </a:xfrm>
+        </p:spPr>
         <p:txBody>
           <a:bodyPr/>
           <a:lstStyle>
             <a:lvl1pPr>
               <a:defRPr>
                 <a:solidFill>
-                  <a:srgbClr val="FFFFFF"/>
+                  <a:schemeClr val="accent1">
+                    <a:lumMod val="75000"/>
+                    <a:lumOff val="25000"/>
+                  </a:schemeClr>
                 </a:solidFill>
               </a:defRPr>
             </a:lvl1pPr>
@@ -956,14 +1013,22 @@
             <p:ph type="sldNum" sz="quarter" idx="12"/>
           </p:nvPr>
         </p:nvSpPr>
-        <p:spPr/>
+        <p:spPr>
+          <a:xfrm>
+            <a:off x="10558300" y="5956137"/>
+            <a:ext cx="1016440" cy="365125"/>
+          </a:xfrm>
+        </p:spPr>
         <p:txBody>
           <a:bodyPr/>
           <a:lstStyle>
             <a:lvl1pPr>
               <a:defRPr>
                 <a:solidFill>
-                  <a:srgbClr val="FFFFFF"/>
+                  <a:schemeClr val="accent1">
+                    <a:lumMod val="75000"/>
+                    <a:lumOff val="25000"/>
+                  </a:schemeClr>
                 </a:solidFill>
               </a:defRPr>
             </a:lvl1pPr>
@@ -977,45 +1042,10 @@
           </a:p>
         </p:txBody>
       </p:sp>
-      <p:cxnSp>
-        <p:nvCxnSpPr>
-          <p:cNvPr id="8" name="Straight Connector 7"/>
-          <p:cNvCxnSpPr/>
-          <p:nvPr/>
-        </p:nvCxnSpPr>
-        <p:spPr>
-          <a:xfrm>
-            <a:off x="1978660" y="3733800"/>
-            <a:ext cx="8229601" cy="0"/>
-          </a:xfrm>
-          <a:prstGeom prst="line">
-            <a:avLst/>
-          </a:prstGeom>
-          <a:ln>
-            <a:solidFill>
-              <a:srgbClr val="FFFFFF"/>
-            </a:solidFill>
-          </a:ln>
-        </p:spPr>
-        <p:style>
-          <a:lnRef idx="1">
-            <a:schemeClr val="accent1"/>
-          </a:lnRef>
-          <a:fillRef idx="0">
-            <a:schemeClr val="accent1"/>
-          </a:fillRef>
-          <a:effectRef idx="0">
-            <a:schemeClr val="accent1"/>
-          </a:effectRef>
-          <a:fontRef idx="minor">
-            <a:schemeClr val="tx1"/>
-          </a:fontRef>
-        </p:style>
-      </p:cxnSp>
     </p:spTree>
     <p:extLst>
       <p:ext uri="{BB962C8B-B14F-4D97-AF65-F5344CB8AC3E}">
-        <p14:creationId xmlns:p14="http://schemas.microsoft.com/office/powerpoint/2010/main" val="3808436395"/>
+        <p14:creationId xmlns:p14="http://schemas.microsoft.com/office/powerpoint/2010/main" val="4003575828"/>
       </p:ext>
     </p:extLst>
   </p:cSld>
@@ -1044,7 +1074,46 @@
       </p:grpSpPr>
       <p:sp>
         <p:nvSpPr>
-          <p:cNvPr id="2" name="Title 1"/>
+          <p:cNvPr id="8" name="Rectangle 7"/>
+          <p:cNvSpPr>
+            <a:spLocks noChangeAspect="1"/>
+          </p:cNvSpPr>
+          <p:nvPr/>
+        </p:nvSpPr>
+        <p:spPr>
+          <a:xfrm>
+            <a:off x="440286" y="614407"/>
+            <a:ext cx="11309338" cy="1189298"/>
+          </a:xfrm>
+          <a:prstGeom prst="rect">
+            <a:avLst/>
+          </a:prstGeom>
+          <a:solidFill>
+            <a:schemeClr val="accent1"/>
+          </a:solidFill>
+          <a:ln>
+            <a:noFill/>
+          </a:ln>
+          <a:effectLst/>
+        </p:spPr>
+        <p:style>
+          <a:lnRef idx="1">
+            <a:schemeClr val="accent1"/>
+          </a:lnRef>
+          <a:fillRef idx="3">
+            <a:schemeClr val="accent1"/>
+          </a:fillRef>
+          <a:effectRef idx="2">
+            <a:schemeClr val="accent1"/>
+          </a:effectRef>
+          <a:fontRef idx="minor">
+            <a:schemeClr val="lt1"/>
+          </a:fontRef>
+        </p:style>
+      </p:sp>
+      <p:sp>
+        <p:nvSpPr>
+          <p:cNvPr id="9" name="Title 1"/>
           <p:cNvSpPr>
             <a:spLocks noGrp="1"/>
           </p:cNvSpPr>
@@ -1052,7 +1121,12 @@
             <p:ph type="title"/>
           </p:nvPr>
         </p:nvSpPr>
-        <p:spPr/>
+        <p:spPr>
+          <a:xfrm>
+            <a:off x="581192" y="702156"/>
+            <a:ext cx="11029616" cy="1013800"/>
+          </a:xfrm>
+        </p:spPr>
         <p:txBody>
           <a:bodyPr/>
           <a:lstStyle/>
@@ -1077,8 +1151,24 @@
         </p:nvSpPr>
         <p:spPr/>
         <p:txBody>
-          <a:bodyPr vert="eaVert"/>
-          <a:lstStyle/>
+          <a:bodyPr vert="eaVert" anchor="t"/>
+          <a:lstStyle>
+            <a:lvl1pPr algn="l">
+              <a:defRPr/>
+            </a:lvl1pPr>
+            <a:lvl2pPr algn="l">
+              <a:defRPr/>
+            </a:lvl2pPr>
+            <a:lvl3pPr algn="l">
+              <a:defRPr/>
+            </a:lvl3pPr>
+            <a:lvl4pPr algn="l">
+              <a:defRPr/>
+            </a:lvl4pPr>
+            <a:lvl5pPr algn="l">
+              <a:defRPr/>
+            </a:lvl5pPr>
+          </a:lstStyle>
           <a:p>
             <a:pPr lvl="0"/>
             <a:r>
@@ -1185,7 +1275,7 @@
     </p:spTree>
     <p:extLst>
       <p:ext uri="{BB962C8B-B14F-4D97-AF65-F5344CB8AC3E}">
-        <p14:creationId xmlns:p14="http://schemas.microsoft.com/office/powerpoint/2010/main" val="905021278"/>
+        <p14:creationId xmlns:p14="http://schemas.microsoft.com/office/powerpoint/2010/main" val="772002587"/>
       </p:ext>
     </p:extLst>
   </p:cSld>
@@ -1214,6 +1304,45 @@
       </p:grpSpPr>
       <p:sp>
         <p:nvSpPr>
+          <p:cNvPr id="7" name="Rectangle 6"/>
+          <p:cNvSpPr>
+            <a:spLocks noChangeAspect="1"/>
+          </p:cNvSpPr>
+          <p:nvPr/>
+        </p:nvSpPr>
+        <p:spPr>
+          <a:xfrm>
+            <a:off x="8839201" y="599725"/>
+            <a:ext cx="2906817" cy="5816950"/>
+          </a:xfrm>
+          <a:prstGeom prst="rect">
+            <a:avLst/>
+          </a:prstGeom>
+          <a:solidFill>
+            <a:schemeClr val="accent1"/>
+          </a:solidFill>
+          <a:ln>
+            <a:noFill/>
+          </a:ln>
+          <a:effectLst/>
+        </p:spPr>
+        <p:style>
+          <a:lnRef idx="1">
+            <a:schemeClr val="accent1"/>
+          </a:lnRef>
+          <a:fillRef idx="3">
+            <a:schemeClr val="accent1"/>
+          </a:fillRef>
+          <a:effectRef idx="2">
+            <a:schemeClr val="accent1"/>
+          </a:effectRef>
+          <a:fontRef idx="minor">
+            <a:schemeClr val="lt1"/>
+          </a:fontRef>
+        </p:style>
+      </p:sp>
+      <p:sp>
+        <p:nvSpPr>
           <p:cNvPr id="2" name="Vertical Title 1"/>
           <p:cNvSpPr>
             <a:spLocks noGrp="1"/>
@@ -1224,8 +1353,8 @@
         </p:nvSpPr>
         <p:spPr>
           <a:xfrm>
-            <a:off x="8724900" y="762000"/>
-            <a:ext cx="2324100" cy="5410200"/>
+            <a:off x="8839201" y="675726"/>
+            <a:ext cx="2004164" cy="5183073"/>
           </a:xfrm>
         </p:spPr>
         <p:txBody>
@@ -1252,12 +1381,12 @@
         </p:nvSpPr>
         <p:spPr>
           <a:xfrm>
-            <a:off x="1143000" y="762000"/>
-            <a:ext cx="7429500" cy="5410200"/>
-          </a:xfrm>
-        </p:spPr>
-        <p:txBody>
-          <a:bodyPr vert="eaVert"/>
+            <a:off x="774923" y="675726"/>
+            <a:ext cx="7896279" cy="5183073"/>
+          </a:xfrm>
+        </p:spPr>
+        <p:txBody>
+          <a:bodyPr vert="eaVert" anchor="t"/>
           <a:lstStyle/>
           <a:p>
             <a:pPr lvl="0"/>
@@ -1307,10 +1436,26 @@
             <p:ph type="dt" sz="half" idx="10"/>
           </p:nvPr>
         </p:nvSpPr>
-        <p:spPr/>
+        <p:spPr>
+          <a:xfrm>
+            <a:off x="8993673" y="5956137"/>
+            <a:ext cx="1328141" cy="365125"/>
+          </a:xfrm>
+        </p:spPr>
         <p:txBody>
           <a:bodyPr/>
-          <a:lstStyle/>
+          <a:lstStyle>
+            <a:lvl1pPr>
+              <a:defRPr>
+                <a:solidFill>
+                  <a:schemeClr val="accent1">
+                    <a:lumMod val="75000"/>
+                    <a:lumOff val="25000"/>
+                  </a:schemeClr>
+                </a:solidFill>
+              </a:defRPr>
+            </a:lvl1pPr>
+          </a:lstStyle>
           <a:p>
             <a:fld id="{4C52EC6D-AFBA-4F6F-A64F-BA455C0AB0BC}" type="datetimeFigureOut">
               <a:rPr lang="da-DK" smtClean="0"/>
@@ -1330,7 +1475,12 @@
             <p:ph type="ftr" sz="quarter" idx="11"/>
           </p:nvPr>
         </p:nvSpPr>
-        <p:spPr/>
+        <p:spPr>
+          <a:xfrm>
+            <a:off x="774923" y="5951811"/>
+            <a:ext cx="7896279" cy="365125"/>
+          </a:xfrm>
+        </p:spPr>
         <p:txBody>
           <a:bodyPr/>
           <a:lstStyle/>
@@ -1349,10 +1499,26 @@
             <p:ph type="sldNum" sz="quarter" idx="12"/>
           </p:nvPr>
         </p:nvSpPr>
-        <p:spPr/>
+        <p:spPr>
+          <a:xfrm>
+            <a:off x="10446615" y="5956137"/>
+            <a:ext cx="1164195" cy="365125"/>
+          </a:xfrm>
+        </p:spPr>
         <p:txBody>
           <a:bodyPr/>
-          <a:lstStyle/>
+          <a:lstStyle>
+            <a:lvl1pPr>
+              <a:defRPr>
+                <a:solidFill>
+                  <a:schemeClr val="accent1">
+                    <a:lumMod val="75000"/>
+                    <a:lumOff val="25000"/>
+                  </a:schemeClr>
+                </a:solidFill>
+              </a:defRPr>
+            </a:lvl1pPr>
+          </a:lstStyle>
           <a:p>
             <a:fld id="{2E8327EC-32D6-48CC-AD7E-02BA4A0C4B80}" type="slidenum">
               <a:rPr lang="da-DK" smtClean="0"/>
@@ -1365,7 +1531,7 @@
     </p:spTree>
     <p:extLst>
       <p:ext uri="{BB962C8B-B14F-4D97-AF65-F5344CB8AC3E}">
-        <p14:creationId xmlns:p14="http://schemas.microsoft.com/office/powerpoint/2010/main" val="570037503"/>
+        <p14:creationId xmlns:p14="http://schemas.microsoft.com/office/powerpoint/2010/main" val="486342692"/>
       </p:ext>
     </p:extLst>
   </p:cSld>
@@ -1394,6 +1560,45 @@
       </p:grpSpPr>
       <p:sp>
         <p:nvSpPr>
+          <p:cNvPr id="7" name="Rectangle 6"/>
+          <p:cNvSpPr>
+            <a:spLocks noChangeAspect="1"/>
+          </p:cNvSpPr>
+          <p:nvPr/>
+        </p:nvSpPr>
+        <p:spPr>
+          <a:xfrm>
+            <a:off x="440286" y="614407"/>
+            <a:ext cx="11309338" cy="1189298"/>
+          </a:xfrm>
+          <a:prstGeom prst="rect">
+            <a:avLst/>
+          </a:prstGeom>
+          <a:solidFill>
+            <a:schemeClr val="accent1"/>
+          </a:solidFill>
+          <a:ln>
+            <a:noFill/>
+          </a:ln>
+          <a:effectLst/>
+        </p:spPr>
+        <p:style>
+          <a:lnRef idx="1">
+            <a:schemeClr val="accent1"/>
+          </a:lnRef>
+          <a:fillRef idx="3">
+            <a:schemeClr val="accent1"/>
+          </a:fillRef>
+          <a:effectRef idx="2">
+            <a:schemeClr val="accent1"/>
+          </a:effectRef>
+          <a:fontRef idx="minor">
+            <a:schemeClr val="lt1"/>
+          </a:fontRef>
+        </p:style>
+      </p:sp>
+      <p:sp>
+        <p:nvSpPr>
           <p:cNvPr id="2" name="Title 1"/>
           <p:cNvSpPr>
             <a:spLocks noGrp="1"/>
@@ -1402,7 +1607,12 @@
             <p:ph type="title"/>
           </p:nvPr>
         </p:nvSpPr>
-        <p:spPr/>
+        <p:spPr>
+          <a:xfrm>
+            <a:off x="581192" y="702156"/>
+            <a:ext cx="11029616" cy="1013800"/>
+          </a:xfrm>
+        </p:spPr>
         <p:txBody>
           <a:bodyPr/>
           <a:lstStyle/>
@@ -1425,7 +1635,12 @@
             <p:ph idx="1"/>
           </p:nvPr>
         </p:nvSpPr>
-        <p:spPr/>
+        <p:spPr>
+          <a:xfrm>
+            <a:off x="581192" y="2180496"/>
+            <a:ext cx="11029615" cy="3678303"/>
+          </a:xfrm>
+        </p:spPr>
         <p:txBody>
           <a:bodyPr/>
           <a:lstStyle/>
@@ -1519,7 +1734,12 @@
             <p:ph type="sldNum" sz="quarter" idx="12"/>
           </p:nvPr>
         </p:nvSpPr>
-        <p:spPr/>
+        <p:spPr>
+          <a:xfrm>
+            <a:off x="10558300" y="5956137"/>
+            <a:ext cx="1052508" cy="365125"/>
+          </a:xfrm>
+        </p:spPr>
         <p:txBody>
           <a:bodyPr/>
           <a:lstStyle/>
@@ -1535,7 +1755,7 @@
     </p:spTree>
     <p:extLst>
       <p:ext uri="{BB962C8B-B14F-4D97-AF65-F5344CB8AC3E}">
-        <p14:creationId xmlns:p14="http://schemas.microsoft.com/office/powerpoint/2010/main" val="2515715322"/>
+        <p14:creationId xmlns:p14="http://schemas.microsoft.com/office/powerpoint/2010/main" val="2246932974"/>
       </p:ext>
     </p:extLst>
   </p:cSld>
@@ -1564,6 +1784,45 @@
       </p:grpSpPr>
       <p:sp>
         <p:nvSpPr>
+          <p:cNvPr id="8" name="Rectangle 7"/>
+          <p:cNvSpPr>
+            <a:spLocks noChangeAspect="1"/>
+          </p:cNvSpPr>
+          <p:nvPr/>
+        </p:nvSpPr>
+        <p:spPr>
+          <a:xfrm>
+            <a:off x="447817" y="5141974"/>
+            <a:ext cx="11290860" cy="1258827"/>
+          </a:xfrm>
+          <a:prstGeom prst="rect">
+            <a:avLst/>
+          </a:prstGeom>
+          <a:solidFill>
+            <a:schemeClr val="accent1"/>
+          </a:solidFill>
+          <a:ln>
+            <a:noFill/>
+          </a:ln>
+          <a:effectLst/>
+        </p:spPr>
+        <p:style>
+          <a:lnRef idx="1">
+            <a:schemeClr val="accent1"/>
+          </a:lnRef>
+          <a:fillRef idx="3">
+            <a:schemeClr val="accent1"/>
+          </a:fillRef>
+          <a:effectRef idx="2">
+            <a:schemeClr val="accent1"/>
+          </a:effectRef>
+          <a:fontRef idx="minor">
+            <a:schemeClr val="lt1"/>
+          </a:fontRef>
+        </p:style>
+      </p:sp>
+      <p:sp>
+        <p:nvSpPr>
           <p:cNvPr id="2" name="Title 1"/>
           <p:cNvSpPr>
             <a:spLocks noGrp="1"/>
@@ -1574,20 +1833,21 @@
         </p:nvSpPr>
         <p:spPr>
           <a:xfrm>
-            <a:off x="1106424" y="1173575"/>
-            <a:ext cx="9966960" cy="2926080"/>
+            <a:off x="581193" y="3043910"/>
+            <a:ext cx="11029615" cy="1497507"/>
           </a:xfrm>
         </p:spPr>
         <p:txBody>
           <a:bodyPr anchor="b">
-            <a:noAutofit/>
+            <a:normAutofit/>
           </a:bodyPr>
           <a:lstStyle>
-            <a:lvl1pPr algn="ctr">
-              <a:lnSpc>
-                <a:spcPct val="85000"/>
-              </a:lnSpc>
-              <a:defRPr sz="7200" b="0" cap="all" baseline="0"/>
+            <a:lvl1pPr algn="l">
+              <a:defRPr sz="3600" b="0" cap="all">
+                <a:solidFill>
+                  <a:schemeClr val="accent1"/>
+                </a:solidFill>
+              </a:defRPr>
             </a:lvl1pPr>
           </a:lstStyle>
           <a:p>
@@ -1611,8 +1871,8 @@
         </p:nvSpPr>
         <p:spPr>
           <a:xfrm>
-            <a:off x="1709928" y="4154520"/>
-            <a:ext cx="8769096" cy="1363806"/>
+            <a:off x="581192" y="4541417"/>
+            <a:ext cx="11029615" cy="600556"/>
           </a:xfrm>
         </p:spPr>
         <p:txBody>
@@ -1620,11 +1880,11 @@
             <a:normAutofit/>
           </a:bodyPr>
           <a:lstStyle>
-            <a:lvl1pPr marL="0" indent="0" algn="ctr">
-              <a:buNone/>
-              <a:defRPr sz="2200">
+            <a:lvl1pPr marL="0" indent="0" algn="l">
+              <a:buNone/>
+              <a:defRPr sz="1800" cap="all">
                 <a:solidFill>
-                  <a:schemeClr val="accent1"/>
+                  <a:schemeClr val="accent2"/>
                 </a:solidFill>
               </a:defRPr>
             </a:lvl1pPr>
@@ -1731,7 +1991,18 @@
         <p:spPr/>
         <p:txBody>
           <a:bodyPr/>
-          <a:lstStyle/>
+          <a:lstStyle>
+            <a:lvl1pPr>
+              <a:defRPr>
+                <a:solidFill>
+                  <a:schemeClr val="accent1">
+                    <a:lumMod val="75000"/>
+                    <a:lumOff val="25000"/>
+                  </a:schemeClr>
+                </a:solidFill>
+              </a:defRPr>
+            </a:lvl1pPr>
+          </a:lstStyle>
           <a:p>
             <a:fld id="{4C52EC6D-AFBA-4F6F-A64F-BA455C0AB0BC}" type="datetimeFigureOut">
               <a:rPr lang="da-DK" smtClean="0"/>
@@ -1754,7 +2025,18 @@
         <p:spPr/>
         <p:txBody>
           <a:bodyPr/>
-          <a:lstStyle/>
+          <a:lstStyle>
+            <a:lvl1pPr>
+              <a:defRPr>
+                <a:solidFill>
+                  <a:schemeClr val="accent1">
+                    <a:lumMod val="75000"/>
+                    <a:lumOff val="25000"/>
+                  </a:schemeClr>
+                </a:solidFill>
+              </a:defRPr>
+            </a:lvl1pPr>
+          </a:lstStyle>
           <a:p>
             <a:endParaRPr lang="da-DK"/>
           </a:p>
@@ -1773,7 +2055,18 @@
         <p:spPr/>
         <p:txBody>
           <a:bodyPr/>
-          <a:lstStyle/>
+          <a:lstStyle>
+            <a:lvl1pPr>
+              <a:defRPr>
+                <a:solidFill>
+                  <a:schemeClr val="accent1">
+                    <a:lumMod val="75000"/>
+                    <a:lumOff val="25000"/>
+                  </a:schemeClr>
+                </a:solidFill>
+              </a:defRPr>
+            </a:lvl1pPr>
+          </a:lstStyle>
           <a:p>
             <a:fld id="{2E8327EC-32D6-48CC-AD7E-02BA4A0C4B80}" type="slidenum">
               <a:rPr lang="da-DK" smtClean="0"/>
@@ -1783,45 +2076,10 @@
           </a:p>
         </p:txBody>
       </p:sp>
-      <p:cxnSp>
-        <p:nvCxnSpPr>
-          <p:cNvPr id="7" name="Straight Connector 6"/>
-          <p:cNvCxnSpPr/>
-          <p:nvPr/>
-        </p:nvCxnSpPr>
-        <p:spPr>
-          <a:xfrm>
-            <a:off x="1981200" y="4020408"/>
-            <a:ext cx="8229601" cy="0"/>
-          </a:xfrm>
-          <a:prstGeom prst="line">
-            <a:avLst/>
-          </a:prstGeom>
-          <a:ln>
-            <a:solidFill>
-              <a:schemeClr val="accent1"/>
-            </a:solidFill>
-          </a:ln>
-        </p:spPr>
-        <p:style>
-          <a:lnRef idx="1">
-            <a:schemeClr val="accent1"/>
-          </a:lnRef>
-          <a:fillRef idx="0">
-            <a:schemeClr val="accent1"/>
-          </a:fillRef>
-          <a:effectRef idx="0">
-            <a:schemeClr val="accent1"/>
-          </a:effectRef>
-          <a:fontRef idx="minor">
-            <a:schemeClr val="tx1"/>
-          </a:fontRef>
-        </p:style>
-      </p:cxnSp>
     </p:spTree>
     <p:extLst>
       <p:ext uri="{BB962C8B-B14F-4D97-AF65-F5344CB8AC3E}">
-        <p14:creationId xmlns:p14="http://schemas.microsoft.com/office/powerpoint/2010/main" val="2711000396"/>
+        <p14:creationId xmlns:p14="http://schemas.microsoft.com/office/powerpoint/2010/main" val="2848126256"/>
       </p:ext>
     </p:extLst>
   </p:cSld>
@@ -1850,7 +2108,46 @@
       </p:grpSpPr>
       <p:sp>
         <p:nvSpPr>
-          <p:cNvPr id="8" name="Title 7"/>
+          <p:cNvPr id="8" name="Rectangle 7"/>
+          <p:cNvSpPr>
+            <a:spLocks noChangeAspect="1"/>
+          </p:cNvSpPr>
+          <p:nvPr/>
+        </p:nvSpPr>
+        <p:spPr>
+          <a:xfrm>
+            <a:off x="445982" y="606554"/>
+            <a:ext cx="11300036" cy="1258827"/>
+          </a:xfrm>
+          <a:prstGeom prst="rect">
+            <a:avLst/>
+          </a:prstGeom>
+          <a:solidFill>
+            <a:schemeClr val="accent1"/>
+          </a:solidFill>
+          <a:ln>
+            <a:noFill/>
+          </a:ln>
+          <a:effectLst/>
+        </p:spPr>
+        <p:style>
+          <a:lnRef idx="1">
+            <a:schemeClr val="accent1"/>
+          </a:lnRef>
+          <a:fillRef idx="3">
+            <a:schemeClr val="accent1"/>
+          </a:fillRef>
+          <a:effectRef idx="2">
+            <a:schemeClr val="accent1"/>
+          </a:effectRef>
+          <a:fontRef idx="minor">
+            <a:schemeClr val="lt1"/>
+          </a:fontRef>
+        </p:style>
+      </p:sp>
+      <p:sp>
+        <p:nvSpPr>
+          <p:cNvPr id="2" name="Title 1"/>
           <p:cNvSpPr>
             <a:spLocks noGrp="1"/>
           </p:cNvSpPr>
@@ -1858,7 +2155,12 @@
             <p:ph type="title"/>
           </p:nvPr>
         </p:nvSpPr>
-        <p:spPr/>
+        <p:spPr>
+          <a:xfrm>
+            <a:off x="581193" y="729658"/>
+            <a:ext cx="11029616" cy="988332"/>
+          </a:xfrm>
+        </p:spPr>
         <p:txBody>
           <a:bodyPr/>
           <a:lstStyle/>
@@ -1883,41 +2185,15 @@
         </p:nvSpPr>
         <p:spPr>
           <a:xfrm>
-            <a:off x="1143000" y="2057399"/>
-            <a:ext cx="4754880" cy="4023360"/>
-          </a:xfrm>
-        </p:spPr>
-        <p:txBody>
-          <a:bodyPr/>
-          <a:lstStyle>
-            <a:lvl1pPr>
-              <a:defRPr sz="2200"/>
-            </a:lvl1pPr>
-            <a:lvl2pPr>
-              <a:defRPr sz="2000"/>
-            </a:lvl2pPr>
-            <a:lvl3pPr>
-              <a:defRPr sz="1800"/>
-            </a:lvl3pPr>
-            <a:lvl4pPr>
-              <a:defRPr sz="1600"/>
-            </a:lvl4pPr>
-            <a:lvl5pPr>
-              <a:defRPr sz="1600"/>
-            </a:lvl5pPr>
-            <a:lvl6pPr>
-              <a:defRPr sz="1600"/>
-            </a:lvl6pPr>
-            <a:lvl7pPr>
-              <a:defRPr sz="1600"/>
-            </a:lvl7pPr>
-            <a:lvl8pPr>
-              <a:defRPr sz="1600"/>
-            </a:lvl8pPr>
-            <a:lvl9pPr>
-              <a:defRPr sz="1600"/>
-            </a:lvl9pPr>
-          </a:lstStyle>
+            <a:off x="581193" y="2228003"/>
+            <a:ext cx="5422390" cy="3633047"/>
+          </a:xfrm>
+        </p:spPr>
+        <p:txBody>
+          <a:bodyPr>
+            <a:normAutofit/>
+          </a:bodyPr>
+          <a:lstStyle/>
           <a:p>
             <a:pPr lvl="0"/>
             <a:r>
@@ -1968,41 +2244,15 @@
         </p:nvSpPr>
         <p:spPr>
           <a:xfrm>
-            <a:off x="6267612" y="2057400"/>
-            <a:ext cx="4754880" cy="4023360"/>
-          </a:xfrm>
-        </p:spPr>
-        <p:txBody>
-          <a:bodyPr/>
-          <a:lstStyle>
-            <a:lvl1pPr>
-              <a:defRPr sz="2200"/>
-            </a:lvl1pPr>
-            <a:lvl2pPr>
-              <a:defRPr sz="2000"/>
-            </a:lvl2pPr>
-            <a:lvl3pPr>
-              <a:defRPr sz="1800"/>
-            </a:lvl3pPr>
-            <a:lvl4pPr>
-              <a:defRPr sz="1600"/>
-            </a:lvl4pPr>
-            <a:lvl5pPr>
-              <a:defRPr sz="1600"/>
-            </a:lvl5pPr>
-            <a:lvl6pPr>
-              <a:defRPr sz="1600"/>
-            </a:lvl6pPr>
-            <a:lvl7pPr>
-              <a:defRPr sz="1600"/>
-            </a:lvl7pPr>
-            <a:lvl8pPr>
-              <a:defRPr sz="1600"/>
-            </a:lvl8pPr>
-            <a:lvl9pPr>
-              <a:defRPr sz="1600"/>
-            </a:lvl9pPr>
-          </a:lstStyle>
+            <a:off x="6188417" y="2228003"/>
+            <a:ext cx="5422392" cy="3633047"/>
+          </a:xfrm>
+        </p:spPr>
+        <p:txBody>
+          <a:bodyPr>
+            <a:normAutofit/>
+          </a:bodyPr>
+          <a:lstStyle/>
           <a:p>
             <a:pPr lvl="0"/>
             <a:r>
@@ -2109,7 +2359,7 @@
     </p:spTree>
     <p:extLst>
       <p:ext uri="{BB962C8B-B14F-4D97-AF65-F5344CB8AC3E}">
-        <p14:creationId xmlns:p14="http://schemas.microsoft.com/office/powerpoint/2010/main" val="4064473351"/>
+        <p14:creationId xmlns:p14="http://schemas.microsoft.com/office/powerpoint/2010/main" val="1299039963"/>
       </p:ext>
     </p:extLst>
   </p:cSld>
@@ -2138,7 +2388,46 @@
       </p:grpSpPr>
       <p:sp>
         <p:nvSpPr>
-          <p:cNvPr id="10" name="Title 9"/>
+          <p:cNvPr id="11" name="Rectangle 10"/>
+          <p:cNvSpPr>
+            <a:spLocks noChangeAspect="1"/>
+          </p:cNvSpPr>
+          <p:nvPr/>
+        </p:nvSpPr>
+        <p:spPr>
+          <a:xfrm>
+            <a:off x="445982" y="606554"/>
+            <a:ext cx="11300036" cy="1258827"/>
+          </a:xfrm>
+          <a:prstGeom prst="rect">
+            <a:avLst/>
+          </a:prstGeom>
+          <a:solidFill>
+            <a:schemeClr val="accent1"/>
+          </a:solidFill>
+          <a:ln>
+            <a:noFill/>
+          </a:ln>
+          <a:effectLst/>
+        </p:spPr>
+        <p:style>
+          <a:lnRef idx="1">
+            <a:schemeClr val="accent1"/>
+          </a:lnRef>
+          <a:fillRef idx="3">
+            <a:schemeClr val="accent1"/>
+          </a:fillRef>
+          <a:effectRef idx="2">
+            <a:schemeClr val="accent1"/>
+          </a:effectRef>
+          <a:fontRef idx="minor">
+            <a:schemeClr val="lt1"/>
+          </a:fontRef>
+        </p:style>
+      </p:sp>
+      <p:sp>
+        <p:nvSpPr>
+          <p:cNvPr id="12" name="Title 1"/>
           <p:cNvSpPr>
             <a:spLocks noGrp="1"/>
           </p:cNvSpPr>
@@ -2146,7 +2435,12 @@
             <p:ph type="title"/>
           </p:nvPr>
         </p:nvSpPr>
-        <p:spPr/>
+        <p:spPr>
+          <a:xfrm>
+            <a:off x="581193" y="729658"/>
+            <a:ext cx="11029616" cy="988332"/>
+          </a:xfrm>
+        </p:spPr>
         <p:txBody>
           <a:bodyPr/>
           <a:lstStyle/>
@@ -2171,19 +2465,22 @@
         </p:nvSpPr>
         <p:spPr>
           <a:xfrm>
-            <a:off x="1143000" y="2001511"/>
-            <a:ext cx="4754880" cy="777240"/>
-          </a:xfrm>
-        </p:spPr>
-        <p:txBody>
-          <a:bodyPr anchor="ctr"/>
+            <a:off x="887219" y="2250892"/>
+            <a:ext cx="5087075" cy="536005"/>
+          </a:xfrm>
+        </p:spPr>
+        <p:txBody>
+          <a:bodyPr anchor="b">
+            <a:noAutofit/>
+          </a:bodyPr>
           <a:lstStyle>
             <a:lvl1pPr marL="0" indent="0">
-              <a:spcBef>
-                <a:spcPts val="0"/>
-              </a:spcBef>
-              <a:buNone/>
-              <a:defRPr sz="2400" b="1"/>
+              <a:buNone/>
+              <a:defRPr sz="2200" b="0">
+                <a:solidFill>
+                  <a:schemeClr val="accent2"/>
+                </a:solidFill>
+              </a:defRPr>
             </a:lvl1pPr>
             <a:lvl2pPr marL="457200" indent="0">
               <a:buNone/>
@@ -2239,41 +2536,15 @@
         </p:nvSpPr>
         <p:spPr>
           <a:xfrm>
-            <a:off x="1143000" y="2721483"/>
-            <a:ext cx="4754880" cy="3383280"/>
-          </a:xfrm>
-        </p:spPr>
-        <p:txBody>
-          <a:bodyPr/>
-          <a:lstStyle>
-            <a:lvl1pPr>
-              <a:defRPr sz="2200"/>
-            </a:lvl1pPr>
-            <a:lvl2pPr>
-              <a:defRPr sz="2000"/>
-            </a:lvl2pPr>
-            <a:lvl3pPr>
-              <a:defRPr sz="1800"/>
-            </a:lvl3pPr>
-            <a:lvl4pPr>
-              <a:defRPr sz="1600"/>
-            </a:lvl4pPr>
-            <a:lvl5pPr>
-              <a:defRPr sz="1600"/>
-            </a:lvl5pPr>
-            <a:lvl6pPr>
-              <a:defRPr sz="1600"/>
-            </a:lvl6pPr>
-            <a:lvl7pPr>
-              <a:defRPr sz="1600"/>
-            </a:lvl7pPr>
-            <a:lvl8pPr>
-              <a:defRPr sz="1600"/>
-            </a:lvl8pPr>
-            <a:lvl9pPr>
-              <a:defRPr sz="1600"/>
-            </a:lvl9pPr>
-          </a:lstStyle>
+            <a:off x="581194" y="2926052"/>
+            <a:ext cx="5393100" cy="2934999"/>
+          </a:xfrm>
+        </p:spPr>
+        <p:txBody>
+          <a:bodyPr anchor="t">
+            <a:normAutofit/>
+          </a:bodyPr>
+          <a:lstStyle/>
           <a:p>
             <a:pPr lvl="0"/>
             <a:r>
@@ -2324,19 +2595,22 @@
         </p:nvSpPr>
         <p:spPr>
           <a:xfrm>
-            <a:off x="6269173" y="1999032"/>
-            <a:ext cx="4754880" cy="777240"/>
-          </a:xfrm>
-        </p:spPr>
-        <p:txBody>
-          <a:bodyPr anchor="ctr"/>
+            <a:off x="6523735" y="2250892"/>
+            <a:ext cx="5087073" cy="553373"/>
+          </a:xfrm>
+        </p:spPr>
+        <p:txBody>
+          <a:bodyPr anchor="b">
+            <a:noAutofit/>
+          </a:bodyPr>
           <a:lstStyle>
             <a:lvl1pPr marL="0" indent="0">
-              <a:spcBef>
-                <a:spcPts val="0"/>
-              </a:spcBef>
-              <a:buNone/>
-              <a:defRPr sz="2400" b="1"/>
+              <a:buNone/>
+              <a:defRPr sz="2200" b="0">
+                <a:solidFill>
+                  <a:schemeClr val="accent2"/>
+                </a:solidFill>
+              </a:defRPr>
             </a:lvl1pPr>
             <a:lvl2pPr marL="457200" indent="0">
               <a:buNone/>
@@ -2392,41 +2666,15 @@
         </p:nvSpPr>
         <p:spPr>
           <a:xfrm>
-            <a:off x="6269173" y="2719322"/>
-            <a:ext cx="4754880" cy="3383280"/>
-          </a:xfrm>
-        </p:spPr>
-        <p:txBody>
-          <a:bodyPr/>
-          <a:lstStyle>
-            <a:lvl1pPr>
-              <a:defRPr sz="2200"/>
-            </a:lvl1pPr>
-            <a:lvl2pPr>
-              <a:defRPr sz="2000"/>
-            </a:lvl2pPr>
-            <a:lvl3pPr>
-              <a:defRPr sz="1800"/>
-            </a:lvl3pPr>
-            <a:lvl4pPr>
-              <a:defRPr sz="1600"/>
-            </a:lvl4pPr>
-            <a:lvl5pPr>
-              <a:defRPr sz="1600"/>
-            </a:lvl5pPr>
-            <a:lvl6pPr>
-              <a:defRPr sz="1600"/>
-            </a:lvl6pPr>
-            <a:lvl7pPr>
-              <a:defRPr sz="1600"/>
-            </a:lvl7pPr>
-            <a:lvl8pPr>
-              <a:defRPr sz="1600"/>
-            </a:lvl8pPr>
-            <a:lvl9pPr>
-              <a:defRPr sz="1600"/>
-            </a:lvl9pPr>
-          </a:lstStyle>
+            <a:off x="6217709" y="2926052"/>
+            <a:ext cx="5393100" cy="2934999"/>
+          </a:xfrm>
+        </p:spPr>
+        <p:txBody>
+          <a:bodyPr anchor="t">
+            <a:normAutofit/>
+          </a:bodyPr>
+          <a:lstStyle/>
           <a:p>
             <a:pPr lvl="0"/>
             <a:r>
@@ -2533,7 +2781,7 @@
     </p:spTree>
     <p:extLst>
       <p:ext uri="{BB962C8B-B14F-4D97-AF65-F5344CB8AC3E}">
-        <p14:creationId xmlns:p14="http://schemas.microsoft.com/office/powerpoint/2010/main" val="3859052557"/>
+        <p14:creationId xmlns:p14="http://schemas.microsoft.com/office/powerpoint/2010/main" val="617016618"/>
       </p:ext>
     </p:extLst>
   </p:cSld>
@@ -2562,7 +2810,46 @@
       </p:grpSpPr>
       <p:sp>
         <p:nvSpPr>
-          <p:cNvPr id="2" name="Title 1"/>
+          <p:cNvPr id="7" name="Rectangle 6"/>
+          <p:cNvSpPr>
+            <a:spLocks noChangeAspect="1"/>
+          </p:cNvSpPr>
+          <p:nvPr/>
+        </p:nvSpPr>
+        <p:spPr>
+          <a:xfrm>
+            <a:off x="440683" y="606554"/>
+            <a:ext cx="11300036" cy="1258827"/>
+          </a:xfrm>
+          <a:prstGeom prst="rect">
+            <a:avLst/>
+          </a:prstGeom>
+          <a:solidFill>
+            <a:schemeClr val="accent1"/>
+          </a:solidFill>
+          <a:ln>
+            <a:noFill/>
+          </a:ln>
+          <a:effectLst/>
+        </p:spPr>
+        <p:style>
+          <a:lnRef idx="1">
+            <a:schemeClr val="accent1"/>
+          </a:lnRef>
+          <a:fillRef idx="3">
+            <a:schemeClr val="accent1"/>
+          </a:fillRef>
+          <a:effectRef idx="2">
+            <a:schemeClr val="accent1"/>
+          </a:effectRef>
+          <a:fontRef idx="minor">
+            <a:schemeClr val="lt1"/>
+          </a:fontRef>
+        </p:style>
+      </p:sp>
+      <p:sp>
+        <p:nvSpPr>
+          <p:cNvPr id="8" name="Title 1"/>
           <p:cNvSpPr>
             <a:spLocks noGrp="1"/>
           </p:cNvSpPr>
@@ -2570,7 +2857,12 @@
             <p:ph type="title"/>
           </p:nvPr>
         </p:nvSpPr>
-        <p:spPr/>
+        <p:spPr>
+          <a:xfrm>
+            <a:off x="575894" y="729658"/>
+            <a:ext cx="11029616" cy="988332"/>
+          </a:xfrm>
+        </p:spPr>
         <p:txBody>
           <a:bodyPr/>
           <a:lstStyle/>
@@ -2651,7 +2943,7 @@
     </p:spTree>
     <p:extLst>
       <p:ext uri="{BB962C8B-B14F-4D97-AF65-F5344CB8AC3E}">
-        <p14:creationId xmlns:p14="http://schemas.microsoft.com/office/powerpoint/2010/main" val="4070909965"/>
+        <p14:creationId xmlns:p14="http://schemas.microsoft.com/office/powerpoint/2010/main" val="2657662369"/>
       </p:ext>
     </p:extLst>
   </p:cSld>
@@ -2746,7 +3038,7 @@
     </p:spTree>
     <p:extLst>
       <p:ext uri="{BB962C8B-B14F-4D97-AF65-F5344CB8AC3E}">
-        <p14:creationId xmlns:p14="http://schemas.microsoft.com/office/powerpoint/2010/main" val="3877063400"/>
+        <p14:creationId xmlns:p14="http://schemas.microsoft.com/office/powerpoint/2010/main" val="1313897314"/>
       </p:ext>
     </p:extLst>
   </p:cSld>
@@ -2775,6 +3067,45 @@
       </p:grpSpPr>
       <p:sp>
         <p:nvSpPr>
+          <p:cNvPr id="9" name="Rectangle 8"/>
+          <p:cNvSpPr>
+            <a:spLocks noChangeAspect="1"/>
+          </p:cNvSpPr>
+          <p:nvPr/>
+        </p:nvSpPr>
+        <p:spPr>
+          <a:xfrm>
+            <a:off x="447817" y="5141973"/>
+            <a:ext cx="11298200" cy="1274702"/>
+          </a:xfrm>
+          <a:prstGeom prst="rect">
+            <a:avLst/>
+          </a:prstGeom>
+          <a:solidFill>
+            <a:schemeClr val="accent1"/>
+          </a:solidFill>
+          <a:ln>
+            <a:noFill/>
+          </a:ln>
+          <a:effectLst/>
+        </p:spPr>
+        <p:style>
+          <a:lnRef idx="1">
+            <a:schemeClr val="accent1"/>
+          </a:lnRef>
+          <a:fillRef idx="3">
+            <a:schemeClr val="accent1"/>
+          </a:fillRef>
+          <a:effectRef idx="2">
+            <a:schemeClr val="accent1"/>
+          </a:effectRef>
+          <a:fontRef idx="minor">
+            <a:schemeClr val="lt1"/>
+          </a:fontRef>
+        </p:style>
+      </p:sp>
+      <p:sp>
+        <p:nvSpPr>
           <p:cNvPr id="2" name="Title 1"/>
           <p:cNvSpPr>
             <a:spLocks noGrp="1"/>
@@ -2785,26 +3116,151 @@
         </p:nvSpPr>
         <p:spPr>
           <a:xfrm>
-            <a:off x="1143000" y="1097280"/>
-            <a:ext cx="3931920" cy="1737360"/>
-          </a:xfrm>
-        </p:spPr>
-        <p:txBody>
-          <a:bodyPr anchor="b">
-            <a:noAutofit/>
+            <a:off x="581192" y="5262296"/>
+            <a:ext cx="4909445" cy="689514"/>
+          </a:xfrm>
+        </p:spPr>
+        <p:txBody>
+          <a:bodyPr anchor="ctr"/>
+          <a:lstStyle>
+            <a:lvl1pPr algn="l">
+              <a:defRPr sz="2000" b="0">
+                <a:solidFill>
+                  <a:schemeClr val="accent1">
+                    <a:lumMod val="75000"/>
+                    <a:lumOff val="25000"/>
+                  </a:schemeClr>
+                </a:solidFill>
+              </a:defRPr>
+            </a:lvl1pPr>
+          </a:lstStyle>
+          <a:p>
+            <a:r>
+              <a:rPr lang="da-DK"/>
+              <a:t>Klik for at redigere titeltypografien i masteren</a:t>
+            </a:r>
+            <a:endParaRPr lang="en-US" dirty="0"/>
+          </a:p>
+        </p:txBody>
+      </p:sp>
+      <p:sp>
+        <p:nvSpPr>
+          <p:cNvPr id="3" name="Content Placeholder 2"/>
+          <p:cNvSpPr>
+            <a:spLocks noGrp="1"/>
+          </p:cNvSpPr>
+          <p:nvPr>
+            <p:ph idx="1"/>
+          </p:nvPr>
+        </p:nvSpPr>
+        <p:spPr>
+          <a:xfrm>
+            <a:off x="447816" y="601200"/>
+            <a:ext cx="11292840" cy="4204800"/>
+          </a:xfrm>
+        </p:spPr>
+        <p:txBody>
+          <a:bodyPr anchor="ctr">
+            <a:normAutofit/>
           </a:bodyPr>
           <a:lstStyle>
             <a:lvl1pPr>
-              <a:lnSpc>
-                <a:spcPct val="90000"/>
-              </a:lnSpc>
-              <a:defRPr sz="4000" b="0"/>
+              <a:defRPr sz="2000">
+                <a:solidFill>
+                  <a:schemeClr val="tx2"/>
+                </a:solidFill>
+              </a:defRPr>
             </a:lvl1pPr>
+            <a:lvl2pPr>
+              <a:defRPr sz="1800">
+                <a:solidFill>
+                  <a:schemeClr val="tx2"/>
+                </a:solidFill>
+              </a:defRPr>
+            </a:lvl2pPr>
+            <a:lvl3pPr>
+              <a:defRPr sz="1600">
+                <a:solidFill>
+                  <a:schemeClr val="tx2"/>
+                </a:solidFill>
+              </a:defRPr>
+            </a:lvl3pPr>
+            <a:lvl4pPr>
+              <a:defRPr sz="1400">
+                <a:solidFill>
+                  <a:schemeClr val="tx2"/>
+                </a:solidFill>
+              </a:defRPr>
+            </a:lvl4pPr>
+            <a:lvl5pPr>
+              <a:defRPr sz="1400">
+                <a:solidFill>
+                  <a:schemeClr val="tx2"/>
+                </a:solidFill>
+              </a:defRPr>
+            </a:lvl5pPr>
+            <a:lvl6pPr>
+              <a:defRPr sz="1400">
+                <a:solidFill>
+                  <a:schemeClr val="tx2"/>
+                </a:solidFill>
+              </a:defRPr>
+            </a:lvl6pPr>
+            <a:lvl7pPr>
+              <a:defRPr sz="1400">
+                <a:solidFill>
+                  <a:schemeClr val="tx2"/>
+                </a:solidFill>
+              </a:defRPr>
+            </a:lvl7pPr>
+            <a:lvl8pPr>
+              <a:defRPr sz="1400">
+                <a:solidFill>
+                  <a:schemeClr val="tx2"/>
+                </a:solidFill>
+              </a:defRPr>
+            </a:lvl8pPr>
+            <a:lvl9pPr>
+              <a:defRPr sz="1400">
+                <a:solidFill>
+                  <a:schemeClr val="tx2"/>
+                </a:solidFill>
+              </a:defRPr>
+            </a:lvl9pPr>
           </a:lstStyle>
           <a:p>
-            <a:r>
-              <a:rPr lang="da-DK"/>
-              <a:t>Klik for at redigere titeltypografien i masteren</a:t>
+            <a:pPr lvl="0"/>
+            <a:r>
+              <a:rPr lang="da-DK"/>
+              <a:t>Rediger teksttypografien i masteren</a:t>
+            </a:r>
+          </a:p>
+          <a:p>
+            <a:pPr lvl="1"/>
+            <a:r>
+              <a:rPr lang="da-DK"/>
+              <a:t>Andet niveau</a:t>
+            </a:r>
+          </a:p>
+          <a:p>
+            <a:pPr lvl="2"/>
+            <a:r>
+              <a:rPr lang="da-DK"/>
+              <a:t>Tredje niveau</a:t>
+            </a:r>
+          </a:p>
+          <a:p>
+            <a:pPr lvl="3"/>
+            <a:r>
+              <a:rPr lang="da-DK"/>
+              <a:t>Fjerde niveau</a:t>
+            </a:r>
+          </a:p>
+          <a:p>
+            <a:pPr lvl="4"/>
+            <a:r>
+              <a:rPr lang="da-DK"/>
+              <a:t>Femte niveau</a:t>
             </a:r>
             <a:endParaRPr lang="en-US" dirty="0"/>
           </a:p>
@@ -2812,176 +3268,100 @@
       </p:sp>
       <p:sp>
         <p:nvSpPr>
-          <p:cNvPr id="3" name="Content Placeholder 2"/>
-          <p:cNvSpPr>
-            <a:spLocks noGrp="1"/>
-          </p:cNvSpPr>
-          <p:nvPr>
-            <p:ph idx="1"/>
-          </p:nvPr>
-        </p:nvSpPr>
-        <p:spPr>
-          <a:xfrm>
-            <a:off x="5852159" y="1097280"/>
-            <a:ext cx="5212080" cy="4663440"/>
-          </a:xfrm>
-        </p:spPr>
+          <p:cNvPr id="4" name="Text Placeholder 3"/>
+          <p:cNvSpPr>
+            <a:spLocks noGrp="1"/>
+          </p:cNvSpPr>
+          <p:nvPr>
+            <p:ph type="body" sz="half" idx="2"/>
+          </p:nvPr>
+        </p:nvSpPr>
+        <p:spPr>
+          <a:xfrm>
+            <a:off x="5740823" y="5262296"/>
+            <a:ext cx="5869987" cy="689515"/>
+          </a:xfrm>
+        </p:spPr>
+        <p:txBody>
+          <a:bodyPr anchor="ctr">
+            <a:normAutofit/>
+          </a:bodyPr>
+          <a:lstStyle>
+            <a:lvl1pPr marL="0" indent="0" algn="r">
+              <a:buNone/>
+              <a:defRPr sz="1100">
+                <a:solidFill>
+                  <a:schemeClr val="bg1"/>
+                </a:solidFill>
+              </a:defRPr>
+            </a:lvl1pPr>
+            <a:lvl2pPr marL="457200" indent="0">
+              <a:buNone/>
+              <a:defRPr sz="1100"/>
+            </a:lvl2pPr>
+            <a:lvl3pPr marL="914400" indent="0">
+              <a:buNone/>
+              <a:defRPr sz="1000"/>
+            </a:lvl3pPr>
+            <a:lvl4pPr marL="1371600" indent="0">
+              <a:buNone/>
+              <a:defRPr sz="900"/>
+            </a:lvl4pPr>
+            <a:lvl5pPr marL="1828800" indent="0">
+              <a:buNone/>
+              <a:defRPr sz="900"/>
+            </a:lvl5pPr>
+            <a:lvl6pPr marL="2286000" indent="0">
+              <a:buNone/>
+              <a:defRPr sz="900"/>
+            </a:lvl6pPr>
+            <a:lvl7pPr marL="2743200" indent="0">
+              <a:buNone/>
+              <a:defRPr sz="900"/>
+            </a:lvl7pPr>
+            <a:lvl8pPr marL="3200400" indent="0">
+              <a:buNone/>
+              <a:defRPr sz="900"/>
+            </a:lvl8pPr>
+            <a:lvl9pPr marL="3657600" indent="0">
+              <a:buNone/>
+              <a:defRPr sz="900"/>
+            </a:lvl9pPr>
+          </a:lstStyle>
+          <a:p>
+            <a:pPr lvl="0"/>
+            <a:r>
+              <a:rPr lang="da-DK"/>
+              <a:t>Rediger teksttypografien i masteren</a:t>
+            </a:r>
+          </a:p>
+        </p:txBody>
+      </p:sp>
+      <p:sp>
+        <p:nvSpPr>
+          <p:cNvPr id="5" name="Date Placeholder 4"/>
+          <p:cNvSpPr>
+            <a:spLocks noGrp="1"/>
+          </p:cNvSpPr>
+          <p:nvPr>
+            <p:ph type="dt" sz="half" idx="10"/>
+          </p:nvPr>
+        </p:nvSpPr>
+        <p:spPr/>
         <p:txBody>
           <a:bodyPr/>
           <a:lstStyle>
             <a:lvl1pPr>
-              <a:defRPr sz="3200"/>
+              <a:defRPr>
+                <a:solidFill>
+                  <a:schemeClr val="accent1">
+                    <a:lumMod val="75000"/>
+                    <a:lumOff val="25000"/>
+                  </a:schemeClr>
+                </a:solidFill>
+              </a:defRPr>
             </a:lvl1pPr>
-            <a:lvl2pPr>
-              <a:defRPr sz="2800"/>
-            </a:lvl2pPr>
-            <a:lvl3pPr>
-              <a:defRPr sz="2400"/>
-            </a:lvl3pPr>
-            <a:lvl4pPr>
-              <a:defRPr sz="2000"/>
-            </a:lvl4pPr>
-            <a:lvl5pPr>
-              <a:defRPr sz="2000"/>
-            </a:lvl5pPr>
-            <a:lvl6pPr>
-              <a:defRPr sz="2000"/>
-            </a:lvl6pPr>
-            <a:lvl7pPr>
-              <a:defRPr sz="2000"/>
-            </a:lvl7pPr>
-            <a:lvl8pPr>
-              <a:defRPr sz="2000"/>
-            </a:lvl8pPr>
-            <a:lvl9pPr>
-              <a:defRPr sz="2000"/>
-            </a:lvl9pPr>
           </a:lstStyle>
-          <a:p>
-            <a:pPr lvl="0"/>
-            <a:r>
-              <a:rPr lang="da-DK"/>
-              <a:t>Rediger teksttypografien i masteren</a:t>
-            </a:r>
-          </a:p>
-          <a:p>
-            <a:pPr lvl="1"/>
-            <a:r>
-              <a:rPr lang="da-DK"/>
-              <a:t>Andet niveau</a:t>
-            </a:r>
-          </a:p>
-          <a:p>
-            <a:pPr lvl="2"/>
-            <a:r>
-              <a:rPr lang="da-DK"/>
-              <a:t>Tredje niveau</a:t>
-            </a:r>
-          </a:p>
-          <a:p>
-            <a:pPr lvl="3"/>
-            <a:r>
-              <a:rPr lang="da-DK"/>
-              <a:t>Fjerde niveau</a:t>
-            </a:r>
-          </a:p>
-          <a:p>
-            <a:pPr lvl="4"/>
-            <a:r>
-              <a:rPr lang="da-DK"/>
-              <a:t>Femte niveau</a:t>
-            </a:r>
-            <a:endParaRPr lang="en-US" dirty="0"/>
-          </a:p>
-        </p:txBody>
-      </p:sp>
-      <p:sp>
-        <p:nvSpPr>
-          <p:cNvPr id="4" name="Text Placeholder 3"/>
-          <p:cNvSpPr>
-            <a:spLocks noGrp="1"/>
-          </p:cNvSpPr>
-          <p:nvPr>
-            <p:ph type="body" sz="half" idx="2"/>
-          </p:nvPr>
-        </p:nvSpPr>
-        <p:spPr>
-          <a:xfrm>
-            <a:off x="1143000" y="2834640"/>
-            <a:ext cx="3931920" cy="3017520"/>
-          </a:xfrm>
-        </p:spPr>
-        <p:txBody>
-          <a:bodyPr>
-            <a:normAutofit/>
-          </a:bodyPr>
-          <a:lstStyle>
-            <a:lvl1pPr marL="0" indent="0">
-              <a:lnSpc>
-                <a:spcPct val="100000"/>
-              </a:lnSpc>
-              <a:spcBef>
-                <a:spcPts val="1000"/>
-              </a:spcBef>
-              <a:buNone/>
-              <a:defRPr sz="1700"/>
-            </a:lvl1pPr>
-            <a:lvl2pPr marL="457200" indent="0">
-              <a:buNone/>
-              <a:defRPr sz="1200"/>
-            </a:lvl2pPr>
-            <a:lvl3pPr marL="914400" indent="0">
-              <a:buNone/>
-              <a:defRPr sz="1000"/>
-            </a:lvl3pPr>
-            <a:lvl4pPr marL="1371600" indent="0">
-              <a:buNone/>
-              <a:defRPr sz="900"/>
-            </a:lvl4pPr>
-            <a:lvl5pPr marL="1828800" indent="0">
-              <a:buNone/>
-              <a:defRPr sz="900"/>
-            </a:lvl5pPr>
-            <a:lvl6pPr marL="2286000" indent="0">
-              <a:buNone/>
-              <a:defRPr sz="900"/>
-            </a:lvl6pPr>
-            <a:lvl7pPr marL="2743200" indent="0">
-              <a:buNone/>
-              <a:defRPr sz="900"/>
-            </a:lvl7pPr>
-            <a:lvl8pPr marL="3200400" indent="0">
-              <a:buNone/>
-              <a:defRPr sz="900"/>
-            </a:lvl8pPr>
-            <a:lvl9pPr marL="3657600" indent="0">
-              <a:buNone/>
-              <a:defRPr sz="900"/>
-            </a:lvl9pPr>
-          </a:lstStyle>
-          <a:p>
-            <a:pPr lvl="0"/>
-            <a:r>
-              <a:rPr lang="da-DK"/>
-              <a:t>Rediger teksttypografien i masteren</a:t>
-            </a:r>
-          </a:p>
-        </p:txBody>
-      </p:sp>
-      <p:sp>
-        <p:nvSpPr>
-          <p:cNvPr id="5" name="Date Placeholder 4"/>
-          <p:cNvSpPr>
-            <a:spLocks noGrp="1"/>
-          </p:cNvSpPr>
-          <p:nvPr>
-            <p:ph type="dt" sz="half" idx="10"/>
-          </p:nvPr>
-        </p:nvSpPr>
-        <p:spPr/>
-        <p:txBody>
-          <a:bodyPr/>
-          <a:lstStyle/>
           <a:p>
             <a:fld id="{4C52EC6D-AFBA-4F6F-A64F-BA455C0AB0BC}" type="datetimeFigureOut">
               <a:rPr lang="da-DK" smtClean="0"/>
@@ -3004,7 +3384,18 @@
         <p:spPr/>
         <p:txBody>
           <a:bodyPr/>
-          <a:lstStyle/>
+          <a:lstStyle>
+            <a:lvl1pPr>
+              <a:defRPr>
+                <a:solidFill>
+                  <a:schemeClr val="accent1">
+                    <a:lumMod val="75000"/>
+                    <a:lumOff val="25000"/>
+                  </a:schemeClr>
+                </a:solidFill>
+              </a:defRPr>
+            </a:lvl1pPr>
+          </a:lstStyle>
           <a:p>
             <a:endParaRPr lang="da-DK"/>
           </a:p>
@@ -3023,7 +3414,18 @@
         <p:spPr/>
         <p:txBody>
           <a:bodyPr/>
-          <a:lstStyle/>
+          <a:lstStyle>
+            <a:lvl1pPr>
+              <a:defRPr>
+                <a:solidFill>
+                  <a:schemeClr val="accent1">
+                    <a:lumMod val="75000"/>
+                    <a:lumOff val="25000"/>
+                  </a:schemeClr>
+                </a:solidFill>
+              </a:defRPr>
+            </a:lvl1pPr>
+          </a:lstStyle>
           <a:p>
             <a:fld id="{2E8327EC-32D6-48CC-AD7E-02BA4A0C4B80}" type="slidenum">
               <a:rPr lang="da-DK" smtClean="0"/>
@@ -3036,7 +3438,7 @@
     </p:spTree>
     <p:extLst>
       <p:ext uri="{BB962C8B-B14F-4D97-AF65-F5344CB8AC3E}">
-        <p14:creationId xmlns:p14="http://schemas.microsoft.com/office/powerpoint/2010/main" val="3277196268"/>
+        <p14:creationId xmlns:p14="http://schemas.microsoft.com/office/powerpoint/2010/main" val="1741177203"/>
       </p:ext>
     </p:extLst>
   </p:cSld>
@@ -3075,87 +3477,88 @@
         </p:nvSpPr>
         <p:spPr>
           <a:xfrm>
-            <a:off x="1143000" y="1097280"/>
-            <a:ext cx="3931920" cy="1737360"/>
+            <a:off x="581193" y="4693389"/>
+            <a:ext cx="11029616" cy="566738"/>
           </a:xfrm>
         </p:spPr>
         <p:txBody>
           <a:bodyPr anchor="b">
-            <a:noAutofit/>
-          </a:bodyPr>
-          <a:lstStyle>
-            <a:lvl1pPr>
-              <a:lnSpc>
-                <a:spcPct val="90000"/>
-              </a:lnSpc>
-              <a:defRPr sz="4000" b="0"/>
-            </a:lvl1pPr>
-          </a:lstStyle>
-          <a:p>
-            <a:r>
-              <a:rPr lang="da-DK"/>
-              <a:t>Klik for at redigere titeltypografien i masteren</a:t>
-            </a:r>
-            <a:endParaRPr lang="en-US" dirty="0"/>
-          </a:p>
-        </p:txBody>
-      </p:sp>
-      <p:sp>
-        <p:nvSpPr>
-          <p:cNvPr id="3" name="Picture Placeholder 2"/>
-          <p:cNvSpPr>
-            <a:spLocks noGrp="1" noChangeAspect="1"/>
-          </p:cNvSpPr>
-          <p:nvPr>
-            <p:ph type="pic" idx="1"/>
-          </p:nvPr>
-        </p:nvSpPr>
-        <p:spPr>
-          <a:xfrm>
-            <a:off x="5413248" y="1069847"/>
-            <a:ext cx="6099048" cy="4800600"/>
-          </a:xfrm>
-        </p:spPr>
-        <p:txBody>
-          <a:bodyPr lIns="274320" tIns="182880" anchor="t">
             <a:normAutofit/>
           </a:bodyPr>
           <a:lstStyle>
-            <a:lvl1pPr marL="0" indent="0">
-              <a:buNone/>
-              <a:defRPr sz="2800"/>
+            <a:lvl1pPr algn="l">
+              <a:defRPr sz="2400" b="0">
+                <a:solidFill>
+                  <a:schemeClr val="accent1"/>
+                </a:solidFill>
+              </a:defRPr>
+            </a:lvl1pPr>
+          </a:lstStyle>
+          <a:p>
+            <a:r>
+              <a:rPr lang="da-DK"/>
+              <a:t>Klik for at redigere titeltypografien i masteren</a:t>
+            </a:r>
+            <a:endParaRPr lang="en-US" dirty="0"/>
+          </a:p>
+        </p:txBody>
+      </p:sp>
+      <p:sp>
+        <p:nvSpPr>
+          <p:cNvPr id="3" name="Picture Placeholder 2"/>
+          <p:cNvSpPr>
+            <a:spLocks noGrp="1" noChangeAspect="1"/>
+          </p:cNvSpPr>
+          <p:nvPr>
+            <p:ph type="pic" idx="1"/>
+          </p:nvPr>
+        </p:nvSpPr>
+        <p:spPr>
+          <a:xfrm>
+            <a:off x="447817" y="599725"/>
+            <a:ext cx="11290859" cy="3557252"/>
+          </a:xfrm>
+        </p:spPr>
+        <p:txBody>
+          <a:bodyPr anchor="t">
+            <a:normAutofit/>
+          </a:bodyPr>
+          <a:lstStyle>
+            <a:lvl1pPr marL="0" indent="0" algn="ctr">
+              <a:buNone/>
+              <a:defRPr sz="1600"/>
             </a:lvl1pPr>
             <a:lvl2pPr marL="457200" indent="0">
               <a:buNone/>
-              <a:defRPr sz="2800"/>
+              <a:defRPr sz="1600"/>
             </a:lvl2pPr>
             <a:lvl3pPr marL="914400" indent="0">
               <a:buNone/>
-              <a:defRPr sz="2400"/>
+              <a:defRPr sz="1600"/>
             </a:lvl3pPr>
             <a:lvl4pPr marL="1371600" indent="0">
               <a:buNone/>
-              <a:defRPr sz="2000"/>
+              <a:defRPr sz="1600"/>
             </a:lvl4pPr>
             <a:lvl5pPr marL="1828800" indent="0">
               <a:buNone/>
-              <a:defRPr sz="2000"/>
+              <a:defRPr sz="1600"/>
             </a:lvl5pPr>
             <a:lvl6pPr marL="2286000" indent="0">
               <a:buNone/>
-              <a:defRPr sz="2000"/>
+              <a:defRPr sz="1600"/>
             </a:lvl6pPr>
             <a:lvl7pPr marL="2743200" indent="0">
               <a:buNone/>
-              <a:defRPr sz="2000"/>
+              <a:defRPr sz="1600"/>
             </a:lvl7pPr>
             <a:lvl8pPr marL="3200400" indent="0">
               <a:buNone/>
-              <a:defRPr sz="2000"/>
+              <a:defRPr sz="1600"/>
             </a:lvl8pPr>
             <a:lvl9pPr marL="3657600" indent="0">
               <a:buNone/>
-              <a:defRPr sz="2000"/>
+              <a:defRPr sz="1600"/>
             </a:lvl9pPr>
           </a:lstStyle>
           <a:p>
@@ -3179,8 +3582,8 @@
         </p:nvSpPr>
         <p:spPr>
           <a:xfrm>
-            <a:off x="1143000" y="2834640"/>
-            <a:ext cx="3931920" cy="2880360"/>
+            <a:off x="581192" y="5260127"/>
+            <a:ext cx="11029617" cy="598671"/>
           </a:xfrm>
         </p:spPr>
         <p:txBody>
@@ -3189,14 +3592,8 @@
           </a:bodyPr>
           <a:lstStyle>
             <a:lvl1pPr marL="0" indent="0">
-              <a:lnSpc>
-                <a:spcPct val="100000"/>
-              </a:lnSpc>
-              <a:spcBef>
-                <a:spcPts val="1000"/>
-              </a:spcBef>
-              <a:buNone/>
-              <a:defRPr sz="1700"/>
+              <a:buNone/>
+              <a:defRPr sz="1200"/>
             </a:lvl1pPr>
             <a:lvl2pPr marL="457200" indent="0">
               <a:buNone/>
@@ -3308,7 +3705,7 @@
     </p:spTree>
     <p:extLst>
       <p:ext uri="{BB962C8B-B14F-4D97-AF65-F5344CB8AC3E}">
-        <p14:creationId xmlns:p14="http://schemas.microsoft.com/office/powerpoint/2010/main" val="2847805813"/>
+        <p14:creationId xmlns:p14="http://schemas.microsoft.com/office/powerpoint/2010/main" val="1287733368"/>
       </p:ext>
     </p:extLst>
   </p:cSld>
@@ -3322,12 +3719,9 @@
 <p:sldMaster xmlns:a="http://schemas.openxmlformats.org/drawingml/2006/main" xmlns:r="http://schemas.openxmlformats.org/officeDocument/2006/relationships" xmlns:p="http://schemas.openxmlformats.org/presentationml/2006/main">
   <p:cSld>
     <p:bg>
-      <p:bgPr>
-        <a:solidFill>
-          <a:schemeClr val="accent1"/>
-        </a:solidFill>
-        <a:effectLst/>
-      </p:bgPr>
+      <p:bgRef idx="1001">
+        <a:schemeClr val="bg1"/>
+      </p:bgRef>
     </p:bg>
     <p:spTree>
       <p:nvGrpSpPr>
@@ -3345,37 +3739,242 @@
       </p:grpSpPr>
       <p:sp>
         <p:nvSpPr>
-          <p:cNvPr id="7" name="Rectangle 6"/>
-          <p:cNvSpPr>
-            <a:spLocks noChangeAspect="1"/>
-          </p:cNvSpPr>
+          <p:cNvPr id="2" name="Title Placeholder 1"/>
+          <p:cNvSpPr>
+            <a:spLocks noGrp="1"/>
+          </p:cNvSpPr>
+          <p:nvPr>
+            <p:ph type="title"/>
+          </p:nvPr>
+        </p:nvSpPr>
+        <p:spPr>
+          <a:xfrm>
+            <a:off x="581192" y="705124"/>
+            <a:ext cx="11029616" cy="1189554"/>
+          </a:xfrm>
+          <a:prstGeom prst="rect">
+            <a:avLst/>
+          </a:prstGeom>
+        </p:spPr>
+        <p:txBody>
+          <a:bodyPr vert="horz" lIns="91440" tIns="45720" rIns="91440" bIns="45720" rtlCol="0" anchor="b">
+            <a:normAutofit/>
+          </a:bodyPr>
+          <a:lstStyle/>
+          <a:p>
+            <a:r>
+              <a:rPr lang="da-DK"/>
+              <a:t>Klik for at redigere titeltypografien i masteren</a:t>
+            </a:r>
+            <a:endParaRPr lang="en-US" dirty="0"/>
+          </a:p>
+        </p:txBody>
+      </p:sp>
+      <p:sp>
+        <p:nvSpPr>
+          <p:cNvPr id="3" name="Text Placeholder 2"/>
+          <p:cNvSpPr>
+            <a:spLocks noGrp="1"/>
+          </p:cNvSpPr>
+          <p:nvPr>
+            <p:ph type="body" idx="1"/>
+          </p:nvPr>
+        </p:nvSpPr>
+        <p:spPr>
+          <a:xfrm>
+            <a:off x="581192" y="2336003"/>
+            <a:ext cx="11029616" cy="3522794"/>
+          </a:xfrm>
+          <a:prstGeom prst="rect">
+            <a:avLst/>
+          </a:prstGeom>
+        </p:spPr>
+        <p:txBody>
+          <a:bodyPr vert="horz" lIns="91440" tIns="45720" rIns="91440" bIns="45720" rtlCol="0" anchor="ctr">
+            <a:normAutofit/>
+          </a:bodyPr>
+          <a:lstStyle/>
+          <a:p>
+            <a:pPr lvl="0"/>
+            <a:r>
+              <a:rPr lang="da-DK"/>
+              <a:t>Rediger teksttypografien i masteren</a:t>
+            </a:r>
+          </a:p>
+          <a:p>
+            <a:pPr lvl="1"/>
+            <a:r>
+              <a:rPr lang="da-DK"/>
+              <a:t>Andet niveau</a:t>
+            </a:r>
+          </a:p>
+          <a:p>
+            <a:pPr lvl="2"/>
+            <a:r>
+              <a:rPr lang="da-DK"/>
+              <a:t>Tredje niveau</a:t>
+            </a:r>
+          </a:p>
+          <a:p>
+            <a:pPr lvl="3"/>
+            <a:r>
+              <a:rPr lang="da-DK"/>
+              <a:t>Fjerde niveau</a:t>
+            </a:r>
+          </a:p>
+          <a:p>
+            <a:pPr lvl="4"/>
+            <a:r>
+              <a:rPr lang="da-DK"/>
+              <a:t>Femte niveau</a:t>
+            </a:r>
+            <a:endParaRPr lang="en-US" dirty="0"/>
+          </a:p>
+        </p:txBody>
+      </p:sp>
+      <p:sp>
+        <p:nvSpPr>
+          <p:cNvPr id="4" name="Date Placeholder 3"/>
+          <p:cNvSpPr>
+            <a:spLocks noGrp="1"/>
+          </p:cNvSpPr>
+          <p:nvPr>
+            <p:ph type="dt" sz="half" idx="2"/>
+          </p:nvPr>
+        </p:nvSpPr>
+        <p:spPr>
+          <a:xfrm>
+            <a:off x="7605951" y="5956137"/>
+            <a:ext cx="2844799" cy="365125"/>
+          </a:xfrm>
+          <a:prstGeom prst="rect">
+            <a:avLst/>
+          </a:prstGeom>
+        </p:spPr>
+        <p:txBody>
+          <a:bodyPr vert="horz" lIns="91440" tIns="45720" rIns="91440" bIns="45720" rtlCol="0" anchor="ctr"/>
+          <a:lstStyle>
+            <a:lvl1pPr algn="r">
+              <a:defRPr sz="900">
+                <a:solidFill>
+                  <a:schemeClr val="accent2"/>
+                </a:solidFill>
+              </a:defRPr>
+            </a:lvl1pPr>
+          </a:lstStyle>
+          <a:p>
+            <a:fld id="{4C52EC6D-AFBA-4F6F-A64F-BA455C0AB0BC}" type="datetimeFigureOut">
+              <a:rPr lang="da-DK" smtClean="0"/>
+              <a:t>13-01-2019</a:t>
+            </a:fld>
+            <a:endParaRPr lang="da-DK"/>
+          </a:p>
+        </p:txBody>
+      </p:sp>
+      <p:sp>
+        <p:nvSpPr>
+          <p:cNvPr id="5" name="Footer Placeholder 4"/>
+          <p:cNvSpPr>
+            <a:spLocks noGrp="1"/>
+          </p:cNvSpPr>
+          <p:nvPr>
+            <p:ph type="ftr" sz="quarter" idx="3"/>
+          </p:nvPr>
+        </p:nvSpPr>
+        <p:spPr>
+          <a:xfrm>
+            <a:off x="581192" y="5951811"/>
+            <a:ext cx="6917210" cy="365125"/>
+          </a:xfrm>
+          <a:prstGeom prst="rect">
+            <a:avLst/>
+          </a:prstGeom>
+        </p:spPr>
+        <p:txBody>
+          <a:bodyPr vert="horz" lIns="91440" tIns="45720" rIns="91440" bIns="45720" rtlCol="0" anchor="ctr"/>
+          <a:lstStyle>
+            <a:lvl1pPr algn="l">
+              <a:defRPr sz="900" cap="all">
+                <a:solidFill>
+                  <a:schemeClr val="accent2"/>
+                </a:solidFill>
+              </a:defRPr>
+            </a:lvl1pPr>
+          </a:lstStyle>
+          <a:p>
+            <a:endParaRPr lang="da-DK"/>
+          </a:p>
+        </p:txBody>
+      </p:sp>
+      <p:sp>
+        <p:nvSpPr>
+          <p:cNvPr id="6" name="Slide Number Placeholder 5"/>
+          <p:cNvSpPr>
+            <a:spLocks noGrp="1"/>
+          </p:cNvSpPr>
+          <p:nvPr>
+            <p:ph type="sldNum" sz="quarter" idx="4"/>
+          </p:nvPr>
+        </p:nvSpPr>
+        <p:spPr>
+          <a:xfrm>
+            <a:off x="10558300" y="5956137"/>
+            <a:ext cx="1052510" cy="365125"/>
+          </a:xfrm>
+          <a:prstGeom prst="rect">
+            <a:avLst/>
+          </a:prstGeom>
+        </p:spPr>
+        <p:txBody>
+          <a:bodyPr vert="horz" lIns="91440" tIns="45720" rIns="91440" bIns="45720" rtlCol="0" anchor="ctr"/>
+          <a:lstStyle>
+            <a:lvl1pPr algn="r">
+              <a:defRPr sz="900">
+                <a:solidFill>
+                  <a:schemeClr val="accent2"/>
+                </a:solidFill>
+              </a:defRPr>
+            </a:lvl1pPr>
+          </a:lstStyle>
+          <a:p>
+            <a:fld id="{2E8327EC-32D6-48CC-AD7E-02BA4A0C4B80}" type="slidenum">
+              <a:rPr lang="da-DK" smtClean="0"/>
+              <a:t>‹nr.›</a:t>
+            </a:fld>
+            <a:endParaRPr lang="da-DK"/>
+          </a:p>
+        </p:txBody>
+      </p:sp>
+      <p:sp>
+        <p:nvSpPr>
+          <p:cNvPr id="9" name="Rectangle 8"/>
+          <p:cNvSpPr/>
           <p:nvPr/>
         </p:nvSpPr>
         <p:spPr>
           <a:xfrm>
-            <a:off x="231140" y="243840"/>
-            <a:ext cx="11724640" cy="6377939"/>
+            <a:off x="446534" y="457200"/>
+            <a:ext cx="3703320" cy="94997"/>
           </a:xfrm>
           <a:prstGeom prst="rect">
             <a:avLst/>
           </a:prstGeom>
           <a:solidFill>
-            <a:schemeClr val="bg1"/>
+            <a:schemeClr val="accent1"/>
           </a:solidFill>
-          <a:ln w="12700">
+          <a:ln>
             <a:noFill/>
           </a:ln>
+          <a:effectLst/>
         </p:spPr>
         <p:style>
-          <a:lnRef idx="2">
-            <a:schemeClr val="accent1">
-              <a:shade val="50000"/>
-            </a:schemeClr>
+          <a:lnRef idx="1">
+            <a:schemeClr val="accent1"/>
           </a:lnRef>
-          <a:fillRef idx="1">
+          <a:fillRef idx="3">
             <a:schemeClr val="accent1"/>
           </a:fillRef>
-          <a:effectRef idx="0">
+          <a:effectRef idx="2">
             <a:schemeClr val="accent1"/>
           </a:effectRef>
           <a:fontRef idx="minor">
@@ -3385,470 +3984,365 @@
       </p:sp>
       <p:sp>
         <p:nvSpPr>
-          <p:cNvPr id="2" name="Title Placeholder 1"/>
-          <p:cNvSpPr>
-            <a:spLocks noGrp="1"/>
-          </p:cNvSpPr>
-          <p:nvPr>
-            <p:ph type="title"/>
-          </p:nvPr>
-        </p:nvSpPr>
-        <p:spPr>
-          <a:xfrm>
-            <a:off x="1143000" y="609600"/>
-            <a:ext cx="9875520" cy="1356360"/>
+          <p:cNvPr id="10" name="Rectangle 9"/>
+          <p:cNvSpPr/>
+          <p:nvPr/>
+        </p:nvSpPr>
+        <p:spPr>
+          <a:xfrm>
+            <a:off x="8042147" y="453643"/>
+            <a:ext cx="3703320" cy="98554"/>
           </a:xfrm>
           <a:prstGeom prst="rect">
             <a:avLst/>
           </a:prstGeom>
-        </p:spPr>
-        <p:txBody>
-          <a:bodyPr vert="horz" lIns="91440" tIns="45720" rIns="91440" bIns="45720" rtlCol="0" anchor="ctr">
-            <a:normAutofit/>
-          </a:bodyPr>
-          <a:lstStyle/>
-          <a:p>
-            <a:r>
-              <a:rPr lang="da-DK"/>
-              <a:t>Klik for at redigere titeltypografien i masteren</a:t>
-            </a:r>
-            <a:endParaRPr lang="en-US" dirty="0"/>
-          </a:p>
-        </p:txBody>
-      </p:sp>
-      <p:sp>
-        <p:nvSpPr>
-          <p:cNvPr id="3" name="Text Placeholder 2"/>
-          <p:cNvSpPr>
-            <a:spLocks noGrp="1"/>
-          </p:cNvSpPr>
-          <p:nvPr>
-            <p:ph type="body" idx="1"/>
-          </p:nvPr>
-        </p:nvSpPr>
-        <p:spPr>
-          <a:xfrm>
-            <a:off x="1143000" y="2057400"/>
-            <a:ext cx="9872871" cy="4038600"/>
+          <a:solidFill>
+            <a:schemeClr val="accent4"/>
+          </a:solidFill>
+          <a:ln>
+            <a:noFill/>
+          </a:ln>
+          <a:effectLst/>
+        </p:spPr>
+        <p:style>
+          <a:lnRef idx="1">
+            <a:schemeClr val="accent1"/>
+          </a:lnRef>
+          <a:fillRef idx="3">
+            <a:schemeClr val="accent1"/>
+          </a:fillRef>
+          <a:effectRef idx="2">
+            <a:schemeClr val="accent1"/>
+          </a:effectRef>
+          <a:fontRef idx="minor">
+            <a:schemeClr val="lt1"/>
+          </a:fontRef>
+        </p:style>
+      </p:sp>
+      <p:sp>
+        <p:nvSpPr>
+          <p:cNvPr id="11" name="Rectangle 10"/>
+          <p:cNvSpPr/>
+          <p:nvPr/>
+        </p:nvSpPr>
+        <p:spPr>
+          <a:xfrm>
+            <a:off x="4241830" y="457200"/>
+            <a:ext cx="3703320" cy="91440"/>
           </a:xfrm>
           <a:prstGeom prst="rect">
             <a:avLst/>
           </a:prstGeom>
-        </p:spPr>
-        <p:txBody>
-          <a:bodyPr vert="horz" lIns="91440" tIns="45720" rIns="91440" bIns="45720" rtlCol="0">
-            <a:normAutofit/>
-          </a:bodyPr>
-          <a:lstStyle/>
-          <a:p>
-            <a:pPr lvl="0"/>
-            <a:r>
-              <a:rPr lang="da-DK"/>
-              <a:t>Rediger teksttypografien i masteren</a:t>
-            </a:r>
-          </a:p>
-          <a:p>
-            <a:pPr lvl="1"/>
-            <a:r>
-              <a:rPr lang="da-DK"/>
-              <a:t>Andet niveau</a:t>
-            </a:r>
-          </a:p>
-          <a:p>
-            <a:pPr lvl="2"/>
-            <a:r>
-              <a:rPr lang="da-DK"/>
-              <a:t>Tredje niveau</a:t>
-            </a:r>
-          </a:p>
-          <a:p>
-            <a:pPr lvl="3"/>
-            <a:r>
-              <a:rPr lang="da-DK"/>
-              <a:t>Fjerde niveau</a:t>
-            </a:r>
-          </a:p>
-          <a:p>
-            <a:pPr lvl="4"/>
-            <a:r>
-              <a:rPr lang="da-DK"/>
-              <a:t>Femte niveau</a:t>
-            </a:r>
-            <a:endParaRPr lang="en-US" dirty="0"/>
-          </a:p>
-        </p:txBody>
-      </p:sp>
-      <p:sp>
-        <p:nvSpPr>
-          <p:cNvPr id="4" name="Date Placeholder 3"/>
-          <p:cNvSpPr>
-            <a:spLocks noGrp="1"/>
-          </p:cNvSpPr>
-          <p:nvPr>
-            <p:ph type="dt" sz="half" idx="2"/>
-          </p:nvPr>
-        </p:nvSpPr>
-        <p:spPr>
-          <a:xfrm>
-            <a:off x="1142996" y="6223828"/>
-            <a:ext cx="2329074" cy="365125"/>
-          </a:xfrm>
-          <a:prstGeom prst="rect">
-            <a:avLst/>
-          </a:prstGeom>
-        </p:spPr>
-        <p:txBody>
-          <a:bodyPr vert="horz" lIns="91440" tIns="45720" rIns="91440" bIns="45720" rtlCol="0" anchor="ctr"/>
-          <a:lstStyle>
-            <a:lvl1pPr algn="l">
-              <a:defRPr sz="1200">
-                <a:solidFill>
-                  <a:schemeClr val="accent1"/>
-                </a:solidFill>
-              </a:defRPr>
-            </a:lvl1pPr>
-          </a:lstStyle>
-          <a:p>
-            <a:fld id="{4C52EC6D-AFBA-4F6F-A64F-BA455C0AB0BC}" type="datetimeFigureOut">
-              <a:rPr lang="da-DK" smtClean="0"/>
-              <a:t>13-01-2019</a:t>
-            </a:fld>
-            <a:endParaRPr lang="da-DK"/>
-          </a:p>
-        </p:txBody>
-      </p:sp>
-      <p:sp>
-        <p:nvSpPr>
-          <p:cNvPr id="5" name="Footer Placeholder 4"/>
-          <p:cNvSpPr>
-            <a:spLocks noGrp="1"/>
-          </p:cNvSpPr>
-          <p:nvPr>
-            <p:ph type="ftr" sz="quarter" idx="3"/>
-          </p:nvPr>
-        </p:nvSpPr>
-        <p:spPr>
-          <a:xfrm>
-            <a:off x="3949148" y="6223828"/>
-            <a:ext cx="4717774" cy="365125"/>
-          </a:xfrm>
-          <a:prstGeom prst="rect">
-            <a:avLst/>
-          </a:prstGeom>
-        </p:spPr>
-        <p:txBody>
-          <a:bodyPr vert="horz" lIns="91440" tIns="45720" rIns="91440" bIns="45720" rtlCol="0" anchor="ctr"/>
-          <a:lstStyle>
-            <a:lvl1pPr algn="ctr">
-              <a:defRPr sz="1200">
-                <a:solidFill>
-                  <a:schemeClr val="accent1"/>
-                </a:solidFill>
-              </a:defRPr>
-            </a:lvl1pPr>
-          </a:lstStyle>
-          <a:p>
-            <a:endParaRPr lang="da-DK"/>
-          </a:p>
-        </p:txBody>
-      </p:sp>
-      <p:sp>
-        <p:nvSpPr>
-          <p:cNvPr id="6" name="Slide Number Placeholder 5"/>
-          <p:cNvSpPr>
-            <a:spLocks noGrp="1"/>
-          </p:cNvSpPr>
-          <p:nvPr>
-            <p:ph type="sldNum" sz="quarter" idx="4"/>
-          </p:nvPr>
-        </p:nvSpPr>
-        <p:spPr>
-          <a:xfrm>
-            <a:off x="9329530" y="6223828"/>
-            <a:ext cx="1706217" cy="365125"/>
-          </a:xfrm>
-          <a:prstGeom prst="rect">
-            <a:avLst/>
-          </a:prstGeom>
-        </p:spPr>
-        <p:txBody>
-          <a:bodyPr vert="horz" lIns="91440" tIns="45720" rIns="91440" bIns="45720" rtlCol="0" anchor="ctr"/>
-          <a:lstStyle>
-            <a:lvl1pPr algn="r">
-              <a:defRPr sz="1200">
-                <a:solidFill>
-                  <a:schemeClr val="accent1"/>
-                </a:solidFill>
-              </a:defRPr>
-            </a:lvl1pPr>
-          </a:lstStyle>
-          <a:p>
-            <a:fld id="{2E8327EC-32D6-48CC-AD7E-02BA4A0C4B80}" type="slidenum">
-              <a:rPr lang="da-DK" smtClean="0"/>
-              <a:t>‹nr.›</a:t>
-            </a:fld>
-            <a:endParaRPr lang="da-DK"/>
-          </a:p>
-        </p:txBody>
+          <a:solidFill>
+            <a:schemeClr val="accent2"/>
+          </a:solidFill>
+          <a:ln>
+            <a:noFill/>
+          </a:ln>
+          <a:effectLst/>
+        </p:spPr>
+        <p:style>
+          <a:lnRef idx="1">
+            <a:schemeClr val="accent1"/>
+          </a:lnRef>
+          <a:fillRef idx="3">
+            <a:schemeClr val="accent1"/>
+          </a:fillRef>
+          <a:effectRef idx="2">
+            <a:schemeClr val="accent1"/>
+          </a:effectRef>
+          <a:fontRef idx="minor">
+            <a:schemeClr val="lt1"/>
+          </a:fontRef>
+        </p:style>
       </p:sp>
     </p:spTree>
     <p:extLst>
       <p:ext uri="{BB962C8B-B14F-4D97-AF65-F5344CB8AC3E}">
-        <p14:creationId xmlns:p14="http://schemas.microsoft.com/office/powerpoint/2010/main" val="708798346"/>
+        <p14:creationId xmlns:p14="http://schemas.microsoft.com/office/powerpoint/2010/main" val="1778384602"/>
       </p:ext>
     </p:extLst>
   </p:cSld>
   <p:clrMap bg1="lt1" tx1="dk1" bg2="lt2" tx2="dk2" accent1="accent1" accent2="accent2" accent3="accent3" accent4="accent4" accent5="accent5" accent6="accent6" hlink="hlink" folHlink="folHlink"/>
   <p:sldLayoutIdLst>
-    <p:sldLayoutId id="2147483702" r:id="rId1"/>
-    <p:sldLayoutId id="2147483703" r:id="rId2"/>
-    <p:sldLayoutId id="2147483704" r:id="rId3"/>
-    <p:sldLayoutId id="2147483705" r:id="rId4"/>
-    <p:sldLayoutId id="2147483706" r:id="rId5"/>
-    <p:sldLayoutId id="2147483707" r:id="rId6"/>
-    <p:sldLayoutId id="2147483708" r:id="rId7"/>
-    <p:sldLayoutId id="2147483709" r:id="rId8"/>
-    <p:sldLayoutId id="2147483710" r:id="rId9"/>
-    <p:sldLayoutId id="2147483711" r:id="rId10"/>
-    <p:sldLayoutId id="2147483712" r:id="rId11"/>
+    <p:sldLayoutId id="2147483714" r:id="rId1"/>
+    <p:sldLayoutId id="2147483715" r:id="rId2"/>
+    <p:sldLayoutId id="2147483716" r:id="rId3"/>
+    <p:sldLayoutId id="2147483717" r:id="rId4"/>
+    <p:sldLayoutId id="2147483718" r:id="rId5"/>
+    <p:sldLayoutId id="2147483719" r:id="rId6"/>
+    <p:sldLayoutId id="2147483720" r:id="rId7"/>
+    <p:sldLayoutId id="2147483721" r:id="rId8"/>
+    <p:sldLayoutId id="2147483722" r:id="rId9"/>
+    <p:sldLayoutId id="2147483723" r:id="rId10"/>
+    <p:sldLayoutId id="2147483724" r:id="rId11"/>
   </p:sldLayoutIdLst>
   <p:txStyles>
     <p:titleStyle>
-      <a:lvl1pPr algn="l" defTabSz="914400" rtl="0" eaLnBrk="1" latinLnBrk="0" hangingPunct="1">
-        <a:lnSpc>
-          <a:spcPct val="90000"/>
-        </a:lnSpc>
+      <a:lvl1pPr algn="l" defTabSz="457200" rtl="0" eaLnBrk="1" latinLnBrk="0" hangingPunct="1">
         <a:spcBef>
           <a:spcPct val="0"/>
         </a:spcBef>
         <a:buNone/>
-        <a:defRPr sz="4400" kern="1200">
+        <a:defRPr sz="2800" b="0" kern="1200" cap="all">
           <a:solidFill>
-            <a:schemeClr val="accent1"/>
+            <a:schemeClr val="bg1"/>
           </a:solidFill>
           <a:latin typeface="+mj-lt"/>
           <a:ea typeface="+mj-ea"/>
           <a:cs typeface="+mj-cs"/>
         </a:defRPr>
       </a:lvl1pPr>
+      <a:lvl2pPr eaLnBrk="1" hangingPunct="1">
+        <a:defRPr>
+          <a:solidFill>
+            <a:schemeClr val="tx2"/>
+          </a:solidFill>
+        </a:defRPr>
+      </a:lvl2pPr>
+      <a:lvl3pPr eaLnBrk="1" hangingPunct="1">
+        <a:defRPr>
+          <a:solidFill>
+            <a:schemeClr val="tx2"/>
+          </a:solidFill>
+        </a:defRPr>
+      </a:lvl3pPr>
+      <a:lvl4pPr eaLnBrk="1" hangingPunct="1">
+        <a:defRPr>
+          <a:solidFill>
+            <a:schemeClr val="tx2"/>
+          </a:solidFill>
+        </a:defRPr>
+      </a:lvl4pPr>
+      <a:lvl5pPr eaLnBrk="1" hangingPunct="1">
+        <a:defRPr>
+          <a:solidFill>
+            <a:schemeClr val="tx2"/>
+          </a:solidFill>
+        </a:defRPr>
+      </a:lvl5pPr>
+      <a:lvl6pPr eaLnBrk="1" hangingPunct="1">
+        <a:defRPr>
+          <a:solidFill>
+            <a:schemeClr val="tx2"/>
+          </a:solidFill>
+        </a:defRPr>
+      </a:lvl6pPr>
+      <a:lvl7pPr eaLnBrk="1" hangingPunct="1">
+        <a:defRPr>
+          <a:solidFill>
+            <a:schemeClr val="tx2"/>
+          </a:solidFill>
+        </a:defRPr>
+      </a:lvl7pPr>
+      <a:lvl8pPr eaLnBrk="1" hangingPunct="1">
+        <a:defRPr>
+          <a:solidFill>
+            <a:schemeClr val="tx2"/>
+          </a:solidFill>
+        </a:defRPr>
+      </a:lvl8pPr>
+      <a:lvl9pPr eaLnBrk="1" hangingPunct="1">
+        <a:defRPr>
+          <a:solidFill>
+            <a:schemeClr val="tx2"/>
+          </a:solidFill>
+        </a:defRPr>
+      </a:lvl9pPr>
     </p:titleStyle>
     <p:bodyStyle>
-      <a:lvl1pPr marL="228600" indent="-182880" algn="l" defTabSz="914400" rtl="0" eaLnBrk="1" latinLnBrk="0" hangingPunct="1">
-        <a:lnSpc>
-          <a:spcPct val="90000"/>
-        </a:lnSpc>
+      <a:lvl1pPr marL="306000" indent="-306000" algn="l" defTabSz="457200" rtl="0" eaLnBrk="1" latinLnBrk="0" hangingPunct="1">
         <a:spcBef>
-          <a:spcPts val="1400"/>
+          <a:spcPct val="20000"/>
         </a:spcBef>
+        <a:spcAft>
+          <a:spcPts val="600"/>
+        </a:spcAft>
         <a:buClr>
-          <a:schemeClr val="accent1"/>
+          <a:schemeClr val="accent2"/>
         </a:buClr>
-        <a:buSzPct val="80000"/>
-        <a:buFont typeface="Corbel" pitchFamily="34" charset="0"/>
-        <a:buChar char="•"/>
-        <a:defRPr sz="2200" kern="1200">
+        <a:buSzPct val="92000"/>
+        <a:buFont typeface="Wingdings 2" panose="05020102010507070707" pitchFamily="18" charset="2"/>
+        <a:buChar char=""/>
+        <a:defRPr sz="1800" kern="1200">
           <a:solidFill>
-            <a:schemeClr val="accent1"/>
+            <a:schemeClr val="tx2"/>
           </a:solidFill>
           <a:latin typeface="+mn-lt"/>
           <a:ea typeface="+mn-ea"/>
           <a:cs typeface="+mn-cs"/>
         </a:defRPr>
       </a:lvl1pPr>
-      <a:lvl2pPr marL="457200" indent="-182880" algn="l" defTabSz="914400" rtl="0" eaLnBrk="1" latinLnBrk="0" hangingPunct="1">
-        <a:lnSpc>
-          <a:spcPct val="90000"/>
-        </a:lnSpc>
+      <a:lvl2pPr marL="630000" indent="-306000" algn="l" defTabSz="457200" rtl="0" eaLnBrk="1" latinLnBrk="0" hangingPunct="1">
         <a:spcBef>
-          <a:spcPts val="200"/>
+          <a:spcPct val="20000"/>
         </a:spcBef>
         <a:spcAft>
-          <a:spcPts val="400"/>
+          <a:spcPts val="600"/>
         </a:spcAft>
         <a:buClr>
-          <a:schemeClr val="accent1"/>
+          <a:schemeClr val="accent2"/>
         </a:buClr>
-        <a:buSzPct val="80000"/>
-        <a:buFont typeface="Corbel" pitchFamily="34" charset="0"/>
-        <a:buChar char="•"/>
-        <a:defRPr sz="2000" kern="1200">
+        <a:buSzPct val="92000"/>
+        <a:buFont typeface="Wingdings 2" panose="05020102010507070707" pitchFamily="18" charset="2"/>
+        <a:buChar char=""/>
+        <a:defRPr sz="1600" kern="1200">
           <a:solidFill>
-            <a:schemeClr val="accent1"/>
+            <a:schemeClr val="tx2"/>
           </a:solidFill>
           <a:latin typeface="+mn-lt"/>
           <a:ea typeface="+mn-ea"/>
           <a:cs typeface="+mn-cs"/>
         </a:defRPr>
       </a:lvl2pPr>
-      <a:lvl3pPr marL="731520" indent="-182880" algn="l" defTabSz="914400" rtl="0" eaLnBrk="1" latinLnBrk="0" hangingPunct="1">
-        <a:lnSpc>
-          <a:spcPct val="90000"/>
-        </a:lnSpc>
+      <a:lvl3pPr marL="900000" indent="-270000" algn="l" defTabSz="457200" rtl="0" eaLnBrk="1" latinLnBrk="0" hangingPunct="1">
         <a:spcBef>
-          <a:spcPts val="200"/>
+          <a:spcPct val="20000"/>
         </a:spcBef>
         <a:spcAft>
-          <a:spcPts val="400"/>
+          <a:spcPts val="600"/>
         </a:spcAft>
         <a:buClr>
-          <a:schemeClr val="accent1"/>
+          <a:schemeClr val="accent2"/>
         </a:buClr>
-        <a:buSzPct val="80000"/>
-        <a:buFont typeface="Corbel" pitchFamily="34" charset="0"/>
-        <a:buChar char="•"/>
-        <a:defRPr sz="1800" kern="1200">
+        <a:buSzPct val="92000"/>
+        <a:buFont typeface="Wingdings 2" panose="05020102010507070707" pitchFamily="18" charset="2"/>
+        <a:buChar char=""/>
+        <a:defRPr sz="1400" kern="1200">
           <a:solidFill>
-            <a:schemeClr val="accent1"/>
+            <a:schemeClr val="tx2"/>
           </a:solidFill>
           <a:latin typeface="+mn-lt"/>
           <a:ea typeface="+mn-ea"/>
           <a:cs typeface="+mn-cs"/>
         </a:defRPr>
       </a:lvl3pPr>
-      <a:lvl4pPr marL="1005840" indent="-182880" algn="l" defTabSz="914400" rtl="0" eaLnBrk="1" latinLnBrk="0" hangingPunct="1">
-        <a:lnSpc>
-          <a:spcPct val="90000"/>
-        </a:lnSpc>
+      <a:lvl4pPr marL="1242000" indent="-234000" algn="l" defTabSz="457200" rtl="0" eaLnBrk="1" latinLnBrk="0" hangingPunct="1">
         <a:spcBef>
-          <a:spcPts val="200"/>
+          <a:spcPct val="20000"/>
         </a:spcBef>
         <a:spcAft>
-          <a:spcPts val="400"/>
+          <a:spcPts val="600"/>
         </a:spcAft>
         <a:buClr>
-          <a:schemeClr val="accent1"/>
+          <a:schemeClr val="accent2"/>
         </a:buClr>
-        <a:buSzPct val="80000"/>
-        <a:buFont typeface="Corbel" pitchFamily="34" charset="0"/>
-        <a:buChar char="•"/>
-        <a:defRPr sz="1600" kern="1200">
+        <a:buSzPct val="92000"/>
+        <a:buFont typeface="Wingdings 2" panose="05020102010507070707" pitchFamily="18" charset="2"/>
+        <a:buChar char=""/>
+        <a:defRPr sz="1200" kern="1200">
           <a:solidFill>
-            <a:schemeClr val="accent1"/>
+            <a:schemeClr val="tx2"/>
           </a:solidFill>
           <a:latin typeface="+mn-lt"/>
           <a:ea typeface="+mn-ea"/>
           <a:cs typeface="+mn-cs"/>
         </a:defRPr>
       </a:lvl4pPr>
-      <a:lvl5pPr marL="1280160" indent="-182880" algn="l" defTabSz="914400" rtl="0" eaLnBrk="1" latinLnBrk="0" hangingPunct="1">
-        <a:lnSpc>
-          <a:spcPct val="90000"/>
-        </a:lnSpc>
+      <a:lvl5pPr marL="1602000" indent="-234000" algn="l" defTabSz="457200" rtl="0" eaLnBrk="1" latinLnBrk="0" hangingPunct="1">
         <a:spcBef>
-          <a:spcPts val="200"/>
+          <a:spcPct val="20000"/>
         </a:spcBef>
         <a:spcAft>
-          <a:spcPts val="400"/>
+          <a:spcPts val="600"/>
         </a:spcAft>
         <a:buClr>
-          <a:schemeClr val="accent1"/>
+          <a:schemeClr val="accent2"/>
         </a:buClr>
-        <a:buSzPct val="80000"/>
-        <a:buFont typeface="Corbel" pitchFamily="34" charset="0"/>
-        <a:buChar char="•"/>
-        <a:defRPr sz="1600" kern="1200">
+        <a:buSzPct val="92000"/>
+        <a:buFont typeface="Wingdings 2" panose="05020102010507070707" pitchFamily="18" charset="2"/>
+        <a:buChar char=""/>
+        <a:defRPr sz="1200" kern="1200">
           <a:solidFill>
-            <a:schemeClr val="accent1"/>
+            <a:schemeClr val="tx2"/>
           </a:solidFill>
           <a:latin typeface="+mn-lt"/>
           <a:ea typeface="+mn-ea"/>
           <a:cs typeface="+mn-cs"/>
         </a:defRPr>
       </a:lvl5pPr>
-      <a:lvl6pPr marL="1600000" indent="-228600" algn="l" defTabSz="914400" rtl="0" eaLnBrk="1" latinLnBrk="0" hangingPunct="1">
-        <a:lnSpc>
-          <a:spcPct val="90000"/>
-        </a:lnSpc>
+      <a:lvl6pPr marL="1900000" indent="-228600" algn="l" defTabSz="457200" rtl="0" eaLnBrk="1" latinLnBrk="0" hangingPunct="1">
         <a:spcBef>
-          <a:spcPts val="200"/>
+          <a:spcPct val="20000"/>
         </a:spcBef>
         <a:spcAft>
-          <a:spcPts val="400"/>
+          <a:spcPts val="600"/>
         </a:spcAft>
         <a:buClr>
-          <a:schemeClr val="accent1"/>
+          <a:schemeClr val="accent2"/>
         </a:buClr>
-        <a:buSzPct val="80000"/>
-        <a:buFont typeface="Corbel" pitchFamily="34" charset="0"/>
-        <a:buChar char="•"/>
-        <a:defRPr sz="1600" kern="1200">
+        <a:buSzPct val="92000"/>
+        <a:buFont typeface="Wingdings 2" panose="05020102010507070707" pitchFamily="18" charset="2"/>
+        <a:buChar char=""/>
+        <a:defRPr sz="1200" kern="1200">
           <a:solidFill>
-            <a:schemeClr val="accent1"/>
+            <a:schemeClr val="tx2"/>
           </a:solidFill>
           <a:latin typeface="+mn-lt"/>
           <a:ea typeface="+mn-ea"/>
           <a:cs typeface="+mn-cs"/>
         </a:defRPr>
       </a:lvl6pPr>
-      <a:lvl7pPr marL="1900000" indent="-228600" algn="l" defTabSz="914400" rtl="0" eaLnBrk="1" latinLnBrk="0" hangingPunct="1">
-        <a:lnSpc>
-          <a:spcPct val="90000"/>
-        </a:lnSpc>
+      <a:lvl7pPr marL="2200000" indent="-228600" algn="l" defTabSz="457200" rtl="0" eaLnBrk="1" latinLnBrk="0" hangingPunct="1">
         <a:spcBef>
-          <a:spcPts val="200"/>
+          <a:spcPct val="20000"/>
         </a:spcBef>
         <a:spcAft>
-          <a:spcPts val="400"/>
+          <a:spcPts val="600"/>
         </a:spcAft>
         <a:buClr>
-          <a:schemeClr val="accent1"/>
+          <a:schemeClr val="accent2"/>
         </a:buClr>
-        <a:buSzPct val="80000"/>
-        <a:buFont typeface="Corbel" pitchFamily="34" charset="0"/>
-        <a:buChar char="•"/>
-        <a:defRPr sz="1600" kern="1200">
+        <a:buSzPct val="92000"/>
+        <a:buFont typeface="Wingdings 2" panose="05020102010507070707" pitchFamily="18" charset="2"/>
+        <a:buChar char=""/>
+        <a:defRPr sz="1200" kern="1200">
           <a:solidFill>
-            <a:schemeClr val="accent1"/>
+            <a:schemeClr val="tx2"/>
           </a:solidFill>
           <a:latin typeface="+mn-lt"/>
           <a:ea typeface="+mn-ea"/>
           <a:cs typeface="+mn-cs"/>
         </a:defRPr>
       </a:lvl7pPr>
-      <a:lvl8pPr marL="2200000" indent="-228600" algn="l" defTabSz="914400" rtl="0" eaLnBrk="1" latinLnBrk="0" hangingPunct="1">
-        <a:lnSpc>
-          <a:spcPct val="90000"/>
-        </a:lnSpc>
+      <a:lvl8pPr marL="2500000" indent="-228600" algn="l" defTabSz="457200" rtl="0" eaLnBrk="1" latinLnBrk="0" hangingPunct="1">
         <a:spcBef>
-          <a:spcPts val="200"/>
+          <a:spcPct val="20000"/>
         </a:spcBef>
         <a:spcAft>
-          <a:spcPts val="400"/>
+          <a:spcPts val="600"/>
         </a:spcAft>
         <a:buClr>
-          <a:schemeClr val="accent1"/>
+          <a:schemeClr val="accent2"/>
         </a:buClr>
-        <a:buSzPct val="80000"/>
-        <a:buFont typeface="Corbel" pitchFamily="34" charset="0"/>
-        <a:buChar char="•"/>
-        <a:defRPr sz="1600" kern="1200">
+        <a:buSzPct val="92000"/>
+        <a:buFont typeface="Wingdings 2" panose="05020102010507070707" pitchFamily="18" charset="2"/>
+        <a:buChar char=""/>
+        <a:defRPr sz="1200" kern="1200">
           <a:solidFill>
-            <a:schemeClr val="accent1"/>
+            <a:schemeClr val="tx2"/>
           </a:solidFill>
           <a:latin typeface="+mn-lt"/>
           <a:ea typeface="+mn-ea"/>
           <a:cs typeface="+mn-cs"/>
         </a:defRPr>
       </a:lvl8pPr>
-      <a:lvl9pPr marL="2500000" indent="-228600" algn="l" defTabSz="914400" rtl="0" eaLnBrk="1" latinLnBrk="0" hangingPunct="1">
-        <a:lnSpc>
-          <a:spcPct val="90000"/>
-        </a:lnSpc>
+      <a:lvl9pPr marL="2800000" indent="-228600" algn="l" defTabSz="457200" rtl="0" eaLnBrk="1" latinLnBrk="0" hangingPunct="1">
         <a:spcBef>
-          <a:spcPts val="200"/>
+          <a:spcPct val="20000"/>
         </a:spcBef>
         <a:spcAft>
-          <a:spcPts val="400"/>
+          <a:spcPts val="600"/>
         </a:spcAft>
         <a:buClr>
-          <a:schemeClr val="accent1"/>
+          <a:schemeClr val="accent2"/>
         </a:buClr>
-        <a:buSzPct val="80000"/>
-        <a:buFont typeface="Corbel" pitchFamily="34" charset="0"/>
-        <a:buChar char="•"/>
-        <a:defRPr sz="1600" kern="1200">
+        <a:buSzPct val="92000"/>
+        <a:buFont typeface="Wingdings 2" panose="05020102010507070707" pitchFamily="18" charset="2"/>
+        <a:buChar char=""/>
+        <a:defRPr sz="1200" kern="1200">
           <a:solidFill>
-            <a:schemeClr val="accent1"/>
+            <a:schemeClr val="tx2"/>
           </a:solidFill>
           <a:latin typeface="+mn-lt"/>
           <a:ea typeface="+mn-ea"/>
@@ -3860,7 +4354,7 @@
       <a:defPPr>
         <a:defRPr lang="en-US"/>
       </a:defPPr>
-      <a:lvl1pPr marL="0" algn="l" defTabSz="914400" rtl="0" eaLnBrk="1" latinLnBrk="0" hangingPunct="1">
+      <a:lvl1pPr marL="0" algn="l" defTabSz="457200" rtl="0" eaLnBrk="1" latinLnBrk="0" hangingPunct="1">
         <a:defRPr sz="1800" kern="1200">
           <a:solidFill>
             <a:schemeClr val="tx1"/>
@@ -3870,7 +4364,7 @@
           <a:cs typeface="+mn-cs"/>
         </a:defRPr>
       </a:lvl1pPr>
-      <a:lvl2pPr marL="457200" algn="l" defTabSz="914400" rtl="0" eaLnBrk="1" latinLnBrk="0" hangingPunct="1">
+      <a:lvl2pPr marL="457200" algn="l" defTabSz="457200" rtl="0" eaLnBrk="1" latinLnBrk="0" hangingPunct="1">
         <a:defRPr sz="1800" kern="1200">
           <a:solidFill>
             <a:schemeClr val="tx1"/>
@@ -3880,7 +4374,7 @@
           <a:cs typeface="+mn-cs"/>
         </a:defRPr>
       </a:lvl2pPr>
-      <a:lvl3pPr marL="914400" algn="l" defTabSz="914400" rtl="0" eaLnBrk="1" latinLnBrk="0" hangingPunct="1">
+      <a:lvl3pPr marL="914400" algn="l" defTabSz="457200" rtl="0" eaLnBrk="1" latinLnBrk="0" hangingPunct="1">
         <a:defRPr sz="1800" kern="1200">
           <a:solidFill>
             <a:schemeClr val="tx1"/>
@@ -3890,7 +4384,7 @@
           <a:cs typeface="+mn-cs"/>
         </a:defRPr>
       </a:lvl3pPr>
-      <a:lvl4pPr marL="1371600" algn="l" defTabSz="914400" rtl="0" eaLnBrk="1" latinLnBrk="0" hangingPunct="1">
+      <a:lvl4pPr marL="1371600" algn="l" defTabSz="457200" rtl="0" eaLnBrk="1" latinLnBrk="0" hangingPunct="1">
         <a:defRPr sz="1800" kern="1200">
           <a:solidFill>
             <a:schemeClr val="tx1"/>
@@ -3900,7 +4394,7 @@
           <a:cs typeface="+mn-cs"/>
         </a:defRPr>
       </a:lvl4pPr>
-      <a:lvl5pPr marL="1828800" algn="l" defTabSz="914400" rtl="0" eaLnBrk="1" latinLnBrk="0" hangingPunct="1">
+      <a:lvl5pPr marL="1828800" algn="l" defTabSz="457200" rtl="0" eaLnBrk="1" latinLnBrk="0" hangingPunct="1">
         <a:defRPr sz="1800" kern="1200">
           <a:solidFill>
             <a:schemeClr val="tx1"/>
@@ -3910,7 +4404,7 @@
           <a:cs typeface="+mn-cs"/>
         </a:defRPr>
       </a:lvl5pPr>
-      <a:lvl6pPr marL="2286000" algn="l" defTabSz="914400" rtl="0" eaLnBrk="1" latinLnBrk="0" hangingPunct="1">
+      <a:lvl6pPr marL="2286000" algn="l" defTabSz="457200" rtl="0" eaLnBrk="1" latinLnBrk="0" hangingPunct="1">
         <a:defRPr sz="1800" kern="1200">
           <a:solidFill>
             <a:schemeClr val="tx1"/>
@@ -3920,7 +4414,7 @@
           <a:cs typeface="+mn-cs"/>
         </a:defRPr>
       </a:lvl6pPr>
-      <a:lvl7pPr marL="2743200" algn="l" defTabSz="914400" rtl="0" eaLnBrk="1" latinLnBrk="0" hangingPunct="1">
+      <a:lvl7pPr marL="2743200" algn="l" defTabSz="457200" rtl="0" eaLnBrk="1" latinLnBrk="0" hangingPunct="1">
         <a:defRPr sz="1800" kern="1200">
           <a:solidFill>
             <a:schemeClr val="tx1"/>
@@ -3930,7 +4424,7 @@
           <a:cs typeface="+mn-cs"/>
         </a:defRPr>
       </a:lvl7pPr>
-      <a:lvl8pPr marL="3200400" algn="l" defTabSz="914400" rtl="0" eaLnBrk="1" latinLnBrk="0" hangingPunct="1">
+      <a:lvl8pPr marL="3200400" algn="l" defTabSz="457200" rtl="0" eaLnBrk="1" latinLnBrk="0" hangingPunct="1">
         <a:defRPr sz="1800" kern="1200">
           <a:solidFill>
             <a:schemeClr val="tx1"/>
@@ -3940,7 +4434,7 @@
           <a:cs typeface="+mn-cs"/>
         </a:defRPr>
       </a:lvl8pPr>
-      <a:lvl9pPr marL="3657600" algn="l" defTabSz="914400" rtl="0" eaLnBrk="1" latinLnBrk="0" hangingPunct="1">
+      <a:lvl9pPr marL="3657600" algn="l" defTabSz="457200" rtl="0" eaLnBrk="1" latinLnBrk="0" hangingPunct="1">
         <a:defRPr sz="1800" kern="1200">
           <a:solidFill>
             <a:schemeClr val="tx1"/>
@@ -4133,7 +4627,7 @@
           <a:lstStyle/>
           <a:p>
             <a:r>
-              <a:rPr lang="da-DK" sz="3600">
+              <a:rPr lang="da-DK" sz="3600" dirty="0">
                 <a:solidFill>
                   <a:srgbClr val="FFFFFF"/>
                 </a:solidFill>
@@ -4161,8 +4655,8 @@
         </p:nvSpPr>
         <p:spPr>
           <a:xfrm>
-            <a:off x="643467" y="643467"/>
-            <a:ext cx="4817766" cy="5578528"/>
+            <a:off x="643467" y="1783079"/>
+            <a:ext cx="4817766" cy="4438915"/>
           </a:xfrm>
         </p:spPr>
         <p:txBody>
@@ -4337,176 +4831,176 @@
         </p:nvSpPr>
         <p:spPr>
           <a:xfrm>
-            <a:off x="1203767" y="1354238"/>
-            <a:ext cx="9479665" cy="5243332"/>
+            <a:off x="1203767" y="1865376"/>
+            <a:ext cx="9479665" cy="4732194"/>
           </a:xfrm>
         </p:spPr>
         <p:txBody>
           <a:bodyPr>
-            <a:normAutofit fontScale="92500" lnSpcReduction="20000"/>
+            <a:normAutofit fontScale="70000" lnSpcReduction="20000"/>
           </a:bodyPr>
           <a:lstStyle/>
           <a:p>
             <a:r>
-              <a:rPr lang="da-DK" dirty="0"/>
+              <a:rPr lang="da-DK" sz="1700" dirty="0"/>
               <a:t>Rollefordeling</a:t>
             </a:r>
           </a:p>
           <a:p>
             <a:pPr lvl="1"/>
             <a:r>
-              <a:rPr lang="da-DK" dirty="0"/>
+              <a:rPr lang="da-DK" sz="1700" dirty="0"/>
               <a:t>Patrick: Product </a:t>
             </a:r>
             <a:r>
-              <a:rPr lang="da-DK" dirty="0" err="1"/>
+              <a:rPr lang="da-DK" sz="1700" dirty="0" err="1"/>
               <a:t>Owner</a:t>
             </a:r>
-            <a:endParaRPr lang="da-DK" dirty="0"/>
+            <a:endParaRPr lang="da-DK" sz="1700" dirty="0"/>
           </a:p>
           <a:p>
             <a:pPr lvl="2"/>
             <a:r>
-              <a:rPr lang="da-DK" dirty="0"/>
+              <a:rPr lang="da-DK" sz="1700" dirty="0"/>
               <a:t>User </a:t>
             </a:r>
             <a:r>
-              <a:rPr lang="da-DK" dirty="0" err="1"/>
+              <a:rPr lang="da-DK" sz="1700" dirty="0" err="1"/>
               <a:t>stories</a:t>
             </a:r>
-            <a:endParaRPr lang="da-DK" dirty="0"/>
+            <a:endParaRPr lang="da-DK" sz="1700" dirty="0"/>
           </a:p>
           <a:p>
             <a:pPr lvl="2"/>
             <a:r>
-              <a:rPr lang="da-DK" dirty="0"/>
+              <a:rPr lang="da-DK" sz="1700" dirty="0"/>
               <a:t>Product </a:t>
             </a:r>
             <a:r>
-              <a:rPr lang="da-DK" dirty="0" err="1"/>
+              <a:rPr lang="da-DK" sz="1700" dirty="0" err="1"/>
               <a:t>Backlog</a:t>
             </a:r>
-            <a:endParaRPr lang="da-DK" dirty="0"/>
+            <a:endParaRPr lang="da-DK" sz="1700" dirty="0"/>
           </a:p>
           <a:p>
             <a:pPr lvl="1"/>
             <a:r>
-              <a:rPr lang="da-DK" dirty="0"/>
+              <a:rPr lang="da-DK" sz="1700" dirty="0"/>
               <a:t>Casper: Rapport-ansvarlig</a:t>
             </a:r>
           </a:p>
           <a:p>
             <a:pPr lvl="2"/>
             <a:r>
-              <a:rPr lang="da-DK" dirty="0"/>
+              <a:rPr lang="da-DK" sz="1700" dirty="0"/>
               <a:t>Layout</a:t>
             </a:r>
           </a:p>
           <a:p>
             <a:pPr lvl="2"/>
             <a:r>
-              <a:rPr lang="da-DK" dirty="0"/>
+              <a:rPr lang="da-DK" sz="1700" dirty="0"/>
               <a:t>Rød tråd</a:t>
             </a:r>
           </a:p>
           <a:p>
             <a:pPr lvl="1"/>
             <a:r>
-              <a:rPr lang="da-DK" dirty="0"/>
+              <a:rPr lang="da-DK" sz="1700" dirty="0"/>
               <a:t>Matthias: Kode- og </a:t>
             </a:r>
             <a:r>
-              <a:rPr lang="da-DK" dirty="0" err="1"/>
+              <a:rPr lang="da-DK" sz="1700" dirty="0" err="1"/>
               <a:t>task</a:t>
             </a:r>
             <a:r>
-              <a:rPr lang="da-DK" dirty="0"/>
+              <a:rPr lang="da-DK" sz="1700" dirty="0"/>
               <a:t> ansvarlig</a:t>
             </a:r>
           </a:p>
           <a:p>
             <a:pPr lvl="2"/>
             <a:r>
-              <a:rPr lang="da-DK" dirty="0" err="1"/>
+              <a:rPr lang="da-DK" sz="1700" dirty="0" err="1"/>
               <a:t>Task</a:t>
             </a:r>
             <a:r>
-              <a:rPr lang="da-DK" dirty="0"/>
+              <a:rPr lang="da-DK" sz="1700" dirty="0"/>
               <a:t> prioritering</a:t>
             </a:r>
           </a:p>
           <a:p>
             <a:pPr lvl="2"/>
             <a:r>
-              <a:rPr lang="da-DK" dirty="0"/>
+              <a:rPr lang="da-DK" sz="1700" dirty="0"/>
               <a:t>End tests &amp; </a:t>
             </a:r>
             <a:r>
-              <a:rPr lang="da-DK" dirty="0" err="1"/>
+              <a:rPr lang="da-DK" sz="1700" dirty="0" err="1"/>
               <a:t>Reviews</a:t>
             </a:r>
-            <a:endParaRPr lang="da-DK" dirty="0"/>
+            <a:endParaRPr lang="da-DK" sz="1700" dirty="0"/>
           </a:p>
           <a:p>
             <a:pPr lvl="1"/>
             <a:r>
-              <a:rPr lang="da-DK" dirty="0"/>
+              <a:rPr lang="da-DK" sz="1700" dirty="0"/>
               <a:t>Christian: SCRUM-Master &amp; Project Manager</a:t>
             </a:r>
           </a:p>
           <a:p>
             <a:pPr lvl="2"/>
             <a:r>
-              <a:rPr lang="da-DK" dirty="0"/>
+              <a:rPr lang="da-DK" sz="1700" dirty="0"/>
               <a:t>SCRUM</a:t>
             </a:r>
           </a:p>
           <a:p>
             <a:pPr lvl="2"/>
             <a:r>
-              <a:rPr lang="da-DK" dirty="0"/>
+              <a:rPr lang="da-DK" sz="1700" dirty="0"/>
               <a:t>Arbejdsmiljø</a:t>
             </a:r>
           </a:p>
           <a:p>
             <a:pPr lvl="1"/>
             <a:r>
-              <a:rPr lang="da-DK" dirty="0"/>
+              <a:rPr lang="da-DK" sz="1700" dirty="0"/>
               <a:t>Formål?</a:t>
             </a:r>
           </a:p>
           <a:p>
             <a:pPr lvl="2"/>
             <a:r>
-              <a:rPr lang="da-DK" dirty="0"/>
+              <a:rPr lang="da-DK" sz="1700" dirty="0"/>
               <a:t>Arbejdsfordeling</a:t>
             </a:r>
           </a:p>
           <a:p>
             <a:pPr lvl="2"/>
             <a:r>
-              <a:rPr lang="da-DK" dirty="0" err="1"/>
+              <a:rPr lang="da-DK" sz="1700" dirty="0" err="1"/>
               <a:t>Effiktivitet</a:t>
             </a:r>
             <a:r>
-              <a:rPr lang="da-DK" dirty="0"/>
+              <a:rPr lang="da-DK" sz="1700" dirty="0"/>
               <a:t> &amp; forcer</a:t>
             </a:r>
           </a:p>
           <a:p>
             <a:pPr lvl="2"/>
             <a:r>
-              <a:rPr lang="da-DK" dirty="0"/>
+              <a:rPr lang="da-DK" sz="1700" dirty="0"/>
               <a:t>Beslutningstagen</a:t>
             </a:r>
           </a:p>
           <a:p>
             <a:pPr lvl="2"/>
             <a:r>
-              <a:rPr lang="da-DK" dirty="0" err="1"/>
+              <a:rPr lang="da-DK" sz="1700" dirty="0" err="1"/>
               <a:t>Reviews</a:t>
             </a:r>
-            <a:endParaRPr lang="da-DK" dirty="0"/>
+            <a:endParaRPr lang="da-DK" sz="1700" dirty="0"/>
           </a:p>
           <a:p>
             <a:pPr lvl="1"/>
@@ -4725,7 +5219,7 @@
         </p:blipFill>
         <p:spPr bwMode="auto">
           <a:xfrm>
-            <a:off x="6736911" y="1462722"/>
+            <a:off x="6736911" y="1809476"/>
             <a:ext cx="4217601" cy="2752593"/>
           </a:xfrm>
           <a:prstGeom prst="rect">
@@ -4789,7 +5283,7 @@
         </p:nvSpPr>
         <p:spPr>
           <a:xfrm>
-            <a:off x="5274570" y="2505670"/>
+            <a:off x="5274570" y="2733251"/>
             <a:ext cx="1120820" cy="923330"/>
           </a:xfrm>
           <a:prstGeom prst="rect">
@@ -4837,7 +5331,7 @@
         </p:nvSpPr>
         <p:spPr>
           <a:xfrm>
-            <a:off x="448056" y="4503897"/>
+            <a:off x="438912" y="5125689"/>
             <a:ext cx="3127248" cy="1200329"/>
           </a:xfrm>
           <a:prstGeom prst="rect">
@@ -4906,7 +5400,7 @@
         </p:nvSpPr>
         <p:spPr>
           <a:xfrm>
-            <a:off x="6736911" y="4503897"/>
+            <a:off x="6736911" y="4838426"/>
             <a:ext cx="3127248" cy="1754326"/>
           </a:xfrm>
           <a:prstGeom prst="rect">
@@ -4990,7 +5484,7 @@
         </p:blipFill>
         <p:spPr>
           <a:xfrm>
-            <a:off x="370101" y="1452860"/>
+            <a:off x="417510" y="1809476"/>
             <a:ext cx="4686300" cy="3028950"/>
           </a:xfrm>
           <a:prstGeom prst="rect">
@@ -5095,7 +5589,7 @@
 </file>
 
 <file path=ppt/theme/theme1.xml><?xml version="1.0" encoding="utf-8"?>
-<a:theme xmlns:a="http://schemas.openxmlformats.org/drawingml/2006/main" name="Grundlæggende">
+<a:theme xmlns:a="http://schemas.openxmlformats.org/drawingml/2006/main" name="Dividende">
   <a:themeElements>
     <a:clrScheme name="Grøn">
       <a:dk1>
@@ -5135,18 +5629,20 @@
         <a:srgbClr val="BA6906"/>
       </a:folHlink>
     </a:clrScheme>
-    <a:fontScheme name="Grundlæggende">
+    <a:fontScheme name="Dividende">
       <a:majorFont>
-        <a:latin typeface="Corbel" panose="020B0503020204020204"/>
+        <a:latin typeface="Gill Sans MT" panose="020B0502020104020203"/>
         <a:ea typeface=""/>
         <a:cs typeface=""/>
-        <a:font script="Jpan" typeface="ＭＳ ゴシック"/>
-        <a:font script="Hang" typeface="맑은 고딕"/>
-        <a:font script="Hans" typeface="宋体"/>
-        <a:font script="Hant" typeface="新細明體"/>
-        <a:font script="Arab" typeface="Tahoma"/>
-        <a:font script="Hebr" typeface="Gisha"/>
-        <a:font script="Thai" typeface="DilleniaUPC"/>
+        <a:font script="Grek" typeface="Corbel"/>
+        <a:font script="Cyrl" typeface="Corbel"/>
+        <a:font script="Jpan" typeface="HGｺﾞｼｯｸE"/>
+        <a:font script="Hang" typeface="휴먼매직체"/>
+        <a:font script="Hans" typeface="华文中宋"/>
+        <a:font script="Hant" typeface="微軟正黑體"/>
+        <a:font script="Arab" typeface="Majalla UI"/>
+        <a:font script="Hebr" typeface="Arial"/>
+        <a:font script="Thai" typeface="Cordia New"/>
         <a:font script="Ethi" typeface="Nyala"/>
         <a:font script="Beng" typeface="Vrinda"/>
         <a:font script="Gujr" typeface="Shruti"/>
@@ -5172,16 +5668,18 @@
         <a:font script="Geor" typeface="Sylfaen"/>
       </a:majorFont>
       <a:minorFont>
-        <a:latin typeface="Corbel" panose="020B0503020204020204"/>
+        <a:latin typeface="Gill Sans MT" panose="020B0502020104020203"/>
         <a:ea typeface=""/>
         <a:cs typeface=""/>
-        <a:font script="Jpan" typeface="ＭＳ ゴシック"/>
-        <a:font script="Hang" typeface="맑은 고딕"/>
-        <a:font script="Hans" typeface="宋体"/>
-        <a:font script="Hant" typeface="新細明體"/>
-        <a:font script="Arab" typeface="Tahoma"/>
-        <a:font script="Hebr" typeface="Gisha"/>
-        <a:font script="Thai" typeface="DilleniaUPC"/>
+        <a:font script="Grek" typeface="Corbel"/>
+        <a:font script="Cyrl" typeface="Corbel"/>
+        <a:font script="Jpan" typeface="HGｺﾞｼｯｸE"/>
+        <a:font script="Hang" typeface="휴먼매직체"/>
+        <a:font script="Hans" typeface="华文中宋"/>
+        <a:font script="Hant" typeface="微軟正黑體"/>
+        <a:font script="Arab" typeface="Majalla UI"/>
+        <a:font script="Hebr" typeface="Arial"/>
+        <a:font script="Thai" typeface="Cordia New"/>
         <a:font script="Ethi" typeface="Nyala"/>
         <a:font script="Beng" typeface="Vrinda"/>
         <a:font script="Gujr" typeface="Shruti"/>
@@ -5202,59 +5700,68 @@
         <a:font script="Laoo" typeface="DokChampa"/>
         <a:font script="Sinh" typeface="Iskoola Pota"/>
         <a:font script="Mong" typeface="Mongolian Baiti"/>
-        <a:font script="Viet" typeface="Verdana"/>
+        <a:font script="Viet" typeface="Tahoma"/>
         <a:font script="Uigh" typeface="Microsoft Uighur"/>
         <a:font script="Geor" typeface="Sylfaen"/>
       </a:minorFont>
     </a:fontScheme>
-    <a:fmtScheme name="Grundlæggende">
+    <a:fmtScheme name="Dividende">
       <a:fillStyleLst>
         <a:solidFill>
           <a:schemeClr val="phClr"/>
         </a:solidFill>
-        <a:solidFill>
-          <a:schemeClr val="phClr">
-            <a:tint val="55000"/>
-            <a:satMod val="130000"/>
-          </a:schemeClr>
-        </a:solidFill>
         <a:gradFill rotWithShape="1">
           <a:gsLst>
             <a:gs pos="0">
-              <a:schemeClr val="phClr"/>
-            </a:gs>
-            <a:gs pos="90000">
               <a:schemeClr val="phClr">
-                <a:shade val="100000"/>
-                <a:satMod val="105000"/>
+                <a:tint val="68000"/>
+                <a:alpha val="90000"/>
+                <a:lumMod val="100000"/>
               </a:schemeClr>
             </a:gs>
             <a:gs pos="100000">
               <a:schemeClr val="phClr">
-                <a:shade val="80000"/>
-                <a:satMod val="120000"/>
+                <a:tint val="90000"/>
+                <a:lumMod val="95000"/>
               </a:schemeClr>
             </a:gs>
           </a:gsLst>
-          <a:path path="circle">
-            <a:fillToRect l="100000" t="100000" r="100000" b="100000"/>
-          </a:path>
+          <a:lin ang="5400000" scaled="1"/>
+        </a:gradFill>
+        <a:gradFill rotWithShape="1">
+          <a:gsLst>
+            <a:gs pos="0">
+              <a:schemeClr val="phClr">
+                <a:tint val="98000"/>
+                <a:lumMod val="110000"/>
+              </a:schemeClr>
+            </a:gs>
+            <a:gs pos="84000">
+              <a:schemeClr val="phClr">
+                <a:shade val="90000"/>
+                <a:lumMod val="88000"/>
+              </a:schemeClr>
+            </a:gs>
+          </a:gsLst>
+          <a:lin ang="5400000" scaled="0"/>
         </a:gradFill>
       </a:fillStyleLst>
       <a:lnStyleLst>
-        <a:ln w="10000" cap="flat" cmpd="sng" algn="ctr">
+        <a:ln w="12700" cap="rnd" cmpd="sng" algn="ctr">
+          <a:solidFill>
+            <a:schemeClr val="phClr">
+              <a:lumMod val="90000"/>
+            </a:schemeClr>
+          </a:solidFill>
+          <a:prstDash val="solid"/>
+        </a:ln>
+        <a:ln w="22225" cap="rnd" cmpd="sng" algn="ctr">
           <a:solidFill>
             <a:schemeClr val="phClr"/>
           </a:solidFill>
           <a:prstDash val="solid"/>
         </a:ln>
-        <a:ln w="19050" cap="flat" cmpd="sng" algn="ctr">
-          <a:solidFill>
-            <a:schemeClr val="phClr"/>
-          </a:solidFill>
-          <a:prstDash val="solid"/>
-        </a:ln>
-        <a:ln w="53975" cap="flat" cmpd="dbl" algn="ctr">
+        <a:ln w="25400" cap="rnd" cmpd="sng" algn="ctr">
           <a:solidFill>
             <a:schemeClr val="phClr"/>
           </a:solidFill>
@@ -5269,16 +5776,16 @@
           <a:effectLst>
             <a:outerShdw blurRad="38100" dist="25400" dir="5400000" rotWithShape="0">
               <a:srgbClr val="000000">
-                <a:alpha val="45000"/>
+                <a:alpha val="55000"/>
               </a:srgbClr>
             </a:outerShdw>
           </a:effectLst>
         </a:effectStyle>
         <a:effectStyle>
           <a:effectLst>
-            <a:outerShdw blurRad="38100" dist="25400" dir="5400000" rotWithShape="0">
+            <a:outerShdw blurRad="88900" dist="38100" dir="5040000" rotWithShape="0">
               <a:srgbClr val="000000">
-                <a:alpha val="45000"/>
+                <a:alpha val="60000"/>
               </a:srgbClr>
             </a:outerShdw>
           </a:effectLst>
@@ -5286,16 +5793,12 @@
             <a:camera prst="orthographicFront">
               <a:rot lat="0" lon="0" rev="0"/>
             </a:camera>
-            <a:lightRig rig="brightRoom" dir="t"/>
+            <a:lightRig rig="threePt" dir="tl">
+              <a:rot lat="0" lon="0" rev="1200000"/>
+            </a:lightRig>
           </a:scene3d>
-          <a:sp3d extrusionH="12700" contourW="25400" prstMaterial="flat">
-            <a:bevelT w="63500" h="152400" prst="angle"/>
-            <a:contourClr>
-              <a:schemeClr val="phClr">
-                <a:shade val="27000"/>
-                <a:satMod val="120000"/>
-              </a:schemeClr>
-            </a:contourClr>
+          <a:sp3d>
+            <a:bevelT w="38100" h="50800"/>
           </a:sp3d>
         </a:effectStyle>
       </a:effectStyleLst>
@@ -5303,21 +5806,44 @@
         <a:solidFill>
           <a:schemeClr val="phClr"/>
         </a:solidFill>
-        <a:solidFill>
-          <a:schemeClr val="phClr">
-            <a:tint val="95000"/>
-            <a:shade val="95000"/>
-            <a:satMod val="140000"/>
-          </a:schemeClr>
-        </a:solidFill>
-        <a:solidFill>
-          <a:schemeClr val="phClr">
-            <a:tint val="90000"/>
-            <a:shade val="85000"/>
-            <a:satMod val="160000"/>
-            <a:lumMod val="110000"/>
-          </a:schemeClr>
-        </a:solidFill>
+        <a:gradFill rotWithShape="1">
+          <a:gsLst>
+            <a:gs pos="0">
+              <a:schemeClr val="phClr">
+                <a:tint val="90000"/>
+                <a:lumMod val="110000"/>
+              </a:schemeClr>
+            </a:gs>
+            <a:gs pos="88000">
+              <a:schemeClr val="phClr">
+                <a:shade val="94000"/>
+                <a:satMod val="110000"/>
+                <a:lumMod val="88000"/>
+              </a:schemeClr>
+            </a:gs>
+          </a:gsLst>
+          <a:lin ang="5400000" scaled="0"/>
+        </a:gradFill>
+        <a:gradFill rotWithShape="1">
+          <a:gsLst>
+            <a:gs pos="0">
+              <a:schemeClr val="phClr">
+                <a:tint val="90000"/>
+                <a:lumMod val="110000"/>
+              </a:schemeClr>
+            </a:gs>
+            <a:gs pos="100000">
+              <a:schemeClr val="phClr">
+                <a:shade val="98000"/>
+                <a:satMod val="110000"/>
+                <a:lumMod val="86000"/>
+              </a:schemeClr>
+            </a:gs>
+          </a:gsLst>
+          <a:path path="circle">
+            <a:fillToRect l="50000" t="50000" r="100000" b="100000"/>
+          </a:path>
+        </a:gradFill>
       </a:bgFillStyleLst>
     </a:fmtScheme>
   </a:themeElements>
@@ -5325,7 +5851,7 @@
   <a:extraClrSchemeLst/>
   <a:extLst>
     <a:ext uri="{05A4C25C-085E-4340-85A3-A5531E510DB2}">
-      <thm15:themeFamily xmlns:thm15="http://schemas.microsoft.com/office/thememl/2012/main" name="Basis" id="{5665723A-49BA-4B57-8411-A56F8F207965}" vid="{90E45F77-AEFC-46EF-A7C1-5B338C297B02}"/>
+      <thm15:themeFamily xmlns:thm15="http://schemas.microsoft.com/office/thememl/2012/main" name="Dividend" id="{9697A71B-4AB7-4A1A-BD5B-BB2D22835B57}" vid="{C21699FF-00E4-43C8-BBCC-D7E5536C3717}"/>
     </a:ext>
   </a:extLst>
 </a:theme>

--- a/The Next præsentation.pptx
+++ b/The Next præsentation.pptx
@@ -5,7 +5,7 @@
     <p:sldMasterId id="2147483713" r:id="rId1"/>
   </p:sldMasterIdLst>
   <p:notesMasterIdLst>
-    <p:notesMasterId r:id="rId8"/>
+    <p:notesMasterId r:id="rId9"/>
   </p:notesMasterIdLst>
   <p:sldIdLst>
     <p:sldId id="256" r:id="rId2"/>
@@ -14,6 +14,7 @@
     <p:sldId id="259" r:id="rId5"/>
     <p:sldId id="260" r:id="rId6"/>
     <p:sldId id="261" r:id="rId7"/>
+    <p:sldId id="262" r:id="rId8"/>
   </p:sldIdLst>
   <p:sldSz cx="12192000" cy="6858000"/>
   <p:notesSz cx="6858000" cy="9144000"/>
@@ -5331,7 +5332,7 @@
         </p:nvSpPr>
         <p:spPr>
           <a:xfrm>
-            <a:off x="438912" y="5125689"/>
+            <a:off x="1197036" y="5226702"/>
             <a:ext cx="3127248" cy="1200329"/>
           </a:xfrm>
           <a:prstGeom prst="rect">
@@ -5400,7 +5401,7 @@
         </p:nvSpPr>
         <p:spPr>
           <a:xfrm>
-            <a:off x="6736911" y="4838426"/>
+            <a:off x="7282087" y="5103674"/>
             <a:ext cx="3127248" cy="1754326"/>
           </a:xfrm>
           <a:prstGeom prst="rect">
@@ -5544,8 +5545,12 @@
           <a:lstStyle/>
           <a:p>
             <a:r>
+              <a:rPr lang="da-DK" dirty="0" err="1"/>
+              <a:t>Function</a:t>
+            </a:r>
+            <a:r>
               <a:rPr lang="da-DK" dirty="0"/>
-              <a:t>Process</a:t>
+              <a:t> points</a:t>
             </a:r>
           </a:p>
         </p:txBody>
@@ -5571,14 +5576,197 @@
           <a:bodyPr/>
           <a:lstStyle/>
           <a:p>
-            <a:endParaRPr lang="da-DK"/>
-          </a:p>
-        </p:txBody>
-      </p:sp>
+            <a:r>
+              <a:rPr lang="da-DK" dirty="0"/>
+              <a:t>Hvad er det?</a:t>
+            </a:r>
+          </a:p>
+          <a:p>
+            <a:r>
+              <a:rPr lang="da-DK" dirty="0"/>
+              <a:t>Hvorfor bruge det?</a:t>
+            </a:r>
+          </a:p>
+          <a:p>
+            <a:r>
+              <a:rPr lang="da-DK" dirty="0"/>
+              <a:t>Hvordan vi kunne anvende FP?</a:t>
+            </a:r>
+          </a:p>
+          <a:p>
+            <a:r>
+              <a:rPr lang="da-DK" dirty="0"/>
+              <a:t>Hvad vi kunne få ud af det?</a:t>
+            </a:r>
+          </a:p>
+        </p:txBody>
+      </p:sp>
+      <p:pic>
+        <p:nvPicPr>
+          <p:cNvPr id="4" name="Billede 3">
+            <a:extLst>
+              <a:ext uri="{FF2B5EF4-FFF2-40B4-BE49-F238E27FC236}">
+                <a16:creationId xmlns:a16="http://schemas.microsoft.com/office/drawing/2014/main" id="{50CA9A12-374C-4F6B-8D2D-D5488B315016}"/>
+              </a:ext>
+            </a:extLst>
+          </p:cNvPr>
+          <p:cNvPicPr>
+            <a:picLocks noChangeAspect="1"/>
+          </p:cNvPicPr>
+          <p:nvPr/>
+        </p:nvPicPr>
+        <p:blipFill>
+          <a:blip r:embed="rId2"/>
+          <a:stretch>
+            <a:fillRect/>
+          </a:stretch>
+        </p:blipFill>
+        <p:spPr>
+          <a:xfrm>
+            <a:off x="4695657" y="2411730"/>
+            <a:ext cx="6915150" cy="2400300"/>
+          </a:xfrm>
+          <a:prstGeom prst="rect">
+            <a:avLst/>
+          </a:prstGeom>
+        </p:spPr>
+      </p:pic>
     </p:spTree>
     <p:extLst>
       <p:ext uri="{BB962C8B-B14F-4D97-AF65-F5344CB8AC3E}">
         <p14:creationId xmlns:p14="http://schemas.microsoft.com/office/powerpoint/2010/main" val="4150617717"/>
+      </p:ext>
+    </p:extLst>
+  </p:cSld>
+  <p:clrMapOvr>
+    <a:masterClrMapping/>
+  </p:clrMapOvr>
+</p:sld>
+</file>
+
+<file path=ppt/slides/slide7.xml><?xml version="1.0" encoding="utf-8"?>
+<p:sld xmlns:a="http://schemas.openxmlformats.org/drawingml/2006/main" xmlns:r="http://schemas.openxmlformats.org/officeDocument/2006/relationships" xmlns:p="http://schemas.openxmlformats.org/presentationml/2006/main">
+  <p:cSld>
+    <p:spTree>
+      <p:nvGrpSpPr>
+        <p:cNvPr id="1" name=""/>
+        <p:cNvGrpSpPr/>
+        <p:nvPr/>
+      </p:nvGrpSpPr>
+      <p:grpSpPr>
+        <a:xfrm>
+          <a:off x="0" y="0"/>
+          <a:ext cx="0" cy="0"/>
+          <a:chOff x="0" y="0"/>
+          <a:chExt cx="0" cy="0"/>
+        </a:xfrm>
+      </p:grpSpPr>
+      <p:sp>
+        <p:nvSpPr>
+          <p:cNvPr id="2" name="Titel 1">
+            <a:extLst>
+              <a:ext uri="{FF2B5EF4-FFF2-40B4-BE49-F238E27FC236}">
+                <a16:creationId xmlns:a16="http://schemas.microsoft.com/office/drawing/2014/main" id="{4EB7FFAD-FE56-4DF6-AFBC-C2DC072162B6}"/>
+              </a:ext>
+            </a:extLst>
+          </p:cNvPr>
+          <p:cNvSpPr>
+            <a:spLocks noGrp="1"/>
+          </p:cNvSpPr>
+          <p:nvPr>
+            <p:ph type="title"/>
+          </p:nvPr>
+        </p:nvSpPr>
+        <p:spPr/>
+        <p:txBody>
+          <a:bodyPr/>
+          <a:lstStyle/>
+          <a:p>
+            <a:r>
+              <a:rPr lang="da-DK" dirty="0" err="1"/>
+              <a:t>Quality</a:t>
+            </a:r>
+            <a:r>
+              <a:rPr lang="da-DK" dirty="0"/>
+              <a:t> assurance</a:t>
+            </a:r>
+          </a:p>
+        </p:txBody>
+      </p:sp>
+      <p:sp>
+        <p:nvSpPr>
+          <p:cNvPr id="3" name="Pladsholder til indhold 2">
+            <a:extLst>
+              <a:ext uri="{FF2B5EF4-FFF2-40B4-BE49-F238E27FC236}">
+                <a16:creationId xmlns:a16="http://schemas.microsoft.com/office/drawing/2014/main" id="{C7517C4A-2885-46CF-9DEA-ACE44E238773}"/>
+              </a:ext>
+            </a:extLst>
+          </p:cNvPr>
+          <p:cNvSpPr>
+            <a:spLocks noGrp="1"/>
+          </p:cNvSpPr>
+          <p:nvPr>
+            <p:ph idx="1"/>
+          </p:nvPr>
+        </p:nvSpPr>
+        <p:spPr/>
+        <p:txBody>
+          <a:bodyPr/>
+          <a:lstStyle/>
+          <a:p>
+            <a:r>
+              <a:rPr lang="da-DK" dirty="0"/>
+              <a:t>Hvad er det?</a:t>
+            </a:r>
+          </a:p>
+          <a:p>
+            <a:r>
+              <a:rPr lang="da-DK" dirty="0"/>
+              <a:t>Hvordan har vi brugt det?</a:t>
+            </a:r>
+          </a:p>
+          <a:p>
+            <a:r>
+              <a:rPr lang="da-DK" dirty="0"/>
+              <a:t>Hvad har vi fået ud af det?</a:t>
+            </a:r>
+          </a:p>
+        </p:txBody>
+      </p:sp>
+      <p:pic>
+        <p:nvPicPr>
+          <p:cNvPr id="4" name="Billede 3">
+            <a:extLst>
+              <a:ext uri="{FF2B5EF4-FFF2-40B4-BE49-F238E27FC236}">
+                <a16:creationId xmlns:a16="http://schemas.microsoft.com/office/drawing/2014/main" id="{74160CBD-AC73-4FB7-8417-FAB1EDDA253F}"/>
+              </a:ext>
+            </a:extLst>
+          </p:cNvPr>
+          <p:cNvPicPr>
+            <a:picLocks noChangeAspect="1"/>
+          </p:cNvPicPr>
+          <p:nvPr/>
+        </p:nvPicPr>
+        <p:blipFill>
+          <a:blip r:embed="rId2"/>
+          <a:stretch>
+            <a:fillRect/>
+          </a:stretch>
+        </p:blipFill>
+        <p:spPr>
+          <a:xfrm>
+            <a:off x="4900295" y="2180496"/>
+            <a:ext cx="7105650" cy="4476750"/>
+          </a:xfrm>
+          <a:prstGeom prst="rect">
+            <a:avLst/>
+          </a:prstGeom>
+        </p:spPr>
+      </p:pic>
+    </p:spTree>
+    <p:extLst>
+      <p:ext uri="{BB962C8B-B14F-4D97-AF65-F5344CB8AC3E}">
+        <p14:creationId xmlns:p14="http://schemas.microsoft.com/office/powerpoint/2010/main" val="3240335340"/>
       </p:ext>
     </p:extLst>
   </p:cSld>

--- a/The Next præsentation.pptx
+++ b/The Next præsentation.pptx
@@ -5372,7 +5372,7 @@
             </a:pPr>
             <a:r>
               <a:rPr lang="da-DK" dirty="0"/>
-              <a:t>Transition deployment</a:t>
+              <a:t>Deployment til sidst</a:t>
             </a:r>
           </a:p>
           <a:p>

--- a/The Next præsentation.pptx
+++ b/The Next præsentation.pptx
@@ -5,7 +5,7 @@
     <p:sldMasterId id="2147483713" r:id="rId1"/>
   </p:sldMasterIdLst>
   <p:notesMasterIdLst>
-    <p:notesMasterId r:id="rId9"/>
+    <p:notesMasterId r:id="rId10"/>
   </p:notesMasterIdLst>
   <p:sldIdLst>
     <p:sldId id="256" r:id="rId2"/>
@@ -15,6 +15,7 @@
     <p:sldId id="260" r:id="rId6"/>
     <p:sldId id="261" r:id="rId7"/>
     <p:sldId id="262" r:id="rId8"/>
+    <p:sldId id="263" r:id="rId9"/>
   </p:sldIdLst>
   <p:sldSz cx="12192000" cy="6858000"/>
   <p:notesSz cx="6858000" cy="9144000"/>
@@ -5372,8 +5373,13 @@
             </a:pPr>
             <a:r>
               <a:rPr lang="da-DK" dirty="0"/>
-              <a:t>Deployment til sidst</a:t>
-            </a:r>
+              <a:t>Sen </a:t>
+            </a:r>
+            <a:r>
+              <a:rPr lang="da-DK" dirty="0" err="1"/>
+              <a:t>deployment</a:t>
+            </a:r>
+            <a:endParaRPr lang="da-DK" dirty="0"/>
           </a:p>
           <a:p>
             <a:pPr marL="285750" indent="-285750">
@@ -5402,7 +5408,7 @@
         <p:spPr>
           <a:xfrm>
             <a:off x="7282087" y="5103674"/>
-            <a:ext cx="3127248" cy="1754326"/>
+            <a:ext cx="3127248" cy="1477328"/>
           </a:xfrm>
           <a:prstGeom prst="rect">
             <a:avLst/>
@@ -5431,7 +5437,7 @@
             </a:pPr>
             <a:r>
               <a:rPr lang="da-DK" dirty="0"/>
-              <a:t>Løbende feedback fra kunden</a:t>
+              <a:t>Evolutionær tilgang</a:t>
             </a:r>
           </a:p>
           <a:p>
@@ -5767,6 +5773,89 @@
     <p:extLst>
       <p:ext uri="{BB962C8B-B14F-4D97-AF65-F5344CB8AC3E}">
         <p14:creationId xmlns:p14="http://schemas.microsoft.com/office/powerpoint/2010/main" val="3240335340"/>
+      </p:ext>
+    </p:extLst>
+  </p:cSld>
+  <p:clrMapOvr>
+    <a:masterClrMapping/>
+  </p:clrMapOvr>
+</p:sld>
+</file>
+
+<file path=ppt/slides/slide8.xml><?xml version="1.0" encoding="utf-8"?>
+<p:sld xmlns:a="http://schemas.openxmlformats.org/drawingml/2006/main" xmlns:r="http://schemas.openxmlformats.org/officeDocument/2006/relationships" xmlns:p="http://schemas.openxmlformats.org/presentationml/2006/main">
+  <p:cSld>
+    <p:spTree>
+      <p:nvGrpSpPr>
+        <p:cNvPr id="1" name=""/>
+        <p:cNvGrpSpPr/>
+        <p:nvPr/>
+      </p:nvGrpSpPr>
+      <p:grpSpPr>
+        <a:xfrm>
+          <a:off x="0" y="0"/>
+          <a:ext cx="0" cy="0"/>
+          <a:chOff x="0" y="0"/>
+          <a:chExt cx="0" cy="0"/>
+        </a:xfrm>
+      </p:grpSpPr>
+      <p:sp>
+        <p:nvSpPr>
+          <p:cNvPr id="2" name="Titel 1">
+            <a:extLst>
+              <a:ext uri="{FF2B5EF4-FFF2-40B4-BE49-F238E27FC236}">
+                <a16:creationId xmlns:a16="http://schemas.microsoft.com/office/drawing/2014/main" id="{66215E79-8FC6-47E5-9A4C-FB56150A4EAC}"/>
+              </a:ext>
+            </a:extLst>
+          </p:cNvPr>
+          <p:cNvSpPr>
+            <a:spLocks noGrp="1"/>
+          </p:cNvSpPr>
+          <p:nvPr>
+            <p:ph type="title"/>
+          </p:nvPr>
+        </p:nvSpPr>
+        <p:spPr/>
+        <p:txBody>
+          <a:bodyPr/>
+          <a:lstStyle/>
+          <a:p>
+            <a:r>
+              <a:rPr lang="da-DK" dirty="0"/>
+              <a:t>Demonstration</a:t>
+            </a:r>
+          </a:p>
+        </p:txBody>
+      </p:sp>
+      <p:sp>
+        <p:nvSpPr>
+          <p:cNvPr id="3" name="Pladsholder til indhold 2">
+            <a:extLst>
+              <a:ext uri="{FF2B5EF4-FFF2-40B4-BE49-F238E27FC236}">
+                <a16:creationId xmlns:a16="http://schemas.microsoft.com/office/drawing/2014/main" id="{4B843046-2619-490F-8D39-75FF815481EE}"/>
+              </a:ext>
+            </a:extLst>
+          </p:cNvPr>
+          <p:cNvSpPr>
+            <a:spLocks noGrp="1"/>
+          </p:cNvSpPr>
+          <p:nvPr>
+            <p:ph idx="1"/>
+          </p:nvPr>
+        </p:nvSpPr>
+        <p:spPr/>
+        <p:txBody>
+          <a:bodyPr/>
+          <a:lstStyle/>
+          <a:p>
+            <a:endParaRPr lang="da-DK"/>
+          </a:p>
+        </p:txBody>
+      </p:sp>
+    </p:spTree>
+    <p:extLst>
+      <p:ext uri="{BB962C8B-B14F-4D97-AF65-F5344CB8AC3E}">
+        <p14:creationId xmlns:p14="http://schemas.microsoft.com/office/powerpoint/2010/main" val="3304426564"/>
       </p:ext>
     </p:extLst>
   </p:cSld>

--- a/The Next præsentation.pptx
+++ b/The Next præsentation.pptx
@@ -120,6 +120,2746 @@
     </p:ext>
   </p:extLst>
 </p:presentation>
+</file>
+
+<file path=ppt/diagrams/colors1.xml><?xml version="1.0" encoding="utf-8"?>
+<dgm:colorsDef xmlns:dgm="http://schemas.openxmlformats.org/drawingml/2006/diagram" xmlns:a="http://schemas.openxmlformats.org/drawingml/2006/main" uniqueId="urn:microsoft.com/office/officeart/2005/8/colors/colorful2">
+  <dgm:title val=""/>
+  <dgm:desc val=""/>
+  <dgm:catLst>
+    <dgm:cat type="colorful" pri="10200"/>
+  </dgm:catLst>
+  <dgm:styleLbl name="node0">
+    <dgm:fillClrLst meth="repeat">
+      <a:schemeClr val="accent1"/>
+    </dgm:fillClrLst>
+    <dgm:linClrLst meth="repeat">
+      <a:schemeClr val="lt1"/>
+    </dgm:linClrLst>
+    <dgm:effectClrLst/>
+    <dgm:txLinClrLst/>
+    <dgm:txFillClrLst/>
+    <dgm:txEffectClrLst/>
+  </dgm:styleLbl>
+  <dgm:styleLbl name="node1">
+    <dgm:fillClrLst>
+      <a:schemeClr val="accent2"/>
+      <a:schemeClr val="accent3"/>
+    </dgm:fillClrLst>
+    <dgm:linClrLst meth="repeat">
+      <a:schemeClr val="lt1"/>
+    </dgm:linClrLst>
+    <dgm:effectClrLst/>
+    <dgm:txLinClrLst/>
+    <dgm:txFillClrLst/>
+    <dgm:txEffectClrLst/>
+  </dgm:styleLbl>
+  <dgm:styleLbl name="alignNode1">
+    <dgm:fillClrLst>
+      <a:schemeClr val="accent2"/>
+      <a:schemeClr val="accent3"/>
+    </dgm:fillClrLst>
+    <dgm:linClrLst>
+      <a:schemeClr val="accent2"/>
+      <a:schemeClr val="accent3"/>
+    </dgm:linClrLst>
+    <dgm:effectClrLst/>
+    <dgm:txLinClrLst/>
+    <dgm:txFillClrLst/>
+    <dgm:txEffectClrLst/>
+  </dgm:styleLbl>
+  <dgm:styleLbl name="lnNode1">
+    <dgm:fillClrLst>
+      <a:schemeClr val="accent2"/>
+      <a:schemeClr val="accent3"/>
+    </dgm:fillClrLst>
+    <dgm:linClrLst meth="repeat">
+      <a:schemeClr val="lt1"/>
+    </dgm:linClrLst>
+    <dgm:effectClrLst/>
+    <dgm:txLinClrLst/>
+    <dgm:txFillClrLst/>
+    <dgm:txEffectClrLst/>
+  </dgm:styleLbl>
+  <dgm:styleLbl name="vennNode1">
+    <dgm:fillClrLst>
+      <a:schemeClr val="accent2">
+        <a:alpha val="50000"/>
+      </a:schemeClr>
+      <a:schemeClr val="accent3">
+        <a:alpha val="50000"/>
+      </a:schemeClr>
+    </dgm:fillClrLst>
+    <dgm:linClrLst meth="repeat">
+      <a:schemeClr val="lt1"/>
+    </dgm:linClrLst>
+    <dgm:effectClrLst/>
+    <dgm:txLinClrLst/>
+    <dgm:txFillClrLst/>
+    <dgm:txEffectClrLst/>
+  </dgm:styleLbl>
+  <dgm:styleLbl name="node2">
+    <dgm:fillClrLst>
+      <a:schemeClr val="accent3"/>
+    </dgm:fillClrLst>
+    <dgm:linClrLst meth="repeat">
+      <a:schemeClr val="lt1"/>
+    </dgm:linClrLst>
+    <dgm:effectClrLst/>
+    <dgm:txLinClrLst/>
+    <dgm:txFillClrLst/>
+    <dgm:txEffectClrLst/>
+  </dgm:styleLbl>
+  <dgm:styleLbl name="node3">
+    <dgm:fillClrLst>
+      <a:schemeClr val="accent4"/>
+    </dgm:fillClrLst>
+    <dgm:linClrLst meth="repeat">
+      <a:schemeClr val="lt1"/>
+    </dgm:linClrLst>
+    <dgm:effectClrLst/>
+    <dgm:txLinClrLst/>
+    <dgm:txFillClrLst/>
+    <dgm:txEffectClrLst/>
+  </dgm:styleLbl>
+  <dgm:styleLbl name="node4">
+    <dgm:fillClrLst>
+      <a:schemeClr val="accent5"/>
+    </dgm:fillClrLst>
+    <dgm:linClrLst meth="repeat">
+      <a:schemeClr val="lt1"/>
+    </dgm:linClrLst>
+    <dgm:effectClrLst/>
+    <dgm:txLinClrLst/>
+    <dgm:txFillClrLst/>
+    <dgm:txEffectClrLst/>
+  </dgm:styleLbl>
+  <dgm:styleLbl name="fgImgPlace1">
+    <dgm:fillClrLst>
+      <a:schemeClr val="accent2">
+        <a:tint val="50000"/>
+      </a:schemeClr>
+      <a:schemeClr val="accent3">
+        <a:tint val="50000"/>
+      </a:schemeClr>
+    </dgm:fillClrLst>
+    <dgm:linClrLst meth="repeat">
+      <a:schemeClr val="lt1"/>
+    </dgm:linClrLst>
+    <dgm:effectClrLst/>
+    <dgm:txLinClrLst/>
+    <dgm:txFillClrLst meth="repeat">
+      <a:schemeClr val="lt1"/>
+    </dgm:txFillClrLst>
+    <dgm:txEffectClrLst/>
+  </dgm:styleLbl>
+  <dgm:styleLbl name="alignImgPlace1">
+    <dgm:fillClrLst>
+      <a:schemeClr val="accent2">
+        <a:tint val="50000"/>
+      </a:schemeClr>
+      <a:schemeClr val="accent3">
+        <a:tint val="20000"/>
+      </a:schemeClr>
+    </dgm:fillClrLst>
+    <dgm:linClrLst meth="repeat">
+      <a:schemeClr val="lt1"/>
+    </dgm:linClrLst>
+    <dgm:effectClrLst/>
+    <dgm:txLinClrLst/>
+    <dgm:txFillClrLst meth="repeat">
+      <a:schemeClr val="lt1"/>
+    </dgm:txFillClrLst>
+    <dgm:txEffectClrLst/>
+  </dgm:styleLbl>
+  <dgm:styleLbl name="bgImgPlace1">
+    <dgm:fillClrLst>
+      <a:schemeClr val="accent2">
+        <a:tint val="50000"/>
+      </a:schemeClr>
+      <a:schemeClr val="accent3">
+        <a:tint val="20000"/>
+      </a:schemeClr>
+    </dgm:fillClrLst>
+    <dgm:linClrLst meth="repeat">
+      <a:schemeClr val="lt1"/>
+    </dgm:linClrLst>
+    <dgm:effectClrLst/>
+    <dgm:txLinClrLst/>
+    <dgm:txFillClrLst meth="repeat">
+      <a:schemeClr val="lt1"/>
+    </dgm:txFillClrLst>
+    <dgm:txEffectClrLst/>
+  </dgm:styleLbl>
+  <dgm:styleLbl name="sibTrans2D1">
+    <dgm:fillClrLst>
+      <a:schemeClr val="accent2"/>
+      <a:schemeClr val="accent3"/>
+    </dgm:fillClrLst>
+    <dgm:linClrLst meth="repeat">
+      <a:schemeClr val="lt1"/>
+    </dgm:linClrLst>
+    <dgm:effectClrLst/>
+    <dgm:txLinClrLst/>
+    <dgm:txFillClrLst/>
+    <dgm:txEffectClrLst/>
+  </dgm:styleLbl>
+  <dgm:styleLbl name="fgSibTrans2D1">
+    <dgm:fillClrLst>
+      <a:schemeClr val="accent2"/>
+      <a:schemeClr val="accent3"/>
+    </dgm:fillClrLst>
+    <dgm:linClrLst meth="repeat">
+      <a:schemeClr val="lt1"/>
+    </dgm:linClrLst>
+    <dgm:effectClrLst/>
+    <dgm:txLinClrLst/>
+    <dgm:txFillClrLst meth="repeat">
+      <a:schemeClr val="lt1"/>
+    </dgm:txFillClrLst>
+    <dgm:txEffectClrLst/>
+  </dgm:styleLbl>
+  <dgm:styleLbl name="bgSibTrans2D1">
+    <dgm:fillClrLst>
+      <a:schemeClr val="accent2"/>
+      <a:schemeClr val="accent3"/>
+    </dgm:fillClrLst>
+    <dgm:linClrLst meth="repeat">
+      <a:schemeClr val="lt1"/>
+    </dgm:linClrLst>
+    <dgm:effectClrLst/>
+    <dgm:txLinClrLst/>
+    <dgm:txFillClrLst meth="repeat">
+      <a:schemeClr val="lt1"/>
+    </dgm:txFillClrLst>
+    <dgm:txEffectClrLst/>
+  </dgm:styleLbl>
+  <dgm:styleLbl name="sibTrans1D1">
+    <dgm:fillClrLst/>
+    <dgm:linClrLst>
+      <a:schemeClr val="accent2"/>
+      <a:schemeClr val="accent3"/>
+    </dgm:linClrLst>
+    <dgm:effectClrLst/>
+    <dgm:txLinClrLst/>
+    <dgm:txFillClrLst meth="repeat">
+      <a:schemeClr val="tx1"/>
+    </dgm:txFillClrLst>
+    <dgm:txEffectClrLst/>
+  </dgm:styleLbl>
+  <dgm:styleLbl name="callout">
+    <dgm:fillClrLst meth="repeat">
+      <a:schemeClr val="accent2"/>
+    </dgm:fillClrLst>
+    <dgm:linClrLst meth="repeat">
+      <a:schemeClr val="accent2">
+        <a:tint val="50000"/>
+      </a:schemeClr>
+    </dgm:linClrLst>
+    <dgm:effectClrLst/>
+    <dgm:txLinClrLst/>
+    <dgm:txFillClrLst meth="repeat">
+      <a:schemeClr val="tx1"/>
+    </dgm:txFillClrLst>
+    <dgm:txEffectClrLst/>
+  </dgm:styleLbl>
+  <dgm:styleLbl name="asst0">
+    <dgm:fillClrLst meth="repeat">
+      <a:schemeClr val="accent2"/>
+    </dgm:fillClrLst>
+    <dgm:linClrLst meth="repeat">
+      <a:schemeClr val="lt1">
+        <a:shade val="80000"/>
+      </a:schemeClr>
+    </dgm:linClrLst>
+    <dgm:effectClrLst/>
+    <dgm:txLinClrLst/>
+    <dgm:txFillClrLst/>
+    <dgm:txEffectClrLst/>
+  </dgm:styleLbl>
+  <dgm:styleLbl name="asst1">
+    <dgm:fillClrLst meth="repeat">
+      <a:schemeClr val="accent3"/>
+    </dgm:fillClrLst>
+    <dgm:linClrLst meth="repeat">
+      <a:schemeClr val="lt1">
+        <a:shade val="80000"/>
+      </a:schemeClr>
+    </dgm:linClrLst>
+    <dgm:effectClrLst/>
+    <dgm:txLinClrLst/>
+    <dgm:txFillClrLst/>
+    <dgm:txEffectClrLst/>
+  </dgm:styleLbl>
+  <dgm:styleLbl name="asst2">
+    <dgm:fillClrLst>
+      <a:schemeClr val="accent4"/>
+    </dgm:fillClrLst>
+    <dgm:linClrLst meth="repeat">
+      <a:schemeClr val="lt1"/>
+    </dgm:linClrLst>
+    <dgm:effectClrLst/>
+    <dgm:txLinClrLst/>
+    <dgm:txFillClrLst/>
+    <dgm:txEffectClrLst/>
+  </dgm:styleLbl>
+  <dgm:styleLbl name="asst3">
+    <dgm:fillClrLst>
+      <a:schemeClr val="accent5"/>
+    </dgm:fillClrLst>
+    <dgm:linClrLst meth="repeat">
+      <a:schemeClr val="lt1"/>
+    </dgm:linClrLst>
+    <dgm:effectClrLst/>
+    <dgm:txLinClrLst/>
+    <dgm:txFillClrLst/>
+    <dgm:txEffectClrLst/>
+  </dgm:styleLbl>
+  <dgm:styleLbl name="asst4">
+    <dgm:fillClrLst>
+      <a:schemeClr val="accent6"/>
+    </dgm:fillClrLst>
+    <dgm:linClrLst meth="repeat">
+      <a:schemeClr val="lt1"/>
+    </dgm:linClrLst>
+    <dgm:effectClrLst/>
+    <dgm:txLinClrLst/>
+    <dgm:txFillClrLst/>
+    <dgm:txEffectClrLst/>
+  </dgm:styleLbl>
+  <dgm:styleLbl name="parChTrans2D1">
+    <dgm:fillClrLst meth="repeat">
+      <a:schemeClr val="accent2"/>
+    </dgm:fillClrLst>
+    <dgm:linClrLst meth="repeat">
+      <a:schemeClr val="lt1"/>
+    </dgm:linClrLst>
+    <dgm:effectClrLst/>
+    <dgm:txLinClrLst/>
+    <dgm:txFillClrLst meth="repeat">
+      <a:schemeClr val="lt1"/>
+    </dgm:txFillClrLst>
+    <dgm:txEffectClrLst/>
+  </dgm:styleLbl>
+  <dgm:styleLbl name="parChTrans2D2">
+    <dgm:fillClrLst meth="repeat">
+      <a:schemeClr val="accent3"/>
+    </dgm:fillClrLst>
+    <dgm:linClrLst meth="repeat">
+      <a:schemeClr val="lt1"/>
+    </dgm:linClrLst>
+    <dgm:effectClrLst/>
+    <dgm:txLinClrLst/>
+    <dgm:txFillClrLst/>
+    <dgm:txEffectClrLst/>
+  </dgm:styleLbl>
+  <dgm:styleLbl name="parChTrans2D3">
+    <dgm:fillClrLst meth="repeat">
+      <a:schemeClr val="accent4"/>
+    </dgm:fillClrLst>
+    <dgm:linClrLst meth="repeat">
+      <a:schemeClr val="lt1"/>
+    </dgm:linClrLst>
+    <dgm:effectClrLst/>
+    <dgm:txLinClrLst/>
+    <dgm:txFillClrLst/>
+    <dgm:txEffectClrLst/>
+  </dgm:styleLbl>
+  <dgm:styleLbl name="parChTrans2D4">
+    <dgm:fillClrLst meth="repeat">
+      <a:schemeClr val="accent5"/>
+    </dgm:fillClrLst>
+    <dgm:linClrLst meth="repeat">
+      <a:schemeClr val="lt1"/>
+    </dgm:linClrLst>
+    <dgm:effectClrLst/>
+    <dgm:txLinClrLst/>
+    <dgm:txFillClrLst meth="repeat">
+      <a:schemeClr val="lt1"/>
+    </dgm:txFillClrLst>
+    <dgm:txEffectClrLst/>
+  </dgm:styleLbl>
+  <dgm:styleLbl name="parChTrans1D1">
+    <dgm:fillClrLst meth="repeat">
+      <a:schemeClr val="accent2"/>
+    </dgm:fillClrLst>
+    <dgm:linClrLst meth="repeat">
+      <a:schemeClr val="accent2"/>
+    </dgm:linClrLst>
+    <dgm:effectClrLst/>
+    <dgm:txLinClrLst/>
+    <dgm:txFillClrLst meth="repeat">
+      <a:schemeClr val="tx1"/>
+    </dgm:txFillClrLst>
+    <dgm:txEffectClrLst/>
+  </dgm:styleLbl>
+  <dgm:styleLbl name="parChTrans1D2">
+    <dgm:fillClrLst meth="repeat">
+      <a:schemeClr val="accent2">
+        <a:tint val="90000"/>
+      </a:schemeClr>
+    </dgm:fillClrLst>
+    <dgm:linClrLst meth="repeat">
+      <a:schemeClr val="accent3"/>
+    </dgm:linClrLst>
+    <dgm:effectClrLst/>
+    <dgm:txLinClrLst/>
+    <dgm:txFillClrLst meth="repeat">
+      <a:schemeClr val="tx1"/>
+    </dgm:txFillClrLst>
+    <dgm:txEffectClrLst/>
+  </dgm:styleLbl>
+  <dgm:styleLbl name="parChTrans1D3">
+    <dgm:fillClrLst meth="repeat">
+      <a:schemeClr val="accent2">
+        <a:tint val="70000"/>
+      </a:schemeClr>
+    </dgm:fillClrLst>
+    <dgm:linClrLst meth="repeat">
+      <a:schemeClr val="accent4"/>
+    </dgm:linClrLst>
+    <dgm:effectClrLst/>
+    <dgm:txLinClrLst/>
+    <dgm:txFillClrLst meth="repeat">
+      <a:schemeClr val="tx1"/>
+    </dgm:txFillClrLst>
+    <dgm:txEffectClrLst/>
+  </dgm:styleLbl>
+  <dgm:styleLbl name="parChTrans1D4">
+    <dgm:fillClrLst meth="repeat">
+      <a:schemeClr val="accent2">
+        <a:tint val="50000"/>
+      </a:schemeClr>
+    </dgm:fillClrLst>
+    <dgm:linClrLst meth="repeat">
+      <a:schemeClr val="accent5"/>
+    </dgm:linClrLst>
+    <dgm:effectClrLst/>
+    <dgm:txLinClrLst/>
+    <dgm:txFillClrLst meth="repeat">
+      <a:schemeClr val="tx1"/>
+    </dgm:txFillClrLst>
+    <dgm:txEffectClrLst/>
+  </dgm:styleLbl>
+  <dgm:styleLbl name="fgAcc1">
+    <dgm:fillClrLst meth="repeat">
+      <a:schemeClr val="lt1">
+        <a:alpha val="90000"/>
+      </a:schemeClr>
+    </dgm:fillClrLst>
+    <dgm:linClrLst>
+      <a:schemeClr val="accent2"/>
+      <a:schemeClr val="accent3"/>
+    </dgm:linClrLst>
+    <dgm:effectClrLst/>
+    <dgm:txLinClrLst/>
+    <dgm:txFillClrLst meth="repeat">
+      <a:schemeClr val="dk1"/>
+    </dgm:txFillClrLst>
+    <dgm:txEffectClrLst/>
+  </dgm:styleLbl>
+  <dgm:styleLbl name="conFgAcc1">
+    <dgm:fillClrLst meth="repeat">
+      <a:schemeClr val="lt1">
+        <a:alpha val="90000"/>
+      </a:schemeClr>
+    </dgm:fillClrLst>
+    <dgm:linClrLst>
+      <a:schemeClr val="accent2"/>
+      <a:schemeClr val="accent3"/>
+    </dgm:linClrLst>
+    <dgm:effectClrLst/>
+    <dgm:txLinClrLst/>
+    <dgm:txFillClrLst meth="repeat">
+      <a:schemeClr val="dk1"/>
+    </dgm:txFillClrLst>
+    <dgm:txEffectClrLst/>
+  </dgm:styleLbl>
+  <dgm:styleLbl name="alignAcc1">
+    <dgm:fillClrLst meth="repeat">
+      <a:schemeClr val="lt1">
+        <a:alpha val="90000"/>
+      </a:schemeClr>
+    </dgm:fillClrLst>
+    <dgm:linClrLst>
+      <a:schemeClr val="accent2"/>
+      <a:schemeClr val="accent3"/>
+    </dgm:linClrLst>
+    <dgm:effectClrLst/>
+    <dgm:txLinClrLst/>
+    <dgm:txFillClrLst meth="repeat">
+      <a:schemeClr val="dk1"/>
+    </dgm:txFillClrLst>
+    <dgm:txEffectClrLst/>
+  </dgm:styleLbl>
+  <dgm:styleLbl name="trAlignAcc1">
+    <dgm:fillClrLst meth="repeat">
+      <a:schemeClr val="lt1">
+        <a:alpha val="40000"/>
+      </a:schemeClr>
+    </dgm:fillClrLst>
+    <dgm:linClrLst meth="repeat">
+      <a:schemeClr val="accent2"/>
+    </dgm:linClrLst>
+    <dgm:effectClrLst/>
+    <dgm:txLinClrLst/>
+    <dgm:txFillClrLst meth="repeat">
+      <a:schemeClr val="dk1"/>
+    </dgm:txFillClrLst>
+    <dgm:txEffectClrLst/>
+  </dgm:styleLbl>
+  <dgm:styleLbl name="bgAcc1">
+    <dgm:fillClrLst meth="repeat">
+      <a:schemeClr val="lt1">
+        <a:alpha val="90000"/>
+      </a:schemeClr>
+    </dgm:fillClrLst>
+    <dgm:linClrLst>
+      <a:schemeClr val="accent2"/>
+      <a:schemeClr val="accent3"/>
+    </dgm:linClrLst>
+    <dgm:effectClrLst/>
+    <dgm:txLinClrLst/>
+    <dgm:txFillClrLst meth="repeat">
+      <a:schemeClr val="dk1"/>
+    </dgm:txFillClrLst>
+    <dgm:txEffectClrLst/>
+  </dgm:styleLbl>
+  <dgm:styleLbl name="solidFgAcc1">
+    <dgm:fillClrLst meth="repeat">
+      <a:schemeClr val="lt1"/>
+    </dgm:fillClrLst>
+    <dgm:linClrLst>
+      <a:schemeClr val="accent2"/>
+      <a:schemeClr val="accent3"/>
+    </dgm:linClrLst>
+    <dgm:effectClrLst/>
+    <dgm:txLinClrLst/>
+    <dgm:txFillClrLst meth="repeat">
+      <a:schemeClr val="dk1"/>
+    </dgm:txFillClrLst>
+    <dgm:txEffectClrLst/>
+  </dgm:styleLbl>
+  <dgm:styleLbl name="solidAlignAcc1">
+    <dgm:fillClrLst meth="repeat">
+      <a:schemeClr val="lt1"/>
+    </dgm:fillClrLst>
+    <dgm:linClrLst>
+      <a:schemeClr val="accent2"/>
+      <a:schemeClr val="accent3"/>
+    </dgm:linClrLst>
+    <dgm:effectClrLst/>
+    <dgm:txLinClrLst/>
+    <dgm:txFillClrLst meth="repeat">
+      <a:schemeClr val="dk1"/>
+    </dgm:txFillClrLst>
+    <dgm:txEffectClrLst/>
+  </dgm:styleLbl>
+  <dgm:styleLbl name="solidBgAcc1">
+    <dgm:fillClrLst meth="repeat">
+      <a:schemeClr val="lt1"/>
+    </dgm:fillClrLst>
+    <dgm:linClrLst>
+      <a:schemeClr val="accent2"/>
+      <a:schemeClr val="accent3"/>
+    </dgm:linClrLst>
+    <dgm:effectClrLst/>
+    <dgm:txLinClrLst/>
+    <dgm:txFillClrLst meth="repeat">
+      <a:schemeClr val="dk1"/>
+    </dgm:txFillClrLst>
+    <dgm:txEffectClrLst/>
+  </dgm:styleLbl>
+  <dgm:styleLbl name="fgAccFollowNode1">
+    <dgm:fillClrLst>
+      <a:schemeClr val="accent2">
+        <a:tint val="40000"/>
+        <a:alpha val="90000"/>
+      </a:schemeClr>
+      <a:schemeClr val="accent3">
+        <a:tint val="40000"/>
+        <a:alpha val="90000"/>
+      </a:schemeClr>
+    </dgm:fillClrLst>
+    <dgm:linClrLst>
+      <a:schemeClr val="accent2">
+        <a:tint val="40000"/>
+        <a:alpha val="90000"/>
+      </a:schemeClr>
+      <a:schemeClr val="accent3">
+        <a:tint val="40000"/>
+        <a:alpha val="90000"/>
+      </a:schemeClr>
+    </dgm:linClrLst>
+    <dgm:effectClrLst/>
+    <dgm:txLinClrLst/>
+    <dgm:txFillClrLst meth="repeat">
+      <a:schemeClr val="dk1"/>
+    </dgm:txFillClrLst>
+    <dgm:txEffectClrLst/>
+  </dgm:styleLbl>
+  <dgm:styleLbl name="alignAccFollowNode1">
+    <dgm:fillClrLst>
+      <a:schemeClr val="accent2">
+        <a:tint val="40000"/>
+        <a:alpha val="90000"/>
+      </a:schemeClr>
+      <a:schemeClr val="accent3">
+        <a:tint val="40000"/>
+        <a:alpha val="90000"/>
+      </a:schemeClr>
+    </dgm:fillClrLst>
+    <dgm:linClrLst>
+      <a:schemeClr val="accent2">
+        <a:tint val="40000"/>
+        <a:alpha val="90000"/>
+      </a:schemeClr>
+      <a:schemeClr val="accent3">
+        <a:tint val="40000"/>
+        <a:alpha val="90000"/>
+      </a:schemeClr>
+    </dgm:linClrLst>
+    <dgm:effectClrLst/>
+    <dgm:txLinClrLst/>
+    <dgm:txFillClrLst meth="repeat">
+      <a:schemeClr val="dk1"/>
+    </dgm:txFillClrLst>
+    <dgm:txEffectClrLst/>
+  </dgm:styleLbl>
+  <dgm:styleLbl name="bgAccFollowNode1">
+    <dgm:fillClrLst>
+      <a:schemeClr val="accent2">
+        <a:tint val="40000"/>
+        <a:alpha val="90000"/>
+      </a:schemeClr>
+      <a:schemeClr val="accent3">
+        <a:tint val="40000"/>
+        <a:alpha val="90000"/>
+      </a:schemeClr>
+    </dgm:fillClrLst>
+    <dgm:linClrLst>
+      <a:schemeClr val="accent2">
+        <a:tint val="40000"/>
+        <a:alpha val="90000"/>
+      </a:schemeClr>
+      <a:schemeClr val="accent3">
+        <a:tint val="40000"/>
+        <a:alpha val="90000"/>
+      </a:schemeClr>
+    </dgm:linClrLst>
+    <dgm:effectClrLst/>
+    <dgm:txLinClrLst/>
+    <dgm:txFillClrLst meth="repeat">
+      <a:schemeClr val="dk1"/>
+    </dgm:txFillClrLst>
+    <dgm:txEffectClrLst/>
+  </dgm:styleLbl>
+  <dgm:styleLbl name="fgAcc0">
+    <dgm:fillClrLst meth="repeat">
+      <a:schemeClr val="lt1">
+        <a:alpha val="90000"/>
+      </a:schemeClr>
+    </dgm:fillClrLst>
+    <dgm:linClrLst>
+      <a:schemeClr val="accent1"/>
+    </dgm:linClrLst>
+    <dgm:effectClrLst/>
+    <dgm:txLinClrLst/>
+    <dgm:txFillClrLst meth="repeat">
+      <a:schemeClr val="dk1"/>
+    </dgm:txFillClrLst>
+    <dgm:txEffectClrLst/>
+  </dgm:styleLbl>
+  <dgm:styleLbl name="fgAcc2">
+    <dgm:fillClrLst meth="repeat">
+      <a:schemeClr val="lt1">
+        <a:alpha val="90000"/>
+      </a:schemeClr>
+    </dgm:fillClrLst>
+    <dgm:linClrLst>
+      <a:schemeClr val="accent3"/>
+    </dgm:linClrLst>
+    <dgm:effectClrLst/>
+    <dgm:txLinClrLst/>
+    <dgm:txFillClrLst meth="repeat">
+      <a:schemeClr val="dk1"/>
+    </dgm:txFillClrLst>
+    <dgm:txEffectClrLst/>
+  </dgm:styleLbl>
+  <dgm:styleLbl name="fgAcc3">
+    <dgm:fillClrLst meth="repeat">
+      <a:schemeClr val="lt1">
+        <a:alpha val="90000"/>
+      </a:schemeClr>
+    </dgm:fillClrLst>
+    <dgm:linClrLst>
+      <a:schemeClr val="accent4"/>
+    </dgm:linClrLst>
+    <dgm:effectClrLst/>
+    <dgm:txLinClrLst/>
+    <dgm:txFillClrLst meth="repeat">
+      <a:schemeClr val="dk1"/>
+    </dgm:txFillClrLst>
+    <dgm:txEffectClrLst/>
+  </dgm:styleLbl>
+  <dgm:styleLbl name="fgAcc4">
+    <dgm:fillClrLst meth="repeat">
+      <a:schemeClr val="lt1">
+        <a:alpha val="90000"/>
+      </a:schemeClr>
+    </dgm:fillClrLst>
+    <dgm:linClrLst>
+      <a:schemeClr val="accent5"/>
+    </dgm:linClrLst>
+    <dgm:effectClrLst/>
+    <dgm:txLinClrLst/>
+    <dgm:txFillClrLst meth="repeat">
+      <a:schemeClr val="dk1"/>
+    </dgm:txFillClrLst>
+    <dgm:txEffectClrLst/>
+  </dgm:styleLbl>
+  <dgm:styleLbl name="bgShp">
+    <dgm:fillClrLst meth="repeat">
+      <a:schemeClr val="accent2">
+        <a:tint val="40000"/>
+      </a:schemeClr>
+    </dgm:fillClrLst>
+    <dgm:linClrLst meth="repeat">
+      <a:schemeClr val="dk1"/>
+    </dgm:linClrLst>
+    <dgm:effectClrLst/>
+    <dgm:txLinClrLst/>
+    <dgm:txFillClrLst meth="repeat">
+      <a:schemeClr val="dk1"/>
+    </dgm:txFillClrLst>
+    <dgm:txEffectClrLst/>
+  </dgm:styleLbl>
+  <dgm:styleLbl name="dkBgShp">
+    <dgm:fillClrLst meth="repeat">
+      <a:schemeClr val="accent2">
+        <a:shade val="90000"/>
+      </a:schemeClr>
+    </dgm:fillClrLst>
+    <dgm:linClrLst meth="repeat">
+      <a:schemeClr val="dk1"/>
+    </dgm:linClrLst>
+    <dgm:effectClrLst/>
+    <dgm:txLinClrLst/>
+    <dgm:txFillClrLst meth="repeat">
+      <a:schemeClr val="lt1"/>
+    </dgm:txFillClrLst>
+    <dgm:txEffectClrLst/>
+  </dgm:styleLbl>
+  <dgm:styleLbl name="trBgShp">
+    <dgm:fillClrLst meth="repeat">
+      <a:schemeClr val="accent2">
+        <a:tint val="50000"/>
+        <a:alpha val="40000"/>
+      </a:schemeClr>
+    </dgm:fillClrLst>
+    <dgm:linClrLst meth="repeat">
+      <a:schemeClr val="accent2"/>
+    </dgm:linClrLst>
+    <dgm:effectClrLst/>
+    <dgm:txLinClrLst/>
+    <dgm:txFillClrLst meth="repeat">
+      <a:schemeClr val="lt1"/>
+    </dgm:txFillClrLst>
+    <dgm:txEffectClrLst/>
+  </dgm:styleLbl>
+  <dgm:styleLbl name="fgShp">
+    <dgm:fillClrLst meth="repeat">
+      <a:schemeClr val="accent2">
+        <a:tint val="40000"/>
+      </a:schemeClr>
+    </dgm:fillClrLst>
+    <dgm:linClrLst meth="repeat">
+      <a:schemeClr val="lt1"/>
+    </dgm:linClrLst>
+    <dgm:effectClrLst/>
+    <dgm:txLinClrLst/>
+    <dgm:txFillClrLst meth="repeat">
+      <a:schemeClr val="dk1"/>
+    </dgm:txFillClrLst>
+    <dgm:txEffectClrLst/>
+  </dgm:styleLbl>
+  <dgm:styleLbl name="revTx">
+    <dgm:fillClrLst meth="repeat">
+      <a:schemeClr val="lt1">
+        <a:alpha val="0"/>
+      </a:schemeClr>
+    </dgm:fillClrLst>
+    <dgm:linClrLst meth="repeat">
+      <a:schemeClr val="dk1">
+        <a:alpha val="0"/>
+      </a:schemeClr>
+    </dgm:linClrLst>
+    <dgm:effectClrLst/>
+    <dgm:txLinClrLst/>
+    <dgm:txFillClrLst meth="repeat">
+      <a:schemeClr val="tx1"/>
+    </dgm:txFillClrLst>
+    <dgm:txEffectClrLst/>
+  </dgm:styleLbl>
+</dgm:colorsDef>
+</file>
+
+<file path=ppt/diagrams/data1.xml><?xml version="1.0" encoding="utf-8"?>
+<dgm:dataModel xmlns:dgm="http://schemas.openxmlformats.org/drawingml/2006/diagram" xmlns:a="http://schemas.openxmlformats.org/drawingml/2006/main">
+  <dgm:ptLst>
+    <dgm:pt modelId="{270CF0CD-E397-4239-B1E6-08AA92797ABE}" type="doc">
+      <dgm:prSet loTypeId="urn:microsoft.com/office/officeart/2005/8/layout/hierarchy3" loCatId="hierarchy" qsTypeId="urn:microsoft.com/office/officeart/2005/8/quickstyle/simple1" qsCatId="simple" csTypeId="urn:microsoft.com/office/officeart/2005/8/colors/colorful2" csCatId="colorful"/>
+      <dgm:spPr/>
+      <dgm:t>
+        <a:bodyPr/>
+        <a:lstStyle/>
+        <a:p>
+          <a:endParaRPr lang="en-US"/>
+        </a:p>
+      </dgm:t>
+    </dgm:pt>
+    <dgm:pt modelId="{61CA73BC-1B80-44DC-B584-D1F34DB253BD}">
+      <dgm:prSet/>
+      <dgm:spPr/>
+      <dgm:t>
+        <a:bodyPr/>
+        <a:lstStyle/>
+        <a:p>
+          <a:r>
+            <a:rPr lang="da-DK"/>
+            <a:t>YourLocal API</a:t>
+          </a:r>
+          <a:endParaRPr lang="en-US"/>
+        </a:p>
+      </dgm:t>
+    </dgm:pt>
+    <dgm:pt modelId="{FB3D65F7-2512-4201-8033-03A23C17CAEC}" type="parTrans" cxnId="{4A4DA0EC-22F1-48E6-938D-513B53FC1CC8}">
+      <dgm:prSet/>
+      <dgm:spPr/>
+      <dgm:t>
+        <a:bodyPr/>
+        <a:lstStyle/>
+        <a:p>
+          <a:endParaRPr lang="en-US"/>
+        </a:p>
+      </dgm:t>
+    </dgm:pt>
+    <dgm:pt modelId="{20A0FF23-FEBE-4B75-9F21-A283D12192ED}" type="sibTrans" cxnId="{4A4DA0EC-22F1-48E6-938D-513B53FC1CC8}">
+      <dgm:prSet/>
+      <dgm:spPr/>
+      <dgm:t>
+        <a:bodyPr/>
+        <a:lstStyle/>
+        <a:p>
+          <a:endParaRPr lang="en-US"/>
+        </a:p>
+      </dgm:t>
+    </dgm:pt>
+    <dgm:pt modelId="{FC130FC3-1AD0-4B98-98F2-534136D44C48}">
+      <dgm:prSet/>
+      <dgm:spPr/>
+      <dgm:t>
+        <a:bodyPr/>
+        <a:lstStyle/>
+        <a:p>
+          <a:r>
+            <a:rPr lang="da-DK"/>
+            <a:t>TheNext API</a:t>
+          </a:r>
+          <a:endParaRPr lang="en-US"/>
+        </a:p>
+      </dgm:t>
+    </dgm:pt>
+    <dgm:pt modelId="{66A732E5-125D-413B-BE25-F37C2A6ACB58}" type="parTrans" cxnId="{934FD446-380C-419B-9840-421A9E97C795}">
+      <dgm:prSet/>
+      <dgm:spPr/>
+      <dgm:t>
+        <a:bodyPr/>
+        <a:lstStyle/>
+        <a:p>
+          <a:endParaRPr lang="en-US"/>
+        </a:p>
+      </dgm:t>
+    </dgm:pt>
+    <dgm:pt modelId="{417D9344-2B76-473B-AC98-5BE52ED6CF02}" type="sibTrans" cxnId="{934FD446-380C-419B-9840-421A9E97C795}">
+      <dgm:prSet/>
+      <dgm:spPr/>
+      <dgm:t>
+        <a:bodyPr/>
+        <a:lstStyle/>
+        <a:p>
+          <a:endParaRPr lang="en-US"/>
+        </a:p>
+      </dgm:t>
+    </dgm:pt>
+    <dgm:pt modelId="{47E9B2E0-92EB-422E-B8AA-08D90FCA41E0}">
+      <dgm:prSet/>
+      <dgm:spPr/>
+      <dgm:t>
+        <a:bodyPr/>
+        <a:lstStyle/>
+        <a:p>
+          <a:r>
+            <a:rPr lang="da-DK"/>
+            <a:t>Geolokation</a:t>
+          </a:r>
+          <a:endParaRPr lang="en-US"/>
+        </a:p>
+      </dgm:t>
+    </dgm:pt>
+    <dgm:pt modelId="{3BE7025C-4827-4C74-8FDA-07279B19A64C}" type="parTrans" cxnId="{331A1B75-0D63-4831-9F2B-BCDEA3D755F1}">
+      <dgm:prSet/>
+      <dgm:spPr/>
+      <dgm:t>
+        <a:bodyPr/>
+        <a:lstStyle/>
+        <a:p>
+          <a:endParaRPr lang="en-US"/>
+        </a:p>
+      </dgm:t>
+    </dgm:pt>
+    <dgm:pt modelId="{A0C4FDFF-5B09-4A81-8B71-BCF5C1E836B1}" type="sibTrans" cxnId="{331A1B75-0D63-4831-9F2B-BCDEA3D755F1}">
+      <dgm:prSet/>
+      <dgm:spPr/>
+      <dgm:t>
+        <a:bodyPr/>
+        <a:lstStyle/>
+        <a:p>
+          <a:endParaRPr lang="en-US"/>
+        </a:p>
+      </dgm:t>
+    </dgm:pt>
+    <dgm:pt modelId="{14DCC602-8CCF-4A03-83DF-29DF66D1C115}">
+      <dgm:prSet/>
+      <dgm:spPr/>
+      <dgm:t>
+        <a:bodyPr/>
+        <a:lstStyle/>
+        <a:p>
+          <a:r>
+            <a:rPr lang="da-DK"/>
+            <a:t>Misforståelse</a:t>
+          </a:r>
+          <a:endParaRPr lang="en-US"/>
+        </a:p>
+      </dgm:t>
+    </dgm:pt>
+    <dgm:pt modelId="{2E82CAD0-D3FE-4179-BAA1-9E3347482F43}" type="parTrans" cxnId="{93DF9946-1F9B-4AED-B2AB-D98D698EF499}">
+      <dgm:prSet/>
+      <dgm:spPr/>
+      <dgm:t>
+        <a:bodyPr/>
+        <a:lstStyle/>
+        <a:p>
+          <a:endParaRPr lang="en-US"/>
+        </a:p>
+      </dgm:t>
+    </dgm:pt>
+    <dgm:pt modelId="{89643F8A-8B90-4620-9E61-E0EE719CF0F1}" type="sibTrans" cxnId="{93DF9946-1F9B-4AED-B2AB-D98D698EF499}">
+      <dgm:prSet/>
+      <dgm:spPr/>
+      <dgm:t>
+        <a:bodyPr/>
+        <a:lstStyle/>
+        <a:p>
+          <a:endParaRPr lang="en-US"/>
+        </a:p>
+      </dgm:t>
+    </dgm:pt>
+    <dgm:pt modelId="{7E265D95-B496-43F4-87BF-E3C2F9D073C6}" type="pres">
+      <dgm:prSet presAssocID="{270CF0CD-E397-4239-B1E6-08AA92797ABE}" presName="diagram" presStyleCnt="0">
+        <dgm:presLayoutVars>
+          <dgm:chPref val="1"/>
+          <dgm:dir/>
+          <dgm:animOne val="branch"/>
+          <dgm:animLvl val="lvl"/>
+          <dgm:resizeHandles/>
+        </dgm:presLayoutVars>
+      </dgm:prSet>
+      <dgm:spPr/>
+    </dgm:pt>
+    <dgm:pt modelId="{4F581313-BAEB-4C29-B0EA-FFF821A70BE8}" type="pres">
+      <dgm:prSet presAssocID="{61CA73BC-1B80-44DC-B584-D1F34DB253BD}" presName="root" presStyleCnt="0"/>
+      <dgm:spPr/>
+    </dgm:pt>
+    <dgm:pt modelId="{F1F124B8-10E5-4DD6-A226-38B8E832BFF0}" type="pres">
+      <dgm:prSet presAssocID="{61CA73BC-1B80-44DC-B584-D1F34DB253BD}" presName="rootComposite" presStyleCnt="0"/>
+      <dgm:spPr/>
+    </dgm:pt>
+    <dgm:pt modelId="{C7FF03DB-D6B0-4795-9360-04D4FB05E7E0}" type="pres">
+      <dgm:prSet presAssocID="{61CA73BC-1B80-44DC-B584-D1F34DB253BD}" presName="rootText" presStyleLbl="node1" presStyleIdx="0" presStyleCnt="4"/>
+      <dgm:spPr/>
+    </dgm:pt>
+    <dgm:pt modelId="{F1F07B16-6905-4E2B-95DD-D6C4A850E4A7}" type="pres">
+      <dgm:prSet presAssocID="{61CA73BC-1B80-44DC-B584-D1F34DB253BD}" presName="rootConnector" presStyleLbl="node1" presStyleIdx="0" presStyleCnt="4"/>
+      <dgm:spPr/>
+    </dgm:pt>
+    <dgm:pt modelId="{806F0361-843F-408A-8C06-A812212EA5CC}" type="pres">
+      <dgm:prSet presAssocID="{61CA73BC-1B80-44DC-B584-D1F34DB253BD}" presName="childShape" presStyleCnt="0"/>
+      <dgm:spPr/>
+    </dgm:pt>
+    <dgm:pt modelId="{90BFE7E1-D0F2-44D7-A255-31AED003D39E}" type="pres">
+      <dgm:prSet presAssocID="{FC130FC3-1AD0-4B98-98F2-534136D44C48}" presName="root" presStyleCnt="0"/>
+      <dgm:spPr/>
+    </dgm:pt>
+    <dgm:pt modelId="{1DE9C85B-7785-4861-BD06-8BEC140D0507}" type="pres">
+      <dgm:prSet presAssocID="{FC130FC3-1AD0-4B98-98F2-534136D44C48}" presName="rootComposite" presStyleCnt="0"/>
+      <dgm:spPr/>
+    </dgm:pt>
+    <dgm:pt modelId="{F16C44AC-6514-491C-9DF5-B1C3200B3419}" type="pres">
+      <dgm:prSet presAssocID="{FC130FC3-1AD0-4B98-98F2-534136D44C48}" presName="rootText" presStyleLbl="node1" presStyleIdx="1" presStyleCnt="4"/>
+      <dgm:spPr/>
+    </dgm:pt>
+    <dgm:pt modelId="{DEE8A56A-EC43-4D4C-9C65-BC5507FD89B3}" type="pres">
+      <dgm:prSet presAssocID="{FC130FC3-1AD0-4B98-98F2-534136D44C48}" presName="rootConnector" presStyleLbl="node1" presStyleIdx="1" presStyleCnt="4"/>
+      <dgm:spPr/>
+    </dgm:pt>
+    <dgm:pt modelId="{563B0461-4137-452E-94E9-1536638EE81E}" type="pres">
+      <dgm:prSet presAssocID="{FC130FC3-1AD0-4B98-98F2-534136D44C48}" presName="childShape" presStyleCnt="0"/>
+      <dgm:spPr/>
+    </dgm:pt>
+    <dgm:pt modelId="{1D8DDD27-245B-4013-B2D3-65B092FF1DD8}" type="pres">
+      <dgm:prSet presAssocID="{47E9B2E0-92EB-422E-B8AA-08D90FCA41E0}" presName="root" presStyleCnt="0"/>
+      <dgm:spPr/>
+    </dgm:pt>
+    <dgm:pt modelId="{E5459BEB-887A-48D4-A2A4-405454F463C5}" type="pres">
+      <dgm:prSet presAssocID="{47E9B2E0-92EB-422E-B8AA-08D90FCA41E0}" presName="rootComposite" presStyleCnt="0"/>
+      <dgm:spPr/>
+    </dgm:pt>
+    <dgm:pt modelId="{6A3B1260-9790-483B-88B4-C3B94A56B45D}" type="pres">
+      <dgm:prSet presAssocID="{47E9B2E0-92EB-422E-B8AA-08D90FCA41E0}" presName="rootText" presStyleLbl="node1" presStyleIdx="2" presStyleCnt="4"/>
+      <dgm:spPr/>
+    </dgm:pt>
+    <dgm:pt modelId="{109AE558-1924-4F9A-B05D-50E5DE07A11A}" type="pres">
+      <dgm:prSet presAssocID="{47E9B2E0-92EB-422E-B8AA-08D90FCA41E0}" presName="rootConnector" presStyleLbl="node1" presStyleIdx="2" presStyleCnt="4"/>
+      <dgm:spPr/>
+    </dgm:pt>
+    <dgm:pt modelId="{83A84B02-F903-4E94-B942-830966A8CE34}" type="pres">
+      <dgm:prSet presAssocID="{47E9B2E0-92EB-422E-B8AA-08D90FCA41E0}" presName="childShape" presStyleCnt="0"/>
+      <dgm:spPr/>
+    </dgm:pt>
+    <dgm:pt modelId="{FF0D537F-E005-4C8A-A07C-E4E14815FEA9}" type="pres">
+      <dgm:prSet presAssocID="{14DCC602-8CCF-4A03-83DF-29DF66D1C115}" presName="root" presStyleCnt="0"/>
+      <dgm:spPr/>
+    </dgm:pt>
+    <dgm:pt modelId="{037F39C1-E09D-455E-B693-07CDF6927061}" type="pres">
+      <dgm:prSet presAssocID="{14DCC602-8CCF-4A03-83DF-29DF66D1C115}" presName="rootComposite" presStyleCnt="0"/>
+      <dgm:spPr/>
+    </dgm:pt>
+    <dgm:pt modelId="{3F30E104-4583-499F-9D43-74C7948411BB}" type="pres">
+      <dgm:prSet presAssocID="{14DCC602-8CCF-4A03-83DF-29DF66D1C115}" presName="rootText" presStyleLbl="node1" presStyleIdx="3" presStyleCnt="4"/>
+      <dgm:spPr/>
+    </dgm:pt>
+    <dgm:pt modelId="{378886B9-5D84-4B48-AF26-2DF4F5736FE6}" type="pres">
+      <dgm:prSet presAssocID="{14DCC602-8CCF-4A03-83DF-29DF66D1C115}" presName="rootConnector" presStyleLbl="node1" presStyleIdx="3" presStyleCnt="4"/>
+      <dgm:spPr/>
+    </dgm:pt>
+    <dgm:pt modelId="{FC9AF1F4-AAD4-4C9B-BA3A-7EBA4E396D10}" type="pres">
+      <dgm:prSet presAssocID="{14DCC602-8CCF-4A03-83DF-29DF66D1C115}" presName="childShape" presStyleCnt="0"/>
+      <dgm:spPr/>
+    </dgm:pt>
+  </dgm:ptLst>
+  <dgm:cxnLst>
+    <dgm:cxn modelId="{2835A40F-C5FC-4D1D-8C47-E87C8A5E85B3}" type="presOf" srcId="{FC130FC3-1AD0-4B98-98F2-534136D44C48}" destId="{F16C44AC-6514-491C-9DF5-B1C3200B3419}" srcOrd="0" destOrd="0" presId="urn:microsoft.com/office/officeart/2005/8/layout/hierarchy3"/>
+    <dgm:cxn modelId="{B0072D28-6390-4BD4-B01D-8FB622CA27A4}" type="presOf" srcId="{14DCC602-8CCF-4A03-83DF-29DF66D1C115}" destId="{3F30E104-4583-499F-9D43-74C7948411BB}" srcOrd="0" destOrd="0" presId="urn:microsoft.com/office/officeart/2005/8/layout/hierarchy3"/>
+    <dgm:cxn modelId="{A009872F-6BF2-4518-9964-8D05AB77AE71}" type="presOf" srcId="{61CA73BC-1B80-44DC-B584-D1F34DB253BD}" destId="{F1F07B16-6905-4E2B-95DD-D6C4A850E4A7}" srcOrd="1" destOrd="0" presId="urn:microsoft.com/office/officeart/2005/8/layout/hierarchy3"/>
+    <dgm:cxn modelId="{93DF9946-1F9B-4AED-B2AB-D98D698EF499}" srcId="{270CF0CD-E397-4239-B1E6-08AA92797ABE}" destId="{14DCC602-8CCF-4A03-83DF-29DF66D1C115}" srcOrd="3" destOrd="0" parTransId="{2E82CAD0-D3FE-4179-BAA1-9E3347482F43}" sibTransId="{89643F8A-8B90-4620-9E61-E0EE719CF0F1}"/>
+    <dgm:cxn modelId="{934FD446-380C-419B-9840-421A9E97C795}" srcId="{270CF0CD-E397-4239-B1E6-08AA92797ABE}" destId="{FC130FC3-1AD0-4B98-98F2-534136D44C48}" srcOrd="1" destOrd="0" parTransId="{66A732E5-125D-413B-BE25-F37C2A6ACB58}" sibTransId="{417D9344-2B76-473B-AC98-5BE52ED6CF02}"/>
+    <dgm:cxn modelId="{331A1B75-0D63-4831-9F2B-BCDEA3D755F1}" srcId="{270CF0CD-E397-4239-B1E6-08AA92797ABE}" destId="{47E9B2E0-92EB-422E-B8AA-08D90FCA41E0}" srcOrd="2" destOrd="0" parTransId="{3BE7025C-4827-4C74-8FDA-07279B19A64C}" sibTransId="{A0C4FDFF-5B09-4A81-8B71-BCF5C1E836B1}"/>
+    <dgm:cxn modelId="{1C0DAA77-B3A9-40C7-9D87-B3D1D0937EA5}" type="presOf" srcId="{14DCC602-8CCF-4A03-83DF-29DF66D1C115}" destId="{378886B9-5D84-4B48-AF26-2DF4F5736FE6}" srcOrd="1" destOrd="0" presId="urn:microsoft.com/office/officeart/2005/8/layout/hierarchy3"/>
+    <dgm:cxn modelId="{8A822E92-ACDD-421D-A60A-7B6AB1AFA0EF}" type="presOf" srcId="{270CF0CD-E397-4239-B1E6-08AA92797ABE}" destId="{7E265D95-B496-43F4-87BF-E3C2F9D073C6}" srcOrd="0" destOrd="0" presId="urn:microsoft.com/office/officeart/2005/8/layout/hierarchy3"/>
+    <dgm:cxn modelId="{C80F3CA9-B8A3-4436-83E4-4B73CEA69764}" type="presOf" srcId="{47E9B2E0-92EB-422E-B8AA-08D90FCA41E0}" destId="{6A3B1260-9790-483B-88B4-C3B94A56B45D}" srcOrd="0" destOrd="0" presId="urn:microsoft.com/office/officeart/2005/8/layout/hierarchy3"/>
+    <dgm:cxn modelId="{37D78AAE-1951-4354-AB16-DD032288B81A}" type="presOf" srcId="{47E9B2E0-92EB-422E-B8AA-08D90FCA41E0}" destId="{109AE558-1924-4F9A-B05D-50E5DE07A11A}" srcOrd="1" destOrd="0" presId="urn:microsoft.com/office/officeart/2005/8/layout/hierarchy3"/>
+    <dgm:cxn modelId="{2587DABE-B695-49BB-AA43-E48F6FE8AC4B}" type="presOf" srcId="{61CA73BC-1B80-44DC-B584-D1F34DB253BD}" destId="{C7FF03DB-D6B0-4795-9360-04D4FB05E7E0}" srcOrd="0" destOrd="0" presId="urn:microsoft.com/office/officeart/2005/8/layout/hierarchy3"/>
+    <dgm:cxn modelId="{4A4DA0EC-22F1-48E6-938D-513B53FC1CC8}" srcId="{270CF0CD-E397-4239-B1E6-08AA92797ABE}" destId="{61CA73BC-1B80-44DC-B584-D1F34DB253BD}" srcOrd="0" destOrd="0" parTransId="{FB3D65F7-2512-4201-8033-03A23C17CAEC}" sibTransId="{20A0FF23-FEBE-4B75-9F21-A283D12192ED}"/>
+    <dgm:cxn modelId="{D9A86AF4-F351-4678-8D2F-9DC64ABD52AD}" type="presOf" srcId="{FC130FC3-1AD0-4B98-98F2-534136D44C48}" destId="{DEE8A56A-EC43-4D4C-9C65-BC5507FD89B3}" srcOrd="1" destOrd="0" presId="urn:microsoft.com/office/officeart/2005/8/layout/hierarchy3"/>
+    <dgm:cxn modelId="{AFCF8AF1-CD14-4FE6-8304-62CB9ACD3652}" type="presParOf" srcId="{7E265D95-B496-43F4-87BF-E3C2F9D073C6}" destId="{4F581313-BAEB-4C29-B0EA-FFF821A70BE8}" srcOrd="0" destOrd="0" presId="urn:microsoft.com/office/officeart/2005/8/layout/hierarchy3"/>
+    <dgm:cxn modelId="{D0EB281A-5E76-47BA-889B-94351AA2084B}" type="presParOf" srcId="{4F581313-BAEB-4C29-B0EA-FFF821A70BE8}" destId="{F1F124B8-10E5-4DD6-A226-38B8E832BFF0}" srcOrd="0" destOrd="0" presId="urn:microsoft.com/office/officeart/2005/8/layout/hierarchy3"/>
+    <dgm:cxn modelId="{EB75F2C1-78B0-4662-885C-CEBF6D8D6519}" type="presParOf" srcId="{F1F124B8-10E5-4DD6-A226-38B8E832BFF0}" destId="{C7FF03DB-D6B0-4795-9360-04D4FB05E7E0}" srcOrd="0" destOrd="0" presId="urn:microsoft.com/office/officeart/2005/8/layout/hierarchy3"/>
+    <dgm:cxn modelId="{E1F01D46-49E9-4123-A652-2218102D88FE}" type="presParOf" srcId="{F1F124B8-10E5-4DD6-A226-38B8E832BFF0}" destId="{F1F07B16-6905-4E2B-95DD-D6C4A850E4A7}" srcOrd="1" destOrd="0" presId="urn:microsoft.com/office/officeart/2005/8/layout/hierarchy3"/>
+    <dgm:cxn modelId="{9B4F91C6-8562-42B7-823E-1412EB17BACB}" type="presParOf" srcId="{4F581313-BAEB-4C29-B0EA-FFF821A70BE8}" destId="{806F0361-843F-408A-8C06-A812212EA5CC}" srcOrd="1" destOrd="0" presId="urn:microsoft.com/office/officeart/2005/8/layout/hierarchy3"/>
+    <dgm:cxn modelId="{174A685D-660D-496D-AF8B-5FDB9BB67053}" type="presParOf" srcId="{7E265D95-B496-43F4-87BF-E3C2F9D073C6}" destId="{90BFE7E1-D0F2-44D7-A255-31AED003D39E}" srcOrd="1" destOrd="0" presId="urn:microsoft.com/office/officeart/2005/8/layout/hierarchy3"/>
+    <dgm:cxn modelId="{65A6C5BD-C543-41FD-A157-71AB6F1CBEFA}" type="presParOf" srcId="{90BFE7E1-D0F2-44D7-A255-31AED003D39E}" destId="{1DE9C85B-7785-4861-BD06-8BEC140D0507}" srcOrd="0" destOrd="0" presId="urn:microsoft.com/office/officeart/2005/8/layout/hierarchy3"/>
+    <dgm:cxn modelId="{7734D55F-FC6E-4DB6-B610-FB5BD6836AA9}" type="presParOf" srcId="{1DE9C85B-7785-4861-BD06-8BEC140D0507}" destId="{F16C44AC-6514-491C-9DF5-B1C3200B3419}" srcOrd="0" destOrd="0" presId="urn:microsoft.com/office/officeart/2005/8/layout/hierarchy3"/>
+    <dgm:cxn modelId="{B34F2D3A-C6B1-4E64-BFB8-75AB95894484}" type="presParOf" srcId="{1DE9C85B-7785-4861-BD06-8BEC140D0507}" destId="{DEE8A56A-EC43-4D4C-9C65-BC5507FD89B3}" srcOrd="1" destOrd="0" presId="urn:microsoft.com/office/officeart/2005/8/layout/hierarchy3"/>
+    <dgm:cxn modelId="{89D67E25-79C7-4D92-990A-7DDEF9405C59}" type="presParOf" srcId="{90BFE7E1-D0F2-44D7-A255-31AED003D39E}" destId="{563B0461-4137-452E-94E9-1536638EE81E}" srcOrd="1" destOrd="0" presId="urn:microsoft.com/office/officeart/2005/8/layout/hierarchy3"/>
+    <dgm:cxn modelId="{BE90B7CE-6B02-44FD-9053-4EED24073558}" type="presParOf" srcId="{7E265D95-B496-43F4-87BF-E3C2F9D073C6}" destId="{1D8DDD27-245B-4013-B2D3-65B092FF1DD8}" srcOrd="2" destOrd="0" presId="urn:microsoft.com/office/officeart/2005/8/layout/hierarchy3"/>
+    <dgm:cxn modelId="{421C8B19-AA80-4B8B-9D13-0E6B976B2CCD}" type="presParOf" srcId="{1D8DDD27-245B-4013-B2D3-65B092FF1DD8}" destId="{E5459BEB-887A-48D4-A2A4-405454F463C5}" srcOrd="0" destOrd="0" presId="urn:microsoft.com/office/officeart/2005/8/layout/hierarchy3"/>
+    <dgm:cxn modelId="{3952D7D7-970C-4EF2-A3A0-37DABFDDD6E7}" type="presParOf" srcId="{E5459BEB-887A-48D4-A2A4-405454F463C5}" destId="{6A3B1260-9790-483B-88B4-C3B94A56B45D}" srcOrd="0" destOrd="0" presId="urn:microsoft.com/office/officeart/2005/8/layout/hierarchy3"/>
+    <dgm:cxn modelId="{3E83B811-7D3A-4275-890A-A55025A27346}" type="presParOf" srcId="{E5459BEB-887A-48D4-A2A4-405454F463C5}" destId="{109AE558-1924-4F9A-B05D-50E5DE07A11A}" srcOrd="1" destOrd="0" presId="urn:microsoft.com/office/officeart/2005/8/layout/hierarchy3"/>
+    <dgm:cxn modelId="{315AB62B-32E1-44B3-92C7-8CFC0E491CB8}" type="presParOf" srcId="{1D8DDD27-245B-4013-B2D3-65B092FF1DD8}" destId="{83A84B02-F903-4E94-B942-830966A8CE34}" srcOrd="1" destOrd="0" presId="urn:microsoft.com/office/officeart/2005/8/layout/hierarchy3"/>
+    <dgm:cxn modelId="{9D3864C1-5982-445F-9D1F-87B069D4FC7D}" type="presParOf" srcId="{7E265D95-B496-43F4-87BF-E3C2F9D073C6}" destId="{FF0D537F-E005-4C8A-A07C-E4E14815FEA9}" srcOrd="3" destOrd="0" presId="urn:microsoft.com/office/officeart/2005/8/layout/hierarchy3"/>
+    <dgm:cxn modelId="{59A0FBDA-00BB-43F6-9A43-13DDA944F09D}" type="presParOf" srcId="{FF0D537F-E005-4C8A-A07C-E4E14815FEA9}" destId="{037F39C1-E09D-455E-B693-07CDF6927061}" srcOrd="0" destOrd="0" presId="urn:microsoft.com/office/officeart/2005/8/layout/hierarchy3"/>
+    <dgm:cxn modelId="{C1F56D08-494B-44ED-86CA-B8B5AE269366}" type="presParOf" srcId="{037F39C1-E09D-455E-B693-07CDF6927061}" destId="{3F30E104-4583-499F-9D43-74C7948411BB}" srcOrd="0" destOrd="0" presId="urn:microsoft.com/office/officeart/2005/8/layout/hierarchy3"/>
+    <dgm:cxn modelId="{5BE8F982-8879-44AC-A2CB-FCC7A9FAACFB}" type="presParOf" srcId="{037F39C1-E09D-455E-B693-07CDF6927061}" destId="{378886B9-5D84-4B48-AF26-2DF4F5736FE6}" srcOrd="1" destOrd="0" presId="urn:microsoft.com/office/officeart/2005/8/layout/hierarchy3"/>
+    <dgm:cxn modelId="{4609D42E-B811-4868-9942-44D5BE5513D3}" type="presParOf" srcId="{FF0D537F-E005-4C8A-A07C-E4E14815FEA9}" destId="{FC9AF1F4-AAD4-4C9B-BA3A-7EBA4E396D10}" srcOrd="1" destOrd="0" presId="urn:microsoft.com/office/officeart/2005/8/layout/hierarchy3"/>
+  </dgm:cxnLst>
+  <dgm:bg/>
+  <dgm:whole/>
+  <dgm:extLst>
+    <a:ext uri="http://schemas.microsoft.com/office/drawing/2008/diagram">
+      <dsp:dataModelExt xmlns:dsp="http://schemas.microsoft.com/office/drawing/2008/diagram" relId="rId6" minVer="http://schemas.openxmlformats.org/drawingml/2006/diagram"/>
+    </a:ext>
+  </dgm:extLst>
+</dgm:dataModel>
+</file>
+
+<file path=ppt/diagrams/drawing1.xml><?xml version="1.0" encoding="utf-8"?>
+<dsp:drawing xmlns:dgm="http://schemas.openxmlformats.org/drawingml/2006/diagram" xmlns:dsp="http://schemas.microsoft.com/office/drawing/2008/diagram" xmlns:a="http://schemas.openxmlformats.org/drawingml/2006/main">
+  <dsp:spTree>
+    <dsp:nvGrpSpPr>
+      <dsp:cNvPr id="0" name=""/>
+      <dsp:cNvGrpSpPr/>
+    </dsp:nvGrpSpPr>
+    <dsp:grpSpPr/>
+    <dsp:sp modelId="{C7FF03DB-D6B0-4795-9360-04D4FB05E7E0}">
+      <dsp:nvSpPr>
+        <dsp:cNvPr id="0" name=""/>
+        <dsp:cNvSpPr/>
+      </dsp:nvSpPr>
+      <dsp:spPr>
+        <a:xfrm>
+          <a:off x="2019" y="1258807"/>
+          <a:ext cx="2321244" cy="1160622"/>
+        </a:xfrm>
+        <a:prstGeom prst="roundRect">
+          <a:avLst>
+            <a:gd name="adj" fmla="val 10000"/>
+          </a:avLst>
+        </a:prstGeom>
+        <a:solidFill>
+          <a:schemeClr val="accent2">
+            <a:hueOff val="0"/>
+            <a:satOff val="0"/>
+            <a:lumOff val="0"/>
+            <a:alphaOff val="0"/>
+          </a:schemeClr>
+        </a:solidFill>
+        <a:ln w="22225" cap="rnd" cmpd="sng" algn="ctr">
+          <a:solidFill>
+            <a:schemeClr val="lt1">
+              <a:hueOff val="0"/>
+              <a:satOff val="0"/>
+              <a:lumOff val="0"/>
+              <a:alphaOff val="0"/>
+            </a:schemeClr>
+          </a:solidFill>
+          <a:prstDash val="solid"/>
+        </a:ln>
+        <a:effectLst/>
+      </dsp:spPr>
+      <dsp:style>
+        <a:lnRef idx="2">
+          <a:scrgbClr r="0" g="0" b="0"/>
+        </a:lnRef>
+        <a:fillRef idx="1">
+          <a:scrgbClr r="0" g="0" b="0"/>
+        </a:fillRef>
+        <a:effectRef idx="0">
+          <a:scrgbClr r="0" g="0" b="0"/>
+        </a:effectRef>
+        <a:fontRef idx="minor">
+          <a:schemeClr val="lt1"/>
+        </a:fontRef>
+      </dsp:style>
+      <dsp:txBody>
+        <a:bodyPr spcFirstLastPara="0" vert="horz" wrap="square" lIns="59055" tIns="39370" rIns="59055" bIns="39370" numCol="1" spcCol="1270" anchor="ctr" anchorCtr="0">
+          <a:noAutofit/>
+        </a:bodyPr>
+        <a:lstStyle/>
+        <a:p>
+          <a:pPr marL="0" lvl="0" indent="0" algn="ctr" defTabSz="1377950">
+            <a:lnSpc>
+              <a:spcPct val="90000"/>
+            </a:lnSpc>
+            <a:spcBef>
+              <a:spcPct val="0"/>
+            </a:spcBef>
+            <a:spcAft>
+              <a:spcPct val="35000"/>
+            </a:spcAft>
+            <a:buNone/>
+          </a:pPr>
+          <a:r>
+            <a:rPr lang="da-DK" sz="3100" kern="1200"/>
+            <a:t>YourLocal API</a:t>
+          </a:r>
+          <a:endParaRPr lang="en-US" sz="3100" kern="1200"/>
+        </a:p>
+      </dsp:txBody>
+      <dsp:txXfrm>
+        <a:off x="36012" y="1292800"/>
+        <a:ext cx="2253258" cy="1092636"/>
+      </dsp:txXfrm>
+    </dsp:sp>
+    <dsp:sp modelId="{F16C44AC-6514-491C-9DF5-B1C3200B3419}">
+      <dsp:nvSpPr>
+        <dsp:cNvPr id="0" name=""/>
+        <dsp:cNvSpPr/>
+      </dsp:nvSpPr>
+      <dsp:spPr>
+        <a:xfrm>
+          <a:off x="2903575" y="1258807"/>
+          <a:ext cx="2321244" cy="1160622"/>
+        </a:xfrm>
+        <a:prstGeom prst="roundRect">
+          <a:avLst>
+            <a:gd name="adj" fmla="val 10000"/>
+          </a:avLst>
+        </a:prstGeom>
+        <a:solidFill>
+          <a:schemeClr val="accent2">
+            <a:hueOff val="-294232"/>
+            <a:satOff val="1406"/>
+            <a:lumOff val="1961"/>
+            <a:alphaOff val="0"/>
+          </a:schemeClr>
+        </a:solidFill>
+        <a:ln w="22225" cap="rnd" cmpd="sng" algn="ctr">
+          <a:solidFill>
+            <a:schemeClr val="lt1">
+              <a:hueOff val="0"/>
+              <a:satOff val="0"/>
+              <a:lumOff val="0"/>
+              <a:alphaOff val="0"/>
+            </a:schemeClr>
+          </a:solidFill>
+          <a:prstDash val="solid"/>
+        </a:ln>
+        <a:effectLst/>
+      </dsp:spPr>
+      <dsp:style>
+        <a:lnRef idx="2">
+          <a:scrgbClr r="0" g="0" b="0"/>
+        </a:lnRef>
+        <a:fillRef idx="1">
+          <a:scrgbClr r="0" g="0" b="0"/>
+        </a:fillRef>
+        <a:effectRef idx="0">
+          <a:scrgbClr r="0" g="0" b="0"/>
+        </a:effectRef>
+        <a:fontRef idx="minor">
+          <a:schemeClr val="lt1"/>
+        </a:fontRef>
+      </dsp:style>
+      <dsp:txBody>
+        <a:bodyPr spcFirstLastPara="0" vert="horz" wrap="square" lIns="59055" tIns="39370" rIns="59055" bIns="39370" numCol="1" spcCol="1270" anchor="ctr" anchorCtr="0">
+          <a:noAutofit/>
+        </a:bodyPr>
+        <a:lstStyle/>
+        <a:p>
+          <a:pPr marL="0" lvl="0" indent="0" algn="ctr" defTabSz="1377950">
+            <a:lnSpc>
+              <a:spcPct val="90000"/>
+            </a:lnSpc>
+            <a:spcBef>
+              <a:spcPct val="0"/>
+            </a:spcBef>
+            <a:spcAft>
+              <a:spcPct val="35000"/>
+            </a:spcAft>
+            <a:buNone/>
+          </a:pPr>
+          <a:r>
+            <a:rPr lang="da-DK" sz="3100" kern="1200"/>
+            <a:t>TheNext API</a:t>
+          </a:r>
+          <a:endParaRPr lang="en-US" sz="3100" kern="1200"/>
+        </a:p>
+      </dsp:txBody>
+      <dsp:txXfrm>
+        <a:off x="2937568" y="1292800"/>
+        <a:ext cx="2253258" cy="1092636"/>
+      </dsp:txXfrm>
+    </dsp:sp>
+    <dsp:sp modelId="{6A3B1260-9790-483B-88B4-C3B94A56B45D}">
+      <dsp:nvSpPr>
+        <dsp:cNvPr id="0" name=""/>
+        <dsp:cNvSpPr/>
+      </dsp:nvSpPr>
+      <dsp:spPr>
+        <a:xfrm>
+          <a:off x="5805130" y="1258807"/>
+          <a:ext cx="2321244" cy="1160622"/>
+        </a:xfrm>
+        <a:prstGeom prst="roundRect">
+          <a:avLst>
+            <a:gd name="adj" fmla="val 10000"/>
+          </a:avLst>
+        </a:prstGeom>
+        <a:solidFill>
+          <a:schemeClr val="accent2">
+            <a:hueOff val="-588464"/>
+            <a:satOff val="2812"/>
+            <a:lumOff val="3922"/>
+            <a:alphaOff val="0"/>
+          </a:schemeClr>
+        </a:solidFill>
+        <a:ln w="22225" cap="rnd" cmpd="sng" algn="ctr">
+          <a:solidFill>
+            <a:schemeClr val="lt1">
+              <a:hueOff val="0"/>
+              <a:satOff val="0"/>
+              <a:lumOff val="0"/>
+              <a:alphaOff val="0"/>
+            </a:schemeClr>
+          </a:solidFill>
+          <a:prstDash val="solid"/>
+        </a:ln>
+        <a:effectLst/>
+      </dsp:spPr>
+      <dsp:style>
+        <a:lnRef idx="2">
+          <a:scrgbClr r="0" g="0" b="0"/>
+        </a:lnRef>
+        <a:fillRef idx="1">
+          <a:scrgbClr r="0" g="0" b="0"/>
+        </a:fillRef>
+        <a:effectRef idx="0">
+          <a:scrgbClr r="0" g="0" b="0"/>
+        </a:effectRef>
+        <a:fontRef idx="minor">
+          <a:schemeClr val="lt1"/>
+        </a:fontRef>
+      </dsp:style>
+      <dsp:txBody>
+        <a:bodyPr spcFirstLastPara="0" vert="horz" wrap="square" lIns="59055" tIns="39370" rIns="59055" bIns="39370" numCol="1" spcCol="1270" anchor="ctr" anchorCtr="0">
+          <a:noAutofit/>
+        </a:bodyPr>
+        <a:lstStyle/>
+        <a:p>
+          <a:pPr marL="0" lvl="0" indent="0" algn="ctr" defTabSz="1377950">
+            <a:lnSpc>
+              <a:spcPct val="90000"/>
+            </a:lnSpc>
+            <a:spcBef>
+              <a:spcPct val="0"/>
+            </a:spcBef>
+            <a:spcAft>
+              <a:spcPct val="35000"/>
+            </a:spcAft>
+            <a:buNone/>
+          </a:pPr>
+          <a:r>
+            <a:rPr lang="da-DK" sz="3100" kern="1200"/>
+            <a:t>Geolokation</a:t>
+          </a:r>
+          <a:endParaRPr lang="en-US" sz="3100" kern="1200"/>
+        </a:p>
+      </dsp:txBody>
+      <dsp:txXfrm>
+        <a:off x="5839123" y="1292800"/>
+        <a:ext cx="2253258" cy="1092636"/>
+      </dsp:txXfrm>
+    </dsp:sp>
+    <dsp:sp modelId="{3F30E104-4583-499F-9D43-74C7948411BB}">
+      <dsp:nvSpPr>
+        <dsp:cNvPr id="0" name=""/>
+        <dsp:cNvSpPr/>
+      </dsp:nvSpPr>
+      <dsp:spPr>
+        <a:xfrm>
+          <a:off x="8706685" y="1258807"/>
+          <a:ext cx="2321244" cy="1160622"/>
+        </a:xfrm>
+        <a:prstGeom prst="roundRect">
+          <a:avLst>
+            <a:gd name="adj" fmla="val 10000"/>
+          </a:avLst>
+        </a:prstGeom>
+        <a:solidFill>
+          <a:schemeClr val="accent2">
+            <a:hueOff val="-882696"/>
+            <a:satOff val="4218"/>
+            <a:lumOff val="5883"/>
+            <a:alphaOff val="0"/>
+          </a:schemeClr>
+        </a:solidFill>
+        <a:ln w="22225" cap="rnd" cmpd="sng" algn="ctr">
+          <a:solidFill>
+            <a:schemeClr val="lt1">
+              <a:hueOff val="0"/>
+              <a:satOff val="0"/>
+              <a:lumOff val="0"/>
+              <a:alphaOff val="0"/>
+            </a:schemeClr>
+          </a:solidFill>
+          <a:prstDash val="solid"/>
+        </a:ln>
+        <a:effectLst/>
+      </dsp:spPr>
+      <dsp:style>
+        <a:lnRef idx="2">
+          <a:scrgbClr r="0" g="0" b="0"/>
+        </a:lnRef>
+        <a:fillRef idx="1">
+          <a:scrgbClr r="0" g="0" b="0"/>
+        </a:fillRef>
+        <a:effectRef idx="0">
+          <a:scrgbClr r="0" g="0" b="0"/>
+        </a:effectRef>
+        <a:fontRef idx="minor">
+          <a:schemeClr val="lt1"/>
+        </a:fontRef>
+      </dsp:style>
+      <dsp:txBody>
+        <a:bodyPr spcFirstLastPara="0" vert="horz" wrap="square" lIns="59055" tIns="39370" rIns="59055" bIns="39370" numCol="1" spcCol="1270" anchor="ctr" anchorCtr="0">
+          <a:noAutofit/>
+        </a:bodyPr>
+        <a:lstStyle/>
+        <a:p>
+          <a:pPr marL="0" lvl="0" indent="0" algn="ctr" defTabSz="1377950">
+            <a:lnSpc>
+              <a:spcPct val="90000"/>
+            </a:lnSpc>
+            <a:spcBef>
+              <a:spcPct val="0"/>
+            </a:spcBef>
+            <a:spcAft>
+              <a:spcPct val="35000"/>
+            </a:spcAft>
+            <a:buNone/>
+          </a:pPr>
+          <a:r>
+            <a:rPr lang="da-DK" sz="3100" kern="1200"/>
+            <a:t>Misforståelse</a:t>
+          </a:r>
+          <a:endParaRPr lang="en-US" sz="3100" kern="1200"/>
+        </a:p>
+      </dsp:txBody>
+      <dsp:txXfrm>
+        <a:off x="8740678" y="1292800"/>
+        <a:ext cx="2253258" cy="1092636"/>
+      </dsp:txXfrm>
+    </dsp:sp>
+  </dsp:spTree>
+</dsp:drawing>
+</file>
+
+<file path=ppt/diagrams/layout1.xml><?xml version="1.0" encoding="utf-8"?>
+<dgm:layoutDef xmlns:dgm="http://schemas.openxmlformats.org/drawingml/2006/diagram" xmlns:a="http://schemas.openxmlformats.org/drawingml/2006/main" uniqueId="urn:microsoft.com/office/officeart/2005/8/layout/hierarchy3">
+  <dgm:title val=""/>
+  <dgm:desc val=""/>
+  <dgm:catLst>
+    <dgm:cat type="hierarchy" pri="7000"/>
+    <dgm:cat type="list" pri="23000"/>
+    <dgm:cat type="relationship" pri="15000"/>
+    <dgm:cat type="convert" pri="7000"/>
+  </dgm:catLst>
+  <dgm:sampData>
+    <dgm:dataModel>
+      <dgm:ptLst>
+        <dgm:pt modelId="0" type="doc"/>
+        <dgm:pt modelId="1">
+          <dgm:prSet phldr="1"/>
+        </dgm:pt>
+        <dgm:pt modelId="11">
+          <dgm:prSet phldr="1"/>
+        </dgm:pt>
+        <dgm:pt modelId="12">
+          <dgm:prSet phldr="1"/>
+        </dgm:pt>
+        <dgm:pt modelId="2">
+          <dgm:prSet phldr="1"/>
+        </dgm:pt>
+        <dgm:pt modelId="21">
+          <dgm:prSet phldr="1"/>
+        </dgm:pt>
+        <dgm:pt modelId="22">
+          <dgm:prSet phldr="1"/>
+        </dgm:pt>
+      </dgm:ptLst>
+      <dgm:cxnLst>
+        <dgm:cxn modelId="4" srcId="0" destId="1" srcOrd="0" destOrd="0"/>
+        <dgm:cxn modelId="5" srcId="1" destId="11" srcOrd="0" destOrd="0"/>
+        <dgm:cxn modelId="6" srcId="1" destId="12" srcOrd="1" destOrd="0"/>
+        <dgm:cxn modelId="7" srcId="0" destId="2" srcOrd="1" destOrd="0"/>
+        <dgm:cxn modelId="8" srcId="2" destId="21" srcOrd="0" destOrd="0"/>
+        <dgm:cxn modelId="9" srcId="2" destId="22" srcOrd="1" destOrd="0"/>
+      </dgm:cxnLst>
+      <dgm:bg/>
+      <dgm:whole/>
+    </dgm:dataModel>
+  </dgm:sampData>
+  <dgm:styleData>
+    <dgm:dataModel>
+      <dgm:ptLst>
+        <dgm:pt modelId="0" type="doc"/>
+        <dgm:pt modelId="1"/>
+        <dgm:pt modelId="11"/>
+        <dgm:pt modelId="2"/>
+        <dgm:pt modelId="21"/>
+      </dgm:ptLst>
+      <dgm:cxnLst>
+        <dgm:cxn modelId="4" srcId="0" destId="1" srcOrd="0" destOrd="0"/>
+        <dgm:cxn modelId="5" srcId="0" destId="2" srcOrd="1" destOrd="0"/>
+        <dgm:cxn modelId="13" srcId="1" destId="11" srcOrd="0" destOrd="0"/>
+        <dgm:cxn modelId="23" srcId="2" destId="21" srcOrd="0" destOrd="0"/>
+      </dgm:cxnLst>
+      <dgm:bg/>
+      <dgm:whole/>
+    </dgm:dataModel>
+  </dgm:styleData>
+  <dgm:clrData>
+    <dgm:dataModel>
+      <dgm:ptLst>
+        <dgm:pt modelId="0" type="doc"/>
+        <dgm:pt modelId="1"/>
+        <dgm:pt modelId="11"/>
+        <dgm:pt modelId="2"/>
+        <dgm:pt modelId="21"/>
+        <dgm:pt modelId="3"/>
+        <dgm:pt modelId="31"/>
+        <dgm:pt modelId="4"/>
+        <dgm:pt modelId="41"/>
+      </dgm:ptLst>
+      <dgm:cxnLst>
+        <dgm:cxn modelId="5" srcId="0" destId="1" srcOrd="0" destOrd="0"/>
+        <dgm:cxn modelId="6" srcId="0" destId="2" srcOrd="1" destOrd="0"/>
+        <dgm:cxn modelId="7" srcId="0" destId="3" srcOrd="2" destOrd="0"/>
+        <dgm:cxn modelId="8" srcId="0" destId="4" srcOrd="3" destOrd="0"/>
+        <dgm:cxn modelId="13" srcId="1" destId="11" srcOrd="0" destOrd="0"/>
+        <dgm:cxn modelId="23" srcId="2" destId="21" srcOrd="0" destOrd="0"/>
+        <dgm:cxn modelId="33" srcId="3" destId="31" srcOrd="0" destOrd="0"/>
+        <dgm:cxn modelId="43" srcId="4" destId="41" srcOrd="0" destOrd="0"/>
+      </dgm:cxnLst>
+      <dgm:bg/>
+      <dgm:whole/>
+    </dgm:dataModel>
+  </dgm:clrData>
+  <dgm:layoutNode name="diagram">
+    <dgm:varLst>
+      <dgm:chPref val="1"/>
+      <dgm:dir/>
+      <dgm:animOne val="branch"/>
+      <dgm:animLvl val="lvl"/>
+      <dgm:resizeHandles/>
+    </dgm:varLst>
+    <dgm:choose name="Name0">
+      <dgm:if name="Name1" func="var" arg="dir" op="equ" val="norm">
+        <dgm:alg type="hierChild">
+          <dgm:param type="linDir" val="fromL"/>
+        </dgm:alg>
+      </dgm:if>
+      <dgm:else name="Name2">
+        <dgm:alg type="hierChild">
+          <dgm:param type="linDir" val="fromR"/>
+        </dgm:alg>
+      </dgm:else>
+    </dgm:choose>
+    <dgm:shape xmlns:r="http://schemas.openxmlformats.org/officeDocument/2006/relationships" r:blip="">
+      <dgm:adjLst/>
+    </dgm:shape>
+    <dgm:presOf/>
+    <dgm:constrLst>
+      <dgm:constr type="primFontSz" for="des" forName="rootText" op="equ" val="65"/>
+      <dgm:constr type="primFontSz" for="des" forName="childText" op="equ" val="65"/>
+      <dgm:constr type="w" for="des" forName="rootComposite" refType="w"/>
+      <dgm:constr type="h" for="des" forName="rootComposite" refType="w" fact="0.5"/>
+      <dgm:constr type="w" for="des" forName="childText" refType="w" refFor="des" refForName="rootComposite" fact="0.8"/>
+      <dgm:constr type="h" for="des" forName="childText" refType="h" refFor="des" refForName="rootComposite"/>
+      <dgm:constr type="sibSp" refType="w" refFor="des" refForName="rootComposite" fact="0.25"/>
+      <dgm:constr type="sibSp" for="des" forName="childShape" refType="h" refFor="des" refForName="childText" fact="0.25"/>
+      <dgm:constr type="sp" for="des" forName="root" refType="h" refFor="des" refForName="childText" fact="0.25"/>
+    </dgm:constrLst>
+    <dgm:ruleLst/>
+    <dgm:forEach name="Name3" axis="ch">
+      <dgm:forEach name="Name4" axis="self" ptType="node" cnt="1">
+        <dgm:layoutNode name="root">
+          <dgm:choose name="Name5">
+            <dgm:if name="Name6" func="var" arg="dir" op="equ" val="norm">
+              <dgm:alg type="hierRoot">
+                <dgm:param type="hierAlign" val="tL"/>
+              </dgm:alg>
+            </dgm:if>
+            <dgm:else name="Name7">
+              <dgm:alg type="hierRoot">
+                <dgm:param type="hierAlign" val="tR"/>
+              </dgm:alg>
+            </dgm:else>
+          </dgm:choose>
+          <dgm:shape xmlns:r="http://schemas.openxmlformats.org/officeDocument/2006/relationships" r:blip="">
+            <dgm:adjLst/>
+          </dgm:shape>
+          <dgm:presOf/>
+          <dgm:constrLst>
+            <dgm:constr type="alignOff" val="0.2"/>
+          </dgm:constrLst>
+          <dgm:ruleLst/>
+          <dgm:layoutNode name="rootComposite">
+            <dgm:alg type="composite"/>
+            <dgm:shape xmlns:r="http://schemas.openxmlformats.org/officeDocument/2006/relationships" r:blip="">
+              <dgm:adjLst/>
+            </dgm:shape>
+            <dgm:presOf axis="self" ptType="node" cnt="1"/>
+            <dgm:choose name="Name8">
+              <dgm:if name="Name9" func="var" arg="dir" op="equ" val="norm">
+                <dgm:constrLst>
+                  <dgm:constr type="l" for="ch" forName="rootText"/>
+                  <dgm:constr type="t" for="ch" forName="rootText"/>
+                  <dgm:constr type="w" for="ch" forName="rootText" refType="w"/>
+                  <dgm:constr type="h" for="ch" forName="rootText" refType="h"/>
+                  <dgm:constr type="l" for="ch" forName="rootConnector"/>
+                  <dgm:constr type="t" for="ch" forName="rootConnector"/>
+                  <dgm:constr type="w" for="ch" forName="rootConnector" refType="w" refFor="ch" refForName="rootText" fact="0.2"/>
+                  <dgm:constr type="h" for="ch" forName="rootConnector" refType="h" refFor="ch" refForName="rootText"/>
+                </dgm:constrLst>
+              </dgm:if>
+              <dgm:else name="Name10">
+                <dgm:constrLst>
+                  <dgm:constr type="l" for="ch" forName="rootText"/>
+                  <dgm:constr type="t" for="ch" forName="rootText"/>
+                  <dgm:constr type="w" for="ch" forName="rootText" refType="w"/>
+                  <dgm:constr type="h" for="ch" forName="rootText" refType="h"/>
+                  <dgm:constr type="r" for="ch" forName="rootConnector" refType="w"/>
+                  <dgm:constr type="t" for="ch" forName="rootConnector"/>
+                  <dgm:constr type="w" for="ch" forName="rootConnector" refType="w" refFor="ch" refForName="rootText" fact="0.2"/>
+                  <dgm:constr type="h" for="ch" forName="rootConnector" refType="h" refFor="ch" refForName="rootText"/>
+                </dgm:constrLst>
+              </dgm:else>
+            </dgm:choose>
+            <dgm:ruleLst/>
+            <dgm:layoutNode name="rootText" styleLbl="node1">
+              <dgm:alg type="tx"/>
+              <dgm:shape xmlns:r="http://schemas.openxmlformats.org/officeDocument/2006/relationships" type="roundRect" r:blip="">
+                <dgm:adjLst>
+                  <dgm:adj idx="1" val="0.1"/>
+                </dgm:adjLst>
+              </dgm:shape>
+              <dgm:presOf axis="self" ptType="node" cnt="1"/>
+              <dgm:constrLst>
+                <dgm:constr type="tMarg" refType="primFontSz" fact="0.1"/>
+                <dgm:constr type="bMarg" refType="primFontSz" fact="0.1"/>
+                <dgm:constr type="lMarg" refType="primFontSz" fact="0.15"/>
+                <dgm:constr type="rMarg" refType="primFontSz" fact="0.15"/>
+              </dgm:constrLst>
+              <dgm:ruleLst>
+                <dgm:rule type="primFontSz" val="5" fact="NaN" max="NaN"/>
+              </dgm:ruleLst>
+            </dgm:layoutNode>
+            <dgm:layoutNode name="rootConnector" moveWith="rootText">
+              <dgm:alg type="sp"/>
+              <dgm:shape xmlns:r="http://schemas.openxmlformats.org/officeDocument/2006/relationships" type="roundRect" r:blip="" hideGeom="1">
+                <dgm:adjLst>
+                  <dgm:adj idx="1" val="0.1"/>
+                </dgm:adjLst>
+              </dgm:shape>
+              <dgm:presOf axis="self" ptType="node" cnt="1"/>
+              <dgm:constrLst/>
+              <dgm:ruleLst/>
+            </dgm:layoutNode>
+          </dgm:layoutNode>
+          <dgm:layoutNode name="childShape">
+            <dgm:alg type="hierChild">
+              <dgm:param type="chAlign" val="l"/>
+              <dgm:param type="linDir" val="fromT"/>
+            </dgm:alg>
+            <dgm:shape xmlns:r="http://schemas.openxmlformats.org/officeDocument/2006/relationships" r:blip="">
+              <dgm:adjLst/>
+            </dgm:shape>
+            <dgm:presOf/>
+            <dgm:constrLst/>
+            <dgm:ruleLst/>
+            <dgm:forEach name="Name11" axis="ch">
+              <dgm:forEach name="Name12" axis="self" ptType="parTrans" cnt="1">
+                <dgm:layoutNode name="Name13">
+                  <dgm:choose name="Name14">
+                    <dgm:if name="Name15" func="var" arg="dir" op="equ" val="norm">
+                      <dgm:alg type="conn">
+                        <dgm:param type="dim" val="1D"/>
+                        <dgm:param type="endSty" val="noArr"/>
+                        <dgm:param type="connRout" val="bend"/>
+                        <dgm:param type="srcNode" val="rootConnector"/>
+                        <dgm:param type="begPts" val="bCtr"/>
+                        <dgm:param type="endPts" val="midL"/>
+                      </dgm:alg>
+                    </dgm:if>
+                    <dgm:else name="Name16">
+                      <dgm:alg type="conn">
+                        <dgm:param type="dim" val="1D"/>
+                        <dgm:param type="endSty" val="noArr"/>
+                        <dgm:param type="connRout" val="bend"/>
+                        <dgm:param type="srcNode" val="rootConnector"/>
+                        <dgm:param type="begPts" val="bCtr"/>
+                        <dgm:param type="endPts" val="midR"/>
+                      </dgm:alg>
+                    </dgm:else>
+                  </dgm:choose>
+                  <dgm:shape xmlns:r="http://schemas.openxmlformats.org/officeDocument/2006/relationships" type="conn" r:blip="">
+                    <dgm:adjLst/>
+                  </dgm:shape>
+                  <dgm:presOf axis="self"/>
+                  <dgm:constrLst>
+                    <dgm:constr type="begPad"/>
+                    <dgm:constr type="endPad"/>
+                  </dgm:constrLst>
+                  <dgm:ruleLst/>
+                </dgm:layoutNode>
+              </dgm:forEach>
+              <dgm:forEach name="Name17" axis="self" ptType="node">
+                <dgm:layoutNode name="childText" styleLbl="bgAcc1">
+                  <dgm:varLst>
+                    <dgm:bulletEnabled val="1"/>
+                  </dgm:varLst>
+                  <dgm:alg type="tx"/>
+                  <dgm:shape xmlns:r="http://schemas.openxmlformats.org/officeDocument/2006/relationships" type="roundRect" r:blip="">
+                    <dgm:adjLst>
+                      <dgm:adj idx="1" val="0.1"/>
+                    </dgm:adjLst>
+                  </dgm:shape>
+                  <dgm:presOf axis="self desOrSelf" ptType="node node" st="1 1" cnt="1 0"/>
+                  <dgm:constrLst>
+                    <dgm:constr type="tMarg" refType="primFontSz" fact="0.1"/>
+                    <dgm:constr type="bMarg" refType="primFontSz" fact="0.1"/>
+                    <dgm:constr type="lMarg" refType="primFontSz" fact="0.15"/>
+                    <dgm:constr type="rMarg" refType="primFontSz" fact="0.15"/>
+                  </dgm:constrLst>
+                  <dgm:ruleLst>
+                    <dgm:rule type="primFontSz" val="5" fact="NaN" max="NaN"/>
+                  </dgm:ruleLst>
+                </dgm:layoutNode>
+              </dgm:forEach>
+            </dgm:forEach>
+          </dgm:layoutNode>
+        </dgm:layoutNode>
+      </dgm:forEach>
+    </dgm:forEach>
+  </dgm:layoutNode>
+</dgm:layoutDef>
+</file>
+
+<file path=ppt/diagrams/quickStyle1.xml><?xml version="1.0" encoding="utf-8"?>
+<dgm:styleDef xmlns:dgm="http://schemas.openxmlformats.org/drawingml/2006/diagram" xmlns:a="http://schemas.openxmlformats.org/drawingml/2006/main" uniqueId="urn:microsoft.com/office/officeart/2005/8/quickstyle/simple1">
+  <dgm:title val=""/>
+  <dgm:desc val=""/>
+  <dgm:catLst>
+    <dgm:cat type="simple" pri="10100"/>
+  </dgm:catLst>
+  <dgm:scene3d>
+    <a:camera prst="orthographicFront"/>
+    <a:lightRig rig="threePt" dir="t"/>
+  </dgm:scene3d>
+  <dgm:styleLbl name="node0">
+    <dgm:scene3d>
+      <a:camera prst="orthographicFront"/>
+      <a:lightRig rig="threePt" dir="t"/>
+    </dgm:scene3d>
+    <dgm:sp3d/>
+    <dgm:txPr/>
+    <dgm:style>
+      <a:lnRef idx="2">
+        <a:scrgbClr r="0" g="0" b="0"/>
+      </a:lnRef>
+      <a:fillRef idx="1">
+        <a:scrgbClr r="0" g="0" b="0"/>
+      </a:fillRef>
+      <a:effectRef idx="0">
+        <a:scrgbClr r="0" g="0" b="0"/>
+      </a:effectRef>
+      <a:fontRef idx="minor">
+        <a:schemeClr val="lt1"/>
+      </a:fontRef>
+    </dgm:style>
+  </dgm:styleLbl>
+  <dgm:styleLbl name="lnNode1">
+    <dgm:scene3d>
+      <a:camera prst="orthographicFront"/>
+      <a:lightRig rig="threePt" dir="t"/>
+    </dgm:scene3d>
+    <dgm:sp3d/>
+    <dgm:txPr/>
+    <dgm:style>
+      <a:lnRef idx="2">
+        <a:scrgbClr r="0" g="0" b="0"/>
+      </a:lnRef>
+      <a:fillRef idx="1">
+        <a:scrgbClr r="0" g="0" b="0"/>
+      </a:fillRef>
+      <a:effectRef idx="0">
+        <a:scrgbClr r="0" g="0" b="0"/>
+      </a:effectRef>
+      <a:fontRef idx="minor">
+        <a:schemeClr val="lt1"/>
+      </a:fontRef>
+    </dgm:style>
+  </dgm:styleLbl>
+  <dgm:styleLbl name="vennNode1">
+    <dgm:scene3d>
+      <a:camera prst="orthographicFront"/>
+      <a:lightRig rig="threePt" dir="t"/>
+    </dgm:scene3d>
+    <dgm:sp3d/>
+    <dgm:txPr/>
+    <dgm:style>
+      <a:lnRef idx="2">
+        <a:scrgbClr r="0" g="0" b="0"/>
+      </a:lnRef>
+      <a:fillRef idx="1">
+        <a:scrgbClr r="0" g="0" b="0"/>
+      </a:fillRef>
+      <a:effectRef idx="0">
+        <a:scrgbClr r="0" g="0" b="0"/>
+      </a:effectRef>
+      <a:fontRef idx="minor">
+        <a:schemeClr val="tx1"/>
+      </a:fontRef>
+    </dgm:style>
+  </dgm:styleLbl>
+  <dgm:styleLbl name="alignNode1">
+    <dgm:scene3d>
+      <a:camera prst="orthographicFront"/>
+      <a:lightRig rig="threePt" dir="t"/>
+    </dgm:scene3d>
+    <dgm:sp3d/>
+    <dgm:txPr/>
+    <dgm:style>
+      <a:lnRef idx="2">
+        <a:scrgbClr r="0" g="0" b="0"/>
+      </a:lnRef>
+      <a:fillRef idx="1">
+        <a:scrgbClr r="0" g="0" b="0"/>
+      </a:fillRef>
+      <a:effectRef idx="0">
+        <a:scrgbClr r="0" g="0" b="0"/>
+      </a:effectRef>
+      <a:fontRef idx="minor">
+        <a:schemeClr val="lt1"/>
+      </a:fontRef>
+    </dgm:style>
+  </dgm:styleLbl>
+  <dgm:styleLbl name="node1">
+    <dgm:scene3d>
+      <a:camera prst="orthographicFront"/>
+      <a:lightRig rig="threePt" dir="t"/>
+    </dgm:scene3d>
+    <dgm:sp3d/>
+    <dgm:txPr/>
+    <dgm:style>
+      <a:lnRef idx="2">
+        <a:scrgbClr r="0" g="0" b="0"/>
+      </a:lnRef>
+      <a:fillRef idx="1">
+        <a:scrgbClr r="0" g="0" b="0"/>
+      </a:fillRef>
+      <a:effectRef idx="0">
+        <a:scrgbClr r="0" g="0" b="0"/>
+      </a:effectRef>
+      <a:fontRef idx="minor">
+        <a:schemeClr val="lt1"/>
+      </a:fontRef>
+    </dgm:style>
+  </dgm:styleLbl>
+  <dgm:styleLbl name="node2">
+    <dgm:scene3d>
+      <a:camera prst="orthographicFront"/>
+      <a:lightRig rig="threePt" dir="t"/>
+    </dgm:scene3d>
+    <dgm:sp3d/>
+    <dgm:txPr/>
+    <dgm:style>
+      <a:lnRef idx="2">
+        <a:scrgbClr r="0" g="0" b="0"/>
+      </a:lnRef>
+      <a:fillRef idx="1">
+        <a:scrgbClr r="0" g="0" b="0"/>
+      </a:fillRef>
+      <a:effectRef idx="0">
+        <a:scrgbClr r="0" g="0" b="0"/>
+      </a:effectRef>
+      <a:fontRef idx="minor">
+        <a:schemeClr val="lt1"/>
+      </a:fontRef>
+    </dgm:style>
+  </dgm:styleLbl>
+  <dgm:styleLbl name="node3">
+    <dgm:scene3d>
+      <a:camera prst="orthographicFront"/>
+      <a:lightRig rig="threePt" dir="t"/>
+    </dgm:scene3d>
+    <dgm:sp3d/>
+    <dgm:txPr/>
+    <dgm:style>
+      <a:lnRef idx="2">
+        <a:scrgbClr r="0" g="0" b="0"/>
+      </a:lnRef>
+      <a:fillRef idx="1">
+        <a:scrgbClr r="0" g="0" b="0"/>
+      </a:fillRef>
+      <a:effectRef idx="0">
+        <a:scrgbClr r="0" g="0" b="0"/>
+      </a:effectRef>
+      <a:fontRef idx="minor">
+        <a:schemeClr val="lt1"/>
+      </a:fontRef>
+    </dgm:style>
+  </dgm:styleLbl>
+  <dgm:styleLbl name="node4">
+    <dgm:scene3d>
+      <a:camera prst="orthographicFront"/>
+      <a:lightRig rig="threePt" dir="t"/>
+    </dgm:scene3d>
+    <dgm:sp3d/>
+    <dgm:txPr/>
+    <dgm:style>
+      <a:lnRef idx="2">
+        <a:scrgbClr r="0" g="0" b="0"/>
+      </a:lnRef>
+      <a:fillRef idx="1">
+        <a:scrgbClr r="0" g="0" b="0"/>
+      </a:fillRef>
+      <a:effectRef idx="0">
+        <a:scrgbClr r="0" g="0" b="0"/>
+      </a:effectRef>
+      <a:fontRef idx="minor">
+        <a:schemeClr val="lt1"/>
+      </a:fontRef>
+    </dgm:style>
+  </dgm:styleLbl>
+  <dgm:styleLbl name="fgImgPlace1">
+    <dgm:scene3d>
+      <a:camera prst="orthographicFront"/>
+      <a:lightRig rig="threePt" dir="t"/>
+    </dgm:scene3d>
+    <dgm:sp3d/>
+    <dgm:txPr/>
+    <dgm:style>
+      <a:lnRef idx="2">
+        <a:scrgbClr r="0" g="0" b="0"/>
+      </a:lnRef>
+      <a:fillRef idx="1">
+        <a:scrgbClr r="0" g="0" b="0"/>
+      </a:fillRef>
+      <a:effectRef idx="0">
+        <a:scrgbClr r="0" g="0" b="0"/>
+      </a:effectRef>
+      <a:fontRef idx="minor"/>
+    </dgm:style>
+  </dgm:styleLbl>
+  <dgm:styleLbl name="alignImgPlace1">
+    <dgm:scene3d>
+      <a:camera prst="orthographicFront"/>
+      <a:lightRig rig="threePt" dir="t"/>
+    </dgm:scene3d>
+    <dgm:sp3d/>
+    <dgm:txPr/>
+    <dgm:style>
+      <a:lnRef idx="2">
+        <a:scrgbClr r="0" g="0" b="0"/>
+      </a:lnRef>
+      <a:fillRef idx="1">
+        <a:scrgbClr r="0" g="0" b="0"/>
+      </a:fillRef>
+      <a:effectRef idx="0">
+        <a:scrgbClr r="0" g="0" b="0"/>
+      </a:effectRef>
+      <a:fontRef idx="minor"/>
+    </dgm:style>
+  </dgm:styleLbl>
+  <dgm:styleLbl name="bgImgPlace1">
+    <dgm:scene3d>
+      <a:camera prst="orthographicFront"/>
+      <a:lightRig rig="threePt" dir="t"/>
+    </dgm:scene3d>
+    <dgm:sp3d/>
+    <dgm:txPr/>
+    <dgm:style>
+      <a:lnRef idx="2">
+        <a:scrgbClr r="0" g="0" b="0"/>
+      </a:lnRef>
+      <a:fillRef idx="1">
+        <a:scrgbClr r="0" g="0" b="0"/>
+      </a:fillRef>
+      <a:effectRef idx="0">
+        <a:scrgbClr r="0" g="0" b="0"/>
+      </a:effectRef>
+      <a:fontRef idx="minor"/>
+    </dgm:style>
+  </dgm:styleLbl>
+  <dgm:styleLbl name="sibTrans2D1">
+    <dgm:scene3d>
+      <a:camera prst="orthographicFront"/>
+      <a:lightRig rig="threePt" dir="t"/>
+    </dgm:scene3d>
+    <dgm:sp3d/>
+    <dgm:txPr/>
+    <dgm:style>
+      <a:lnRef idx="0">
+        <a:scrgbClr r="0" g="0" b="0"/>
+      </a:lnRef>
+      <a:fillRef idx="1">
+        <a:scrgbClr r="0" g="0" b="0"/>
+      </a:fillRef>
+      <a:effectRef idx="0">
+        <a:scrgbClr r="0" g="0" b="0"/>
+      </a:effectRef>
+      <a:fontRef idx="minor">
+        <a:schemeClr val="lt1"/>
+      </a:fontRef>
+    </dgm:style>
+  </dgm:styleLbl>
+  <dgm:styleLbl name="fgSibTrans2D1">
+    <dgm:scene3d>
+      <a:camera prst="orthographicFront"/>
+      <a:lightRig rig="threePt" dir="t"/>
+    </dgm:scene3d>
+    <dgm:sp3d/>
+    <dgm:txPr/>
+    <dgm:style>
+      <a:lnRef idx="0">
+        <a:scrgbClr r="0" g="0" b="0"/>
+      </a:lnRef>
+      <a:fillRef idx="1">
+        <a:scrgbClr r="0" g="0" b="0"/>
+      </a:fillRef>
+      <a:effectRef idx="0">
+        <a:scrgbClr r="0" g="0" b="0"/>
+      </a:effectRef>
+      <a:fontRef idx="minor">
+        <a:schemeClr val="lt1"/>
+      </a:fontRef>
+    </dgm:style>
+  </dgm:styleLbl>
+  <dgm:styleLbl name="bgSibTrans2D1">
+    <dgm:scene3d>
+      <a:camera prst="orthographicFront"/>
+      <a:lightRig rig="threePt" dir="t"/>
+    </dgm:scene3d>
+    <dgm:sp3d/>
+    <dgm:txPr/>
+    <dgm:style>
+      <a:lnRef idx="0">
+        <a:scrgbClr r="0" g="0" b="0"/>
+      </a:lnRef>
+      <a:fillRef idx="1">
+        <a:scrgbClr r="0" g="0" b="0"/>
+      </a:fillRef>
+      <a:effectRef idx="0">
+        <a:scrgbClr r="0" g="0" b="0"/>
+      </a:effectRef>
+      <a:fontRef idx="minor">
+        <a:schemeClr val="lt1"/>
+      </a:fontRef>
+    </dgm:style>
+  </dgm:styleLbl>
+  <dgm:styleLbl name="sibTrans1D1">
+    <dgm:scene3d>
+      <a:camera prst="orthographicFront"/>
+      <a:lightRig rig="threePt" dir="t"/>
+    </dgm:scene3d>
+    <dgm:sp3d/>
+    <dgm:txPr/>
+    <dgm:style>
+      <a:lnRef idx="1">
+        <a:scrgbClr r="0" g="0" b="0"/>
+      </a:lnRef>
+      <a:fillRef idx="0">
+        <a:scrgbClr r="0" g="0" b="0"/>
+      </a:fillRef>
+      <a:effectRef idx="0">
+        <a:scrgbClr r="0" g="0" b="0"/>
+      </a:effectRef>
+      <a:fontRef idx="minor"/>
+    </dgm:style>
+  </dgm:styleLbl>
+  <dgm:styleLbl name="callout">
+    <dgm:scene3d>
+      <a:camera prst="orthographicFront"/>
+      <a:lightRig rig="threePt" dir="t"/>
+    </dgm:scene3d>
+    <dgm:sp3d/>
+    <dgm:txPr/>
+    <dgm:style>
+      <a:lnRef idx="2">
+        <a:scrgbClr r="0" g="0" b="0"/>
+      </a:lnRef>
+      <a:fillRef idx="1">
+        <a:scrgbClr r="0" g="0" b="0"/>
+      </a:fillRef>
+      <a:effectRef idx="0">
+        <a:scrgbClr r="0" g="0" b="0"/>
+      </a:effectRef>
+      <a:fontRef idx="minor"/>
+    </dgm:style>
+  </dgm:styleLbl>
+  <dgm:styleLbl name="asst0">
+    <dgm:scene3d>
+      <a:camera prst="orthographicFront"/>
+      <a:lightRig rig="threePt" dir="t"/>
+    </dgm:scene3d>
+    <dgm:sp3d/>
+    <dgm:txPr/>
+    <dgm:style>
+      <a:lnRef idx="2">
+        <a:scrgbClr r="0" g="0" b="0"/>
+      </a:lnRef>
+      <a:fillRef idx="1">
+        <a:scrgbClr r="0" g="0" b="0"/>
+      </a:fillRef>
+      <a:effectRef idx="0">
+        <a:scrgbClr r="0" g="0" b="0"/>
+      </a:effectRef>
+      <a:fontRef idx="minor">
+        <a:schemeClr val="lt1"/>
+      </a:fontRef>
+    </dgm:style>
+  </dgm:styleLbl>
+  <dgm:styleLbl name="asst1">
+    <dgm:scene3d>
+      <a:camera prst="orthographicFront"/>
+      <a:lightRig rig="threePt" dir="t"/>
+    </dgm:scene3d>
+    <dgm:sp3d/>
+    <dgm:txPr/>
+    <dgm:style>
+      <a:lnRef idx="2">
+        <a:scrgbClr r="0" g="0" b="0"/>
+      </a:lnRef>
+      <a:fillRef idx="1">
+        <a:scrgbClr r="0" g="0" b="0"/>
+      </a:fillRef>
+      <a:effectRef idx="0">
+        <a:scrgbClr r="0" g="0" b="0"/>
+      </a:effectRef>
+      <a:fontRef idx="minor">
+        <a:schemeClr val="lt1"/>
+      </a:fontRef>
+    </dgm:style>
+  </dgm:styleLbl>
+  <dgm:styleLbl name="asst2">
+    <dgm:scene3d>
+      <a:camera prst="orthographicFront"/>
+      <a:lightRig rig="threePt" dir="t"/>
+    </dgm:scene3d>
+    <dgm:sp3d/>
+    <dgm:txPr/>
+    <dgm:style>
+      <a:lnRef idx="2">
+        <a:scrgbClr r="0" g="0" b="0"/>
+      </a:lnRef>
+      <a:fillRef idx="1">
+        <a:scrgbClr r="0" g="0" b="0"/>
+      </a:fillRef>
+      <a:effectRef idx="0">
+        <a:scrgbClr r="0" g="0" b="0"/>
+      </a:effectRef>
+      <a:fontRef idx="minor">
+        <a:schemeClr val="lt1"/>
+      </a:fontRef>
+    </dgm:style>
+  </dgm:styleLbl>
+  <dgm:styleLbl name="asst3">
+    <dgm:scene3d>
+      <a:camera prst="orthographicFront"/>
+      <a:lightRig rig="threePt" dir="t"/>
+    </dgm:scene3d>
+    <dgm:sp3d/>
+    <dgm:txPr/>
+    <dgm:style>
+      <a:lnRef idx="2">
+        <a:scrgbClr r="0" g="0" b="0"/>
+      </a:lnRef>
+      <a:fillRef idx="1">
+        <a:scrgbClr r="0" g="0" b="0"/>
+      </a:fillRef>
+      <a:effectRef idx="0">
+        <a:scrgbClr r="0" g="0" b="0"/>
+      </a:effectRef>
+      <a:fontRef idx="minor">
+        <a:schemeClr val="lt1"/>
+      </a:fontRef>
+    </dgm:style>
+  </dgm:styleLbl>
+  <dgm:styleLbl name="asst4">
+    <dgm:scene3d>
+      <a:camera prst="orthographicFront"/>
+      <a:lightRig rig="threePt" dir="t"/>
+    </dgm:scene3d>
+    <dgm:sp3d/>
+    <dgm:txPr/>
+    <dgm:style>
+      <a:lnRef idx="2">
+        <a:scrgbClr r="0" g="0" b="0"/>
+      </a:lnRef>
+      <a:fillRef idx="1">
+        <a:scrgbClr r="0" g="0" b="0"/>
+      </a:fillRef>
+      <a:effectRef idx="0">
+        <a:scrgbClr r="0" g="0" b="0"/>
+      </a:effectRef>
+      <a:fontRef idx="minor">
+        <a:schemeClr val="lt1"/>
+      </a:fontRef>
+    </dgm:style>
+  </dgm:styleLbl>
+  <dgm:styleLbl name="parChTrans2D1">
+    <dgm:scene3d>
+      <a:camera prst="orthographicFront"/>
+      <a:lightRig rig="threePt" dir="t"/>
+    </dgm:scene3d>
+    <dgm:sp3d/>
+    <dgm:txPr/>
+    <dgm:style>
+      <a:lnRef idx="2">
+        <a:scrgbClr r="0" g="0" b="0"/>
+      </a:lnRef>
+      <a:fillRef idx="1">
+        <a:scrgbClr r="0" g="0" b="0"/>
+      </a:fillRef>
+      <a:effectRef idx="0">
+        <a:scrgbClr r="0" g="0" b="0"/>
+      </a:effectRef>
+      <a:fontRef idx="minor">
+        <a:schemeClr val="lt1"/>
+      </a:fontRef>
+    </dgm:style>
+  </dgm:styleLbl>
+  <dgm:styleLbl name="parChTrans2D2">
+    <dgm:scene3d>
+      <a:camera prst="orthographicFront"/>
+      <a:lightRig rig="threePt" dir="t"/>
+    </dgm:scene3d>
+    <dgm:sp3d/>
+    <dgm:txPr/>
+    <dgm:style>
+      <a:lnRef idx="2">
+        <a:scrgbClr r="0" g="0" b="0"/>
+      </a:lnRef>
+      <a:fillRef idx="1">
+        <a:scrgbClr r="0" g="0" b="0"/>
+      </a:fillRef>
+      <a:effectRef idx="0">
+        <a:scrgbClr r="0" g="0" b="0"/>
+      </a:effectRef>
+      <a:fontRef idx="minor">
+        <a:schemeClr val="lt1"/>
+      </a:fontRef>
+    </dgm:style>
+  </dgm:styleLbl>
+  <dgm:styleLbl name="parChTrans2D3">
+    <dgm:scene3d>
+      <a:camera prst="orthographicFront"/>
+      <a:lightRig rig="threePt" dir="t"/>
+    </dgm:scene3d>
+    <dgm:sp3d/>
+    <dgm:txPr/>
+    <dgm:style>
+      <a:lnRef idx="2">
+        <a:scrgbClr r="0" g="0" b="0"/>
+      </a:lnRef>
+      <a:fillRef idx="1">
+        <a:scrgbClr r="0" g="0" b="0"/>
+      </a:fillRef>
+      <a:effectRef idx="0">
+        <a:scrgbClr r="0" g="0" b="0"/>
+      </a:effectRef>
+      <a:fontRef idx="minor">
+        <a:schemeClr val="lt1"/>
+      </a:fontRef>
+    </dgm:style>
+  </dgm:styleLbl>
+  <dgm:styleLbl name="parChTrans2D4">
+    <dgm:scene3d>
+      <a:camera prst="orthographicFront"/>
+      <a:lightRig rig="threePt" dir="t"/>
+    </dgm:scene3d>
+    <dgm:sp3d/>
+    <dgm:txPr/>
+    <dgm:style>
+      <a:lnRef idx="2">
+        <a:scrgbClr r="0" g="0" b="0"/>
+      </a:lnRef>
+      <a:fillRef idx="1">
+        <a:scrgbClr r="0" g="0" b="0"/>
+      </a:fillRef>
+      <a:effectRef idx="0">
+        <a:scrgbClr r="0" g="0" b="0"/>
+      </a:effectRef>
+      <a:fontRef idx="minor">
+        <a:schemeClr val="lt1"/>
+      </a:fontRef>
+    </dgm:style>
+  </dgm:styleLbl>
+  <dgm:styleLbl name="parChTrans1D1">
+    <dgm:scene3d>
+      <a:camera prst="orthographicFront"/>
+      <a:lightRig rig="threePt" dir="t"/>
+    </dgm:scene3d>
+    <dgm:sp3d/>
+    <dgm:txPr/>
+    <dgm:style>
+      <a:lnRef idx="2">
+        <a:scrgbClr r="0" g="0" b="0"/>
+      </a:lnRef>
+      <a:fillRef idx="0">
+        <a:scrgbClr r="0" g="0" b="0"/>
+      </a:fillRef>
+      <a:effectRef idx="0">
+        <a:scrgbClr r="0" g="0" b="0"/>
+      </a:effectRef>
+      <a:fontRef idx="minor"/>
+    </dgm:style>
+  </dgm:styleLbl>
+  <dgm:styleLbl name="parChTrans1D2">
+    <dgm:scene3d>
+      <a:camera prst="orthographicFront"/>
+      <a:lightRig rig="threePt" dir="t"/>
+    </dgm:scene3d>
+    <dgm:sp3d/>
+    <dgm:txPr/>
+    <dgm:style>
+      <a:lnRef idx="2">
+        <a:scrgbClr r="0" g="0" b="0"/>
+      </a:lnRef>
+      <a:fillRef idx="0">
+        <a:scrgbClr r="0" g="0" b="0"/>
+      </a:fillRef>
+      <a:effectRef idx="0">
+        <a:scrgbClr r="0" g="0" b="0"/>
+      </a:effectRef>
+      <a:fontRef idx="minor"/>
+    </dgm:style>
+  </dgm:styleLbl>
+  <dgm:styleLbl name="parChTrans1D3">
+    <dgm:scene3d>
+      <a:camera prst="orthographicFront"/>
+      <a:lightRig rig="threePt" dir="t"/>
+    </dgm:scene3d>
+    <dgm:sp3d/>
+    <dgm:txPr/>
+    <dgm:style>
+      <a:lnRef idx="2">
+        <a:scrgbClr r="0" g="0" b="0"/>
+      </a:lnRef>
+      <a:fillRef idx="0">
+        <a:scrgbClr r="0" g="0" b="0"/>
+      </a:fillRef>
+      <a:effectRef idx="0">
+        <a:scrgbClr r="0" g="0" b="0"/>
+      </a:effectRef>
+      <a:fontRef idx="minor"/>
+    </dgm:style>
+  </dgm:styleLbl>
+  <dgm:styleLbl name="parChTrans1D4">
+    <dgm:scene3d>
+      <a:camera prst="orthographicFront"/>
+      <a:lightRig rig="threePt" dir="t"/>
+    </dgm:scene3d>
+    <dgm:sp3d/>
+    <dgm:txPr/>
+    <dgm:style>
+      <a:lnRef idx="2">
+        <a:scrgbClr r="0" g="0" b="0"/>
+      </a:lnRef>
+      <a:fillRef idx="0">
+        <a:scrgbClr r="0" g="0" b="0"/>
+      </a:fillRef>
+      <a:effectRef idx="0">
+        <a:scrgbClr r="0" g="0" b="0"/>
+      </a:effectRef>
+      <a:fontRef idx="minor"/>
+    </dgm:style>
+  </dgm:styleLbl>
+  <dgm:styleLbl name="fgAcc1">
+    <dgm:scene3d>
+      <a:camera prst="orthographicFront"/>
+      <a:lightRig rig="threePt" dir="t"/>
+    </dgm:scene3d>
+    <dgm:sp3d/>
+    <dgm:txPr/>
+    <dgm:style>
+      <a:lnRef idx="2">
+        <a:scrgbClr r="0" g="0" b="0"/>
+      </a:lnRef>
+      <a:fillRef idx="1">
+        <a:scrgbClr r="0" g="0" b="0"/>
+      </a:fillRef>
+      <a:effectRef idx="0">
+        <a:scrgbClr r="0" g="0" b="0"/>
+      </a:effectRef>
+      <a:fontRef idx="minor"/>
+    </dgm:style>
+  </dgm:styleLbl>
+  <dgm:styleLbl name="conFgAcc1">
+    <dgm:scene3d>
+      <a:camera prst="orthographicFront"/>
+      <a:lightRig rig="threePt" dir="t"/>
+    </dgm:scene3d>
+    <dgm:sp3d/>
+    <dgm:txPr/>
+    <dgm:style>
+      <a:lnRef idx="2">
+        <a:scrgbClr r="0" g="0" b="0"/>
+      </a:lnRef>
+      <a:fillRef idx="1">
+        <a:scrgbClr r="0" g="0" b="0"/>
+      </a:fillRef>
+      <a:effectRef idx="0">
+        <a:scrgbClr r="0" g="0" b="0"/>
+      </a:effectRef>
+      <a:fontRef idx="minor"/>
+    </dgm:style>
+  </dgm:styleLbl>
+  <dgm:styleLbl name="alignAcc1">
+    <dgm:scene3d>
+      <a:camera prst="orthographicFront"/>
+      <a:lightRig rig="threePt" dir="t"/>
+    </dgm:scene3d>
+    <dgm:sp3d/>
+    <dgm:txPr/>
+    <dgm:style>
+      <a:lnRef idx="2">
+        <a:scrgbClr r="0" g="0" b="0"/>
+      </a:lnRef>
+      <a:fillRef idx="1">
+        <a:scrgbClr r="0" g="0" b="0"/>
+      </a:fillRef>
+      <a:effectRef idx="0">
+        <a:scrgbClr r="0" g="0" b="0"/>
+      </a:effectRef>
+      <a:fontRef idx="minor"/>
+    </dgm:style>
+  </dgm:styleLbl>
+  <dgm:styleLbl name="trAlignAcc1">
+    <dgm:scene3d>
+      <a:camera prst="orthographicFront"/>
+      <a:lightRig rig="threePt" dir="t"/>
+    </dgm:scene3d>
+    <dgm:sp3d/>
+    <dgm:txPr/>
+    <dgm:style>
+      <a:lnRef idx="1">
+        <a:scrgbClr r="0" g="0" b="0"/>
+      </a:lnRef>
+      <a:fillRef idx="1">
+        <a:scrgbClr r="0" g="0" b="0"/>
+      </a:fillRef>
+      <a:effectRef idx="0">
+        <a:scrgbClr r="0" g="0" b="0"/>
+      </a:effectRef>
+      <a:fontRef idx="minor"/>
+    </dgm:style>
+  </dgm:styleLbl>
+  <dgm:styleLbl name="bgAcc1">
+    <dgm:scene3d>
+      <a:camera prst="orthographicFront"/>
+      <a:lightRig rig="threePt" dir="t"/>
+    </dgm:scene3d>
+    <dgm:sp3d/>
+    <dgm:txPr/>
+    <dgm:style>
+      <a:lnRef idx="2">
+        <a:scrgbClr r="0" g="0" b="0"/>
+      </a:lnRef>
+      <a:fillRef idx="1">
+        <a:scrgbClr r="0" g="0" b="0"/>
+      </a:fillRef>
+      <a:effectRef idx="0">
+        <a:scrgbClr r="0" g="0" b="0"/>
+      </a:effectRef>
+      <a:fontRef idx="minor"/>
+    </dgm:style>
+  </dgm:styleLbl>
+  <dgm:styleLbl name="solidFgAcc1">
+    <dgm:scene3d>
+      <a:camera prst="orthographicFront"/>
+      <a:lightRig rig="threePt" dir="t"/>
+    </dgm:scene3d>
+    <dgm:sp3d/>
+    <dgm:txPr/>
+    <dgm:style>
+      <a:lnRef idx="2">
+        <a:scrgbClr r="0" g="0" b="0"/>
+      </a:lnRef>
+      <a:fillRef idx="1">
+        <a:scrgbClr r="0" g="0" b="0"/>
+      </a:fillRef>
+      <a:effectRef idx="0">
+        <a:scrgbClr r="0" g="0" b="0"/>
+      </a:effectRef>
+      <a:fontRef idx="minor"/>
+    </dgm:style>
+  </dgm:styleLbl>
+  <dgm:styleLbl name="solidAlignAcc1">
+    <dgm:scene3d>
+      <a:camera prst="orthographicFront"/>
+      <a:lightRig rig="threePt" dir="t"/>
+    </dgm:scene3d>
+    <dgm:sp3d/>
+    <dgm:txPr/>
+    <dgm:style>
+      <a:lnRef idx="2">
+        <a:scrgbClr r="0" g="0" b="0"/>
+      </a:lnRef>
+      <a:fillRef idx="1">
+        <a:scrgbClr r="0" g="0" b="0"/>
+      </a:fillRef>
+      <a:effectRef idx="0">
+        <a:scrgbClr r="0" g="0" b="0"/>
+      </a:effectRef>
+      <a:fontRef idx="minor"/>
+    </dgm:style>
+  </dgm:styleLbl>
+  <dgm:styleLbl name="solidBgAcc1">
+    <dgm:scene3d>
+      <a:camera prst="orthographicFront"/>
+      <a:lightRig rig="threePt" dir="t"/>
+    </dgm:scene3d>
+    <dgm:sp3d/>
+    <dgm:txPr/>
+    <dgm:style>
+      <a:lnRef idx="2">
+        <a:scrgbClr r="0" g="0" b="0"/>
+      </a:lnRef>
+      <a:fillRef idx="1">
+        <a:scrgbClr r="0" g="0" b="0"/>
+      </a:fillRef>
+      <a:effectRef idx="0">
+        <a:scrgbClr r="0" g="0" b="0"/>
+      </a:effectRef>
+      <a:fontRef idx="minor"/>
+    </dgm:style>
+  </dgm:styleLbl>
+  <dgm:styleLbl name="fgAccFollowNode1">
+    <dgm:scene3d>
+      <a:camera prst="orthographicFront"/>
+      <a:lightRig rig="threePt" dir="t"/>
+    </dgm:scene3d>
+    <dgm:sp3d/>
+    <dgm:txPr/>
+    <dgm:style>
+      <a:lnRef idx="2">
+        <a:scrgbClr r="0" g="0" b="0"/>
+      </a:lnRef>
+      <a:fillRef idx="1">
+        <a:scrgbClr r="0" g="0" b="0"/>
+      </a:fillRef>
+      <a:effectRef idx="0">
+        <a:scrgbClr r="0" g="0" b="0"/>
+      </a:effectRef>
+      <a:fontRef idx="minor"/>
+    </dgm:style>
+  </dgm:styleLbl>
+  <dgm:styleLbl name="alignAccFollowNode1">
+    <dgm:scene3d>
+      <a:camera prst="orthographicFront"/>
+      <a:lightRig rig="threePt" dir="t"/>
+    </dgm:scene3d>
+    <dgm:sp3d/>
+    <dgm:txPr/>
+    <dgm:style>
+      <a:lnRef idx="2">
+        <a:scrgbClr r="0" g="0" b="0"/>
+      </a:lnRef>
+      <a:fillRef idx="1">
+        <a:scrgbClr r="0" g="0" b="0"/>
+      </a:fillRef>
+      <a:effectRef idx="0">
+        <a:scrgbClr r="0" g="0" b="0"/>
+      </a:effectRef>
+      <a:fontRef idx="minor"/>
+    </dgm:style>
+  </dgm:styleLbl>
+  <dgm:styleLbl name="bgAccFollowNode1">
+    <dgm:scene3d>
+      <a:camera prst="orthographicFront"/>
+      <a:lightRig rig="threePt" dir="t"/>
+    </dgm:scene3d>
+    <dgm:sp3d/>
+    <dgm:txPr/>
+    <dgm:style>
+      <a:lnRef idx="2">
+        <a:scrgbClr r="0" g="0" b="0"/>
+      </a:lnRef>
+      <a:fillRef idx="1">
+        <a:scrgbClr r="0" g="0" b="0"/>
+      </a:fillRef>
+      <a:effectRef idx="0">
+        <a:scrgbClr r="0" g="0" b="0"/>
+      </a:effectRef>
+      <a:fontRef idx="minor"/>
+    </dgm:style>
+  </dgm:styleLbl>
+  <dgm:styleLbl name="fgAcc0">
+    <dgm:scene3d>
+      <a:camera prst="orthographicFront"/>
+      <a:lightRig rig="threePt" dir="t"/>
+    </dgm:scene3d>
+    <dgm:sp3d/>
+    <dgm:txPr/>
+    <dgm:style>
+      <a:lnRef idx="2">
+        <a:scrgbClr r="0" g="0" b="0"/>
+      </a:lnRef>
+      <a:fillRef idx="1">
+        <a:scrgbClr r="0" g="0" b="0"/>
+      </a:fillRef>
+      <a:effectRef idx="0">
+        <a:scrgbClr r="0" g="0" b="0"/>
+      </a:effectRef>
+      <a:fontRef idx="minor"/>
+    </dgm:style>
+  </dgm:styleLbl>
+  <dgm:styleLbl name="fgAcc2">
+    <dgm:scene3d>
+      <a:camera prst="orthographicFront"/>
+      <a:lightRig rig="threePt" dir="t"/>
+    </dgm:scene3d>
+    <dgm:sp3d/>
+    <dgm:txPr/>
+    <dgm:style>
+      <a:lnRef idx="2">
+        <a:scrgbClr r="0" g="0" b="0"/>
+      </a:lnRef>
+      <a:fillRef idx="1">
+        <a:scrgbClr r="0" g="0" b="0"/>
+      </a:fillRef>
+      <a:effectRef idx="0">
+        <a:scrgbClr r="0" g="0" b="0"/>
+      </a:effectRef>
+      <a:fontRef idx="minor"/>
+    </dgm:style>
+  </dgm:styleLbl>
+  <dgm:styleLbl name="fgAcc3">
+    <dgm:scene3d>
+      <a:camera prst="orthographicFront"/>
+      <a:lightRig rig="threePt" dir="t"/>
+    </dgm:scene3d>
+    <dgm:sp3d/>
+    <dgm:txPr/>
+    <dgm:style>
+      <a:lnRef idx="2">
+        <a:scrgbClr r="0" g="0" b="0"/>
+      </a:lnRef>
+      <a:fillRef idx="1">
+        <a:scrgbClr r="0" g="0" b="0"/>
+      </a:fillRef>
+      <a:effectRef idx="0">
+        <a:scrgbClr r="0" g="0" b="0"/>
+      </a:effectRef>
+      <a:fontRef idx="minor"/>
+    </dgm:style>
+  </dgm:styleLbl>
+  <dgm:styleLbl name="fgAcc4">
+    <dgm:scene3d>
+      <a:camera prst="orthographicFront"/>
+      <a:lightRig rig="threePt" dir="t"/>
+    </dgm:scene3d>
+    <dgm:sp3d/>
+    <dgm:txPr/>
+    <dgm:style>
+      <a:lnRef idx="2">
+        <a:scrgbClr r="0" g="0" b="0"/>
+      </a:lnRef>
+      <a:fillRef idx="1">
+        <a:scrgbClr r="0" g="0" b="0"/>
+      </a:fillRef>
+      <a:effectRef idx="0">
+        <a:scrgbClr r="0" g="0" b="0"/>
+      </a:effectRef>
+      <a:fontRef idx="minor"/>
+    </dgm:style>
+  </dgm:styleLbl>
+  <dgm:styleLbl name="bgShp">
+    <dgm:scene3d>
+      <a:camera prst="orthographicFront"/>
+      <a:lightRig rig="threePt" dir="t"/>
+    </dgm:scene3d>
+    <dgm:sp3d/>
+    <dgm:txPr/>
+    <dgm:style>
+      <a:lnRef idx="0">
+        <a:scrgbClr r="0" g="0" b="0"/>
+      </a:lnRef>
+      <a:fillRef idx="1">
+        <a:scrgbClr r="0" g="0" b="0"/>
+      </a:fillRef>
+      <a:effectRef idx="0">
+        <a:scrgbClr r="0" g="0" b="0"/>
+      </a:effectRef>
+      <a:fontRef idx="minor"/>
+    </dgm:style>
+  </dgm:styleLbl>
+  <dgm:styleLbl name="dkBgShp">
+    <dgm:scene3d>
+      <a:camera prst="orthographicFront"/>
+      <a:lightRig rig="threePt" dir="t"/>
+    </dgm:scene3d>
+    <dgm:sp3d/>
+    <dgm:txPr/>
+    <dgm:style>
+      <a:lnRef idx="0">
+        <a:scrgbClr r="0" g="0" b="0"/>
+      </a:lnRef>
+      <a:fillRef idx="1">
+        <a:scrgbClr r="0" g="0" b="0"/>
+      </a:fillRef>
+      <a:effectRef idx="0">
+        <a:scrgbClr r="0" g="0" b="0"/>
+      </a:effectRef>
+      <a:fontRef idx="minor"/>
+    </dgm:style>
+  </dgm:styleLbl>
+  <dgm:styleLbl name="trBgShp">
+    <dgm:scene3d>
+      <a:camera prst="orthographicFront"/>
+      <a:lightRig rig="threePt" dir="t"/>
+    </dgm:scene3d>
+    <dgm:sp3d/>
+    <dgm:txPr/>
+    <dgm:style>
+      <a:lnRef idx="0">
+        <a:scrgbClr r="0" g="0" b="0"/>
+      </a:lnRef>
+      <a:fillRef idx="1">
+        <a:scrgbClr r="0" g="0" b="0"/>
+      </a:fillRef>
+      <a:effectRef idx="0">
+        <a:scrgbClr r="0" g="0" b="0"/>
+      </a:effectRef>
+      <a:fontRef idx="minor"/>
+    </dgm:style>
+  </dgm:styleLbl>
+  <dgm:styleLbl name="fgShp">
+    <dgm:scene3d>
+      <a:camera prst="orthographicFront"/>
+      <a:lightRig rig="threePt" dir="t"/>
+    </dgm:scene3d>
+    <dgm:sp3d/>
+    <dgm:txPr/>
+    <dgm:style>
+      <a:lnRef idx="2">
+        <a:scrgbClr r="0" g="0" b="0"/>
+      </a:lnRef>
+      <a:fillRef idx="1">
+        <a:scrgbClr r="0" g="0" b="0"/>
+      </a:fillRef>
+      <a:effectRef idx="0">
+        <a:scrgbClr r="0" g="0" b="0"/>
+      </a:effectRef>
+      <a:fontRef idx="minor"/>
+    </dgm:style>
+  </dgm:styleLbl>
+  <dgm:styleLbl name="revTx">
+    <dgm:scene3d>
+      <a:camera prst="orthographicFront"/>
+      <a:lightRig rig="threePt" dir="t"/>
+    </dgm:scene3d>
+    <dgm:sp3d/>
+    <dgm:txPr/>
+    <dgm:style>
+      <a:lnRef idx="0">
+        <a:scrgbClr r="0" g="0" b="0"/>
+      </a:lnRef>
+      <a:fillRef idx="0">
+        <a:scrgbClr r="0" g="0" b="0"/>
+      </a:fillRef>
+      <a:effectRef idx="0">
+        <a:scrgbClr r="0" g="0" b="0"/>
+      </a:effectRef>
+      <a:fontRef idx="minor"/>
+    </dgm:style>
+  </dgm:styleLbl>
+</dgm:styleDef>
 </file>
 
 <file path=ppt/notesMasters/notesMaster1.xml><?xml version="1.0" encoding="utf-8"?>
@@ -4462,9 +7202,7 @@
     <p:bg>
       <p:bgPr>
         <a:solidFill>
-          <a:schemeClr val="bg2">
-            <a:lumMod val="75000"/>
-          </a:schemeClr>
+          <a:schemeClr val="bg1"/>
         </a:solidFill>
         <a:effectLst/>
       </p:bgPr>
@@ -4483,6 +7221,120 @@
           <a:chExt cx="0" cy="0"/>
         </a:xfrm>
       </p:grpSpPr>
+      <p:sp useBgFill="1">
+        <p:nvSpPr>
+          <p:cNvPr id="13" name="Rectangle 9">
+            <a:extLst>
+              <a:ext uri="{FF2B5EF4-FFF2-40B4-BE49-F238E27FC236}">
+                <a16:creationId xmlns:a16="http://schemas.microsoft.com/office/drawing/2014/main" id="{B5D795CF-5F70-4821-BB11-0B2B8FCCD45A}"/>
+              </a:ext>
+              <a:ext uri="{C183D7F6-B498-43B3-948B-1728B52AA6E4}">
+                <adec:decorative xmlns:adec="http://schemas.microsoft.com/office/drawing/2017/decorative" val="1"/>
+              </a:ext>
+            </a:extLst>
+          </p:cNvPr>
+          <p:cNvSpPr>
+            <a:spLocks noGrp="1" noRot="1" noChangeAspect="1" noMove="1" noResize="1" noEditPoints="1" noAdjustHandles="1" noChangeArrowheads="1" noChangeShapeType="1" noTextEdit="1"/>
+          </p:cNvSpPr>
+          <p:nvPr>
+            <p:extLst>
+              <p:ext uri="{386F3935-93C4-4BCD-93E2-E3B085C9AB24}">
+                <p16:designElem xmlns:p16="http://schemas.microsoft.com/office/powerpoint/2015/main" val="1"/>
+              </p:ext>
+            </p:extLst>
+          </p:nvPr>
+        </p:nvSpPr>
+        <p:spPr>
+          <a:xfrm>
+            <a:off x="0" y="638175"/>
+            <a:ext cx="12191999" cy="6219825"/>
+          </a:xfrm>
+          <a:prstGeom prst="rect">
+            <a:avLst/>
+          </a:prstGeom>
+          <a:ln>
+            <a:noFill/>
+          </a:ln>
+        </p:spPr>
+        <p:style>
+          <a:lnRef idx="2">
+            <a:schemeClr val="accent1">
+              <a:shade val="50000"/>
+            </a:schemeClr>
+          </a:lnRef>
+          <a:fillRef idx="1">
+            <a:schemeClr val="accent1"/>
+          </a:fillRef>
+          <a:effectRef idx="0">
+            <a:schemeClr val="accent1"/>
+          </a:effectRef>
+          <a:fontRef idx="minor">
+            <a:schemeClr val="lt1"/>
+          </a:fontRef>
+        </p:style>
+        <p:txBody>
+          <a:bodyPr rtlCol="0" anchor="ctr"/>
+          <a:lstStyle/>
+          <a:p>
+            <a:pPr algn="ctr"/>
+            <a:endParaRPr lang="en-US"/>
+          </a:p>
+        </p:txBody>
+      </p:sp>
+      <p:sp>
+        <p:nvSpPr>
+          <p:cNvPr id="12" name="Rectangle 11">
+            <a:extLst>
+              <a:ext uri="{FF2B5EF4-FFF2-40B4-BE49-F238E27FC236}">
+                <a16:creationId xmlns:a16="http://schemas.microsoft.com/office/drawing/2014/main" id="{73B1AC31-0B6C-4781-BA06-16BE17F8AFBE}"/>
+              </a:ext>
+              <a:ext uri="{C183D7F6-B498-43B3-948B-1728B52AA6E4}">
+                <adec:decorative xmlns:adec="http://schemas.microsoft.com/office/drawing/2017/decorative" val="1"/>
+              </a:ext>
+            </a:extLst>
+          </p:cNvPr>
+          <p:cNvSpPr>
+            <a:spLocks noGrp="1" noRot="1" noChangeAspect="1" noMove="1" noResize="1" noEditPoints="1" noAdjustHandles="1" noChangeArrowheads="1" noChangeShapeType="1" noTextEdit="1"/>
+          </p:cNvSpPr>
+          <p:nvPr>
+            <p:extLst>
+              <p:ext uri="{386F3935-93C4-4BCD-93E2-E3B085C9AB24}">
+                <p16:designElem xmlns:p16="http://schemas.microsoft.com/office/powerpoint/2015/main" val="1"/>
+              </p:ext>
+            </p:extLst>
+          </p:nvPr>
+        </p:nvSpPr>
+        <p:spPr>
+          <a:xfrm>
+            <a:off x="4246851" y="723899"/>
+            <a:ext cx="7498616" cy="5666666"/>
+          </a:xfrm>
+          <a:prstGeom prst="rect">
+            <a:avLst/>
+          </a:prstGeom>
+          <a:solidFill>
+            <a:schemeClr val="accent1"/>
+          </a:solidFill>
+          <a:ln>
+            <a:noFill/>
+          </a:ln>
+          <a:effectLst/>
+        </p:spPr>
+        <p:style>
+          <a:lnRef idx="1">
+            <a:schemeClr val="accent1"/>
+          </a:lnRef>
+          <a:fillRef idx="3">
+            <a:schemeClr val="accent1"/>
+          </a:fillRef>
+          <a:effectRef idx="2">
+            <a:schemeClr val="accent1"/>
+          </a:effectRef>
+          <a:fontRef idx="minor">
+            <a:schemeClr val="lt1"/>
+          </a:fontRef>
+        </p:style>
+      </p:sp>
       <p:sp>
         <p:nvSpPr>
           <p:cNvPr id="2" name="Titel 1">
@@ -4501,19 +7353,18 @@
         </p:nvSpPr>
         <p:spPr>
           <a:xfrm>
-            <a:off x="1839468" y="331724"/>
-            <a:ext cx="8263128" cy="4470399"/>
+            <a:off x="4579243" y="1419225"/>
+            <a:ext cx="6798608" cy="2085869"/>
           </a:xfrm>
-          <a:noFill/>
         </p:spPr>
         <p:txBody>
-          <a:bodyPr anchor="ctr">
+          <a:bodyPr>
             <a:normAutofit/>
           </a:bodyPr>
           <a:lstStyle/>
           <a:p>
             <a:r>
-              <a:rPr lang="da-DK" sz="5400" dirty="0">
+              <a:rPr lang="da-DK" sz="4800" dirty="0">
                 <a:solidFill>
                   <a:srgbClr val="FFFFFF"/>
                 </a:solidFill>
@@ -4541,27 +7392,103 @@
         </p:nvSpPr>
         <p:spPr>
           <a:xfrm>
-            <a:off x="1261872" y="5533371"/>
-            <a:ext cx="9418320" cy="896658"/>
+            <a:off x="4579243" y="3505095"/>
+            <a:ext cx="6798608" cy="1733655"/>
           </a:xfrm>
         </p:spPr>
         <p:txBody>
-          <a:bodyPr anchor="ctr">
-            <a:normAutofit/>
+          <a:bodyPr>
+            <a:normAutofit lnSpcReduction="10000"/>
           </a:bodyPr>
           <a:lstStyle/>
           <a:p>
-            <a:r>
-              <a:rPr lang="da-DK" sz="2800" dirty="0">
+            <a:endParaRPr lang="da-DK" dirty="0">
+              <a:solidFill>
+                <a:srgbClr val="EBEBEB"/>
+              </a:solidFill>
+            </a:endParaRPr>
+          </a:p>
+          <a:p>
+            <a:r>
+              <a:rPr lang="da-DK" dirty="0">
                 <a:solidFill>
-                  <a:schemeClr val="tx1"/>
+                  <a:srgbClr val="EBEBEB"/>
                 </a:solidFill>
               </a:rPr>
-              <a:t>Af Patrick, Matthias, Christian og Casper</a:t>
+              <a:t>Patrick Sirich </a:t>
+            </a:r>
+          </a:p>
+          <a:p>
+            <a:r>
+              <a:rPr lang="da-DK" dirty="0">
+                <a:solidFill>
+                  <a:srgbClr val="EBEBEB"/>
+                </a:solidFill>
+              </a:rPr>
+              <a:t>Matthias Skou</a:t>
+            </a:r>
+          </a:p>
+          <a:p>
+            <a:r>
+              <a:rPr lang="da-DK" dirty="0">
+                <a:solidFill>
+                  <a:srgbClr val="EBEBEB"/>
+                </a:solidFill>
+              </a:rPr>
+              <a:t>Christian Strunge</a:t>
+            </a:r>
+          </a:p>
+          <a:p>
+            <a:r>
+              <a:rPr lang="da-DK" dirty="0">
+                <a:solidFill>
+                  <a:srgbClr val="EBEBEB"/>
+                </a:solidFill>
+              </a:rPr>
+              <a:t>Casper Frost</a:t>
             </a:r>
           </a:p>
         </p:txBody>
       </p:sp>
+      <p:pic>
+        <p:nvPicPr>
+          <p:cNvPr id="7" name="Graphic 6">
+            <a:extLst>
+              <a:ext uri="{FF2B5EF4-FFF2-40B4-BE49-F238E27FC236}">
+                <a16:creationId xmlns:a16="http://schemas.microsoft.com/office/drawing/2014/main" id="{06CA165C-6172-418D-92EE-05500D9C0002}"/>
+              </a:ext>
+            </a:extLst>
+          </p:cNvPr>
+          <p:cNvPicPr>
+            <a:picLocks noChangeAspect="1"/>
+          </p:cNvPicPr>
+          <p:nvPr/>
+        </p:nvPicPr>
+        <p:blipFill>
+          <a:blip r:embed="rId2">
+            <a:extLst>
+              <a:ext uri="{28A0092B-C50C-407E-A947-70E740481C1C}">
+                <a14:useLocalDpi xmlns:a14="http://schemas.microsoft.com/office/drawing/2010/main" val="0"/>
+              </a:ext>
+              <a:ext uri="{96DAC541-7B7A-43D3-8B79-37D633B846F1}">
+                <asvg:svgBlip xmlns:asvg="http://schemas.microsoft.com/office/drawing/2016/SVG/main" r:embed="rId3"/>
+              </a:ext>
+            </a:extLst>
+          </a:blip>
+          <a:stretch>
+            <a:fillRect/>
+          </a:stretch>
+        </p:blipFill>
+        <p:spPr>
+          <a:xfrm>
+            <a:off x="770299" y="2010616"/>
+            <a:ext cx="3058835" cy="3058835"/>
+          </a:xfrm>
+          <a:prstGeom prst="rect">
+            <a:avLst/>
+          </a:prstGeom>
+        </p:spPr>
+      </p:pic>
     </p:spTree>
     <p:extLst>
       <p:ext uri="{BB962C8B-B14F-4D97-AF65-F5344CB8AC3E}">
@@ -4717,8 +7644,21 @@
             <a:pPr lvl="2"/>
             <a:r>
               <a:rPr lang="da-DK" dirty="0"/>
-              <a:t>Udviklingsmodellen</a:t>
-            </a:r>
+              <a:t>UP </a:t>
+            </a:r>
+            <a:r>
+              <a:rPr lang="da-DK" dirty="0" err="1"/>
+              <a:t>vs</a:t>
+            </a:r>
+            <a:r>
+              <a:rPr lang="da-DK" dirty="0"/>
+              <a:t> </a:t>
+            </a:r>
+            <a:r>
+              <a:rPr lang="da-DK" dirty="0" err="1"/>
+              <a:t>Scrum</a:t>
+            </a:r>
+            <a:endParaRPr lang="da-DK" dirty="0"/>
           </a:p>
           <a:p>
             <a:pPr lvl="1"/>
@@ -4773,6 +7713,14 @@
 <file path=ppt/slides/slide3.xml><?xml version="1.0" encoding="utf-8"?>
 <p:sld xmlns:a="http://schemas.openxmlformats.org/drawingml/2006/main" xmlns:r="http://schemas.openxmlformats.org/officeDocument/2006/relationships" xmlns:p="http://schemas.openxmlformats.org/presentationml/2006/main">
   <p:cSld>
+    <p:bg>
+      <p:bgPr>
+        <a:solidFill>
+          <a:schemeClr val="bg1"/>
+        </a:solidFill>
+        <a:effectLst/>
+      </p:bgPr>
+    </p:bg>
     <p:spTree>
       <p:nvGrpSpPr>
         <p:cNvPr id="1" name=""/>
@@ -4787,6 +7735,126 @@
           <a:chExt cx="0" cy="0"/>
         </a:xfrm>
       </p:grpSpPr>
+      <p:sp useBgFill="1">
+        <p:nvSpPr>
+          <p:cNvPr id="23" name="Rectangle 14">
+            <a:extLst>
+              <a:ext uri="{FF2B5EF4-FFF2-40B4-BE49-F238E27FC236}">
+                <a16:creationId xmlns:a16="http://schemas.microsoft.com/office/drawing/2014/main" id="{B373F125-DEF3-41D6-9918-AB21A2ACC37A}"/>
+              </a:ext>
+              <a:ext uri="{C183D7F6-B498-43B3-948B-1728B52AA6E4}">
+                <adec:decorative xmlns:adec="http://schemas.microsoft.com/office/drawing/2017/decorative" val="1"/>
+              </a:ext>
+            </a:extLst>
+          </p:cNvPr>
+          <p:cNvSpPr>
+            <a:spLocks noGrp="1" noRot="1" noChangeAspect="1" noMove="1" noResize="1" noEditPoints="1" noAdjustHandles="1" noChangeArrowheads="1" noChangeShapeType="1" noTextEdit="1"/>
+          </p:cNvSpPr>
+          <p:nvPr>
+            <p:extLst>
+              <p:ext uri="{386F3935-93C4-4BCD-93E2-E3B085C9AB24}">
+                <p16:designElem xmlns:p16="http://schemas.microsoft.com/office/powerpoint/2015/main" val="1"/>
+              </p:ext>
+            </p:extLst>
+          </p:nvPr>
+        </p:nvSpPr>
+        <p:spPr>
+          <a:xfrm>
+            <a:off x="0" y="0"/>
+            <a:ext cx="12192000" cy="6858000"/>
+          </a:xfrm>
+          <a:prstGeom prst="rect">
+            <a:avLst/>
+          </a:prstGeom>
+          <a:ln>
+            <a:noFill/>
+          </a:ln>
+        </p:spPr>
+        <p:style>
+          <a:lnRef idx="2">
+            <a:schemeClr val="accent1">
+              <a:shade val="50000"/>
+            </a:schemeClr>
+          </a:lnRef>
+          <a:fillRef idx="1">
+            <a:schemeClr val="accent1"/>
+          </a:fillRef>
+          <a:effectRef idx="0">
+            <a:schemeClr val="accent1"/>
+          </a:effectRef>
+          <a:fontRef idx="minor">
+            <a:schemeClr val="lt1"/>
+          </a:fontRef>
+        </p:style>
+        <p:txBody>
+          <a:bodyPr rtlCol="0" anchor="ctr"/>
+          <a:lstStyle/>
+          <a:p>
+            <a:pPr algn="ctr"/>
+            <a:endParaRPr lang="en-US"/>
+          </a:p>
+        </p:txBody>
+      </p:sp>
+      <p:sp>
+        <p:nvSpPr>
+          <p:cNvPr id="24" name="Rectangle 16">
+            <a:extLst>
+              <a:ext uri="{FF2B5EF4-FFF2-40B4-BE49-F238E27FC236}">
+                <a16:creationId xmlns:a16="http://schemas.microsoft.com/office/drawing/2014/main" id="{71E9F226-EB6E-48C9-ADDA-636DE4BF4EBE}"/>
+              </a:ext>
+              <a:ext uri="{C183D7F6-B498-43B3-948B-1728B52AA6E4}">
+                <adec:decorative xmlns:adec="http://schemas.microsoft.com/office/drawing/2017/decorative" val="1"/>
+              </a:ext>
+            </a:extLst>
+          </p:cNvPr>
+          <p:cNvSpPr>
+            <a:spLocks noGrp="1" noRot="1" noChangeAspect="1" noMove="1" noResize="1" noEditPoints="1" noAdjustHandles="1" noChangeArrowheads="1" noChangeShapeType="1" noTextEdit="1"/>
+          </p:cNvSpPr>
+          <p:nvPr>
+            <p:extLst>
+              <p:ext uri="{386F3935-93C4-4BCD-93E2-E3B085C9AB24}">
+                <p16:designElem xmlns:p16="http://schemas.microsoft.com/office/powerpoint/2015/main" val="1"/>
+              </p:ext>
+            </p:extLst>
+          </p:nvPr>
+        </p:nvSpPr>
+        <p:spPr>
+          <a:xfrm>
+            <a:off x="490581" y="485678"/>
+            <a:ext cx="4174743" cy="5888772"/>
+          </a:xfrm>
+          <a:prstGeom prst="rect">
+            <a:avLst/>
+          </a:prstGeom>
+          <a:ln>
+            <a:noFill/>
+          </a:ln>
+        </p:spPr>
+        <p:style>
+          <a:lnRef idx="2">
+            <a:schemeClr val="accent1">
+              <a:shade val="50000"/>
+            </a:schemeClr>
+          </a:lnRef>
+          <a:fillRef idx="1">
+            <a:schemeClr val="accent1"/>
+          </a:fillRef>
+          <a:effectRef idx="0">
+            <a:schemeClr val="accent1"/>
+          </a:effectRef>
+          <a:fontRef idx="minor">
+            <a:schemeClr val="lt1"/>
+          </a:fontRef>
+        </p:style>
+        <p:txBody>
+          <a:bodyPr rtlCol="0" anchor="ctr"/>
+          <a:lstStyle/>
+          <a:p>
+            <a:pPr algn="ctr"/>
+            <a:endParaRPr lang="en-US"/>
+          </a:p>
+        </p:txBody>
+      </p:sp>
       <p:sp>
         <p:nvSpPr>
           <p:cNvPr id="2" name="Titel 1">
@@ -4803,13 +7871,25 @@
             <p:ph type="title"/>
           </p:nvPr>
         </p:nvSpPr>
-        <p:spPr/>
+        <p:spPr>
+          <a:xfrm>
+            <a:off x="959157" y="1113764"/>
+            <a:ext cx="3269749" cy="4624327"/>
+          </a:xfrm>
+        </p:spPr>
         <p:txBody>
-          <a:bodyPr/>
+          <a:bodyPr anchor="ctr">
+            <a:normAutofit/>
+          </a:bodyPr>
           <a:lstStyle/>
           <a:p>
-            <a:r>
-              <a:rPr lang="da-DK" dirty="0"/>
+            <a:pPr algn="ctr"/>
+            <a:r>
+              <a:rPr lang="da-DK" sz="3200" dirty="0">
+                <a:solidFill>
+                  <a:srgbClr val="FFFFFF"/>
+                </a:solidFill>
+              </a:rPr>
               <a:t>People</a:t>
             </a:r>
           </a:p>
@@ -4833,180 +7913,224 @@
         </p:nvSpPr>
         <p:spPr>
           <a:xfrm>
-            <a:off x="1203767" y="1865376"/>
-            <a:ext cx="9479665" cy="4732194"/>
+            <a:off x="5155905" y="1113764"/>
+            <a:ext cx="6108179" cy="4624327"/>
           </a:xfrm>
         </p:spPr>
         <p:txBody>
-          <a:bodyPr>
-            <a:normAutofit fontScale="70000" lnSpcReduction="20000"/>
+          <a:bodyPr anchor="ctr">
+            <a:normAutofit fontScale="92500" lnSpcReduction="20000"/>
           </a:bodyPr>
           <a:lstStyle/>
           <a:p>
-            <a:r>
-              <a:rPr lang="da-DK" sz="1700" dirty="0"/>
+            <a:pPr>
+              <a:lnSpc>
+                <a:spcPct val="90000"/>
+              </a:lnSpc>
+            </a:pPr>
+            <a:r>
+              <a:rPr lang="da-DK" sz="1300" dirty="0"/>
               <a:t>Rollefordeling</a:t>
             </a:r>
           </a:p>
           <a:p>
-            <a:pPr lvl="1"/>
-            <a:r>
-              <a:rPr lang="da-DK" sz="1700" dirty="0"/>
-              <a:t>Patrick: Product </a:t>
-            </a:r>
-            <a:r>
-              <a:rPr lang="da-DK" sz="1700" dirty="0" err="1"/>
-              <a:t>Owner</a:t>
-            </a:r>
-            <a:endParaRPr lang="da-DK" sz="1700" dirty="0"/>
-          </a:p>
-          <a:p>
-            <a:pPr lvl="2"/>
-            <a:r>
-              <a:rPr lang="da-DK" sz="1700" dirty="0"/>
-              <a:t>User </a:t>
-            </a:r>
-            <a:r>
-              <a:rPr lang="da-DK" sz="1700" dirty="0" err="1"/>
-              <a:t>stories</a:t>
-            </a:r>
-            <a:endParaRPr lang="da-DK" sz="1700" dirty="0"/>
-          </a:p>
-          <a:p>
-            <a:pPr lvl="2"/>
-            <a:r>
-              <a:rPr lang="da-DK" sz="1700" dirty="0"/>
-              <a:t>Product </a:t>
-            </a:r>
-            <a:r>
-              <a:rPr lang="da-DK" sz="1700" dirty="0" err="1"/>
-              <a:t>Backlog</a:t>
-            </a:r>
-            <a:endParaRPr lang="da-DK" sz="1700" dirty="0"/>
-          </a:p>
-          <a:p>
-            <a:pPr lvl="1"/>
-            <a:r>
-              <a:rPr lang="da-DK" sz="1700" dirty="0"/>
+            <a:pPr lvl="1">
+              <a:lnSpc>
+                <a:spcPct val="90000"/>
+              </a:lnSpc>
+            </a:pPr>
+            <a:r>
+              <a:rPr lang="da-DK" sz="1300" dirty="0"/>
+              <a:t>Patrick: Product Owner</a:t>
+            </a:r>
+          </a:p>
+          <a:p>
+            <a:pPr lvl="2">
+              <a:lnSpc>
+                <a:spcPct val="90000"/>
+              </a:lnSpc>
+            </a:pPr>
+            <a:r>
+              <a:rPr lang="da-DK" sz="1300" dirty="0"/>
+              <a:t>User stories</a:t>
+            </a:r>
+          </a:p>
+          <a:p>
+            <a:pPr lvl="2">
+              <a:lnSpc>
+                <a:spcPct val="90000"/>
+              </a:lnSpc>
+            </a:pPr>
+            <a:r>
+              <a:rPr lang="da-DK" sz="1300" dirty="0"/>
+              <a:t>Product Backlog</a:t>
+            </a:r>
+          </a:p>
+          <a:p>
+            <a:pPr lvl="1">
+              <a:lnSpc>
+                <a:spcPct val="90000"/>
+              </a:lnSpc>
+            </a:pPr>
+            <a:r>
+              <a:rPr lang="da-DK" sz="1300" dirty="0"/>
               <a:t>Casper: Rapport-ansvarlig</a:t>
             </a:r>
           </a:p>
           <a:p>
-            <a:pPr lvl="2"/>
-            <a:r>
-              <a:rPr lang="da-DK" sz="1700" dirty="0"/>
+            <a:pPr lvl="2">
+              <a:lnSpc>
+                <a:spcPct val="90000"/>
+              </a:lnSpc>
+            </a:pPr>
+            <a:r>
+              <a:rPr lang="da-DK" sz="1300" dirty="0"/>
               <a:t>Layout</a:t>
             </a:r>
           </a:p>
           <a:p>
-            <a:pPr lvl="2"/>
-            <a:r>
-              <a:rPr lang="da-DK" sz="1700" dirty="0"/>
+            <a:pPr lvl="2">
+              <a:lnSpc>
+                <a:spcPct val="90000"/>
+              </a:lnSpc>
+            </a:pPr>
+            <a:r>
+              <a:rPr lang="da-DK" sz="1300" dirty="0"/>
               <a:t>Rød tråd</a:t>
             </a:r>
           </a:p>
           <a:p>
-            <a:pPr lvl="1"/>
-            <a:r>
-              <a:rPr lang="da-DK" sz="1700" dirty="0"/>
-              <a:t>Matthias: Kode- og </a:t>
-            </a:r>
-            <a:r>
-              <a:rPr lang="da-DK" sz="1700" dirty="0" err="1"/>
-              <a:t>task</a:t>
-            </a:r>
-            <a:r>
-              <a:rPr lang="da-DK" sz="1700" dirty="0"/>
-              <a:t> ansvarlig</a:t>
-            </a:r>
-          </a:p>
-          <a:p>
-            <a:pPr lvl="2"/>
-            <a:r>
-              <a:rPr lang="da-DK" sz="1700" dirty="0" err="1"/>
-              <a:t>Task</a:t>
-            </a:r>
-            <a:r>
-              <a:rPr lang="da-DK" sz="1700" dirty="0"/>
-              <a:t> prioritering</a:t>
-            </a:r>
-          </a:p>
-          <a:p>
-            <a:pPr lvl="2"/>
-            <a:r>
-              <a:rPr lang="da-DK" sz="1700" dirty="0"/>
-              <a:t>End tests &amp; </a:t>
-            </a:r>
-            <a:r>
-              <a:rPr lang="da-DK" sz="1700" dirty="0" err="1"/>
+            <a:pPr lvl="1">
+              <a:lnSpc>
+                <a:spcPct val="90000"/>
+              </a:lnSpc>
+            </a:pPr>
+            <a:r>
+              <a:rPr lang="da-DK" sz="1300" dirty="0"/>
+              <a:t>Matthias: Kode- og task ansvarlig</a:t>
+            </a:r>
+          </a:p>
+          <a:p>
+            <a:pPr lvl="2">
+              <a:lnSpc>
+                <a:spcPct val="90000"/>
+              </a:lnSpc>
+            </a:pPr>
+            <a:r>
+              <a:rPr lang="da-DK" sz="1300" dirty="0"/>
+              <a:t>Task prioritering</a:t>
+            </a:r>
+          </a:p>
+          <a:p>
+            <a:pPr lvl="2">
+              <a:lnSpc>
+                <a:spcPct val="90000"/>
+              </a:lnSpc>
+            </a:pPr>
+            <a:r>
+              <a:rPr lang="da-DK" sz="1300" dirty="0"/>
+              <a:t>End tests &amp; Reviews</a:t>
+            </a:r>
+          </a:p>
+          <a:p>
+            <a:pPr lvl="1">
+              <a:lnSpc>
+                <a:spcPct val="90000"/>
+              </a:lnSpc>
+            </a:pPr>
+            <a:r>
+              <a:rPr lang="da-DK" sz="1300" dirty="0"/>
+              <a:t>Christian: SCRUM-Master &amp; Project Manager</a:t>
+            </a:r>
+          </a:p>
+          <a:p>
+            <a:pPr lvl="2">
+              <a:lnSpc>
+                <a:spcPct val="90000"/>
+              </a:lnSpc>
+            </a:pPr>
+            <a:r>
+              <a:rPr lang="da-DK" sz="1300" dirty="0"/>
+              <a:t>SCRUM</a:t>
+            </a:r>
+          </a:p>
+          <a:p>
+            <a:pPr lvl="2">
+              <a:lnSpc>
+                <a:spcPct val="90000"/>
+              </a:lnSpc>
+            </a:pPr>
+            <a:r>
+              <a:rPr lang="da-DK" sz="1300" dirty="0"/>
+              <a:t>Arbejdsmiljø</a:t>
+            </a:r>
+          </a:p>
+          <a:p>
+            <a:pPr lvl="1">
+              <a:lnSpc>
+                <a:spcPct val="90000"/>
+              </a:lnSpc>
+            </a:pPr>
+            <a:r>
+              <a:rPr lang="da-DK" sz="1300" dirty="0"/>
+              <a:t>Formål?</a:t>
+            </a:r>
+          </a:p>
+          <a:p>
+            <a:pPr lvl="2">
+              <a:lnSpc>
+                <a:spcPct val="90000"/>
+              </a:lnSpc>
+            </a:pPr>
+            <a:r>
+              <a:rPr lang="da-DK" sz="1300" dirty="0"/>
+              <a:t>Arbejdsfordeling</a:t>
+            </a:r>
+          </a:p>
+          <a:p>
+            <a:pPr lvl="2">
+              <a:lnSpc>
+                <a:spcPct val="90000"/>
+              </a:lnSpc>
+            </a:pPr>
+            <a:r>
+              <a:rPr lang="da-DK" sz="1300" dirty="0" err="1"/>
+              <a:t>Effiktivitet</a:t>
+            </a:r>
+            <a:r>
+              <a:rPr lang="da-DK" sz="1300" dirty="0"/>
+              <a:t> &amp; forcer</a:t>
+            </a:r>
+          </a:p>
+          <a:p>
+            <a:pPr lvl="2">
+              <a:lnSpc>
+                <a:spcPct val="90000"/>
+              </a:lnSpc>
+            </a:pPr>
+            <a:r>
+              <a:rPr lang="da-DK" sz="1300" dirty="0"/>
+              <a:t>Beslutningstagen</a:t>
+            </a:r>
+          </a:p>
+          <a:p>
+            <a:pPr lvl="2">
+              <a:lnSpc>
+                <a:spcPct val="90000"/>
+              </a:lnSpc>
+            </a:pPr>
+            <a:r>
+              <a:rPr lang="da-DK" sz="1300" dirty="0"/>
               <a:t>Reviews</a:t>
             </a:r>
-            <a:endParaRPr lang="da-DK" sz="1700" dirty="0"/>
-          </a:p>
-          <a:p>
-            <a:pPr lvl="1"/>
-            <a:r>
-              <a:rPr lang="da-DK" sz="1700" dirty="0"/>
-              <a:t>Christian: SCRUM-Master &amp; Project Manager</a:t>
-            </a:r>
-          </a:p>
-          <a:p>
-            <a:pPr lvl="2"/>
-            <a:r>
-              <a:rPr lang="da-DK" sz="1700" dirty="0"/>
-              <a:t>SCRUM</a:t>
-            </a:r>
-          </a:p>
-          <a:p>
-            <a:pPr lvl="2"/>
-            <a:r>
-              <a:rPr lang="da-DK" sz="1700" dirty="0"/>
-              <a:t>Arbejdsmiljø</a:t>
-            </a:r>
-          </a:p>
-          <a:p>
-            <a:pPr lvl="1"/>
-            <a:r>
-              <a:rPr lang="da-DK" sz="1700" dirty="0"/>
-              <a:t>Formål?</a:t>
-            </a:r>
-          </a:p>
-          <a:p>
-            <a:pPr lvl="2"/>
-            <a:r>
-              <a:rPr lang="da-DK" sz="1700" dirty="0"/>
-              <a:t>Arbejdsfordeling</a:t>
-            </a:r>
-          </a:p>
-          <a:p>
-            <a:pPr lvl="2"/>
-            <a:r>
-              <a:rPr lang="da-DK" sz="1700" dirty="0" err="1"/>
-              <a:t>Effiktivitet</a:t>
-            </a:r>
-            <a:r>
-              <a:rPr lang="da-DK" sz="1700" dirty="0"/>
-              <a:t> &amp; forcer</a:t>
-            </a:r>
-          </a:p>
-          <a:p>
-            <a:pPr lvl="2"/>
-            <a:r>
-              <a:rPr lang="da-DK" sz="1700" dirty="0"/>
-              <a:t>Beslutningstagen</a:t>
-            </a:r>
-          </a:p>
-          <a:p>
-            <a:pPr lvl="2"/>
-            <a:r>
-              <a:rPr lang="da-DK" sz="1700" dirty="0" err="1"/>
-              <a:t>Reviews</a:t>
-            </a:r>
-            <a:endParaRPr lang="da-DK" sz="1700" dirty="0"/>
-          </a:p>
-          <a:p>
-            <a:pPr lvl="1"/>
-            <a:endParaRPr lang="da-DK" dirty="0"/>
+          </a:p>
+          <a:p>
+            <a:pPr lvl="1">
+              <a:lnSpc>
+                <a:spcPct val="90000"/>
+              </a:lnSpc>
+            </a:pPr>
+            <a:endParaRPr lang="da-DK" sz="1300" dirty="0"/>
           </a:p>
         </p:txBody>
       </p:sp>
@@ -5026,6 +8150,14 @@
 <file path=ppt/slides/slide4.xml><?xml version="1.0" encoding="utf-8"?>
 <p:sld xmlns:a="http://schemas.openxmlformats.org/drawingml/2006/main" xmlns:r="http://schemas.openxmlformats.org/officeDocument/2006/relationships" xmlns:p="http://schemas.openxmlformats.org/presentationml/2006/main">
   <p:cSld>
+    <p:bg>
+      <p:bgPr>
+        <a:solidFill>
+          <a:schemeClr val="bg1"/>
+        </a:solidFill>
+        <a:effectLst/>
+      </p:bgPr>
+    </p:bg>
     <p:spTree>
       <p:nvGrpSpPr>
         <p:cNvPr id="1" name=""/>
@@ -5056,82 +8188,60 @@
             <p:ph type="title"/>
           </p:nvPr>
         </p:nvSpPr>
-        <p:spPr/>
+        <p:spPr>
+          <a:xfrm>
+            <a:off x="581192" y="702156"/>
+            <a:ext cx="11029616" cy="1013800"/>
+          </a:xfrm>
+        </p:spPr>
         <p:txBody>
-          <a:bodyPr/>
+          <a:bodyPr>
+            <a:normAutofit/>
+          </a:bodyPr>
           <a:lstStyle/>
           <a:p>
             <a:r>
-              <a:rPr lang="da-DK" dirty="0"/>
+              <a:rPr lang="da-DK">
+                <a:solidFill>
+                  <a:srgbClr val="FFFEFF"/>
+                </a:solidFill>
+              </a:rPr>
               <a:t>Product</a:t>
             </a:r>
           </a:p>
         </p:txBody>
       </p:sp>
-      <p:sp>
-        <p:nvSpPr>
-          <p:cNvPr id="3" name="Pladsholder til indhold 2">
+      <p:graphicFrame>
+        <p:nvGraphicFramePr>
+          <p:cNvPr id="20" name="Pladsholder til indhold 2">
             <a:extLst>
               <a:ext uri="{FF2B5EF4-FFF2-40B4-BE49-F238E27FC236}">
-                <a16:creationId xmlns:a16="http://schemas.microsoft.com/office/drawing/2014/main" id="{49D76E36-7768-45CB-872A-66C3D7A504DA}"/>
+                <a16:creationId xmlns:a16="http://schemas.microsoft.com/office/drawing/2014/main" id="{68D061BA-49F3-484C-A313-0C7BE7FA5194}"/>
               </a:ext>
             </a:extLst>
           </p:cNvPr>
-          <p:cNvSpPr>
-            <a:spLocks noGrp="1"/>
-          </p:cNvSpPr>
+          <p:cNvGraphicFramePr>
+            <a:graphicFrameLocks noGrp="1"/>
+          </p:cNvGraphicFramePr>
           <p:nvPr>
             <p:ph idx="1"/>
-          </p:nvPr>
-        </p:nvSpPr>
-        <p:spPr/>
-        <p:txBody>
-          <a:bodyPr/>
-          <a:lstStyle/>
-          <a:p>
-            <a:r>
-              <a:rPr lang="da-DK" dirty="0" err="1"/>
-              <a:t>YourLocal</a:t>
-            </a:r>
-            <a:r>
-              <a:rPr lang="da-DK" dirty="0"/>
-              <a:t> API</a:t>
-            </a:r>
-          </a:p>
-          <a:p>
-            <a:endParaRPr lang="da-DK" dirty="0"/>
-          </a:p>
-          <a:p>
-            <a:r>
-              <a:rPr lang="da-DK" dirty="0" err="1"/>
-              <a:t>TheNext</a:t>
-            </a:r>
-            <a:r>
-              <a:rPr lang="da-DK" dirty="0"/>
-              <a:t> API</a:t>
-            </a:r>
-          </a:p>
-          <a:p>
-            <a:endParaRPr lang="da-DK" dirty="0"/>
-          </a:p>
-          <a:p>
-            <a:r>
-              <a:rPr lang="da-DK" dirty="0" err="1"/>
-              <a:t>Geolokation</a:t>
-            </a:r>
-            <a:endParaRPr lang="da-DK" dirty="0"/>
-          </a:p>
-          <a:p>
-            <a:endParaRPr lang="da-DK" dirty="0"/>
-          </a:p>
-          <a:p>
-            <a:r>
-              <a:rPr lang="da-DK" dirty="0"/>
-              <a:t>Misforståelse</a:t>
-            </a:r>
-          </a:p>
-        </p:txBody>
-      </p:sp>
+            <p:extLst>
+              <p:ext uri="{D42A27DB-BD31-4B8C-83A1-F6EECF244321}">
+                <p14:modId xmlns:p14="http://schemas.microsoft.com/office/powerpoint/2010/main" val="1593200848"/>
+              </p:ext>
+            </p:extLst>
+          </p:nvPr>
+        </p:nvGraphicFramePr>
+        <p:xfrm>
+          <a:off x="581025" y="2181225"/>
+          <a:ext cx="11029950" cy="3678238"/>
+        </p:xfrm>
+        <a:graphic>
+          <a:graphicData uri="http://schemas.openxmlformats.org/drawingml/2006/diagram">
+            <dgm:relIds xmlns:dgm="http://schemas.openxmlformats.org/drawingml/2006/diagram" xmlns:r="http://schemas.openxmlformats.org/officeDocument/2006/relationships" r:dm="rId2" r:lo="rId3" r:qs="rId4" r:cs="rId5"/>
+          </a:graphicData>
+        </a:graphic>
+      </p:graphicFrame>
     </p:spTree>
     <p:extLst>
       <p:ext uri="{BB962C8B-B14F-4D97-AF65-F5344CB8AC3E}">
@@ -5285,7 +8395,7 @@
         </p:nvSpPr>
         <p:spPr>
           <a:xfrm>
-            <a:off x="5274570" y="2733251"/>
+            <a:off x="5359950" y="2862286"/>
             <a:ext cx="1120820" cy="923330"/>
           </a:xfrm>
           <a:prstGeom prst="rect">
@@ -5373,13 +8483,8 @@
             </a:pPr>
             <a:r>
               <a:rPr lang="da-DK" dirty="0"/>
-              <a:t>Sen </a:t>
-            </a:r>
-            <a:r>
-              <a:rPr lang="da-DK" dirty="0" err="1"/>
-              <a:t>deployment</a:t>
-            </a:r>
-            <a:endParaRPr lang="da-DK" dirty="0"/>
+              <a:t>Sen deployment</a:t>
+            </a:r>
           </a:p>
           <a:p>
             <a:pPr marL="285750" indent="-285750">
@@ -5785,6 +8890,14 @@
 <file path=ppt/slides/slide8.xml><?xml version="1.0" encoding="utf-8"?>
 <p:sld xmlns:a="http://schemas.openxmlformats.org/drawingml/2006/main" xmlns:r="http://schemas.openxmlformats.org/officeDocument/2006/relationships" xmlns:p="http://schemas.openxmlformats.org/presentationml/2006/main">
   <p:cSld>
+    <p:bg>
+      <p:bgPr>
+        <a:solidFill>
+          <a:schemeClr val="bg1"/>
+        </a:solidFill>
+        <a:effectLst/>
+      </p:bgPr>
+    </p:bg>
     <p:spTree>
       <p:nvGrpSpPr>
         <p:cNvPr id="1" name=""/>
@@ -5799,6 +8912,120 @@
           <a:chExt cx="0" cy="0"/>
         </a:xfrm>
       </p:grpSpPr>
+      <p:sp useBgFill="1">
+        <p:nvSpPr>
+          <p:cNvPr id="10" name="Rectangle 9">
+            <a:extLst>
+              <a:ext uri="{FF2B5EF4-FFF2-40B4-BE49-F238E27FC236}">
+                <a16:creationId xmlns:a16="http://schemas.microsoft.com/office/drawing/2014/main" id="{879A26B8-6C4E-452B-ADD3-ED324A7AB7E8}"/>
+              </a:ext>
+              <a:ext uri="{C183D7F6-B498-43B3-948B-1728B52AA6E4}">
+                <adec:decorative xmlns:adec="http://schemas.microsoft.com/office/drawing/2017/decorative" val="1"/>
+              </a:ext>
+            </a:extLst>
+          </p:cNvPr>
+          <p:cNvSpPr>
+            <a:spLocks noGrp="1" noRot="1" noChangeAspect="1" noMove="1" noResize="1" noEditPoints="1" noAdjustHandles="1" noChangeArrowheads="1" noChangeShapeType="1" noTextEdit="1"/>
+          </p:cNvSpPr>
+          <p:nvPr>
+            <p:extLst>
+              <p:ext uri="{386F3935-93C4-4BCD-93E2-E3B085C9AB24}">
+                <p16:designElem xmlns:p16="http://schemas.microsoft.com/office/powerpoint/2015/main" val="1"/>
+              </p:ext>
+            </p:extLst>
+          </p:nvPr>
+        </p:nvSpPr>
+        <p:spPr>
+          <a:xfrm>
+            <a:off x="0" y="0"/>
+            <a:ext cx="12192000" cy="6857999"/>
+          </a:xfrm>
+          <a:prstGeom prst="rect">
+            <a:avLst/>
+          </a:prstGeom>
+          <a:ln>
+            <a:noFill/>
+          </a:ln>
+        </p:spPr>
+        <p:style>
+          <a:lnRef idx="2">
+            <a:schemeClr val="accent1">
+              <a:shade val="50000"/>
+            </a:schemeClr>
+          </a:lnRef>
+          <a:fillRef idx="1">
+            <a:schemeClr val="accent1"/>
+          </a:fillRef>
+          <a:effectRef idx="0">
+            <a:schemeClr val="accent1"/>
+          </a:effectRef>
+          <a:fontRef idx="minor">
+            <a:schemeClr val="lt1"/>
+          </a:fontRef>
+        </p:style>
+        <p:txBody>
+          <a:bodyPr rtlCol="0" anchor="ctr"/>
+          <a:lstStyle/>
+          <a:p>
+            <a:pPr algn="ctr"/>
+            <a:endParaRPr lang="en-US"/>
+          </a:p>
+        </p:txBody>
+      </p:sp>
+      <p:sp>
+        <p:nvSpPr>
+          <p:cNvPr id="12" name="Rectangle 11">
+            <a:extLst>
+              <a:ext uri="{FF2B5EF4-FFF2-40B4-BE49-F238E27FC236}">
+                <a16:creationId xmlns:a16="http://schemas.microsoft.com/office/drawing/2014/main" id="{9B4167E1-E2B0-4192-8DA2-6967DDFF87A5}"/>
+              </a:ext>
+              <a:ext uri="{C183D7F6-B498-43B3-948B-1728B52AA6E4}">
+                <adec:decorative xmlns:adec="http://schemas.microsoft.com/office/drawing/2017/decorative" val="1"/>
+              </a:ext>
+            </a:extLst>
+          </p:cNvPr>
+          <p:cNvSpPr>
+            <a:spLocks noGrp="1" noRot="1" noChangeAspect="1" noMove="1" noResize="1" noEditPoints="1" noAdjustHandles="1" noChangeArrowheads="1" noChangeShapeType="1" noTextEdit="1"/>
+          </p:cNvSpPr>
+          <p:nvPr>
+            <p:extLst>
+              <p:ext uri="{386F3935-93C4-4BCD-93E2-E3B085C9AB24}">
+                <p16:designElem xmlns:p16="http://schemas.microsoft.com/office/powerpoint/2015/main" val="1"/>
+              </p:ext>
+            </p:extLst>
+          </p:nvPr>
+        </p:nvSpPr>
+        <p:spPr>
+          <a:xfrm>
+            <a:off x="442377" y="614407"/>
+            <a:ext cx="5609967" cy="5611772"/>
+          </a:xfrm>
+          <a:prstGeom prst="rect">
+            <a:avLst/>
+          </a:prstGeom>
+          <a:solidFill>
+            <a:schemeClr val="accent1"/>
+          </a:solidFill>
+          <a:ln>
+            <a:noFill/>
+          </a:ln>
+          <a:effectLst/>
+        </p:spPr>
+        <p:style>
+          <a:lnRef idx="1">
+            <a:schemeClr val="accent1"/>
+          </a:lnRef>
+          <a:fillRef idx="3">
+            <a:schemeClr val="accent1"/>
+          </a:fillRef>
+          <a:effectRef idx="2">
+            <a:schemeClr val="accent1"/>
+          </a:effectRef>
+          <a:fontRef idx="minor">
+            <a:schemeClr val="lt1"/>
+          </a:fontRef>
+        </p:style>
+      </p:sp>
       <p:sp>
         <p:nvSpPr>
           <p:cNvPr id="2" name="Titel 1">
@@ -5815,17 +9042,136 @@
             <p:ph type="title"/>
           </p:nvPr>
         </p:nvSpPr>
-        <p:spPr/>
+        <p:spPr>
+          <a:xfrm>
+            <a:off x="762121" y="960723"/>
+            <a:ext cx="4968489" cy="1013800"/>
+          </a:xfrm>
+        </p:spPr>
         <p:txBody>
-          <a:bodyPr/>
+          <a:bodyPr>
+            <a:normAutofit/>
+          </a:bodyPr>
           <a:lstStyle/>
           <a:p>
             <a:r>
-              <a:rPr lang="da-DK" dirty="0"/>
+              <a:rPr lang="da-DK" dirty="0">
+                <a:solidFill>
+                  <a:srgbClr val="FFFFFF"/>
+                </a:solidFill>
+              </a:rPr>
               <a:t>Demonstration</a:t>
             </a:r>
           </a:p>
         </p:txBody>
+      </p:sp>
+      <p:sp>
+        <p:nvSpPr>
+          <p:cNvPr id="20" name="Rectangle 13">
+            <a:extLst>
+              <a:ext uri="{FF2B5EF4-FFF2-40B4-BE49-F238E27FC236}">
+                <a16:creationId xmlns:a16="http://schemas.microsoft.com/office/drawing/2014/main" id="{D03E4FEE-2E6A-44AB-B6BA-C1AD0CD6D93B}"/>
+              </a:ext>
+              <a:ext uri="{C183D7F6-B498-43B3-948B-1728B52AA6E4}">
+                <adec:decorative xmlns:adec="http://schemas.microsoft.com/office/drawing/2017/decorative" val="1"/>
+              </a:ext>
+            </a:extLst>
+          </p:cNvPr>
+          <p:cNvSpPr>
+            <a:spLocks noGrp="1" noRot="1" noChangeAspect="1" noMove="1" noResize="1" noEditPoints="1" noAdjustHandles="1" noChangeArrowheads="1" noChangeShapeType="1" noTextEdit="1"/>
+          </p:cNvSpPr>
+          <p:nvPr>
+            <p:extLst>
+              <p:ext uri="{386F3935-93C4-4BCD-93E2-E3B085C9AB24}">
+                <p16:designElem xmlns:p16="http://schemas.microsoft.com/office/powerpoint/2015/main" val="1"/>
+              </p:ext>
+            </p:extLst>
+          </p:nvPr>
+        </p:nvSpPr>
+        <p:spPr>
+          <a:xfrm>
+            <a:off x="446534" y="457200"/>
+            <a:ext cx="5605810" cy="94997"/>
+          </a:xfrm>
+          <a:prstGeom prst="rect">
+            <a:avLst/>
+          </a:prstGeom>
+          <a:solidFill>
+            <a:schemeClr val="accent1"/>
+          </a:solidFill>
+          <a:ln>
+            <a:noFill/>
+          </a:ln>
+          <a:effectLst/>
+        </p:spPr>
+        <p:style>
+          <a:lnRef idx="1">
+            <a:schemeClr val="accent1"/>
+          </a:lnRef>
+          <a:fillRef idx="3">
+            <a:schemeClr val="accent1"/>
+          </a:fillRef>
+          <a:effectRef idx="2">
+            <a:schemeClr val="accent1"/>
+          </a:effectRef>
+          <a:fontRef idx="minor">
+            <a:schemeClr val="lt1"/>
+          </a:fontRef>
+        </p:style>
+      </p:sp>
+      <p:sp>
+        <p:nvSpPr>
+          <p:cNvPr id="21" name="Rectangle 15">
+            <a:extLst>
+              <a:ext uri="{FF2B5EF4-FFF2-40B4-BE49-F238E27FC236}">
+                <a16:creationId xmlns:a16="http://schemas.microsoft.com/office/drawing/2014/main" id="{0817EB59-13B3-43DA-9B91-A7CC174A6069}"/>
+              </a:ext>
+              <a:ext uri="{C183D7F6-B498-43B3-948B-1728B52AA6E4}">
+                <adec:decorative xmlns:adec="http://schemas.microsoft.com/office/drawing/2017/decorative" val="1"/>
+              </a:ext>
+            </a:extLst>
+          </p:cNvPr>
+          <p:cNvSpPr>
+            <a:spLocks noGrp="1" noRot="1" noChangeAspect="1" noMove="1" noResize="1" noEditPoints="1" noAdjustHandles="1" noChangeArrowheads="1" noChangeShapeType="1" noTextEdit="1"/>
+          </p:cNvSpPr>
+          <p:nvPr>
+            <p:extLst>
+              <p:ext uri="{386F3935-93C4-4BCD-93E2-E3B085C9AB24}">
+                <p16:designElem xmlns:p16="http://schemas.microsoft.com/office/powerpoint/2015/main" val="1"/>
+              </p:ext>
+            </p:extLst>
+          </p:nvPr>
+        </p:nvSpPr>
+        <p:spPr>
+          <a:xfrm>
+            <a:off x="6144318" y="457200"/>
+            <a:ext cx="5600007" cy="91440"/>
+          </a:xfrm>
+          <a:prstGeom prst="rect">
+            <a:avLst/>
+          </a:prstGeom>
+          <a:solidFill>
+            <a:schemeClr val="accent2"/>
+          </a:solidFill>
+          <a:ln>
+            <a:noFill/>
+          </a:ln>
+          <a:effectLst/>
+        </p:spPr>
+        <p:style>
+          <a:lnRef idx="1">
+            <a:schemeClr val="accent1"/>
+          </a:lnRef>
+          <a:fillRef idx="3">
+            <a:schemeClr val="accent1"/>
+          </a:fillRef>
+          <a:effectRef idx="2">
+            <a:schemeClr val="accent1"/>
+          </a:effectRef>
+          <a:fontRef idx="minor">
+            <a:schemeClr val="lt1"/>
+          </a:fontRef>
+        </p:style>
       </p:sp>
       <p:sp>
         <p:nvSpPr>
@@ -5843,15 +9189,128 @@
             <p:ph idx="1"/>
           </p:nvPr>
         </p:nvSpPr>
-        <p:spPr/>
+        <p:spPr>
+          <a:xfrm>
+            <a:off x="783387" y="2254102"/>
+            <a:ext cx="4947221" cy="3650344"/>
+          </a:xfrm>
+        </p:spPr>
         <p:txBody>
-          <a:bodyPr/>
+          <a:bodyPr>
+            <a:normAutofit/>
+          </a:bodyPr>
           <a:lstStyle/>
           <a:p>
-            <a:endParaRPr lang="da-DK"/>
+            <a:endParaRPr lang="da-DK" dirty="0">
+              <a:solidFill>
+                <a:srgbClr val="FFFFFF"/>
+              </a:solidFill>
+            </a:endParaRPr>
           </a:p>
         </p:txBody>
       </p:sp>
+      <p:sp>
+        <p:nvSpPr>
+          <p:cNvPr id="22" name="Rectangle 17">
+            <a:extLst>
+              <a:ext uri="{FF2B5EF4-FFF2-40B4-BE49-F238E27FC236}">
+                <a16:creationId xmlns:a16="http://schemas.microsoft.com/office/drawing/2014/main" id="{C5F09389-6A8E-46D6-B5F4-A3C55FAE62EA}"/>
+              </a:ext>
+              <a:ext uri="{C183D7F6-B498-43B3-948B-1728B52AA6E4}">
+                <adec:decorative xmlns:adec="http://schemas.microsoft.com/office/drawing/2017/decorative" val="1"/>
+              </a:ext>
+            </a:extLst>
+          </p:cNvPr>
+          <p:cNvSpPr>
+            <a:spLocks noGrp="1" noRot="1" noChangeAspect="1" noMove="1" noResize="1" noEditPoints="1" noAdjustHandles="1" noChangeArrowheads="1" noChangeShapeType="1" noTextEdit="1"/>
+          </p:cNvSpPr>
+          <p:nvPr>
+            <p:extLst>
+              <p:ext uri="{386F3935-93C4-4BCD-93E2-E3B085C9AB24}">
+                <p16:designElem xmlns:p16="http://schemas.microsoft.com/office/powerpoint/2015/main" val="1"/>
+              </p:ext>
+            </p:extLst>
+          </p:nvPr>
+        </p:nvSpPr>
+        <p:spPr>
+          <a:xfrm>
+            <a:off x="6144319" y="619125"/>
+            <a:ext cx="5600006" cy="5607054"/>
+          </a:xfrm>
+          <a:prstGeom prst="rect">
+            <a:avLst/>
+          </a:prstGeom>
+          <a:solidFill>
+            <a:schemeClr val="bg1"/>
+          </a:solidFill>
+          <a:ln>
+            <a:noFill/>
+          </a:ln>
+        </p:spPr>
+        <p:style>
+          <a:lnRef idx="2">
+            <a:schemeClr val="accent1">
+              <a:shade val="50000"/>
+            </a:schemeClr>
+          </a:lnRef>
+          <a:fillRef idx="1">
+            <a:schemeClr val="accent1"/>
+          </a:fillRef>
+          <a:effectRef idx="0">
+            <a:schemeClr val="accent1"/>
+          </a:effectRef>
+          <a:fontRef idx="minor">
+            <a:schemeClr val="lt1"/>
+          </a:fontRef>
+        </p:style>
+        <p:txBody>
+          <a:bodyPr rtlCol="0" anchor="ctr"/>
+          <a:lstStyle/>
+          <a:p>
+            <a:pPr algn="ctr"/>
+            <a:endParaRPr lang="en-US"/>
+          </a:p>
+        </p:txBody>
+      </p:sp>
+      <p:pic>
+        <p:nvPicPr>
+          <p:cNvPr id="7" name="Graphic 6">
+            <a:extLst>
+              <a:ext uri="{FF2B5EF4-FFF2-40B4-BE49-F238E27FC236}">
+                <a16:creationId xmlns:a16="http://schemas.microsoft.com/office/drawing/2014/main" id="{58D4C100-C52C-4252-9EA6-40DF392373F3}"/>
+              </a:ext>
+            </a:extLst>
+          </p:cNvPr>
+          <p:cNvPicPr>
+            <a:picLocks noChangeAspect="1"/>
+          </p:cNvPicPr>
+          <p:nvPr/>
+        </p:nvPicPr>
+        <p:blipFill>
+          <a:blip r:embed="rId2">
+            <a:extLst>
+              <a:ext uri="{28A0092B-C50C-407E-A947-70E740481C1C}">
+                <a14:useLocalDpi xmlns:a14="http://schemas.microsoft.com/office/drawing/2010/main" val="0"/>
+              </a:ext>
+              <a:ext uri="{96DAC541-7B7A-43D3-8B79-37D633B846F1}">
+                <asvg:svgBlip xmlns:asvg="http://schemas.microsoft.com/office/drawing/2016/SVG/main" r:embed="rId3"/>
+              </a:ext>
+            </a:extLst>
+          </a:blip>
+          <a:stretch>
+            <a:fillRect/>
+          </a:stretch>
+        </p:blipFill>
+        <p:spPr>
+          <a:xfrm>
+            <a:off x="6471493" y="960723"/>
+            <a:ext cx="4945656" cy="4945656"/>
+          </a:xfrm>
+          <a:prstGeom prst="rect">
+            <a:avLst/>
+          </a:prstGeom>
+        </p:spPr>
+      </p:pic>
     </p:spTree>
     <p:extLst>
       <p:ext uri="{BB962C8B-B14F-4D97-AF65-F5344CB8AC3E}">

--- a/The Next præsentation.pptx
+++ b/The Next præsentation.pptx
@@ -926,10 +926,14 @@
         <a:lstStyle/>
         <a:p>
           <a:r>
-            <a:rPr lang="da-DK"/>
-            <a:t>YourLocal API</a:t>
+            <a:rPr lang="da-DK" dirty="0" err="1"/>
+            <a:t>YourLocal</a:t>
           </a:r>
-          <a:endParaRPr lang="en-US"/>
+          <a:r>
+            <a:rPr lang="da-DK" dirty="0"/>
+            <a:t> API</a:t>
+          </a:r>
+          <a:endParaRPr lang="en-US" dirty="0"/>
         </a:p>
       </dgm:t>
     </dgm:pt>
@@ -1281,10 +1285,14 @@
             <a:buNone/>
           </a:pPr>
           <a:r>
-            <a:rPr lang="da-DK" sz="3100" kern="1200"/>
-            <a:t>YourLocal API</a:t>
+            <a:rPr lang="da-DK" sz="3100" kern="1200" dirty="0" err="1"/>
+            <a:t>YourLocal</a:t>
           </a:r>
-          <a:endParaRPr lang="en-US" sz="3100" kern="1200"/>
+          <a:r>
+            <a:rPr lang="da-DK" sz="3100" kern="1200" dirty="0"/>
+            <a:t> API</a:t>
+          </a:r>
+          <a:endParaRPr lang="en-US" sz="3100" kern="1200" dirty="0"/>
         </a:p>
       </dsp:txBody>
       <dsp:txXfrm>
@@ -2944,7 +2952,7 @@
           <a:p>
             <a:fld id="{E61A9C3B-90A7-4284-A63B-100477C064F8}" type="datetimeFigureOut">
               <a:rPr lang="da-DK" smtClean="0"/>
-              <a:t>13-01-2019</a:t>
+              <a:t>14-01-2019</a:t>
             </a:fld>
             <a:endParaRPr lang="da-DK"/>
           </a:p>
@@ -3704,7 +3712,7 @@
           <a:p>
             <a:fld id="{4C52EC6D-AFBA-4F6F-A64F-BA455C0AB0BC}" type="datetimeFigureOut">
               <a:rPr lang="da-DK" smtClean="0"/>
-              <a:t>13-01-2019</a:t>
+              <a:t>14-01-2019</a:t>
             </a:fld>
             <a:endParaRPr lang="da-DK"/>
           </a:p>
@@ -3966,7 +3974,7 @@
           <a:p>
             <a:fld id="{4C52EC6D-AFBA-4F6F-A64F-BA455C0AB0BC}" type="datetimeFigureOut">
               <a:rPr lang="da-DK" smtClean="0"/>
-              <a:t>13-01-2019</a:t>
+              <a:t>14-01-2019</a:t>
             </a:fld>
             <a:endParaRPr lang="da-DK"/>
           </a:p>
@@ -4201,7 +4209,7 @@
           <a:p>
             <a:fld id="{4C52EC6D-AFBA-4F6F-A64F-BA455C0AB0BC}" type="datetimeFigureOut">
               <a:rPr lang="da-DK" smtClean="0"/>
-              <a:t>13-01-2019</a:t>
+              <a:t>14-01-2019</a:t>
             </a:fld>
             <a:endParaRPr lang="da-DK"/>
           </a:p>
@@ -4441,7 +4449,7 @@
           <a:p>
             <a:fld id="{4C52EC6D-AFBA-4F6F-A64F-BA455C0AB0BC}" type="datetimeFigureOut">
               <a:rPr lang="da-DK" smtClean="0"/>
-              <a:t>13-01-2019</a:t>
+              <a:t>14-01-2019</a:t>
             </a:fld>
             <a:endParaRPr lang="da-DK"/>
           </a:p>
@@ -4748,7 +4756,7 @@
           <a:p>
             <a:fld id="{4C52EC6D-AFBA-4F6F-A64F-BA455C0AB0BC}" type="datetimeFigureOut">
               <a:rPr lang="da-DK" smtClean="0"/>
-              <a:t>13-01-2019</a:t>
+              <a:t>14-01-2019</a:t>
             </a:fld>
             <a:endParaRPr lang="da-DK"/>
           </a:p>
@@ -5050,7 +5058,7 @@
           <a:p>
             <a:fld id="{4C52EC6D-AFBA-4F6F-A64F-BA455C0AB0BC}" type="datetimeFigureOut">
               <a:rPr lang="da-DK" smtClean="0"/>
-              <a:t>13-01-2019</a:t>
+              <a:t>14-01-2019</a:t>
             </a:fld>
             <a:endParaRPr lang="da-DK"/>
           </a:p>
@@ -5472,7 +5480,7 @@
           <a:p>
             <a:fld id="{4C52EC6D-AFBA-4F6F-A64F-BA455C0AB0BC}" type="datetimeFigureOut">
               <a:rPr lang="da-DK" smtClean="0"/>
-              <a:t>13-01-2019</a:t>
+              <a:t>14-01-2019</a:t>
             </a:fld>
             <a:endParaRPr lang="da-DK"/>
           </a:p>
@@ -5634,7 +5642,7 @@
           <a:p>
             <a:fld id="{4C52EC6D-AFBA-4F6F-A64F-BA455C0AB0BC}" type="datetimeFigureOut">
               <a:rPr lang="da-DK" smtClean="0"/>
-              <a:t>13-01-2019</a:t>
+              <a:t>14-01-2019</a:t>
             </a:fld>
             <a:endParaRPr lang="da-DK"/>
           </a:p>
@@ -5729,7 +5737,7 @@
           <a:p>
             <a:fld id="{4C52EC6D-AFBA-4F6F-A64F-BA455C0AB0BC}" type="datetimeFigureOut">
               <a:rPr lang="da-DK" smtClean="0"/>
-              <a:t>13-01-2019</a:t>
+              <a:t>14-01-2019</a:t>
             </a:fld>
             <a:endParaRPr lang="da-DK"/>
           </a:p>
@@ -6107,7 +6115,7 @@
           <a:p>
             <a:fld id="{4C52EC6D-AFBA-4F6F-A64F-BA455C0AB0BC}" type="datetimeFigureOut">
               <a:rPr lang="da-DK" smtClean="0"/>
-              <a:t>13-01-2019</a:t>
+              <a:t>14-01-2019</a:t>
             </a:fld>
             <a:endParaRPr lang="da-DK"/>
           </a:p>
@@ -6396,7 +6404,7 @@
           <a:p>
             <a:fld id="{4C52EC6D-AFBA-4F6F-A64F-BA455C0AB0BC}" type="datetimeFigureOut">
               <a:rPr lang="da-DK" smtClean="0"/>
-              <a:t>13-01-2019</a:t>
+              <a:t>14-01-2019</a:t>
             </a:fld>
             <a:endParaRPr lang="da-DK"/>
           </a:p>
@@ -6607,7 +6615,7 @@
           <a:p>
             <a:fld id="{4C52EC6D-AFBA-4F6F-A64F-BA455C0AB0BC}" type="datetimeFigureOut">
               <a:rPr lang="da-DK" smtClean="0"/>
-              <a:t>13-01-2019</a:t>
+              <a:t>14-01-2019</a:t>
             </a:fld>
             <a:endParaRPr lang="da-DK"/>
           </a:p>
@@ -7602,46 +7610,16 @@
           <a:p>
             <a:r>
               <a:rPr lang="da-DK" dirty="0"/>
-              <a:t>De 4 P’er</a:t>
-            </a:r>
-          </a:p>
-          <a:p>
-            <a:pPr lvl="1"/>
+              <a:t>Rollefordeling</a:t>
+            </a:r>
+          </a:p>
+          <a:p>
             <a:r>
               <a:rPr lang="da-DK" dirty="0"/>
-              <a:t>People</a:t>
-            </a:r>
-          </a:p>
-          <a:p>
-            <a:pPr lvl="2"/>
-            <a:r>
-              <a:rPr lang="da-DK" dirty="0"/>
-              <a:t>Rollefordeling</a:t>
-            </a:r>
-          </a:p>
-          <a:p>
-            <a:pPr lvl="1"/>
-            <a:r>
-              <a:rPr lang="da-DK" dirty="0"/>
-              <a:t>Product</a:t>
-            </a:r>
-          </a:p>
-          <a:p>
-            <a:pPr lvl="2"/>
-            <a:r>
-              <a:rPr lang="da-DK" dirty="0"/>
-              <a:t>Geolokation/API</a:t>
-            </a:r>
-          </a:p>
-          <a:p>
-            <a:pPr lvl="1"/>
-            <a:r>
-              <a:rPr lang="da-DK" dirty="0"/>
-              <a:t>Project</a:t>
-            </a:r>
-          </a:p>
-          <a:p>
-            <a:pPr lvl="2"/>
+              <a:t>API &amp; Geolokation</a:t>
+            </a:r>
+          </a:p>
+          <a:p>
             <a:r>
               <a:rPr lang="da-DK" dirty="0"/>
               <a:t>UP </a:t>
@@ -7661,14 +7639,6 @@
             <a:endParaRPr lang="da-DK" dirty="0"/>
           </a:p>
           <a:p>
-            <a:pPr lvl="1"/>
-            <a:r>
-              <a:rPr lang="da-DK" dirty="0"/>
-              <a:t>Process</a:t>
-            </a:r>
-          </a:p>
-          <a:p>
-            <a:pPr lvl="2"/>
             <a:r>
               <a:rPr lang="da-DK" dirty="0" err="1"/>
               <a:t>Function</a:t>
@@ -7679,7 +7649,6 @@
             </a:r>
           </a:p>
           <a:p>
-            <a:pPr lvl="2"/>
             <a:r>
               <a:rPr lang="da-DK" dirty="0" err="1"/>
               <a:t>Quality</a:t>
@@ -7873,8 +7842,8 @@
         </p:nvSpPr>
         <p:spPr>
           <a:xfrm>
-            <a:off x="959157" y="1113764"/>
-            <a:ext cx="3269749" cy="4624327"/>
+            <a:off x="757534" y="1113763"/>
+            <a:ext cx="3640835" cy="4624327"/>
           </a:xfrm>
         </p:spPr>
         <p:txBody>
@@ -7890,7 +7859,7 @@
                   <a:srgbClr val="FFFFFF"/>
                 </a:solidFill>
               </a:rPr>
-              <a:t>People</a:t>
+              <a:t>Rollefordeling</a:t>
             </a:r>
           </a:p>
         </p:txBody>
@@ -7913,26 +7882,15 @@
         </p:nvSpPr>
         <p:spPr>
           <a:xfrm>
-            <a:off x="5155905" y="1113764"/>
-            <a:ext cx="6108179" cy="4624327"/>
+            <a:off x="4932277" y="737118"/>
+            <a:ext cx="6331807" cy="5000973"/>
           </a:xfrm>
         </p:spPr>
         <p:txBody>
           <a:bodyPr anchor="ctr">
-            <a:normAutofit fontScale="92500" lnSpcReduction="20000"/>
+            <a:normAutofit lnSpcReduction="10000"/>
           </a:bodyPr>
           <a:lstStyle/>
-          <a:p>
-            <a:pPr>
-              <a:lnSpc>
-                <a:spcPct val="90000"/>
-              </a:lnSpc>
-            </a:pPr>
-            <a:r>
-              <a:rPr lang="da-DK" sz="1300" dirty="0"/>
-              <a:t>Rollefordeling</a:t>
-            </a:r>
-          </a:p>
           <a:p>
             <a:pPr lvl="1">
               <a:lnSpc>
@@ -8073,7 +8031,7 @@
             </a:pPr>
             <a:r>
               <a:rPr lang="da-DK" sz="1300" dirty="0"/>
-              <a:t>Formål?</a:t>
+              <a:t>Fordele &amp; ulemper</a:t>
             </a:r>
           </a:p>
           <a:p>
@@ -8201,12 +8159,12 @@
           <a:lstStyle/>
           <a:p>
             <a:r>
-              <a:rPr lang="da-DK">
+              <a:rPr lang="da-DK" dirty="0">
                 <a:solidFill>
                   <a:srgbClr val="FFFEFF"/>
                 </a:solidFill>
               </a:rPr>
-              <a:t>Product</a:t>
+              <a:t>API &amp; Geolokation</a:t>
             </a:r>
           </a:p>
         </p:txBody>
@@ -8295,7 +8253,7 @@
           <a:p>
             <a:r>
               <a:rPr lang="da-DK" dirty="0"/>
-              <a:t>Project</a:t>
+              <a:t>UP VS SCRUM</a:t>
             </a:r>
           </a:p>
         </p:txBody>

--- a/The Next præsentation.pptx
+++ b/The Next præsentation.pptx
@@ -3467,6 +3467,179 @@
 </p:notes>
 </file>
 
+<file path=ppt/notesSlides/notesSlide3.xml><?xml version="1.0" encoding="utf-8"?>
+<p:notes xmlns:a="http://schemas.openxmlformats.org/drawingml/2006/main" xmlns:r="http://schemas.openxmlformats.org/officeDocument/2006/relationships" xmlns:p="http://schemas.openxmlformats.org/presentationml/2006/main">
+  <p:cSld>
+    <p:spTree>
+      <p:nvGrpSpPr>
+        <p:cNvPr id="1" name=""/>
+        <p:cNvGrpSpPr/>
+        <p:nvPr/>
+      </p:nvGrpSpPr>
+      <p:grpSpPr>
+        <a:xfrm>
+          <a:off x="0" y="0"/>
+          <a:ext cx="0" cy="0"/>
+          <a:chOff x="0" y="0"/>
+          <a:chExt cx="0" cy="0"/>
+        </a:xfrm>
+      </p:grpSpPr>
+      <p:sp>
+        <p:nvSpPr>
+          <p:cNvPr id="2" name="Pladsholder til slidebillede 1"/>
+          <p:cNvSpPr>
+            <a:spLocks noGrp="1" noRot="1" noChangeAspect="1"/>
+          </p:cNvSpPr>
+          <p:nvPr>
+            <p:ph type="sldImg"/>
+          </p:nvPr>
+        </p:nvSpPr>
+        <p:spPr/>
+      </p:sp>
+      <p:sp>
+        <p:nvSpPr>
+          <p:cNvPr id="3" name="Pladsholder til noter 2"/>
+          <p:cNvSpPr>
+            <a:spLocks noGrp="1"/>
+          </p:cNvSpPr>
+          <p:nvPr>
+            <p:ph type="body" idx="1"/>
+          </p:nvPr>
+        </p:nvSpPr>
+        <p:spPr/>
+        <p:txBody>
+          <a:bodyPr/>
+          <a:lstStyle/>
+          <a:p>
+            <a:r>
+              <a:rPr lang="da-DK" dirty="0"/>
+              <a:t>UP: Risk driven. Identificerer højrisiko faktorer i starten, hvor </a:t>
+            </a:r>
+            <a:r>
+              <a:rPr lang="da-DK" dirty="0" err="1"/>
+              <a:t>Scrum</a:t>
+            </a:r>
+            <a:r>
+              <a:rPr lang="da-DK" dirty="0"/>
+              <a:t> er task driven, og fokuserer på at udvikle de features der er vigtigst for kunden</a:t>
+            </a:r>
+          </a:p>
+          <a:p>
+            <a:r>
+              <a:rPr lang="da-DK" dirty="0"/>
+              <a:t>UP har en lineær tilgang, selvom den er inkrementel og iterativ. Jo længere henne i processen, jo mindre analyse og design. Under </a:t>
+            </a:r>
+            <a:r>
+              <a:rPr lang="da-DK" dirty="0" err="1"/>
+              <a:t>Scrum</a:t>
+            </a:r>
+            <a:r>
+              <a:rPr lang="da-DK" dirty="0"/>
+              <a:t> analyserer og vurderer man i starten af hver sprint.</a:t>
+            </a:r>
+          </a:p>
+          <a:p>
+            <a:r>
+              <a:rPr lang="da-DK" dirty="0"/>
+              <a:t>UP deployer først produkt sent i processen, hvilket kan være et minus hvis et produkt hurtigt skal tages i brug. </a:t>
+            </a:r>
+            <a:r>
+              <a:rPr lang="da-DK" dirty="0" err="1"/>
+              <a:t>Scrum</a:t>
+            </a:r>
+            <a:r>
+              <a:rPr lang="da-DK" dirty="0"/>
+              <a:t> giver mulighed for at levere et produkt forholdsvist tidligt, og bygge på.</a:t>
+            </a:r>
+          </a:p>
+          <a:p>
+            <a:r>
+              <a:rPr lang="da-DK" dirty="0"/>
+              <a:t>UP indeholder mange artefakter der skal udfærdiges, inden den egentlige produktudvikling </a:t>
+            </a:r>
+            <a:r>
+              <a:rPr lang="da-DK" dirty="0" err="1"/>
+              <a:t>påbegynes</a:t>
+            </a:r>
+            <a:r>
+              <a:rPr lang="da-DK" dirty="0"/>
+              <a:t>, hvor </a:t>
+            </a:r>
+            <a:r>
+              <a:rPr lang="da-DK" dirty="0" err="1"/>
+              <a:t>Scrum</a:t>
+            </a:r>
+            <a:r>
+              <a:rPr lang="da-DK" dirty="0"/>
+              <a:t> reelt set kun har 4: product backlog, sprint backlog, </a:t>
+            </a:r>
+            <a:r>
+              <a:rPr lang="da-DK" dirty="0" err="1"/>
+              <a:t>burn</a:t>
+            </a:r>
+            <a:r>
+              <a:rPr lang="da-DK" dirty="0"/>
+              <a:t> </a:t>
+            </a:r>
+            <a:r>
+              <a:rPr lang="da-DK" dirty="0" err="1"/>
+              <a:t>down</a:t>
+            </a:r>
+            <a:r>
+              <a:rPr lang="da-DK" dirty="0"/>
+              <a:t> </a:t>
+            </a:r>
+            <a:r>
+              <a:rPr lang="da-DK" dirty="0" err="1"/>
+              <a:t>chart</a:t>
+            </a:r>
+            <a:r>
+              <a:rPr lang="da-DK" dirty="0"/>
+              <a:t> og inkrementeringen. Derfor kan man fokusere mere på selve udviklingen i stedet </a:t>
+            </a:r>
+            <a:r>
+              <a:rPr lang="da-DK"/>
+              <a:t>for dokumentation.</a:t>
+            </a:r>
+          </a:p>
+        </p:txBody>
+      </p:sp>
+      <p:sp>
+        <p:nvSpPr>
+          <p:cNvPr id="4" name="Pladsholder til slidenummer 3"/>
+          <p:cNvSpPr>
+            <a:spLocks noGrp="1"/>
+          </p:cNvSpPr>
+          <p:nvPr>
+            <p:ph type="sldNum" sz="quarter" idx="5"/>
+          </p:nvPr>
+        </p:nvSpPr>
+        <p:spPr/>
+        <p:txBody>
+          <a:bodyPr/>
+          <a:lstStyle/>
+          <a:p>
+            <a:fld id="{D06CF7F7-D955-46FE-9A6A-0E516E6F2893}" type="slidenum">
+              <a:rPr lang="da-DK" smtClean="0"/>
+              <a:t>5</a:t>
+            </a:fld>
+            <a:endParaRPr lang="da-DK"/>
+          </a:p>
+        </p:txBody>
+      </p:sp>
+    </p:spTree>
+    <p:extLst>
+      <p:ext uri="{BB962C8B-B14F-4D97-AF65-F5344CB8AC3E}">
+        <p14:creationId xmlns:p14="http://schemas.microsoft.com/office/powerpoint/2010/main" val="366927997"/>
+      </p:ext>
+    </p:extLst>
+  </p:cSld>
+  <p:clrMapOvr>
+    <a:masterClrMapping/>
+  </p:clrMapOvr>
+</p:notes>
+</file>
+
 <file path=ppt/slideLayouts/slideLayout1.xml><?xml version="1.0" encoding="utf-8"?>
 <p:sldLayout xmlns:a="http://schemas.openxmlformats.org/drawingml/2006/main" xmlns:r="http://schemas.openxmlformats.org/officeDocument/2006/relationships" xmlns:p="http://schemas.openxmlformats.org/presentationml/2006/main" type="title" preserve="1">
   <p:cSld name="Titelslide">
@@ -8275,7 +8448,7 @@
           </p:nvPr>
         </p:nvPicPr>
         <p:blipFill>
-          <a:blip r:embed="rId2">
+          <a:blip r:embed="rId3">
             <a:extLst>
               <a:ext uri="{28A0092B-C50C-407E-A947-70E740481C1C}">
                 <a14:useLocalDpi xmlns:a14="http://schemas.microsoft.com/office/drawing/2010/main" val="0"/>
@@ -8547,7 +8720,7 @@
           <p:nvPr/>
         </p:nvPicPr>
         <p:blipFill>
-          <a:blip r:embed="rId3"/>
+          <a:blip r:embed="rId4"/>
           <a:stretch>
             <a:fillRect/>
           </a:stretch>
